--- a/화면정의서.pptx
+++ b/화면정의서.pptx
@@ -13,8 +13,12 @@
     <p:sldId id="264" r:id="rId7"/>
     <p:sldId id="265" r:id="rId8"/>
     <p:sldId id="266" r:id="rId9"/>
-    <p:sldId id="257" r:id="rId10"/>
-    <p:sldId id="258" r:id="rId11"/>
+    <p:sldId id="268" r:id="rId10"/>
+    <p:sldId id="269" r:id="rId11"/>
+    <p:sldId id="273" r:id="rId12"/>
+    <p:sldId id="270" r:id="rId13"/>
+    <p:sldId id="271" r:id="rId14"/>
+    <p:sldId id="272" r:id="rId15"/>
   </p:sldIdLst>
   <p:sldSz cx="12192000" cy="6858000"/>
   <p:notesSz cx="6858000" cy="9144000"/>
@@ -113,6 +117,11 @@
       </a:defRPr>
     </a:lvl9pPr>
   </p:defaultTextStyle>
+  <p:extLst>
+    <p:ext uri="{EFAFB233-063F-42B5-8137-9DF3F51BA10A}">
+      <p15:sldGuideLst xmlns:p15="http://schemas.microsoft.com/office/powerpoint/2012/main"/>
+    </p:ext>
+  </p:extLst>
 </p:presentation>
 </file>
 
@@ -247,7 +256,7 @@
           <a:p>
             <a:fld id="{7043625E-8BC0-46E2-A81F-24B9F552ACCE}" type="datetimeFigureOut">
               <a:rPr lang="ko-KR" altLang="en-US" smtClean="0"/>
-              <a:t>2015-01-07</a:t>
+              <a:t>2015-01-08</a:t>
             </a:fld>
             <a:endParaRPr lang="ko-KR" altLang="en-US"/>
           </a:p>
@@ -417,7 +426,7 @@
           <a:p>
             <a:fld id="{7043625E-8BC0-46E2-A81F-24B9F552ACCE}" type="datetimeFigureOut">
               <a:rPr lang="ko-KR" altLang="en-US" smtClean="0"/>
-              <a:t>2015-01-07</a:t>
+              <a:t>2015-01-08</a:t>
             </a:fld>
             <a:endParaRPr lang="ko-KR" altLang="en-US"/>
           </a:p>
@@ -597,7 +606,7 @@
           <a:p>
             <a:fld id="{7043625E-8BC0-46E2-A81F-24B9F552ACCE}" type="datetimeFigureOut">
               <a:rPr lang="ko-KR" altLang="en-US" smtClean="0"/>
-              <a:t>2015-01-07</a:t>
+              <a:t>2015-01-08</a:t>
             </a:fld>
             <a:endParaRPr lang="ko-KR" altLang="en-US"/>
           </a:p>
@@ -767,7 +776,7 @@
           <a:p>
             <a:fld id="{7043625E-8BC0-46E2-A81F-24B9F552ACCE}" type="datetimeFigureOut">
               <a:rPr lang="ko-KR" altLang="en-US" smtClean="0"/>
-              <a:t>2015-01-07</a:t>
+              <a:t>2015-01-08</a:t>
             </a:fld>
             <a:endParaRPr lang="ko-KR" altLang="en-US"/>
           </a:p>
@@ -1013,7 +1022,7 @@
           <a:p>
             <a:fld id="{7043625E-8BC0-46E2-A81F-24B9F552ACCE}" type="datetimeFigureOut">
               <a:rPr lang="ko-KR" altLang="en-US" smtClean="0"/>
-              <a:t>2015-01-07</a:t>
+              <a:t>2015-01-08</a:t>
             </a:fld>
             <a:endParaRPr lang="ko-KR" altLang="en-US"/>
           </a:p>
@@ -1245,7 +1254,7 @@
           <a:p>
             <a:fld id="{7043625E-8BC0-46E2-A81F-24B9F552ACCE}" type="datetimeFigureOut">
               <a:rPr lang="ko-KR" altLang="en-US" smtClean="0"/>
-              <a:t>2015-01-07</a:t>
+              <a:t>2015-01-08</a:t>
             </a:fld>
             <a:endParaRPr lang="ko-KR" altLang="en-US"/>
           </a:p>
@@ -1612,7 +1621,7 @@
           <a:p>
             <a:fld id="{7043625E-8BC0-46E2-A81F-24B9F552ACCE}" type="datetimeFigureOut">
               <a:rPr lang="ko-KR" altLang="en-US" smtClean="0"/>
-              <a:t>2015-01-07</a:t>
+              <a:t>2015-01-08</a:t>
             </a:fld>
             <a:endParaRPr lang="ko-KR" altLang="en-US"/>
           </a:p>
@@ -1730,7 +1739,7 @@
           <a:p>
             <a:fld id="{7043625E-8BC0-46E2-A81F-24B9F552ACCE}" type="datetimeFigureOut">
               <a:rPr lang="ko-KR" altLang="en-US" smtClean="0"/>
-              <a:t>2015-01-07</a:t>
+              <a:t>2015-01-08</a:t>
             </a:fld>
             <a:endParaRPr lang="ko-KR" altLang="en-US"/>
           </a:p>
@@ -1825,7 +1834,7 @@
           <a:p>
             <a:fld id="{7043625E-8BC0-46E2-A81F-24B9F552ACCE}" type="datetimeFigureOut">
               <a:rPr lang="ko-KR" altLang="en-US" smtClean="0"/>
-              <a:t>2015-01-07</a:t>
+              <a:t>2015-01-08</a:t>
             </a:fld>
             <a:endParaRPr lang="ko-KR" altLang="en-US"/>
           </a:p>
@@ -2102,7 +2111,7 @@
           <a:p>
             <a:fld id="{7043625E-8BC0-46E2-A81F-24B9F552ACCE}" type="datetimeFigureOut">
               <a:rPr lang="ko-KR" altLang="en-US" smtClean="0"/>
-              <a:t>2015-01-07</a:t>
+              <a:t>2015-01-08</a:t>
             </a:fld>
             <a:endParaRPr lang="ko-KR" altLang="en-US"/>
           </a:p>
@@ -2355,7 +2364,7 @@
           <a:p>
             <a:fld id="{7043625E-8BC0-46E2-A81F-24B9F552ACCE}" type="datetimeFigureOut">
               <a:rPr lang="ko-KR" altLang="en-US" smtClean="0"/>
-              <a:t>2015-01-07</a:t>
+              <a:t>2015-01-08</a:t>
             </a:fld>
             <a:endParaRPr lang="ko-KR" altLang="en-US"/>
           </a:p>
@@ -2568,7 +2577,7 @@
           <a:p>
             <a:fld id="{7043625E-8BC0-46E2-A81F-24B9F552ACCE}" type="datetimeFigureOut">
               <a:rPr lang="ko-KR" altLang="en-US" smtClean="0"/>
-              <a:t>2015-01-07</a:t>
+              <a:t>2015-01-08</a:t>
             </a:fld>
             <a:endParaRPr lang="ko-KR" altLang="en-US"/>
           </a:p>
@@ -3254,7 +3263,7 @@
         </p:nvSpPr>
         <p:spPr>
           <a:xfrm>
-            <a:off x="2256790" y="1228570"/>
+            <a:off x="2256790" y="1414838"/>
             <a:ext cx="1972733" cy="846666"/>
           </a:xfrm>
           <a:prstGeom prst="rect">
@@ -3302,7 +3311,7 @@
         </p:nvSpPr>
         <p:spPr>
           <a:xfrm>
-            <a:off x="2252555" y="2295370"/>
+            <a:off x="2252555" y="2481638"/>
             <a:ext cx="1972733" cy="846666"/>
           </a:xfrm>
           <a:prstGeom prst="rect">
@@ -3346,7 +3355,7 @@
         </p:nvGrpSpPr>
         <p:grpSpPr>
           <a:xfrm>
-            <a:off x="1951130" y="4638091"/>
+            <a:off x="1951130" y="4824359"/>
             <a:ext cx="877163" cy="537635"/>
             <a:chOff x="2010400" y="4038600"/>
             <a:chExt cx="877163" cy="537635"/>
@@ -3431,7 +3440,7 @@
         </p:nvGrpSpPr>
         <p:grpSpPr>
           <a:xfrm>
-            <a:off x="2702548" y="4638091"/>
+            <a:off x="2702548" y="4824359"/>
             <a:ext cx="877163" cy="516467"/>
             <a:chOff x="2761818" y="4038600"/>
             <a:chExt cx="877163" cy="516467"/>
@@ -3516,7 +3525,7 @@
         </p:nvGrpSpPr>
         <p:grpSpPr>
           <a:xfrm>
-            <a:off x="3645324" y="4638091"/>
+            <a:off x="3645324" y="4824359"/>
             <a:ext cx="1247611" cy="537635"/>
             <a:chOff x="3704594" y="4038600"/>
             <a:chExt cx="1247611" cy="537635"/>
@@ -3697,7 +3706,7 @@
         </p:nvSpPr>
         <p:spPr>
           <a:xfrm>
-            <a:off x="2252554" y="3369536"/>
+            <a:off x="2252554" y="3555804"/>
             <a:ext cx="1972733" cy="846666"/>
           </a:xfrm>
           <a:prstGeom prst="rect">
@@ -3730,6 +3739,144 @@
               <a:t>상  점</a:t>
             </a:r>
             <a:endParaRPr lang="ko-KR" altLang="en-US" dirty="0"/>
+          </a:p>
+        </p:txBody>
+      </p:sp>
+      <p:sp>
+        <p:nvSpPr>
+          <p:cNvPr id="2" name="TextBox 1"/>
+          <p:cNvSpPr txBox="1"/>
+          <p:nvPr/>
+        </p:nvSpPr>
+        <p:spPr>
+          <a:xfrm>
+            <a:off x="2775491" y="4083285"/>
+            <a:ext cx="926857" cy="307777"/>
+          </a:xfrm>
+          <a:prstGeom prst="rect">
+            <a:avLst/>
+          </a:prstGeom>
+          <a:noFill/>
+        </p:spPr>
+        <p:txBody>
+          <a:bodyPr wrap="none" rtlCol="0">
+            <a:spAutoFit/>
+          </a:bodyPr>
+          <a:lstStyle/>
+          <a:p>
+            <a:r>
+              <a:rPr lang="en-US" altLang="ko-KR" sz="1400" dirty="0" smtClean="0"/>
+              <a:t>Btn01-02</a:t>
+            </a:r>
+            <a:endParaRPr lang="ko-KR" altLang="en-US" sz="1400" dirty="0"/>
+          </a:p>
+        </p:txBody>
+      </p:sp>
+      <p:sp>
+        <p:nvSpPr>
+          <p:cNvPr id="19" name="TextBox 18"/>
+          <p:cNvSpPr txBox="1"/>
+          <p:nvPr/>
+        </p:nvSpPr>
+        <p:spPr>
+          <a:xfrm>
+            <a:off x="956733" y="1506624"/>
+            <a:ext cx="1127937" cy="276999"/>
+          </a:xfrm>
+          <a:prstGeom prst="rect">
+            <a:avLst/>
+          </a:prstGeom>
+          <a:noFill/>
+        </p:spPr>
+        <p:txBody>
+          <a:bodyPr wrap="none" rtlCol="0">
+            <a:spAutoFit/>
+          </a:bodyPr>
+          <a:lstStyle/>
+          <a:p>
+            <a:r>
+              <a:rPr lang="en-US" altLang="ko-KR" sz="1200" dirty="0" smtClean="0"/>
+              <a:t>shfksekdrms2</a:t>
+            </a:r>
+            <a:endParaRPr lang="ko-KR" altLang="en-US" sz="1200" dirty="0"/>
+          </a:p>
+        </p:txBody>
+      </p:sp>
+      <p:sp>
+        <p:nvSpPr>
+          <p:cNvPr id="21" name="모서리가 둥근 직사각형 20"/>
+          <p:cNvSpPr/>
+          <p:nvPr/>
+        </p:nvSpPr>
+        <p:spPr>
+          <a:xfrm>
+            <a:off x="4673921" y="412538"/>
+            <a:ext cx="931330" cy="254000"/>
+          </a:xfrm>
+          <a:prstGeom prst="roundRect">
+            <a:avLst/>
+          </a:prstGeom>
+        </p:spPr>
+        <p:style>
+          <a:lnRef idx="2">
+            <a:schemeClr val="accent1">
+              <a:shade val="50000"/>
+            </a:schemeClr>
+          </a:lnRef>
+          <a:fillRef idx="1">
+            <a:schemeClr val="accent1"/>
+          </a:fillRef>
+          <a:effectRef idx="0">
+            <a:schemeClr val="accent1"/>
+          </a:effectRef>
+          <a:fontRef idx="minor">
+            <a:schemeClr val="lt1"/>
+          </a:fontRef>
+        </p:style>
+        <p:txBody>
+          <a:bodyPr rtlCol="0" anchor="ctr"/>
+          <a:lstStyle/>
+          <a:p>
+            <a:pPr algn="ctr"/>
+            <a:r>
+              <a:rPr lang="en-US" altLang="ko-KR" sz="1400" dirty="0" smtClean="0"/>
+              <a:t>Google+</a:t>
+            </a:r>
+            <a:endParaRPr lang="ko-KR" altLang="en-US" sz="1400" dirty="0"/>
+          </a:p>
+        </p:txBody>
+      </p:sp>
+      <p:sp>
+        <p:nvSpPr>
+          <p:cNvPr id="8" name="TextBox 7"/>
+          <p:cNvSpPr txBox="1"/>
+          <p:nvPr/>
+        </p:nvSpPr>
+        <p:spPr>
+          <a:xfrm>
+            <a:off x="2551114" y="370302"/>
+            <a:ext cx="2188420" cy="307777"/>
+          </a:xfrm>
+          <a:prstGeom prst="rect">
+            <a:avLst/>
+          </a:prstGeom>
+          <a:noFill/>
+        </p:spPr>
+        <p:txBody>
+          <a:bodyPr wrap="none" rtlCol="0">
+            <a:spAutoFit/>
+          </a:bodyPr>
+          <a:lstStyle/>
+          <a:p>
+            <a:r>
+              <a:rPr lang="ko-KR" altLang="en-US" sz="1400" dirty="0" smtClean="0"/>
+              <a:t>이미 계정이 있으신가요</a:t>
+            </a:r>
+            <a:r>
+              <a:rPr lang="en-US" altLang="ko-KR" sz="1400" dirty="0" smtClean="0"/>
+              <a:t>?</a:t>
+            </a:r>
+            <a:endParaRPr lang="ko-KR" altLang="en-US" sz="1400" dirty="0"/>
           </a:p>
         </p:txBody>
       </p:sp>
@@ -3770,10 +3917,3613 @@
           <a:chExt cx="0" cy="0"/>
         </a:xfrm>
       </p:grpSpPr>
+      <p:sp>
+        <p:nvSpPr>
+          <p:cNvPr id="4" name="직사각형 3"/>
+          <p:cNvSpPr/>
+          <p:nvPr/>
+        </p:nvSpPr>
+        <p:spPr>
+          <a:xfrm>
+            <a:off x="863600" y="313263"/>
+            <a:ext cx="4826000" cy="6197600"/>
+          </a:xfrm>
+          <a:prstGeom prst="rect">
+            <a:avLst/>
+          </a:prstGeom>
+          <a:solidFill>
+            <a:schemeClr val="bg1"/>
+          </a:solidFill>
+          <a:ln>
+            <a:solidFill>
+              <a:schemeClr val="tx1"/>
+            </a:solidFill>
+          </a:ln>
+        </p:spPr>
+        <p:style>
+          <a:lnRef idx="2">
+            <a:schemeClr val="accent1">
+              <a:shade val="50000"/>
+            </a:schemeClr>
+          </a:lnRef>
+          <a:fillRef idx="1">
+            <a:schemeClr val="accent1"/>
+          </a:fillRef>
+          <a:effectRef idx="0">
+            <a:schemeClr val="accent1"/>
+          </a:effectRef>
+          <a:fontRef idx="minor">
+            <a:schemeClr val="lt1"/>
+          </a:fontRef>
+        </p:style>
+        <p:txBody>
+          <a:bodyPr rtlCol="0" anchor="ctr"/>
+          <a:lstStyle/>
+          <a:p>
+            <a:pPr algn="ctr"/>
+            <a:endParaRPr lang="ko-KR" altLang="en-US" dirty="0"/>
+          </a:p>
+        </p:txBody>
+      </p:sp>
+      <p:graphicFrame>
+        <p:nvGraphicFramePr>
+          <p:cNvPr id="5" name="표 4"/>
+          <p:cNvGraphicFramePr>
+            <a:graphicFrameLocks noGrp="1"/>
+          </p:cNvGraphicFramePr>
+          <p:nvPr>
+            <p:extLst>
+              <p:ext uri="{D42A27DB-BD31-4B8C-83A1-F6EECF244321}">
+                <p14:modId xmlns:p14="http://schemas.microsoft.com/office/powerpoint/2010/main" val="135503863"/>
+              </p:ext>
+            </p:extLst>
+          </p:nvPr>
+        </p:nvGraphicFramePr>
+        <p:xfrm>
+          <a:off x="6392332" y="719664"/>
+          <a:ext cx="4174068" cy="4172772"/>
+        </p:xfrm>
+        <a:graphic>
+          <a:graphicData uri="http://schemas.openxmlformats.org/drawingml/2006/table">
+            <a:tbl>
+              <a:tblPr>
+                <a:tableStyleId>{073A0DAA-6AF3-43AB-8588-CEC1D06C72B9}</a:tableStyleId>
+              </a:tblPr>
+              <a:tblGrid>
+                <a:gridCol w="2087034"/>
+                <a:gridCol w="2087034"/>
+              </a:tblGrid>
+              <a:tr h="732867">
+                <a:tc>
+                  <a:txBody>
+                    <a:bodyPr/>
+                    <a:lstStyle/>
+                    <a:p>
+                      <a:pPr algn="ctr" latinLnBrk="1"/>
+                      <a:r>
+                        <a:rPr lang="ko-KR" altLang="en-US" dirty="0" smtClean="0"/>
+                        <a:t>구분</a:t>
+                      </a:r>
+                      <a:endParaRPr lang="ko-KR" altLang="en-US" dirty="0"/>
+                    </a:p>
+                  </a:txBody>
+                  <a:tcPr anchor="ctr">
+                    <a:solidFill>
+                      <a:schemeClr val="tx1">
+                        <a:lumMod val="50000"/>
+                        <a:lumOff val="50000"/>
+                      </a:schemeClr>
+                    </a:solidFill>
+                  </a:tcPr>
+                </a:tc>
+                <a:tc>
+                  <a:txBody>
+                    <a:bodyPr/>
+                    <a:lstStyle/>
+                    <a:p>
+                      <a:pPr algn="ctr" latinLnBrk="1"/>
+                      <a:r>
+                        <a:rPr lang="ko-KR" altLang="en-US" dirty="0" smtClean="0"/>
+                        <a:t>내용</a:t>
+                      </a:r>
+                      <a:endParaRPr lang="ko-KR" altLang="en-US" dirty="0"/>
+                    </a:p>
+                  </a:txBody>
+                  <a:tcPr anchor="ctr">
+                    <a:solidFill>
+                      <a:schemeClr val="tx1">
+                        <a:lumMod val="50000"/>
+                        <a:lumOff val="50000"/>
+                      </a:schemeClr>
+                    </a:solidFill>
+                  </a:tcPr>
+                </a:tc>
+              </a:tr>
+              <a:tr h="1109049">
+                <a:tc>
+                  <a:txBody>
+                    <a:bodyPr/>
+                    <a:lstStyle/>
+                    <a:p>
+                      <a:pPr algn="ctr" latinLnBrk="1"/>
+                      <a:r>
+                        <a:rPr lang="ko-KR" altLang="en-US" dirty="0" smtClean="0"/>
+                        <a:t>화면 번호</a:t>
+                      </a:r>
+                      <a:r>
+                        <a:rPr lang="en-US" altLang="ko-KR" dirty="0" smtClean="0"/>
+                        <a:t/>
+                      </a:r>
+                      <a:br>
+                        <a:rPr lang="en-US" altLang="ko-KR" dirty="0" smtClean="0"/>
+                      </a:br>
+                      <a:r>
+                        <a:rPr lang="en-US" altLang="ko-KR" dirty="0" smtClean="0"/>
+                        <a:t>(</a:t>
+                      </a:r>
+                      <a:r>
+                        <a:rPr lang="ko-KR" altLang="en-US" dirty="0" smtClean="0"/>
+                        <a:t>랭킹보기</a:t>
+                      </a:r>
+                      <a:r>
+                        <a:rPr lang="en-US" altLang="ko-KR" dirty="0" smtClean="0"/>
+                        <a:t>)</a:t>
+                      </a:r>
+                      <a:endParaRPr lang="ko-KR" altLang="en-US" dirty="0"/>
+                    </a:p>
+                  </a:txBody>
+                  <a:tcPr anchor="ctr"/>
+                </a:tc>
+                <a:tc>
+                  <a:txBody>
+                    <a:bodyPr/>
+                    <a:lstStyle/>
+                    <a:p>
+                      <a:pPr algn="ctr" latinLnBrk="1"/>
+                      <a:r>
+                        <a:rPr lang="en-US" altLang="ko-KR" dirty="0" smtClean="0"/>
+                        <a:t>07-01-01</a:t>
+                      </a:r>
+                      <a:endParaRPr lang="ko-KR" altLang="en-US" dirty="0"/>
+                    </a:p>
+                  </a:txBody>
+                  <a:tcPr anchor="ctr"/>
+                </a:tc>
+              </a:tr>
+              <a:tr h="1165428">
+                <a:tc>
+                  <a:txBody>
+                    <a:bodyPr/>
+                    <a:lstStyle/>
+                    <a:p>
+                      <a:pPr algn="ctr" latinLnBrk="1"/>
+                      <a:r>
+                        <a:rPr lang="en-US" altLang="ko-KR" dirty="0" smtClean="0"/>
+                        <a:t>btn01</a:t>
+                      </a:r>
+                      <a:endParaRPr lang="ko-KR" altLang="en-US" dirty="0"/>
+                    </a:p>
+                  </a:txBody>
+                  <a:tcPr anchor="ctr"/>
+                </a:tc>
+                <a:tc>
+                  <a:txBody>
+                    <a:bodyPr/>
+                    <a:lstStyle/>
+                    <a:p>
+                      <a:pPr algn="ctr" latinLnBrk="1"/>
+                      <a:endParaRPr lang="ko-KR" altLang="en-US" dirty="0"/>
+                    </a:p>
+                  </a:txBody>
+                  <a:tcPr anchor="ctr"/>
+                </a:tc>
+              </a:tr>
+              <a:tr h="1165428">
+                <a:tc>
+                  <a:txBody>
+                    <a:bodyPr/>
+                    <a:lstStyle/>
+                    <a:p>
+                      <a:pPr algn="ctr" latinLnBrk="1"/>
+                      <a:r>
+                        <a:rPr lang="ko-KR" altLang="en-US" dirty="0" smtClean="0"/>
+                        <a:t>스크롤 바</a:t>
+                      </a:r>
+                      <a:endParaRPr lang="ko-KR" altLang="en-US" dirty="0"/>
+                    </a:p>
+                  </a:txBody>
+                  <a:tcPr anchor="ctr"/>
+                </a:tc>
+                <a:tc>
+                  <a:txBody>
+                    <a:bodyPr/>
+                    <a:lstStyle/>
+                    <a:p>
+                      <a:pPr algn="ctr" latinLnBrk="1"/>
+                      <a:r>
+                        <a:rPr lang="ko-KR" altLang="en-US" dirty="0" smtClean="0"/>
+                        <a:t>친구 </a:t>
+                      </a:r>
+                      <a:r>
+                        <a:rPr lang="en-US" altLang="ko-KR" dirty="0" smtClean="0"/>
+                        <a:t>-&gt; </a:t>
+                      </a:r>
+                      <a:r>
+                        <a:rPr lang="ko-KR" altLang="en-US" dirty="0" smtClean="0"/>
+                        <a:t>다 보여</a:t>
+                      </a:r>
+                      <a:endParaRPr lang="en-US" altLang="ko-KR" dirty="0" smtClean="0"/>
+                    </a:p>
+                    <a:p>
+                      <a:pPr algn="ctr" latinLnBrk="1"/>
+                      <a:r>
+                        <a:rPr lang="ko-KR" altLang="en-US" dirty="0" smtClean="0"/>
+                        <a:t>세계 </a:t>
+                      </a:r>
+                      <a:r>
+                        <a:rPr lang="en-US" altLang="ko-KR" dirty="0" smtClean="0"/>
+                        <a:t>-&gt; 100</a:t>
+                      </a:r>
+                      <a:r>
+                        <a:rPr lang="ko-KR" altLang="en-US" dirty="0" smtClean="0"/>
+                        <a:t>위</a:t>
+                      </a:r>
+                      <a:endParaRPr lang="ko-KR" altLang="en-US" dirty="0"/>
+                    </a:p>
+                  </a:txBody>
+                  <a:tcPr anchor="ctr"/>
+                </a:tc>
+              </a:tr>
+            </a:tbl>
+          </a:graphicData>
+        </a:graphic>
+      </p:graphicFrame>
+      <p:sp>
+        <p:nvSpPr>
+          <p:cNvPr id="6" name="모서리가 둥근 직사각형 5"/>
+          <p:cNvSpPr/>
+          <p:nvPr/>
+        </p:nvSpPr>
+        <p:spPr>
+          <a:xfrm>
+            <a:off x="1748364" y="541867"/>
+            <a:ext cx="855134" cy="677334"/>
+          </a:xfrm>
+          <a:prstGeom prst="roundRect">
+            <a:avLst/>
+          </a:prstGeom>
+        </p:spPr>
+        <p:style>
+          <a:lnRef idx="2">
+            <a:schemeClr val="accent1">
+              <a:shade val="50000"/>
+            </a:schemeClr>
+          </a:lnRef>
+          <a:fillRef idx="1">
+            <a:schemeClr val="accent1"/>
+          </a:fillRef>
+          <a:effectRef idx="0">
+            <a:schemeClr val="accent1"/>
+          </a:effectRef>
+          <a:fontRef idx="minor">
+            <a:schemeClr val="lt1"/>
+          </a:fontRef>
+        </p:style>
+        <p:txBody>
+          <a:bodyPr rtlCol="0" anchor="ctr"/>
+          <a:lstStyle/>
+          <a:p>
+            <a:pPr algn="ctr"/>
+            <a:endParaRPr lang="ko-KR" altLang="en-US"/>
+          </a:p>
+        </p:txBody>
+      </p:sp>
+      <p:sp>
+        <p:nvSpPr>
+          <p:cNvPr id="24" name="모서리가 둥근 직사각형 23"/>
+          <p:cNvSpPr/>
+          <p:nvPr/>
+        </p:nvSpPr>
+        <p:spPr>
+          <a:xfrm>
+            <a:off x="2709331" y="541867"/>
+            <a:ext cx="855134" cy="677334"/>
+          </a:xfrm>
+          <a:prstGeom prst="roundRect">
+            <a:avLst/>
+          </a:prstGeom>
+        </p:spPr>
+        <p:style>
+          <a:lnRef idx="2">
+            <a:schemeClr val="accent1">
+              <a:shade val="50000"/>
+            </a:schemeClr>
+          </a:lnRef>
+          <a:fillRef idx="1">
+            <a:schemeClr val="accent1"/>
+          </a:fillRef>
+          <a:effectRef idx="0">
+            <a:schemeClr val="accent1"/>
+          </a:effectRef>
+          <a:fontRef idx="minor">
+            <a:schemeClr val="lt1"/>
+          </a:fontRef>
+        </p:style>
+        <p:txBody>
+          <a:bodyPr rtlCol="0" anchor="ctr"/>
+          <a:lstStyle/>
+          <a:p>
+            <a:pPr algn="ctr"/>
+            <a:endParaRPr lang="ko-KR" altLang="en-US"/>
+          </a:p>
+        </p:txBody>
+      </p:sp>
+      <p:sp>
+        <p:nvSpPr>
+          <p:cNvPr id="3" name="모서리가 둥근 직사각형 2"/>
+          <p:cNvSpPr/>
+          <p:nvPr/>
+        </p:nvSpPr>
+        <p:spPr>
+          <a:xfrm>
+            <a:off x="1172633" y="778934"/>
+            <a:ext cx="4207933" cy="4976907"/>
+          </a:xfrm>
+          <a:prstGeom prst="roundRect">
+            <a:avLst/>
+          </a:prstGeom>
+        </p:spPr>
+        <p:style>
+          <a:lnRef idx="2">
+            <a:schemeClr val="accent1">
+              <a:shade val="50000"/>
+            </a:schemeClr>
+          </a:lnRef>
+          <a:fillRef idx="1">
+            <a:schemeClr val="accent1"/>
+          </a:fillRef>
+          <a:effectRef idx="0">
+            <a:schemeClr val="accent1"/>
+          </a:effectRef>
+          <a:fontRef idx="minor">
+            <a:schemeClr val="lt1"/>
+          </a:fontRef>
+        </p:style>
+        <p:txBody>
+          <a:bodyPr rtlCol="0" anchor="ctr"/>
+          <a:lstStyle/>
+          <a:p>
+            <a:pPr fontAlgn="ctr"/>
+            <a:endParaRPr lang="ko-KR" altLang="ko-KR"/>
+          </a:p>
+        </p:txBody>
+      </p:sp>
+      <p:sp>
+        <p:nvSpPr>
+          <p:cNvPr id="7" name="TextBox 6"/>
+          <p:cNvSpPr txBox="1"/>
+          <p:nvPr/>
+        </p:nvSpPr>
+        <p:spPr>
+          <a:xfrm>
+            <a:off x="1869699" y="508001"/>
+            <a:ext cx="543739" cy="307777"/>
+          </a:xfrm>
+          <a:prstGeom prst="rect">
+            <a:avLst/>
+          </a:prstGeom>
+          <a:noFill/>
+        </p:spPr>
+        <p:txBody>
+          <a:bodyPr wrap="none" rtlCol="0">
+            <a:spAutoFit/>
+          </a:bodyPr>
+          <a:lstStyle/>
+          <a:p>
+            <a:r>
+              <a:rPr lang="ko-KR" altLang="en-US" sz="1400" dirty="0" smtClean="0"/>
+              <a:t>친구</a:t>
+            </a:r>
+            <a:endParaRPr lang="ko-KR" altLang="en-US" dirty="0"/>
+          </a:p>
+        </p:txBody>
+      </p:sp>
+      <p:sp>
+        <p:nvSpPr>
+          <p:cNvPr id="28" name="TextBox 27"/>
+          <p:cNvSpPr txBox="1"/>
+          <p:nvPr/>
+        </p:nvSpPr>
+        <p:spPr>
+          <a:xfrm>
+            <a:off x="2875798" y="508001"/>
+            <a:ext cx="543739" cy="307777"/>
+          </a:xfrm>
+          <a:prstGeom prst="rect">
+            <a:avLst/>
+          </a:prstGeom>
+          <a:noFill/>
+        </p:spPr>
+        <p:txBody>
+          <a:bodyPr wrap="none" rtlCol="0">
+            <a:spAutoFit/>
+          </a:bodyPr>
+          <a:lstStyle/>
+          <a:p>
+            <a:r>
+              <a:rPr lang="ko-KR" altLang="en-US" sz="1400" dirty="0" smtClean="0"/>
+              <a:t>세계</a:t>
+            </a:r>
+            <a:endParaRPr lang="ko-KR" altLang="en-US" dirty="0"/>
+          </a:p>
+        </p:txBody>
+      </p:sp>
+      <p:graphicFrame>
+        <p:nvGraphicFramePr>
+          <p:cNvPr id="9" name="표 8"/>
+          <p:cNvGraphicFramePr>
+            <a:graphicFrameLocks noGrp="1"/>
+          </p:cNvGraphicFramePr>
+          <p:nvPr>
+            <p:extLst>
+              <p:ext uri="{D42A27DB-BD31-4B8C-83A1-F6EECF244321}">
+                <p14:modId xmlns:p14="http://schemas.microsoft.com/office/powerpoint/2010/main" val="578981195"/>
+              </p:ext>
+            </p:extLst>
+          </p:nvPr>
+        </p:nvGraphicFramePr>
+        <p:xfrm>
+          <a:off x="1500934" y="1236134"/>
+          <a:ext cx="3551332" cy="3428991"/>
+        </p:xfrm>
+        <a:graphic>
+          <a:graphicData uri="http://schemas.openxmlformats.org/drawingml/2006/table">
+            <a:tbl>
+              <a:tblPr firstRow="1" bandRow="1">
+                <a:tableStyleId>{21E4AEA4-8DFA-4A89-87EB-49C32662AFE0}</a:tableStyleId>
+              </a:tblPr>
+              <a:tblGrid>
+                <a:gridCol w="658066"/>
+                <a:gridCol w="1168400"/>
+                <a:gridCol w="650767"/>
+                <a:gridCol w="1074099"/>
+              </a:tblGrid>
+              <a:tr h="380999">
+                <a:tc>
+                  <a:txBody>
+                    <a:bodyPr/>
+                    <a:lstStyle/>
+                    <a:p>
+                      <a:pPr algn="ctr" latinLnBrk="1"/>
+                      <a:r>
+                        <a:rPr lang="ko-KR" altLang="en-US" sz="1200" dirty="0" smtClean="0"/>
+                        <a:t>랭킹</a:t>
+                      </a:r>
+                      <a:endParaRPr lang="ko-KR" altLang="en-US" sz="1200" dirty="0"/>
+                    </a:p>
+                  </a:txBody>
+                  <a:tcPr anchor="ctr"/>
+                </a:tc>
+                <a:tc>
+                  <a:txBody>
+                    <a:bodyPr/>
+                    <a:lstStyle/>
+                    <a:p>
+                      <a:pPr algn="ctr" latinLnBrk="1"/>
+                      <a:r>
+                        <a:rPr lang="ko-KR" altLang="en-US" sz="1200" dirty="0" smtClean="0"/>
+                        <a:t>닉네임</a:t>
+                      </a:r>
+                      <a:endParaRPr lang="ko-KR" altLang="en-US" sz="1200" dirty="0"/>
+                    </a:p>
+                  </a:txBody>
+                  <a:tcPr anchor="ctr"/>
+                </a:tc>
+                <a:tc>
+                  <a:txBody>
+                    <a:bodyPr/>
+                    <a:lstStyle/>
+                    <a:p>
+                      <a:pPr marL="0" marR="0" indent="0" algn="ctr" defTabSz="914400" rtl="0" eaLnBrk="1" fontAlgn="auto" latinLnBrk="1" hangingPunct="1">
+                        <a:lnSpc>
+                          <a:spcPct val="100000"/>
+                        </a:lnSpc>
+                        <a:spcBef>
+                          <a:spcPts val="0"/>
+                        </a:spcBef>
+                        <a:spcAft>
+                          <a:spcPts val="0"/>
+                        </a:spcAft>
+                        <a:buClrTx/>
+                        <a:buSzTx/>
+                        <a:buFontTx/>
+                        <a:buNone/>
+                        <a:tabLst/>
+                        <a:defRPr/>
+                      </a:pPr>
+                      <a:r>
+                        <a:rPr lang="ko-KR" altLang="en-US" sz="1200" dirty="0" smtClean="0"/>
+                        <a:t>별</a:t>
+                      </a:r>
+                    </a:p>
+                  </a:txBody>
+                  <a:tcPr anchor="ctr"/>
+                </a:tc>
+                <a:tc>
+                  <a:txBody>
+                    <a:bodyPr/>
+                    <a:lstStyle/>
+                    <a:p>
+                      <a:pPr algn="ctr" latinLnBrk="1"/>
+                      <a:r>
+                        <a:rPr lang="ko-KR" altLang="en-US" sz="1200" dirty="0" smtClean="0"/>
+                        <a:t>트로피</a:t>
+                      </a:r>
+                      <a:endParaRPr lang="ko-KR" altLang="en-US" sz="1200" dirty="0"/>
+                    </a:p>
+                  </a:txBody>
+                  <a:tcPr anchor="ctr"/>
+                </a:tc>
+              </a:tr>
+              <a:tr h="380999">
+                <a:tc>
+                  <a:txBody>
+                    <a:bodyPr/>
+                    <a:lstStyle/>
+                    <a:p>
+                      <a:pPr algn="ctr" latinLnBrk="1"/>
+                      <a:r>
+                        <a:rPr lang="en-US" altLang="ko-KR" sz="1200" dirty="0" smtClean="0"/>
+                        <a:t>1</a:t>
+                      </a:r>
+                      <a:endParaRPr lang="ko-KR" altLang="en-US" sz="1200" dirty="0"/>
+                    </a:p>
+                  </a:txBody>
+                  <a:tcPr anchor="ctr"/>
+                </a:tc>
+                <a:tc>
+                  <a:txBody>
+                    <a:bodyPr/>
+                    <a:lstStyle/>
+                    <a:p>
+                      <a:pPr algn="ctr" latinLnBrk="1"/>
+                      <a:r>
+                        <a:rPr lang="ko-KR" altLang="en-US" sz="1200" dirty="0" smtClean="0"/>
+                        <a:t>하하하</a:t>
+                      </a:r>
+                      <a:endParaRPr lang="ko-KR" altLang="en-US" sz="1200" dirty="0"/>
+                    </a:p>
+                  </a:txBody>
+                  <a:tcPr anchor="ctr"/>
+                </a:tc>
+                <a:tc>
+                  <a:txBody>
+                    <a:bodyPr/>
+                    <a:lstStyle/>
+                    <a:p>
+                      <a:pPr algn="ctr" latinLnBrk="1"/>
+                      <a:r>
+                        <a:rPr lang="en-US" altLang="ko-KR" sz="1200" dirty="0" smtClean="0"/>
+                        <a:t>5</a:t>
+                      </a:r>
+                      <a:endParaRPr lang="ko-KR" altLang="en-US" sz="1200" dirty="0"/>
+                    </a:p>
+                  </a:txBody>
+                  <a:tcPr anchor="ctr"/>
+                </a:tc>
+                <a:tc>
+                  <a:txBody>
+                    <a:bodyPr/>
+                    <a:lstStyle/>
+                    <a:p>
+                      <a:pPr algn="ctr" latinLnBrk="1"/>
+                      <a:r>
+                        <a:rPr lang="en-US" altLang="ko-KR" sz="1200" dirty="0" smtClean="0"/>
+                        <a:t>20</a:t>
+                      </a:r>
+                      <a:endParaRPr lang="ko-KR" altLang="en-US" sz="1200" dirty="0"/>
+                    </a:p>
+                  </a:txBody>
+                  <a:tcPr anchor="ctr"/>
+                </a:tc>
+              </a:tr>
+              <a:tr h="380999">
+                <a:tc>
+                  <a:txBody>
+                    <a:bodyPr/>
+                    <a:lstStyle/>
+                    <a:p>
+                      <a:pPr algn="ctr" latinLnBrk="1"/>
+                      <a:r>
+                        <a:rPr lang="en-US" altLang="ko-KR" sz="1200" dirty="0" smtClean="0"/>
+                        <a:t>2</a:t>
+                      </a:r>
+                      <a:endParaRPr lang="ko-KR" altLang="en-US" sz="1200" dirty="0"/>
+                    </a:p>
+                  </a:txBody>
+                  <a:tcPr anchor="ctr"/>
+                </a:tc>
+                <a:tc>
+                  <a:txBody>
+                    <a:bodyPr/>
+                    <a:lstStyle/>
+                    <a:p>
+                      <a:pPr algn="ctr" latinLnBrk="1"/>
+                      <a:r>
+                        <a:rPr lang="en-US" altLang="ko-KR" sz="1200" dirty="0" smtClean="0"/>
+                        <a:t>Jung0313</a:t>
+                      </a:r>
+                      <a:endParaRPr lang="ko-KR" altLang="en-US" sz="1200" dirty="0"/>
+                    </a:p>
+                  </a:txBody>
+                  <a:tcPr anchor="ctr"/>
+                </a:tc>
+                <a:tc>
+                  <a:txBody>
+                    <a:bodyPr/>
+                    <a:lstStyle/>
+                    <a:p>
+                      <a:pPr algn="ctr" latinLnBrk="1"/>
+                      <a:r>
+                        <a:rPr lang="en-US" altLang="ko-KR" sz="1200" dirty="0" smtClean="0"/>
+                        <a:t>1</a:t>
+                      </a:r>
+                      <a:endParaRPr lang="ko-KR" altLang="en-US" sz="1200" dirty="0"/>
+                    </a:p>
+                  </a:txBody>
+                  <a:tcPr anchor="ctr"/>
+                </a:tc>
+                <a:tc>
+                  <a:txBody>
+                    <a:bodyPr/>
+                    <a:lstStyle/>
+                    <a:p>
+                      <a:pPr algn="ctr" latinLnBrk="1"/>
+                      <a:r>
+                        <a:rPr lang="en-US" altLang="ko-KR" sz="1200" dirty="0" smtClean="0"/>
+                        <a:t>10</a:t>
+                      </a:r>
+                      <a:endParaRPr lang="ko-KR" altLang="en-US" sz="1200" dirty="0"/>
+                    </a:p>
+                  </a:txBody>
+                  <a:tcPr anchor="ctr"/>
+                </a:tc>
+              </a:tr>
+              <a:tr h="380999">
+                <a:tc>
+                  <a:txBody>
+                    <a:bodyPr/>
+                    <a:lstStyle/>
+                    <a:p>
+                      <a:pPr algn="ctr" latinLnBrk="1"/>
+                      <a:r>
+                        <a:rPr lang="en-US" altLang="ko-KR" sz="1200" dirty="0" smtClean="0"/>
+                        <a:t>3</a:t>
+                      </a:r>
+                      <a:endParaRPr lang="ko-KR" altLang="en-US" sz="1200" dirty="0"/>
+                    </a:p>
+                  </a:txBody>
+                  <a:tcPr anchor="ctr"/>
+                </a:tc>
+                <a:tc>
+                  <a:txBody>
+                    <a:bodyPr/>
+                    <a:lstStyle/>
+                    <a:p>
+                      <a:pPr algn="ctr" latinLnBrk="1"/>
+                      <a:endParaRPr lang="ko-KR" altLang="en-US" sz="1200" dirty="0"/>
+                    </a:p>
+                  </a:txBody>
+                  <a:tcPr anchor="ctr"/>
+                </a:tc>
+                <a:tc>
+                  <a:txBody>
+                    <a:bodyPr/>
+                    <a:lstStyle/>
+                    <a:p>
+                      <a:pPr algn="ctr" latinLnBrk="1"/>
+                      <a:endParaRPr lang="ko-KR" altLang="en-US" sz="1200" dirty="0"/>
+                    </a:p>
+                  </a:txBody>
+                  <a:tcPr anchor="ctr"/>
+                </a:tc>
+                <a:tc>
+                  <a:txBody>
+                    <a:bodyPr/>
+                    <a:lstStyle/>
+                    <a:p>
+                      <a:pPr algn="ctr" latinLnBrk="1"/>
+                      <a:endParaRPr lang="ko-KR" altLang="en-US" sz="1200" dirty="0"/>
+                    </a:p>
+                  </a:txBody>
+                  <a:tcPr anchor="ctr"/>
+                </a:tc>
+              </a:tr>
+              <a:tr h="380999">
+                <a:tc>
+                  <a:txBody>
+                    <a:bodyPr/>
+                    <a:lstStyle/>
+                    <a:p>
+                      <a:pPr algn="ctr" latinLnBrk="1"/>
+                      <a:r>
+                        <a:rPr lang="en-US" altLang="ko-KR" sz="1200" dirty="0" smtClean="0"/>
+                        <a:t>4</a:t>
+                      </a:r>
+                      <a:endParaRPr lang="ko-KR" altLang="en-US" sz="1200" dirty="0"/>
+                    </a:p>
+                  </a:txBody>
+                  <a:tcPr anchor="ctr"/>
+                </a:tc>
+                <a:tc>
+                  <a:txBody>
+                    <a:bodyPr/>
+                    <a:lstStyle/>
+                    <a:p>
+                      <a:pPr algn="ctr" latinLnBrk="1"/>
+                      <a:endParaRPr lang="ko-KR" altLang="en-US" sz="1200" dirty="0"/>
+                    </a:p>
+                  </a:txBody>
+                  <a:tcPr anchor="ctr"/>
+                </a:tc>
+                <a:tc>
+                  <a:txBody>
+                    <a:bodyPr/>
+                    <a:lstStyle/>
+                    <a:p>
+                      <a:pPr algn="ctr" latinLnBrk="1"/>
+                      <a:endParaRPr lang="ko-KR" altLang="en-US" sz="1200" dirty="0"/>
+                    </a:p>
+                  </a:txBody>
+                  <a:tcPr anchor="ctr"/>
+                </a:tc>
+                <a:tc>
+                  <a:txBody>
+                    <a:bodyPr/>
+                    <a:lstStyle/>
+                    <a:p>
+                      <a:pPr algn="ctr" latinLnBrk="1"/>
+                      <a:endParaRPr lang="ko-KR" altLang="en-US" sz="1200" dirty="0"/>
+                    </a:p>
+                  </a:txBody>
+                  <a:tcPr anchor="ctr"/>
+                </a:tc>
+              </a:tr>
+              <a:tr h="380999">
+                <a:tc>
+                  <a:txBody>
+                    <a:bodyPr/>
+                    <a:lstStyle/>
+                    <a:p>
+                      <a:pPr algn="ctr" latinLnBrk="1"/>
+                      <a:r>
+                        <a:rPr lang="en-US" altLang="ko-KR" sz="1200" dirty="0" smtClean="0"/>
+                        <a:t>5</a:t>
+                      </a:r>
+                      <a:endParaRPr lang="ko-KR" altLang="en-US" sz="1200" dirty="0"/>
+                    </a:p>
+                  </a:txBody>
+                  <a:tcPr anchor="ctr">
+                    <a:lnB w="12700" cap="flat" cmpd="sng" algn="ctr">
+                      <a:solidFill>
+                        <a:schemeClr val="tx1"/>
+                      </a:solidFill>
+                      <a:prstDash val="solid"/>
+                      <a:round/>
+                      <a:headEnd type="none" w="med" len="med"/>
+                      <a:tailEnd type="none" w="med" len="med"/>
+                    </a:lnB>
+                  </a:tcPr>
+                </a:tc>
+                <a:tc>
+                  <a:txBody>
+                    <a:bodyPr/>
+                    <a:lstStyle/>
+                    <a:p>
+                      <a:pPr algn="ctr" latinLnBrk="1"/>
+                      <a:endParaRPr lang="ko-KR" altLang="en-US" sz="1200" dirty="0"/>
+                    </a:p>
+                  </a:txBody>
+                  <a:tcPr anchor="ctr">
+                    <a:lnB w="12700" cap="flat" cmpd="sng" algn="ctr">
+                      <a:solidFill>
+                        <a:schemeClr val="tx1"/>
+                      </a:solidFill>
+                      <a:prstDash val="solid"/>
+                      <a:round/>
+                      <a:headEnd type="none" w="med" len="med"/>
+                      <a:tailEnd type="none" w="med" len="med"/>
+                    </a:lnB>
+                  </a:tcPr>
+                </a:tc>
+                <a:tc>
+                  <a:txBody>
+                    <a:bodyPr/>
+                    <a:lstStyle/>
+                    <a:p>
+                      <a:pPr algn="ctr" latinLnBrk="1"/>
+                      <a:endParaRPr lang="ko-KR" altLang="en-US" sz="1200" dirty="0"/>
+                    </a:p>
+                  </a:txBody>
+                  <a:tcPr anchor="ctr">
+                    <a:lnB w="12700" cap="flat" cmpd="sng" algn="ctr">
+                      <a:solidFill>
+                        <a:schemeClr val="tx1"/>
+                      </a:solidFill>
+                      <a:prstDash val="solid"/>
+                      <a:round/>
+                      <a:headEnd type="none" w="med" len="med"/>
+                      <a:tailEnd type="none" w="med" len="med"/>
+                    </a:lnB>
+                  </a:tcPr>
+                </a:tc>
+                <a:tc>
+                  <a:txBody>
+                    <a:bodyPr/>
+                    <a:lstStyle/>
+                    <a:p>
+                      <a:pPr algn="ctr" latinLnBrk="1"/>
+                      <a:endParaRPr lang="ko-KR" altLang="en-US" sz="1200" dirty="0"/>
+                    </a:p>
+                  </a:txBody>
+                  <a:tcPr anchor="ctr">
+                    <a:lnB w="12700" cap="flat" cmpd="sng" algn="ctr">
+                      <a:solidFill>
+                        <a:schemeClr val="tx1"/>
+                      </a:solidFill>
+                      <a:prstDash val="solid"/>
+                      <a:round/>
+                      <a:headEnd type="none" w="med" len="med"/>
+                      <a:tailEnd type="none" w="med" len="med"/>
+                    </a:lnB>
+                  </a:tcPr>
+                </a:tc>
+              </a:tr>
+              <a:tr h="380999">
+                <a:tc>
+                  <a:txBody>
+                    <a:bodyPr/>
+                    <a:lstStyle/>
+                    <a:p>
+                      <a:pPr algn="ctr" latinLnBrk="1"/>
+                      <a:r>
+                        <a:rPr lang="en-US" altLang="ko-KR" sz="1200" dirty="0" smtClean="0">
+                          <a:solidFill>
+                            <a:sysClr val="windowText" lastClr="000000"/>
+                          </a:solidFill>
+                        </a:rPr>
+                        <a:t>6</a:t>
+                      </a:r>
+                      <a:endParaRPr lang="ko-KR" altLang="en-US" sz="1200" dirty="0">
+                        <a:solidFill>
+                          <a:sysClr val="windowText" lastClr="000000"/>
+                        </a:solidFill>
+                      </a:endParaRPr>
+                    </a:p>
+                  </a:txBody>
+                  <a:tcPr anchor="ctr">
+                    <a:lnL w="12700" cap="flat" cmpd="sng" algn="ctr">
+                      <a:solidFill>
+                        <a:schemeClr val="tx1"/>
+                      </a:solidFill>
+                      <a:prstDash val="solid"/>
+                      <a:round/>
+                      <a:headEnd type="none" w="med" len="med"/>
+                      <a:tailEnd type="none" w="med" len="med"/>
+                    </a:lnL>
+                    <a:lnT w="12700" cap="flat" cmpd="sng" algn="ctr">
+                      <a:solidFill>
+                        <a:schemeClr val="tx1"/>
+                      </a:solidFill>
+                      <a:prstDash val="solid"/>
+                      <a:round/>
+                      <a:headEnd type="none" w="med" len="med"/>
+                      <a:tailEnd type="none" w="med" len="med"/>
+                    </a:lnT>
+                    <a:lnB w="12700" cap="flat" cmpd="sng" algn="ctr">
+                      <a:solidFill>
+                        <a:schemeClr val="tx1"/>
+                      </a:solidFill>
+                      <a:prstDash val="solid"/>
+                      <a:round/>
+                      <a:headEnd type="none" w="med" len="med"/>
+                      <a:tailEnd type="none" w="med" len="med"/>
+                    </a:lnB>
+                    <a:solidFill>
+                      <a:schemeClr val="accent4">
+                        <a:lumMod val="60000"/>
+                        <a:lumOff val="40000"/>
+                      </a:schemeClr>
+                    </a:solidFill>
+                  </a:tcPr>
+                </a:tc>
+                <a:tc>
+                  <a:txBody>
+                    <a:bodyPr/>
+                    <a:lstStyle/>
+                    <a:p>
+                      <a:pPr algn="ctr" latinLnBrk="1"/>
+                      <a:r>
+                        <a:rPr lang="ko-KR" altLang="en-US" sz="1200" dirty="0" err="1" smtClean="0">
+                          <a:solidFill>
+                            <a:sysClr val="windowText" lastClr="000000"/>
+                          </a:solidFill>
+                        </a:rPr>
+                        <a:t>ㅇㄴㅇ</a:t>
+                      </a:r>
+                      <a:endParaRPr lang="ko-KR" altLang="en-US" sz="1200" dirty="0">
+                        <a:solidFill>
+                          <a:sysClr val="windowText" lastClr="000000"/>
+                        </a:solidFill>
+                      </a:endParaRPr>
+                    </a:p>
+                  </a:txBody>
+                  <a:tcPr anchor="ctr">
+                    <a:lnT w="12700" cap="flat" cmpd="sng" algn="ctr">
+                      <a:solidFill>
+                        <a:schemeClr val="tx1"/>
+                      </a:solidFill>
+                      <a:prstDash val="solid"/>
+                      <a:round/>
+                      <a:headEnd type="none" w="med" len="med"/>
+                      <a:tailEnd type="none" w="med" len="med"/>
+                    </a:lnT>
+                    <a:lnB w="12700" cap="flat" cmpd="sng" algn="ctr">
+                      <a:solidFill>
+                        <a:schemeClr val="tx1"/>
+                      </a:solidFill>
+                      <a:prstDash val="solid"/>
+                      <a:round/>
+                      <a:headEnd type="none" w="med" len="med"/>
+                      <a:tailEnd type="none" w="med" len="med"/>
+                    </a:lnB>
+                    <a:solidFill>
+                      <a:schemeClr val="accent4">
+                        <a:lumMod val="60000"/>
+                        <a:lumOff val="40000"/>
+                      </a:schemeClr>
+                    </a:solidFill>
+                  </a:tcPr>
+                </a:tc>
+                <a:tc>
+                  <a:txBody>
+                    <a:bodyPr/>
+                    <a:lstStyle/>
+                    <a:p>
+                      <a:pPr algn="ctr" latinLnBrk="1"/>
+                      <a:r>
+                        <a:rPr lang="en-US" altLang="ko-KR" sz="1200" dirty="0" smtClean="0">
+                          <a:solidFill>
+                            <a:sysClr val="windowText" lastClr="000000"/>
+                          </a:solidFill>
+                        </a:rPr>
+                        <a:t>2</a:t>
+                      </a:r>
+                      <a:endParaRPr lang="ko-KR" altLang="en-US" sz="1200" dirty="0">
+                        <a:solidFill>
+                          <a:sysClr val="windowText" lastClr="000000"/>
+                        </a:solidFill>
+                      </a:endParaRPr>
+                    </a:p>
+                  </a:txBody>
+                  <a:tcPr anchor="ctr">
+                    <a:lnT w="12700" cap="flat" cmpd="sng" algn="ctr">
+                      <a:solidFill>
+                        <a:schemeClr val="tx1"/>
+                      </a:solidFill>
+                      <a:prstDash val="solid"/>
+                      <a:round/>
+                      <a:headEnd type="none" w="med" len="med"/>
+                      <a:tailEnd type="none" w="med" len="med"/>
+                    </a:lnT>
+                    <a:lnB w="12700" cap="flat" cmpd="sng" algn="ctr">
+                      <a:solidFill>
+                        <a:schemeClr val="tx1"/>
+                      </a:solidFill>
+                      <a:prstDash val="solid"/>
+                      <a:round/>
+                      <a:headEnd type="none" w="med" len="med"/>
+                      <a:tailEnd type="none" w="med" len="med"/>
+                    </a:lnB>
+                    <a:solidFill>
+                      <a:schemeClr val="accent4">
+                        <a:lumMod val="60000"/>
+                        <a:lumOff val="40000"/>
+                      </a:schemeClr>
+                    </a:solidFill>
+                  </a:tcPr>
+                </a:tc>
+                <a:tc>
+                  <a:txBody>
+                    <a:bodyPr/>
+                    <a:lstStyle/>
+                    <a:p>
+                      <a:pPr algn="ctr" latinLnBrk="1"/>
+                      <a:r>
+                        <a:rPr lang="en-US" altLang="ko-KR" sz="1200" dirty="0" smtClean="0">
+                          <a:solidFill>
+                            <a:sysClr val="windowText" lastClr="000000"/>
+                          </a:solidFill>
+                        </a:rPr>
+                        <a:t>1</a:t>
+                      </a:r>
+                      <a:endParaRPr lang="ko-KR" altLang="en-US" sz="1200" dirty="0">
+                        <a:solidFill>
+                          <a:sysClr val="windowText" lastClr="000000"/>
+                        </a:solidFill>
+                      </a:endParaRPr>
+                    </a:p>
+                  </a:txBody>
+                  <a:tcPr anchor="ctr">
+                    <a:lnR w="12700" cap="flat" cmpd="sng" algn="ctr">
+                      <a:solidFill>
+                        <a:schemeClr val="tx1"/>
+                      </a:solidFill>
+                      <a:prstDash val="solid"/>
+                      <a:round/>
+                      <a:headEnd type="none" w="med" len="med"/>
+                      <a:tailEnd type="none" w="med" len="med"/>
+                    </a:lnR>
+                    <a:lnT w="12700" cap="flat" cmpd="sng" algn="ctr">
+                      <a:solidFill>
+                        <a:schemeClr val="tx1"/>
+                      </a:solidFill>
+                      <a:prstDash val="solid"/>
+                      <a:round/>
+                      <a:headEnd type="none" w="med" len="med"/>
+                      <a:tailEnd type="none" w="med" len="med"/>
+                    </a:lnT>
+                    <a:lnB w="12700" cap="flat" cmpd="sng" algn="ctr">
+                      <a:solidFill>
+                        <a:schemeClr val="tx1"/>
+                      </a:solidFill>
+                      <a:prstDash val="solid"/>
+                      <a:round/>
+                      <a:headEnd type="none" w="med" len="med"/>
+                      <a:tailEnd type="none" w="med" len="med"/>
+                    </a:lnB>
+                    <a:solidFill>
+                      <a:schemeClr val="accent4">
+                        <a:lumMod val="60000"/>
+                        <a:lumOff val="40000"/>
+                      </a:schemeClr>
+                    </a:solidFill>
+                  </a:tcPr>
+                </a:tc>
+              </a:tr>
+              <a:tr h="380999">
+                <a:tc>
+                  <a:txBody>
+                    <a:bodyPr/>
+                    <a:lstStyle/>
+                    <a:p>
+                      <a:pPr algn="ctr" latinLnBrk="1"/>
+                      <a:endParaRPr lang="ko-KR" altLang="en-US" sz="1200" dirty="0"/>
+                    </a:p>
+                  </a:txBody>
+                  <a:tcPr anchor="ctr">
+                    <a:lnT w="12700" cap="flat" cmpd="sng" algn="ctr">
+                      <a:solidFill>
+                        <a:schemeClr val="tx1"/>
+                      </a:solidFill>
+                      <a:prstDash val="solid"/>
+                      <a:round/>
+                      <a:headEnd type="none" w="med" len="med"/>
+                      <a:tailEnd type="none" w="med" len="med"/>
+                    </a:lnT>
+                  </a:tcPr>
+                </a:tc>
+                <a:tc>
+                  <a:txBody>
+                    <a:bodyPr/>
+                    <a:lstStyle/>
+                    <a:p>
+                      <a:pPr algn="ctr" latinLnBrk="1"/>
+                      <a:endParaRPr lang="ko-KR" altLang="en-US" sz="1200" dirty="0"/>
+                    </a:p>
+                  </a:txBody>
+                  <a:tcPr anchor="ctr">
+                    <a:lnT w="12700" cap="flat" cmpd="sng" algn="ctr">
+                      <a:solidFill>
+                        <a:schemeClr val="tx1"/>
+                      </a:solidFill>
+                      <a:prstDash val="solid"/>
+                      <a:round/>
+                      <a:headEnd type="none" w="med" len="med"/>
+                      <a:tailEnd type="none" w="med" len="med"/>
+                    </a:lnT>
+                  </a:tcPr>
+                </a:tc>
+                <a:tc>
+                  <a:txBody>
+                    <a:bodyPr/>
+                    <a:lstStyle/>
+                    <a:p>
+                      <a:pPr algn="ctr" latinLnBrk="1"/>
+                      <a:endParaRPr lang="ko-KR" altLang="en-US" sz="1200" dirty="0"/>
+                    </a:p>
+                  </a:txBody>
+                  <a:tcPr anchor="ctr">
+                    <a:lnT w="12700" cap="flat" cmpd="sng" algn="ctr">
+                      <a:solidFill>
+                        <a:schemeClr val="tx1"/>
+                      </a:solidFill>
+                      <a:prstDash val="solid"/>
+                      <a:round/>
+                      <a:headEnd type="none" w="med" len="med"/>
+                      <a:tailEnd type="none" w="med" len="med"/>
+                    </a:lnT>
+                  </a:tcPr>
+                </a:tc>
+                <a:tc>
+                  <a:txBody>
+                    <a:bodyPr/>
+                    <a:lstStyle/>
+                    <a:p>
+                      <a:pPr algn="ctr" latinLnBrk="1"/>
+                      <a:endParaRPr lang="ko-KR" altLang="en-US" sz="1200" dirty="0"/>
+                    </a:p>
+                  </a:txBody>
+                  <a:tcPr anchor="ctr">
+                    <a:lnT w="12700" cap="flat" cmpd="sng" algn="ctr">
+                      <a:solidFill>
+                        <a:schemeClr val="tx1"/>
+                      </a:solidFill>
+                      <a:prstDash val="solid"/>
+                      <a:round/>
+                      <a:headEnd type="none" w="med" len="med"/>
+                      <a:tailEnd type="none" w="med" len="med"/>
+                    </a:lnT>
+                  </a:tcPr>
+                </a:tc>
+              </a:tr>
+              <a:tr h="380999">
+                <a:tc>
+                  <a:txBody>
+                    <a:bodyPr/>
+                    <a:lstStyle/>
+                    <a:p>
+                      <a:pPr algn="ctr" latinLnBrk="1"/>
+                      <a:endParaRPr lang="ko-KR" altLang="en-US" sz="1200" dirty="0"/>
+                    </a:p>
+                  </a:txBody>
+                  <a:tcPr anchor="ctr"/>
+                </a:tc>
+                <a:tc>
+                  <a:txBody>
+                    <a:bodyPr/>
+                    <a:lstStyle/>
+                    <a:p>
+                      <a:pPr algn="ctr" latinLnBrk="1"/>
+                      <a:endParaRPr lang="ko-KR" altLang="en-US" sz="1200" dirty="0"/>
+                    </a:p>
+                  </a:txBody>
+                  <a:tcPr anchor="ctr"/>
+                </a:tc>
+                <a:tc>
+                  <a:txBody>
+                    <a:bodyPr/>
+                    <a:lstStyle/>
+                    <a:p>
+                      <a:pPr algn="ctr" latinLnBrk="1"/>
+                      <a:endParaRPr lang="ko-KR" altLang="en-US" sz="1200" dirty="0"/>
+                    </a:p>
+                  </a:txBody>
+                  <a:tcPr anchor="ctr"/>
+                </a:tc>
+                <a:tc>
+                  <a:txBody>
+                    <a:bodyPr/>
+                    <a:lstStyle/>
+                    <a:p>
+                      <a:pPr algn="ctr" latinLnBrk="1"/>
+                      <a:endParaRPr lang="ko-KR" altLang="en-US" sz="1200" dirty="0"/>
+                    </a:p>
+                  </a:txBody>
+                  <a:tcPr anchor="ctr"/>
+                </a:tc>
+              </a:tr>
+            </a:tbl>
+          </a:graphicData>
+        </a:graphic>
+      </p:graphicFrame>
+      <p:sp>
+        <p:nvSpPr>
+          <p:cNvPr id="13" name="모서리가 둥근 직사각형 12"/>
+          <p:cNvSpPr/>
+          <p:nvPr/>
+        </p:nvSpPr>
+        <p:spPr>
+          <a:xfrm>
+            <a:off x="3072404" y="880534"/>
+            <a:ext cx="694266" cy="228600"/>
+          </a:xfrm>
+          <a:prstGeom prst="roundRect">
+            <a:avLst/>
+          </a:prstGeom>
+        </p:spPr>
+        <p:style>
+          <a:lnRef idx="2">
+            <a:schemeClr val="accent4">
+              <a:shade val="50000"/>
+            </a:schemeClr>
+          </a:lnRef>
+          <a:fillRef idx="1">
+            <a:schemeClr val="accent4"/>
+          </a:fillRef>
+          <a:effectRef idx="0">
+            <a:schemeClr val="accent4"/>
+          </a:effectRef>
+          <a:fontRef idx="minor">
+            <a:schemeClr val="lt1"/>
+          </a:fontRef>
+        </p:style>
+        <p:txBody>
+          <a:bodyPr rtlCol="0" anchor="ctr"/>
+          <a:lstStyle/>
+          <a:p>
+            <a:pPr algn="ctr"/>
+            <a:r>
+              <a:rPr lang="ko-KR" altLang="en-US" sz="1200" dirty="0" smtClean="0"/>
+              <a:t>별 순</a:t>
+            </a:r>
+            <a:endParaRPr lang="ko-KR" altLang="en-US" sz="1200" dirty="0"/>
+          </a:p>
+        </p:txBody>
+      </p:sp>
+      <p:sp>
+        <p:nvSpPr>
+          <p:cNvPr id="30" name="모서리가 둥근 직사각형 29"/>
+          <p:cNvSpPr/>
+          <p:nvPr/>
+        </p:nvSpPr>
+        <p:spPr>
+          <a:xfrm>
+            <a:off x="3894668" y="880534"/>
+            <a:ext cx="929215" cy="228600"/>
+          </a:xfrm>
+          <a:prstGeom prst="roundRect">
+            <a:avLst/>
+          </a:prstGeom>
+        </p:spPr>
+        <p:style>
+          <a:lnRef idx="2">
+            <a:schemeClr val="accent4">
+              <a:shade val="50000"/>
+            </a:schemeClr>
+          </a:lnRef>
+          <a:fillRef idx="1">
+            <a:schemeClr val="accent4"/>
+          </a:fillRef>
+          <a:effectRef idx="0">
+            <a:schemeClr val="accent4"/>
+          </a:effectRef>
+          <a:fontRef idx="minor">
+            <a:schemeClr val="lt1"/>
+          </a:fontRef>
+        </p:style>
+        <p:txBody>
+          <a:bodyPr rtlCol="0" anchor="ctr"/>
+          <a:lstStyle/>
+          <a:p>
+            <a:pPr algn="ctr"/>
+            <a:r>
+              <a:rPr lang="ko-KR" altLang="en-US" sz="1200" dirty="0" smtClean="0"/>
+              <a:t>트로피 순</a:t>
+            </a:r>
+            <a:endParaRPr lang="ko-KR" altLang="en-US" sz="1200" dirty="0"/>
+          </a:p>
+        </p:txBody>
+      </p:sp>
+      <p:graphicFrame>
+        <p:nvGraphicFramePr>
+          <p:cNvPr id="14" name="표 13"/>
+          <p:cNvGraphicFramePr>
+            <a:graphicFrameLocks noGrp="1"/>
+          </p:cNvGraphicFramePr>
+          <p:nvPr>
+            <p:extLst>
+              <p:ext uri="{D42A27DB-BD31-4B8C-83A1-F6EECF244321}">
+                <p14:modId xmlns:p14="http://schemas.microsoft.com/office/powerpoint/2010/main" val="2836024127"/>
+              </p:ext>
+            </p:extLst>
+          </p:nvPr>
+        </p:nvGraphicFramePr>
+        <p:xfrm>
+          <a:off x="1494365" y="4926107"/>
+          <a:ext cx="3564467" cy="440267"/>
+        </p:xfrm>
+        <a:graphic>
+          <a:graphicData uri="http://schemas.openxmlformats.org/drawingml/2006/table">
+            <a:tbl>
+              <a:tblPr firstRow="1" bandRow="1">
+                <a:tableStyleId>{5C22544A-7EE6-4342-B048-85BDC9FD1C3A}</a:tableStyleId>
+              </a:tblPr>
+              <a:tblGrid>
+                <a:gridCol w="676589"/>
+                <a:gridCol w="1105645"/>
+                <a:gridCol w="618831"/>
+                <a:gridCol w="1163402"/>
+              </a:tblGrid>
+              <a:tr h="440267">
+                <a:tc>
+                  <a:txBody>
+                    <a:bodyPr/>
+                    <a:lstStyle/>
+                    <a:p>
+                      <a:pPr algn="ctr" latinLnBrk="1"/>
+                      <a:r>
+                        <a:rPr lang="en-US" altLang="ko-KR" dirty="0" smtClean="0"/>
+                        <a:t>6</a:t>
+                      </a:r>
+                      <a:endParaRPr lang="ko-KR" altLang="en-US" dirty="0"/>
+                    </a:p>
+                  </a:txBody>
+                  <a:tcPr anchor="ctr"/>
+                </a:tc>
+                <a:tc>
+                  <a:txBody>
+                    <a:bodyPr/>
+                    <a:lstStyle/>
+                    <a:p>
+                      <a:pPr algn="ctr" latinLnBrk="1"/>
+                      <a:r>
+                        <a:rPr lang="ko-KR" altLang="en-US" dirty="0" err="1" smtClean="0"/>
+                        <a:t>ㅇㄴㅇ</a:t>
+                      </a:r>
+                      <a:endParaRPr lang="ko-KR" altLang="en-US" dirty="0"/>
+                    </a:p>
+                  </a:txBody>
+                  <a:tcPr anchor="ctr"/>
+                </a:tc>
+                <a:tc>
+                  <a:txBody>
+                    <a:bodyPr/>
+                    <a:lstStyle/>
+                    <a:p>
+                      <a:pPr algn="ctr" latinLnBrk="1"/>
+                      <a:r>
+                        <a:rPr lang="en-US" altLang="ko-KR" dirty="0" smtClean="0"/>
+                        <a:t>2</a:t>
+                      </a:r>
+                      <a:endParaRPr lang="ko-KR" altLang="en-US" dirty="0"/>
+                    </a:p>
+                  </a:txBody>
+                  <a:tcPr anchor="ctr"/>
+                </a:tc>
+                <a:tc>
+                  <a:txBody>
+                    <a:bodyPr/>
+                    <a:lstStyle/>
+                    <a:p>
+                      <a:pPr algn="ctr" latinLnBrk="1"/>
+                      <a:r>
+                        <a:rPr lang="en-US" altLang="ko-KR" dirty="0" smtClean="0"/>
+                        <a:t>1</a:t>
+                      </a:r>
+                      <a:endParaRPr lang="ko-KR" altLang="en-US" dirty="0"/>
+                    </a:p>
+                  </a:txBody>
+                  <a:tcPr anchor="ctr"/>
+                </a:tc>
+              </a:tr>
+            </a:tbl>
+          </a:graphicData>
+        </a:graphic>
+      </p:graphicFrame>
+      <p:sp>
+        <p:nvSpPr>
+          <p:cNvPr id="15" name="직사각형 14"/>
+          <p:cNvSpPr/>
+          <p:nvPr/>
+        </p:nvSpPr>
+        <p:spPr>
+          <a:xfrm>
+            <a:off x="5088466" y="1320801"/>
+            <a:ext cx="127000" cy="3368241"/>
+          </a:xfrm>
+          <a:prstGeom prst="rect">
+            <a:avLst/>
+          </a:prstGeom>
+        </p:spPr>
+        <p:style>
+          <a:lnRef idx="2">
+            <a:schemeClr val="accent6">
+              <a:shade val="50000"/>
+            </a:schemeClr>
+          </a:lnRef>
+          <a:fillRef idx="1">
+            <a:schemeClr val="accent6"/>
+          </a:fillRef>
+          <a:effectRef idx="0">
+            <a:schemeClr val="accent6"/>
+          </a:effectRef>
+          <a:fontRef idx="minor">
+            <a:schemeClr val="lt1"/>
+          </a:fontRef>
+        </p:style>
+        <p:txBody>
+          <a:bodyPr rtlCol="0" anchor="ctr"/>
+          <a:lstStyle/>
+          <a:p>
+            <a:pPr algn="ctr"/>
+            <a:endParaRPr lang="ko-KR" altLang="en-US"/>
+          </a:p>
+        </p:txBody>
+      </p:sp>
+      <p:sp>
+        <p:nvSpPr>
+          <p:cNvPr id="35" name="직사각형 34"/>
+          <p:cNvSpPr/>
+          <p:nvPr/>
+        </p:nvSpPr>
+        <p:spPr>
+          <a:xfrm>
+            <a:off x="1168400" y="5858937"/>
+            <a:ext cx="4267200" cy="575734"/>
+          </a:xfrm>
+          <a:prstGeom prst="rect">
+            <a:avLst/>
+          </a:prstGeom>
+        </p:spPr>
+        <p:style>
+          <a:lnRef idx="2">
+            <a:schemeClr val="accent1">
+              <a:shade val="50000"/>
+            </a:schemeClr>
+          </a:lnRef>
+          <a:fillRef idx="1">
+            <a:schemeClr val="accent1"/>
+          </a:fillRef>
+          <a:effectRef idx="0">
+            <a:schemeClr val="accent1"/>
+          </a:effectRef>
+          <a:fontRef idx="minor">
+            <a:schemeClr val="lt1"/>
+          </a:fontRef>
+        </p:style>
+        <p:txBody>
+          <a:bodyPr rtlCol="0" anchor="ctr"/>
+          <a:lstStyle/>
+          <a:p>
+            <a:pPr algn="ctr"/>
+            <a:r>
+              <a:rPr lang="ko-KR" altLang="en-US" dirty="0" smtClean="0"/>
+              <a:t>광   고</a:t>
+            </a:r>
+            <a:endParaRPr lang="ko-KR" altLang="en-US" dirty="0"/>
+          </a:p>
+        </p:txBody>
+      </p:sp>
     </p:spTree>
     <p:extLst>
       <p:ext uri="{BB962C8B-B14F-4D97-AF65-F5344CB8AC3E}">
-        <p14:creationId xmlns:p14="http://schemas.microsoft.com/office/powerpoint/2010/main" val="2869449901"/>
+        <p14:creationId xmlns:p14="http://schemas.microsoft.com/office/powerpoint/2010/main" val="3218724754"/>
+      </p:ext>
+    </p:extLst>
+  </p:cSld>
+  <p:clrMapOvr>
+    <a:masterClrMapping/>
+  </p:clrMapOvr>
+  <p:timing>
+    <p:tnLst>
+      <p:par>
+        <p:cTn id="1" dur="indefinite" restart="never" nodeType="tmRoot"/>
+      </p:par>
+    </p:tnLst>
+  </p:timing>
+</p:sld>
+</file>
+
+<file path=ppt/slides/slide11.xml><?xml version="1.0" encoding="utf-8"?>
+<p:sld xmlns:a="http://schemas.openxmlformats.org/drawingml/2006/main" xmlns:r="http://schemas.openxmlformats.org/officeDocument/2006/relationships" xmlns:p="http://schemas.openxmlformats.org/presentationml/2006/main">
+  <p:cSld>
+    <p:spTree>
+      <p:nvGrpSpPr>
+        <p:cNvPr id="1" name=""/>
+        <p:cNvGrpSpPr/>
+        <p:nvPr/>
+      </p:nvGrpSpPr>
+      <p:grpSpPr>
+        <a:xfrm>
+          <a:off x="0" y="0"/>
+          <a:ext cx="0" cy="0"/>
+          <a:chOff x="0" y="0"/>
+          <a:chExt cx="0" cy="0"/>
+        </a:xfrm>
+      </p:grpSpPr>
+      <p:sp>
+        <p:nvSpPr>
+          <p:cNvPr id="4" name="직사각형 3"/>
+          <p:cNvSpPr/>
+          <p:nvPr/>
+        </p:nvSpPr>
+        <p:spPr>
+          <a:xfrm>
+            <a:off x="863600" y="313263"/>
+            <a:ext cx="4826000" cy="6197600"/>
+          </a:xfrm>
+          <a:prstGeom prst="rect">
+            <a:avLst/>
+          </a:prstGeom>
+          <a:solidFill>
+            <a:schemeClr val="bg1"/>
+          </a:solidFill>
+          <a:ln>
+            <a:solidFill>
+              <a:schemeClr val="tx1"/>
+            </a:solidFill>
+          </a:ln>
+        </p:spPr>
+        <p:style>
+          <a:lnRef idx="2">
+            <a:schemeClr val="accent1">
+              <a:shade val="50000"/>
+            </a:schemeClr>
+          </a:lnRef>
+          <a:fillRef idx="1">
+            <a:schemeClr val="accent1"/>
+          </a:fillRef>
+          <a:effectRef idx="0">
+            <a:schemeClr val="accent1"/>
+          </a:effectRef>
+          <a:fontRef idx="minor">
+            <a:schemeClr val="lt1"/>
+          </a:fontRef>
+        </p:style>
+        <p:txBody>
+          <a:bodyPr rtlCol="0" anchor="ctr"/>
+          <a:lstStyle/>
+          <a:p>
+            <a:pPr algn="ctr"/>
+            <a:endParaRPr lang="ko-KR" altLang="en-US" dirty="0"/>
+          </a:p>
+        </p:txBody>
+      </p:sp>
+      <p:graphicFrame>
+        <p:nvGraphicFramePr>
+          <p:cNvPr id="5" name="표 4"/>
+          <p:cNvGraphicFramePr>
+            <a:graphicFrameLocks noGrp="1"/>
+          </p:cNvGraphicFramePr>
+          <p:nvPr>
+            <p:extLst>
+              <p:ext uri="{D42A27DB-BD31-4B8C-83A1-F6EECF244321}">
+                <p14:modId xmlns:p14="http://schemas.microsoft.com/office/powerpoint/2010/main" val="4171795936"/>
+              </p:ext>
+            </p:extLst>
+          </p:nvPr>
+        </p:nvGraphicFramePr>
+        <p:xfrm>
+          <a:off x="6392332" y="719664"/>
+          <a:ext cx="4174068" cy="3007344"/>
+        </p:xfrm>
+        <a:graphic>
+          <a:graphicData uri="http://schemas.openxmlformats.org/drawingml/2006/table">
+            <a:tbl>
+              <a:tblPr>
+                <a:tableStyleId>{073A0DAA-6AF3-43AB-8588-CEC1D06C72B9}</a:tableStyleId>
+              </a:tblPr>
+              <a:tblGrid>
+                <a:gridCol w="2087034"/>
+                <a:gridCol w="2087034"/>
+              </a:tblGrid>
+              <a:tr h="732867">
+                <a:tc>
+                  <a:txBody>
+                    <a:bodyPr/>
+                    <a:lstStyle/>
+                    <a:p>
+                      <a:pPr algn="ctr" latinLnBrk="1"/>
+                      <a:r>
+                        <a:rPr lang="ko-KR" altLang="en-US" dirty="0" smtClean="0"/>
+                        <a:t>구분</a:t>
+                      </a:r>
+                      <a:endParaRPr lang="ko-KR" altLang="en-US" dirty="0"/>
+                    </a:p>
+                  </a:txBody>
+                  <a:tcPr anchor="ctr">
+                    <a:solidFill>
+                      <a:schemeClr val="tx1">
+                        <a:lumMod val="50000"/>
+                        <a:lumOff val="50000"/>
+                      </a:schemeClr>
+                    </a:solidFill>
+                  </a:tcPr>
+                </a:tc>
+                <a:tc>
+                  <a:txBody>
+                    <a:bodyPr/>
+                    <a:lstStyle/>
+                    <a:p>
+                      <a:pPr algn="ctr" latinLnBrk="1"/>
+                      <a:r>
+                        <a:rPr lang="ko-KR" altLang="en-US" dirty="0" smtClean="0"/>
+                        <a:t>내용</a:t>
+                      </a:r>
+                      <a:endParaRPr lang="ko-KR" altLang="en-US" dirty="0"/>
+                    </a:p>
+                  </a:txBody>
+                  <a:tcPr anchor="ctr">
+                    <a:solidFill>
+                      <a:schemeClr val="tx1">
+                        <a:lumMod val="50000"/>
+                        <a:lumOff val="50000"/>
+                      </a:schemeClr>
+                    </a:solidFill>
+                  </a:tcPr>
+                </a:tc>
+              </a:tr>
+              <a:tr h="1109049">
+                <a:tc>
+                  <a:txBody>
+                    <a:bodyPr/>
+                    <a:lstStyle/>
+                    <a:p>
+                      <a:pPr algn="ctr" latinLnBrk="1"/>
+                      <a:r>
+                        <a:rPr lang="ko-KR" altLang="en-US" dirty="0" smtClean="0"/>
+                        <a:t>화면 번호</a:t>
+                      </a:r>
+                      <a:r>
+                        <a:rPr lang="en-US" altLang="ko-KR" dirty="0" smtClean="0"/>
+                        <a:t/>
+                      </a:r>
+                      <a:br>
+                        <a:rPr lang="en-US" altLang="ko-KR" dirty="0" smtClean="0"/>
+                      </a:br>
+                      <a:r>
+                        <a:rPr lang="en-US" altLang="ko-KR" dirty="0" smtClean="0"/>
+                        <a:t>(</a:t>
+                      </a:r>
+                      <a:r>
+                        <a:rPr lang="ko-KR" altLang="en-US" dirty="0" smtClean="0"/>
+                        <a:t>랭킹보기</a:t>
+                      </a:r>
+                      <a:r>
+                        <a:rPr lang="en-US" altLang="ko-KR" dirty="0" smtClean="0"/>
+                        <a:t>)</a:t>
+                      </a:r>
+                      <a:endParaRPr lang="ko-KR" altLang="en-US" dirty="0"/>
+                    </a:p>
+                  </a:txBody>
+                  <a:tcPr anchor="ctr"/>
+                </a:tc>
+                <a:tc>
+                  <a:txBody>
+                    <a:bodyPr/>
+                    <a:lstStyle/>
+                    <a:p>
+                      <a:pPr algn="ctr" latinLnBrk="1"/>
+                      <a:r>
+                        <a:rPr lang="en-US" altLang="ko-KR" dirty="0" smtClean="0"/>
+                        <a:t>07-01-02</a:t>
+                      </a:r>
+                      <a:endParaRPr lang="ko-KR" altLang="en-US" dirty="0"/>
+                    </a:p>
+                  </a:txBody>
+                  <a:tcPr anchor="ctr"/>
+                </a:tc>
+              </a:tr>
+              <a:tr h="1165428">
+                <a:tc>
+                  <a:txBody>
+                    <a:bodyPr/>
+                    <a:lstStyle/>
+                    <a:p>
+                      <a:pPr algn="ctr" latinLnBrk="1"/>
+                      <a:r>
+                        <a:rPr lang="en-US" altLang="ko-KR" dirty="0" smtClean="0"/>
+                        <a:t>btn01</a:t>
+                      </a:r>
+                      <a:endParaRPr lang="ko-KR" altLang="en-US" dirty="0"/>
+                    </a:p>
+                  </a:txBody>
+                  <a:tcPr anchor="ctr"/>
+                </a:tc>
+                <a:tc>
+                  <a:txBody>
+                    <a:bodyPr/>
+                    <a:lstStyle/>
+                    <a:p>
+                      <a:pPr algn="ctr" latinLnBrk="1"/>
+                      <a:endParaRPr lang="ko-KR" altLang="en-US" dirty="0"/>
+                    </a:p>
+                  </a:txBody>
+                  <a:tcPr anchor="ctr"/>
+                </a:tc>
+              </a:tr>
+            </a:tbl>
+          </a:graphicData>
+        </a:graphic>
+      </p:graphicFrame>
+      <p:sp>
+        <p:nvSpPr>
+          <p:cNvPr id="6" name="모서리가 둥근 직사각형 5"/>
+          <p:cNvSpPr/>
+          <p:nvPr/>
+        </p:nvSpPr>
+        <p:spPr>
+          <a:xfrm>
+            <a:off x="1748364" y="541867"/>
+            <a:ext cx="855134" cy="677334"/>
+          </a:xfrm>
+          <a:prstGeom prst="roundRect">
+            <a:avLst/>
+          </a:prstGeom>
+        </p:spPr>
+        <p:style>
+          <a:lnRef idx="2">
+            <a:schemeClr val="accent1">
+              <a:shade val="50000"/>
+            </a:schemeClr>
+          </a:lnRef>
+          <a:fillRef idx="1">
+            <a:schemeClr val="accent1"/>
+          </a:fillRef>
+          <a:effectRef idx="0">
+            <a:schemeClr val="accent1"/>
+          </a:effectRef>
+          <a:fontRef idx="minor">
+            <a:schemeClr val="lt1"/>
+          </a:fontRef>
+        </p:style>
+        <p:txBody>
+          <a:bodyPr rtlCol="0" anchor="ctr"/>
+          <a:lstStyle/>
+          <a:p>
+            <a:pPr algn="ctr"/>
+            <a:endParaRPr lang="ko-KR" altLang="en-US"/>
+          </a:p>
+        </p:txBody>
+      </p:sp>
+      <p:sp>
+        <p:nvSpPr>
+          <p:cNvPr id="24" name="모서리가 둥근 직사각형 23"/>
+          <p:cNvSpPr/>
+          <p:nvPr/>
+        </p:nvSpPr>
+        <p:spPr>
+          <a:xfrm>
+            <a:off x="2709331" y="541867"/>
+            <a:ext cx="855134" cy="677334"/>
+          </a:xfrm>
+          <a:prstGeom prst="roundRect">
+            <a:avLst/>
+          </a:prstGeom>
+        </p:spPr>
+        <p:style>
+          <a:lnRef idx="2">
+            <a:schemeClr val="accent1">
+              <a:shade val="50000"/>
+            </a:schemeClr>
+          </a:lnRef>
+          <a:fillRef idx="1">
+            <a:schemeClr val="accent1"/>
+          </a:fillRef>
+          <a:effectRef idx="0">
+            <a:schemeClr val="accent1"/>
+          </a:effectRef>
+          <a:fontRef idx="minor">
+            <a:schemeClr val="lt1"/>
+          </a:fontRef>
+        </p:style>
+        <p:txBody>
+          <a:bodyPr rtlCol="0" anchor="ctr"/>
+          <a:lstStyle/>
+          <a:p>
+            <a:pPr algn="ctr"/>
+            <a:endParaRPr lang="ko-KR" altLang="en-US"/>
+          </a:p>
+        </p:txBody>
+      </p:sp>
+      <p:sp>
+        <p:nvSpPr>
+          <p:cNvPr id="3" name="모서리가 둥근 직사각형 2"/>
+          <p:cNvSpPr/>
+          <p:nvPr/>
+        </p:nvSpPr>
+        <p:spPr>
+          <a:xfrm>
+            <a:off x="1172633" y="778934"/>
+            <a:ext cx="4207933" cy="4976907"/>
+          </a:xfrm>
+          <a:prstGeom prst="roundRect">
+            <a:avLst/>
+          </a:prstGeom>
+        </p:spPr>
+        <p:style>
+          <a:lnRef idx="2">
+            <a:schemeClr val="accent1">
+              <a:shade val="50000"/>
+            </a:schemeClr>
+          </a:lnRef>
+          <a:fillRef idx="1">
+            <a:schemeClr val="accent1"/>
+          </a:fillRef>
+          <a:effectRef idx="0">
+            <a:schemeClr val="accent1"/>
+          </a:effectRef>
+          <a:fontRef idx="minor">
+            <a:schemeClr val="lt1"/>
+          </a:fontRef>
+        </p:style>
+        <p:txBody>
+          <a:bodyPr rtlCol="0" anchor="ctr"/>
+          <a:lstStyle/>
+          <a:p>
+            <a:pPr fontAlgn="ctr"/>
+            <a:endParaRPr lang="ko-KR" altLang="ko-KR"/>
+          </a:p>
+        </p:txBody>
+      </p:sp>
+      <p:sp>
+        <p:nvSpPr>
+          <p:cNvPr id="7" name="TextBox 6"/>
+          <p:cNvSpPr txBox="1"/>
+          <p:nvPr/>
+        </p:nvSpPr>
+        <p:spPr>
+          <a:xfrm>
+            <a:off x="1869699" y="508001"/>
+            <a:ext cx="543739" cy="307777"/>
+          </a:xfrm>
+          <a:prstGeom prst="rect">
+            <a:avLst/>
+          </a:prstGeom>
+          <a:noFill/>
+        </p:spPr>
+        <p:txBody>
+          <a:bodyPr wrap="none" rtlCol="0">
+            <a:spAutoFit/>
+          </a:bodyPr>
+          <a:lstStyle/>
+          <a:p>
+            <a:r>
+              <a:rPr lang="ko-KR" altLang="en-US" sz="1400" dirty="0" smtClean="0"/>
+              <a:t>친구</a:t>
+            </a:r>
+            <a:endParaRPr lang="ko-KR" altLang="en-US" dirty="0"/>
+          </a:p>
+        </p:txBody>
+      </p:sp>
+      <p:sp>
+        <p:nvSpPr>
+          <p:cNvPr id="28" name="TextBox 27"/>
+          <p:cNvSpPr txBox="1"/>
+          <p:nvPr/>
+        </p:nvSpPr>
+        <p:spPr>
+          <a:xfrm>
+            <a:off x="2875798" y="508001"/>
+            <a:ext cx="543739" cy="307777"/>
+          </a:xfrm>
+          <a:prstGeom prst="rect">
+            <a:avLst/>
+          </a:prstGeom>
+          <a:noFill/>
+        </p:spPr>
+        <p:txBody>
+          <a:bodyPr wrap="none" rtlCol="0">
+            <a:spAutoFit/>
+          </a:bodyPr>
+          <a:lstStyle/>
+          <a:p>
+            <a:r>
+              <a:rPr lang="ko-KR" altLang="en-US" sz="1400" dirty="0" smtClean="0"/>
+              <a:t>세계</a:t>
+            </a:r>
+            <a:endParaRPr lang="ko-KR" altLang="en-US" dirty="0"/>
+          </a:p>
+        </p:txBody>
+      </p:sp>
+      <p:sp>
+        <p:nvSpPr>
+          <p:cNvPr id="35" name="직사각형 34"/>
+          <p:cNvSpPr/>
+          <p:nvPr/>
+        </p:nvSpPr>
+        <p:spPr>
+          <a:xfrm>
+            <a:off x="1168400" y="5858937"/>
+            <a:ext cx="4267200" cy="575734"/>
+          </a:xfrm>
+          <a:prstGeom prst="rect">
+            <a:avLst/>
+          </a:prstGeom>
+        </p:spPr>
+        <p:style>
+          <a:lnRef idx="2">
+            <a:schemeClr val="accent1">
+              <a:shade val="50000"/>
+            </a:schemeClr>
+          </a:lnRef>
+          <a:fillRef idx="1">
+            <a:schemeClr val="accent1"/>
+          </a:fillRef>
+          <a:effectRef idx="0">
+            <a:schemeClr val="accent1"/>
+          </a:effectRef>
+          <a:fontRef idx="minor">
+            <a:schemeClr val="lt1"/>
+          </a:fontRef>
+        </p:style>
+        <p:txBody>
+          <a:bodyPr rtlCol="0" anchor="ctr"/>
+          <a:lstStyle/>
+          <a:p>
+            <a:pPr algn="ctr"/>
+            <a:r>
+              <a:rPr lang="ko-KR" altLang="en-US" dirty="0" smtClean="0"/>
+              <a:t>광   고</a:t>
+            </a:r>
+            <a:endParaRPr lang="ko-KR" altLang="en-US" dirty="0"/>
+          </a:p>
+        </p:txBody>
+      </p:sp>
+      <p:sp>
+        <p:nvSpPr>
+          <p:cNvPr id="2" name="직사각형 1"/>
+          <p:cNvSpPr/>
+          <p:nvPr/>
+        </p:nvSpPr>
+        <p:spPr>
+          <a:xfrm>
+            <a:off x="3419537" y="5088467"/>
+            <a:ext cx="1405466" cy="452221"/>
+          </a:xfrm>
+          <a:prstGeom prst="rect">
+            <a:avLst/>
+          </a:prstGeom>
+          <a:solidFill>
+            <a:schemeClr val="accent4">
+              <a:lumMod val="60000"/>
+              <a:lumOff val="40000"/>
+            </a:schemeClr>
+          </a:solidFill>
+        </p:spPr>
+        <p:style>
+          <a:lnRef idx="2">
+            <a:schemeClr val="accent1">
+              <a:shade val="50000"/>
+            </a:schemeClr>
+          </a:lnRef>
+          <a:fillRef idx="1">
+            <a:schemeClr val="accent1"/>
+          </a:fillRef>
+          <a:effectRef idx="0">
+            <a:schemeClr val="accent1"/>
+          </a:effectRef>
+          <a:fontRef idx="minor">
+            <a:schemeClr val="lt1"/>
+          </a:fontRef>
+        </p:style>
+        <p:txBody>
+          <a:bodyPr rtlCol="0" anchor="ctr"/>
+          <a:lstStyle/>
+          <a:p>
+            <a:pPr algn="ctr"/>
+            <a:r>
+              <a:rPr lang="en-US" altLang="ko-KR" dirty="0" smtClean="0"/>
+              <a:t>Facebook</a:t>
+            </a:r>
+            <a:endParaRPr lang="ko-KR" altLang="en-US" dirty="0"/>
+          </a:p>
+        </p:txBody>
+      </p:sp>
+      <p:sp>
+        <p:nvSpPr>
+          <p:cNvPr id="8" name="TextBox 7"/>
+          <p:cNvSpPr txBox="1"/>
+          <p:nvPr/>
+        </p:nvSpPr>
+        <p:spPr>
+          <a:xfrm>
+            <a:off x="1661413" y="4729142"/>
+            <a:ext cx="3230372" cy="307777"/>
+          </a:xfrm>
+          <a:prstGeom prst="rect">
+            <a:avLst/>
+          </a:prstGeom>
+          <a:noFill/>
+        </p:spPr>
+        <p:txBody>
+          <a:bodyPr wrap="none" rtlCol="0">
+            <a:spAutoFit/>
+          </a:bodyPr>
+          <a:lstStyle/>
+          <a:p>
+            <a:r>
+              <a:rPr lang="ko-KR" altLang="en-US" sz="1400" dirty="0" smtClean="0"/>
+              <a:t>지금 친구들의 랭킹을 확인해 보세요</a:t>
+            </a:r>
+            <a:r>
+              <a:rPr lang="en-US" altLang="ko-KR" sz="1400" dirty="0" smtClean="0"/>
+              <a:t>.</a:t>
+            </a:r>
+            <a:r>
+              <a:rPr lang="ko-KR" altLang="en-US" sz="1400" dirty="0" smtClean="0"/>
+              <a:t> </a:t>
+            </a:r>
+            <a:endParaRPr lang="ko-KR" altLang="en-US" sz="1400" dirty="0"/>
+          </a:p>
+        </p:txBody>
+      </p:sp>
+      <p:sp>
+        <p:nvSpPr>
+          <p:cNvPr id="10" name="직사각형 9"/>
+          <p:cNvSpPr/>
+          <p:nvPr/>
+        </p:nvSpPr>
+        <p:spPr>
+          <a:xfrm>
+            <a:off x="1951565" y="1616527"/>
+            <a:ext cx="2650067" cy="2853267"/>
+          </a:xfrm>
+          <a:prstGeom prst="rect">
+            <a:avLst/>
+          </a:prstGeom>
+        </p:spPr>
+        <p:style>
+          <a:lnRef idx="2">
+            <a:schemeClr val="accent6">
+              <a:shade val="50000"/>
+            </a:schemeClr>
+          </a:lnRef>
+          <a:fillRef idx="1">
+            <a:schemeClr val="accent6"/>
+          </a:fillRef>
+          <a:effectRef idx="0">
+            <a:schemeClr val="accent6"/>
+          </a:effectRef>
+          <a:fontRef idx="minor">
+            <a:schemeClr val="lt1"/>
+          </a:fontRef>
+        </p:style>
+        <p:txBody>
+          <a:bodyPr rtlCol="0" anchor="ctr"/>
+          <a:lstStyle/>
+          <a:p>
+            <a:pPr algn="ctr"/>
+            <a:r>
+              <a:rPr lang="ko-KR" altLang="en-US" dirty="0" smtClean="0"/>
+              <a:t>이미지</a:t>
+            </a:r>
+            <a:endParaRPr lang="ko-KR" altLang="en-US" dirty="0"/>
+          </a:p>
+        </p:txBody>
+      </p:sp>
+    </p:spTree>
+    <p:extLst>
+      <p:ext uri="{BB962C8B-B14F-4D97-AF65-F5344CB8AC3E}">
+        <p14:creationId xmlns:p14="http://schemas.microsoft.com/office/powerpoint/2010/main" val="2134143428"/>
+      </p:ext>
+    </p:extLst>
+  </p:cSld>
+  <p:clrMapOvr>
+    <a:masterClrMapping/>
+  </p:clrMapOvr>
+  <p:timing>
+    <p:tnLst>
+      <p:par>
+        <p:cTn id="1" dur="indefinite" restart="never" nodeType="tmRoot"/>
+      </p:par>
+    </p:tnLst>
+  </p:timing>
+</p:sld>
+</file>
+
+<file path=ppt/slides/slide12.xml><?xml version="1.0" encoding="utf-8"?>
+<p:sld xmlns:a="http://schemas.openxmlformats.org/drawingml/2006/main" xmlns:r="http://schemas.openxmlformats.org/officeDocument/2006/relationships" xmlns:p="http://schemas.openxmlformats.org/presentationml/2006/main">
+  <p:cSld>
+    <p:spTree>
+      <p:nvGrpSpPr>
+        <p:cNvPr id="1" name=""/>
+        <p:cNvGrpSpPr/>
+        <p:nvPr/>
+      </p:nvGrpSpPr>
+      <p:grpSpPr>
+        <a:xfrm>
+          <a:off x="0" y="0"/>
+          <a:ext cx="0" cy="0"/>
+          <a:chOff x="0" y="0"/>
+          <a:chExt cx="0" cy="0"/>
+        </a:xfrm>
+      </p:grpSpPr>
+      <p:sp>
+        <p:nvSpPr>
+          <p:cNvPr id="4" name="직사각형 3"/>
+          <p:cNvSpPr/>
+          <p:nvPr/>
+        </p:nvSpPr>
+        <p:spPr>
+          <a:xfrm>
+            <a:off x="863600" y="313263"/>
+            <a:ext cx="4826000" cy="6197600"/>
+          </a:xfrm>
+          <a:prstGeom prst="rect">
+            <a:avLst/>
+          </a:prstGeom>
+          <a:solidFill>
+            <a:schemeClr val="bg1"/>
+          </a:solidFill>
+          <a:ln>
+            <a:solidFill>
+              <a:schemeClr val="tx1"/>
+            </a:solidFill>
+          </a:ln>
+        </p:spPr>
+        <p:style>
+          <a:lnRef idx="2">
+            <a:schemeClr val="accent1">
+              <a:shade val="50000"/>
+            </a:schemeClr>
+          </a:lnRef>
+          <a:fillRef idx="1">
+            <a:schemeClr val="accent1"/>
+          </a:fillRef>
+          <a:effectRef idx="0">
+            <a:schemeClr val="accent1"/>
+          </a:effectRef>
+          <a:fontRef idx="minor">
+            <a:schemeClr val="lt1"/>
+          </a:fontRef>
+        </p:style>
+        <p:txBody>
+          <a:bodyPr rtlCol="0" anchor="ctr"/>
+          <a:lstStyle/>
+          <a:p>
+            <a:pPr algn="ctr"/>
+            <a:endParaRPr lang="ko-KR" altLang="en-US" dirty="0"/>
+          </a:p>
+        </p:txBody>
+      </p:sp>
+      <p:graphicFrame>
+        <p:nvGraphicFramePr>
+          <p:cNvPr id="5" name="표 4"/>
+          <p:cNvGraphicFramePr>
+            <a:graphicFrameLocks noGrp="1"/>
+          </p:cNvGraphicFramePr>
+          <p:nvPr>
+            <p:extLst>
+              <p:ext uri="{D42A27DB-BD31-4B8C-83A1-F6EECF244321}">
+                <p14:modId xmlns:p14="http://schemas.microsoft.com/office/powerpoint/2010/main" val="2607842600"/>
+              </p:ext>
+            </p:extLst>
+          </p:nvPr>
+        </p:nvGraphicFramePr>
+        <p:xfrm>
+          <a:off x="6392332" y="719664"/>
+          <a:ext cx="4174068" cy="4445001"/>
+        </p:xfrm>
+        <a:graphic>
+          <a:graphicData uri="http://schemas.openxmlformats.org/drawingml/2006/table">
+            <a:tbl>
+              <a:tblPr>
+                <a:tableStyleId>{073A0DAA-6AF3-43AB-8588-CEC1D06C72B9}</a:tableStyleId>
+              </a:tblPr>
+              <a:tblGrid>
+                <a:gridCol w="2087034"/>
+                <a:gridCol w="2087034"/>
+              </a:tblGrid>
+              <a:tr h="732867">
+                <a:tc>
+                  <a:txBody>
+                    <a:bodyPr/>
+                    <a:lstStyle/>
+                    <a:p>
+                      <a:pPr algn="ctr" latinLnBrk="1"/>
+                      <a:r>
+                        <a:rPr lang="ko-KR" altLang="en-US" dirty="0" smtClean="0"/>
+                        <a:t>구분</a:t>
+                      </a:r>
+                      <a:endParaRPr lang="ko-KR" altLang="en-US" dirty="0"/>
+                    </a:p>
+                  </a:txBody>
+                  <a:tcPr anchor="ctr">
+                    <a:solidFill>
+                      <a:schemeClr val="tx1">
+                        <a:lumMod val="50000"/>
+                        <a:lumOff val="50000"/>
+                      </a:schemeClr>
+                    </a:solidFill>
+                  </a:tcPr>
+                </a:tc>
+                <a:tc>
+                  <a:txBody>
+                    <a:bodyPr/>
+                    <a:lstStyle/>
+                    <a:p>
+                      <a:pPr algn="ctr" latinLnBrk="1"/>
+                      <a:r>
+                        <a:rPr lang="ko-KR" altLang="en-US" dirty="0" smtClean="0"/>
+                        <a:t>내용</a:t>
+                      </a:r>
+                      <a:endParaRPr lang="ko-KR" altLang="en-US" dirty="0"/>
+                    </a:p>
+                  </a:txBody>
+                  <a:tcPr anchor="ctr">
+                    <a:solidFill>
+                      <a:schemeClr val="tx1">
+                        <a:lumMod val="50000"/>
+                        <a:lumOff val="50000"/>
+                      </a:schemeClr>
+                    </a:solidFill>
+                  </a:tcPr>
+                </a:tc>
+              </a:tr>
+              <a:tr h="1109049">
+                <a:tc>
+                  <a:txBody>
+                    <a:bodyPr/>
+                    <a:lstStyle/>
+                    <a:p>
+                      <a:pPr algn="ctr" latinLnBrk="1"/>
+                      <a:r>
+                        <a:rPr lang="ko-KR" altLang="en-US" dirty="0" smtClean="0"/>
+                        <a:t>화면 번호</a:t>
+                      </a:r>
+                      <a:r>
+                        <a:rPr lang="en-US" altLang="ko-KR" dirty="0" smtClean="0"/>
+                        <a:t/>
+                      </a:r>
+                      <a:br>
+                        <a:rPr lang="en-US" altLang="ko-KR" dirty="0" smtClean="0"/>
+                      </a:br>
+                      <a:r>
+                        <a:rPr lang="en-US" altLang="ko-KR" dirty="0" smtClean="0"/>
+                        <a:t>(</a:t>
+                      </a:r>
+                      <a:r>
+                        <a:rPr lang="ko-KR" altLang="en-US" dirty="0" smtClean="0"/>
+                        <a:t>상점 화면</a:t>
+                      </a:r>
+                      <a:r>
+                        <a:rPr lang="en-US" altLang="ko-KR" dirty="0" smtClean="0"/>
+                        <a:t>)</a:t>
+                      </a:r>
+                      <a:endParaRPr lang="ko-KR" altLang="en-US" dirty="0"/>
+                    </a:p>
+                  </a:txBody>
+                  <a:tcPr anchor="ctr"/>
+                </a:tc>
+                <a:tc>
+                  <a:txBody>
+                    <a:bodyPr/>
+                    <a:lstStyle/>
+                    <a:p>
+                      <a:pPr algn="ctr" latinLnBrk="1"/>
+                      <a:r>
+                        <a:rPr lang="en-US" altLang="ko-KR" dirty="0" smtClean="0"/>
+                        <a:t>08-01-00</a:t>
+                      </a:r>
+                      <a:endParaRPr lang="ko-KR" altLang="en-US" dirty="0"/>
+                    </a:p>
+                  </a:txBody>
+                  <a:tcPr anchor="ctr"/>
+                </a:tc>
+              </a:tr>
+              <a:tr h="1165428">
+                <a:tc>
+                  <a:txBody>
+                    <a:bodyPr/>
+                    <a:lstStyle/>
+                    <a:p>
+                      <a:pPr algn="ctr" latinLnBrk="1"/>
+                      <a:r>
+                        <a:rPr lang="en-US" altLang="ko-KR" dirty="0" smtClean="0"/>
+                        <a:t>btn01</a:t>
+                      </a:r>
+                      <a:endParaRPr lang="ko-KR" altLang="en-US" dirty="0"/>
+                    </a:p>
+                  </a:txBody>
+                  <a:tcPr anchor="ctr"/>
+                </a:tc>
+                <a:tc>
+                  <a:txBody>
+                    <a:bodyPr/>
+                    <a:lstStyle/>
+                    <a:p>
+                      <a:pPr algn="ctr" latinLnBrk="1"/>
+                      <a:endParaRPr lang="ko-KR" altLang="en-US" dirty="0"/>
+                    </a:p>
+                  </a:txBody>
+                  <a:tcPr anchor="ctr"/>
+                </a:tc>
+              </a:tr>
+              <a:tr h="1437657">
+                <a:tc>
+                  <a:txBody>
+                    <a:bodyPr/>
+                    <a:lstStyle/>
+                    <a:p>
+                      <a:pPr algn="ctr" latinLnBrk="1"/>
+                      <a:endParaRPr lang="ko-KR" altLang="en-US" dirty="0"/>
+                    </a:p>
+                  </a:txBody>
+                  <a:tcPr anchor="ctr"/>
+                </a:tc>
+                <a:tc>
+                  <a:txBody>
+                    <a:bodyPr/>
+                    <a:lstStyle/>
+                    <a:p>
+                      <a:pPr algn="ctr" latinLnBrk="1"/>
+                      <a:endParaRPr lang="ko-KR" altLang="en-US" dirty="0"/>
+                    </a:p>
+                  </a:txBody>
+                  <a:tcPr anchor="ctr"/>
+                </a:tc>
+              </a:tr>
+            </a:tbl>
+          </a:graphicData>
+        </a:graphic>
+      </p:graphicFrame>
+      <p:sp>
+        <p:nvSpPr>
+          <p:cNvPr id="15" name="직사각형 14"/>
+          <p:cNvSpPr/>
+          <p:nvPr/>
+        </p:nvSpPr>
+        <p:spPr>
+          <a:xfrm>
+            <a:off x="1168400" y="5858937"/>
+            <a:ext cx="4267200" cy="575734"/>
+          </a:xfrm>
+          <a:prstGeom prst="rect">
+            <a:avLst/>
+          </a:prstGeom>
+        </p:spPr>
+        <p:style>
+          <a:lnRef idx="2">
+            <a:schemeClr val="accent1">
+              <a:shade val="50000"/>
+            </a:schemeClr>
+          </a:lnRef>
+          <a:fillRef idx="1">
+            <a:schemeClr val="accent1"/>
+          </a:fillRef>
+          <a:effectRef idx="0">
+            <a:schemeClr val="accent1"/>
+          </a:effectRef>
+          <a:fontRef idx="minor">
+            <a:schemeClr val="lt1"/>
+          </a:fontRef>
+        </p:style>
+        <p:txBody>
+          <a:bodyPr rtlCol="0" anchor="ctr"/>
+          <a:lstStyle/>
+          <a:p>
+            <a:pPr algn="ctr"/>
+            <a:r>
+              <a:rPr lang="ko-KR" altLang="en-US" dirty="0" smtClean="0"/>
+              <a:t>광   고</a:t>
+            </a:r>
+            <a:endParaRPr lang="ko-KR" altLang="en-US" dirty="0"/>
+          </a:p>
+        </p:txBody>
+      </p:sp>
+      <p:sp>
+        <p:nvSpPr>
+          <p:cNvPr id="6" name="모서리가 둥근 직사각형 5"/>
+          <p:cNvSpPr/>
+          <p:nvPr/>
+        </p:nvSpPr>
+        <p:spPr>
+          <a:xfrm>
+            <a:off x="1278467" y="1583267"/>
+            <a:ext cx="1134534" cy="812800"/>
+          </a:xfrm>
+          <a:prstGeom prst="roundRect">
+            <a:avLst/>
+          </a:prstGeom>
+        </p:spPr>
+        <p:style>
+          <a:lnRef idx="2">
+            <a:schemeClr val="accent1">
+              <a:shade val="50000"/>
+            </a:schemeClr>
+          </a:lnRef>
+          <a:fillRef idx="1">
+            <a:schemeClr val="accent1"/>
+          </a:fillRef>
+          <a:effectRef idx="0">
+            <a:schemeClr val="accent1"/>
+          </a:effectRef>
+          <a:fontRef idx="minor">
+            <a:schemeClr val="lt1"/>
+          </a:fontRef>
+        </p:style>
+        <p:txBody>
+          <a:bodyPr rtlCol="0" anchor="ctr"/>
+          <a:lstStyle/>
+          <a:p>
+            <a:pPr algn="ctr"/>
+            <a:r>
+              <a:rPr lang="ko-KR" altLang="en-US" dirty="0" smtClean="0"/>
+              <a:t>열쇠</a:t>
+            </a:r>
+            <a:endParaRPr lang="ko-KR" altLang="en-US" dirty="0"/>
+          </a:p>
+        </p:txBody>
+      </p:sp>
+      <p:sp>
+        <p:nvSpPr>
+          <p:cNvPr id="49" name="모서리가 둥근 직사각형 48"/>
+          <p:cNvSpPr/>
+          <p:nvPr/>
+        </p:nvSpPr>
+        <p:spPr>
+          <a:xfrm>
+            <a:off x="4013200" y="1583267"/>
+            <a:ext cx="1134534" cy="812800"/>
+          </a:xfrm>
+          <a:prstGeom prst="roundRect">
+            <a:avLst/>
+          </a:prstGeom>
+        </p:spPr>
+        <p:style>
+          <a:lnRef idx="2">
+            <a:schemeClr val="accent1">
+              <a:shade val="50000"/>
+            </a:schemeClr>
+          </a:lnRef>
+          <a:fillRef idx="1">
+            <a:schemeClr val="accent1"/>
+          </a:fillRef>
+          <a:effectRef idx="0">
+            <a:schemeClr val="accent1"/>
+          </a:effectRef>
+          <a:fontRef idx="minor">
+            <a:schemeClr val="lt1"/>
+          </a:fontRef>
+        </p:style>
+        <p:txBody>
+          <a:bodyPr rtlCol="0" anchor="ctr"/>
+          <a:lstStyle/>
+          <a:p>
+            <a:pPr algn="ctr"/>
+            <a:r>
+              <a:rPr lang="ko-KR" altLang="en-US" sz="700" dirty="0"/>
+              <a:t>차후 업데이트 </a:t>
+            </a:r>
+            <a:r>
+              <a:rPr lang="ko-KR" altLang="en-US" sz="700" dirty="0" smtClean="0"/>
+              <a:t>예정</a:t>
+            </a:r>
+            <a:endParaRPr lang="ko-KR" altLang="en-US" sz="700" dirty="0"/>
+          </a:p>
+        </p:txBody>
+      </p:sp>
+      <p:sp>
+        <p:nvSpPr>
+          <p:cNvPr id="50" name="모서리가 둥근 직사각형 49"/>
+          <p:cNvSpPr/>
+          <p:nvPr/>
+        </p:nvSpPr>
+        <p:spPr>
+          <a:xfrm>
+            <a:off x="2667001" y="1583267"/>
+            <a:ext cx="1134534" cy="812800"/>
+          </a:xfrm>
+          <a:prstGeom prst="roundRect">
+            <a:avLst/>
+          </a:prstGeom>
+        </p:spPr>
+        <p:style>
+          <a:lnRef idx="2">
+            <a:schemeClr val="accent1">
+              <a:shade val="50000"/>
+            </a:schemeClr>
+          </a:lnRef>
+          <a:fillRef idx="1">
+            <a:schemeClr val="accent1"/>
+          </a:fillRef>
+          <a:effectRef idx="0">
+            <a:schemeClr val="accent1"/>
+          </a:effectRef>
+          <a:fontRef idx="minor">
+            <a:schemeClr val="lt1"/>
+          </a:fontRef>
+        </p:style>
+        <p:txBody>
+          <a:bodyPr rtlCol="0" anchor="ctr"/>
+          <a:lstStyle/>
+          <a:p>
+            <a:pPr algn="ctr"/>
+            <a:r>
+              <a:rPr lang="ko-KR" altLang="en-US" sz="700" dirty="0" smtClean="0"/>
+              <a:t>차후 업데이트 예정</a:t>
+            </a:r>
+            <a:endParaRPr lang="ko-KR" altLang="en-US" sz="700" dirty="0"/>
+          </a:p>
+        </p:txBody>
+      </p:sp>
+      <p:sp>
+        <p:nvSpPr>
+          <p:cNvPr id="7" name="TextBox 6"/>
+          <p:cNvSpPr txBox="1"/>
+          <p:nvPr/>
+        </p:nvSpPr>
+        <p:spPr>
+          <a:xfrm>
+            <a:off x="1382305" y="2088290"/>
+            <a:ext cx="926857" cy="307777"/>
+          </a:xfrm>
+          <a:prstGeom prst="rect">
+            <a:avLst/>
+          </a:prstGeom>
+          <a:noFill/>
+        </p:spPr>
+        <p:txBody>
+          <a:bodyPr wrap="none" rtlCol="0">
+            <a:spAutoFit/>
+          </a:bodyPr>
+          <a:lstStyle/>
+          <a:p>
+            <a:r>
+              <a:rPr lang="en-US" altLang="ko-KR" sz="1400" dirty="0" smtClean="0"/>
+              <a:t>Btn08-01</a:t>
+            </a:r>
+            <a:endParaRPr lang="ko-KR" altLang="en-US" sz="1400" dirty="0"/>
+          </a:p>
+        </p:txBody>
+      </p:sp>
+    </p:spTree>
+    <p:extLst>
+      <p:ext uri="{BB962C8B-B14F-4D97-AF65-F5344CB8AC3E}">
+        <p14:creationId xmlns:p14="http://schemas.microsoft.com/office/powerpoint/2010/main" val="3214407087"/>
+      </p:ext>
+    </p:extLst>
+  </p:cSld>
+  <p:clrMapOvr>
+    <a:masterClrMapping/>
+  </p:clrMapOvr>
+  <p:timing>
+    <p:tnLst>
+      <p:par>
+        <p:cTn id="1" dur="indefinite" restart="never" nodeType="tmRoot"/>
+      </p:par>
+    </p:tnLst>
+  </p:timing>
+</p:sld>
+</file>
+
+<file path=ppt/slides/slide13.xml><?xml version="1.0" encoding="utf-8"?>
+<p:sld xmlns:a="http://schemas.openxmlformats.org/drawingml/2006/main" xmlns:r="http://schemas.openxmlformats.org/officeDocument/2006/relationships" xmlns:p="http://schemas.openxmlformats.org/presentationml/2006/main">
+  <p:cSld>
+    <p:spTree>
+      <p:nvGrpSpPr>
+        <p:cNvPr id="1" name=""/>
+        <p:cNvGrpSpPr/>
+        <p:nvPr/>
+      </p:nvGrpSpPr>
+      <p:grpSpPr>
+        <a:xfrm>
+          <a:off x="0" y="0"/>
+          <a:ext cx="0" cy="0"/>
+          <a:chOff x="0" y="0"/>
+          <a:chExt cx="0" cy="0"/>
+        </a:xfrm>
+      </p:grpSpPr>
+      <p:sp>
+        <p:nvSpPr>
+          <p:cNvPr id="4" name="직사각형 3"/>
+          <p:cNvSpPr/>
+          <p:nvPr/>
+        </p:nvSpPr>
+        <p:spPr>
+          <a:xfrm>
+            <a:off x="863600" y="313263"/>
+            <a:ext cx="4826000" cy="6197600"/>
+          </a:xfrm>
+          <a:prstGeom prst="rect">
+            <a:avLst/>
+          </a:prstGeom>
+          <a:solidFill>
+            <a:schemeClr val="bg1"/>
+          </a:solidFill>
+          <a:ln>
+            <a:solidFill>
+              <a:schemeClr val="tx1"/>
+            </a:solidFill>
+          </a:ln>
+        </p:spPr>
+        <p:style>
+          <a:lnRef idx="2">
+            <a:schemeClr val="accent1">
+              <a:shade val="50000"/>
+            </a:schemeClr>
+          </a:lnRef>
+          <a:fillRef idx="1">
+            <a:schemeClr val="accent1"/>
+          </a:fillRef>
+          <a:effectRef idx="0">
+            <a:schemeClr val="accent1"/>
+          </a:effectRef>
+          <a:fontRef idx="minor">
+            <a:schemeClr val="lt1"/>
+          </a:fontRef>
+        </p:style>
+        <p:txBody>
+          <a:bodyPr rtlCol="0" anchor="ctr"/>
+          <a:lstStyle/>
+          <a:p>
+            <a:pPr algn="ctr"/>
+            <a:endParaRPr lang="ko-KR" altLang="en-US" dirty="0"/>
+          </a:p>
+        </p:txBody>
+      </p:sp>
+      <p:graphicFrame>
+        <p:nvGraphicFramePr>
+          <p:cNvPr id="5" name="표 4"/>
+          <p:cNvGraphicFramePr>
+            <a:graphicFrameLocks noGrp="1"/>
+          </p:cNvGraphicFramePr>
+          <p:nvPr>
+            <p:extLst>
+              <p:ext uri="{D42A27DB-BD31-4B8C-83A1-F6EECF244321}">
+                <p14:modId xmlns:p14="http://schemas.microsoft.com/office/powerpoint/2010/main" val="616815957"/>
+              </p:ext>
+            </p:extLst>
+          </p:nvPr>
+        </p:nvGraphicFramePr>
+        <p:xfrm>
+          <a:off x="6392332" y="719664"/>
+          <a:ext cx="4174068" cy="4445001"/>
+        </p:xfrm>
+        <a:graphic>
+          <a:graphicData uri="http://schemas.openxmlformats.org/drawingml/2006/table">
+            <a:tbl>
+              <a:tblPr>
+                <a:tableStyleId>{073A0DAA-6AF3-43AB-8588-CEC1D06C72B9}</a:tableStyleId>
+              </a:tblPr>
+              <a:tblGrid>
+                <a:gridCol w="2087034"/>
+                <a:gridCol w="2087034"/>
+              </a:tblGrid>
+              <a:tr h="732867">
+                <a:tc>
+                  <a:txBody>
+                    <a:bodyPr/>
+                    <a:lstStyle/>
+                    <a:p>
+                      <a:pPr algn="ctr" latinLnBrk="1"/>
+                      <a:r>
+                        <a:rPr lang="ko-KR" altLang="en-US" dirty="0" smtClean="0"/>
+                        <a:t>구분</a:t>
+                      </a:r>
+                      <a:endParaRPr lang="ko-KR" altLang="en-US" dirty="0"/>
+                    </a:p>
+                  </a:txBody>
+                  <a:tcPr anchor="ctr">
+                    <a:solidFill>
+                      <a:schemeClr val="tx1">
+                        <a:lumMod val="50000"/>
+                        <a:lumOff val="50000"/>
+                      </a:schemeClr>
+                    </a:solidFill>
+                  </a:tcPr>
+                </a:tc>
+                <a:tc>
+                  <a:txBody>
+                    <a:bodyPr/>
+                    <a:lstStyle/>
+                    <a:p>
+                      <a:pPr algn="ctr" latinLnBrk="1"/>
+                      <a:r>
+                        <a:rPr lang="ko-KR" altLang="en-US" dirty="0" smtClean="0"/>
+                        <a:t>내용</a:t>
+                      </a:r>
+                      <a:endParaRPr lang="ko-KR" altLang="en-US" dirty="0"/>
+                    </a:p>
+                  </a:txBody>
+                  <a:tcPr anchor="ctr">
+                    <a:solidFill>
+                      <a:schemeClr val="tx1">
+                        <a:lumMod val="50000"/>
+                        <a:lumOff val="50000"/>
+                      </a:schemeClr>
+                    </a:solidFill>
+                  </a:tcPr>
+                </a:tc>
+              </a:tr>
+              <a:tr h="1109049">
+                <a:tc>
+                  <a:txBody>
+                    <a:bodyPr/>
+                    <a:lstStyle/>
+                    <a:p>
+                      <a:pPr algn="ctr" latinLnBrk="1"/>
+                      <a:r>
+                        <a:rPr lang="ko-KR" altLang="en-US" dirty="0" smtClean="0"/>
+                        <a:t>화면 번호</a:t>
+                      </a:r>
+                      <a:r>
+                        <a:rPr lang="en-US" altLang="ko-KR" dirty="0" smtClean="0"/>
+                        <a:t/>
+                      </a:r>
+                      <a:br>
+                        <a:rPr lang="en-US" altLang="ko-KR" dirty="0" smtClean="0"/>
+                      </a:br>
+                      <a:r>
+                        <a:rPr lang="en-US" altLang="ko-KR" dirty="0" smtClean="0"/>
+                        <a:t>(</a:t>
+                      </a:r>
+                      <a:r>
+                        <a:rPr lang="ko-KR" altLang="en-US" dirty="0" smtClean="0"/>
+                        <a:t>상점 화면</a:t>
+                      </a:r>
+                      <a:r>
+                        <a:rPr lang="en-US" altLang="ko-KR" dirty="0" smtClean="0"/>
+                        <a:t>-</a:t>
+                      </a:r>
+                      <a:r>
+                        <a:rPr lang="ko-KR" altLang="en-US" dirty="0" smtClean="0"/>
+                        <a:t>열쇠</a:t>
+                      </a:r>
+                      <a:r>
+                        <a:rPr lang="en-US" altLang="ko-KR" dirty="0" smtClean="0"/>
+                        <a:t>)</a:t>
+                      </a:r>
+                      <a:endParaRPr lang="ko-KR" altLang="en-US" dirty="0"/>
+                    </a:p>
+                  </a:txBody>
+                  <a:tcPr anchor="ctr"/>
+                </a:tc>
+                <a:tc>
+                  <a:txBody>
+                    <a:bodyPr/>
+                    <a:lstStyle/>
+                    <a:p>
+                      <a:pPr algn="ctr" latinLnBrk="1"/>
+                      <a:r>
+                        <a:rPr lang="en-US" altLang="ko-KR" dirty="0" smtClean="0"/>
+                        <a:t>08-01-01</a:t>
+                      </a:r>
+                      <a:endParaRPr lang="ko-KR" altLang="en-US" dirty="0"/>
+                    </a:p>
+                  </a:txBody>
+                  <a:tcPr anchor="ctr"/>
+                </a:tc>
+              </a:tr>
+              <a:tr h="1165428">
+                <a:tc>
+                  <a:txBody>
+                    <a:bodyPr/>
+                    <a:lstStyle/>
+                    <a:p>
+                      <a:pPr algn="ctr" latinLnBrk="1"/>
+                      <a:r>
+                        <a:rPr lang="en-US" altLang="ko-KR" dirty="0" smtClean="0"/>
+                        <a:t>btn01</a:t>
+                      </a:r>
+                      <a:endParaRPr lang="ko-KR" altLang="en-US" dirty="0"/>
+                    </a:p>
+                  </a:txBody>
+                  <a:tcPr anchor="ctr"/>
+                </a:tc>
+                <a:tc>
+                  <a:txBody>
+                    <a:bodyPr/>
+                    <a:lstStyle/>
+                    <a:p>
+                      <a:pPr algn="ctr" latinLnBrk="1"/>
+                      <a:endParaRPr lang="ko-KR" altLang="en-US" dirty="0"/>
+                    </a:p>
+                  </a:txBody>
+                  <a:tcPr anchor="ctr"/>
+                </a:tc>
+              </a:tr>
+              <a:tr h="1437657">
+                <a:tc>
+                  <a:txBody>
+                    <a:bodyPr/>
+                    <a:lstStyle/>
+                    <a:p>
+                      <a:pPr algn="ctr" latinLnBrk="1"/>
+                      <a:endParaRPr lang="ko-KR" altLang="en-US" dirty="0"/>
+                    </a:p>
+                  </a:txBody>
+                  <a:tcPr anchor="ctr"/>
+                </a:tc>
+                <a:tc>
+                  <a:txBody>
+                    <a:bodyPr/>
+                    <a:lstStyle/>
+                    <a:p>
+                      <a:pPr algn="ctr" latinLnBrk="1"/>
+                      <a:endParaRPr lang="ko-KR" altLang="en-US" dirty="0"/>
+                    </a:p>
+                  </a:txBody>
+                  <a:tcPr anchor="ctr"/>
+                </a:tc>
+              </a:tr>
+            </a:tbl>
+          </a:graphicData>
+        </a:graphic>
+      </p:graphicFrame>
+      <p:sp>
+        <p:nvSpPr>
+          <p:cNvPr id="15" name="직사각형 14"/>
+          <p:cNvSpPr/>
+          <p:nvPr/>
+        </p:nvSpPr>
+        <p:spPr>
+          <a:xfrm>
+            <a:off x="1168400" y="5858937"/>
+            <a:ext cx="4267200" cy="575734"/>
+          </a:xfrm>
+          <a:prstGeom prst="rect">
+            <a:avLst/>
+          </a:prstGeom>
+        </p:spPr>
+        <p:style>
+          <a:lnRef idx="2">
+            <a:schemeClr val="accent1">
+              <a:shade val="50000"/>
+            </a:schemeClr>
+          </a:lnRef>
+          <a:fillRef idx="1">
+            <a:schemeClr val="accent1"/>
+          </a:fillRef>
+          <a:effectRef idx="0">
+            <a:schemeClr val="accent1"/>
+          </a:effectRef>
+          <a:fontRef idx="minor">
+            <a:schemeClr val="lt1"/>
+          </a:fontRef>
+        </p:style>
+        <p:txBody>
+          <a:bodyPr rtlCol="0" anchor="ctr"/>
+          <a:lstStyle/>
+          <a:p>
+            <a:pPr algn="ctr"/>
+            <a:r>
+              <a:rPr lang="ko-KR" altLang="en-US" dirty="0" smtClean="0"/>
+              <a:t>광   고</a:t>
+            </a:r>
+            <a:endParaRPr lang="ko-KR" altLang="en-US" dirty="0"/>
+          </a:p>
+        </p:txBody>
+      </p:sp>
+      <p:sp>
+        <p:nvSpPr>
+          <p:cNvPr id="6" name="모서리가 둥근 직사각형 5"/>
+          <p:cNvSpPr/>
+          <p:nvPr/>
+        </p:nvSpPr>
+        <p:spPr>
+          <a:xfrm>
+            <a:off x="1278467" y="1583267"/>
+            <a:ext cx="1134534" cy="812800"/>
+          </a:xfrm>
+          <a:prstGeom prst="roundRect">
+            <a:avLst/>
+          </a:prstGeom>
+        </p:spPr>
+        <p:style>
+          <a:lnRef idx="2">
+            <a:schemeClr val="accent1">
+              <a:shade val="50000"/>
+            </a:schemeClr>
+          </a:lnRef>
+          <a:fillRef idx="1">
+            <a:schemeClr val="accent1"/>
+          </a:fillRef>
+          <a:effectRef idx="0">
+            <a:schemeClr val="accent1"/>
+          </a:effectRef>
+          <a:fontRef idx="minor">
+            <a:schemeClr val="lt1"/>
+          </a:fontRef>
+        </p:style>
+        <p:txBody>
+          <a:bodyPr rtlCol="0" anchor="ctr"/>
+          <a:lstStyle/>
+          <a:p>
+            <a:pPr algn="ctr"/>
+            <a:r>
+              <a:rPr lang="ko-KR" altLang="en-US" dirty="0" smtClean="0"/>
+              <a:t>열쇠</a:t>
+            </a:r>
+            <a:r>
+              <a:rPr lang="en-US" altLang="ko-KR" dirty="0" smtClean="0"/>
+              <a:t>X3</a:t>
+            </a:r>
+          </a:p>
+        </p:txBody>
+      </p:sp>
+      <p:sp>
+        <p:nvSpPr>
+          <p:cNvPr id="49" name="모서리가 둥근 직사각형 48"/>
+          <p:cNvSpPr/>
+          <p:nvPr/>
+        </p:nvSpPr>
+        <p:spPr>
+          <a:xfrm>
+            <a:off x="4013200" y="1583267"/>
+            <a:ext cx="1134534" cy="812800"/>
+          </a:xfrm>
+          <a:prstGeom prst="roundRect">
+            <a:avLst/>
+          </a:prstGeom>
+        </p:spPr>
+        <p:style>
+          <a:lnRef idx="2">
+            <a:schemeClr val="accent1">
+              <a:shade val="50000"/>
+            </a:schemeClr>
+          </a:lnRef>
+          <a:fillRef idx="1">
+            <a:schemeClr val="accent1"/>
+          </a:fillRef>
+          <a:effectRef idx="0">
+            <a:schemeClr val="accent1"/>
+          </a:effectRef>
+          <a:fontRef idx="minor">
+            <a:schemeClr val="lt1"/>
+          </a:fontRef>
+        </p:style>
+        <p:txBody>
+          <a:bodyPr rtlCol="0" anchor="ctr"/>
+          <a:lstStyle/>
+          <a:p>
+            <a:pPr algn="ctr"/>
+            <a:r>
+              <a:rPr lang="ko-KR" altLang="en-US" dirty="0" smtClean="0">
+                <a:solidFill>
+                  <a:prstClr val="white"/>
+                </a:solidFill>
+              </a:rPr>
+              <a:t>열쇠</a:t>
+            </a:r>
+            <a:r>
+              <a:rPr lang="en-US" altLang="ko-KR" dirty="0" smtClean="0">
+                <a:solidFill>
+                  <a:prstClr val="white"/>
+                </a:solidFill>
+              </a:rPr>
+              <a:t>X10</a:t>
+            </a:r>
+            <a:endParaRPr lang="ko-KR" altLang="en-US" sz="700" dirty="0"/>
+          </a:p>
+        </p:txBody>
+      </p:sp>
+      <p:sp>
+        <p:nvSpPr>
+          <p:cNvPr id="50" name="모서리가 둥근 직사각형 49"/>
+          <p:cNvSpPr/>
+          <p:nvPr/>
+        </p:nvSpPr>
+        <p:spPr>
+          <a:xfrm>
+            <a:off x="2667001" y="1583267"/>
+            <a:ext cx="1134534" cy="812800"/>
+          </a:xfrm>
+          <a:prstGeom prst="roundRect">
+            <a:avLst/>
+          </a:prstGeom>
+        </p:spPr>
+        <p:style>
+          <a:lnRef idx="2">
+            <a:schemeClr val="accent1">
+              <a:shade val="50000"/>
+            </a:schemeClr>
+          </a:lnRef>
+          <a:fillRef idx="1">
+            <a:schemeClr val="accent1"/>
+          </a:fillRef>
+          <a:effectRef idx="0">
+            <a:schemeClr val="accent1"/>
+          </a:effectRef>
+          <a:fontRef idx="minor">
+            <a:schemeClr val="lt1"/>
+          </a:fontRef>
+        </p:style>
+        <p:txBody>
+          <a:bodyPr rtlCol="0" anchor="ctr"/>
+          <a:lstStyle/>
+          <a:p>
+            <a:pPr algn="ctr"/>
+            <a:r>
+              <a:rPr lang="ko-KR" altLang="en-US" dirty="0" smtClean="0">
+                <a:solidFill>
+                  <a:prstClr val="white"/>
+                </a:solidFill>
+              </a:rPr>
+              <a:t>열쇠</a:t>
+            </a:r>
+            <a:r>
+              <a:rPr lang="en-US" altLang="ko-KR" dirty="0" smtClean="0">
+                <a:solidFill>
+                  <a:prstClr val="white"/>
+                </a:solidFill>
+              </a:rPr>
+              <a:t>X5</a:t>
+            </a:r>
+            <a:endParaRPr lang="ko-KR" altLang="en-US" sz="700" dirty="0"/>
+          </a:p>
+        </p:txBody>
+      </p:sp>
+      <p:sp>
+        <p:nvSpPr>
+          <p:cNvPr id="8" name="모서리가 둥근 직사각형 7"/>
+          <p:cNvSpPr/>
+          <p:nvPr/>
+        </p:nvSpPr>
+        <p:spPr>
+          <a:xfrm>
+            <a:off x="2667001" y="2548467"/>
+            <a:ext cx="1134534" cy="812800"/>
+          </a:xfrm>
+          <a:prstGeom prst="roundRect">
+            <a:avLst/>
+          </a:prstGeom>
+        </p:spPr>
+        <p:style>
+          <a:lnRef idx="2">
+            <a:schemeClr val="accent1">
+              <a:shade val="50000"/>
+            </a:schemeClr>
+          </a:lnRef>
+          <a:fillRef idx="1">
+            <a:schemeClr val="accent1"/>
+          </a:fillRef>
+          <a:effectRef idx="0">
+            <a:schemeClr val="accent1"/>
+          </a:effectRef>
+          <a:fontRef idx="minor">
+            <a:schemeClr val="lt1"/>
+          </a:fontRef>
+        </p:style>
+        <p:txBody>
+          <a:bodyPr rtlCol="0" anchor="ctr"/>
+          <a:lstStyle/>
+          <a:p>
+            <a:pPr algn="ctr"/>
+            <a:r>
+              <a:rPr lang="ko-KR" altLang="en-US" dirty="0" smtClean="0">
+                <a:solidFill>
+                  <a:prstClr val="white"/>
+                </a:solidFill>
+              </a:rPr>
+              <a:t>열쇠</a:t>
+            </a:r>
+            <a:r>
+              <a:rPr lang="en-US" altLang="ko-KR" dirty="0" smtClean="0">
+                <a:solidFill>
+                  <a:prstClr val="white"/>
+                </a:solidFill>
+              </a:rPr>
+              <a:t>X300</a:t>
+            </a:r>
+            <a:endParaRPr lang="ko-KR" altLang="en-US" sz="700" dirty="0"/>
+          </a:p>
+        </p:txBody>
+      </p:sp>
+      <p:sp>
+        <p:nvSpPr>
+          <p:cNvPr id="9" name="모서리가 둥근 직사각형 8"/>
+          <p:cNvSpPr/>
+          <p:nvPr/>
+        </p:nvSpPr>
+        <p:spPr>
+          <a:xfrm>
+            <a:off x="1278467" y="2548467"/>
+            <a:ext cx="1134534" cy="812800"/>
+          </a:xfrm>
+          <a:prstGeom prst="roundRect">
+            <a:avLst/>
+          </a:prstGeom>
+        </p:spPr>
+        <p:style>
+          <a:lnRef idx="2">
+            <a:schemeClr val="accent1">
+              <a:shade val="50000"/>
+            </a:schemeClr>
+          </a:lnRef>
+          <a:fillRef idx="1">
+            <a:schemeClr val="accent1"/>
+          </a:fillRef>
+          <a:effectRef idx="0">
+            <a:schemeClr val="accent1"/>
+          </a:effectRef>
+          <a:fontRef idx="minor">
+            <a:schemeClr val="lt1"/>
+          </a:fontRef>
+        </p:style>
+        <p:txBody>
+          <a:bodyPr rtlCol="0" anchor="ctr"/>
+          <a:lstStyle/>
+          <a:p>
+            <a:pPr algn="ctr"/>
+            <a:r>
+              <a:rPr lang="ko-KR" altLang="en-US" sz="1600" dirty="0" smtClean="0">
+                <a:solidFill>
+                  <a:prstClr val="white"/>
+                </a:solidFill>
+              </a:rPr>
+              <a:t>열쇠</a:t>
+            </a:r>
+            <a:r>
+              <a:rPr lang="en-US" altLang="ko-KR" sz="1600" dirty="0" smtClean="0">
+                <a:solidFill>
+                  <a:prstClr val="white"/>
+                </a:solidFill>
+              </a:rPr>
+              <a:t>X100</a:t>
+            </a:r>
+            <a:endParaRPr lang="ko-KR" altLang="en-US" sz="600" dirty="0"/>
+          </a:p>
+        </p:txBody>
+      </p:sp>
+      <p:sp>
+        <p:nvSpPr>
+          <p:cNvPr id="10" name="모서리가 둥근 직사각형 9"/>
+          <p:cNvSpPr/>
+          <p:nvPr/>
+        </p:nvSpPr>
+        <p:spPr>
+          <a:xfrm>
+            <a:off x="4013200" y="2548467"/>
+            <a:ext cx="1134534" cy="812800"/>
+          </a:xfrm>
+          <a:prstGeom prst="roundRect">
+            <a:avLst/>
+          </a:prstGeom>
+        </p:spPr>
+        <p:style>
+          <a:lnRef idx="2">
+            <a:schemeClr val="accent1">
+              <a:shade val="50000"/>
+            </a:schemeClr>
+          </a:lnRef>
+          <a:fillRef idx="1">
+            <a:schemeClr val="accent1"/>
+          </a:fillRef>
+          <a:effectRef idx="0">
+            <a:schemeClr val="accent1"/>
+          </a:effectRef>
+          <a:fontRef idx="minor">
+            <a:schemeClr val="lt1"/>
+          </a:fontRef>
+        </p:style>
+        <p:txBody>
+          <a:bodyPr rtlCol="0" anchor="ctr"/>
+          <a:lstStyle/>
+          <a:p>
+            <a:pPr algn="ctr"/>
+            <a:r>
+              <a:rPr lang="ko-KR" altLang="en-US" dirty="0" smtClean="0">
+                <a:solidFill>
+                  <a:prstClr val="white"/>
+                </a:solidFill>
+              </a:rPr>
+              <a:t>열쇠</a:t>
+            </a:r>
+            <a:r>
+              <a:rPr lang="en-US" altLang="ko-KR" dirty="0" smtClean="0">
+                <a:solidFill>
+                  <a:prstClr val="white"/>
+                </a:solidFill>
+              </a:rPr>
+              <a:t>X500</a:t>
+            </a:r>
+            <a:endParaRPr lang="ko-KR" altLang="en-US" sz="700" dirty="0"/>
+          </a:p>
+        </p:txBody>
+      </p:sp>
+    </p:spTree>
+    <p:extLst>
+      <p:ext uri="{BB962C8B-B14F-4D97-AF65-F5344CB8AC3E}">
+        <p14:creationId xmlns:p14="http://schemas.microsoft.com/office/powerpoint/2010/main" val="2223834480"/>
+      </p:ext>
+    </p:extLst>
+  </p:cSld>
+  <p:clrMapOvr>
+    <a:masterClrMapping/>
+  </p:clrMapOvr>
+  <p:timing>
+    <p:tnLst>
+      <p:par>
+        <p:cTn id="1" dur="indefinite" restart="never" nodeType="tmRoot"/>
+      </p:par>
+    </p:tnLst>
+  </p:timing>
+</p:sld>
+</file>
+
+<file path=ppt/slides/slide14.xml><?xml version="1.0" encoding="utf-8"?>
+<p:sld xmlns:a="http://schemas.openxmlformats.org/drawingml/2006/main" xmlns:r="http://schemas.openxmlformats.org/officeDocument/2006/relationships" xmlns:p="http://schemas.openxmlformats.org/presentationml/2006/main">
+  <p:cSld>
+    <p:spTree>
+      <p:nvGrpSpPr>
+        <p:cNvPr id="1" name=""/>
+        <p:cNvGrpSpPr/>
+        <p:nvPr/>
+      </p:nvGrpSpPr>
+      <p:grpSpPr>
+        <a:xfrm>
+          <a:off x="0" y="0"/>
+          <a:ext cx="0" cy="0"/>
+          <a:chOff x="0" y="0"/>
+          <a:chExt cx="0" cy="0"/>
+        </a:xfrm>
+      </p:grpSpPr>
+      <p:sp>
+        <p:nvSpPr>
+          <p:cNvPr id="4" name="직사각형 3"/>
+          <p:cNvSpPr/>
+          <p:nvPr/>
+        </p:nvSpPr>
+        <p:spPr>
+          <a:xfrm>
+            <a:off x="863600" y="313263"/>
+            <a:ext cx="4826000" cy="6197600"/>
+          </a:xfrm>
+          <a:prstGeom prst="rect">
+            <a:avLst/>
+          </a:prstGeom>
+          <a:solidFill>
+            <a:schemeClr val="bg1"/>
+          </a:solidFill>
+          <a:ln>
+            <a:solidFill>
+              <a:schemeClr val="tx1"/>
+            </a:solidFill>
+          </a:ln>
+        </p:spPr>
+        <p:style>
+          <a:lnRef idx="2">
+            <a:schemeClr val="accent1">
+              <a:shade val="50000"/>
+            </a:schemeClr>
+          </a:lnRef>
+          <a:fillRef idx="1">
+            <a:schemeClr val="accent1"/>
+          </a:fillRef>
+          <a:effectRef idx="0">
+            <a:schemeClr val="accent1"/>
+          </a:effectRef>
+          <a:fontRef idx="minor">
+            <a:schemeClr val="lt1"/>
+          </a:fontRef>
+        </p:style>
+        <p:txBody>
+          <a:bodyPr rtlCol="0" anchor="ctr"/>
+          <a:lstStyle/>
+          <a:p>
+            <a:pPr algn="ctr"/>
+            <a:endParaRPr lang="ko-KR" altLang="en-US" dirty="0"/>
+          </a:p>
+        </p:txBody>
+      </p:sp>
+      <p:graphicFrame>
+        <p:nvGraphicFramePr>
+          <p:cNvPr id="5" name="표 4"/>
+          <p:cNvGraphicFramePr>
+            <a:graphicFrameLocks noGrp="1"/>
+          </p:cNvGraphicFramePr>
+          <p:nvPr>
+            <p:extLst>
+              <p:ext uri="{D42A27DB-BD31-4B8C-83A1-F6EECF244321}">
+                <p14:modId xmlns:p14="http://schemas.microsoft.com/office/powerpoint/2010/main" val="3727536604"/>
+              </p:ext>
+            </p:extLst>
+          </p:nvPr>
+        </p:nvGraphicFramePr>
+        <p:xfrm>
+          <a:off x="6392332" y="719664"/>
+          <a:ext cx="4174068" cy="3007344"/>
+        </p:xfrm>
+        <a:graphic>
+          <a:graphicData uri="http://schemas.openxmlformats.org/drawingml/2006/table">
+            <a:tbl>
+              <a:tblPr>
+                <a:tableStyleId>{073A0DAA-6AF3-43AB-8588-CEC1D06C72B9}</a:tableStyleId>
+              </a:tblPr>
+              <a:tblGrid>
+                <a:gridCol w="2087034"/>
+                <a:gridCol w="2087034"/>
+              </a:tblGrid>
+              <a:tr h="732867">
+                <a:tc>
+                  <a:txBody>
+                    <a:bodyPr/>
+                    <a:lstStyle/>
+                    <a:p>
+                      <a:pPr algn="ctr" latinLnBrk="1"/>
+                      <a:r>
+                        <a:rPr lang="ko-KR" altLang="en-US" dirty="0" smtClean="0"/>
+                        <a:t>구분</a:t>
+                      </a:r>
+                      <a:endParaRPr lang="ko-KR" altLang="en-US" dirty="0"/>
+                    </a:p>
+                  </a:txBody>
+                  <a:tcPr anchor="ctr">
+                    <a:solidFill>
+                      <a:schemeClr val="tx1">
+                        <a:lumMod val="50000"/>
+                        <a:lumOff val="50000"/>
+                      </a:schemeClr>
+                    </a:solidFill>
+                  </a:tcPr>
+                </a:tc>
+                <a:tc>
+                  <a:txBody>
+                    <a:bodyPr/>
+                    <a:lstStyle/>
+                    <a:p>
+                      <a:pPr algn="ctr" latinLnBrk="1"/>
+                      <a:r>
+                        <a:rPr lang="ko-KR" altLang="en-US" dirty="0" smtClean="0"/>
+                        <a:t>내용</a:t>
+                      </a:r>
+                      <a:endParaRPr lang="ko-KR" altLang="en-US" dirty="0"/>
+                    </a:p>
+                  </a:txBody>
+                  <a:tcPr anchor="ctr">
+                    <a:solidFill>
+                      <a:schemeClr val="tx1">
+                        <a:lumMod val="50000"/>
+                        <a:lumOff val="50000"/>
+                      </a:schemeClr>
+                    </a:solidFill>
+                  </a:tcPr>
+                </a:tc>
+              </a:tr>
+              <a:tr h="1109049">
+                <a:tc>
+                  <a:txBody>
+                    <a:bodyPr/>
+                    <a:lstStyle/>
+                    <a:p>
+                      <a:pPr algn="ctr" latinLnBrk="1"/>
+                      <a:r>
+                        <a:rPr lang="ko-KR" altLang="en-US" dirty="0" smtClean="0"/>
+                        <a:t>화면 번호</a:t>
+                      </a:r>
+                      <a:r>
+                        <a:rPr lang="en-US" altLang="ko-KR" dirty="0" smtClean="0"/>
+                        <a:t/>
+                      </a:r>
+                      <a:br>
+                        <a:rPr lang="en-US" altLang="ko-KR" dirty="0" smtClean="0"/>
+                      </a:br>
+                      <a:r>
+                        <a:rPr lang="en-US" altLang="ko-KR" dirty="0" smtClean="0"/>
+                        <a:t>(</a:t>
+                      </a:r>
+                      <a:r>
+                        <a:rPr lang="ko-KR" altLang="en-US" dirty="0" smtClean="0"/>
+                        <a:t>닉네임 등록</a:t>
+                      </a:r>
+                      <a:r>
+                        <a:rPr lang="en-US" altLang="ko-KR" dirty="0" smtClean="0"/>
+                        <a:t>)</a:t>
+                      </a:r>
+                      <a:endParaRPr lang="ko-KR" altLang="en-US" dirty="0"/>
+                    </a:p>
+                  </a:txBody>
+                  <a:tcPr anchor="ctr"/>
+                </a:tc>
+                <a:tc>
+                  <a:txBody>
+                    <a:bodyPr/>
+                    <a:lstStyle/>
+                    <a:p>
+                      <a:pPr algn="ctr" latinLnBrk="1"/>
+                      <a:r>
+                        <a:rPr lang="en-US" altLang="ko-KR" dirty="0" smtClean="0"/>
+                        <a:t>09-01</a:t>
+                      </a:r>
+                      <a:endParaRPr lang="ko-KR" altLang="en-US" dirty="0"/>
+                    </a:p>
+                  </a:txBody>
+                  <a:tcPr anchor="ctr"/>
+                </a:tc>
+              </a:tr>
+              <a:tr h="1165428">
+                <a:tc>
+                  <a:txBody>
+                    <a:bodyPr/>
+                    <a:lstStyle/>
+                    <a:p>
+                      <a:pPr algn="ctr" latinLnBrk="1"/>
+                      <a:r>
+                        <a:rPr lang="en-US" altLang="ko-KR" dirty="0" smtClean="0"/>
+                        <a:t>btn01</a:t>
+                      </a:r>
+                      <a:endParaRPr lang="ko-KR" altLang="en-US" dirty="0"/>
+                    </a:p>
+                  </a:txBody>
+                  <a:tcPr anchor="ctr"/>
+                </a:tc>
+                <a:tc>
+                  <a:txBody>
+                    <a:bodyPr/>
+                    <a:lstStyle/>
+                    <a:p>
+                      <a:pPr algn="ctr" latinLnBrk="1"/>
+                      <a:endParaRPr lang="ko-KR" altLang="en-US" dirty="0"/>
+                    </a:p>
+                  </a:txBody>
+                  <a:tcPr anchor="ctr"/>
+                </a:tc>
+              </a:tr>
+            </a:tbl>
+          </a:graphicData>
+        </a:graphic>
+      </p:graphicFrame>
+      <p:graphicFrame>
+        <p:nvGraphicFramePr>
+          <p:cNvPr id="3" name="표 2"/>
+          <p:cNvGraphicFramePr>
+            <a:graphicFrameLocks noGrp="1"/>
+          </p:cNvGraphicFramePr>
+          <p:nvPr>
+            <p:extLst>
+              <p:ext uri="{D42A27DB-BD31-4B8C-83A1-F6EECF244321}">
+                <p14:modId xmlns:p14="http://schemas.microsoft.com/office/powerpoint/2010/main" val="1933318751"/>
+              </p:ext>
+            </p:extLst>
+          </p:nvPr>
+        </p:nvGraphicFramePr>
+        <p:xfrm>
+          <a:off x="1295403" y="3412063"/>
+          <a:ext cx="3987798" cy="490224"/>
+        </p:xfrm>
+        <a:graphic>
+          <a:graphicData uri="http://schemas.openxmlformats.org/drawingml/2006/table">
+            <a:tbl>
+              <a:tblPr firstRow="1" bandRow="1">
+                <a:tableStyleId>{5C22544A-7EE6-4342-B048-85BDC9FD1C3A}</a:tableStyleId>
+              </a:tblPr>
+              <a:tblGrid>
+                <a:gridCol w="817810"/>
+                <a:gridCol w="2367756"/>
+                <a:gridCol w="802232"/>
+              </a:tblGrid>
+              <a:tr h="490224">
+                <a:tc>
+                  <a:txBody>
+                    <a:bodyPr/>
+                    <a:lstStyle/>
+                    <a:p>
+                      <a:pPr algn="ctr" latinLnBrk="1"/>
+                      <a:r>
+                        <a:rPr lang="ko-KR" altLang="en-US" sz="1200" dirty="0" smtClean="0"/>
+                        <a:t>닉네임</a:t>
+                      </a:r>
+                      <a:endParaRPr lang="ko-KR" altLang="en-US" sz="1200" dirty="0"/>
+                    </a:p>
+                  </a:txBody>
+                  <a:tcPr anchor="ctr"/>
+                </a:tc>
+                <a:tc>
+                  <a:txBody>
+                    <a:bodyPr/>
+                    <a:lstStyle/>
+                    <a:p>
+                      <a:pPr algn="ctr" latinLnBrk="1"/>
+                      <a:endParaRPr lang="ko-KR" altLang="en-US" sz="1200" dirty="0"/>
+                    </a:p>
+                  </a:txBody>
+                  <a:tcPr anchor="ctr"/>
+                </a:tc>
+                <a:tc>
+                  <a:txBody>
+                    <a:bodyPr/>
+                    <a:lstStyle/>
+                    <a:p>
+                      <a:pPr algn="ctr" latinLnBrk="1"/>
+                      <a:r>
+                        <a:rPr lang="ko-KR" altLang="en-US" sz="1200" dirty="0" smtClean="0"/>
+                        <a:t>등록</a:t>
+                      </a:r>
+                      <a:endParaRPr lang="ko-KR" altLang="en-US" sz="1200" dirty="0"/>
+                    </a:p>
+                  </a:txBody>
+                  <a:tcPr anchor="ctr"/>
+                </a:tc>
+              </a:tr>
+            </a:tbl>
+          </a:graphicData>
+        </a:graphic>
+      </p:graphicFrame>
+      <p:sp>
+        <p:nvSpPr>
+          <p:cNvPr id="8" name="직사각형 7"/>
+          <p:cNvSpPr/>
+          <p:nvPr/>
+        </p:nvSpPr>
+        <p:spPr>
+          <a:xfrm>
+            <a:off x="1024467" y="474132"/>
+            <a:ext cx="1193800" cy="1024467"/>
+          </a:xfrm>
+          <a:prstGeom prst="rect">
+            <a:avLst/>
+          </a:prstGeom>
+        </p:spPr>
+        <p:style>
+          <a:lnRef idx="2">
+            <a:schemeClr val="accent1">
+              <a:shade val="50000"/>
+            </a:schemeClr>
+          </a:lnRef>
+          <a:fillRef idx="1">
+            <a:schemeClr val="accent1"/>
+          </a:fillRef>
+          <a:effectRef idx="0">
+            <a:schemeClr val="accent1"/>
+          </a:effectRef>
+          <a:fontRef idx="minor">
+            <a:schemeClr val="lt1"/>
+          </a:fontRef>
+        </p:style>
+        <p:txBody>
+          <a:bodyPr rtlCol="0" anchor="ctr"/>
+          <a:lstStyle/>
+          <a:p>
+            <a:pPr algn="ctr"/>
+            <a:r>
+              <a:rPr lang="ko-KR" altLang="en-US" dirty="0" smtClean="0"/>
+              <a:t>아이콘</a:t>
+            </a:r>
+            <a:endParaRPr lang="ko-KR" altLang="en-US" dirty="0"/>
+          </a:p>
+        </p:txBody>
+      </p:sp>
+      <p:sp>
+        <p:nvSpPr>
+          <p:cNvPr id="20" name="직사각형 19"/>
+          <p:cNvSpPr/>
+          <p:nvPr/>
+        </p:nvSpPr>
+        <p:spPr>
+          <a:xfrm>
+            <a:off x="2751667" y="888999"/>
+            <a:ext cx="2531534" cy="609600"/>
+          </a:xfrm>
+          <a:prstGeom prst="rect">
+            <a:avLst/>
+          </a:prstGeom>
+        </p:spPr>
+        <p:style>
+          <a:lnRef idx="2">
+            <a:schemeClr val="accent1">
+              <a:shade val="50000"/>
+            </a:schemeClr>
+          </a:lnRef>
+          <a:fillRef idx="1">
+            <a:schemeClr val="accent1"/>
+          </a:fillRef>
+          <a:effectRef idx="0">
+            <a:schemeClr val="accent1"/>
+          </a:effectRef>
+          <a:fontRef idx="minor">
+            <a:schemeClr val="lt1"/>
+          </a:fontRef>
+        </p:style>
+        <p:txBody>
+          <a:bodyPr rtlCol="0" anchor="ctr"/>
+          <a:lstStyle/>
+          <a:p>
+            <a:pPr algn="ctr"/>
+            <a:r>
+              <a:rPr lang="ko-KR" altLang="en-US" dirty="0" smtClean="0"/>
+              <a:t>로고</a:t>
+            </a:r>
+            <a:endParaRPr lang="ko-KR" altLang="en-US" dirty="0"/>
+          </a:p>
+        </p:txBody>
+      </p:sp>
+    </p:spTree>
+    <p:extLst>
+      <p:ext uri="{BB962C8B-B14F-4D97-AF65-F5344CB8AC3E}">
+        <p14:creationId xmlns:p14="http://schemas.microsoft.com/office/powerpoint/2010/main" val="2915361221"/>
       </p:ext>
     </p:extLst>
   </p:cSld>
@@ -3864,14 +7614,14 @@
           <p:nvPr>
             <p:extLst>
               <p:ext uri="{D42A27DB-BD31-4B8C-83A1-F6EECF244321}">
-                <p14:modId xmlns:p14="http://schemas.microsoft.com/office/powerpoint/2010/main" val="961066282"/>
+                <p14:modId xmlns:p14="http://schemas.microsoft.com/office/powerpoint/2010/main" val="3897234640"/>
               </p:ext>
             </p:extLst>
           </p:nvPr>
         </p:nvGraphicFramePr>
         <p:xfrm>
           <a:off x="6392332" y="719664"/>
-          <a:ext cx="4174068" cy="4445001"/>
+          <a:ext cx="4174068" cy="5882658"/>
         </p:xfrm>
         <a:graphic>
           <a:graphicData uri="http://schemas.openxmlformats.org/drawingml/2006/table">
@@ -3989,7 +7739,7 @@
                       <a:pPr algn="ctr" latinLnBrk="1"/>
                       <a:r>
                         <a:rPr lang="en-US" altLang="ko-KR" dirty="0" smtClean="0"/>
-                        <a:t>button01</a:t>
+                        <a:t>btn01</a:t>
                       </a:r>
                       <a:endParaRPr lang="ko-KR" altLang="en-US" dirty="0"/>
                     </a:p>
@@ -4034,6 +7784,34 @@
                         <a:rPr lang="ko-KR" altLang="en-US" dirty="0" smtClean="0"/>
                         <a:t>바꿀 수 있음</a:t>
                       </a:r>
+                      <a:endParaRPr lang="ko-KR" altLang="en-US" dirty="0"/>
+                    </a:p>
+                  </a:txBody>
+                  <a:tcPr anchor="ctr"/>
+                </a:tc>
+              </a:tr>
+              <a:tr h="1437657">
+                <a:tc>
+                  <a:txBody>
+                    <a:bodyPr/>
+                    <a:lstStyle/>
+                    <a:p>
+                      <a:pPr algn="ctr" latinLnBrk="1"/>
+                      <a:r>
+                        <a:rPr lang="en-US" altLang="ko-KR" dirty="0" smtClean="0"/>
+                        <a:t>Btn02</a:t>
+                      </a:r>
+                      <a:endParaRPr lang="ko-KR" altLang="en-US" dirty="0"/>
+                    </a:p>
+                  </a:txBody>
+                  <a:tcPr anchor="ctr"/>
+                </a:tc>
+                <a:tc>
+                  <a:txBody>
+                    <a:bodyPr/>
+                    <a:lstStyle/>
+                    <a:p>
+                      <a:pPr algn="ctr" latinLnBrk="1"/>
                       <a:endParaRPr lang="ko-KR" altLang="en-US" dirty="0"/>
                     </a:p>
                   </a:txBody>
@@ -4052,7 +7830,7 @@
         </p:nvSpPr>
         <p:spPr>
           <a:xfrm>
-            <a:off x="2290233" y="4622809"/>
+            <a:off x="2290233" y="4309542"/>
             <a:ext cx="1972733" cy="846666"/>
           </a:xfrm>
           <a:prstGeom prst="rect">
@@ -4141,13 +7919,13 @@
           <p:nvPr>
             <p:extLst>
               <p:ext uri="{D42A27DB-BD31-4B8C-83A1-F6EECF244321}">
-                <p14:modId xmlns:p14="http://schemas.microsoft.com/office/powerpoint/2010/main" val="2990957898"/>
+                <p14:modId xmlns:p14="http://schemas.microsoft.com/office/powerpoint/2010/main" val="2559648279"/>
               </p:ext>
             </p:extLst>
           </p:nvPr>
         </p:nvGraphicFramePr>
         <p:xfrm>
-          <a:off x="2624661" y="1428113"/>
+          <a:off x="2032000" y="3095643"/>
           <a:ext cx="2539998" cy="548640"/>
         </p:xfrm>
         <a:graphic>
@@ -4268,13 +8046,13 @@
           <p:nvPr>
             <p:extLst>
               <p:ext uri="{D42A27DB-BD31-4B8C-83A1-F6EECF244321}">
-                <p14:modId xmlns:p14="http://schemas.microsoft.com/office/powerpoint/2010/main" val="1720971544"/>
+                <p14:modId xmlns:p14="http://schemas.microsoft.com/office/powerpoint/2010/main" val="54800162"/>
               </p:ext>
             </p:extLst>
           </p:nvPr>
         </p:nvGraphicFramePr>
         <p:xfrm>
-          <a:off x="2700866" y="800324"/>
+          <a:off x="2108205" y="2467854"/>
           <a:ext cx="1312334" cy="503542"/>
         </p:xfrm>
         <a:graphic>
@@ -4371,7 +8149,7 @@
         </p:nvSpPr>
         <p:spPr>
           <a:xfrm>
-            <a:off x="1342405" y="910392"/>
+            <a:off x="2768819" y="861265"/>
             <a:ext cx="1066361" cy="1066361"/>
           </a:xfrm>
           <a:prstGeom prst="ellipse">
@@ -4416,13 +8194,13 @@
           <p:nvPr>
             <p:extLst>
               <p:ext uri="{D42A27DB-BD31-4B8C-83A1-F6EECF244321}">
-                <p14:modId xmlns:p14="http://schemas.microsoft.com/office/powerpoint/2010/main" val="756905096"/>
+                <p14:modId xmlns:p14="http://schemas.microsoft.com/office/powerpoint/2010/main" val="3875162424"/>
               </p:ext>
             </p:extLst>
           </p:nvPr>
         </p:nvGraphicFramePr>
         <p:xfrm>
-          <a:off x="4212167" y="804334"/>
+          <a:off x="3619506" y="2471864"/>
           <a:ext cx="846667" cy="518160"/>
         </p:xfrm>
         <a:graphic>
@@ -4472,6 +8250,165 @@
           </a:graphicData>
         </a:graphic>
       </p:graphicFrame>
+      <p:grpSp>
+        <p:nvGrpSpPr>
+          <p:cNvPr id="10" name="그룹 9"/>
+          <p:cNvGrpSpPr/>
+          <p:nvPr/>
+        </p:nvGrpSpPr>
+        <p:grpSpPr>
+          <a:xfrm>
+            <a:off x="4787783" y="769586"/>
+            <a:ext cx="901817" cy="335756"/>
+            <a:chOff x="4787783" y="985051"/>
+            <a:chExt cx="901817" cy="335756"/>
+          </a:xfrm>
+        </p:grpSpPr>
+        <p:sp>
+          <p:nvSpPr>
+            <p:cNvPr id="11" name="타원 10"/>
+            <p:cNvSpPr/>
+            <p:nvPr/>
+          </p:nvSpPr>
+          <p:spPr>
+            <a:xfrm>
+              <a:off x="4892935" y="1083733"/>
+              <a:ext cx="203200" cy="203200"/>
+            </a:xfrm>
+            <a:prstGeom prst="ellipse">
+              <a:avLst/>
+            </a:prstGeom>
+          </p:spPr>
+          <p:style>
+            <a:lnRef idx="2">
+              <a:schemeClr val="accent1">
+                <a:shade val="50000"/>
+              </a:schemeClr>
+            </a:lnRef>
+            <a:fillRef idx="1">
+              <a:schemeClr val="accent1"/>
+            </a:fillRef>
+            <a:effectRef idx="0">
+              <a:schemeClr val="accent1"/>
+            </a:effectRef>
+            <a:fontRef idx="minor">
+              <a:schemeClr val="lt1"/>
+            </a:fontRef>
+          </p:style>
+          <p:txBody>
+            <a:bodyPr rtlCol="0" anchor="ctr"/>
+            <a:lstStyle/>
+            <a:p>
+              <a:pPr algn="ctr"/>
+              <a:endParaRPr lang="ko-KR" altLang="en-US" dirty="0"/>
+            </a:p>
+          </p:txBody>
+        </p:sp>
+        <p:sp>
+          <p:nvSpPr>
+            <p:cNvPr id="12" name="직사각형 11"/>
+            <p:cNvSpPr/>
+            <p:nvPr/>
+          </p:nvSpPr>
+          <p:spPr>
+            <a:xfrm>
+              <a:off x="5012267" y="1083733"/>
+              <a:ext cx="677333" cy="203200"/>
+            </a:xfrm>
+            <a:prstGeom prst="rect">
+              <a:avLst/>
+            </a:prstGeom>
+          </p:spPr>
+          <p:style>
+            <a:lnRef idx="2">
+              <a:schemeClr val="accent1">
+                <a:shade val="50000"/>
+              </a:schemeClr>
+            </a:lnRef>
+            <a:fillRef idx="1">
+              <a:schemeClr val="accent1"/>
+            </a:fillRef>
+            <a:effectRef idx="0">
+              <a:schemeClr val="accent1"/>
+            </a:effectRef>
+            <a:fontRef idx="minor">
+              <a:schemeClr val="lt1"/>
+            </a:fontRef>
+          </p:style>
+          <p:txBody>
+            <a:bodyPr rtlCol="0" anchor="ctr"/>
+            <a:lstStyle/>
+            <a:p>
+              <a:pPr algn="ctr"/>
+              <a:r>
+                <a:rPr lang="ko-KR" altLang="en-US" sz="800" dirty="0" smtClean="0"/>
+                <a:t>랭킹 보기</a:t>
+              </a:r>
+              <a:endParaRPr lang="ko-KR" altLang="en-US" sz="800" dirty="0"/>
+            </a:p>
+          </p:txBody>
+        </p:sp>
+        <p:sp>
+          <p:nvSpPr>
+            <p:cNvPr id="13" name="TextBox 12"/>
+            <p:cNvSpPr txBox="1"/>
+            <p:nvPr/>
+          </p:nvSpPr>
+          <p:spPr>
+            <a:xfrm>
+              <a:off x="4787783" y="985051"/>
+              <a:ext cx="346570" cy="335756"/>
+            </a:xfrm>
+            <a:prstGeom prst="rect">
+              <a:avLst/>
+            </a:prstGeom>
+            <a:noFill/>
+          </p:spPr>
+          <p:txBody>
+            <a:bodyPr wrap="none" rtlCol="0">
+              <a:spAutoFit/>
+            </a:bodyPr>
+            <a:lstStyle/>
+            <a:p>
+              <a:r>
+                <a:rPr lang="en-US" altLang="ko-KR" dirty="0" smtClean="0"/>
+                <a:t>+</a:t>
+              </a:r>
+              <a:endParaRPr lang="ko-KR" altLang="en-US" dirty="0"/>
+            </a:p>
+          </p:txBody>
+        </p:sp>
+      </p:grpSp>
+      <p:sp>
+        <p:nvSpPr>
+          <p:cNvPr id="2" name="TextBox 1"/>
+          <p:cNvSpPr txBox="1"/>
+          <p:nvPr/>
+        </p:nvSpPr>
+        <p:spPr>
+          <a:xfrm>
+            <a:off x="5081885" y="1004939"/>
+            <a:ext cx="590226" cy="276999"/>
+          </a:xfrm>
+          <a:prstGeom prst="rect">
+            <a:avLst/>
+          </a:prstGeom>
+          <a:noFill/>
+        </p:spPr>
+        <p:txBody>
+          <a:bodyPr wrap="none" rtlCol="0">
+            <a:spAutoFit/>
+          </a:bodyPr>
+          <a:lstStyle/>
+          <a:p>
+            <a:r>
+              <a:rPr lang="en-US" altLang="ko-KR" sz="1200" dirty="0" smtClean="0"/>
+              <a:t>btn02</a:t>
+            </a:r>
+            <a:endParaRPr lang="ko-KR" altLang="en-US" sz="1200" dirty="0"/>
+          </a:p>
+        </p:txBody>
+      </p:sp>
     </p:spTree>
     <p:extLst>
       <p:ext uri="{BB962C8B-B14F-4D97-AF65-F5344CB8AC3E}">
@@ -4566,7 +8503,7 @@
           <p:nvPr>
             <p:extLst>
               <p:ext uri="{D42A27DB-BD31-4B8C-83A1-F6EECF244321}">
-                <p14:modId xmlns:p14="http://schemas.microsoft.com/office/powerpoint/2010/main" val="2396885990"/>
+                <p14:modId xmlns:p14="http://schemas.microsoft.com/office/powerpoint/2010/main" val="189391417"/>
               </p:ext>
             </p:extLst>
           </p:nvPr>
@@ -4695,7 +8632,7 @@
                       <a:pPr algn="ctr" latinLnBrk="1"/>
                       <a:r>
                         <a:rPr lang="en-US" altLang="ko-KR" dirty="0" smtClean="0"/>
-                        <a:t>button01</a:t>
+                        <a:t>btn01</a:t>
                       </a:r>
                       <a:endParaRPr lang="ko-KR" altLang="en-US" dirty="0"/>
                     </a:p>
@@ -4794,7 +8731,7 @@
         </p:nvGrpSpPr>
         <p:grpSpPr>
           <a:xfrm>
-            <a:off x="4787783" y="580842"/>
+            <a:off x="4787783" y="385876"/>
             <a:ext cx="901817" cy="335756"/>
             <a:chOff x="4787783" y="985051"/>
             <a:chExt cx="901817" cy="335756"/>
@@ -4985,7 +8922,166 @@
       </p:graphicFrame>
       <p:grpSp>
         <p:nvGrpSpPr>
-          <p:cNvPr id="22" name="그룹 21"/>
+          <p:cNvPr id="31" name="그룹 30"/>
+          <p:cNvGrpSpPr/>
+          <p:nvPr/>
+        </p:nvGrpSpPr>
+        <p:grpSpPr>
+          <a:xfrm>
+            <a:off x="4787783" y="676453"/>
+            <a:ext cx="901817" cy="335756"/>
+            <a:chOff x="4787783" y="985051"/>
+            <a:chExt cx="901817" cy="335756"/>
+          </a:xfrm>
+        </p:grpSpPr>
+        <p:sp>
+          <p:nvSpPr>
+            <p:cNvPr id="45" name="타원 44"/>
+            <p:cNvSpPr/>
+            <p:nvPr/>
+          </p:nvSpPr>
+          <p:spPr>
+            <a:xfrm>
+              <a:off x="4892935" y="1083733"/>
+              <a:ext cx="203200" cy="203200"/>
+            </a:xfrm>
+            <a:prstGeom prst="ellipse">
+              <a:avLst/>
+            </a:prstGeom>
+          </p:spPr>
+          <p:style>
+            <a:lnRef idx="2">
+              <a:schemeClr val="accent1">
+                <a:shade val="50000"/>
+              </a:schemeClr>
+            </a:lnRef>
+            <a:fillRef idx="1">
+              <a:schemeClr val="accent1"/>
+            </a:fillRef>
+            <a:effectRef idx="0">
+              <a:schemeClr val="accent1"/>
+            </a:effectRef>
+            <a:fontRef idx="minor">
+              <a:schemeClr val="lt1"/>
+            </a:fontRef>
+          </p:style>
+          <p:txBody>
+            <a:bodyPr rtlCol="0" anchor="ctr"/>
+            <a:lstStyle/>
+            <a:p>
+              <a:pPr algn="ctr"/>
+              <a:endParaRPr lang="ko-KR" altLang="en-US" dirty="0"/>
+            </a:p>
+          </p:txBody>
+        </p:sp>
+        <p:sp>
+          <p:nvSpPr>
+            <p:cNvPr id="46" name="직사각형 45"/>
+            <p:cNvSpPr/>
+            <p:nvPr/>
+          </p:nvSpPr>
+          <p:spPr>
+            <a:xfrm>
+              <a:off x="5012267" y="1083733"/>
+              <a:ext cx="677333" cy="203200"/>
+            </a:xfrm>
+            <a:prstGeom prst="rect">
+              <a:avLst/>
+            </a:prstGeom>
+          </p:spPr>
+          <p:style>
+            <a:lnRef idx="2">
+              <a:schemeClr val="accent1">
+                <a:shade val="50000"/>
+              </a:schemeClr>
+            </a:lnRef>
+            <a:fillRef idx="1">
+              <a:schemeClr val="accent1"/>
+            </a:fillRef>
+            <a:effectRef idx="0">
+              <a:schemeClr val="accent1"/>
+            </a:effectRef>
+            <a:fontRef idx="minor">
+              <a:schemeClr val="lt1"/>
+            </a:fontRef>
+          </p:style>
+          <p:txBody>
+            <a:bodyPr rtlCol="0" anchor="ctr"/>
+            <a:lstStyle/>
+            <a:p>
+              <a:pPr algn="ctr"/>
+              <a:r>
+                <a:rPr lang="ko-KR" altLang="en-US" sz="800" dirty="0" smtClean="0"/>
+                <a:t>랭킹 보기</a:t>
+              </a:r>
+              <a:endParaRPr lang="ko-KR" altLang="en-US" sz="800" dirty="0"/>
+            </a:p>
+          </p:txBody>
+        </p:sp>
+        <p:sp>
+          <p:nvSpPr>
+            <p:cNvPr id="47" name="TextBox 46"/>
+            <p:cNvSpPr txBox="1"/>
+            <p:nvPr/>
+          </p:nvSpPr>
+          <p:spPr>
+            <a:xfrm>
+              <a:off x="4787783" y="985051"/>
+              <a:ext cx="346570" cy="335756"/>
+            </a:xfrm>
+            <a:prstGeom prst="rect">
+              <a:avLst/>
+            </a:prstGeom>
+            <a:noFill/>
+          </p:spPr>
+          <p:txBody>
+            <a:bodyPr wrap="none" rtlCol="0">
+              <a:spAutoFit/>
+            </a:bodyPr>
+            <a:lstStyle/>
+            <a:p>
+              <a:r>
+                <a:rPr lang="en-US" altLang="ko-KR" dirty="0" smtClean="0"/>
+                <a:t>+</a:t>
+              </a:r>
+              <a:endParaRPr lang="ko-KR" altLang="en-US" dirty="0"/>
+            </a:p>
+          </p:txBody>
+        </p:sp>
+      </p:grpSp>
+      <p:sp>
+        <p:nvSpPr>
+          <p:cNvPr id="48" name="TextBox 47"/>
+          <p:cNvSpPr txBox="1"/>
+          <p:nvPr/>
+        </p:nvSpPr>
+        <p:spPr>
+          <a:xfrm>
+            <a:off x="5081885" y="936769"/>
+            <a:ext cx="590226" cy="276999"/>
+          </a:xfrm>
+          <a:prstGeom prst="rect">
+            <a:avLst/>
+          </a:prstGeom>
+          <a:noFill/>
+        </p:spPr>
+        <p:txBody>
+          <a:bodyPr wrap="none" rtlCol="0">
+            <a:spAutoFit/>
+          </a:bodyPr>
+          <a:lstStyle/>
+          <a:p>
+            <a:r>
+              <a:rPr lang="en-US" altLang="ko-KR" sz="1200" dirty="0" smtClean="0"/>
+              <a:t>btn02</a:t>
+            </a:r>
+            <a:endParaRPr lang="ko-KR" altLang="en-US" sz="1200" dirty="0"/>
+          </a:p>
+        </p:txBody>
+      </p:sp>
+      <p:grpSp>
+        <p:nvGrpSpPr>
+          <p:cNvPr id="7" name="그룹 6"/>
           <p:cNvGrpSpPr/>
           <p:nvPr/>
         </p:nvGrpSpPr>
@@ -4999,7 +9095,7 @@
         </p:grpSpPr>
         <p:grpSp>
           <p:nvGrpSpPr>
-            <p:cNvPr id="3" name="그룹 2"/>
+            <p:cNvPr id="22" name="그룹 21"/>
             <p:cNvGrpSpPr/>
             <p:nvPr/>
           </p:nvGrpSpPr>
@@ -5007,24 +9103,445 @@
             <a:xfrm>
               <a:off x="1527316" y="1082577"/>
               <a:ext cx="3568819" cy="4598569"/>
-              <a:chOff x="1227667" y="1109133"/>
-              <a:chExt cx="3568582" cy="4203153"/>
+              <a:chOff x="1527316" y="1082577"/>
+              <a:chExt cx="3568819" cy="4598569"/>
             </a:xfrm>
           </p:grpSpPr>
+          <p:grpSp>
+            <p:nvGrpSpPr>
+              <p:cNvPr id="3" name="그룹 2"/>
+              <p:cNvGrpSpPr/>
+              <p:nvPr/>
+            </p:nvGrpSpPr>
+            <p:grpSpPr>
+              <a:xfrm>
+                <a:off x="1527316" y="1082577"/>
+                <a:ext cx="3568819" cy="4598569"/>
+                <a:chOff x="1227667" y="1109133"/>
+                <a:chExt cx="3568582" cy="4203153"/>
+              </a:xfrm>
+            </p:grpSpPr>
+            <p:sp>
+              <p:nvSpPr>
+                <p:cNvPr id="2" name="직사각형 1"/>
+                <p:cNvSpPr/>
+                <p:nvPr/>
+              </p:nvSpPr>
+              <p:spPr>
+                <a:xfrm>
+                  <a:off x="1236133" y="1109133"/>
+                  <a:ext cx="1041400" cy="1236134"/>
+                </a:xfrm>
+                <a:prstGeom prst="rect">
+                  <a:avLst/>
+                </a:prstGeom>
+              </p:spPr>
+              <p:style>
+                <a:lnRef idx="2">
+                  <a:schemeClr val="accent1">
+                    <a:shade val="50000"/>
+                  </a:schemeClr>
+                </a:lnRef>
+                <a:fillRef idx="1">
+                  <a:schemeClr val="accent1"/>
+                </a:fillRef>
+                <a:effectRef idx="0">
+                  <a:schemeClr val="accent1"/>
+                </a:effectRef>
+                <a:fontRef idx="minor">
+                  <a:schemeClr val="lt1"/>
+                </a:fontRef>
+              </p:style>
+              <p:txBody>
+                <a:bodyPr rtlCol="0" anchor="ctr"/>
+                <a:lstStyle/>
+                <a:p>
+                  <a:pPr algn="ctr"/>
+                  <a:endParaRPr lang="ko-KR" altLang="en-US"/>
+                </a:p>
+              </p:txBody>
+            </p:sp>
+            <p:sp>
+              <p:nvSpPr>
+                <p:cNvPr id="23" name="직사각형 22"/>
+                <p:cNvSpPr/>
+                <p:nvPr/>
+              </p:nvSpPr>
+              <p:spPr>
+                <a:xfrm>
+                  <a:off x="2479114" y="2603225"/>
+                  <a:ext cx="1041400" cy="1236134"/>
+                </a:xfrm>
+                <a:prstGeom prst="rect">
+                  <a:avLst/>
+                </a:prstGeom>
+              </p:spPr>
+              <p:style>
+                <a:lnRef idx="2">
+                  <a:schemeClr val="accent1">
+                    <a:shade val="50000"/>
+                  </a:schemeClr>
+                </a:lnRef>
+                <a:fillRef idx="1">
+                  <a:schemeClr val="accent1"/>
+                </a:fillRef>
+                <a:effectRef idx="0">
+                  <a:schemeClr val="accent1"/>
+                </a:effectRef>
+                <a:fontRef idx="minor">
+                  <a:schemeClr val="lt1"/>
+                </a:fontRef>
+              </p:style>
+              <p:txBody>
+                <a:bodyPr rtlCol="0" anchor="ctr"/>
+                <a:lstStyle/>
+                <a:p>
+                  <a:pPr algn="ctr"/>
+                  <a:endParaRPr lang="ko-KR" altLang="en-US"/>
+                </a:p>
+              </p:txBody>
+            </p:sp>
+            <p:sp>
+              <p:nvSpPr>
+                <p:cNvPr id="24" name="직사각형 23"/>
+                <p:cNvSpPr/>
+                <p:nvPr/>
+              </p:nvSpPr>
+              <p:spPr>
+                <a:xfrm>
+                  <a:off x="1236133" y="2603225"/>
+                  <a:ext cx="1041400" cy="1236134"/>
+                </a:xfrm>
+                <a:prstGeom prst="rect">
+                  <a:avLst/>
+                </a:prstGeom>
+              </p:spPr>
+              <p:style>
+                <a:lnRef idx="2">
+                  <a:schemeClr val="accent1">
+                    <a:shade val="50000"/>
+                  </a:schemeClr>
+                </a:lnRef>
+                <a:fillRef idx="1">
+                  <a:schemeClr val="accent1"/>
+                </a:fillRef>
+                <a:effectRef idx="0">
+                  <a:schemeClr val="accent1"/>
+                </a:effectRef>
+                <a:fontRef idx="minor">
+                  <a:schemeClr val="lt1"/>
+                </a:fontRef>
+              </p:style>
+              <p:txBody>
+                <a:bodyPr rtlCol="0" anchor="ctr"/>
+                <a:lstStyle/>
+                <a:p>
+                  <a:pPr algn="ctr"/>
+                  <a:endParaRPr lang="ko-KR" altLang="en-US"/>
+                </a:p>
+              </p:txBody>
+            </p:sp>
+            <p:sp>
+              <p:nvSpPr>
+                <p:cNvPr id="27" name="직사각형 26"/>
+                <p:cNvSpPr/>
+                <p:nvPr/>
+              </p:nvSpPr>
+              <p:spPr>
+                <a:xfrm>
+                  <a:off x="3754849" y="1126067"/>
+                  <a:ext cx="1041400" cy="1236134"/>
+                </a:xfrm>
+                <a:prstGeom prst="rect">
+                  <a:avLst/>
+                </a:prstGeom>
+              </p:spPr>
+              <p:style>
+                <a:lnRef idx="2">
+                  <a:schemeClr val="accent1">
+                    <a:shade val="50000"/>
+                  </a:schemeClr>
+                </a:lnRef>
+                <a:fillRef idx="1">
+                  <a:schemeClr val="accent1"/>
+                </a:fillRef>
+                <a:effectRef idx="0">
+                  <a:schemeClr val="accent1"/>
+                </a:effectRef>
+                <a:fontRef idx="minor">
+                  <a:schemeClr val="lt1"/>
+                </a:fontRef>
+              </p:style>
+              <p:txBody>
+                <a:bodyPr rtlCol="0" anchor="ctr"/>
+                <a:lstStyle/>
+                <a:p>
+                  <a:pPr algn="ctr"/>
+                  <a:endParaRPr lang="ko-KR" altLang="en-US"/>
+                </a:p>
+              </p:txBody>
+            </p:sp>
+            <p:sp>
+              <p:nvSpPr>
+                <p:cNvPr id="32" name="직사각형 31"/>
+                <p:cNvSpPr/>
+                <p:nvPr/>
+              </p:nvSpPr>
+              <p:spPr>
+                <a:xfrm>
+                  <a:off x="2479114" y="1126067"/>
+                  <a:ext cx="1041400" cy="1236134"/>
+                </a:xfrm>
+                <a:prstGeom prst="rect">
+                  <a:avLst/>
+                </a:prstGeom>
+              </p:spPr>
+              <p:style>
+                <a:lnRef idx="2">
+                  <a:schemeClr val="accent1">
+                    <a:shade val="50000"/>
+                  </a:schemeClr>
+                </a:lnRef>
+                <a:fillRef idx="1">
+                  <a:schemeClr val="accent1"/>
+                </a:fillRef>
+                <a:effectRef idx="0">
+                  <a:schemeClr val="accent1"/>
+                </a:effectRef>
+                <a:fontRef idx="minor">
+                  <a:schemeClr val="lt1"/>
+                </a:fontRef>
+              </p:style>
+              <p:txBody>
+                <a:bodyPr rtlCol="0" anchor="ctr"/>
+                <a:lstStyle/>
+                <a:p>
+                  <a:pPr algn="ctr"/>
+                  <a:endParaRPr lang="ko-KR" altLang="en-US"/>
+                </a:p>
+              </p:txBody>
+            </p:sp>
+            <p:sp>
+              <p:nvSpPr>
+                <p:cNvPr id="33" name="직사각형 32"/>
+                <p:cNvSpPr/>
+                <p:nvPr/>
+              </p:nvSpPr>
+              <p:spPr>
+                <a:xfrm>
+                  <a:off x="3754849" y="2603225"/>
+                  <a:ext cx="1041400" cy="1236134"/>
+                </a:xfrm>
+                <a:prstGeom prst="rect">
+                  <a:avLst/>
+                </a:prstGeom>
+              </p:spPr>
+              <p:style>
+                <a:lnRef idx="2">
+                  <a:schemeClr val="accent1">
+                    <a:shade val="50000"/>
+                  </a:schemeClr>
+                </a:lnRef>
+                <a:fillRef idx="1">
+                  <a:schemeClr val="accent1"/>
+                </a:fillRef>
+                <a:effectRef idx="0">
+                  <a:schemeClr val="accent1"/>
+                </a:effectRef>
+                <a:fontRef idx="minor">
+                  <a:schemeClr val="lt1"/>
+                </a:fontRef>
+              </p:style>
+              <p:txBody>
+                <a:bodyPr rtlCol="0" anchor="ctr"/>
+                <a:lstStyle/>
+                <a:p>
+                  <a:pPr algn="ctr"/>
+                  <a:endParaRPr lang="ko-KR" altLang="en-US"/>
+                </a:p>
+              </p:txBody>
+            </p:sp>
+            <p:sp>
+              <p:nvSpPr>
+                <p:cNvPr id="34" name="직사각형 33"/>
+                <p:cNvSpPr/>
+                <p:nvPr/>
+              </p:nvSpPr>
+              <p:spPr>
+                <a:xfrm>
+                  <a:off x="2470648" y="4076152"/>
+                  <a:ext cx="1041400" cy="1236134"/>
+                </a:xfrm>
+                <a:prstGeom prst="rect">
+                  <a:avLst/>
+                </a:prstGeom>
+              </p:spPr>
+              <p:style>
+                <a:lnRef idx="2">
+                  <a:schemeClr val="accent1">
+                    <a:shade val="50000"/>
+                  </a:schemeClr>
+                </a:lnRef>
+                <a:fillRef idx="1">
+                  <a:schemeClr val="accent1"/>
+                </a:fillRef>
+                <a:effectRef idx="0">
+                  <a:schemeClr val="accent1"/>
+                </a:effectRef>
+                <a:fontRef idx="minor">
+                  <a:schemeClr val="lt1"/>
+                </a:fontRef>
+              </p:style>
+              <p:txBody>
+                <a:bodyPr rtlCol="0" anchor="ctr"/>
+                <a:lstStyle/>
+                <a:p>
+                  <a:pPr algn="ctr"/>
+                  <a:endParaRPr lang="ko-KR" altLang="en-US"/>
+                </a:p>
+              </p:txBody>
+            </p:sp>
+            <p:sp>
+              <p:nvSpPr>
+                <p:cNvPr id="35" name="직사각형 34"/>
+                <p:cNvSpPr/>
+                <p:nvPr/>
+              </p:nvSpPr>
+              <p:spPr>
+                <a:xfrm>
+                  <a:off x="1227667" y="4076152"/>
+                  <a:ext cx="1041400" cy="1236134"/>
+                </a:xfrm>
+                <a:prstGeom prst="rect">
+                  <a:avLst/>
+                </a:prstGeom>
+              </p:spPr>
+              <p:style>
+                <a:lnRef idx="2">
+                  <a:schemeClr val="accent1">
+                    <a:shade val="50000"/>
+                  </a:schemeClr>
+                </a:lnRef>
+                <a:fillRef idx="1">
+                  <a:schemeClr val="accent1"/>
+                </a:fillRef>
+                <a:effectRef idx="0">
+                  <a:schemeClr val="accent1"/>
+                </a:effectRef>
+                <a:fontRef idx="minor">
+                  <a:schemeClr val="lt1"/>
+                </a:fontRef>
+              </p:style>
+              <p:txBody>
+                <a:bodyPr rtlCol="0" anchor="ctr"/>
+                <a:lstStyle/>
+                <a:p>
+                  <a:pPr algn="ctr"/>
+                  <a:endParaRPr lang="ko-KR" altLang="en-US"/>
+                </a:p>
+              </p:txBody>
+            </p:sp>
+            <p:sp>
+              <p:nvSpPr>
+                <p:cNvPr id="36" name="직사각형 35"/>
+                <p:cNvSpPr/>
+                <p:nvPr/>
+              </p:nvSpPr>
+              <p:spPr>
+                <a:xfrm>
+                  <a:off x="3746383" y="4076152"/>
+                  <a:ext cx="1041400" cy="1236134"/>
+                </a:xfrm>
+                <a:prstGeom prst="rect">
+                  <a:avLst/>
+                </a:prstGeom>
+              </p:spPr>
+              <p:style>
+                <a:lnRef idx="2">
+                  <a:schemeClr val="accent1">
+                    <a:shade val="50000"/>
+                  </a:schemeClr>
+                </a:lnRef>
+                <a:fillRef idx="1">
+                  <a:schemeClr val="accent1"/>
+                </a:fillRef>
+                <a:effectRef idx="0">
+                  <a:schemeClr val="accent1"/>
+                </a:effectRef>
+                <a:fontRef idx="minor">
+                  <a:schemeClr val="lt1"/>
+                </a:fontRef>
+              </p:style>
+              <p:txBody>
+                <a:bodyPr rtlCol="0" anchor="ctr"/>
+                <a:lstStyle/>
+                <a:p>
+                  <a:pPr algn="ctr"/>
+                  <a:endParaRPr lang="ko-KR" altLang="en-US"/>
+                </a:p>
+              </p:txBody>
+            </p:sp>
+          </p:grpSp>
           <p:sp>
             <p:nvSpPr>
-              <p:cNvPr id="2" name="직사각형 1"/>
+              <p:cNvPr id="8" name="포인트가 5개인 별 7"/>
               <p:cNvSpPr/>
               <p:nvPr/>
             </p:nvSpPr>
             <p:spPr>
               <a:xfrm>
-                <a:off x="1236133" y="1109133"/>
-                <a:ext cx="1041400" cy="1236134"/>
+                <a:off x="2393076" y="1101104"/>
+                <a:ext cx="151419" cy="159992"/>
               </a:xfrm>
-              <a:prstGeom prst="rect">
+              <a:prstGeom prst="star5">
                 <a:avLst/>
               </a:prstGeom>
+              <a:solidFill>
+                <a:schemeClr val="bg1"/>
+              </a:solidFill>
+            </p:spPr>
+            <p:style>
+              <a:lnRef idx="2">
+                <a:schemeClr val="accent1">
+                  <a:shade val="50000"/>
+                </a:schemeClr>
+              </a:lnRef>
+              <a:fillRef idx="1">
+                <a:schemeClr val="accent1"/>
+              </a:fillRef>
+              <a:effectRef idx="0">
+                <a:schemeClr val="accent1"/>
+              </a:effectRef>
+              <a:fontRef idx="minor">
+                <a:schemeClr val="lt1"/>
+              </a:fontRef>
+            </p:style>
+            <p:txBody>
+              <a:bodyPr rtlCol="0" anchor="ctr"/>
+              <a:lstStyle/>
+              <a:p>
+                <a:pPr algn="ctr"/>
+                <a:endParaRPr lang="ko-KR" altLang="en-US" dirty="0"/>
+              </a:p>
+            </p:txBody>
+          </p:sp>
+          <p:sp>
+            <p:nvSpPr>
+              <p:cNvPr id="37" name="포인트가 5개인 별 36"/>
+              <p:cNvSpPr/>
+              <p:nvPr/>
+            </p:nvSpPr>
+            <p:spPr>
+              <a:xfrm>
+                <a:off x="3660430" y="1101104"/>
+                <a:ext cx="151419" cy="159992"/>
+              </a:xfrm>
+              <a:prstGeom prst="star5">
+                <a:avLst/>
+              </a:prstGeom>
+              <a:solidFill>
+                <a:schemeClr val="bg1"/>
+              </a:solidFill>
             </p:spPr>
             <p:style>
               <a:lnRef idx="2">
@@ -5053,18 +9570,21 @@
           </p:sp>
           <p:sp>
             <p:nvSpPr>
-              <p:cNvPr id="23" name="직사각형 22"/>
+              <p:cNvPr id="38" name="포인트가 5개인 별 37"/>
               <p:cNvSpPr/>
               <p:nvPr/>
             </p:nvSpPr>
             <p:spPr>
               <a:xfrm>
-                <a:off x="2479114" y="2603225"/>
-                <a:ext cx="1041400" cy="1236134"/>
+                <a:off x="3467545" y="1101104"/>
+                <a:ext cx="151419" cy="159992"/>
               </a:xfrm>
-              <a:prstGeom prst="rect">
+              <a:prstGeom prst="star5">
                 <a:avLst/>
               </a:prstGeom>
+              <a:solidFill>
+                <a:schemeClr val="bg1"/>
+              </a:solidFill>
             </p:spPr>
             <p:style>
               <a:lnRef idx="2">
@@ -5093,424 +9613,225 @@
           </p:sp>
           <p:sp>
             <p:nvSpPr>
-              <p:cNvPr id="24" name="직사각형 23"/>
-              <p:cNvSpPr/>
+              <p:cNvPr id="20" name="TextBox 19"/>
+              <p:cNvSpPr txBox="1"/>
               <p:nvPr/>
             </p:nvSpPr>
             <p:spPr>
               <a:xfrm>
-                <a:off x="1236133" y="2603225"/>
-                <a:ext cx="1041400" cy="1236134"/>
+                <a:off x="4136818" y="1592650"/>
+                <a:ext cx="877163" cy="369332"/>
               </a:xfrm>
               <a:prstGeom prst="rect">
                 <a:avLst/>
               </a:prstGeom>
+              <a:noFill/>
             </p:spPr>
-            <p:style>
-              <a:lnRef idx="2">
-                <a:schemeClr val="accent1">
-                  <a:shade val="50000"/>
-                </a:schemeClr>
-              </a:lnRef>
-              <a:fillRef idx="1">
-                <a:schemeClr val="accent1"/>
-              </a:fillRef>
-              <a:effectRef idx="0">
-                <a:schemeClr val="accent1"/>
-              </a:effectRef>
-              <a:fontRef idx="minor">
-                <a:schemeClr val="lt1"/>
-              </a:fontRef>
-            </p:style>
             <p:txBody>
-              <a:bodyPr rtlCol="0" anchor="ctr"/>
+              <a:bodyPr wrap="none" rtlCol="0">
+                <a:spAutoFit/>
+              </a:bodyPr>
               <a:lstStyle/>
               <a:p>
-                <a:pPr algn="ctr"/>
-                <a:endParaRPr lang="ko-KR" altLang="en-US"/>
+                <a:r>
+                  <a:rPr lang="ko-KR" altLang="en-US" dirty="0" smtClean="0"/>
+                  <a:t>자물쇠</a:t>
+                </a:r>
+                <a:endParaRPr lang="ko-KR" altLang="en-US" dirty="0"/>
               </a:p>
             </p:txBody>
           </p:sp>
           <p:sp>
             <p:nvSpPr>
-              <p:cNvPr id="27" name="직사각형 26"/>
-              <p:cNvSpPr/>
+              <p:cNvPr id="39" name="TextBox 38"/>
+              <p:cNvSpPr txBox="1"/>
               <p:nvPr/>
             </p:nvSpPr>
             <p:spPr>
               <a:xfrm>
-                <a:off x="3754849" y="1126067"/>
-                <a:ext cx="1041400" cy="1236134"/>
+                <a:off x="4136818" y="3165632"/>
+                <a:ext cx="877163" cy="369332"/>
               </a:xfrm>
               <a:prstGeom prst="rect">
                 <a:avLst/>
               </a:prstGeom>
+              <a:noFill/>
             </p:spPr>
-            <p:style>
-              <a:lnRef idx="2">
-                <a:schemeClr val="accent1">
-                  <a:shade val="50000"/>
-                </a:schemeClr>
-              </a:lnRef>
-              <a:fillRef idx="1">
-                <a:schemeClr val="accent1"/>
-              </a:fillRef>
-              <a:effectRef idx="0">
-                <a:schemeClr val="accent1"/>
-              </a:effectRef>
-              <a:fontRef idx="minor">
-                <a:schemeClr val="lt1"/>
-              </a:fontRef>
-            </p:style>
             <p:txBody>
-              <a:bodyPr rtlCol="0" anchor="ctr"/>
+              <a:bodyPr wrap="none" rtlCol="0">
+                <a:spAutoFit/>
+              </a:bodyPr>
               <a:lstStyle/>
               <a:p>
-                <a:pPr algn="ctr"/>
-                <a:endParaRPr lang="ko-KR" altLang="en-US"/>
+                <a:r>
+                  <a:rPr lang="ko-KR" altLang="en-US" dirty="0" smtClean="0"/>
+                  <a:t>자물쇠</a:t>
+                </a:r>
+                <a:endParaRPr lang="ko-KR" altLang="en-US" dirty="0"/>
               </a:p>
             </p:txBody>
           </p:sp>
           <p:sp>
             <p:nvSpPr>
-              <p:cNvPr id="32" name="직사각형 31"/>
-              <p:cNvSpPr/>
+              <p:cNvPr id="40" name="TextBox 39"/>
+              <p:cNvSpPr txBox="1"/>
               <p:nvPr/>
             </p:nvSpPr>
             <p:spPr>
               <a:xfrm>
-                <a:off x="2479114" y="1126067"/>
-                <a:ext cx="1041400" cy="1236134"/>
+                <a:off x="2860998" y="3161211"/>
+                <a:ext cx="877163" cy="369332"/>
               </a:xfrm>
               <a:prstGeom prst="rect">
                 <a:avLst/>
               </a:prstGeom>
+              <a:noFill/>
             </p:spPr>
-            <p:style>
-              <a:lnRef idx="2">
-                <a:schemeClr val="accent1">
-                  <a:shade val="50000"/>
-                </a:schemeClr>
-              </a:lnRef>
-              <a:fillRef idx="1">
-                <a:schemeClr val="accent1"/>
-              </a:fillRef>
-              <a:effectRef idx="0">
-                <a:schemeClr val="accent1"/>
-              </a:effectRef>
-              <a:fontRef idx="minor">
-                <a:schemeClr val="lt1"/>
-              </a:fontRef>
-            </p:style>
             <p:txBody>
-              <a:bodyPr rtlCol="0" anchor="ctr"/>
+              <a:bodyPr wrap="none" rtlCol="0">
+                <a:spAutoFit/>
+              </a:bodyPr>
               <a:lstStyle/>
               <a:p>
-                <a:pPr algn="ctr"/>
-                <a:endParaRPr lang="ko-KR" altLang="en-US"/>
+                <a:r>
+                  <a:rPr lang="ko-KR" altLang="en-US" dirty="0" smtClean="0"/>
+                  <a:t>자물쇠</a:t>
+                </a:r>
+                <a:endParaRPr lang="ko-KR" altLang="en-US" dirty="0"/>
               </a:p>
             </p:txBody>
           </p:sp>
           <p:sp>
             <p:nvSpPr>
-              <p:cNvPr id="33" name="직사각형 32"/>
-              <p:cNvSpPr/>
+              <p:cNvPr id="41" name="TextBox 40"/>
+              <p:cNvSpPr txBox="1"/>
               <p:nvPr/>
             </p:nvSpPr>
             <p:spPr>
               <a:xfrm>
-                <a:off x="3754849" y="2603225"/>
-                <a:ext cx="1041400" cy="1236134"/>
+                <a:off x="1617935" y="3175447"/>
+                <a:ext cx="877163" cy="369332"/>
               </a:xfrm>
               <a:prstGeom prst="rect">
                 <a:avLst/>
               </a:prstGeom>
+              <a:noFill/>
             </p:spPr>
-            <p:style>
-              <a:lnRef idx="2">
-                <a:schemeClr val="accent1">
-                  <a:shade val="50000"/>
-                </a:schemeClr>
-              </a:lnRef>
-              <a:fillRef idx="1">
-                <a:schemeClr val="accent1"/>
-              </a:fillRef>
-              <a:effectRef idx="0">
-                <a:schemeClr val="accent1"/>
-              </a:effectRef>
-              <a:fontRef idx="minor">
-                <a:schemeClr val="lt1"/>
-              </a:fontRef>
-            </p:style>
             <p:txBody>
-              <a:bodyPr rtlCol="0" anchor="ctr"/>
+              <a:bodyPr wrap="none" rtlCol="0">
+                <a:spAutoFit/>
+              </a:bodyPr>
               <a:lstStyle/>
               <a:p>
-                <a:pPr algn="ctr"/>
-                <a:endParaRPr lang="ko-KR" altLang="en-US"/>
+                <a:r>
+                  <a:rPr lang="ko-KR" altLang="en-US" dirty="0" smtClean="0"/>
+                  <a:t>자물쇠</a:t>
+                </a:r>
+                <a:endParaRPr lang="ko-KR" altLang="en-US" dirty="0"/>
               </a:p>
             </p:txBody>
           </p:sp>
           <p:sp>
             <p:nvSpPr>
-              <p:cNvPr id="34" name="직사각형 33"/>
-              <p:cNvSpPr/>
+              <p:cNvPr id="42" name="TextBox 41"/>
+              <p:cNvSpPr txBox="1"/>
               <p:nvPr/>
             </p:nvSpPr>
             <p:spPr>
               <a:xfrm>
-                <a:off x="2470648" y="4076152"/>
-                <a:ext cx="1041400" cy="1236134"/>
+                <a:off x="4136818" y="4888367"/>
+                <a:ext cx="877163" cy="369332"/>
               </a:xfrm>
               <a:prstGeom prst="rect">
                 <a:avLst/>
               </a:prstGeom>
+              <a:noFill/>
             </p:spPr>
-            <p:style>
-              <a:lnRef idx="2">
-                <a:schemeClr val="accent1">
-                  <a:shade val="50000"/>
-                </a:schemeClr>
-              </a:lnRef>
-              <a:fillRef idx="1">
-                <a:schemeClr val="accent1"/>
-              </a:fillRef>
-              <a:effectRef idx="0">
-                <a:schemeClr val="accent1"/>
-              </a:effectRef>
-              <a:fontRef idx="minor">
-                <a:schemeClr val="lt1"/>
-              </a:fontRef>
-            </p:style>
             <p:txBody>
-              <a:bodyPr rtlCol="0" anchor="ctr"/>
+              <a:bodyPr wrap="none" rtlCol="0">
+                <a:spAutoFit/>
+              </a:bodyPr>
               <a:lstStyle/>
               <a:p>
-                <a:pPr algn="ctr"/>
-                <a:endParaRPr lang="ko-KR" altLang="en-US"/>
+                <a:r>
+                  <a:rPr lang="ko-KR" altLang="en-US" dirty="0" smtClean="0"/>
+                  <a:t>자물쇠</a:t>
+                </a:r>
+                <a:endParaRPr lang="ko-KR" altLang="en-US" dirty="0"/>
               </a:p>
             </p:txBody>
           </p:sp>
           <p:sp>
             <p:nvSpPr>
-              <p:cNvPr id="35" name="직사각형 34"/>
-              <p:cNvSpPr/>
+              <p:cNvPr id="43" name="TextBox 42"/>
+              <p:cNvSpPr txBox="1"/>
               <p:nvPr/>
             </p:nvSpPr>
             <p:spPr>
               <a:xfrm>
-                <a:off x="1227667" y="4076152"/>
-                <a:ext cx="1041400" cy="1236134"/>
+                <a:off x="2860998" y="4883946"/>
+                <a:ext cx="877163" cy="369332"/>
               </a:xfrm>
               <a:prstGeom prst="rect">
                 <a:avLst/>
               </a:prstGeom>
+              <a:noFill/>
             </p:spPr>
-            <p:style>
-              <a:lnRef idx="2">
-                <a:schemeClr val="accent1">
-                  <a:shade val="50000"/>
-                </a:schemeClr>
-              </a:lnRef>
-              <a:fillRef idx="1">
-                <a:schemeClr val="accent1"/>
-              </a:fillRef>
-              <a:effectRef idx="0">
-                <a:schemeClr val="accent1"/>
-              </a:effectRef>
-              <a:fontRef idx="minor">
-                <a:schemeClr val="lt1"/>
-              </a:fontRef>
-            </p:style>
             <p:txBody>
-              <a:bodyPr rtlCol="0" anchor="ctr"/>
+              <a:bodyPr wrap="none" rtlCol="0">
+                <a:spAutoFit/>
+              </a:bodyPr>
               <a:lstStyle/>
               <a:p>
-                <a:pPr algn="ctr"/>
-                <a:endParaRPr lang="ko-KR" altLang="en-US"/>
+                <a:r>
+                  <a:rPr lang="ko-KR" altLang="en-US" dirty="0" smtClean="0"/>
+                  <a:t>자물쇠</a:t>
+                </a:r>
+                <a:endParaRPr lang="ko-KR" altLang="en-US" dirty="0"/>
               </a:p>
             </p:txBody>
           </p:sp>
           <p:sp>
             <p:nvSpPr>
-              <p:cNvPr id="36" name="직사각형 35"/>
-              <p:cNvSpPr/>
+              <p:cNvPr id="44" name="TextBox 43"/>
+              <p:cNvSpPr txBox="1"/>
               <p:nvPr/>
             </p:nvSpPr>
             <p:spPr>
               <a:xfrm>
-                <a:off x="3746383" y="4076152"/>
-                <a:ext cx="1041400" cy="1236134"/>
+                <a:off x="1617935" y="4898182"/>
+                <a:ext cx="877163" cy="369332"/>
               </a:xfrm>
               <a:prstGeom prst="rect">
                 <a:avLst/>
               </a:prstGeom>
+              <a:noFill/>
             </p:spPr>
-            <p:style>
-              <a:lnRef idx="2">
-                <a:schemeClr val="accent1">
-                  <a:shade val="50000"/>
-                </a:schemeClr>
-              </a:lnRef>
-              <a:fillRef idx="1">
-                <a:schemeClr val="accent1"/>
-              </a:fillRef>
-              <a:effectRef idx="0">
-                <a:schemeClr val="accent1"/>
-              </a:effectRef>
-              <a:fontRef idx="minor">
-                <a:schemeClr val="lt1"/>
-              </a:fontRef>
-            </p:style>
             <p:txBody>
-              <a:bodyPr rtlCol="0" anchor="ctr"/>
+              <a:bodyPr wrap="none" rtlCol="0">
+                <a:spAutoFit/>
+              </a:bodyPr>
               <a:lstStyle/>
               <a:p>
-                <a:pPr algn="ctr"/>
-                <a:endParaRPr lang="ko-KR" altLang="en-US"/>
+                <a:r>
+                  <a:rPr lang="ko-KR" altLang="en-US" dirty="0" smtClean="0"/>
+                  <a:t>자물쇠</a:t>
+                </a:r>
+                <a:endParaRPr lang="ko-KR" altLang="en-US" dirty="0"/>
               </a:p>
             </p:txBody>
           </p:sp>
         </p:grpSp>
         <p:sp>
           <p:nvSpPr>
-            <p:cNvPr id="8" name="포인트가 5개인 별 7"/>
-            <p:cNvSpPr/>
-            <p:nvPr/>
-          </p:nvSpPr>
-          <p:spPr>
-            <a:xfrm>
-              <a:off x="2393076" y="1101104"/>
-              <a:ext cx="151419" cy="159992"/>
-            </a:xfrm>
-            <a:prstGeom prst="star5">
-              <a:avLst/>
-            </a:prstGeom>
-            <a:solidFill>
-              <a:schemeClr val="bg1"/>
-            </a:solidFill>
-          </p:spPr>
-          <p:style>
-            <a:lnRef idx="2">
-              <a:schemeClr val="accent1">
-                <a:shade val="50000"/>
-              </a:schemeClr>
-            </a:lnRef>
-            <a:fillRef idx="1">
-              <a:schemeClr val="accent1"/>
-            </a:fillRef>
-            <a:effectRef idx="0">
-              <a:schemeClr val="accent1"/>
-            </a:effectRef>
-            <a:fontRef idx="minor">
-              <a:schemeClr val="lt1"/>
-            </a:fontRef>
-          </p:style>
-          <p:txBody>
-            <a:bodyPr rtlCol="0" anchor="ctr"/>
-            <a:lstStyle/>
-            <a:p>
-              <a:pPr algn="ctr"/>
-              <a:endParaRPr lang="ko-KR" altLang="en-US"/>
-            </a:p>
-          </p:txBody>
-        </p:sp>
-        <p:sp>
-          <p:nvSpPr>
-            <p:cNvPr id="37" name="포인트가 5개인 별 36"/>
-            <p:cNvSpPr/>
-            <p:nvPr/>
-          </p:nvSpPr>
-          <p:spPr>
-            <a:xfrm>
-              <a:off x="3660430" y="1101104"/>
-              <a:ext cx="151419" cy="159992"/>
-            </a:xfrm>
-            <a:prstGeom prst="star5">
-              <a:avLst/>
-            </a:prstGeom>
-            <a:solidFill>
-              <a:schemeClr val="bg1"/>
-            </a:solidFill>
-          </p:spPr>
-          <p:style>
-            <a:lnRef idx="2">
-              <a:schemeClr val="accent1">
-                <a:shade val="50000"/>
-              </a:schemeClr>
-            </a:lnRef>
-            <a:fillRef idx="1">
-              <a:schemeClr val="accent1"/>
-            </a:fillRef>
-            <a:effectRef idx="0">
-              <a:schemeClr val="accent1"/>
-            </a:effectRef>
-            <a:fontRef idx="minor">
-              <a:schemeClr val="lt1"/>
-            </a:fontRef>
-          </p:style>
-          <p:txBody>
-            <a:bodyPr rtlCol="0" anchor="ctr"/>
-            <a:lstStyle/>
-            <a:p>
-              <a:pPr algn="ctr"/>
-              <a:endParaRPr lang="ko-KR" altLang="en-US"/>
-            </a:p>
-          </p:txBody>
-        </p:sp>
-        <p:sp>
-          <p:nvSpPr>
-            <p:cNvPr id="38" name="포인트가 5개인 별 37"/>
-            <p:cNvSpPr/>
-            <p:nvPr/>
-          </p:nvSpPr>
-          <p:spPr>
-            <a:xfrm>
-              <a:off x="3467545" y="1101104"/>
-              <a:ext cx="151419" cy="159992"/>
-            </a:xfrm>
-            <a:prstGeom prst="star5">
-              <a:avLst/>
-            </a:prstGeom>
-            <a:solidFill>
-              <a:schemeClr val="bg1"/>
-            </a:solidFill>
-          </p:spPr>
-          <p:style>
-            <a:lnRef idx="2">
-              <a:schemeClr val="accent1">
-                <a:shade val="50000"/>
-              </a:schemeClr>
-            </a:lnRef>
-            <a:fillRef idx="1">
-              <a:schemeClr val="accent1"/>
-            </a:fillRef>
-            <a:effectRef idx="0">
-              <a:schemeClr val="accent1"/>
-            </a:effectRef>
-            <a:fontRef idx="minor">
-              <a:schemeClr val="lt1"/>
-            </a:fontRef>
-          </p:style>
-          <p:txBody>
-            <a:bodyPr rtlCol="0" anchor="ctr"/>
-            <a:lstStyle/>
-            <a:p>
-              <a:pPr algn="ctr"/>
-              <a:endParaRPr lang="ko-KR" altLang="en-US"/>
-            </a:p>
-          </p:txBody>
-        </p:sp>
-        <p:sp>
-          <p:nvSpPr>
-            <p:cNvPr id="20" name="TextBox 19"/>
+            <p:cNvPr id="6" name="TextBox 5"/>
             <p:cNvSpPr txBox="1"/>
             <p:nvPr/>
           </p:nvSpPr>
           <p:spPr>
             <a:xfrm>
-              <a:off x="4136818" y="1592650"/>
-              <a:ext cx="877163" cy="369332"/>
+              <a:off x="1592446" y="1574123"/>
+              <a:ext cx="928139" cy="369332"/>
             </a:xfrm>
             <a:prstGeom prst="rect">
               <a:avLst/>
@@ -5524,188 +9845,8 @@
             <a:lstStyle/>
             <a:p>
               <a:r>
-                <a:rPr lang="ko-KR" altLang="en-US" dirty="0" smtClean="0"/>
-                <a:t>자물쇠</a:t>
-              </a:r>
-              <a:endParaRPr lang="ko-KR" altLang="en-US" dirty="0"/>
-            </a:p>
-          </p:txBody>
-        </p:sp>
-        <p:sp>
-          <p:nvSpPr>
-            <p:cNvPr id="39" name="TextBox 38"/>
-            <p:cNvSpPr txBox="1"/>
-            <p:nvPr/>
-          </p:nvSpPr>
-          <p:spPr>
-            <a:xfrm>
-              <a:off x="4136818" y="3165632"/>
-              <a:ext cx="877163" cy="369332"/>
-            </a:xfrm>
-            <a:prstGeom prst="rect">
-              <a:avLst/>
-            </a:prstGeom>
-            <a:noFill/>
-          </p:spPr>
-          <p:txBody>
-            <a:bodyPr wrap="none" rtlCol="0">
-              <a:spAutoFit/>
-            </a:bodyPr>
-            <a:lstStyle/>
-            <a:p>
-              <a:r>
-                <a:rPr lang="ko-KR" altLang="en-US" dirty="0" smtClean="0"/>
-                <a:t>자물쇠</a:t>
-              </a:r>
-              <a:endParaRPr lang="ko-KR" altLang="en-US" dirty="0"/>
-            </a:p>
-          </p:txBody>
-        </p:sp>
-        <p:sp>
-          <p:nvSpPr>
-            <p:cNvPr id="40" name="TextBox 39"/>
-            <p:cNvSpPr txBox="1"/>
-            <p:nvPr/>
-          </p:nvSpPr>
-          <p:spPr>
-            <a:xfrm>
-              <a:off x="2860998" y="3161211"/>
-              <a:ext cx="877163" cy="369332"/>
-            </a:xfrm>
-            <a:prstGeom prst="rect">
-              <a:avLst/>
-            </a:prstGeom>
-            <a:noFill/>
-          </p:spPr>
-          <p:txBody>
-            <a:bodyPr wrap="none" rtlCol="0">
-              <a:spAutoFit/>
-            </a:bodyPr>
-            <a:lstStyle/>
-            <a:p>
-              <a:r>
-                <a:rPr lang="ko-KR" altLang="en-US" dirty="0" smtClean="0"/>
-                <a:t>자물쇠</a:t>
-              </a:r>
-              <a:endParaRPr lang="ko-KR" altLang="en-US" dirty="0"/>
-            </a:p>
-          </p:txBody>
-        </p:sp>
-        <p:sp>
-          <p:nvSpPr>
-            <p:cNvPr id="41" name="TextBox 40"/>
-            <p:cNvSpPr txBox="1"/>
-            <p:nvPr/>
-          </p:nvSpPr>
-          <p:spPr>
-            <a:xfrm>
-              <a:off x="1617935" y="3175447"/>
-              <a:ext cx="877163" cy="369332"/>
-            </a:xfrm>
-            <a:prstGeom prst="rect">
-              <a:avLst/>
-            </a:prstGeom>
-            <a:noFill/>
-          </p:spPr>
-          <p:txBody>
-            <a:bodyPr wrap="none" rtlCol="0">
-              <a:spAutoFit/>
-            </a:bodyPr>
-            <a:lstStyle/>
-            <a:p>
-              <a:r>
-                <a:rPr lang="ko-KR" altLang="en-US" dirty="0" smtClean="0"/>
-                <a:t>자물쇠</a:t>
-              </a:r>
-              <a:endParaRPr lang="ko-KR" altLang="en-US" dirty="0"/>
-            </a:p>
-          </p:txBody>
-        </p:sp>
-        <p:sp>
-          <p:nvSpPr>
-            <p:cNvPr id="42" name="TextBox 41"/>
-            <p:cNvSpPr txBox="1"/>
-            <p:nvPr/>
-          </p:nvSpPr>
-          <p:spPr>
-            <a:xfrm>
-              <a:off x="4136818" y="4888367"/>
-              <a:ext cx="877163" cy="369332"/>
-            </a:xfrm>
-            <a:prstGeom prst="rect">
-              <a:avLst/>
-            </a:prstGeom>
-            <a:noFill/>
-          </p:spPr>
-          <p:txBody>
-            <a:bodyPr wrap="none" rtlCol="0">
-              <a:spAutoFit/>
-            </a:bodyPr>
-            <a:lstStyle/>
-            <a:p>
-              <a:r>
-                <a:rPr lang="ko-KR" altLang="en-US" dirty="0" smtClean="0"/>
-                <a:t>자물쇠</a:t>
-              </a:r>
-              <a:endParaRPr lang="ko-KR" altLang="en-US" dirty="0"/>
-            </a:p>
-          </p:txBody>
-        </p:sp>
-        <p:sp>
-          <p:nvSpPr>
-            <p:cNvPr id="43" name="TextBox 42"/>
-            <p:cNvSpPr txBox="1"/>
-            <p:nvPr/>
-          </p:nvSpPr>
-          <p:spPr>
-            <a:xfrm>
-              <a:off x="2860998" y="4883946"/>
-              <a:ext cx="877163" cy="369332"/>
-            </a:xfrm>
-            <a:prstGeom prst="rect">
-              <a:avLst/>
-            </a:prstGeom>
-            <a:noFill/>
-          </p:spPr>
-          <p:txBody>
-            <a:bodyPr wrap="none" rtlCol="0">
-              <a:spAutoFit/>
-            </a:bodyPr>
-            <a:lstStyle/>
-            <a:p>
-              <a:r>
-                <a:rPr lang="ko-KR" altLang="en-US" dirty="0" smtClean="0"/>
-                <a:t>자물쇠</a:t>
-              </a:r>
-              <a:endParaRPr lang="ko-KR" altLang="en-US" dirty="0"/>
-            </a:p>
-          </p:txBody>
-        </p:sp>
-        <p:sp>
-          <p:nvSpPr>
-            <p:cNvPr id="44" name="TextBox 43"/>
-            <p:cNvSpPr txBox="1"/>
-            <p:nvPr/>
-          </p:nvSpPr>
-          <p:spPr>
-            <a:xfrm>
-              <a:off x="1617935" y="4898182"/>
-              <a:ext cx="877163" cy="369332"/>
-            </a:xfrm>
-            <a:prstGeom prst="rect">
-              <a:avLst/>
-            </a:prstGeom>
-            <a:noFill/>
-          </p:spPr>
-          <p:txBody>
-            <a:bodyPr wrap="none" rtlCol="0">
-              <a:spAutoFit/>
-            </a:bodyPr>
-            <a:lstStyle/>
-            <a:p>
-              <a:r>
-                <a:rPr lang="ko-KR" altLang="en-US" dirty="0" smtClean="0"/>
-                <a:t>자물쇠</a:t>
+                <a:rPr lang="en-US" altLang="ko-KR" dirty="0" smtClean="0"/>
+                <a:t>tutorial</a:t>
               </a:r>
               <a:endParaRPr lang="ko-KR" altLang="en-US" dirty="0"/>
             </a:p>
@@ -6035,14 +10176,14 @@
           <p:nvPr>
             <p:extLst>
               <p:ext uri="{D42A27DB-BD31-4B8C-83A1-F6EECF244321}">
-                <p14:modId xmlns:p14="http://schemas.microsoft.com/office/powerpoint/2010/main" val="185942663"/>
+                <p14:modId xmlns:p14="http://schemas.microsoft.com/office/powerpoint/2010/main" val="642898740"/>
               </p:ext>
             </p:extLst>
           </p:nvPr>
         </p:nvGraphicFramePr>
         <p:xfrm>
           <a:off x="1168400" y="1498599"/>
-          <a:ext cx="4165600" cy="1935720"/>
+          <a:ext cx="4165600" cy="3387510"/>
         </p:xfrm>
         <a:graphic>
           <a:graphicData uri="http://schemas.openxmlformats.org/drawingml/2006/table">
@@ -6181,6 +10322,104 @@
                         <a:t>FAQ</a:t>
                       </a:r>
                       <a:endParaRPr lang="ko-KR" altLang="en-US" dirty="0"/>
+                    </a:p>
+                  </a:txBody>
+                  <a:tcPr anchor="ctr"/>
+                </a:tc>
+              </a:tr>
+              <a:tr h="483930">
+                <a:tc>
+                  <a:txBody>
+                    <a:bodyPr/>
+                    <a:lstStyle/>
+                    <a:p>
+                      <a:pPr algn="ctr" latinLnBrk="1"/>
+                      <a:r>
+                        <a:rPr lang="en-US" altLang="ko-KR" dirty="0" smtClean="0"/>
+                        <a:t>&gt;</a:t>
+                      </a:r>
+                      <a:endParaRPr lang="ko-KR" altLang="en-US" dirty="0"/>
+                    </a:p>
+                  </a:txBody>
+                  <a:tcPr anchor="ctr"/>
+                </a:tc>
+                <a:tc>
+                  <a:txBody>
+                    <a:bodyPr/>
+                    <a:lstStyle/>
+                    <a:p>
+                      <a:pPr algn="l" latinLnBrk="1"/>
+                      <a:r>
+                        <a:rPr lang="ko-KR" altLang="en-US" dirty="0" smtClean="0"/>
+                        <a:t>계정등록</a:t>
+                      </a:r>
+                      <a:endParaRPr lang="en-US" altLang="ko-KR" dirty="0" smtClean="0"/>
+                    </a:p>
+                  </a:txBody>
+                  <a:tcPr anchor="ctr"/>
+                </a:tc>
+              </a:tr>
+              <a:tr h="483930">
+                <a:tc gridSpan="2">
+                  <a:txBody>
+                    <a:bodyPr/>
+                    <a:lstStyle/>
+                    <a:p>
+                      <a:pPr marL="0" indent="0" algn="l" latinLnBrk="1">
+                        <a:buFontTx/>
+                        <a:buNone/>
+                      </a:pPr>
+                      <a:r>
+                        <a:rPr lang="en-US" altLang="ko-KR" dirty="0" smtClean="0"/>
+                        <a:t>    - Facebook</a:t>
+                      </a:r>
+                    </a:p>
+                  </a:txBody>
+                  <a:tcPr anchor="ctr"/>
+                </a:tc>
+                <a:tc hMerge="1">
+                  <a:txBody>
+                    <a:bodyPr/>
+                    <a:lstStyle/>
+                    <a:p>
+                      <a:pPr marL="285750" indent="-285750" algn="l" latinLnBrk="1">
+                        <a:buFontTx/>
+                        <a:buChar char="-"/>
+                      </a:pPr>
+                      <a:endParaRPr lang="en-US" altLang="ko-KR" dirty="0" smtClean="0"/>
+                    </a:p>
+                  </a:txBody>
+                  <a:tcPr anchor="ctr"/>
+                </a:tc>
+              </a:tr>
+              <a:tr h="483930">
+                <a:tc gridSpan="2">
+                  <a:txBody>
+                    <a:bodyPr/>
+                    <a:lstStyle/>
+                    <a:p>
+                      <a:pPr marL="0" indent="0" algn="l" latinLnBrk="1">
+                        <a:buFontTx/>
+                        <a:buNone/>
+                      </a:pPr>
+                      <a:r>
+                        <a:rPr lang="en-US" altLang="ko-KR" dirty="0" smtClean="0"/>
+                        <a:t>    - Google+</a:t>
+                      </a:r>
+                    </a:p>
+                  </a:txBody>
+                  <a:tcPr anchor="ctr"/>
+                </a:tc>
+                <a:tc hMerge="1">
+                  <a:txBody>
+                    <a:bodyPr/>
+                    <a:lstStyle/>
+                    <a:p>
+                      <a:pPr marL="285750" indent="-285750" algn="l" latinLnBrk="1">
+                        <a:buFontTx/>
+                        <a:buChar char="-"/>
+                      </a:pPr>
+                      <a:endParaRPr lang="en-US" altLang="ko-KR" dirty="0" smtClean="0"/>
                     </a:p>
                   </a:txBody>
                   <a:tcPr anchor="ctr"/>
@@ -8812,7 +13051,7 @@
           <p:nvPr>
             <p:extLst>
               <p:ext uri="{D42A27DB-BD31-4B8C-83A1-F6EECF244321}">
-                <p14:modId xmlns:p14="http://schemas.microsoft.com/office/powerpoint/2010/main" val="15377105"/>
+                <p14:modId xmlns:p14="http://schemas.microsoft.com/office/powerpoint/2010/main" val="44838172"/>
               </p:ext>
             </p:extLst>
           </p:nvPr>
@@ -8938,6 +13177,21 @@
                       <a:r>
                         <a:rPr lang="en-US" altLang="ko-KR" dirty="0" smtClean="0"/>
                         <a:t>Btn05-01</a:t>
+                      </a:r>
+                      <a:br>
+                        <a:rPr lang="en-US" altLang="ko-KR" dirty="0" smtClean="0"/>
+                      </a:br>
+                      <a:r>
+                        <a:rPr lang="en-US" altLang="ko-KR" dirty="0" smtClean="0"/>
+                        <a:t>(</a:t>
+                      </a:r>
+                      <a:r>
+                        <a:rPr lang="ko-KR" altLang="en-US" dirty="0" smtClean="0"/>
+                        <a:t>체스 카드 처럼</a:t>
+                      </a:r>
+                      <a:r>
+                        <a:rPr lang="en-US" altLang="ko-KR" dirty="0" smtClean="0"/>
+                        <a:t>)</a:t>
                       </a:r>
                       <a:endParaRPr lang="ko-KR" altLang="en-US" dirty="0"/>
                     </a:p>
@@ -12709,10 +16963,1454 @@
           <a:chExt cx="0" cy="0"/>
         </a:xfrm>
       </p:grpSpPr>
+      <p:sp>
+        <p:nvSpPr>
+          <p:cNvPr id="4" name="직사각형 3"/>
+          <p:cNvSpPr/>
+          <p:nvPr/>
+        </p:nvSpPr>
+        <p:spPr>
+          <a:xfrm>
+            <a:off x="863600" y="313263"/>
+            <a:ext cx="4826000" cy="6197600"/>
+          </a:xfrm>
+          <a:prstGeom prst="rect">
+            <a:avLst/>
+          </a:prstGeom>
+          <a:solidFill>
+            <a:schemeClr val="bg1"/>
+          </a:solidFill>
+          <a:ln>
+            <a:solidFill>
+              <a:schemeClr val="tx1"/>
+            </a:solidFill>
+          </a:ln>
+        </p:spPr>
+        <p:style>
+          <a:lnRef idx="2">
+            <a:schemeClr val="accent1">
+              <a:shade val="50000"/>
+            </a:schemeClr>
+          </a:lnRef>
+          <a:fillRef idx="1">
+            <a:schemeClr val="accent1"/>
+          </a:fillRef>
+          <a:effectRef idx="0">
+            <a:schemeClr val="accent1"/>
+          </a:effectRef>
+          <a:fontRef idx="minor">
+            <a:schemeClr val="lt1"/>
+          </a:fontRef>
+        </p:style>
+        <p:txBody>
+          <a:bodyPr rtlCol="0" anchor="ctr"/>
+          <a:lstStyle/>
+          <a:p>
+            <a:pPr algn="ctr"/>
+            <a:endParaRPr lang="ko-KR" altLang="en-US" dirty="0"/>
+          </a:p>
+        </p:txBody>
+      </p:sp>
+      <p:graphicFrame>
+        <p:nvGraphicFramePr>
+          <p:cNvPr id="5" name="표 4"/>
+          <p:cNvGraphicFramePr>
+            <a:graphicFrameLocks noGrp="1"/>
+          </p:cNvGraphicFramePr>
+          <p:nvPr>
+            <p:extLst>
+              <p:ext uri="{D42A27DB-BD31-4B8C-83A1-F6EECF244321}">
+                <p14:modId xmlns:p14="http://schemas.microsoft.com/office/powerpoint/2010/main" val="1172517578"/>
+              </p:ext>
+            </p:extLst>
+          </p:nvPr>
+        </p:nvGraphicFramePr>
+        <p:xfrm>
+          <a:off x="6392332" y="719664"/>
+          <a:ext cx="4174068" cy="3007344"/>
+        </p:xfrm>
+        <a:graphic>
+          <a:graphicData uri="http://schemas.openxmlformats.org/drawingml/2006/table">
+            <a:tbl>
+              <a:tblPr>
+                <a:tableStyleId>{073A0DAA-6AF3-43AB-8588-CEC1D06C72B9}</a:tableStyleId>
+              </a:tblPr>
+              <a:tblGrid>
+                <a:gridCol w="2087034"/>
+                <a:gridCol w="2087034"/>
+              </a:tblGrid>
+              <a:tr h="732867">
+                <a:tc>
+                  <a:txBody>
+                    <a:bodyPr/>
+                    <a:lstStyle/>
+                    <a:p>
+                      <a:pPr algn="ctr" latinLnBrk="1"/>
+                      <a:r>
+                        <a:rPr lang="ko-KR" altLang="en-US" dirty="0" smtClean="0"/>
+                        <a:t>구분</a:t>
+                      </a:r>
+                      <a:endParaRPr lang="ko-KR" altLang="en-US" dirty="0"/>
+                    </a:p>
+                  </a:txBody>
+                  <a:tcPr anchor="ctr">
+                    <a:solidFill>
+                      <a:schemeClr val="tx1">
+                        <a:lumMod val="50000"/>
+                        <a:lumOff val="50000"/>
+                      </a:schemeClr>
+                    </a:solidFill>
+                  </a:tcPr>
+                </a:tc>
+                <a:tc>
+                  <a:txBody>
+                    <a:bodyPr/>
+                    <a:lstStyle/>
+                    <a:p>
+                      <a:pPr algn="ctr" latinLnBrk="1"/>
+                      <a:r>
+                        <a:rPr lang="ko-KR" altLang="en-US" dirty="0" smtClean="0"/>
+                        <a:t>내용</a:t>
+                      </a:r>
+                      <a:endParaRPr lang="ko-KR" altLang="en-US" dirty="0"/>
+                    </a:p>
+                  </a:txBody>
+                  <a:tcPr anchor="ctr">
+                    <a:solidFill>
+                      <a:schemeClr val="tx1">
+                        <a:lumMod val="50000"/>
+                        <a:lumOff val="50000"/>
+                      </a:schemeClr>
+                    </a:solidFill>
+                  </a:tcPr>
+                </a:tc>
+              </a:tr>
+              <a:tr h="1109049">
+                <a:tc>
+                  <a:txBody>
+                    <a:bodyPr/>
+                    <a:lstStyle/>
+                    <a:p>
+                      <a:pPr algn="ctr" latinLnBrk="1"/>
+                      <a:r>
+                        <a:rPr lang="ko-KR" altLang="en-US" dirty="0" smtClean="0"/>
+                        <a:t>화면 번호</a:t>
+                      </a:r>
+                      <a:r>
+                        <a:rPr lang="en-US" altLang="ko-KR" dirty="0" smtClean="0"/>
+                        <a:t/>
+                      </a:r>
+                      <a:br>
+                        <a:rPr lang="en-US" altLang="ko-KR" dirty="0" smtClean="0"/>
+                      </a:br>
+                      <a:r>
+                        <a:rPr lang="en-US" altLang="ko-KR" dirty="0" smtClean="0"/>
+                        <a:t>(</a:t>
+                      </a:r>
+                      <a:r>
+                        <a:rPr lang="ko-KR" altLang="en-US" dirty="0" err="1" smtClean="0"/>
+                        <a:t>싱글</a:t>
+                      </a:r>
+                      <a:r>
+                        <a:rPr lang="ko-KR" altLang="en-US" dirty="0" smtClean="0"/>
+                        <a:t> 대결</a:t>
+                      </a:r>
+                      <a:r>
+                        <a:rPr lang="en-US" altLang="ko-KR" dirty="0" smtClean="0"/>
+                        <a:t>)</a:t>
+                      </a:r>
+                      <a:endParaRPr lang="ko-KR" altLang="en-US" dirty="0"/>
+                    </a:p>
+                  </a:txBody>
+                  <a:tcPr anchor="ctr"/>
+                </a:tc>
+                <a:tc>
+                  <a:txBody>
+                    <a:bodyPr/>
+                    <a:lstStyle/>
+                    <a:p>
+                      <a:pPr algn="ctr" latinLnBrk="1"/>
+                      <a:r>
+                        <a:rPr lang="en-US" altLang="ko-KR" dirty="0" smtClean="0"/>
+                        <a:t>06-01</a:t>
+                      </a:r>
+                      <a:endParaRPr lang="ko-KR" altLang="en-US" dirty="0"/>
+                    </a:p>
+                  </a:txBody>
+                  <a:tcPr anchor="ctr"/>
+                </a:tc>
+              </a:tr>
+              <a:tr h="1165428">
+                <a:tc>
+                  <a:txBody>
+                    <a:bodyPr/>
+                    <a:lstStyle/>
+                    <a:p>
+                      <a:pPr algn="ctr" latinLnBrk="1"/>
+                      <a:r>
+                        <a:rPr lang="en-US" altLang="ko-KR" dirty="0" smtClean="0"/>
+                        <a:t>btn01</a:t>
+                      </a:r>
+                      <a:endParaRPr lang="ko-KR" altLang="en-US" dirty="0"/>
+                    </a:p>
+                  </a:txBody>
+                  <a:tcPr anchor="ctr"/>
+                </a:tc>
+                <a:tc>
+                  <a:txBody>
+                    <a:bodyPr/>
+                    <a:lstStyle/>
+                    <a:p>
+                      <a:pPr algn="ctr" latinLnBrk="1"/>
+                      <a:endParaRPr lang="ko-KR" altLang="en-US" dirty="0"/>
+                    </a:p>
+                  </a:txBody>
+                  <a:tcPr anchor="ctr"/>
+                </a:tc>
+              </a:tr>
+            </a:tbl>
+          </a:graphicData>
+        </a:graphic>
+      </p:graphicFrame>
+      <p:graphicFrame>
+        <p:nvGraphicFramePr>
+          <p:cNvPr id="2" name="표 1"/>
+          <p:cNvGraphicFramePr>
+            <a:graphicFrameLocks noGrp="1"/>
+          </p:cNvGraphicFramePr>
+          <p:nvPr>
+            <p:extLst>
+              <p:ext uri="{D42A27DB-BD31-4B8C-83A1-F6EECF244321}">
+                <p14:modId xmlns:p14="http://schemas.microsoft.com/office/powerpoint/2010/main" val="3083913414"/>
+              </p:ext>
+            </p:extLst>
+          </p:nvPr>
+        </p:nvGraphicFramePr>
+        <p:xfrm>
+          <a:off x="1058334" y="1447802"/>
+          <a:ext cx="4445000" cy="4478865"/>
+        </p:xfrm>
+        <a:graphic>
+          <a:graphicData uri="http://schemas.openxmlformats.org/drawingml/2006/table">
+            <a:tbl>
+              <a:tblPr>
+                <a:tableStyleId>{21E4AEA4-8DFA-4A89-87EB-49C32662AFE0}</a:tableStyleId>
+              </a:tblPr>
+              <a:tblGrid>
+                <a:gridCol w="889000"/>
+                <a:gridCol w="889000"/>
+                <a:gridCol w="889000"/>
+                <a:gridCol w="889000"/>
+                <a:gridCol w="889000"/>
+              </a:tblGrid>
+              <a:tr h="895773">
+                <a:tc>
+                  <a:txBody>
+                    <a:bodyPr/>
+                    <a:lstStyle/>
+                    <a:p>
+                      <a:pPr latinLnBrk="1"/>
+                      <a:endParaRPr lang="ko-KR" altLang="en-US" dirty="0"/>
+                    </a:p>
+                  </a:txBody>
+                  <a:tcPr>
+                    <a:lnL w="12700" cap="flat" cmpd="sng" algn="ctr">
+                      <a:solidFill>
+                        <a:schemeClr val="tx1"/>
+                      </a:solidFill>
+                      <a:prstDash val="solid"/>
+                      <a:round/>
+                      <a:headEnd type="none" w="med" len="med"/>
+                      <a:tailEnd type="none" w="med" len="med"/>
+                    </a:lnL>
+                    <a:lnT w="12700" cap="flat" cmpd="sng" algn="ctr">
+                      <a:solidFill>
+                        <a:schemeClr val="tx1"/>
+                      </a:solidFill>
+                      <a:prstDash val="solid"/>
+                      <a:round/>
+                      <a:headEnd type="none" w="med" len="med"/>
+                      <a:tailEnd type="none" w="med" len="med"/>
+                    </a:lnT>
+                    <a:solidFill>
+                      <a:schemeClr val="tx1"/>
+                    </a:solidFill>
+                  </a:tcPr>
+                </a:tc>
+                <a:tc>
+                  <a:txBody>
+                    <a:bodyPr/>
+                    <a:lstStyle/>
+                    <a:p>
+                      <a:pPr latinLnBrk="1"/>
+                      <a:endParaRPr lang="ko-KR" altLang="en-US" dirty="0"/>
+                    </a:p>
+                  </a:txBody>
+                  <a:tcPr>
+                    <a:lnT w="12700" cap="flat" cmpd="sng" algn="ctr">
+                      <a:solidFill>
+                        <a:schemeClr val="tx1"/>
+                      </a:solidFill>
+                      <a:prstDash val="solid"/>
+                      <a:round/>
+                      <a:headEnd type="none" w="med" len="med"/>
+                      <a:tailEnd type="none" w="med" len="med"/>
+                    </a:lnT>
+                    <a:solidFill>
+                      <a:schemeClr val="bg1"/>
+                    </a:solidFill>
+                  </a:tcPr>
+                </a:tc>
+                <a:tc>
+                  <a:txBody>
+                    <a:bodyPr/>
+                    <a:lstStyle/>
+                    <a:p>
+                      <a:pPr latinLnBrk="1"/>
+                      <a:endParaRPr lang="ko-KR" altLang="en-US" dirty="0"/>
+                    </a:p>
+                  </a:txBody>
+                  <a:tcPr>
+                    <a:lnT w="12700" cap="flat" cmpd="sng" algn="ctr">
+                      <a:solidFill>
+                        <a:schemeClr val="tx1"/>
+                      </a:solidFill>
+                      <a:prstDash val="solid"/>
+                      <a:round/>
+                      <a:headEnd type="none" w="med" len="med"/>
+                      <a:tailEnd type="none" w="med" len="med"/>
+                    </a:lnT>
+                    <a:solidFill>
+                      <a:schemeClr val="tx1"/>
+                    </a:solidFill>
+                  </a:tcPr>
+                </a:tc>
+                <a:tc>
+                  <a:txBody>
+                    <a:bodyPr/>
+                    <a:lstStyle/>
+                    <a:p>
+                      <a:pPr latinLnBrk="1"/>
+                      <a:endParaRPr lang="ko-KR" altLang="en-US" dirty="0"/>
+                    </a:p>
+                  </a:txBody>
+                  <a:tcPr>
+                    <a:lnT w="12700" cap="flat" cmpd="sng" algn="ctr">
+                      <a:solidFill>
+                        <a:schemeClr val="tx1"/>
+                      </a:solidFill>
+                      <a:prstDash val="solid"/>
+                      <a:round/>
+                      <a:headEnd type="none" w="med" len="med"/>
+                      <a:tailEnd type="none" w="med" len="med"/>
+                    </a:lnT>
+                    <a:solidFill>
+                      <a:schemeClr val="bg1"/>
+                    </a:solidFill>
+                  </a:tcPr>
+                </a:tc>
+                <a:tc>
+                  <a:txBody>
+                    <a:bodyPr/>
+                    <a:lstStyle/>
+                    <a:p>
+                      <a:pPr latinLnBrk="1"/>
+                      <a:endParaRPr lang="ko-KR" altLang="en-US" dirty="0"/>
+                    </a:p>
+                  </a:txBody>
+                  <a:tcPr>
+                    <a:lnR w="12700" cap="flat" cmpd="sng" algn="ctr">
+                      <a:solidFill>
+                        <a:schemeClr val="tx1"/>
+                      </a:solidFill>
+                      <a:prstDash val="solid"/>
+                      <a:round/>
+                      <a:headEnd type="none" w="med" len="med"/>
+                      <a:tailEnd type="none" w="med" len="med"/>
+                    </a:lnR>
+                    <a:lnT w="12700" cap="flat" cmpd="sng" algn="ctr">
+                      <a:solidFill>
+                        <a:schemeClr val="tx1"/>
+                      </a:solidFill>
+                      <a:prstDash val="solid"/>
+                      <a:round/>
+                      <a:headEnd type="none" w="med" len="med"/>
+                      <a:tailEnd type="none" w="med" len="med"/>
+                    </a:lnT>
+                    <a:solidFill>
+                      <a:schemeClr val="tx1"/>
+                    </a:solidFill>
+                  </a:tcPr>
+                </a:tc>
+              </a:tr>
+              <a:tr h="895773">
+                <a:tc>
+                  <a:txBody>
+                    <a:bodyPr/>
+                    <a:lstStyle/>
+                    <a:p>
+                      <a:pPr latinLnBrk="1"/>
+                      <a:endParaRPr lang="ko-KR" altLang="en-US" dirty="0"/>
+                    </a:p>
+                  </a:txBody>
+                  <a:tcPr>
+                    <a:lnL w="12700" cap="flat" cmpd="sng" algn="ctr">
+                      <a:solidFill>
+                        <a:schemeClr val="tx1"/>
+                      </a:solidFill>
+                      <a:prstDash val="solid"/>
+                      <a:round/>
+                      <a:headEnd type="none" w="med" len="med"/>
+                      <a:tailEnd type="none" w="med" len="med"/>
+                    </a:lnL>
+                    <a:solidFill>
+                      <a:schemeClr val="bg1"/>
+                    </a:solidFill>
+                  </a:tcPr>
+                </a:tc>
+                <a:tc>
+                  <a:txBody>
+                    <a:bodyPr/>
+                    <a:lstStyle/>
+                    <a:p>
+                      <a:pPr latinLnBrk="1"/>
+                      <a:endParaRPr lang="ko-KR" altLang="en-US" sz="1800" kern="1200" dirty="0">
+                        <a:solidFill>
+                          <a:schemeClr val="dk1"/>
+                        </a:solidFill>
+                        <a:latin typeface="+mn-lt"/>
+                        <a:ea typeface="+mn-ea"/>
+                        <a:cs typeface="+mn-cs"/>
+                      </a:endParaRPr>
+                    </a:p>
+                  </a:txBody>
+                  <a:tcPr>
+                    <a:solidFill>
+                      <a:schemeClr val="tx1"/>
+                    </a:solidFill>
+                  </a:tcPr>
+                </a:tc>
+                <a:tc>
+                  <a:txBody>
+                    <a:bodyPr/>
+                    <a:lstStyle/>
+                    <a:p>
+                      <a:pPr latinLnBrk="1"/>
+                      <a:endParaRPr lang="ko-KR" altLang="en-US" dirty="0"/>
+                    </a:p>
+                  </a:txBody>
+                  <a:tcPr>
+                    <a:solidFill>
+                      <a:schemeClr val="bg1"/>
+                    </a:solidFill>
+                  </a:tcPr>
+                </a:tc>
+                <a:tc>
+                  <a:txBody>
+                    <a:bodyPr/>
+                    <a:lstStyle/>
+                    <a:p>
+                      <a:pPr latinLnBrk="1"/>
+                      <a:endParaRPr lang="ko-KR" altLang="en-US" dirty="0"/>
+                    </a:p>
+                  </a:txBody>
+                  <a:tcPr>
+                    <a:solidFill>
+                      <a:schemeClr val="tx1"/>
+                    </a:solidFill>
+                  </a:tcPr>
+                </a:tc>
+                <a:tc>
+                  <a:txBody>
+                    <a:bodyPr/>
+                    <a:lstStyle/>
+                    <a:p>
+                      <a:pPr latinLnBrk="1"/>
+                      <a:endParaRPr lang="ko-KR" altLang="en-US" dirty="0"/>
+                    </a:p>
+                  </a:txBody>
+                  <a:tcPr>
+                    <a:lnR w="12700" cap="flat" cmpd="sng" algn="ctr">
+                      <a:solidFill>
+                        <a:schemeClr val="tx1"/>
+                      </a:solidFill>
+                      <a:prstDash val="solid"/>
+                      <a:round/>
+                      <a:headEnd type="none" w="med" len="med"/>
+                      <a:tailEnd type="none" w="med" len="med"/>
+                    </a:lnR>
+                    <a:solidFill>
+                      <a:schemeClr val="bg1"/>
+                    </a:solidFill>
+                  </a:tcPr>
+                </a:tc>
+              </a:tr>
+              <a:tr h="895773">
+                <a:tc>
+                  <a:txBody>
+                    <a:bodyPr/>
+                    <a:lstStyle/>
+                    <a:p>
+                      <a:pPr latinLnBrk="1"/>
+                      <a:endParaRPr lang="ko-KR" altLang="en-US" dirty="0"/>
+                    </a:p>
+                  </a:txBody>
+                  <a:tcPr>
+                    <a:lnL w="12700" cap="flat" cmpd="sng" algn="ctr">
+                      <a:solidFill>
+                        <a:schemeClr val="tx1"/>
+                      </a:solidFill>
+                      <a:prstDash val="solid"/>
+                      <a:round/>
+                      <a:headEnd type="none" w="med" len="med"/>
+                      <a:tailEnd type="none" w="med" len="med"/>
+                    </a:lnL>
+                    <a:solidFill>
+                      <a:schemeClr val="tx1"/>
+                    </a:solidFill>
+                  </a:tcPr>
+                </a:tc>
+                <a:tc>
+                  <a:txBody>
+                    <a:bodyPr/>
+                    <a:lstStyle/>
+                    <a:p>
+                      <a:pPr latinLnBrk="1"/>
+                      <a:endParaRPr lang="ko-KR" altLang="en-US" dirty="0"/>
+                    </a:p>
+                  </a:txBody>
+                  <a:tcPr>
+                    <a:solidFill>
+                      <a:schemeClr val="bg1"/>
+                    </a:solidFill>
+                  </a:tcPr>
+                </a:tc>
+                <a:tc>
+                  <a:txBody>
+                    <a:bodyPr/>
+                    <a:lstStyle/>
+                    <a:p>
+                      <a:pPr latinLnBrk="1"/>
+                      <a:endParaRPr lang="ko-KR" altLang="en-US" dirty="0"/>
+                    </a:p>
+                  </a:txBody>
+                  <a:tcPr>
+                    <a:solidFill>
+                      <a:schemeClr val="tx1"/>
+                    </a:solidFill>
+                  </a:tcPr>
+                </a:tc>
+                <a:tc>
+                  <a:txBody>
+                    <a:bodyPr/>
+                    <a:lstStyle/>
+                    <a:p>
+                      <a:pPr latinLnBrk="1"/>
+                      <a:endParaRPr lang="ko-KR" altLang="en-US" dirty="0"/>
+                    </a:p>
+                  </a:txBody>
+                  <a:tcPr>
+                    <a:solidFill>
+                      <a:schemeClr val="bg1"/>
+                    </a:solidFill>
+                  </a:tcPr>
+                </a:tc>
+                <a:tc>
+                  <a:txBody>
+                    <a:bodyPr/>
+                    <a:lstStyle/>
+                    <a:p>
+                      <a:pPr latinLnBrk="1"/>
+                      <a:endParaRPr lang="ko-KR" altLang="en-US" dirty="0"/>
+                    </a:p>
+                  </a:txBody>
+                  <a:tcPr>
+                    <a:lnR w="12700" cap="flat" cmpd="sng" algn="ctr">
+                      <a:solidFill>
+                        <a:schemeClr val="tx1"/>
+                      </a:solidFill>
+                      <a:prstDash val="solid"/>
+                      <a:round/>
+                      <a:headEnd type="none" w="med" len="med"/>
+                      <a:tailEnd type="none" w="med" len="med"/>
+                    </a:lnR>
+                    <a:solidFill>
+                      <a:schemeClr val="tx1"/>
+                    </a:solidFill>
+                  </a:tcPr>
+                </a:tc>
+              </a:tr>
+              <a:tr h="895773">
+                <a:tc>
+                  <a:txBody>
+                    <a:bodyPr/>
+                    <a:lstStyle/>
+                    <a:p>
+                      <a:pPr latinLnBrk="1"/>
+                      <a:endParaRPr lang="ko-KR" altLang="en-US" dirty="0"/>
+                    </a:p>
+                  </a:txBody>
+                  <a:tcPr>
+                    <a:lnL w="12700" cap="flat" cmpd="sng" algn="ctr">
+                      <a:solidFill>
+                        <a:schemeClr val="tx1"/>
+                      </a:solidFill>
+                      <a:prstDash val="solid"/>
+                      <a:round/>
+                      <a:headEnd type="none" w="med" len="med"/>
+                      <a:tailEnd type="none" w="med" len="med"/>
+                    </a:lnL>
+                    <a:solidFill>
+                      <a:schemeClr val="bg1"/>
+                    </a:solidFill>
+                  </a:tcPr>
+                </a:tc>
+                <a:tc>
+                  <a:txBody>
+                    <a:bodyPr/>
+                    <a:lstStyle/>
+                    <a:p>
+                      <a:pPr latinLnBrk="1"/>
+                      <a:endParaRPr lang="ko-KR" altLang="en-US" dirty="0"/>
+                    </a:p>
+                  </a:txBody>
+                  <a:tcPr>
+                    <a:solidFill>
+                      <a:schemeClr val="tx1"/>
+                    </a:solidFill>
+                  </a:tcPr>
+                </a:tc>
+                <a:tc>
+                  <a:txBody>
+                    <a:bodyPr/>
+                    <a:lstStyle/>
+                    <a:p>
+                      <a:pPr latinLnBrk="1"/>
+                      <a:endParaRPr lang="ko-KR" altLang="en-US" dirty="0"/>
+                    </a:p>
+                  </a:txBody>
+                  <a:tcPr>
+                    <a:solidFill>
+                      <a:schemeClr val="bg1"/>
+                    </a:solidFill>
+                  </a:tcPr>
+                </a:tc>
+                <a:tc>
+                  <a:txBody>
+                    <a:bodyPr/>
+                    <a:lstStyle/>
+                    <a:p>
+                      <a:pPr latinLnBrk="1"/>
+                      <a:endParaRPr lang="ko-KR" altLang="en-US" dirty="0"/>
+                    </a:p>
+                  </a:txBody>
+                  <a:tcPr>
+                    <a:solidFill>
+                      <a:schemeClr val="tx1"/>
+                    </a:solidFill>
+                  </a:tcPr>
+                </a:tc>
+                <a:tc>
+                  <a:txBody>
+                    <a:bodyPr/>
+                    <a:lstStyle/>
+                    <a:p>
+                      <a:pPr latinLnBrk="1"/>
+                      <a:endParaRPr lang="ko-KR" altLang="en-US" dirty="0"/>
+                    </a:p>
+                  </a:txBody>
+                  <a:tcPr>
+                    <a:lnR w="12700" cap="flat" cmpd="sng" algn="ctr">
+                      <a:solidFill>
+                        <a:schemeClr val="tx1"/>
+                      </a:solidFill>
+                      <a:prstDash val="solid"/>
+                      <a:round/>
+                      <a:headEnd type="none" w="med" len="med"/>
+                      <a:tailEnd type="none" w="med" len="med"/>
+                    </a:lnR>
+                    <a:solidFill>
+                      <a:schemeClr val="bg1"/>
+                    </a:solidFill>
+                  </a:tcPr>
+                </a:tc>
+              </a:tr>
+              <a:tr h="895773">
+                <a:tc>
+                  <a:txBody>
+                    <a:bodyPr/>
+                    <a:lstStyle/>
+                    <a:p>
+                      <a:pPr latinLnBrk="1"/>
+                      <a:endParaRPr lang="ko-KR" altLang="en-US" dirty="0"/>
+                    </a:p>
+                  </a:txBody>
+                  <a:tcPr>
+                    <a:lnL w="12700" cap="flat" cmpd="sng" algn="ctr">
+                      <a:solidFill>
+                        <a:schemeClr val="tx1"/>
+                      </a:solidFill>
+                      <a:prstDash val="solid"/>
+                      <a:round/>
+                      <a:headEnd type="none" w="med" len="med"/>
+                      <a:tailEnd type="none" w="med" len="med"/>
+                    </a:lnL>
+                    <a:lnB w="12700" cap="flat" cmpd="sng" algn="ctr">
+                      <a:solidFill>
+                        <a:schemeClr val="tx1"/>
+                      </a:solidFill>
+                      <a:prstDash val="solid"/>
+                      <a:round/>
+                      <a:headEnd type="none" w="med" len="med"/>
+                      <a:tailEnd type="none" w="med" len="med"/>
+                    </a:lnB>
+                    <a:solidFill>
+                      <a:schemeClr val="tx1"/>
+                    </a:solidFill>
+                  </a:tcPr>
+                </a:tc>
+                <a:tc>
+                  <a:txBody>
+                    <a:bodyPr/>
+                    <a:lstStyle/>
+                    <a:p>
+                      <a:pPr latinLnBrk="1"/>
+                      <a:endParaRPr lang="ko-KR" altLang="en-US" dirty="0"/>
+                    </a:p>
+                  </a:txBody>
+                  <a:tcPr>
+                    <a:lnB w="12700" cap="flat" cmpd="sng" algn="ctr">
+                      <a:solidFill>
+                        <a:schemeClr val="tx1"/>
+                      </a:solidFill>
+                      <a:prstDash val="solid"/>
+                      <a:round/>
+                      <a:headEnd type="none" w="med" len="med"/>
+                      <a:tailEnd type="none" w="med" len="med"/>
+                    </a:lnB>
+                    <a:solidFill>
+                      <a:schemeClr val="bg1"/>
+                    </a:solidFill>
+                  </a:tcPr>
+                </a:tc>
+                <a:tc>
+                  <a:txBody>
+                    <a:bodyPr/>
+                    <a:lstStyle/>
+                    <a:p>
+                      <a:pPr latinLnBrk="1"/>
+                      <a:endParaRPr lang="ko-KR" altLang="en-US" dirty="0"/>
+                    </a:p>
+                  </a:txBody>
+                  <a:tcPr>
+                    <a:lnB w="12700" cap="flat" cmpd="sng" algn="ctr">
+                      <a:solidFill>
+                        <a:schemeClr val="tx1"/>
+                      </a:solidFill>
+                      <a:prstDash val="solid"/>
+                      <a:round/>
+                      <a:headEnd type="none" w="med" len="med"/>
+                      <a:tailEnd type="none" w="med" len="med"/>
+                    </a:lnB>
+                    <a:solidFill>
+                      <a:schemeClr val="tx1"/>
+                    </a:solidFill>
+                  </a:tcPr>
+                </a:tc>
+                <a:tc>
+                  <a:txBody>
+                    <a:bodyPr/>
+                    <a:lstStyle/>
+                    <a:p>
+                      <a:pPr latinLnBrk="1"/>
+                      <a:endParaRPr lang="ko-KR" altLang="en-US" dirty="0"/>
+                    </a:p>
+                  </a:txBody>
+                  <a:tcPr>
+                    <a:lnB w="12700" cap="flat" cmpd="sng" algn="ctr">
+                      <a:solidFill>
+                        <a:schemeClr val="tx1"/>
+                      </a:solidFill>
+                      <a:prstDash val="solid"/>
+                      <a:round/>
+                      <a:headEnd type="none" w="med" len="med"/>
+                      <a:tailEnd type="none" w="med" len="med"/>
+                    </a:lnB>
+                    <a:solidFill>
+                      <a:schemeClr val="bg1"/>
+                    </a:solidFill>
+                  </a:tcPr>
+                </a:tc>
+                <a:tc>
+                  <a:txBody>
+                    <a:bodyPr/>
+                    <a:lstStyle/>
+                    <a:p>
+                      <a:pPr latinLnBrk="1"/>
+                      <a:endParaRPr lang="ko-KR" altLang="en-US" dirty="0"/>
+                    </a:p>
+                  </a:txBody>
+                  <a:tcPr>
+                    <a:lnR w="12700" cap="flat" cmpd="sng" algn="ctr">
+                      <a:solidFill>
+                        <a:schemeClr val="tx1"/>
+                      </a:solidFill>
+                      <a:prstDash val="solid"/>
+                      <a:round/>
+                      <a:headEnd type="none" w="med" len="med"/>
+                      <a:tailEnd type="none" w="med" len="med"/>
+                    </a:lnR>
+                    <a:lnB w="12700" cap="flat" cmpd="sng" algn="ctr">
+                      <a:solidFill>
+                        <a:schemeClr val="tx1"/>
+                      </a:solidFill>
+                      <a:prstDash val="solid"/>
+                      <a:round/>
+                      <a:headEnd type="none" w="med" len="med"/>
+                      <a:tailEnd type="none" w="med" len="med"/>
+                    </a:lnB>
+                    <a:solidFill>
+                      <a:schemeClr val="tx1"/>
+                    </a:solidFill>
+                  </a:tcPr>
+                </a:tc>
+              </a:tr>
+            </a:tbl>
+          </a:graphicData>
+        </a:graphic>
+      </p:graphicFrame>
+      <p:sp>
+        <p:nvSpPr>
+          <p:cNvPr id="8" name="TextBox 7"/>
+          <p:cNvSpPr txBox="1"/>
+          <p:nvPr/>
+        </p:nvSpPr>
+        <p:spPr>
+          <a:xfrm>
+            <a:off x="1134534" y="5283201"/>
+            <a:ext cx="671209" cy="369332"/>
+          </a:xfrm>
+          <a:prstGeom prst="rect">
+            <a:avLst/>
+          </a:prstGeom>
+          <a:noFill/>
+        </p:spPr>
+        <p:txBody>
+          <a:bodyPr wrap="none" rtlCol="0">
+            <a:spAutoFit/>
+          </a:bodyPr>
+          <a:lstStyle/>
+          <a:p>
+            <a:r>
+              <a:rPr lang="en-US" altLang="ko-KR" dirty="0" smtClean="0">
+                <a:solidFill>
+                  <a:schemeClr val="bg1"/>
+                </a:solidFill>
+              </a:rPr>
+              <a:t>Start</a:t>
+            </a:r>
+            <a:endParaRPr lang="ko-KR" altLang="en-US" dirty="0">
+              <a:solidFill>
+                <a:schemeClr val="bg1"/>
+              </a:solidFill>
+            </a:endParaRPr>
+          </a:p>
+        </p:txBody>
+      </p:sp>
+      <p:sp>
+        <p:nvSpPr>
+          <p:cNvPr id="18" name="TextBox 17"/>
+          <p:cNvSpPr txBox="1"/>
+          <p:nvPr/>
+        </p:nvSpPr>
+        <p:spPr>
+          <a:xfrm>
+            <a:off x="4733305" y="1676401"/>
+            <a:ext cx="657488" cy="369332"/>
+          </a:xfrm>
+          <a:prstGeom prst="rect">
+            <a:avLst/>
+          </a:prstGeom>
+          <a:noFill/>
+        </p:spPr>
+        <p:txBody>
+          <a:bodyPr wrap="none" rtlCol="0">
+            <a:spAutoFit/>
+          </a:bodyPr>
+          <a:lstStyle/>
+          <a:p>
+            <a:r>
+              <a:rPr lang="en-US" altLang="ko-KR" dirty="0" smtClean="0">
+                <a:solidFill>
+                  <a:schemeClr val="bg1"/>
+                </a:solidFill>
+              </a:rPr>
+              <a:t>Goal</a:t>
+            </a:r>
+            <a:endParaRPr lang="ko-KR" altLang="en-US" dirty="0">
+              <a:solidFill>
+                <a:schemeClr val="bg1"/>
+              </a:solidFill>
+            </a:endParaRPr>
+          </a:p>
+        </p:txBody>
+      </p:sp>
+      <p:sp>
+        <p:nvSpPr>
+          <p:cNvPr id="27" name="TextBox 26"/>
+          <p:cNvSpPr txBox="1"/>
+          <p:nvPr/>
+        </p:nvSpPr>
+        <p:spPr>
+          <a:xfrm>
+            <a:off x="999066" y="536996"/>
+            <a:ext cx="1127937" cy="276999"/>
+          </a:xfrm>
+          <a:prstGeom prst="rect">
+            <a:avLst/>
+          </a:prstGeom>
+          <a:noFill/>
+        </p:spPr>
+        <p:txBody>
+          <a:bodyPr wrap="none" rtlCol="0">
+            <a:spAutoFit/>
+          </a:bodyPr>
+          <a:lstStyle/>
+          <a:p>
+            <a:r>
+              <a:rPr lang="en-US" altLang="ko-KR" sz="1200" dirty="0" smtClean="0"/>
+              <a:t>shfksekdrms2</a:t>
+            </a:r>
+            <a:endParaRPr lang="ko-KR" altLang="en-US" sz="1200" dirty="0"/>
+          </a:p>
+        </p:txBody>
+      </p:sp>
+      <p:grpSp>
+        <p:nvGrpSpPr>
+          <p:cNvPr id="38" name="그룹 37"/>
+          <p:cNvGrpSpPr/>
+          <p:nvPr/>
+        </p:nvGrpSpPr>
+        <p:grpSpPr>
+          <a:xfrm>
+            <a:off x="827185" y="4715791"/>
+            <a:ext cx="614697" cy="832639"/>
+            <a:chOff x="3641927" y="4001840"/>
+            <a:chExt cx="614697" cy="832639"/>
+          </a:xfrm>
+        </p:grpSpPr>
+        <p:grpSp>
+          <p:nvGrpSpPr>
+            <p:cNvPr id="31" name="그룹 30"/>
+            <p:cNvGrpSpPr/>
+            <p:nvPr/>
+          </p:nvGrpSpPr>
+          <p:grpSpPr>
+            <a:xfrm>
+              <a:off x="3641927" y="4001840"/>
+              <a:ext cx="614697" cy="614697"/>
+              <a:chOff x="3701193" y="4021663"/>
+              <a:chExt cx="614697" cy="614697"/>
+            </a:xfrm>
+          </p:grpSpPr>
+          <p:sp>
+            <p:nvSpPr>
+              <p:cNvPr id="26" name="타원 25"/>
+              <p:cNvSpPr/>
+              <p:nvPr/>
+            </p:nvSpPr>
+            <p:spPr>
+              <a:xfrm>
+                <a:off x="3701193" y="4021663"/>
+                <a:ext cx="614697" cy="614697"/>
+              </a:xfrm>
+              <a:prstGeom prst="ellipse">
+                <a:avLst/>
+              </a:prstGeom>
+            </p:spPr>
+            <p:style>
+              <a:lnRef idx="2">
+                <a:schemeClr val="accent1">
+                  <a:shade val="50000"/>
+                </a:schemeClr>
+              </a:lnRef>
+              <a:fillRef idx="1">
+                <a:schemeClr val="accent1"/>
+              </a:fillRef>
+              <a:effectRef idx="0">
+                <a:schemeClr val="accent1"/>
+              </a:effectRef>
+              <a:fontRef idx="minor">
+                <a:schemeClr val="lt1"/>
+              </a:fontRef>
+            </p:style>
+            <p:txBody>
+              <a:bodyPr rtlCol="0" anchor="ctr"/>
+              <a:lstStyle/>
+              <a:p>
+                <a:pPr algn="ctr"/>
+                <a:endParaRPr lang="ko-KR" altLang="en-US" sz="1000" dirty="0"/>
+              </a:p>
+            </p:txBody>
+          </p:sp>
+          <p:sp>
+            <p:nvSpPr>
+              <p:cNvPr id="29" name="TextBox 28"/>
+              <p:cNvSpPr txBox="1"/>
+              <p:nvPr/>
+            </p:nvSpPr>
+            <p:spPr>
+              <a:xfrm>
+                <a:off x="3762319" y="4190511"/>
+                <a:ext cx="492443" cy="276999"/>
+              </a:xfrm>
+              <a:prstGeom prst="rect">
+                <a:avLst/>
+              </a:prstGeom>
+              <a:noFill/>
+            </p:spPr>
+            <p:txBody>
+              <a:bodyPr wrap="none" rtlCol="0">
+                <a:spAutoFit/>
+              </a:bodyPr>
+              <a:lstStyle/>
+              <a:p>
+                <a:r>
+                  <a:rPr lang="ko-KR" altLang="en-US" sz="1200" dirty="0" smtClean="0">
+                    <a:solidFill>
+                      <a:schemeClr val="bg1"/>
+                    </a:solidFill>
+                  </a:rPr>
+                  <a:t>사진</a:t>
+                </a:r>
+                <a:endParaRPr lang="ko-KR" altLang="en-US" sz="1200" dirty="0">
+                  <a:solidFill>
+                    <a:schemeClr val="bg1"/>
+                  </a:solidFill>
+                </a:endParaRPr>
+              </a:p>
+            </p:txBody>
+          </p:sp>
+        </p:grpSp>
+        <p:sp>
+          <p:nvSpPr>
+            <p:cNvPr id="33" name="타원 32"/>
+            <p:cNvSpPr/>
+            <p:nvPr/>
+          </p:nvSpPr>
+          <p:spPr>
+            <a:xfrm>
+              <a:off x="3949274" y="4656183"/>
+              <a:ext cx="171647" cy="79573"/>
+            </a:xfrm>
+            <a:prstGeom prst="ellipse">
+              <a:avLst/>
+            </a:prstGeom>
+          </p:spPr>
+          <p:style>
+            <a:lnRef idx="2">
+              <a:schemeClr val="accent1">
+                <a:shade val="50000"/>
+              </a:schemeClr>
+            </a:lnRef>
+            <a:fillRef idx="1">
+              <a:schemeClr val="accent1"/>
+            </a:fillRef>
+            <a:effectRef idx="0">
+              <a:schemeClr val="accent1"/>
+            </a:effectRef>
+            <a:fontRef idx="minor">
+              <a:schemeClr val="lt1"/>
+            </a:fontRef>
+          </p:style>
+          <p:txBody>
+            <a:bodyPr rtlCol="0" anchor="ctr"/>
+            <a:lstStyle/>
+            <a:p>
+              <a:pPr algn="ctr"/>
+              <a:endParaRPr lang="ko-KR" altLang="en-US"/>
+            </a:p>
+          </p:txBody>
+        </p:sp>
+        <p:sp>
+          <p:nvSpPr>
+            <p:cNvPr id="34" name="타원 33"/>
+            <p:cNvSpPr/>
+            <p:nvPr/>
+          </p:nvSpPr>
+          <p:spPr>
+            <a:xfrm>
+              <a:off x="4101674" y="4788760"/>
+              <a:ext cx="80373" cy="45719"/>
+            </a:xfrm>
+            <a:prstGeom prst="ellipse">
+              <a:avLst/>
+            </a:prstGeom>
+          </p:spPr>
+          <p:style>
+            <a:lnRef idx="2">
+              <a:schemeClr val="accent1">
+                <a:shade val="50000"/>
+              </a:schemeClr>
+            </a:lnRef>
+            <a:fillRef idx="1">
+              <a:schemeClr val="accent1"/>
+            </a:fillRef>
+            <a:effectRef idx="0">
+              <a:schemeClr val="accent1"/>
+            </a:effectRef>
+            <a:fontRef idx="minor">
+              <a:schemeClr val="lt1"/>
+            </a:fontRef>
+          </p:style>
+          <p:txBody>
+            <a:bodyPr rtlCol="0" anchor="ctr"/>
+            <a:lstStyle/>
+            <a:p>
+              <a:pPr algn="ctr"/>
+              <a:endParaRPr lang="ko-KR" altLang="en-US"/>
+            </a:p>
+          </p:txBody>
+        </p:sp>
+      </p:grpSp>
+      <p:sp>
+        <p:nvSpPr>
+          <p:cNvPr id="10" name="TextBox 9"/>
+          <p:cNvSpPr txBox="1"/>
+          <p:nvPr/>
+        </p:nvSpPr>
+        <p:spPr>
+          <a:xfrm>
+            <a:off x="4372566" y="810166"/>
+            <a:ext cx="1058303" cy="369332"/>
+          </a:xfrm>
+          <a:prstGeom prst="rect">
+            <a:avLst/>
+          </a:prstGeom>
+          <a:noFill/>
+        </p:spPr>
+        <p:txBody>
+          <a:bodyPr wrap="none" rtlCol="0">
+            <a:spAutoFit/>
+          </a:bodyPr>
+          <a:lstStyle/>
+          <a:p>
+            <a:r>
+              <a:rPr lang="en-US" altLang="ko-KR" b="1" dirty="0" smtClean="0"/>
+              <a:t>Stage32</a:t>
+            </a:r>
+            <a:endParaRPr lang="ko-KR" altLang="en-US" b="1" dirty="0"/>
+          </a:p>
+        </p:txBody>
+      </p:sp>
+      <p:graphicFrame>
+        <p:nvGraphicFramePr>
+          <p:cNvPr id="11" name="표 10"/>
+          <p:cNvGraphicFramePr>
+            <a:graphicFrameLocks noGrp="1"/>
+          </p:cNvGraphicFramePr>
+          <p:nvPr>
+            <p:extLst>
+              <p:ext uri="{D42A27DB-BD31-4B8C-83A1-F6EECF244321}">
+                <p14:modId xmlns:p14="http://schemas.microsoft.com/office/powerpoint/2010/main" val="2340901612"/>
+              </p:ext>
+            </p:extLst>
+          </p:nvPr>
+        </p:nvGraphicFramePr>
+        <p:xfrm>
+          <a:off x="1050801" y="851007"/>
+          <a:ext cx="1023999" cy="459832"/>
+        </p:xfrm>
+        <a:graphic>
+          <a:graphicData uri="http://schemas.openxmlformats.org/drawingml/2006/table">
+            <a:tbl>
+              <a:tblPr firstRow="1">
+                <a:tableStyleId>{5C22544A-7EE6-4342-B048-85BDC9FD1C3A}</a:tableStyleId>
+              </a:tblPr>
+              <a:tblGrid>
+                <a:gridCol w="1023999"/>
+              </a:tblGrid>
+              <a:tr h="229916">
+                <a:tc>
+                  <a:txBody>
+                    <a:bodyPr/>
+                    <a:lstStyle/>
+                    <a:p>
+                      <a:pPr algn="ctr" latinLnBrk="1"/>
+                      <a:r>
+                        <a:rPr lang="ko-KR" altLang="en-US" sz="700" dirty="0" smtClean="0"/>
+                        <a:t>최고 전적</a:t>
+                      </a:r>
+                      <a:r>
+                        <a:rPr lang="en-US" altLang="ko-KR" sz="700" dirty="0" smtClean="0"/>
+                        <a:t>(</a:t>
+                      </a:r>
+                      <a:r>
+                        <a:rPr lang="ko-KR" altLang="en-US" sz="700" dirty="0" smtClean="0"/>
+                        <a:t>별 개수</a:t>
+                      </a:r>
+                      <a:r>
+                        <a:rPr lang="en-US" altLang="ko-KR" sz="700" dirty="0" smtClean="0"/>
+                        <a:t>)</a:t>
+                      </a:r>
+                      <a:endParaRPr lang="ko-KR" altLang="en-US" sz="700" dirty="0"/>
+                    </a:p>
+                  </a:txBody>
+                  <a:tcPr anchor="ctr"/>
+                </a:tc>
+              </a:tr>
+              <a:tr h="229916">
+                <a:tc>
+                  <a:txBody>
+                    <a:bodyPr/>
+                    <a:lstStyle/>
+                    <a:p>
+                      <a:pPr algn="ctr" latinLnBrk="1"/>
+                      <a:endParaRPr lang="ko-KR" altLang="en-US" sz="700" dirty="0"/>
+                    </a:p>
+                  </a:txBody>
+                  <a:tcPr anchor="ctr"/>
+                </a:tc>
+              </a:tr>
+            </a:tbl>
+          </a:graphicData>
+        </a:graphic>
+      </p:graphicFrame>
+      <p:sp>
+        <p:nvSpPr>
+          <p:cNvPr id="47" name="포인트가 5개인 별 46"/>
+          <p:cNvSpPr/>
+          <p:nvPr/>
+        </p:nvSpPr>
+        <p:spPr>
+          <a:xfrm>
+            <a:off x="1730033" y="1099502"/>
+            <a:ext cx="151419" cy="159992"/>
+          </a:xfrm>
+          <a:prstGeom prst="star5">
+            <a:avLst/>
+          </a:prstGeom>
+          <a:solidFill>
+            <a:schemeClr val="accent1"/>
+          </a:solidFill>
+        </p:spPr>
+        <p:style>
+          <a:lnRef idx="2">
+            <a:schemeClr val="accent1">
+              <a:shade val="50000"/>
+            </a:schemeClr>
+          </a:lnRef>
+          <a:fillRef idx="1">
+            <a:schemeClr val="accent1"/>
+          </a:fillRef>
+          <a:effectRef idx="0">
+            <a:schemeClr val="accent1"/>
+          </a:effectRef>
+          <a:fontRef idx="minor">
+            <a:schemeClr val="lt1"/>
+          </a:fontRef>
+        </p:style>
+        <p:txBody>
+          <a:bodyPr rtlCol="0" anchor="ctr"/>
+          <a:lstStyle/>
+          <a:p>
+            <a:pPr algn="ctr"/>
+            <a:endParaRPr lang="ko-KR" altLang="en-US"/>
+          </a:p>
+        </p:txBody>
+      </p:sp>
+      <p:sp>
+        <p:nvSpPr>
+          <p:cNvPr id="48" name="포인트가 5개인 별 47"/>
+          <p:cNvSpPr/>
+          <p:nvPr/>
+        </p:nvSpPr>
+        <p:spPr>
+          <a:xfrm>
+            <a:off x="1366172" y="1099502"/>
+            <a:ext cx="151419" cy="159992"/>
+          </a:xfrm>
+          <a:prstGeom prst="star5">
+            <a:avLst/>
+          </a:prstGeom>
+          <a:solidFill>
+            <a:schemeClr val="bg1"/>
+          </a:solidFill>
+        </p:spPr>
+        <p:style>
+          <a:lnRef idx="2">
+            <a:schemeClr val="accent1">
+              <a:shade val="50000"/>
+            </a:schemeClr>
+          </a:lnRef>
+          <a:fillRef idx="1">
+            <a:schemeClr val="accent1"/>
+          </a:fillRef>
+          <a:effectRef idx="0">
+            <a:schemeClr val="accent1"/>
+          </a:effectRef>
+          <a:fontRef idx="minor">
+            <a:schemeClr val="lt1"/>
+          </a:fontRef>
+        </p:style>
+        <p:txBody>
+          <a:bodyPr rtlCol="0" anchor="ctr"/>
+          <a:lstStyle/>
+          <a:p>
+            <a:pPr algn="ctr"/>
+            <a:endParaRPr lang="ko-KR" altLang="en-US"/>
+          </a:p>
+        </p:txBody>
+      </p:sp>
+      <p:sp>
+        <p:nvSpPr>
+          <p:cNvPr id="49" name="포인트가 5개인 별 48"/>
+          <p:cNvSpPr/>
+          <p:nvPr/>
+        </p:nvSpPr>
+        <p:spPr>
+          <a:xfrm>
+            <a:off x="1560406" y="1099502"/>
+            <a:ext cx="151419" cy="159992"/>
+          </a:xfrm>
+          <a:prstGeom prst="star5">
+            <a:avLst/>
+          </a:prstGeom>
+          <a:solidFill>
+            <a:schemeClr val="accent1"/>
+          </a:solidFill>
+        </p:spPr>
+        <p:style>
+          <a:lnRef idx="2">
+            <a:schemeClr val="accent1">
+              <a:shade val="50000"/>
+            </a:schemeClr>
+          </a:lnRef>
+          <a:fillRef idx="1">
+            <a:schemeClr val="accent1"/>
+          </a:fillRef>
+          <a:effectRef idx="0">
+            <a:schemeClr val="accent1"/>
+          </a:effectRef>
+          <a:fontRef idx="minor">
+            <a:schemeClr val="lt1"/>
+          </a:fontRef>
+        </p:style>
+        <p:txBody>
+          <a:bodyPr rtlCol="0" anchor="ctr"/>
+          <a:lstStyle/>
+          <a:p>
+            <a:pPr algn="ctr"/>
+            <a:endParaRPr lang="ko-KR" altLang="en-US"/>
+          </a:p>
+        </p:txBody>
+      </p:sp>
+      <p:grpSp>
+        <p:nvGrpSpPr>
+          <p:cNvPr id="12" name="그룹 11"/>
+          <p:cNvGrpSpPr/>
+          <p:nvPr/>
+        </p:nvGrpSpPr>
+        <p:grpSpPr>
+          <a:xfrm>
+            <a:off x="3231931" y="6044039"/>
+            <a:ext cx="2281269" cy="365231"/>
+            <a:chOff x="766731" y="6069439"/>
+            <a:chExt cx="2281269" cy="365231"/>
+          </a:xfrm>
+        </p:grpSpPr>
+        <p:sp>
+          <p:nvSpPr>
+            <p:cNvPr id="50" name="직사각형 49"/>
+            <p:cNvSpPr/>
+            <p:nvPr/>
+          </p:nvSpPr>
+          <p:spPr>
+            <a:xfrm>
+              <a:off x="766731" y="6069439"/>
+              <a:ext cx="2281269" cy="365231"/>
+            </a:xfrm>
+            <a:prstGeom prst="rect">
+              <a:avLst/>
+            </a:prstGeom>
+          </p:spPr>
+          <p:style>
+            <a:lnRef idx="2">
+              <a:schemeClr val="accent1">
+                <a:shade val="50000"/>
+              </a:schemeClr>
+            </a:lnRef>
+            <a:fillRef idx="1">
+              <a:schemeClr val="accent1"/>
+            </a:fillRef>
+            <a:effectRef idx="0">
+              <a:schemeClr val="accent1"/>
+            </a:effectRef>
+            <a:fontRef idx="minor">
+              <a:schemeClr val="lt1"/>
+            </a:fontRef>
+          </p:style>
+          <p:txBody>
+            <a:bodyPr rtlCol="0" anchor="ctr"/>
+            <a:lstStyle/>
+            <a:p>
+              <a:pPr algn="ctr"/>
+              <a:r>
+                <a:rPr lang="en-US" altLang="ko-KR" dirty="0" smtClean="0"/>
+                <a:t>X2      24 / 16</a:t>
+              </a:r>
+              <a:endParaRPr lang="ko-KR" altLang="en-US" dirty="0"/>
+            </a:p>
+          </p:txBody>
+        </p:sp>
+        <p:sp>
+          <p:nvSpPr>
+            <p:cNvPr id="51" name="포인트가 5개인 별 50"/>
+            <p:cNvSpPr/>
+            <p:nvPr/>
+          </p:nvSpPr>
+          <p:spPr>
+            <a:xfrm>
+              <a:off x="851398" y="6172058"/>
+              <a:ext cx="151419" cy="159992"/>
+            </a:xfrm>
+            <a:prstGeom prst="star5">
+              <a:avLst/>
+            </a:prstGeom>
+            <a:solidFill>
+              <a:schemeClr val="bg1"/>
+            </a:solidFill>
+          </p:spPr>
+          <p:style>
+            <a:lnRef idx="2">
+              <a:schemeClr val="accent1">
+                <a:shade val="50000"/>
+              </a:schemeClr>
+            </a:lnRef>
+            <a:fillRef idx="1">
+              <a:schemeClr val="accent1"/>
+            </a:fillRef>
+            <a:effectRef idx="0">
+              <a:schemeClr val="accent1"/>
+            </a:effectRef>
+            <a:fontRef idx="minor">
+              <a:schemeClr val="lt1"/>
+            </a:fontRef>
+          </p:style>
+          <p:txBody>
+            <a:bodyPr rtlCol="0" anchor="ctr"/>
+            <a:lstStyle/>
+            <a:p>
+              <a:pPr algn="ctr"/>
+              <a:endParaRPr lang="ko-KR" altLang="en-US"/>
+            </a:p>
+          </p:txBody>
+        </p:sp>
+      </p:grpSp>
     </p:spTree>
     <p:extLst>
       <p:ext uri="{BB962C8B-B14F-4D97-AF65-F5344CB8AC3E}">
-        <p14:creationId xmlns:p14="http://schemas.microsoft.com/office/powerpoint/2010/main" val="282766275"/>
+        <p14:creationId xmlns:p14="http://schemas.microsoft.com/office/powerpoint/2010/main" val="335418030"/>
       </p:ext>
     </p:extLst>
   </p:cSld>

--- a/화면정의서.pptx
+++ b/화면정의서.pptx
@@ -7,18 +7,19 @@
   <p:sldIdLst>
     <p:sldId id="256" r:id="rId2"/>
     <p:sldId id="259" r:id="rId3"/>
-    <p:sldId id="260" r:id="rId4"/>
-    <p:sldId id="261" r:id="rId5"/>
-    <p:sldId id="263" r:id="rId6"/>
-    <p:sldId id="264" r:id="rId7"/>
-    <p:sldId id="265" r:id="rId8"/>
-    <p:sldId id="266" r:id="rId9"/>
-    <p:sldId id="268" r:id="rId10"/>
-    <p:sldId id="269" r:id="rId11"/>
-    <p:sldId id="273" r:id="rId12"/>
-    <p:sldId id="270" r:id="rId13"/>
-    <p:sldId id="271" r:id="rId14"/>
-    <p:sldId id="272" r:id="rId15"/>
+    <p:sldId id="274" r:id="rId4"/>
+    <p:sldId id="260" r:id="rId5"/>
+    <p:sldId id="261" r:id="rId6"/>
+    <p:sldId id="263" r:id="rId7"/>
+    <p:sldId id="264" r:id="rId8"/>
+    <p:sldId id="265" r:id="rId9"/>
+    <p:sldId id="266" r:id="rId10"/>
+    <p:sldId id="268" r:id="rId11"/>
+    <p:sldId id="269" r:id="rId12"/>
+    <p:sldId id="273" r:id="rId13"/>
+    <p:sldId id="270" r:id="rId14"/>
+    <p:sldId id="271" r:id="rId15"/>
+    <p:sldId id="272" r:id="rId16"/>
   </p:sldIdLst>
   <p:sldSz cx="12192000" cy="6858000"/>
   <p:notesSz cx="6858000" cy="9144000"/>
@@ -256,7 +257,7 @@
           <a:p>
             <a:fld id="{7043625E-8BC0-46E2-A81F-24B9F552ACCE}" type="datetimeFigureOut">
               <a:rPr lang="ko-KR" altLang="en-US" smtClean="0"/>
-              <a:t>2015-01-08</a:t>
+              <a:t>2015-01-12</a:t>
             </a:fld>
             <a:endParaRPr lang="ko-KR" altLang="en-US"/>
           </a:p>
@@ -426,7 +427,7 @@
           <a:p>
             <a:fld id="{7043625E-8BC0-46E2-A81F-24B9F552ACCE}" type="datetimeFigureOut">
               <a:rPr lang="ko-KR" altLang="en-US" smtClean="0"/>
-              <a:t>2015-01-08</a:t>
+              <a:t>2015-01-12</a:t>
             </a:fld>
             <a:endParaRPr lang="ko-KR" altLang="en-US"/>
           </a:p>
@@ -606,7 +607,7 @@
           <a:p>
             <a:fld id="{7043625E-8BC0-46E2-A81F-24B9F552ACCE}" type="datetimeFigureOut">
               <a:rPr lang="ko-KR" altLang="en-US" smtClean="0"/>
-              <a:t>2015-01-08</a:t>
+              <a:t>2015-01-12</a:t>
             </a:fld>
             <a:endParaRPr lang="ko-KR" altLang="en-US"/>
           </a:p>
@@ -776,7 +777,7 @@
           <a:p>
             <a:fld id="{7043625E-8BC0-46E2-A81F-24B9F552ACCE}" type="datetimeFigureOut">
               <a:rPr lang="ko-KR" altLang="en-US" smtClean="0"/>
-              <a:t>2015-01-08</a:t>
+              <a:t>2015-01-12</a:t>
             </a:fld>
             <a:endParaRPr lang="ko-KR" altLang="en-US"/>
           </a:p>
@@ -1022,7 +1023,7 @@
           <a:p>
             <a:fld id="{7043625E-8BC0-46E2-A81F-24B9F552ACCE}" type="datetimeFigureOut">
               <a:rPr lang="ko-KR" altLang="en-US" smtClean="0"/>
-              <a:t>2015-01-08</a:t>
+              <a:t>2015-01-12</a:t>
             </a:fld>
             <a:endParaRPr lang="ko-KR" altLang="en-US"/>
           </a:p>
@@ -1254,7 +1255,7 @@
           <a:p>
             <a:fld id="{7043625E-8BC0-46E2-A81F-24B9F552ACCE}" type="datetimeFigureOut">
               <a:rPr lang="ko-KR" altLang="en-US" smtClean="0"/>
-              <a:t>2015-01-08</a:t>
+              <a:t>2015-01-12</a:t>
             </a:fld>
             <a:endParaRPr lang="ko-KR" altLang="en-US"/>
           </a:p>
@@ -1621,7 +1622,7 @@
           <a:p>
             <a:fld id="{7043625E-8BC0-46E2-A81F-24B9F552ACCE}" type="datetimeFigureOut">
               <a:rPr lang="ko-KR" altLang="en-US" smtClean="0"/>
-              <a:t>2015-01-08</a:t>
+              <a:t>2015-01-12</a:t>
             </a:fld>
             <a:endParaRPr lang="ko-KR" altLang="en-US"/>
           </a:p>
@@ -1739,7 +1740,7 @@
           <a:p>
             <a:fld id="{7043625E-8BC0-46E2-A81F-24B9F552ACCE}" type="datetimeFigureOut">
               <a:rPr lang="ko-KR" altLang="en-US" smtClean="0"/>
-              <a:t>2015-01-08</a:t>
+              <a:t>2015-01-12</a:t>
             </a:fld>
             <a:endParaRPr lang="ko-KR" altLang="en-US"/>
           </a:p>
@@ -1834,7 +1835,7 @@
           <a:p>
             <a:fld id="{7043625E-8BC0-46E2-A81F-24B9F552ACCE}" type="datetimeFigureOut">
               <a:rPr lang="ko-KR" altLang="en-US" smtClean="0"/>
-              <a:t>2015-01-08</a:t>
+              <a:t>2015-01-12</a:t>
             </a:fld>
             <a:endParaRPr lang="ko-KR" altLang="en-US"/>
           </a:p>
@@ -2111,7 +2112,7 @@
           <a:p>
             <a:fld id="{7043625E-8BC0-46E2-A81F-24B9F552ACCE}" type="datetimeFigureOut">
               <a:rPr lang="ko-KR" altLang="en-US" smtClean="0"/>
-              <a:t>2015-01-08</a:t>
+              <a:t>2015-01-12</a:t>
             </a:fld>
             <a:endParaRPr lang="ko-KR" altLang="en-US"/>
           </a:p>
@@ -2364,7 +2365,7 @@
           <a:p>
             <a:fld id="{7043625E-8BC0-46E2-A81F-24B9F552ACCE}" type="datetimeFigureOut">
               <a:rPr lang="ko-KR" altLang="en-US" smtClean="0"/>
-              <a:t>2015-01-08</a:t>
+              <a:t>2015-01-12</a:t>
             </a:fld>
             <a:endParaRPr lang="ko-KR" altLang="en-US"/>
           </a:p>
@@ -2577,7 +2578,7 @@
           <a:p>
             <a:fld id="{7043625E-8BC0-46E2-A81F-24B9F552ACCE}" type="datetimeFigureOut">
               <a:rPr lang="ko-KR" altLang="en-US" smtClean="0"/>
-              <a:t>2015-01-08</a:t>
+              <a:t>2015-01-12</a:t>
             </a:fld>
             <a:endParaRPr lang="ko-KR" altLang="en-US"/>
           </a:p>
@@ -3974,14 +3975,14 @@
           <p:nvPr>
             <p:extLst>
               <p:ext uri="{D42A27DB-BD31-4B8C-83A1-F6EECF244321}">
-                <p14:modId xmlns:p14="http://schemas.microsoft.com/office/powerpoint/2010/main" val="135503863"/>
+                <p14:modId xmlns:p14="http://schemas.microsoft.com/office/powerpoint/2010/main" val="1172517578"/>
               </p:ext>
             </p:extLst>
           </p:nvPr>
         </p:nvGraphicFramePr>
         <p:xfrm>
           <a:off x="6392332" y="719664"/>
-          <a:ext cx="4174068" cy="4172772"/>
+          <a:ext cx="4174068" cy="3007344"/>
         </p:xfrm>
         <a:graphic>
           <a:graphicData uri="http://schemas.openxmlformats.org/drawingml/2006/table">
@@ -4062,8 +4063,12 @@
                         <a:t>(</a:t>
                       </a:r>
                       <a:r>
+                        <a:rPr lang="ko-KR" altLang="en-US" dirty="0" err="1" smtClean="0"/>
+                        <a:t>싱글</a:t>
+                      </a:r>
+                      <a:r>
                         <a:rPr lang="ko-KR" altLang="en-US" dirty="0" smtClean="0"/>
-                        <a:t>랭킹보기</a:t>
+                        <a:t> 대결</a:t>
                       </a:r>
                       <a:r>
                         <a:rPr lang="en-US" altLang="ko-KR" dirty="0" smtClean="0"/>
@@ -4082,7 +4087,7 @@
                       <a:pPr algn="ctr" latinLnBrk="1"/>
                       <a:r>
                         <a:rPr lang="en-US" altLang="ko-KR" dirty="0" smtClean="0"/>
-                        <a:t>07-01-01</a:t>
+                        <a:t>06-01</a:t>
                       </a:r>
                       <a:endParaRPr lang="ko-KR" altLang="en-US" dirty="0"/>
                     </a:p>
@@ -4118,60 +4123,611 @@
                   <a:tcPr anchor="ctr"/>
                 </a:tc>
               </a:tr>
-              <a:tr h="1165428">
-                <a:tc>
-                  <a:txBody>
-                    <a:bodyPr/>
-                    <a:lstStyle/>
-                    <a:p>
-                      <a:pPr algn="ctr" latinLnBrk="1"/>
-                      <a:r>
-                        <a:rPr lang="ko-KR" altLang="en-US" dirty="0" smtClean="0"/>
-                        <a:t>스크롤 바</a:t>
-                      </a:r>
-                      <a:endParaRPr lang="ko-KR" altLang="en-US" dirty="0"/>
-                    </a:p>
-                  </a:txBody>
-                  <a:tcPr anchor="ctr"/>
-                </a:tc>
-                <a:tc>
-                  <a:txBody>
-                    <a:bodyPr/>
-                    <a:lstStyle/>
-                    <a:p>
-                      <a:pPr algn="ctr" latinLnBrk="1"/>
-                      <a:r>
-                        <a:rPr lang="ko-KR" altLang="en-US" dirty="0" smtClean="0"/>
-                        <a:t>친구 </a:t>
-                      </a:r>
-                      <a:r>
-                        <a:rPr lang="en-US" altLang="ko-KR" dirty="0" smtClean="0"/>
-                        <a:t>-&gt; </a:t>
-                      </a:r>
-                      <a:r>
-                        <a:rPr lang="ko-KR" altLang="en-US" dirty="0" smtClean="0"/>
-                        <a:t>다 보여</a:t>
-                      </a:r>
-                      <a:endParaRPr lang="en-US" altLang="ko-KR" dirty="0" smtClean="0"/>
-                    </a:p>
-                    <a:p>
-                      <a:pPr algn="ctr" latinLnBrk="1"/>
-                      <a:r>
-                        <a:rPr lang="ko-KR" altLang="en-US" dirty="0" smtClean="0"/>
-                        <a:t>세계 </a:t>
-                      </a:r>
-                      <a:r>
-                        <a:rPr lang="en-US" altLang="ko-KR" dirty="0" smtClean="0"/>
-                        <a:t>-&gt; 100</a:t>
-                      </a:r>
-                      <a:r>
-                        <a:rPr lang="ko-KR" altLang="en-US" dirty="0" smtClean="0"/>
-                        <a:t>위</a:t>
-                      </a:r>
-                      <a:endParaRPr lang="ko-KR" altLang="en-US" dirty="0"/>
-                    </a:p>
-                  </a:txBody>
-                  <a:tcPr anchor="ctr"/>
+            </a:tbl>
+          </a:graphicData>
+        </a:graphic>
+      </p:graphicFrame>
+      <p:graphicFrame>
+        <p:nvGraphicFramePr>
+          <p:cNvPr id="2" name="표 1"/>
+          <p:cNvGraphicFramePr>
+            <a:graphicFrameLocks noGrp="1"/>
+          </p:cNvGraphicFramePr>
+          <p:nvPr>
+            <p:extLst>
+              <p:ext uri="{D42A27DB-BD31-4B8C-83A1-F6EECF244321}">
+                <p14:modId xmlns:p14="http://schemas.microsoft.com/office/powerpoint/2010/main" val="3083913414"/>
+              </p:ext>
+            </p:extLst>
+          </p:nvPr>
+        </p:nvGraphicFramePr>
+        <p:xfrm>
+          <a:off x="1058334" y="1447802"/>
+          <a:ext cx="4445000" cy="4478865"/>
+        </p:xfrm>
+        <a:graphic>
+          <a:graphicData uri="http://schemas.openxmlformats.org/drawingml/2006/table">
+            <a:tbl>
+              <a:tblPr>
+                <a:tableStyleId>{21E4AEA4-8DFA-4A89-87EB-49C32662AFE0}</a:tableStyleId>
+              </a:tblPr>
+              <a:tblGrid>
+                <a:gridCol w="889000"/>
+                <a:gridCol w="889000"/>
+                <a:gridCol w="889000"/>
+                <a:gridCol w="889000"/>
+                <a:gridCol w="889000"/>
+              </a:tblGrid>
+              <a:tr h="895773">
+                <a:tc>
+                  <a:txBody>
+                    <a:bodyPr/>
+                    <a:lstStyle/>
+                    <a:p>
+                      <a:pPr latinLnBrk="1"/>
+                      <a:endParaRPr lang="ko-KR" altLang="en-US" dirty="0"/>
+                    </a:p>
+                  </a:txBody>
+                  <a:tcPr>
+                    <a:lnL w="12700" cap="flat" cmpd="sng" algn="ctr">
+                      <a:solidFill>
+                        <a:schemeClr val="tx1"/>
+                      </a:solidFill>
+                      <a:prstDash val="solid"/>
+                      <a:round/>
+                      <a:headEnd type="none" w="med" len="med"/>
+                      <a:tailEnd type="none" w="med" len="med"/>
+                    </a:lnL>
+                    <a:lnT w="12700" cap="flat" cmpd="sng" algn="ctr">
+                      <a:solidFill>
+                        <a:schemeClr val="tx1"/>
+                      </a:solidFill>
+                      <a:prstDash val="solid"/>
+                      <a:round/>
+                      <a:headEnd type="none" w="med" len="med"/>
+                      <a:tailEnd type="none" w="med" len="med"/>
+                    </a:lnT>
+                    <a:solidFill>
+                      <a:schemeClr val="tx1"/>
+                    </a:solidFill>
+                  </a:tcPr>
+                </a:tc>
+                <a:tc>
+                  <a:txBody>
+                    <a:bodyPr/>
+                    <a:lstStyle/>
+                    <a:p>
+                      <a:pPr latinLnBrk="1"/>
+                      <a:endParaRPr lang="ko-KR" altLang="en-US" dirty="0"/>
+                    </a:p>
+                  </a:txBody>
+                  <a:tcPr>
+                    <a:lnT w="12700" cap="flat" cmpd="sng" algn="ctr">
+                      <a:solidFill>
+                        <a:schemeClr val="tx1"/>
+                      </a:solidFill>
+                      <a:prstDash val="solid"/>
+                      <a:round/>
+                      <a:headEnd type="none" w="med" len="med"/>
+                      <a:tailEnd type="none" w="med" len="med"/>
+                    </a:lnT>
+                    <a:solidFill>
+                      <a:schemeClr val="bg1"/>
+                    </a:solidFill>
+                  </a:tcPr>
+                </a:tc>
+                <a:tc>
+                  <a:txBody>
+                    <a:bodyPr/>
+                    <a:lstStyle/>
+                    <a:p>
+                      <a:pPr latinLnBrk="1"/>
+                      <a:endParaRPr lang="ko-KR" altLang="en-US" dirty="0"/>
+                    </a:p>
+                  </a:txBody>
+                  <a:tcPr>
+                    <a:lnT w="12700" cap="flat" cmpd="sng" algn="ctr">
+                      <a:solidFill>
+                        <a:schemeClr val="tx1"/>
+                      </a:solidFill>
+                      <a:prstDash val="solid"/>
+                      <a:round/>
+                      <a:headEnd type="none" w="med" len="med"/>
+                      <a:tailEnd type="none" w="med" len="med"/>
+                    </a:lnT>
+                    <a:solidFill>
+                      <a:schemeClr val="tx1"/>
+                    </a:solidFill>
+                  </a:tcPr>
+                </a:tc>
+                <a:tc>
+                  <a:txBody>
+                    <a:bodyPr/>
+                    <a:lstStyle/>
+                    <a:p>
+                      <a:pPr latinLnBrk="1"/>
+                      <a:endParaRPr lang="ko-KR" altLang="en-US" dirty="0"/>
+                    </a:p>
+                  </a:txBody>
+                  <a:tcPr>
+                    <a:lnT w="12700" cap="flat" cmpd="sng" algn="ctr">
+                      <a:solidFill>
+                        <a:schemeClr val="tx1"/>
+                      </a:solidFill>
+                      <a:prstDash val="solid"/>
+                      <a:round/>
+                      <a:headEnd type="none" w="med" len="med"/>
+                      <a:tailEnd type="none" w="med" len="med"/>
+                    </a:lnT>
+                    <a:solidFill>
+                      <a:schemeClr val="bg1"/>
+                    </a:solidFill>
+                  </a:tcPr>
+                </a:tc>
+                <a:tc>
+                  <a:txBody>
+                    <a:bodyPr/>
+                    <a:lstStyle/>
+                    <a:p>
+                      <a:pPr latinLnBrk="1"/>
+                      <a:endParaRPr lang="ko-KR" altLang="en-US" dirty="0"/>
+                    </a:p>
+                  </a:txBody>
+                  <a:tcPr>
+                    <a:lnR w="12700" cap="flat" cmpd="sng" algn="ctr">
+                      <a:solidFill>
+                        <a:schemeClr val="tx1"/>
+                      </a:solidFill>
+                      <a:prstDash val="solid"/>
+                      <a:round/>
+                      <a:headEnd type="none" w="med" len="med"/>
+                      <a:tailEnd type="none" w="med" len="med"/>
+                    </a:lnR>
+                    <a:lnT w="12700" cap="flat" cmpd="sng" algn="ctr">
+                      <a:solidFill>
+                        <a:schemeClr val="tx1"/>
+                      </a:solidFill>
+                      <a:prstDash val="solid"/>
+                      <a:round/>
+                      <a:headEnd type="none" w="med" len="med"/>
+                      <a:tailEnd type="none" w="med" len="med"/>
+                    </a:lnT>
+                    <a:solidFill>
+                      <a:schemeClr val="tx1"/>
+                    </a:solidFill>
+                  </a:tcPr>
+                </a:tc>
+              </a:tr>
+              <a:tr h="895773">
+                <a:tc>
+                  <a:txBody>
+                    <a:bodyPr/>
+                    <a:lstStyle/>
+                    <a:p>
+                      <a:pPr latinLnBrk="1"/>
+                      <a:endParaRPr lang="ko-KR" altLang="en-US" dirty="0"/>
+                    </a:p>
+                  </a:txBody>
+                  <a:tcPr>
+                    <a:lnL w="12700" cap="flat" cmpd="sng" algn="ctr">
+                      <a:solidFill>
+                        <a:schemeClr val="tx1"/>
+                      </a:solidFill>
+                      <a:prstDash val="solid"/>
+                      <a:round/>
+                      <a:headEnd type="none" w="med" len="med"/>
+                      <a:tailEnd type="none" w="med" len="med"/>
+                    </a:lnL>
+                    <a:solidFill>
+                      <a:schemeClr val="bg1"/>
+                    </a:solidFill>
+                  </a:tcPr>
+                </a:tc>
+                <a:tc>
+                  <a:txBody>
+                    <a:bodyPr/>
+                    <a:lstStyle/>
+                    <a:p>
+                      <a:pPr latinLnBrk="1"/>
+                      <a:endParaRPr lang="ko-KR" altLang="en-US" sz="1800" kern="1200" dirty="0">
+                        <a:solidFill>
+                          <a:schemeClr val="dk1"/>
+                        </a:solidFill>
+                        <a:latin typeface="+mn-lt"/>
+                        <a:ea typeface="+mn-ea"/>
+                        <a:cs typeface="+mn-cs"/>
+                      </a:endParaRPr>
+                    </a:p>
+                  </a:txBody>
+                  <a:tcPr>
+                    <a:solidFill>
+                      <a:schemeClr val="tx1"/>
+                    </a:solidFill>
+                  </a:tcPr>
+                </a:tc>
+                <a:tc>
+                  <a:txBody>
+                    <a:bodyPr/>
+                    <a:lstStyle/>
+                    <a:p>
+                      <a:pPr latinLnBrk="1"/>
+                      <a:endParaRPr lang="ko-KR" altLang="en-US" dirty="0"/>
+                    </a:p>
+                  </a:txBody>
+                  <a:tcPr>
+                    <a:solidFill>
+                      <a:schemeClr val="bg1"/>
+                    </a:solidFill>
+                  </a:tcPr>
+                </a:tc>
+                <a:tc>
+                  <a:txBody>
+                    <a:bodyPr/>
+                    <a:lstStyle/>
+                    <a:p>
+                      <a:pPr latinLnBrk="1"/>
+                      <a:endParaRPr lang="ko-KR" altLang="en-US" dirty="0"/>
+                    </a:p>
+                  </a:txBody>
+                  <a:tcPr>
+                    <a:solidFill>
+                      <a:schemeClr val="tx1"/>
+                    </a:solidFill>
+                  </a:tcPr>
+                </a:tc>
+                <a:tc>
+                  <a:txBody>
+                    <a:bodyPr/>
+                    <a:lstStyle/>
+                    <a:p>
+                      <a:pPr latinLnBrk="1"/>
+                      <a:endParaRPr lang="ko-KR" altLang="en-US" dirty="0"/>
+                    </a:p>
+                  </a:txBody>
+                  <a:tcPr>
+                    <a:lnR w="12700" cap="flat" cmpd="sng" algn="ctr">
+                      <a:solidFill>
+                        <a:schemeClr val="tx1"/>
+                      </a:solidFill>
+                      <a:prstDash val="solid"/>
+                      <a:round/>
+                      <a:headEnd type="none" w="med" len="med"/>
+                      <a:tailEnd type="none" w="med" len="med"/>
+                    </a:lnR>
+                    <a:solidFill>
+                      <a:schemeClr val="bg1"/>
+                    </a:solidFill>
+                  </a:tcPr>
+                </a:tc>
+              </a:tr>
+              <a:tr h="895773">
+                <a:tc>
+                  <a:txBody>
+                    <a:bodyPr/>
+                    <a:lstStyle/>
+                    <a:p>
+                      <a:pPr latinLnBrk="1"/>
+                      <a:endParaRPr lang="ko-KR" altLang="en-US" dirty="0"/>
+                    </a:p>
+                  </a:txBody>
+                  <a:tcPr>
+                    <a:lnL w="12700" cap="flat" cmpd="sng" algn="ctr">
+                      <a:solidFill>
+                        <a:schemeClr val="tx1"/>
+                      </a:solidFill>
+                      <a:prstDash val="solid"/>
+                      <a:round/>
+                      <a:headEnd type="none" w="med" len="med"/>
+                      <a:tailEnd type="none" w="med" len="med"/>
+                    </a:lnL>
+                    <a:solidFill>
+                      <a:schemeClr val="tx1"/>
+                    </a:solidFill>
+                  </a:tcPr>
+                </a:tc>
+                <a:tc>
+                  <a:txBody>
+                    <a:bodyPr/>
+                    <a:lstStyle/>
+                    <a:p>
+                      <a:pPr latinLnBrk="1"/>
+                      <a:endParaRPr lang="ko-KR" altLang="en-US" dirty="0"/>
+                    </a:p>
+                  </a:txBody>
+                  <a:tcPr>
+                    <a:solidFill>
+                      <a:schemeClr val="bg1"/>
+                    </a:solidFill>
+                  </a:tcPr>
+                </a:tc>
+                <a:tc>
+                  <a:txBody>
+                    <a:bodyPr/>
+                    <a:lstStyle/>
+                    <a:p>
+                      <a:pPr latinLnBrk="1"/>
+                      <a:endParaRPr lang="ko-KR" altLang="en-US" dirty="0"/>
+                    </a:p>
+                  </a:txBody>
+                  <a:tcPr>
+                    <a:solidFill>
+                      <a:schemeClr val="tx1"/>
+                    </a:solidFill>
+                  </a:tcPr>
+                </a:tc>
+                <a:tc>
+                  <a:txBody>
+                    <a:bodyPr/>
+                    <a:lstStyle/>
+                    <a:p>
+                      <a:pPr latinLnBrk="1"/>
+                      <a:endParaRPr lang="ko-KR" altLang="en-US" dirty="0"/>
+                    </a:p>
+                  </a:txBody>
+                  <a:tcPr>
+                    <a:solidFill>
+                      <a:schemeClr val="bg1"/>
+                    </a:solidFill>
+                  </a:tcPr>
+                </a:tc>
+                <a:tc>
+                  <a:txBody>
+                    <a:bodyPr/>
+                    <a:lstStyle/>
+                    <a:p>
+                      <a:pPr latinLnBrk="1"/>
+                      <a:endParaRPr lang="ko-KR" altLang="en-US" dirty="0"/>
+                    </a:p>
+                  </a:txBody>
+                  <a:tcPr>
+                    <a:lnR w="12700" cap="flat" cmpd="sng" algn="ctr">
+                      <a:solidFill>
+                        <a:schemeClr val="tx1"/>
+                      </a:solidFill>
+                      <a:prstDash val="solid"/>
+                      <a:round/>
+                      <a:headEnd type="none" w="med" len="med"/>
+                      <a:tailEnd type="none" w="med" len="med"/>
+                    </a:lnR>
+                    <a:solidFill>
+                      <a:schemeClr val="tx1"/>
+                    </a:solidFill>
+                  </a:tcPr>
+                </a:tc>
+              </a:tr>
+              <a:tr h="895773">
+                <a:tc>
+                  <a:txBody>
+                    <a:bodyPr/>
+                    <a:lstStyle/>
+                    <a:p>
+                      <a:pPr latinLnBrk="1"/>
+                      <a:endParaRPr lang="ko-KR" altLang="en-US" dirty="0"/>
+                    </a:p>
+                  </a:txBody>
+                  <a:tcPr>
+                    <a:lnL w="12700" cap="flat" cmpd="sng" algn="ctr">
+                      <a:solidFill>
+                        <a:schemeClr val="tx1"/>
+                      </a:solidFill>
+                      <a:prstDash val="solid"/>
+                      <a:round/>
+                      <a:headEnd type="none" w="med" len="med"/>
+                      <a:tailEnd type="none" w="med" len="med"/>
+                    </a:lnL>
+                    <a:solidFill>
+                      <a:schemeClr val="bg1"/>
+                    </a:solidFill>
+                  </a:tcPr>
+                </a:tc>
+                <a:tc>
+                  <a:txBody>
+                    <a:bodyPr/>
+                    <a:lstStyle/>
+                    <a:p>
+                      <a:pPr latinLnBrk="1"/>
+                      <a:endParaRPr lang="ko-KR" altLang="en-US" dirty="0"/>
+                    </a:p>
+                  </a:txBody>
+                  <a:tcPr>
+                    <a:solidFill>
+                      <a:schemeClr val="tx1"/>
+                    </a:solidFill>
+                  </a:tcPr>
+                </a:tc>
+                <a:tc>
+                  <a:txBody>
+                    <a:bodyPr/>
+                    <a:lstStyle/>
+                    <a:p>
+                      <a:pPr latinLnBrk="1"/>
+                      <a:endParaRPr lang="ko-KR" altLang="en-US" dirty="0"/>
+                    </a:p>
+                  </a:txBody>
+                  <a:tcPr>
+                    <a:solidFill>
+                      <a:schemeClr val="bg1"/>
+                    </a:solidFill>
+                  </a:tcPr>
+                </a:tc>
+                <a:tc>
+                  <a:txBody>
+                    <a:bodyPr/>
+                    <a:lstStyle/>
+                    <a:p>
+                      <a:pPr latinLnBrk="1"/>
+                      <a:endParaRPr lang="ko-KR" altLang="en-US" dirty="0"/>
+                    </a:p>
+                  </a:txBody>
+                  <a:tcPr>
+                    <a:solidFill>
+                      <a:schemeClr val="tx1"/>
+                    </a:solidFill>
+                  </a:tcPr>
+                </a:tc>
+                <a:tc>
+                  <a:txBody>
+                    <a:bodyPr/>
+                    <a:lstStyle/>
+                    <a:p>
+                      <a:pPr latinLnBrk="1"/>
+                      <a:endParaRPr lang="ko-KR" altLang="en-US" dirty="0"/>
+                    </a:p>
+                  </a:txBody>
+                  <a:tcPr>
+                    <a:lnR w="12700" cap="flat" cmpd="sng" algn="ctr">
+                      <a:solidFill>
+                        <a:schemeClr val="tx1"/>
+                      </a:solidFill>
+                      <a:prstDash val="solid"/>
+                      <a:round/>
+                      <a:headEnd type="none" w="med" len="med"/>
+                      <a:tailEnd type="none" w="med" len="med"/>
+                    </a:lnR>
+                    <a:solidFill>
+                      <a:schemeClr val="bg1"/>
+                    </a:solidFill>
+                  </a:tcPr>
+                </a:tc>
+              </a:tr>
+              <a:tr h="895773">
+                <a:tc>
+                  <a:txBody>
+                    <a:bodyPr/>
+                    <a:lstStyle/>
+                    <a:p>
+                      <a:pPr latinLnBrk="1"/>
+                      <a:endParaRPr lang="ko-KR" altLang="en-US" dirty="0"/>
+                    </a:p>
+                  </a:txBody>
+                  <a:tcPr>
+                    <a:lnL w="12700" cap="flat" cmpd="sng" algn="ctr">
+                      <a:solidFill>
+                        <a:schemeClr val="tx1"/>
+                      </a:solidFill>
+                      <a:prstDash val="solid"/>
+                      <a:round/>
+                      <a:headEnd type="none" w="med" len="med"/>
+                      <a:tailEnd type="none" w="med" len="med"/>
+                    </a:lnL>
+                    <a:lnB w="12700" cap="flat" cmpd="sng" algn="ctr">
+                      <a:solidFill>
+                        <a:schemeClr val="tx1"/>
+                      </a:solidFill>
+                      <a:prstDash val="solid"/>
+                      <a:round/>
+                      <a:headEnd type="none" w="med" len="med"/>
+                      <a:tailEnd type="none" w="med" len="med"/>
+                    </a:lnB>
+                    <a:solidFill>
+                      <a:schemeClr val="tx1"/>
+                    </a:solidFill>
+                  </a:tcPr>
+                </a:tc>
+                <a:tc>
+                  <a:txBody>
+                    <a:bodyPr/>
+                    <a:lstStyle/>
+                    <a:p>
+                      <a:pPr latinLnBrk="1"/>
+                      <a:endParaRPr lang="ko-KR" altLang="en-US" dirty="0"/>
+                    </a:p>
+                  </a:txBody>
+                  <a:tcPr>
+                    <a:lnB w="12700" cap="flat" cmpd="sng" algn="ctr">
+                      <a:solidFill>
+                        <a:schemeClr val="tx1"/>
+                      </a:solidFill>
+                      <a:prstDash val="solid"/>
+                      <a:round/>
+                      <a:headEnd type="none" w="med" len="med"/>
+                      <a:tailEnd type="none" w="med" len="med"/>
+                    </a:lnB>
+                    <a:solidFill>
+                      <a:schemeClr val="bg1"/>
+                    </a:solidFill>
+                  </a:tcPr>
+                </a:tc>
+                <a:tc>
+                  <a:txBody>
+                    <a:bodyPr/>
+                    <a:lstStyle/>
+                    <a:p>
+                      <a:pPr latinLnBrk="1"/>
+                      <a:endParaRPr lang="ko-KR" altLang="en-US" dirty="0"/>
+                    </a:p>
+                  </a:txBody>
+                  <a:tcPr>
+                    <a:lnB w="12700" cap="flat" cmpd="sng" algn="ctr">
+                      <a:solidFill>
+                        <a:schemeClr val="tx1"/>
+                      </a:solidFill>
+                      <a:prstDash val="solid"/>
+                      <a:round/>
+                      <a:headEnd type="none" w="med" len="med"/>
+                      <a:tailEnd type="none" w="med" len="med"/>
+                    </a:lnB>
+                    <a:solidFill>
+                      <a:schemeClr val="tx1"/>
+                    </a:solidFill>
+                  </a:tcPr>
+                </a:tc>
+                <a:tc>
+                  <a:txBody>
+                    <a:bodyPr/>
+                    <a:lstStyle/>
+                    <a:p>
+                      <a:pPr latinLnBrk="1"/>
+                      <a:endParaRPr lang="ko-KR" altLang="en-US" dirty="0"/>
+                    </a:p>
+                  </a:txBody>
+                  <a:tcPr>
+                    <a:lnB w="12700" cap="flat" cmpd="sng" algn="ctr">
+                      <a:solidFill>
+                        <a:schemeClr val="tx1"/>
+                      </a:solidFill>
+                      <a:prstDash val="solid"/>
+                      <a:round/>
+                      <a:headEnd type="none" w="med" len="med"/>
+                      <a:tailEnd type="none" w="med" len="med"/>
+                    </a:lnB>
+                    <a:solidFill>
+                      <a:schemeClr val="bg1"/>
+                    </a:solidFill>
+                  </a:tcPr>
+                </a:tc>
+                <a:tc>
+                  <a:txBody>
+                    <a:bodyPr/>
+                    <a:lstStyle/>
+                    <a:p>
+                      <a:pPr latinLnBrk="1"/>
+                      <a:endParaRPr lang="ko-KR" altLang="en-US" dirty="0"/>
+                    </a:p>
+                  </a:txBody>
+                  <a:tcPr>
+                    <a:lnR w="12700" cap="flat" cmpd="sng" algn="ctr">
+                      <a:solidFill>
+                        <a:schemeClr val="tx1"/>
+                      </a:solidFill>
+                      <a:prstDash val="solid"/>
+                      <a:round/>
+                      <a:headEnd type="none" w="med" len="med"/>
+                      <a:tailEnd type="none" w="med" len="med"/>
+                    </a:lnR>
+                    <a:lnB w="12700" cap="flat" cmpd="sng" algn="ctr">
+                      <a:solidFill>
+                        <a:schemeClr val="tx1"/>
+                      </a:solidFill>
+                      <a:prstDash val="solid"/>
+                      <a:round/>
+                      <a:headEnd type="none" w="med" len="med"/>
+                      <a:tailEnd type="none" w="med" len="med"/>
+                    </a:lnB>
+                    <a:solidFill>
+                      <a:schemeClr val="tx1"/>
+                    </a:solidFill>
+                  </a:tcPr>
                 </a:tc>
               </a:tr>
             </a:tbl>
@@ -4180,18 +4736,418 @@
       </p:graphicFrame>
       <p:sp>
         <p:nvSpPr>
-          <p:cNvPr id="6" name="모서리가 둥근 직사각형 5"/>
+          <p:cNvPr id="8" name="TextBox 7"/>
+          <p:cNvSpPr txBox="1"/>
+          <p:nvPr/>
+        </p:nvSpPr>
+        <p:spPr>
+          <a:xfrm>
+            <a:off x="1134534" y="5283201"/>
+            <a:ext cx="671209" cy="369332"/>
+          </a:xfrm>
+          <a:prstGeom prst="rect">
+            <a:avLst/>
+          </a:prstGeom>
+          <a:noFill/>
+        </p:spPr>
+        <p:txBody>
+          <a:bodyPr wrap="none" rtlCol="0">
+            <a:spAutoFit/>
+          </a:bodyPr>
+          <a:lstStyle/>
+          <a:p>
+            <a:r>
+              <a:rPr lang="en-US" altLang="ko-KR" dirty="0" smtClean="0">
+                <a:solidFill>
+                  <a:schemeClr val="bg1"/>
+                </a:solidFill>
+              </a:rPr>
+              <a:t>Start</a:t>
+            </a:r>
+            <a:endParaRPr lang="ko-KR" altLang="en-US" dirty="0">
+              <a:solidFill>
+                <a:schemeClr val="bg1"/>
+              </a:solidFill>
+            </a:endParaRPr>
+          </a:p>
+        </p:txBody>
+      </p:sp>
+      <p:sp>
+        <p:nvSpPr>
+          <p:cNvPr id="18" name="TextBox 17"/>
+          <p:cNvSpPr txBox="1"/>
+          <p:nvPr/>
+        </p:nvSpPr>
+        <p:spPr>
+          <a:xfrm>
+            <a:off x="4733305" y="1676401"/>
+            <a:ext cx="657488" cy="369332"/>
+          </a:xfrm>
+          <a:prstGeom prst="rect">
+            <a:avLst/>
+          </a:prstGeom>
+          <a:noFill/>
+        </p:spPr>
+        <p:txBody>
+          <a:bodyPr wrap="none" rtlCol="0">
+            <a:spAutoFit/>
+          </a:bodyPr>
+          <a:lstStyle/>
+          <a:p>
+            <a:r>
+              <a:rPr lang="en-US" altLang="ko-KR" dirty="0" smtClean="0">
+                <a:solidFill>
+                  <a:schemeClr val="bg1"/>
+                </a:solidFill>
+              </a:rPr>
+              <a:t>Goal</a:t>
+            </a:r>
+            <a:endParaRPr lang="ko-KR" altLang="en-US" dirty="0">
+              <a:solidFill>
+                <a:schemeClr val="bg1"/>
+              </a:solidFill>
+            </a:endParaRPr>
+          </a:p>
+        </p:txBody>
+      </p:sp>
+      <p:sp>
+        <p:nvSpPr>
+          <p:cNvPr id="27" name="TextBox 26"/>
+          <p:cNvSpPr txBox="1"/>
+          <p:nvPr/>
+        </p:nvSpPr>
+        <p:spPr>
+          <a:xfrm>
+            <a:off x="999066" y="536996"/>
+            <a:ext cx="1127937" cy="276999"/>
+          </a:xfrm>
+          <a:prstGeom prst="rect">
+            <a:avLst/>
+          </a:prstGeom>
+          <a:noFill/>
+        </p:spPr>
+        <p:txBody>
+          <a:bodyPr wrap="none" rtlCol="0">
+            <a:spAutoFit/>
+          </a:bodyPr>
+          <a:lstStyle/>
+          <a:p>
+            <a:r>
+              <a:rPr lang="en-US" altLang="ko-KR" sz="1200" dirty="0" smtClean="0"/>
+              <a:t>shfksekdrms2</a:t>
+            </a:r>
+            <a:endParaRPr lang="ko-KR" altLang="en-US" sz="1200" dirty="0"/>
+          </a:p>
+        </p:txBody>
+      </p:sp>
+      <p:grpSp>
+        <p:nvGrpSpPr>
+          <p:cNvPr id="38" name="그룹 37"/>
+          <p:cNvGrpSpPr/>
+          <p:nvPr/>
+        </p:nvGrpSpPr>
+        <p:grpSpPr>
+          <a:xfrm>
+            <a:off x="827185" y="4715791"/>
+            <a:ext cx="614697" cy="832639"/>
+            <a:chOff x="3641927" y="4001840"/>
+            <a:chExt cx="614697" cy="832639"/>
+          </a:xfrm>
+        </p:grpSpPr>
+        <p:grpSp>
+          <p:nvGrpSpPr>
+            <p:cNvPr id="31" name="그룹 30"/>
+            <p:cNvGrpSpPr/>
+            <p:nvPr/>
+          </p:nvGrpSpPr>
+          <p:grpSpPr>
+            <a:xfrm>
+              <a:off x="3641927" y="4001840"/>
+              <a:ext cx="614697" cy="614697"/>
+              <a:chOff x="3701193" y="4021663"/>
+              <a:chExt cx="614697" cy="614697"/>
+            </a:xfrm>
+          </p:grpSpPr>
+          <p:sp>
+            <p:nvSpPr>
+              <p:cNvPr id="26" name="타원 25"/>
+              <p:cNvSpPr/>
+              <p:nvPr/>
+            </p:nvSpPr>
+            <p:spPr>
+              <a:xfrm>
+                <a:off x="3701193" y="4021663"/>
+                <a:ext cx="614697" cy="614697"/>
+              </a:xfrm>
+              <a:prstGeom prst="ellipse">
+                <a:avLst/>
+              </a:prstGeom>
+            </p:spPr>
+            <p:style>
+              <a:lnRef idx="2">
+                <a:schemeClr val="accent1">
+                  <a:shade val="50000"/>
+                </a:schemeClr>
+              </a:lnRef>
+              <a:fillRef idx="1">
+                <a:schemeClr val="accent1"/>
+              </a:fillRef>
+              <a:effectRef idx="0">
+                <a:schemeClr val="accent1"/>
+              </a:effectRef>
+              <a:fontRef idx="minor">
+                <a:schemeClr val="lt1"/>
+              </a:fontRef>
+            </p:style>
+            <p:txBody>
+              <a:bodyPr rtlCol="0" anchor="ctr"/>
+              <a:lstStyle/>
+              <a:p>
+                <a:pPr algn="ctr"/>
+                <a:endParaRPr lang="ko-KR" altLang="en-US" sz="1000" dirty="0"/>
+              </a:p>
+            </p:txBody>
+          </p:sp>
+          <p:sp>
+            <p:nvSpPr>
+              <p:cNvPr id="29" name="TextBox 28"/>
+              <p:cNvSpPr txBox="1"/>
+              <p:nvPr/>
+            </p:nvSpPr>
+            <p:spPr>
+              <a:xfrm>
+                <a:off x="3762319" y="4190511"/>
+                <a:ext cx="492443" cy="276999"/>
+              </a:xfrm>
+              <a:prstGeom prst="rect">
+                <a:avLst/>
+              </a:prstGeom>
+              <a:noFill/>
+            </p:spPr>
+            <p:txBody>
+              <a:bodyPr wrap="none" rtlCol="0">
+                <a:spAutoFit/>
+              </a:bodyPr>
+              <a:lstStyle/>
+              <a:p>
+                <a:r>
+                  <a:rPr lang="ko-KR" altLang="en-US" sz="1200" dirty="0" smtClean="0">
+                    <a:solidFill>
+                      <a:schemeClr val="bg1"/>
+                    </a:solidFill>
+                  </a:rPr>
+                  <a:t>사진</a:t>
+                </a:r>
+                <a:endParaRPr lang="ko-KR" altLang="en-US" sz="1200" dirty="0">
+                  <a:solidFill>
+                    <a:schemeClr val="bg1"/>
+                  </a:solidFill>
+                </a:endParaRPr>
+              </a:p>
+            </p:txBody>
+          </p:sp>
+        </p:grpSp>
+        <p:sp>
+          <p:nvSpPr>
+            <p:cNvPr id="33" name="타원 32"/>
+            <p:cNvSpPr/>
+            <p:nvPr/>
+          </p:nvSpPr>
+          <p:spPr>
+            <a:xfrm>
+              <a:off x="3949274" y="4656183"/>
+              <a:ext cx="171647" cy="79573"/>
+            </a:xfrm>
+            <a:prstGeom prst="ellipse">
+              <a:avLst/>
+            </a:prstGeom>
+          </p:spPr>
+          <p:style>
+            <a:lnRef idx="2">
+              <a:schemeClr val="accent1">
+                <a:shade val="50000"/>
+              </a:schemeClr>
+            </a:lnRef>
+            <a:fillRef idx="1">
+              <a:schemeClr val="accent1"/>
+            </a:fillRef>
+            <a:effectRef idx="0">
+              <a:schemeClr val="accent1"/>
+            </a:effectRef>
+            <a:fontRef idx="minor">
+              <a:schemeClr val="lt1"/>
+            </a:fontRef>
+          </p:style>
+          <p:txBody>
+            <a:bodyPr rtlCol="0" anchor="ctr"/>
+            <a:lstStyle/>
+            <a:p>
+              <a:pPr algn="ctr"/>
+              <a:endParaRPr lang="ko-KR" altLang="en-US"/>
+            </a:p>
+          </p:txBody>
+        </p:sp>
+        <p:sp>
+          <p:nvSpPr>
+            <p:cNvPr id="34" name="타원 33"/>
+            <p:cNvSpPr/>
+            <p:nvPr/>
+          </p:nvSpPr>
+          <p:spPr>
+            <a:xfrm>
+              <a:off x="4101674" y="4788760"/>
+              <a:ext cx="80373" cy="45719"/>
+            </a:xfrm>
+            <a:prstGeom prst="ellipse">
+              <a:avLst/>
+            </a:prstGeom>
+          </p:spPr>
+          <p:style>
+            <a:lnRef idx="2">
+              <a:schemeClr val="accent1">
+                <a:shade val="50000"/>
+              </a:schemeClr>
+            </a:lnRef>
+            <a:fillRef idx="1">
+              <a:schemeClr val="accent1"/>
+            </a:fillRef>
+            <a:effectRef idx="0">
+              <a:schemeClr val="accent1"/>
+            </a:effectRef>
+            <a:fontRef idx="minor">
+              <a:schemeClr val="lt1"/>
+            </a:fontRef>
+          </p:style>
+          <p:txBody>
+            <a:bodyPr rtlCol="0" anchor="ctr"/>
+            <a:lstStyle/>
+            <a:p>
+              <a:pPr algn="ctr"/>
+              <a:endParaRPr lang="ko-KR" altLang="en-US"/>
+            </a:p>
+          </p:txBody>
+        </p:sp>
+      </p:grpSp>
+      <p:sp>
+        <p:nvSpPr>
+          <p:cNvPr id="10" name="TextBox 9"/>
+          <p:cNvSpPr txBox="1"/>
+          <p:nvPr/>
+        </p:nvSpPr>
+        <p:spPr>
+          <a:xfrm>
+            <a:off x="4372566" y="810166"/>
+            <a:ext cx="1058303" cy="369332"/>
+          </a:xfrm>
+          <a:prstGeom prst="rect">
+            <a:avLst/>
+          </a:prstGeom>
+          <a:noFill/>
+        </p:spPr>
+        <p:txBody>
+          <a:bodyPr wrap="none" rtlCol="0">
+            <a:spAutoFit/>
+          </a:bodyPr>
+          <a:lstStyle/>
+          <a:p>
+            <a:r>
+              <a:rPr lang="en-US" altLang="ko-KR" b="1" dirty="0" smtClean="0"/>
+              <a:t>Stage32</a:t>
+            </a:r>
+            <a:endParaRPr lang="ko-KR" altLang="en-US" b="1" dirty="0"/>
+          </a:p>
+        </p:txBody>
+      </p:sp>
+      <p:graphicFrame>
+        <p:nvGraphicFramePr>
+          <p:cNvPr id="11" name="표 10"/>
+          <p:cNvGraphicFramePr>
+            <a:graphicFrameLocks noGrp="1"/>
+          </p:cNvGraphicFramePr>
+          <p:nvPr>
+            <p:extLst>
+              <p:ext uri="{D42A27DB-BD31-4B8C-83A1-F6EECF244321}">
+                <p14:modId xmlns:p14="http://schemas.microsoft.com/office/powerpoint/2010/main" val="2340901612"/>
+              </p:ext>
+            </p:extLst>
+          </p:nvPr>
+        </p:nvGraphicFramePr>
+        <p:xfrm>
+          <a:off x="1050801" y="851007"/>
+          <a:ext cx="1023999" cy="459832"/>
+        </p:xfrm>
+        <a:graphic>
+          <a:graphicData uri="http://schemas.openxmlformats.org/drawingml/2006/table">
+            <a:tbl>
+              <a:tblPr firstRow="1">
+                <a:tableStyleId>{5C22544A-7EE6-4342-B048-85BDC9FD1C3A}</a:tableStyleId>
+              </a:tblPr>
+              <a:tblGrid>
+                <a:gridCol w="1023999"/>
+              </a:tblGrid>
+              <a:tr h="229916">
+                <a:tc>
+                  <a:txBody>
+                    <a:bodyPr/>
+                    <a:lstStyle/>
+                    <a:p>
+                      <a:pPr algn="ctr" latinLnBrk="1"/>
+                      <a:r>
+                        <a:rPr lang="ko-KR" altLang="en-US" sz="700" dirty="0" smtClean="0"/>
+                        <a:t>최고 전적</a:t>
+                      </a:r>
+                      <a:r>
+                        <a:rPr lang="en-US" altLang="ko-KR" sz="700" dirty="0" smtClean="0"/>
+                        <a:t>(</a:t>
+                      </a:r>
+                      <a:r>
+                        <a:rPr lang="ko-KR" altLang="en-US" sz="700" dirty="0" smtClean="0"/>
+                        <a:t>별 개수</a:t>
+                      </a:r>
+                      <a:r>
+                        <a:rPr lang="en-US" altLang="ko-KR" sz="700" dirty="0" smtClean="0"/>
+                        <a:t>)</a:t>
+                      </a:r>
+                      <a:endParaRPr lang="ko-KR" altLang="en-US" sz="700" dirty="0"/>
+                    </a:p>
+                  </a:txBody>
+                  <a:tcPr anchor="ctr"/>
+                </a:tc>
+              </a:tr>
+              <a:tr h="229916">
+                <a:tc>
+                  <a:txBody>
+                    <a:bodyPr/>
+                    <a:lstStyle/>
+                    <a:p>
+                      <a:pPr algn="ctr" latinLnBrk="1"/>
+                      <a:endParaRPr lang="ko-KR" altLang="en-US" sz="700" dirty="0"/>
+                    </a:p>
+                  </a:txBody>
+                  <a:tcPr anchor="ctr"/>
+                </a:tc>
+              </a:tr>
+            </a:tbl>
+          </a:graphicData>
+        </a:graphic>
+      </p:graphicFrame>
+      <p:sp>
+        <p:nvSpPr>
+          <p:cNvPr id="47" name="포인트가 5개인 별 46"/>
           <p:cNvSpPr/>
           <p:nvPr/>
         </p:nvSpPr>
         <p:spPr>
           <a:xfrm>
-            <a:off x="1748364" y="541867"/>
-            <a:ext cx="855134" cy="677334"/>
+            <a:off x="1730033" y="1099502"/>
+            <a:ext cx="151419" cy="159992"/>
           </a:xfrm>
-          <a:prstGeom prst="roundRect">
+          <a:prstGeom prst="star5">
             <a:avLst/>
           </a:prstGeom>
+          <a:solidFill>
+            <a:schemeClr val="accent1"/>
+          </a:solidFill>
         </p:spPr>
         <p:style>
           <a:lnRef idx="2">
@@ -4220,18 +5176,21 @@
       </p:sp>
       <p:sp>
         <p:nvSpPr>
-          <p:cNvPr id="24" name="모서리가 둥근 직사각형 23"/>
+          <p:cNvPr id="48" name="포인트가 5개인 별 47"/>
           <p:cNvSpPr/>
           <p:nvPr/>
         </p:nvSpPr>
         <p:spPr>
           <a:xfrm>
-            <a:off x="2709331" y="541867"/>
-            <a:ext cx="855134" cy="677334"/>
+            <a:off x="1366172" y="1099502"/>
+            <a:ext cx="151419" cy="159992"/>
           </a:xfrm>
-          <a:prstGeom prst="roundRect">
+          <a:prstGeom prst="star5">
             <a:avLst/>
           </a:prstGeom>
+          <a:solidFill>
+            <a:schemeClr val="bg1"/>
+          </a:solidFill>
         </p:spPr>
         <p:style>
           <a:lnRef idx="2">
@@ -4260,18 +5219,21 @@
       </p:sp>
       <p:sp>
         <p:nvSpPr>
-          <p:cNvPr id="3" name="모서리가 둥근 직사각형 2"/>
+          <p:cNvPr id="49" name="포인트가 5개인 별 48"/>
           <p:cNvSpPr/>
           <p:nvPr/>
         </p:nvSpPr>
         <p:spPr>
           <a:xfrm>
-            <a:off x="1172633" y="778934"/>
-            <a:ext cx="4207933" cy="4976907"/>
+            <a:off x="1560406" y="1099502"/>
+            <a:ext cx="151419" cy="159992"/>
           </a:xfrm>
-          <a:prstGeom prst="roundRect">
+          <a:prstGeom prst="star5">
             <a:avLst/>
           </a:prstGeom>
+          <a:solidFill>
+            <a:schemeClr val="accent1"/>
+          </a:solidFill>
         </p:spPr>
         <p:style>
           <a:lnRef idx="2">
@@ -4293,1112 +5255,117 @@
           <a:bodyPr rtlCol="0" anchor="ctr"/>
           <a:lstStyle/>
           <a:p>
-            <a:pPr fontAlgn="ctr"/>
-            <a:endParaRPr lang="ko-KR" altLang="ko-KR"/>
+            <a:pPr algn="ctr"/>
+            <a:endParaRPr lang="ko-KR" altLang="en-US"/>
           </a:p>
         </p:txBody>
       </p:sp>
-      <p:sp>
-        <p:nvSpPr>
-          <p:cNvPr id="7" name="TextBox 6"/>
-          <p:cNvSpPr txBox="1"/>
+      <p:grpSp>
+        <p:nvGrpSpPr>
+          <p:cNvPr id="12" name="그룹 11"/>
+          <p:cNvGrpSpPr/>
           <p:nvPr/>
-        </p:nvSpPr>
-        <p:spPr>
+        </p:nvGrpSpPr>
+        <p:grpSpPr>
           <a:xfrm>
-            <a:off x="1869699" y="508001"/>
-            <a:ext cx="543739" cy="307777"/>
+            <a:off x="3231931" y="6044039"/>
+            <a:ext cx="2281269" cy="365231"/>
+            <a:chOff x="766731" y="6069439"/>
+            <a:chExt cx="2281269" cy="365231"/>
           </a:xfrm>
-          <a:prstGeom prst="rect">
-            <a:avLst/>
-          </a:prstGeom>
-          <a:noFill/>
-        </p:spPr>
-        <p:txBody>
-          <a:bodyPr wrap="none" rtlCol="0">
-            <a:spAutoFit/>
-          </a:bodyPr>
-          <a:lstStyle/>
-          <a:p>
-            <a:r>
-              <a:rPr lang="ko-KR" altLang="en-US" sz="1400" dirty="0" smtClean="0"/>
-              <a:t>친구</a:t>
-            </a:r>
-            <a:endParaRPr lang="ko-KR" altLang="en-US" dirty="0"/>
-          </a:p>
-        </p:txBody>
-      </p:sp>
-      <p:sp>
-        <p:nvSpPr>
-          <p:cNvPr id="28" name="TextBox 27"/>
-          <p:cNvSpPr txBox="1"/>
-          <p:nvPr/>
-        </p:nvSpPr>
-        <p:spPr>
-          <a:xfrm>
-            <a:off x="2875798" y="508001"/>
-            <a:ext cx="543739" cy="307777"/>
-          </a:xfrm>
-          <a:prstGeom prst="rect">
-            <a:avLst/>
-          </a:prstGeom>
-          <a:noFill/>
-        </p:spPr>
-        <p:txBody>
-          <a:bodyPr wrap="none" rtlCol="0">
-            <a:spAutoFit/>
-          </a:bodyPr>
-          <a:lstStyle/>
-          <a:p>
-            <a:r>
-              <a:rPr lang="ko-KR" altLang="en-US" sz="1400" dirty="0" smtClean="0"/>
-              <a:t>세계</a:t>
-            </a:r>
-            <a:endParaRPr lang="ko-KR" altLang="en-US" dirty="0"/>
-          </a:p>
-        </p:txBody>
-      </p:sp>
-      <p:graphicFrame>
-        <p:nvGraphicFramePr>
-          <p:cNvPr id="9" name="표 8"/>
-          <p:cNvGraphicFramePr>
-            <a:graphicFrameLocks noGrp="1"/>
-          </p:cNvGraphicFramePr>
-          <p:nvPr>
-            <p:extLst>
-              <p:ext uri="{D42A27DB-BD31-4B8C-83A1-F6EECF244321}">
-                <p14:modId xmlns:p14="http://schemas.microsoft.com/office/powerpoint/2010/main" val="578981195"/>
-              </p:ext>
-            </p:extLst>
-          </p:nvPr>
-        </p:nvGraphicFramePr>
-        <p:xfrm>
-          <a:off x="1500934" y="1236134"/>
-          <a:ext cx="3551332" cy="3428991"/>
-        </p:xfrm>
-        <a:graphic>
-          <a:graphicData uri="http://schemas.openxmlformats.org/drawingml/2006/table">
-            <a:tbl>
-              <a:tblPr firstRow="1" bandRow="1">
-                <a:tableStyleId>{21E4AEA4-8DFA-4A89-87EB-49C32662AFE0}</a:tableStyleId>
-              </a:tblPr>
-              <a:tblGrid>
-                <a:gridCol w="658066"/>
-                <a:gridCol w="1168400"/>
-                <a:gridCol w="650767"/>
-                <a:gridCol w="1074099"/>
-              </a:tblGrid>
-              <a:tr h="380999">
-                <a:tc>
-                  <a:txBody>
-                    <a:bodyPr/>
-                    <a:lstStyle/>
-                    <a:p>
-                      <a:pPr algn="ctr" latinLnBrk="1"/>
-                      <a:r>
-                        <a:rPr lang="ko-KR" altLang="en-US" sz="1200" dirty="0" smtClean="0"/>
-                        <a:t>랭킹</a:t>
-                      </a:r>
-                      <a:endParaRPr lang="ko-KR" altLang="en-US" sz="1200" dirty="0"/>
-                    </a:p>
-                  </a:txBody>
-                  <a:tcPr anchor="ctr"/>
-                </a:tc>
-                <a:tc>
-                  <a:txBody>
-                    <a:bodyPr/>
-                    <a:lstStyle/>
-                    <a:p>
-                      <a:pPr algn="ctr" latinLnBrk="1"/>
-                      <a:r>
-                        <a:rPr lang="ko-KR" altLang="en-US" sz="1200" dirty="0" smtClean="0"/>
-                        <a:t>닉네임</a:t>
-                      </a:r>
-                      <a:endParaRPr lang="ko-KR" altLang="en-US" sz="1200" dirty="0"/>
-                    </a:p>
-                  </a:txBody>
-                  <a:tcPr anchor="ctr"/>
-                </a:tc>
-                <a:tc>
-                  <a:txBody>
-                    <a:bodyPr/>
-                    <a:lstStyle/>
-                    <a:p>
-                      <a:pPr marL="0" marR="0" indent="0" algn="ctr" defTabSz="914400" rtl="0" eaLnBrk="1" fontAlgn="auto" latinLnBrk="1" hangingPunct="1">
-                        <a:lnSpc>
-                          <a:spcPct val="100000"/>
-                        </a:lnSpc>
-                        <a:spcBef>
-                          <a:spcPts val="0"/>
-                        </a:spcBef>
-                        <a:spcAft>
-                          <a:spcPts val="0"/>
-                        </a:spcAft>
-                        <a:buClrTx/>
-                        <a:buSzTx/>
-                        <a:buFontTx/>
-                        <a:buNone/>
-                        <a:tabLst/>
-                        <a:defRPr/>
-                      </a:pPr>
-                      <a:r>
-                        <a:rPr lang="ko-KR" altLang="en-US" sz="1200" dirty="0" smtClean="0"/>
-                        <a:t>별</a:t>
-                      </a:r>
-                    </a:p>
-                  </a:txBody>
-                  <a:tcPr anchor="ctr"/>
-                </a:tc>
-                <a:tc>
-                  <a:txBody>
-                    <a:bodyPr/>
-                    <a:lstStyle/>
-                    <a:p>
-                      <a:pPr algn="ctr" latinLnBrk="1"/>
-                      <a:r>
-                        <a:rPr lang="ko-KR" altLang="en-US" sz="1200" dirty="0" smtClean="0"/>
-                        <a:t>트로피</a:t>
-                      </a:r>
-                      <a:endParaRPr lang="ko-KR" altLang="en-US" sz="1200" dirty="0"/>
-                    </a:p>
-                  </a:txBody>
-                  <a:tcPr anchor="ctr"/>
-                </a:tc>
-              </a:tr>
-              <a:tr h="380999">
-                <a:tc>
-                  <a:txBody>
-                    <a:bodyPr/>
-                    <a:lstStyle/>
-                    <a:p>
-                      <a:pPr algn="ctr" latinLnBrk="1"/>
-                      <a:r>
-                        <a:rPr lang="en-US" altLang="ko-KR" sz="1200" dirty="0" smtClean="0"/>
-                        <a:t>1</a:t>
-                      </a:r>
-                      <a:endParaRPr lang="ko-KR" altLang="en-US" sz="1200" dirty="0"/>
-                    </a:p>
-                  </a:txBody>
-                  <a:tcPr anchor="ctr"/>
-                </a:tc>
-                <a:tc>
-                  <a:txBody>
-                    <a:bodyPr/>
-                    <a:lstStyle/>
-                    <a:p>
-                      <a:pPr algn="ctr" latinLnBrk="1"/>
-                      <a:r>
-                        <a:rPr lang="ko-KR" altLang="en-US" sz="1200" dirty="0" smtClean="0"/>
-                        <a:t>하하하</a:t>
-                      </a:r>
-                      <a:endParaRPr lang="ko-KR" altLang="en-US" sz="1200" dirty="0"/>
-                    </a:p>
-                  </a:txBody>
-                  <a:tcPr anchor="ctr"/>
-                </a:tc>
-                <a:tc>
-                  <a:txBody>
-                    <a:bodyPr/>
-                    <a:lstStyle/>
-                    <a:p>
-                      <a:pPr algn="ctr" latinLnBrk="1"/>
-                      <a:r>
-                        <a:rPr lang="en-US" altLang="ko-KR" sz="1200" dirty="0" smtClean="0"/>
-                        <a:t>5</a:t>
-                      </a:r>
-                      <a:endParaRPr lang="ko-KR" altLang="en-US" sz="1200" dirty="0"/>
-                    </a:p>
-                  </a:txBody>
-                  <a:tcPr anchor="ctr"/>
-                </a:tc>
-                <a:tc>
-                  <a:txBody>
-                    <a:bodyPr/>
-                    <a:lstStyle/>
-                    <a:p>
-                      <a:pPr algn="ctr" latinLnBrk="1"/>
-                      <a:r>
-                        <a:rPr lang="en-US" altLang="ko-KR" sz="1200" dirty="0" smtClean="0"/>
-                        <a:t>20</a:t>
-                      </a:r>
-                      <a:endParaRPr lang="ko-KR" altLang="en-US" sz="1200" dirty="0"/>
-                    </a:p>
-                  </a:txBody>
-                  <a:tcPr anchor="ctr"/>
-                </a:tc>
-              </a:tr>
-              <a:tr h="380999">
-                <a:tc>
-                  <a:txBody>
-                    <a:bodyPr/>
-                    <a:lstStyle/>
-                    <a:p>
-                      <a:pPr algn="ctr" latinLnBrk="1"/>
-                      <a:r>
-                        <a:rPr lang="en-US" altLang="ko-KR" sz="1200" dirty="0" smtClean="0"/>
-                        <a:t>2</a:t>
-                      </a:r>
-                      <a:endParaRPr lang="ko-KR" altLang="en-US" sz="1200" dirty="0"/>
-                    </a:p>
-                  </a:txBody>
-                  <a:tcPr anchor="ctr"/>
-                </a:tc>
-                <a:tc>
-                  <a:txBody>
-                    <a:bodyPr/>
-                    <a:lstStyle/>
-                    <a:p>
-                      <a:pPr algn="ctr" latinLnBrk="1"/>
-                      <a:r>
-                        <a:rPr lang="en-US" altLang="ko-KR" sz="1200" dirty="0" smtClean="0"/>
-                        <a:t>Jung0313</a:t>
-                      </a:r>
-                      <a:endParaRPr lang="ko-KR" altLang="en-US" sz="1200" dirty="0"/>
-                    </a:p>
-                  </a:txBody>
-                  <a:tcPr anchor="ctr"/>
-                </a:tc>
-                <a:tc>
-                  <a:txBody>
-                    <a:bodyPr/>
-                    <a:lstStyle/>
-                    <a:p>
-                      <a:pPr algn="ctr" latinLnBrk="1"/>
-                      <a:r>
-                        <a:rPr lang="en-US" altLang="ko-KR" sz="1200" dirty="0" smtClean="0"/>
-                        <a:t>1</a:t>
-                      </a:r>
-                      <a:endParaRPr lang="ko-KR" altLang="en-US" sz="1200" dirty="0"/>
-                    </a:p>
-                  </a:txBody>
-                  <a:tcPr anchor="ctr"/>
-                </a:tc>
-                <a:tc>
-                  <a:txBody>
-                    <a:bodyPr/>
-                    <a:lstStyle/>
-                    <a:p>
-                      <a:pPr algn="ctr" latinLnBrk="1"/>
-                      <a:r>
-                        <a:rPr lang="en-US" altLang="ko-KR" sz="1200" dirty="0" smtClean="0"/>
-                        <a:t>10</a:t>
-                      </a:r>
-                      <a:endParaRPr lang="ko-KR" altLang="en-US" sz="1200" dirty="0"/>
-                    </a:p>
-                  </a:txBody>
-                  <a:tcPr anchor="ctr"/>
-                </a:tc>
-              </a:tr>
-              <a:tr h="380999">
-                <a:tc>
-                  <a:txBody>
-                    <a:bodyPr/>
-                    <a:lstStyle/>
-                    <a:p>
-                      <a:pPr algn="ctr" latinLnBrk="1"/>
-                      <a:r>
-                        <a:rPr lang="en-US" altLang="ko-KR" sz="1200" dirty="0" smtClean="0"/>
-                        <a:t>3</a:t>
-                      </a:r>
-                      <a:endParaRPr lang="ko-KR" altLang="en-US" sz="1200" dirty="0"/>
-                    </a:p>
-                  </a:txBody>
-                  <a:tcPr anchor="ctr"/>
-                </a:tc>
-                <a:tc>
-                  <a:txBody>
-                    <a:bodyPr/>
-                    <a:lstStyle/>
-                    <a:p>
-                      <a:pPr algn="ctr" latinLnBrk="1"/>
-                      <a:endParaRPr lang="ko-KR" altLang="en-US" sz="1200" dirty="0"/>
-                    </a:p>
-                  </a:txBody>
-                  <a:tcPr anchor="ctr"/>
-                </a:tc>
-                <a:tc>
-                  <a:txBody>
-                    <a:bodyPr/>
-                    <a:lstStyle/>
-                    <a:p>
-                      <a:pPr algn="ctr" latinLnBrk="1"/>
-                      <a:endParaRPr lang="ko-KR" altLang="en-US" sz="1200" dirty="0"/>
-                    </a:p>
-                  </a:txBody>
-                  <a:tcPr anchor="ctr"/>
-                </a:tc>
-                <a:tc>
-                  <a:txBody>
-                    <a:bodyPr/>
-                    <a:lstStyle/>
-                    <a:p>
-                      <a:pPr algn="ctr" latinLnBrk="1"/>
-                      <a:endParaRPr lang="ko-KR" altLang="en-US" sz="1200" dirty="0"/>
-                    </a:p>
-                  </a:txBody>
-                  <a:tcPr anchor="ctr"/>
-                </a:tc>
-              </a:tr>
-              <a:tr h="380999">
-                <a:tc>
-                  <a:txBody>
-                    <a:bodyPr/>
-                    <a:lstStyle/>
-                    <a:p>
-                      <a:pPr algn="ctr" latinLnBrk="1"/>
-                      <a:r>
-                        <a:rPr lang="en-US" altLang="ko-KR" sz="1200" dirty="0" smtClean="0"/>
-                        <a:t>4</a:t>
-                      </a:r>
-                      <a:endParaRPr lang="ko-KR" altLang="en-US" sz="1200" dirty="0"/>
-                    </a:p>
-                  </a:txBody>
-                  <a:tcPr anchor="ctr"/>
-                </a:tc>
-                <a:tc>
-                  <a:txBody>
-                    <a:bodyPr/>
-                    <a:lstStyle/>
-                    <a:p>
-                      <a:pPr algn="ctr" latinLnBrk="1"/>
-                      <a:endParaRPr lang="ko-KR" altLang="en-US" sz="1200" dirty="0"/>
-                    </a:p>
-                  </a:txBody>
-                  <a:tcPr anchor="ctr"/>
-                </a:tc>
-                <a:tc>
-                  <a:txBody>
-                    <a:bodyPr/>
-                    <a:lstStyle/>
-                    <a:p>
-                      <a:pPr algn="ctr" latinLnBrk="1"/>
-                      <a:endParaRPr lang="ko-KR" altLang="en-US" sz="1200" dirty="0"/>
-                    </a:p>
-                  </a:txBody>
-                  <a:tcPr anchor="ctr"/>
-                </a:tc>
-                <a:tc>
-                  <a:txBody>
-                    <a:bodyPr/>
-                    <a:lstStyle/>
-                    <a:p>
-                      <a:pPr algn="ctr" latinLnBrk="1"/>
-                      <a:endParaRPr lang="ko-KR" altLang="en-US" sz="1200" dirty="0"/>
-                    </a:p>
-                  </a:txBody>
-                  <a:tcPr anchor="ctr"/>
-                </a:tc>
-              </a:tr>
-              <a:tr h="380999">
-                <a:tc>
-                  <a:txBody>
-                    <a:bodyPr/>
-                    <a:lstStyle/>
-                    <a:p>
-                      <a:pPr algn="ctr" latinLnBrk="1"/>
-                      <a:r>
-                        <a:rPr lang="en-US" altLang="ko-KR" sz="1200" dirty="0" smtClean="0"/>
-                        <a:t>5</a:t>
-                      </a:r>
-                      <a:endParaRPr lang="ko-KR" altLang="en-US" sz="1200" dirty="0"/>
-                    </a:p>
-                  </a:txBody>
-                  <a:tcPr anchor="ctr">
-                    <a:lnB w="12700" cap="flat" cmpd="sng" algn="ctr">
-                      <a:solidFill>
-                        <a:schemeClr val="tx1"/>
-                      </a:solidFill>
-                      <a:prstDash val="solid"/>
-                      <a:round/>
-                      <a:headEnd type="none" w="med" len="med"/>
-                      <a:tailEnd type="none" w="med" len="med"/>
-                    </a:lnB>
-                  </a:tcPr>
-                </a:tc>
-                <a:tc>
-                  <a:txBody>
-                    <a:bodyPr/>
-                    <a:lstStyle/>
-                    <a:p>
-                      <a:pPr algn="ctr" latinLnBrk="1"/>
-                      <a:endParaRPr lang="ko-KR" altLang="en-US" sz="1200" dirty="0"/>
-                    </a:p>
-                  </a:txBody>
-                  <a:tcPr anchor="ctr">
-                    <a:lnB w="12700" cap="flat" cmpd="sng" algn="ctr">
-                      <a:solidFill>
-                        <a:schemeClr val="tx1"/>
-                      </a:solidFill>
-                      <a:prstDash val="solid"/>
-                      <a:round/>
-                      <a:headEnd type="none" w="med" len="med"/>
-                      <a:tailEnd type="none" w="med" len="med"/>
-                    </a:lnB>
-                  </a:tcPr>
-                </a:tc>
-                <a:tc>
-                  <a:txBody>
-                    <a:bodyPr/>
-                    <a:lstStyle/>
-                    <a:p>
-                      <a:pPr algn="ctr" latinLnBrk="1"/>
-                      <a:endParaRPr lang="ko-KR" altLang="en-US" sz="1200" dirty="0"/>
-                    </a:p>
-                  </a:txBody>
-                  <a:tcPr anchor="ctr">
-                    <a:lnB w="12700" cap="flat" cmpd="sng" algn="ctr">
-                      <a:solidFill>
-                        <a:schemeClr val="tx1"/>
-                      </a:solidFill>
-                      <a:prstDash val="solid"/>
-                      <a:round/>
-                      <a:headEnd type="none" w="med" len="med"/>
-                      <a:tailEnd type="none" w="med" len="med"/>
-                    </a:lnB>
-                  </a:tcPr>
-                </a:tc>
-                <a:tc>
-                  <a:txBody>
-                    <a:bodyPr/>
-                    <a:lstStyle/>
-                    <a:p>
-                      <a:pPr algn="ctr" latinLnBrk="1"/>
-                      <a:endParaRPr lang="ko-KR" altLang="en-US" sz="1200" dirty="0"/>
-                    </a:p>
-                  </a:txBody>
-                  <a:tcPr anchor="ctr">
-                    <a:lnB w="12700" cap="flat" cmpd="sng" algn="ctr">
-                      <a:solidFill>
-                        <a:schemeClr val="tx1"/>
-                      </a:solidFill>
-                      <a:prstDash val="solid"/>
-                      <a:round/>
-                      <a:headEnd type="none" w="med" len="med"/>
-                      <a:tailEnd type="none" w="med" len="med"/>
-                    </a:lnB>
-                  </a:tcPr>
-                </a:tc>
-              </a:tr>
-              <a:tr h="380999">
-                <a:tc>
-                  <a:txBody>
-                    <a:bodyPr/>
-                    <a:lstStyle/>
-                    <a:p>
-                      <a:pPr algn="ctr" latinLnBrk="1"/>
-                      <a:r>
-                        <a:rPr lang="en-US" altLang="ko-KR" sz="1200" dirty="0" smtClean="0">
-                          <a:solidFill>
-                            <a:sysClr val="windowText" lastClr="000000"/>
-                          </a:solidFill>
-                        </a:rPr>
-                        <a:t>6</a:t>
-                      </a:r>
-                      <a:endParaRPr lang="ko-KR" altLang="en-US" sz="1200" dirty="0">
-                        <a:solidFill>
-                          <a:sysClr val="windowText" lastClr="000000"/>
-                        </a:solidFill>
-                      </a:endParaRPr>
-                    </a:p>
-                  </a:txBody>
-                  <a:tcPr anchor="ctr">
-                    <a:lnL w="12700" cap="flat" cmpd="sng" algn="ctr">
-                      <a:solidFill>
-                        <a:schemeClr val="tx1"/>
-                      </a:solidFill>
-                      <a:prstDash val="solid"/>
-                      <a:round/>
-                      <a:headEnd type="none" w="med" len="med"/>
-                      <a:tailEnd type="none" w="med" len="med"/>
-                    </a:lnL>
-                    <a:lnT w="12700" cap="flat" cmpd="sng" algn="ctr">
-                      <a:solidFill>
-                        <a:schemeClr val="tx1"/>
-                      </a:solidFill>
-                      <a:prstDash val="solid"/>
-                      <a:round/>
-                      <a:headEnd type="none" w="med" len="med"/>
-                      <a:tailEnd type="none" w="med" len="med"/>
-                    </a:lnT>
-                    <a:lnB w="12700" cap="flat" cmpd="sng" algn="ctr">
-                      <a:solidFill>
-                        <a:schemeClr val="tx1"/>
-                      </a:solidFill>
-                      <a:prstDash val="solid"/>
-                      <a:round/>
-                      <a:headEnd type="none" w="med" len="med"/>
-                      <a:tailEnd type="none" w="med" len="med"/>
-                    </a:lnB>
-                    <a:solidFill>
-                      <a:schemeClr val="accent4">
-                        <a:lumMod val="60000"/>
-                        <a:lumOff val="40000"/>
-                      </a:schemeClr>
-                    </a:solidFill>
-                  </a:tcPr>
-                </a:tc>
-                <a:tc>
-                  <a:txBody>
-                    <a:bodyPr/>
-                    <a:lstStyle/>
-                    <a:p>
-                      <a:pPr algn="ctr" latinLnBrk="1"/>
-                      <a:r>
-                        <a:rPr lang="ko-KR" altLang="en-US" sz="1200" dirty="0" err="1" smtClean="0">
-                          <a:solidFill>
-                            <a:sysClr val="windowText" lastClr="000000"/>
-                          </a:solidFill>
-                        </a:rPr>
-                        <a:t>ㅇㄴㅇ</a:t>
-                      </a:r>
-                      <a:endParaRPr lang="ko-KR" altLang="en-US" sz="1200" dirty="0">
-                        <a:solidFill>
-                          <a:sysClr val="windowText" lastClr="000000"/>
-                        </a:solidFill>
-                      </a:endParaRPr>
-                    </a:p>
-                  </a:txBody>
-                  <a:tcPr anchor="ctr">
-                    <a:lnT w="12700" cap="flat" cmpd="sng" algn="ctr">
-                      <a:solidFill>
-                        <a:schemeClr val="tx1"/>
-                      </a:solidFill>
-                      <a:prstDash val="solid"/>
-                      <a:round/>
-                      <a:headEnd type="none" w="med" len="med"/>
-                      <a:tailEnd type="none" w="med" len="med"/>
-                    </a:lnT>
-                    <a:lnB w="12700" cap="flat" cmpd="sng" algn="ctr">
-                      <a:solidFill>
-                        <a:schemeClr val="tx1"/>
-                      </a:solidFill>
-                      <a:prstDash val="solid"/>
-                      <a:round/>
-                      <a:headEnd type="none" w="med" len="med"/>
-                      <a:tailEnd type="none" w="med" len="med"/>
-                    </a:lnB>
-                    <a:solidFill>
-                      <a:schemeClr val="accent4">
-                        <a:lumMod val="60000"/>
-                        <a:lumOff val="40000"/>
-                      </a:schemeClr>
-                    </a:solidFill>
-                  </a:tcPr>
-                </a:tc>
-                <a:tc>
-                  <a:txBody>
-                    <a:bodyPr/>
-                    <a:lstStyle/>
-                    <a:p>
-                      <a:pPr algn="ctr" latinLnBrk="1"/>
-                      <a:r>
-                        <a:rPr lang="en-US" altLang="ko-KR" sz="1200" dirty="0" smtClean="0">
-                          <a:solidFill>
-                            <a:sysClr val="windowText" lastClr="000000"/>
-                          </a:solidFill>
-                        </a:rPr>
-                        <a:t>2</a:t>
-                      </a:r>
-                      <a:endParaRPr lang="ko-KR" altLang="en-US" sz="1200" dirty="0">
-                        <a:solidFill>
-                          <a:sysClr val="windowText" lastClr="000000"/>
-                        </a:solidFill>
-                      </a:endParaRPr>
-                    </a:p>
-                  </a:txBody>
-                  <a:tcPr anchor="ctr">
-                    <a:lnT w="12700" cap="flat" cmpd="sng" algn="ctr">
-                      <a:solidFill>
-                        <a:schemeClr val="tx1"/>
-                      </a:solidFill>
-                      <a:prstDash val="solid"/>
-                      <a:round/>
-                      <a:headEnd type="none" w="med" len="med"/>
-                      <a:tailEnd type="none" w="med" len="med"/>
-                    </a:lnT>
-                    <a:lnB w="12700" cap="flat" cmpd="sng" algn="ctr">
-                      <a:solidFill>
-                        <a:schemeClr val="tx1"/>
-                      </a:solidFill>
-                      <a:prstDash val="solid"/>
-                      <a:round/>
-                      <a:headEnd type="none" w="med" len="med"/>
-                      <a:tailEnd type="none" w="med" len="med"/>
-                    </a:lnB>
-                    <a:solidFill>
-                      <a:schemeClr val="accent4">
-                        <a:lumMod val="60000"/>
-                        <a:lumOff val="40000"/>
-                      </a:schemeClr>
-                    </a:solidFill>
-                  </a:tcPr>
-                </a:tc>
-                <a:tc>
-                  <a:txBody>
-                    <a:bodyPr/>
-                    <a:lstStyle/>
-                    <a:p>
-                      <a:pPr algn="ctr" latinLnBrk="1"/>
-                      <a:r>
-                        <a:rPr lang="en-US" altLang="ko-KR" sz="1200" dirty="0" smtClean="0">
-                          <a:solidFill>
-                            <a:sysClr val="windowText" lastClr="000000"/>
-                          </a:solidFill>
-                        </a:rPr>
-                        <a:t>1</a:t>
-                      </a:r>
-                      <a:endParaRPr lang="ko-KR" altLang="en-US" sz="1200" dirty="0">
-                        <a:solidFill>
-                          <a:sysClr val="windowText" lastClr="000000"/>
-                        </a:solidFill>
-                      </a:endParaRPr>
-                    </a:p>
-                  </a:txBody>
-                  <a:tcPr anchor="ctr">
-                    <a:lnR w="12700" cap="flat" cmpd="sng" algn="ctr">
-                      <a:solidFill>
-                        <a:schemeClr val="tx1"/>
-                      </a:solidFill>
-                      <a:prstDash val="solid"/>
-                      <a:round/>
-                      <a:headEnd type="none" w="med" len="med"/>
-                      <a:tailEnd type="none" w="med" len="med"/>
-                    </a:lnR>
-                    <a:lnT w="12700" cap="flat" cmpd="sng" algn="ctr">
-                      <a:solidFill>
-                        <a:schemeClr val="tx1"/>
-                      </a:solidFill>
-                      <a:prstDash val="solid"/>
-                      <a:round/>
-                      <a:headEnd type="none" w="med" len="med"/>
-                      <a:tailEnd type="none" w="med" len="med"/>
-                    </a:lnT>
-                    <a:lnB w="12700" cap="flat" cmpd="sng" algn="ctr">
-                      <a:solidFill>
-                        <a:schemeClr val="tx1"/>
-                      </a:solidFill>
-                      <a:prstDash val="solid"/>
-                      <a:round/>
-                      <a:headEnd type="none" w="med" len="med"/>
-                      <a:tailEnd type="none" w="med" len="med"/>
-                    </a:lnB>
-                    <a:solidFill>
-                      <a:schemeClr val="accent4">
-                        <a:lumMod val="60000"/>
-                        <a:lumOff val="40000"/>
-                      </a:schemeClr>
-                    </a:solidFill>
-                  </a:tcPr>
-                </a:tc>
-              </a:tr>
-              <a:tr h="380999">
-                <a:tc>
-                  <a:txBody>
-                    <a:bodyPr/>
-                    <a:lstStyle/>
-                    <a:p>
-                      <a:pPr algn="ctr" latinLnBrk="1"/>
-                      <a:endParaRPr lang="ko-KR" altLang="en-US" sz="1200" dirty="0"/>
-                    </a:p>
-                  </a:txBody>
-                  <a:tcPr anchor="ctr">
-                    <a:lnT w="12700" cap="flat" cmpd="sng" algn="ctr">
-                      <a:solidFill>
-                        <a:schemeClr val="tx1"/>
-                      </a:solidFill>
-                      <a:prstDash val="solid"/>
-                      <a:round/>
-                      <a:headEnd type="none" w="med" len="med"/>
-                      <a:tailEnd type="none" w="med" len="med"/>
-                    </a:lnT>
-                  </a:tcPr>
-                </a:tc>
-                <a:tc>
-                  <a:txBody>
-                    <a:bodyPr/>
-                    <a:lstStyle/>
-                    <a:p>
-                      <a:pPr algn="ctr" latinLnBrk="1"/>
-                      <a:endParaRPr lang="ko-KR" altLang="en-US" sz="1200" dirty="0"/>
-                    </a:p>
-                  </a:txBody>
-                  <a:tcPr anchor="ctr">
-                    <a:lnT w="12700" cap="flat" cmpd="sng" algn="ctr">
-                      <a:solidFill>
-                        <a:schemeClr val="tx1"/>
-                      </a:solidFill>
-                      <a:prstDash val="solid"/>
-                      <a:round/>
-                      <a:headEnd type="none" w="med" len="med"/>
-                      <a:tailEnd type="none" w="med" len="med"/>
-                    </a:lnT>
-                  </a:tcPr>
-                </a:tc>
-                <a:tc>
-                  <a:txBody>
-                    <a:bodyPr/>
-                    <a:lstStyle/>
-                    <a:p>
-                      <a:pPr algn="ctr" latinLnBrk="1"/>
-                      <a:endParaRPr lang="ko-KR" altLang="en-US" sz="1200" dirty="0"/>
-                    </a:p>
-                  </a:txBody>
-                  <a:tcPr anchor="ctr">
-                    <a:lnT w="12700" cap="flat" cmpd="sng" algn="ctr">
-                      <a:solidFill>
-                        <a:schemeClr val="tx1"/>
-                      </a:solidFill>
-                      <a:prstDash val="solid"/>
-                      <a:round/>
-                      <a:headEnd type="none" w="med" len="med"/>
-                      <a:tailEnd type="none" w="med" len="med"/>
-                    </a:lnT>
-                  </a:tcPr>
-                </a:tc>
-                <a:tc>
-                  <a:txBody>
-                    <a:bodyPr/>
-                    <a:lstStyle/>
-                    <a:p>
-                      <a:pPr algn="ctr" latinLnBrk="1"/>
-                      <a:endParaRPr lang="ko-KR" altLang="en-US" sz="1200" dirty="0"/>
-                    </a:p>
-                  </a:txBody>
-                  <a:tcPr anchor="ctr">
-                    <a:lnT w="12700" cap="flat" cmpd="sng" algn="ctr">
-                      <a:solidFill>
-                        <a:schemeClr val="tx1"/>
-                      </a:solidFill>
-                      <a:prstDash val="solid"/>
-                      <a:round/>
-                      <a:headEnd type="none" w="med" len="med"/>
-                      <a:tailEnd type="none" w="med" len="med"/>
-                    </a:lnT>
-                  </a:tcPr>
-                </a:tc>
-              </a:tr>
-              <a:tr h="380999">
-                <a:tc>
-                  <a:txBody>
-                    <a:bodyPr/>
-                    <a:lstStyle/>
-                    <a:p>
-                      <a:pPr algn="ctr" latinLnBrk="1"/>
-                      <a:endParaRPr lang="ko-KR" altLang="en-US" sz="1200" dirty="0"/>
-                    </a:p>
-                  </a:txBody>
-                  <a:tcPr anchor="ctr"/>
-                </a:tc>
-                <a:tc>
-                  <a:txBody>
-                    <a:bodyPr/>
-                    <a:lstStyle/>
-                    <a:p>
-                      <a:pPr algn="ctr" latinLnBrk="1"/>
-                      <a:endParaRPr lang="ko-KR" altLang="en-US" sz="1200" dirty="0"/>
-                    </a:p>
-                  </a:txBody>
-                  <a:tcPr anchor="ctr"/>
-                </a:tc>
-                <a:tc>
-                  <a:txBody>
-                    <a:bodyPr/>
-                    <a:lstStyle/>
-                    <a:p>
-                      <a:pPr algn="ctr" latinLnBrk="1"/>
-                      <a:endParaRPr lang="ko-KR" altLang="en-US" sz="1200" dirty="0"/>
-                    </a:p>
-                  </a:txBody>
-                  <a:tcPr anchor="ctr"/>
-                </a:tc>
-                <a:tc>
-                  <a:txBody>
-                    <a:bodyPr/>
-                    <a:lstStyle/>
-                    <a:p>
-                      <a:pPr algn="ctr" latinLnBrk="1"/>
-                      <a:endParaRPr lang="ko-KR" altLang="en-US" sz="1200" dirty="0"/>
-                    </a:p>
-                  </a:txBody>
-                  <a:tcPr anchor="ctr"/>
-                </a:tc>
-              </a:tr>
-            </a:tbl>
-          </a:graphicData>
-        </a:graphic>
-      </p:graphicFrame>
-      <p:sp>
-        <p:nvSpPr>
-          <p:cNvPr id="13" name="모서리가 둥근 직사각형 12"/>
-          <p:cNvSpPr/>
-          <p:nvPr/>
-        </p:nvSpPr>
-        <p:spPr>
-          <a:xfrm>
-            <a:off x="3072404" y="880534"/>
-            <a:ext cx="694266" cy="228600"/>
-          </a:xfrm>
-          <a:prstGeom prst="roundRect">
-            <a:avLst/>
-          </a:prstGeom>
-        </p:spPr>
-        <p:style>
-          <a:lnRef idx="2">
-            <a:schemeClr val="accent4">
-              <a:shade val="50000"/>
-            </a:schemeClr>
-          </a:lnRef>
-          <a:fillRef idx="1">
-            <a:schemeClr val="accent4"/>
-          </a:fillRef>
-          <a:effectRef idx="0">
-            <a:schemeClr val="accent4"/>
-          </a:effectRef>
-          <a:fontRef idx="minor">
-            <a:schemeClr val="lt1"/>
-          </a:fontRef>
-        </p:style>
-        <p:txBody>
-          <a:bodyPr rtlCol="0" anchor="ctr"/>
-          <a:lstStyle/>
-          <a:p>
-            <a:pPr algn="ctr"/>
-            <a:r>
-              <a:rPr lang="ko-KR" altLang="en-US" sz="1200" dirty="0" smtClean="0"/>
-              <a:t>별 순</a:t>
-            </a:r>
-            <a:endParaRPr lang="ko-KR" altLang="en-US" sz="1200" dirty="0"/>
-          </a:p>
-        </p:txBody>
-      </p:sp>
-      <p:sp>
-        <p:nvSpPr>
-          <p:cNvPr id="30" name="모서리가 둥근 직사각형 29"/>
-          <p:cNvSpPr/>
-          <p:nvPr/>
-        </p:nvSpPr>
-        <p:spPr>
-          <a:xfrm>
-            <a:off x="3894668" y="880534"/>
-            <a:ext cx="929215" cy="228600"/>
-          </a:xfrm>
-          <a:prstGeom prst="roundRect">
-            <a:avLst/>
-          </a:prstGeom>
-        </p:spPr>
-        <p:style>
-          <a:lnRef idx="2">
-            <a:schemeClr val="accent4">
-              <a:shade val="50000"/>
-            </a:schemeClr>
-          </a:lnRef>
-          <a:fillRef idx="1">
-            <a:schemeClr val="accent4"/>
-          </a:fillRef>
-          <a:effectRef idx="0">
-            <a:schemeClr val="accent4"/>
-          </a:effectRef>
-          <a:fontRef idx="minor">
-            <a:schemeClr val="lt1"/>
-          </a:fontRef>
-        </p:style>
-        <p:txBody>
-          <a:bodyPr rtlCol="0" anchor="ctr"/>
-          <a:lstStyle/>
-          <a:p>
-            <a:pPr algn="ctr"/>
-            <a:r>
-              <a:rPr lang="ko-KR" altLang="en-US" sz="1200" dirty="0" smtClean="0"/>
-              <a:t>트로피 순</a:t>
-            </a:r>
-            <a:endParaRPr lang="ko-KR" altLang="en-US" sz="1200" dirty="0"/>
-          </a:p>
-        </p:txBody>
-      </p:sp>
-      <p:graphicFrame>
-        <p:nvGraphicFramePr>
-          <p:cNvPr id="14" name="표 13"/>
-          <p:cNvGraphicFramePr>
-            <a:graphicFrameLocks noGrp="1"/>
-          </p:cNvGraphicFramePr>
-          <p:nvPr>
-            <p:extLst>
-              <p:ext uri="{D42A27DB-BD31-4B8C-83A1-F6EECF244321}">
-                <p14:modId xmlns:p14="http://schemas.microsoft.com/office/powerpoint/2010/main" val="2836024127"/>
-              </p:ext>
-            </p:extLst>
-          </p:nvPr>
-        </p:nvGraphicFramePr>
-        <p:xfrm>
-          <a:off x="1494365" y="4926107"/>
-          <a:ext cx="3564467" cy="440267"/>
-        </p:xfrm>
-        <a:graphic>
-          <a:graphicData uri="http://schemas.openxmlformats.org/drawingml/2006/table">
-            <a:tbl>
-              <a:tblPr firstRow="1" bandRow="1">
-                <a:tableStyleId>{5C22544A-7EE6-4342-B048-85BDC9FD1C3A}</a:tableStyleId>
-              </a:tblPr>
-              <a:tblGrid>
-                <a:gridCol w="676589"/>
-                <a:gridCol w="1105645"/>
-                <a:gridCol w="618831"/>
-                <a:gridCol w="1163402"/>
-              </a:tblGrid>
-              <a:tr h="440267">
-                <a:tc>
-                  <a:txBody>
-                    <a:bodyPr/>
-                    <a:lstStyle/>
-                    <a:p>
-                      <a:pPr algn="ctr" latinLnBrk="1"/>
-                      <a:r>
-                        <a:rPr lang="en-US" altLang="ko-KR" dirty="0" smtClean="0"/>
-                        <a:t>6</a:t>
-                      </a:r>
-                      <a:endParaRPr lang="ko-KR" altLang="en-US" dirty="0"/>
-                    </a:p>
-                  </a:txBody>
-                  <a:tcPr anchor="ctr"/>
-                </a:tc>
-                <a:tc>
-                  <a:txBody>
-                    <a:bodyPr/>
-                    <a:lstStyle/>
-                    <a:p>
-                      <a:pPr algn="ctr" latinLnBrk="1"/>
-                      <a:r>
-                        <a:rPr lang="ko-KR" altLang="en-US" dirty="0" err="1" smtClean="0"/>
-                        <a:t>ㅇㄴㅇ</a:t>
-                      </a:r>
-                      <a:endParaRPr lang="ko-KR" altLang="en-US" dirty="0"/>
-                    </a:p>
-                  </a:txBody>
-                  <a:tcPr anchor="ctr"/>
-                </a:tc>
-                <a:tc>
-                  <a:txBody>
-                    <a:bodyPr/>
-                    <a:lstStyle/>
-                    <a:p>
-                      <a:pPr algn="ctr" latinLnBrk="1"/>
-                      <a:r>
-                        <a:rPr lang="en-US" altLang="ko-KR" dirty="0" smtClean="0"/>
-                        <a:t>2</a:t>
-                      </a:r>
-                      <a:endParaRPr lang="ko-KR" altLang="en-US" dirty="0"/>
-                    </a:p>
-                  </a:txBody>
-                  <a:tcPr anchor="ctr"/>
-                </a:tc>
-                <a:tc>
-                  <a:txBody>
-                    <a:bodyPr/>
-                    <a:lstStyle/>
-                    <a:p>
-                      <a:pPr algn="ctr" latinLnBrk="1"/>
-                      <a:r>
-                        <a:rPr lang="en-US" altLang="ko-KR" dirty="0" smtClean="0"/>
-                        <a:t>1</a:t>
-                      </a:r>
-                      <a:endParaRPr lang="ko-KR" altLang="en-US" dirty="0"/>
-                    </a:p>
-                  </a:txBody>
-                  <a:tcPr anchor="ctr"/>
-                </a:tc>
-              </a:tr>
-            </a:tbl>
-          </a:graphicData>
-        </a:graphic>
-      </p:graphicFrame>
-      <p:sp>
-        <p:nvSpPr>
-          <p:cNvPr id="15" name="직사각형 14"/>
-          <p:cNvSpPr/>
-          <p:nvPr/>
-        </p:nvSpPr>
-        <p:spPr>
-          <a:xfrm>
-            <a:off x="5088466" y="1320801"/>
-            <a:ext cx="127000" cy="3368241"/>
-          </a:xfrm>
-          <a:prstGeom prst="rect">
-            <a:avLst/>
-          </a:prstGeom>
-        </p:spPr>
-        <p:style>
-          <a:lnRef idx="2">
-            <a:schemeClr val="accent6">
-              <a:shade val="50000"/>
-            </a:schemeClr>
-          </a:lnRef>
-          <a:fillRef idx="1">
-            <a:schemeClr val="accent6"/>
-          </a:fillRef>
-          <a:effectRef idx="0">
-            <a:schemeClr val="accent6"/>
-          </a:effectRef>
-          <a:fontRef idx="minor">
-            <a:schemeClr val="lt1"/>
-          </a:fontRef>
-        </p:style>
-        <p:txBody>
-          <a:bodyPr rtlCol="0" anchor="ctr"/>
-          <a:lstStyle/>
-          <a:p>
-            <a:pPr algn="ctr"/>
-            <a:endParaRPr lang="ko-KR" altLang="en-US"/>
-          </a:p>
-        </p:txBody>
-      </p:sp>
-      <p:sp>
-        <p:nvSpPr>
-          <p:cNvPr id="35" name="직사각형 34"/>
-          <p:cNvSpPr/>
-          <p:nvPr/>
-        </p:nvSpPr>
-        <p:spPr>
-          <a:xfrm>
-            <a:off x="1168400" y="5858937"/>
-            <a:ext cx="4267200" cy="575734"/>
-          </a:xfrm>
-          <a:prstGeom prst="rect">
-            <a:avLst/>
-          </a:prstGeom>
-        </p:spPr>
-        <p:style>
-          <a:lnRef idx="2">
-            <a:schemeClr val="accent1">
-              <a:shade val="50000"/>
-            </a:schemeClr>
-          </a:lnRef>
-          <a:fillRef idx="1">
-            <a:schemeClr val="accent1"/>
-          </a:fillRef>
-          <a:effectRef idx="0">
-            <a:schemeClr val="accent1"/>
-          </a:effectRef>
-          <a:fontRef idx="minor">
-            <a:schemeClr val="lt1"/>
-          </a:fontRef>
-        </p:style>
-        <p:txBody>
-          <a:bodyPr rtlCol="0" anchor="ctr"/>
-          <a:lstStyle/>
-          <a:p>
-            <a:pPr algn="ctr"/>
-            <a:r>
-              <a:rPr lang="ko-KR" altLang="en-US" dirty="0" smtClean="0"/>
-              <a:t>광   고</a:t>
-            </a:r>
-            <a:endParaRPr lang="ko-KR" altLang="en-US" dirty="0"/>
-          </a:p>
-        </p:txBody>
-      </p:sp>
+        </p:grpSpPr>
+        <p:sp>
+          <p:nvSpPr>
+            <p:cNvPr id="50" name="직사각형 49"/>
+            <p:cNvSpPr/>
+            <p:nvPr/>
+          </p:nvSpPr>
+          <p:spPr>
+            <a:xfrm>
+              <a:off x="766731" y="6069439"/>
+              <a:ext cx="2281269" cy="365231"/>
+            </a:xfrm>
+            <a:prstGeom prst="rect">
+              <a:avLst/>
+            </a:prstGeom>
+          </p:spPr>
+          <p:style>
+            <a:lnRef idx="2">
+              <a:schemeClr val="accent1">
+                <a:shade val="50000"/>
+              </a:schemeClr>
+            </a:lnRef>
+            <a:fillRef idx="1">
+              <a:schemeClr val="accent1"/>
+            </a:fillRef>
+            <a:effectRef idx="0">
+              <a:schemeClr val="accent1"/>
+            </a:effectRef>
+            <a:fontRef idx="minor">
+              <a:schemeClr val="lt1"/>
+            </a:fontRef>
+          </p:style>
+          <p:txBody>
+            <a:bodyPr rtlCol="0" anchor="ctr"/>
+            <a:lstStyle/>
+            <a:p>
+              <a:pPr algn="ctr"/>
+              <a:r>
+                <a:rPr lang="en-US" altLang="ko-KR" dirty="0" smtClean="0"/>
+                <a:t>X2      24 / 16</a:t>
+              </a:r>
+              <a:endParaRPr lang="ko-KR" altLang="en-US" dirty="0"/>
+            </a:p>
+          </p:txBody>
+        </p:sp>
+        <p:sp>
+          <p:nvSpPr>
+            <p:cNvPr id="51" name="포인트가 5개인 별 50"/>
+            <p:cNvSpPr/>
+            <p:nvPr/>
+          </p:nvSpPr>
+          <p:spPr>
+            <a:xfrm>
+              <a:off x="851398" y="6172058"/>
+              <a:ext cx="151419" cy="159992"/>
+            </a:xfrm>
+            <a:prstGeom prst="star5">
+              <a:avLst/>
+            </a:prstGeom>
+            <a:solidFill>
+              <a:schemeClr val="bg1"/>
+            </a:solidFill>
+          </p:spPr>
+          <p:style>
+            <a:lnRef idx="2">
+              <a:schemeClr val="accent1">
+                <a:shade val="50000"/>
+              </a:schemeClr>
+            </a:lnRef>
+            <a:fillRef idx="1">
+              <a:schemeClr val="accent1"/>
+            </a:fillRef>
+            <a:effectRef idx="0">
+              <a:schemeClr val="accent1"/>
+            </a:effectRef>
+            <a:fontRef idx="minor">
+              <a:schemeClr val="lt1"/>
+            </a:fontRef>
+          </p:style>
+          <p:txBody>
+            <a:bodyPr rtlCol="0" anchor="ctr"/>
+            <a:lstStyle/>
+            <a:p>
+              <a:pPr algn="ctr"/>
+              <a:endParaRPr lang="ko-KR" altLang="en-US"/>
+            </a:p>
+          </p:txBody>
+        </p:sp>
+      </p:grpSp>
     </p:spTree>
     <p:extLst>
       <p:ext uri="{BB962C8B-B14F-4D97-AF65-F5344CB8AC3E}">
-        <p14:creationId xmlns:p14="http://schemas.microsoft.com/office/powerpoint/2010/main" val="3218724754"/>
+        <p14:creationId xmlns:p14="http://schemas.microsoft.com/office/powerpoint/2010/main" val="335418030"/>
       </p:ext>
     </p:extLst>
   </p:cSld>
@@ -5489,14 +5456,14 @@
           <p:nvPr>
             <p:extLst>
               <p:ext uri="{D42A27DB-BD31-4B8C-83A1-F6EECF244321}">
-                <p14:modId xmlns:p14="http://schemas.microsoft.com/office/powerpoint/2010/main" val="4171795936"/>
+                <p14:modId xmlns:p14="http://schemas.microsoft.com/office/powerpoint/2010/main" val="135503863"/>
               </p:ext>
             </p:extLst>
           </p:nvPr>
         </p:nvGraphicFramePr>
         <p:xfrm>
           <a:off x="6392332" y="719664"/>
-          <a:ext cx="4174068" cy="3007344"/>
+          <a:ext cx="4174068" cy="4172772"/>
         </p:xfrm>
         <a:graphic>
           <a:graphicData uri="http://schemas.openxmlformats.org/drawingml/2006/table">
@@ -5597,7 +5564,7 @@
                       <a:pPr algn="ctr" latinLnBrk="1"/>
                       <a:r>
                         <a:rPr lang="en-US" altLang="ko-KR" dirty="0" smtClean="0"/>
-                        <a:t>07-01-02</a:t>
+                        <a:t>07-01-01</a:t>
                       </a:r>
                       <a:endParaRPr lang="ko-KR" altLang="en-US" dirty="0"/>
                     </a:p>
@@ -5627,6 +5594,62 @@
                     <a:lstStyle/>
                     <a:p>
                       <a:pPr algn="ctr" latinLnBrk="1"/>
+                      <a:endParaRPr lang="ko-KR" altLang="en-US" dirty="0"/>
+                    </a:p>
+                  </a:txBody>
+                  <a:tcPr anchor="ctr"/>
+                </a:tc>
+              </a:tr>
+              <a:tr h="1165428">
+                <a:tc>
+                  <a:txBody>
+                    <a:bodyPr/>
+                    <a:lstStyle/>
+                    <a:p>
+                      <a:pPr algn="ctr" latinLnBrk="1"/>
+                      <a:r>
+                        <a:rPr lang="ko-KR" altLang="en-US" dirty="0" smtClean="0"/>
+                        <a:t>스크롤 바</a:t>
+                      </a:r>
+                      <a:endParaRPr lang="ko-KR" altLang="en-US" dirty="0"/>
+                    </a:p>
+                  </a:txBody>
+                  <a:tcPr anchor="ctr"/>
+                </a:tc>
+                <a:tc>
+                  <a:txBody>
+                    <a:bodyPr/>
+                    <a:lstStyle/>
+                    <a:p>
+                      <a:pPr algn="ctr" latinLnBrk="1"/>
+                      <a:r>
+                        <a:rPr lang="ko-KR" altLang="en-US" dirty="0" smtClean="0"/>
+                        <a:t>친구 </a:t>
+                      </a:r>
+                      <a:r>
+                        <a:rPr lang="en-US" altLang="ko-KR" dirty="0" smtClean="0"/>
+                        <a:t>-&gt; </a:t>
+                      </a:r>
+                      <a:r>
+                        <a:rPr lang="ko-KR" altLang="en-US" dirty="0" smtClean="0"/>
+                        <a:t>다 보여</a:t>
+                      </a:r>
+                      <a:endParaRPr lang="en-US" altLang="ko-KR" dirty="0" smtClean="0"/>
+                    </a:p>
+                    <a:p>
+                      <a:pPr algn="ctr" latinLnBrk="1"/>
+                      <a:r>
+                        <a:rPr lang="ko-KR" altLang="en-US" dirty="0" smtClean="0"/>
+                        <a:t>세계 </a:t>
+                      </a:r>
+                      <a:r>
+                        <a:rPr lang="en-US" altLang="ko-KR" dirty="0" smtClean="0"/>
+                        <a:t>-&gt; 100</a:t>
+                      </a:r>
+                      <a:r>
+                        <a:rPr lang="ko-KR" altLang="en-US" dirty="0" smtClean="0"/>
+                        <a:t>위</a:t>
+                      </a:r>
                       <a:endParaRPr lang="ko-KR" altLang="en-US" dirty="0"/>
                     </a:p>
                   </a:txBody>
@@ -5817,6 +5840,1007 @@
           </a:p>
         </p:txBody>
       </p:sp>
+      <p:graphicFrame>
+        <p:nvGraphicFramePr>
+          <p:cNvPr id="9" name="표 8"/>
+          <p:cNvGraphicFramePr>
+            <a:graphicFrameLocks noGrp="1"/>
+          </p:cNvGraphicFramePr>
+          <p:nvPr>
+            <p:extLst>
+              <p:ext uri="{D42A27DB-BD31-4B8C-83A1-F6EECF244321}">
+                <p14:modId xmlns:p14="http://schemas.microsoft.com/office/powerpoint/2010/main" val="817737965"/>
+              </p:ext>
+            </p:extLst>
+          </p:nvPr>
+        </p:nvGraphicFramePr>
+        <p:xfrm>
+          <a:off x="1500934" y="1236134"/>
+          <a:ext cx="3551332" cy="3428991"/>
+        </p:xfrm>
+        <a:graphic>
+          <a:graphicData uri="http://schemas.openxmlformats.org/drawingml/2006/table">
+            <a:tbl>
+              <a:tblPr firstRow="1" bandRow="1">
+                <a:tableStyleId>{21E4AEA4-8DFA-4A89-87EB-49C32662AFE0}</a:tableStyleId>
+              </a:tblPr>
+              <a:tblGrid>
+                <a:gridCol w="658066"/>
+                <a:gridCol w="1168400"/>
+                <a:gridCol w="650767"/>
+                <a:gridCol w="1074099"/>
+              </a:tblGrid>
+              <a:tr h="380999">
+                <a:tc>
+                  <a:txBody>
+                    <a:bodyPr/>
+                    <a:lstStyle/>
+                    <a:p>
+                      <a:pPr algn="ctr" latinLnBrk="1"/>
+                      <a:r>
+                        <a:rPr lang="ko-KR" altLang="en-US" sz="1200" dirty="0" smtClean="0"/>
+                        <a:t>랭킹</a:t>
+                      </a:r>
+                      <a:endParaRPr lang="ko-KR" altLang="en-US" sz="1200" dirty="0"/>
+                    </a:p>
+                  </a:txBody>
+                  <a:tcPr anchor="ctr"/>
+                </a:tc>
+                <a:tc>
+                  <a:txBody>
+                    <a:bodyPr/>
+                    <a:lstStyle/>
+                    <a:p>
+                      <a:pPr algn="ctr" latinLnBrk="1"/>
+                      <a:r>
+                        <a:rPr lang="ko-KR" altLang="en-US" sz="1200" dirty="0" smtClean="0"/>
+                        <a:t>닉네임</a:t>
+                      </a:r>
+                      <a:endParaRPr lang="ko-KR" altLang="en-US" sz="1200" dirty="0"/>
+                    </a:p>
+                  </a:txBody>
+                  <a:tcPr anchor="ctr"/>
+                </a:tc>
+                <a:tc>
+                  <a:txBody>
+                    <a:bodyPr/>
+                    <a:lstStyle/>
+                    <a:p>
+                      <a:pPr marL="0" marR="0" indent="0" algn="ctr" defTabSz="914400" rtl="0" eaLnBrk="1" fontAlgn="auto" latinLnBrk="1" hangingPunct="1">
+                        <a:lnSpc>
+                          <a:spcPct val="100000"/>
+                        </a:lnSpc>
+                        <a:spcBef>
+                          <a:spcPts val="0"/>
+                        </a:spcBef>
+                        <a:spcAft>
+                          <a:spcPts val="0"/>
+                        </a:spcAft>
+                        <a:buClrTx/>
+                        <a:buSzTx/>
+                        <a:buFontTx/>
+                        <a:buNone/>
+                        <a:tabLst/>
+                        <a:defRPr/>
+                      </a:pPr>
+                      <a:r>
+                        <a:rPr lang="ko-KR" altLang="en-US" sz="1200" dirty="0" smtClean="0"/>
+                        <a:t>별</a:t>
+                      </a:r>
+                    </a:p>
+                  </a:txBody>
+                  <a:tcPr anchor="ctr"/>
+                </a:tc>
+                <a:tc>
+                  <a:txBody>
+                    <a:bodyPr/>
+                    <a:lstStyle/>
+                    <a:p>
+                      <a:pPr algn="ctr" latinLnBrk="1"/>
+                      <a:r>
+                        <a:rPr lang="ko-KR" altLang="en-US" sz="1200" dirty="0" smtClean="0"/>
+                        <a:t>점수</a:t>
+                      </a:r>
+                      <a:endParaRPr lang="ko-KR" altLang="en-US" sz="1200" dirty="0"/>
+                    </a:p>
+                  </a:txBody>
+                  <a:tcPr anchor="ctr"/>
+                </a:tc>
+              </a:tr>
+              <a:tr h="380999">
+                <a:tc>
+                  <a:txBody>
+                    <a:bodyPr/>
+                    <a:lstStyle/>
+                    <a:p>
+                      <a:pPr algn="ctr" latinLnBrk="1"/>
+                      <a:r>
+                        <a:rPr lang="en-US" altLang="ko-KR" sz="1200" dirty="0" smtClean="0"/>
+                        <a:t>1</a:t>
+                      </a:r>
+                      <a:endParaRPr lang="ko-KR" altLang="en-US" sz="1200" dirty="0"/>
+                    </a:p>
+                  </a:txBody>
+                  <a:tcPr anchor="ctr"/>
+                </a:tc>
+                <a:tc>
+                  <a:txBody>
+                    <a:bodyPr/>
+                    <a:lstStyle/>
+                    <a:p>
+                      <a:pPr algn="ctr" latinLnBrk="1"/>
+                      <a:r>
+                        <a:rPr lang="ko-KR" altLang="en-US" sz="1200" dirty="0" smtClean="0"/>
+                        <a:t>하하하</a:t>
+                      </a:r>
+                      <a:endParaRPr lang="ko-KR" altLang="en-US" sz="1200" dirty="0"/>
+                    </a:p>
+                  </a:txBody>
+                  <a:tcPr anchor="ctr"/>
+                </a:tc>
+                <a:tc>
+                  <a:txBody>
+                    <a:bodyPr/>
+                    <a:lstStyle/>
+                    <a:p>
+                      <a:pPr algn="ctr" latinLnBrk="1"/>
+                      <a:r>
+                        <a:rPr lang="en-US" altLang="ko-KR" sz="1200" dirty="0" smtClean="0"/>
+                        <a:t>5</a:t>
+                      </a:r>
+                      <a:endParaRPr lang="ko-KR" altLang="en-US" sz="1200" dirty="0"/>
+                    </a:p>
+                  </a:txBody>
+                  <a:tcPr anchor="ctr"/>
+                </a:tc>
+                <a:tc>
+                  <a:txBody>
+                    <a:bodyPr/>
+                    <a:lstStyle/>
+                    <a:p>
+                      <a:pPr algn="ctr" latinLnBrk="1"/>
+                      <a:r>
+                        <a:rPr lang="en-US" altLang="ko-KR" sz="1200" dirty="0" smtClean="0"/>
+                        <a:t>20</a:t>
+                      </a:r>
+                      <a:endParaRPr lang="ko-KR" altLang="en-US" sz="1200" dirty="0"/>
+                    </a:p>
+                  </a:txBody>
+                  <a:tcPr anchor="ctr"/>
+                </a:tc>
+              </a:tr>
+              <a:tr h="380999">
+                <a:tc>
+                  <a:txBody>
+                    <a:bodyPr/>
+                    <a:lstStyle/>
+                    <a:p>
+                      <a:pPr algn="ctr" latinLnBrk="1"/>
+                      <a:r>
+                        <a:rPr lang="en-US" altLang="ko-KR" sz="1200" dirty="0" smtClean="0"/>
+                        <a:t>2</a:t>
+                      </a:r>
+                      <a:endParaRPr lang="ko-KR" altLang="en-US" sz="1200" dirty="0"/>
+                    </a:p>
+                  </a:txBody>
+                  <a:tcPr anchor="ctr"/>
+                </a:tc>
+                <a:tc>
+                  <a:txBody>
+                    <a:bodyPr/>
+                    <a:lstStyle/>
+                    <a:p>
+                      <a:pPr algn="ctr" latinLnBrk="1"/>
+                      <a:r>
+                        <a:rPr lang="en-US" altLang="ko-KR" sz="1200" dirty="0" smtClean="0"/>
+                        <a:t>Jung0313</a:t>
+                      </a:r>
+                      <a:endParaRPr lang="ko-KR" altLang="en-US" sz="1200" dirty="0"/>
+                    </a:p>
+                  </a:txBody>
+                  <a:tcPr anchor="ctr"/>
+                </a:tc>
+                <a:tc>
+                  <a:txBody>
+                    <a:bodyPr/>
+                    <a:lstStyle/>
+                    <a:p>
+                      <a:pPr algn="ctr" latinLnBrk="1"/>
+                      <a:r>
+                        <a:rPr lang="en-US" altLang="ko-KR" sz="1200" dirty="0" smtClean="0"/>
+                        <a:t>1</a:t>
+                      </a:r>
+                      <a:endParaRPr lang="ko-KR" altLang="en-US" sz="1200" dirty="0"/>
+                    </a:p>
+                  </a:txBody>
+                  <a:tcPr anchor="ctr"/>
+                </a:tc>
+                <a:tc>
+                  <a:txBody>
+                    <a:bodyPr/>
+                    <a:lstStyle/>
+                    <a:p>
+                      <a:pPr algn="ctr" latinLnBrk="1"/>
+                      <a:r>
+                        <a:rPr lang="en-US" altLang="ko-KR" sz="1200" dirty="0" smtClean="0"/>
+                        <a:t>10</a:t>
+                      </a:r>
+                      <a:endParaRPr lang="ko-KR" altLang="en-US" sz="1200" dirty="0"/>
+                    </a:p>
+                  </a:txBody>
+                  <a:tcPr anchor="ctr"/>
+                </a:tc>
+              </a:tr>
+              <a:tr h="380999">
+                <a:tc>
+                  <a:txBody>
+                    <a:bodyPr/>
+                    <a:lstStyle/>
+                    <a:p>
+                      <a:pPr algn="ctr" latinLnBrk="1"/>
+                      <a:r>
+                        <a:rPr lang="en-US" altLang="ko-KR" sz="1200" dirty="0" smtClean="0"/>
+                        <a:t>3</a:t>
+                      </a:r>
+                      <a:endParaRPr lang="ko-KR" altLang="en-US" sz="1200" dirty="0"/>
+                    </a:p>
+                  </a:txBody>
+                  <a:tcPr anchor="ctr"/>
+                </a:tc>
+                <a:tc>
+                  <a:txBody>
+                    <a:bodyPr/>
+                    <a:lstStyle/>
+                    <a:p>
+                      <a:pPr algn="ctr" latinLnBrk="1"/>
+                      <a:endParaRPr lang="ko-KR" altLang="en-US" sz="1200" dirty="0"/>
+                    </a:p>
+                  </a:txBody>
+                  <a:tcPr anchor="ctr"/>
+                </a:tc>
+                <a:tc>
+                  <a:txBody>
+                    <a:bodyPr/>
+                    <a:lstStyle/>
+                    <a:p>
+                      <a:pPr algn="ctr" latinLnBrk="1"/>
+                      <a:endParaRPr lang="ko-KR" altLang="en-US" sz="1200" dirty="0"/>
+                    </a:p>
+                  </a:txBody>
+                  <a:tcPr anchor="ctr"/>
+                </a:tc>
+                <a:tc>
+                  <a:txBody>
+                    <a:bodyPr/>
+                    <a:lstStyle/>
+                    <a:p>
+                      <a:pPr algn="ctr" latinLnBrk="1"/>
+                      <a:endParaRPr lang="ko-KR" altLang="en-US" sz="1200" dirty="0"/>
+                    </a:p>
+                  </a:txBody>
+                  <a:tcPr anchor="ctr"/>
+                </a:tc>
+              </a:tr>
+              <a:tr h="380999">
+                <a:tc>
+                  <a:txBody>
+                    <a:bodyPr/>
+                    <a:lstStyle/>
+                    <a:p>
+                      <a:pPr algn="ctr" latinLnBrk="1"/>
+                      <a:r>
+                        <a:rPr lang="en-US" altLang="ko-KR" sz="1200" dirty="0" smtClean="0"/>
+                        <a:t>4</a:t>
+                      </a:r>
+                      <a:endParaRPr lang="ko-KR" altLang="en-US" sz="1200" dirty="0"/>
+                    </a:p>
+                  </a:txBody>
+                  <a:tcPr anchor="ctr"/>
+                </a:tc>
+                <a:tc>
+                  <a:txBody>
+                    <a:bodyPr/>
+                    <a:lstStyle/>
+                    <a:p>
+                      <a:pPr algn="ctr" latinLnBrk="1"/>
+                      <a:endParaRPr lang="ko-KR" altLang="en-US" sz="1200" dirty="0"/>
+                    </a:p>
+                  </a:txBody>
+                  <a:tcPr anchor="ctr"/>
+                </a:tc>
+                <a:tc>
+                  <a:txBody>
+                    <a:bodyPr/>
+                    <a:lstStyle/>
+                    <a:p>
+                      <a:pPr algn="ctr" latinLnBrk="1"/>
+                      <a:endParaRPr lang="ko-KR" altLang="en-US" sz="1200" dirty="0"/>
+                    </a:p>
+                  </a:txBody>
+                  <a:tcPr anchor="ctr"/>
+                </a:tc>
+                <a:tc>
+                  <a:txBody>
+                    <a:bodyPr/>
+                    <a:lstStyle/>
+                    <a:p>
+                      <a:pPr algn="ctr" latinLnBrk="1"/>
+                      <a:endParaRPr lang="ko-KR" altLang="en-US" sz="1200" dirty="0"/>
+                    </a:p>
+                  </a:txBody>
+                  <a:tcPr anchor="ctr"/>
+                </a:tc>
+              </a:tr>
+              <a:tr h="380999">
+                <a:tc>
+                  <a:txBody>
+                    <a:bodyPr/>
+                    <a:lstStyle/>
+                    <a:p>
+                      <a:pPr algn="ctr" latinLnBrk="1"/>
+                      <a:r>
+                        <a:rPr lang="en-US" altLang="ko-KR" sz="1200" dirty="0" smtClean="0"/>
+                        <a:t>5</a:t>
+                      </a:r>
+                      <a:endParaRPr lang="ko-KR" altLang="en-US" sz="1200" dirty="0"/>
+                    </a:p>
+                  </a:txBody>
+                  <a:tcPr anchor="ctr">
+                    <a:lnB w="12700" cap="flat" cmpd="sng" algn="ctr">
+                      <a:solidFill>
+                        <a:schemeClr val="tx1"/>
+                      </a:solidFill>
+                      <a:prstDash val="solid"/>
+                      <a:round/>
+                      <a:headEnd type="none" w="med" len="med"/>
+                      <a:tailEnd type="none" w="med" len="med"/>
+                    </a:lnB>
+                  </a:tcPr>
+                </a:tc>
+                <a:tc>
+                  <a:txBody>
+                    <a:bodyPr/>
+                    <a:lstStyle/>
+                    <a:p>
+                      <a:pPr algn="ctr" latinLnBrk="1"/>
+                      <a:endParaRPr lang="ko-KR" altLang="en-US" sz="1200" dirty="0"/>
+                    </a:p>
+                  </a:txBody>
+                  <a:tcPr anchor="ctr">
+                    <a:lnB w="12700" cap="flat" cmpd="sng" algn="ctr">
+                      <a:solidFill>
+                        <a:schemeClr val="tx1"/>
+                      </a:solidFill>
+                      <a:prstDash val="solid"/>
+                      <a:round/>
+                      <a:headEnd type="none" w="med" len="med"/>
+                      <a:tailEnd type="none" w="med" len="med"/>
+                    </a:lnB>
+                  </a:tcPr>
+                </a:tc>
+                <a:tc>
+                  <a:txBody>
+                    <a:bodyPr/>
+                    <a:lstStyle/>
+                    <a:p>
+                      <a:pPr algn="ctr" latinLnBrk="1"/>
+                      <a:endParaRPr lang="ko-KR" altLang="en-US" sz="1200" dirty="0"/>
+                    </a:p>
+                  </a:txBody>
+                  <a:tcPr anchor="ctr">
+                    <a:lnB w="12700" cap="flat" cmpd="sng" algn="ctr">
+                      <a:solidFill>
+                        <a:schemeClr val="tx1"/>
+                      </a:solidFill>
+                      <a:prstDash val="solid"/>
+                      <a:round/>
+                      <a:headEnd type="none" w="med" len="med"/>
+                      <a:tailEnd type="none" w="med" len="med"/>
+                    </a:lnB>
+                  </a:tcPr>
+                </a:tc>
+                <a:tc>
+                  <a:txBody>
+                    <a:bodyPr/>
+                    <a:lstStyle/>
+                    <a:p>
+                      <a:pPr algn="ctr" latinLnBrk="1"/>
+                      <a:endParaRPr lang="ko-KR" altLang="en-US" sz="1200" dirty="0"/>
+                    </a:p>
+                  </a:txBody>
+                  <a:tcPr anchor="ctr">
+                    <a:lnB w="12700" cap="flat" cmpd="sng" algn="ctr">
+                      <a:solidFill>
+                        <a:schemeClr val="tx1"/>
+                      </a:solidFill>
+                      <a:prstDash val="solid"/>
+                      <a:round/>
+                      <a:headEnd type="none" w="med" len="med"/>
+                      <a:tailEnd type="none" w="med" len="med"/>
+                    </a:lnB>
+                  </a:tcPr>
+                </a:tc>
+              </a:tr>
+              <a:tr h="380999">
+                <a:tc>
+                  <a:txBody>
+                    <a:bodyPr/>
+                    <a:lstStyle/>
+                    <a:p>
+                      <a:pPr algn="ctr" latinLnBrk="1"/>
+                      <a:r>
+                        <a:rPr lang="en-US" altLang="ko-KR" sz="1200" dirty="0" smtClean="0">
+                          <a:solidFill>
+                            <a:sysClr val="windowText" lastClr="000000"/>
+                          </a:solidFill>
+                        </a:rPr>
+                        <a:t>6</a:t>
+                      </a:r>
+                      <a:endParaRPr lang="ko-KR" altLang="en-US" sz="1200" dirty="0">
+                        <a:solidFill>
+                          <a:sysClr val="windowText" lastClr="000000"/>
+                        </a:solidFill>
+                      </a:endParaRPr>
+                    </a:p>
+                  </a:txBody>
+                  <a:tcPr anchor="ctr">
+                    <a:lnL w="12700" cap="flat" cmpd="sng" algn="ctr">
+                      <a:solidFill>
+                        <a:schemeClr val="tx1"/>
+                      </a:solidFill>
+                      <a:prstDash val="solid"/>
+                      <a:round/>
+                      <a:headEnd type="none" w="med" len="med"/>
+                      <a:tailEnd type="none" w="med" len="med"/>
+                    </a:lnL>
+                    <a:lnT w="12700" cap="flat" cmpd="sng" algn="ctr">
+                      <a:solidFill>
+                        <a:schemeClr val="tx1"/>
+                      </a:solidFill>
+                      <a:prstDash val="solid"/>
+                      <a:round/>
+                      <a:headEnd type="none" w="med" len="med"/>
+                      <a:tailEnd type="none" w="med" len="med"/>
+                    </a:lnT>
+                    <a:lnB w="12700" cap="flat" cmpd="sng" algn="ctr">
+                      <a:solidFill>
+                        <a:schemeClr val="tx1"/>
+                      </a:solidFill>
+                      <a:prstDash val="solid"/>
+                      <a:round/>
+                      <a:headEnd type="none" w="med" len="med"/>
+                      <a:tailEnd type="none" w="med" len="med"/>
+                    </a:lnB>
+                    <a:solidFill>
+                      <a:schemeClr val="accent4">
+                        <a:lumMod val="60000"/>
+                        <a:lumOff val="40000"/>
+                      </a:schemeClr>
+                    </a:solidFill>
+                  </a:tcPr>
+                </a:tc>
+                <a:tc>
+                  <a:txBody>
+                    <a:bodyPr/>
+                    <a:lstStyle/>
+                    <a:p>
+                      <a:pPr algn="ctr" latinLnBrk="1"/>
+                      <a:r>
+                        <a:rPr lang="ko-KR" altLang="en-US" sz="1200" dirty="0" err="1" smtClean="0">
+                          <a:solidFill>
+                            <a:sysClr val="windowText" lastClr="000000"/>
+                          </a:solidFill>
+                        </a:rPr>
+                        <a:t>ㅇㄴㅇ</a:t>
+                      </a:r>
+                      <a:endParaRPr lang="ko-KR" altLang="en-US" sz="1200" dirty="0">
+                        <a:solidFill>
+                          <a:sysClr val="windowText" lastClr="000000"/>
+                        </a:solidFill>
+                      </a:endParaRPr>
+                    </a:p>
+                  </a:txBody>
+                  <a:tcPr anchor="ctr">
+                    <a:lnT w="12700" cap="flat" cmpd="sng" algn="ctr">
+                      <a:solidFill>
+                        <a:schemeClr val="tx1"/>
+                      </a:solidFill>
+                      <a:prstDash val="solid"/>
+                      <a:round/>
+                      <a:headEnd type="none" w="med" len="med"/>
+                      <a:tailEnd type="none" w="med" len="med"/>
+                    </a:lnT>
+                    <a:lnB w="12700" cap="flat" cmpd="sng" algn="ctr">
+                      <a:solidFill>
+                        <a:schemeClr val="tx1"/>
+                      </a:solidFill>
+                      <a:prstDash val="solid"/>
+                      <a:round/>
+                      <a:headEnd type="none" w="med" len="med"/>
+                      <a:tailEnd type="none" w="med" len="med"/>
+                    </a:lnB>
+                    <a:solidFill>
+                      <a:schemeClr val="accent4">
+                        <a:lumMod val="60000"/>
+                        <a:lumOff val="40000"/>
+                      </a:schemeClr>
+                    </a:solidFill>
+                  </a:tcPr>
+                </a:tc>
+                <a:tc>
+                  <a:txBody>
+                    <a:bodyPr/>
+                    <a:lstStyle/>
+                    <a:p>
+                      <a:pPr algn="ctr" latinLnBrk="1"/>
+                      <a:r>
+                        <a:rPr lang="en-US" altLang="ko-KR" sz="1200" dirty="0" smtClean="0">
+                          <a:solidFill>
+                            <a:sysClr val="windowText" lastClr="000000"/>
+                          </a:solidFill>
+                        </a:rPr>
+                        <a:t>2</a:t>
+                      </a:r>
+                      <a:endParaRPr lang="ko-KR" altLang="en-US" sz="1200" dirty="0">
+                        <a:solidFill>
+                          <a:sysClr val="windowText" lastClr="000000"/>
+                        </a:solidFill>
+                      </a:endParaRPr>
+                    </a:p>
+                  </a:txBody>
+                  <a:tcPr anchor="ctr">
+                    <a:lnT w="12700" cap="flat" cmpd="sng" algn="ctr">
+                      <a:solidFill>
+                        <a:schemeClr val="tx1"/>
+                      </a:solidFill>
+                      <a:prstDash val="solid"/>
+                      <a:round/>
+                      <a:headEnd type="none" w="med" len="med"/>
+                      <a:tailEnd type="none" w="med" len="med"/>
+                    </a:lnT>
+                    <a:lnB w="12700" cap="flat" cmpd="sng" algn="ctr">
+                      <a:solidFill>
+                        <a:schemeClr val="tx1"/>
+                      </a:solidFill>
+                      <a:prstDash val="solid"/>
+                      <a:round/>
+                      <a:headEnd type="none" w="med" len="med"/>
+                      <a:tailEnd type="none" w="med" len="med"/>
+                    </a:lnB>
+                    <a:solidFill>
+                      <a:schemeClr val="accent4">
+                        <a:lumMod val="60000"/>
+                        <a:lumOff val="40000"/>
+                      </a:schemeClr>
+                    </a:solidFill>
+                  </a:tcPr>
+                </a:tc>
+                <a:tc>
+                  <a:txBody>
+                    <a:bodyPr/>
+                    <a:lstStyle/>
+                    <a:p>
+                      <a:pPr algn="ctr" latinLnBrk="1"/>
+                      <a:r>
+                        <a:rPr lang="en-US" altLang="ko-KR" sz="1200" dirty="0" smtClean="0">
+                          <a:solidFill>
+                            <a:sysClr val="windowText" lastClr="000000"/>
+                          </a:solidFill>
+                        </a:rPr>
+                        <a:t>1</a:t>
+                      </a:r>
+                      <a:endParaRPr lang="ko-KR" altLang="en-US" sz="1200" dirty="0">
+                        <a:solidFill>
+                          <a:sysClr val="windowText" lastClr="000000"/>
+                        </a:solidFill>
+                      </a:endParaRPr>
+                    </a:p>
+                  </a:txBody>
+                  <a:tcPr anchor="ctr">
+                    <a:lnR w="12700" cap="flat" cmpd="sng" algn="ctr">
+                      <a:solidFill>
+                        <a:schemeClr val="tx1"/>
+                      </a:solidFill>
+                      <a:prstDash val="solid"/>
+                      <a:round/>
+                      <a:headEnd type="none" w="med" len="med"/>
+                      <a:tailEnd type="none" w="med" len="med"/>
+                    </a:lnR>
+                    <a:lnT w="12700" cap="flat" cmpd="sng" algn="ctr">
+                      <a:solidFill>
+                        <a:schemeClr val="tx1"/>
+                      </a:solidFill>
+                      <a:prstDash val="solid"/>
+                      <a:round/>
+                      <a:headEnd type="none" w="med" len="med"/>
+                      <a:tailEnd type="none" w="med" len="med"/>
+                    </a:lnT>
+                    <a:lnB w="12700" cap="flat" cmpd="sng" algn="ctr">
+                      <a:solidFill>
+                        <a:schemeClr val="tx1"/>
+                      </a:solidFill>
+                      <a:prstDash val="solid"/>
+                      <a:round/>
+                      <a:headEnd type="none" w="med" len="med"/>
+                      <a:tailEnd type="none" w="med" len="med"/>
+                    </a:lnB>
+                    <a:solidFill>
+                      <a:schemeClr val="accent4">
+                        <a:lumMod val="60000"/>
+                        <a:lumOff val="40000"/>
+                      </a:schemeClr>
+                    </a:solidFill>
+                  </a:tcPr>
+                </a:tc>
+              </a:tr>
+              <a:tr h="380999">
+                <a:tc>
+                  <a:txBody>
+                    <a:bodyPr/>
+                    <a:lstStyle/>
+                    <a:p>
+                      <a:pPr algn="ctr" latinLnBrk="1"/>
+                      <a:endParaRPr lang="ko-KR" altLang="en-US" sz="1200" dirty="0"/>
+                    </a:p>
+                  </a:txBody>
+                  <a:tcPr anchor="ctr">
+                    <a:lnT w="12700" cap="flat" cmpd="sng" algn="ctr">
+                      <a:solidFill>
+                        <a:schemeClr val="tx1"/>
+                      </a:solidFill>
+                      <a:prstDash val="solid"/>
+                      <a:round/>
+                      <a:headEnd type="none" w="med" len="med"/>
+                      <a:tailEnd type="none" w="med" len="med"/>
+                    </a:lnT>
+                  </a:tcPr>
+                </a:tc>
+                <a:tc>
+                  <a:txBody>
+                    <a:bodyPr/>
+                    <a:lstStyle/>
+                    <a:p>
+                      <a:pPr algn="ctr" latinLnBrk="1"/>
+                      <a:endParaRPr lang="ko-KR" altLang="en-US" sz="1200" dirty="0"/>
+                    </a:p>
+                  </a:txBody>
+                  <a:tcPr anchor="ctr">
+                    <a:lnT w="12700" cap="flat" cmpd="sng" algn="ctr">
+                      <a:solidFill>
+                        <a:schemeClr val="tx1"/>
+                      </a:solidFill>
+                      <a:prstDash val="solid"/>
+                      <a:round/>
+                      <a:headEnd type="none" w="med" len="med"/>
+                      <a:tailEnd type="none" w="med" len="med"/>
+                    </a:lnT>
+                  </a:tcPr>
+                </a:tc>
+                <a:tc>
+                  <a:txBody>
+                    <a:bodyPr/>
+                    <a:lstStyle/>
+                    <a:p>
+                      <a:pPr algn="ctr" latinLnBrk="1"/>
+                      <a:endParaRPr lang="ko-KR" altLang="en-US" sz="1200" dirty="0"/>
+                    </a:p>
+                  </a:txBody>
+                  <a:tcPr anchor="ctr">
+                    <a:lnT w="12700" cap="flat" cmpd="sng" algn="ctr">
+                      <a:solidFill>
+                        <a:schemeClr val="tx1"/>
+                      </a:solidFill>
+                      <a:prstDash val="solid"/>
+                      <a:round/>
+                      <a:headEnd type="none" w="med" len="med"/>
+                      <a:tailEnd type="none" w="med" len="med"/>
+                    </a:lnT>
+                  </a:tcPr>
+                </a:tc>
+                <a:tc>
+                  <a:txBody>
+                    <a:bodyPr/>
+                    <a:lstStyle/>
+                    <a:p>
+                      <a:pPr algn="ctr" latinLnBrk="1"/>
+                      <a:endParaRPr lang="ko-KR" altLang="en-US" sz="1200" dirty="0"/>
+                    </a:p>
+                  </a:txBody>
+                  <a:tcPr anchor="ctr">
+                    <a:lnT w="12700" cap="flat" cmpd="sng" algn="ctr">
+                      <a:solidFill>
+                        <a:schemeClr val="tx1"/>
+                      </a:solidFill>
+                      <a:prstDash val="solid"/>
+                      <a:round/>
+                      <a:headEnd type="none" w="med" len="med"/>
+                      <a:tailEnd type="none" w="med" len="med"/>
+                    </a:lnT>
+                  </a:tcPr>
+                </a:tc>
+              </a:tr>
+              <a:tr h="380999">
+                <a:tc>
+                  <a:txBody>
+                    <a:bodyPr/>
+                    <a:lstStyle/>
+                    <a:p>
+                      <a:pPr algn="ctr" latinLnBrk="1"/>
+                      <a:endParaRPr lang="ko-KR" altLang="en-US" sz="1200" dirty="0"/>
+                    </a:p>
+                  </a:txBody>
+                  <a:tcPr anchor="ctr"/>
+                </a:tc>
+                <a:tc>
+                  <a:txBody>
+                    <a:bodyPr/>
+                    <a:lstStyle/>
+                    <a:p>
+                      <a:pPr algn="ctr" latinLnBrk="1"/>
+                      <a:endParaRPr lang="ko-KR" altLang="en-US" sz="1200" dirty="0"/>
+                    </a:p>
+                  </a:txBody>
+                  <a:tcPr anchor="ctr"/>
+                </a:tc>
+                <a:tc>
+                  <a:txBody>
+                    <a:bodyPr/>
+                    <a:lstStyle/>
+                    <a:p>
+                      <a:pPr algn="ctr" latinLnBrk="1"/>
+                      <a:endParaRPr lang="ko-KR" altLang="en-US" sz="1200" dirty="0"/>
+                    </a:p>
+                  </a:txBody>
+                  <a:tcPr anchor="ctr"/>
+                </a:tc>
+                <a:tc>
+                  <a:txBody>
+                    <a:bodyPr/>
+                    <a:lstStyle/>
+                    <a:p>
+                      <a:pPr algn="ctr" latinLnBrk="1"/>
+                      <a:endParaRPr lang="ko-KR" altLang="en-US" sz="1200" dirty="0"/>
+                    </a:p>
+                  </a:txBody>
+                  <a:tcPr anchor="ctr"/>
+                </a:tc>
+              </a:tr>
+            </a:tbl>
+          </a:graphicData>
+        </a:graphic>
+      </p:graphicFrame>
+      <p:sp>
+        <p:nvSpPr>
+          <p:cNvPr id="13" name="모서리가 둥근 직사각형 12"/>
+          <p:cNvSpPr/>
+          <p:nvPr/>
+        </p:nvSpPr>
+        <p:spPr>
+          <a:xfrm>
+            <a:off x="3072404" y="880534"/>
+            <a:ext cx="694266" cy="228600"/>
+          </a:xfrm>
+          <a:prstGeom prst="roundRect">
+            <a:avLst/>
+          </a:prstGeom>
+        </p:spPr>
+        <p:style>
+          <a:lnRef idx="2">
+            <a:schemeClr val="accent4">
+              <a:shade val="50000"/>
+            </a:schemeClr>
+          </a:lnRef>
+          <a:fillRef idx="1">
+            <a:schemeClr val="accent4"/>
+          </a:fillRef>
+          <a:effectRef idx="0">
+            <a:schemeClr val="accent4"/>
+          </a:effectRef>
+          <a:fontRef idx="minor">
+            <a:schemeClr val="lt1"/>
+          </a:fontRef>
+        </p:style>
+        <p:txBody>
+          <a:bodyPr rtlCol="0" anchor="ctr"/>
+          <a:lstStyle/>
+          <a:p>
+            <a:pPr algn="ctr"/>
+            <a:r>
+              <a:rPr lang="ko-KR" altLang="en-US" sz="1200" dirty="0" smtClean="0"/>
+              <a:t>별 순</a:t>
+            </a:r>
+            <a:endParaRPr lang="ko-KR" altLang="en-US" sz="1200" dirty="0"/>
+          </a:p>
+        </p:txBody>
+      </p:sp>
+      <p:sp>
+        <p:nvSpPr>
+          <p:cNvPr id="30" name="모서리가 둥근 직사각형 29"/>
+          <p:cNvSpPr/>
+          <p:nvPr/>
+        </p:nvSpPr>
+        <p:spPr>
+          <a:xfrm>
+            <a:off x="3894668" y="880534"/>
+            <a:ext cx="929215" cy="228600"/>
+          </a:xfrm>
+          <a:prstGeom prst="roundRect">
+            <a:avLst/>
+          </a:prstGeom>
+        </p:spPr>
+        <p:style>
+          <a:lnRef idx="2">
+            <a:schemeClr val="accent4">
+              <a:shade val="50000"/>
+            </a:schemeClr>
+          </a:lnRef>
+          <a:fillRef idx="1">
+            <a:schemeClr val="accent4"/>
+          </a:fillRef>
+          <a:effectRef idx="0">
+            <a:schemeClr val="accent4"/>
+          </a:effectRef>
+          <a:fontRef idx="minor">
+            <a:schemeClr val="lt1"/>
+          </a:fontRef>
+        </p:style>
+        <p:txBody>
+          <a:bodyPr rtlCol="0" anchor="ctr"/>
+          <a:lstStyle/>
+          <a:p>
+            <a:pPr algn="ctr"/>
+            <a:r>
+              <a:rPr lang="ko-KR" altLang="en-US" sz="1200" dirty="0" smtClean="0"/>
+              <a:t>점수</a:t>
+            </a:r>
+            <a:r>
+              <a:rPr lang="ko-KR" altLang="en-US" sz="1200" dirty="0" smtClean="0"/>
+              <a:t> </a:t>
+            </a:r>
+            <a:r>
+              <a:rPr lang="ko-KR" altLang="en-US" sz="1200" dirty="0" smtClean="0"/>
+              <a:t>순</a:t>
+            </a:r>
+            <a:endParaRPr lang="ko-KR" altLang="en-US" sz="1200" dirty="0"/>
+          </a:p>
+        </p:txBody>
+      </p:sp>
+      <p:graphicFrame>
+        <p:nvGraphicFramePr>
+          <p:cNvPr id="14" name="표 13"/>
+          <p:cNvGraphicFramePr>
+            <a:graphicFrameLocks noGrp="1"/>
+          </p:cNvGraphicFramePr>
+          <p:nvPr>
+            <p:extLst>
+              <p:ext uri="{D42A27DB-BD31-4B8C-83A1-F6EECF244321}">
+                <p14:modId xmlns:p14="http://schemas.microsoft.com/office/powerpoint/2010/main" val="2836024127"/>
+              </p:ext>
+            </p:extLst>
+          </p:nvPr>
+        </p:nvGraphicFramePr>
+        <p:xfrm>
+          <a:off x="1494365" y="4926107"/>
+          <a:ext cx="3564467" cy="440267"/>
+        </p:xfrm>
+        <a:graphic>
+          <a:graphicData uri="http://schemas.openxmlformats.org/drawingml/2006/table">
+            <a:tbl>
+              <a:tblPr firstRow="1" bandRow="1">
+                <a:tableStyleId>{5C22544A-7EE6-4342-B048-85BDC9FD1C3A}</a:tableStyleId>
+              </a:tblPr>
+              <a:tblGrid>
+                <a:gridCol w="676589"/>
+                <a:gridCol w="1105645"/>
+                <a:gridCol w="618831"/>
+                <a:gridCol w="1163402"/>
+              </a:tblGrid>
+              <a:tr h="440267">
+                <a:tc>
+                  <a:txBody>
+                    <a:bodyPr/>
+                    <a:lstStyle/>
+                    <a:p>
+                      <a:pPr algn="ctr" latinLnBrk="1"/>
+                      <a:r>
+                        <a:rPr lang="en-US" altLang="ko-KR" dirty="0" smtClean="0"/>
+                        <a:t>6</a:t>
+                      </a:r>
+                      <a:endParaRPr lang="ko-KR" altLang="en-US" dirty="0"/>
+                    </a:p>
+                  </a:txBody>
+                  <a:tcPr anchor="ctr"/>
+                </a:tc>
+                <a:tc>
+                  <a:txBody>
+                    <a:bodyPr/>
+                    <a:lstStyle/>
+                    <a:p>
+                      <a:pPr algn="ctr" latinLnBrk="1"/>
+                      <a:r>
+                        <a:rPr lang="ko-KR" altLang="en-US" dirty="0" err="1" smtClean="0"/>
+                        <a:t>ㅇㄴㅇ</a:t>
+                      </a:r>
+                      <a:endParaRPr lang="ko-KR" altLang="en-US" dirty="0"/>
+                    </a:p>
+                  </a:txBody>
+                  <a:tcPr anchor="ctr"/>
+                </a:tc>
+                <a:tc>
+                  <a:txBody>
+                    <a:bodyPr/>
+                    <a:lstStyle/>
+                    <a:p>
+                      <a:pPr algn="ctr" latinLnBrk="1"/>
+                      <a:r>
+                        <a:rPr lang="en-US" altLang="ko-KR" dirty="0" smtClean="0"/>
+                        <a:t>2</a:t>
+                      </a:r>
+                      <a:endParaRPr lang="ko-KR" altLang="en-US" dirty="0"/>
+                    </a:p>
+                  </a:txBody>
+                  <a:tcPr anchor="ctr"/>
+                </a:tc>
+                <a:tc>
+                  <a:txBody>
+                    <a:bodyPr/>
+                    <a:lstStyle/>
+                    <a:p>
+                      <a:pPr algn="ctr" latinLnBrk="1"/>
+                      <a:r>
+                        <a:rPr lang="en-US" altLang="ko-KR" dirty="0" smtClean="0"/>
+                        <a:t>1</a:t>
+                      </a:r>
+                      <a:endParaRPr lang="ko-KR" altLang="en-US" dirty="0"/>
+                    </a:p>
+                  </a:txBody>
+                  <a:tcPr anchor="ctr"/>
+                </a:tc>
+              </a:tr>
+            </a:tbl>
+          </a:graphicData>
+        </a:graphic>
+      </p:graphicFrame>
+      <p:sp>
+        <p:nvSpPr>
+          <p:cNvPr id="15" name="직사각형 14"/>
+          <p:cNvSpPr/>
+          <p:nvPr/>
+        </p:nvSpPr>
+        <p:spPr>
+          <a:xfrm>
+            <a:off x="5088466" y="1320801"/>
+            <a:ext cx="127000" cy="3368241"/>
+          </a:xfrm>
+          <a:prstGeom prst="rect">
+            <a:avLst/>
+          </a:prstGeom>
+        </p:spPr>
+        <p:style>
+          <a:lnRef idx="2">
+            <a:schemeClr val="accent6">
+              <a:shade val="50000"/>
+            </a:schemeClr>
+          </a:lnRef>
+          <a:fillRef idx="1">
+            <a:schemeClr val="accent6"/>
+          </a:fillRef>
+          <a:effectRef idx="0">
+            <a:schemeClr val="accent6"/>
+          </a:effectRef>
+          <a:fontRef idx="minor">
+            <a:schemeClr val="lt1"/>
+          </a:fontRef>
+        </p:style>
+        <p:txBody>
+          <a:bodyPr rtlCol="0" anchor="ctr"/>
+          <a:lstStyle/>
+          <a:p>
+            <a:pPr algn="ctr"/>
+            <a:endParaRPr lang="ko-KR" altLang="en-US"/>
+          </a:p>
+        </p:txBody>
+      </p:sp>
       <p:sp>
         <p:nvSpPr>
           <p:cNvPr id="35" name="직사각형 34"/>
@@ -5861,142 +6885,10 @@
           </a:p>
         </p:txBody>
       </p:sp>
-      <p:sp>
-        <p:nvSpPr>
-          <p:cNvPr id="2" name="직사각형 1"/>
-          <p:cNvSpPr/>
-          <p:nvPr/>
-        </p:nvSpPr>
-        <p:spPr>
-          <a:xfrm>
-            <a:off x="3419537" y="5088467"/>
-            <a:ext cx="1405466" cy="452221"/>
-          </a:xfrm>
-          <a:prstGeom prst="rect">
-            <a:avLst/>
-          </a:prstGeom>
-          <a:solidFill>
-            <a:schemeClr val="accent4">
-              <a:lumMod val="60000"/>
-              <a:lumOff val="40000"/>
-            </a:schemeClr>
-          </a:solidFill>
-        </p:spPr>
-        <p:style>
-          <a:lnRef idx="2">
-            <a:schemeClr val="accent1">
-              <a:shade val="50000"/>
-            </a:schemeClr>
-          </a:lnRef>
-          <a:fillRef idx="1">
-            <a:schemeClr val="accent1"/>
-          </a:fillRef>
-          <a:effectRef idx="0">
-            <a:schemeClr val="accent1"/>
-          </a:effectRef>
-          <a:fontRef idx="minor">
-            <a:schemeClr val="lt1"/>
-          </a:fontRef>
-        </p:style>
-        <p:txBody>
-          <a:bodyPr rtlCol="0" anchor="ctr"/>
-          <a:lstStyle/>
-          <a:p>
-            <a:pPr algn="ctr"/>
-            <a:r>
-              <a:rPr lang="en-US" altLang="ko-KR" dirty="0" smtClean="0"/>
-              <a:t>Facebook</a:t>
-            </a:r>
-            <a:endParaRPr lang="ko-KR" altLang="en-US" dirty="0"/>
-          </a:p>
-        </p:txBody>
-      </p:sp>
-      <p:sp>
-        <p:nvSpPr>
-          <p:cNvPr id="8" name="TextBox 7"/>
-          <p:cNvSpPr txBox="1"/>
-          <p:nvPr/>
-        </p:nvSpPr>
-        <p:spPr>
-          <a:xfrm>
-            <a:off x="1661413" y="4729142"/>
-            <a:ext cx="3230372" cy="307777"/>
-          </a:xfrm>
-          <a:prstGeom prst="rect">
-            <a:avLst/>
-          </a:prstGeom>
-          <a:noFill/>
-        </p:spPr>
-        <p:txBody>
-          <a:bodyPr wrap="none" rtlCol="0">
-            <a:spAutoFit/>
-          </a:bodyPr>
-          <a:lstStyle/>
-          <a:p>
-            <a:r>
-              <a:rPr lang="ko-KR" altLang="en-US" sz="1400" dirty="0" smtClean="0"/>
-              <a:t>지금 친구들의 랭킹을 확인해 보세요</a:t>
-            </a:r>
-            <a:r>
-              <a:rPr lang="en-US" altLang="ko-KR" sz="1400" dirty="0" smtClean="0"/>
-              <a:t>.</a:t>
-            </a:r>
-            <a:r>
-              <a:rPr lang="ko-KR" altLang="en-US" sz="1400" dirty="0" smtClean="0"/>
-              <a:t> </a:t>
-            </a:r>
-            <a:endParaRPr lang="ko-KR" altLang="en-US" sz="1400" dirty="0"/>
-          </a:p>
-        </p:txBody>
-      </p:sp>
-      <p:sp>
-        <p:nvSpPr>
-          <p:cNvPr id="10" name="직사각형 9"/>
-          <p:cNvSpPr/>
-          <p:nvPr/>
-        </p:nvSpPr>
-        <p:spPr>
-          <a:xfrm>
-            <a:off x="1951565" y="1616527"/>
-            <a:ext cx="2650067" cy="2853267"/>
-          </a:xfrm>
-          <a:prstGeom prst="rect">
-            <a:avLst/>
-          </a:prstGeom>
-        </p:spPr>
-        <p:style>
-          <a:lnRef idx="2">
-            <a:schemeClr val="accent6">
-              <a:shade val="50000"/>
-            </a:schemeClr>
-          </a:lnRef>
-          <a:fillRef idx="1">
-            <a:schemeClr val="accent6"/>
-          </a:fillRef>
-          <a:effectRef idx="0">
-            <a:schemeClr val="accent6"/>
-          </a:effectRef>
-          <a:fontRef idx="minor">
-            <a:schemeClr val="lt1"/>
-          </a:fontRef>
-        </p:style>
-        <p:txBody>
-          <a:bodyPr rtlCol="0" anchor="ctr"/>
-          <a:lstStyle/>
-          <a:p>
-            <a:pPr algn="ctr"/>
-            <a:r>
-              <a:rPr lang="ko-KR" altLang="en-US" dirty="0" smtClean="0"/>
-              <a:t>이미지</a:t>
-            </a:r>
-            <a:endParaRPr lang="ko-KR" altLang="en-US" dirty="0"/>
-          </a:p>
-        </p:txBody>
-      </p:sp>
     </p:spTree>
     <p:extLst>
       <p:ext uri="{BB962C8B-B14F-4D97-AF65-F5344CB8AC3E}">
-        <p14:creationId xmlns:p14="http://schemas.microsoft.com/office/powerpoint/2010/main" val="2134143428"/>
+        <p14:creationId xmlns:p14="http://schemas.microsoft.com/office/powerpoint/2010/main" val="3218724754"/>
       </p:ext>
     </p:extLst>
   </p:cSld>
@@ -6087,14 +6979,14 @@
           <p:nvPr>
             <p:extLst>
               <p:ext uri="{D42A27DB-BD31-4B8C-83A1-F6EECF244321}">
-                <p14:modId xmlns:p14="http://schemas.microsoft.com/office/powerpoint/2010/main" val="2607842600"/>
+                <p14:modId xmlns:p14="http://schemas.microsoft.com/office/powerpoint/2010/main" val="4171795936"/>
               </p:ext>
             </p:extLst>
           </p:nvPr>
         </p:nvGraphicFramePr>
         <p:xfrm>
           <a:off x="6392332" y="719664"/>
-          <a:ext cx="4174068" cy="4445001"/>
+          <a:ext cx="4174068" cy="3007344"/>
         </p:xfrm>
         <a:graphic>
           <a:graphicData uri="http://schemas.openxmlformats.org/drawingml/2006/table">
@@ -6176,7 +7068,7 @@
                       </a:r>
                       <a:r>
                         <a:rPr lang="ko-KR" altLang="en-US" dirty="0" smtClean="0"/>
-                        <a:t>상점 화면</a:t>
+                        <a:t>랭킹보기</a:t>
                       </a:r>
                       <a:r>
                         <a:rPr lang="en-US" altLang="ko-KR" dirty="0" smtClean="0"/>
@@ -6195,7 +7087,7 @@
                       <a:pPr algn="ctr" latinLnBrk="1"/>
                       <a:r>
                         <a:rPr lang="en-US" altLang="ko-KR" dirty="0" smtClean="0"/>
-                        <a:t>08-01-00</a:t>
+                        <a:t>07-01-02</a:t>
                       </a:r>
                       <a:endParaRPr lang="ko-KR" altLang="en-US" dirty="0"/>
                     </a:p>
@@ -6214,30 +7106,6 @@
                         <a:rPr lang="en-US" altLang="ko-KR" dirty="0" smtClean="0"/>
                         <a:t>btn01</a:t>
                       </a:r>
-                      <a:endParaRPr lang="ko-KR" altLang="en-US" dirty="0"/>
-                    </a:p>
-                  </a:txBody>
-                  <a:tcPr anchor="ctr"/>
-                </a:tc>
-                <a:tc>
-                  <a:txBody>
-                    <a:bodyPr/>
-                    <a:lstStyle/>
-                    <a:p>
-                      <a:pPr algn="ctr" latinLnBrk="1"/>
-                      <a:endParaRPr lang="ko-KR" altLang="en-US" dirty="0"/>
-                    </a:p>
-                  </a:txBody>
-                  <a:tcPr anchor="ctr"/>
-                </a:tc>
-              </a:tr>
-              <a:tr h="1437657">
-                <a:tc>
-                  <a:txBody>
-                    <a:bodyPr/>
-                    <a:lstStyle/>
-                    <a:p>
-                      <a:pPr algn="ctr" latinLnBrk="1"/>
                       <a:endParaRPr lang="ko-KR" altLang="en-US" dirty="0"/>
                     </a:p>
                   </a:txBody>
@@ -6261,7 +7129,187 @@
       </p:graphicFrame>
       <p:sp>
         <p:nvSpPr>
-          <p:cNvPr id="15" name="직사각형 14"/>
+          <p:cNvPr id="6" name="모서리가 둥근 직사각형 5"/>
+          <p:cNvSpPr/>
+          <p:nvPr/>
+        </p:nvSpPr>
+        <p:spPr>
+          <a:xfrm>
+            <a:off x="1748364" y="541867"/>
+            <a:ext cx="855134" cy="677334"/>
+          </a:xfrm>
+          <a:prstGeom prst="roundRect">
+            <a:avLst/>
+          </a:prstGeom>
+        </p:spPr>
+        <p:style>
+          <a:lnRef idx="2">
+            <a:schemeClr val="accent1">
+              <a:shade val="50000"/>
+            </a:schemeClr>
+          </a:lnRef>
+          <a:fillRef idx="1">
+            <a:schemeClr val="accent1"/>
+          </a:fillRef>
+          <a:effectRef idx="0">
+            <a:schemeClr val="accent1"/>
+          </a:effectRef>
+          <a:fontRef idx="minor">
+            <a:schemeClr val="lt1"/>
+          </a:fontRef>
+        </p:style>
+        <p:txBody>
+          <a:bodyPr rtlCol="0" anchor="ctr"/>
+          <a:lstStyle/>
+          <a:p>
+            <a:pPr algn="ctr"/>
+            <a:endParaRPr lang="ko-KR" altLang="en-US"/>
+          </a:p>
+        </p:txBody>
+      </p:sp>
+      <p:sp>
+        <p:nvSpPr>
+          <p:cNvPr id="24" name="모서리가 둥근 직사각형 23"/>
+          <p:cNvSpPr/>
+          <p:nvPr/>
+        </p:nvSpPr>
+        <p:spPr>
+          <a:xfrm>
+            <a:off x="2709331" y="541867"/>
+            <a:ext cx="855134" cy="677334"/>
+          </a:xfrm>
+          <a:prstGeom prst="roundRect">
+            <a:avLst/>
+          </a:prstGeom>
+        </p:spPr>
+        <p:style>
+          <a:lnRef idx="2">
+            <a:schemeClr val="accent1">
+              <a:shade val="50000"/>
+            </a:schemeClr>
+          </a:lnRef>
+          <a:fillRef idx="1">
+            <a:schemeClr val="accent1"/>
+          </a:fillRef>
+          <a:effectRef idx="0">
+            <a:schemeClr val="accent1"/>
+          </a:effectRef>
+          <a:fontRef idx="minor">
+            <a:schemeClr val="lt1"/>
+          </a:fontRef>
+        </p:style>
+        <p:txBody>
+          <a:bodyPr rtlCol="0" anchor="ctr"/>
+          <a:lstStyle/>
+          <a:p>
+            <a:pPr algn="ctr"/>
+            <a:endParaRPr lang="ko-KR" altLang="en-US"/>
+          </a:p>
+        </p:txBody>
+      </p:sp>
+      <p:sp>
+        <p:nvSpPr>
+          <p:cNvPr id="3" name="모서리가 둥근 직사각형 2"/>
+          <p:cNvSpPr/>
+          <p:nvPr/>
+        </p:nvSpPr>
+        <p:spPr>
+          <a:xfrm>
+            <a:off x="1172633" y="778934"/>
+            <a:ext cx="4207933" cy="4976907"/>
+          </a:xfrm>
+          <a:prstGeom prst="roundRect">
+            <a:avLst/>
+          </a:prstGeom>
+        </p:spPr>
+        <p:style>
+          <a:lnRef idx="2">
+            <a:schemeClr val="accent1">
+              <a:shade val="50000"/>
+            </a:schemeClr>
+          </a:lnRef>
+          <a:fillRef idx="1">
+            <a:schemeClr val="accent1"/>
+          </a:fillRef>
+          <a:effectRef idx="0">
+            <a:schemeClr val="accent1"/>
+          </a:effectRef>
+          <a:fontRef idx="minor">
+            <a:schemeClr val="lt1"/>
+          </a:fontRef>
+        </p:style>
+        <p:txBody>
+          <a:bodyPr rtlCol="0" anchor="ctr"/>
+          <a:lstStyle/>
+          <a:p>
+            <a:pPr fontAlgn="ctr"/>
+            <a:endParaRPr lang="ko-KR" altLang="ko-KR"/>
+          </a:p>
+        </p:txBody>
+      </p:sp>
+      <p:sp>
+        <p:nvSpPr>
+          <p:cNvPr id="7" name="TextBox 6"/>
+          <p:cNvSpPr txBox="1"/>
+          <p:nvPr/>
+        </p:nvSpPr>
+        <p:spPr>
+          <a:xfrm>
+            <a:off x="1869699" y="508001"/>
+            <a:ext cx="543739" cy="307777"/>
+          </a:xfrm>
+          <a:prstGeom prst="rect">
+            <a:avLst/>
+          </a:prstGeom>
+          <a:noFill/>
+        </p:spPr>
+        <p:txBody>
+          <a:bodyPr wrap="none" rtlCol="0">
+            <a:spAutoFit/>
+          </a:bodyPr>
+          <a:lstStyle/>
+          <a:p>
+            <a:r>
+              <a:rPr lang="ko-KR" altLang="en-US" sz="1400" dirty="0" smtClean="0"/>
+              <a:t>친구</a:t>
+            </a:r>
+            <a:endParaRPr lang="ko-KR" altLang="en-US" dirty="0"/>
+          </a:p>
+        </p:txBody>
+      </p:sp>
+      <p:sp>
+        <p:nvSpPr>
+          <p:cNvPr id="28" name="TextBox 27"/>
+          <p:cNvSpPr txBox="1"/>
+          <p:nvPr/>
+        </p:nvSpPr>
+        <p:spPr>
+          <a:xfrm>
+            <a:off x="2875798" y="508001"/>
+            <a:ext cx="543739" cy="307777"/>
+          </a:xfrm>
+          <a:prstGeom prst="rect">
+            <a:avLst/>
+          </a:prstGeom>
+          <a:noFill/>
+        </p:spPr>
+        <p:txBody>
+          <a:bodyPr wrap="none" rtlCol="0">
+            <a:spAutoFit/>
+          </a:bodyPr>
+          <a:lstStyle/>
+          <a:p>
+            <a:r>
+              <a:rPr lang="ko-KR" altLang="en-US" sz="1400" dirty="0" smtClean="0"/>
+              <a:t>세계</a:t>
+            </a:r>
+            <a:endParaRPr lang="ko-KR" altLang="en-US" dirty="0"/>
+          </a:p>
+        </p:txBody>
+      </p:sp>
+      <p:sp>
+        <p:nvSpPr>
+          <p:cNvPr id="35" name="직사각형 34"/>
           <p:cNvSpPr/>
           <p:nvPr/>
         </p:nvSpPr>
@@ -6305,18 +7353,24 @@
       </p:sp>
       <p:sp>
         <p:nvSpPr>
-          <p:cNvPr id="6" name="모서리가 둥근 직사각형 5"/>
+          <p:cNvPr id="2" name="직사각형 1"/>
           <p:cNvSpPr/>
           <p:nvPr/>
         </p:nvSpPr>
         <p:spPr>
           <a:xfrm>
-            <a:off x="1278467" y="1583267"/>
-            <a:ext cx="1134534" cy="812800"/>
+            <a:off x="3419537" y="5088467"/>
+            <a:ext cx="1405466" cy="452221"/>
           </a:xfrm>
-          <a:prstGeom prst="roundRect">
+          <a:prstGeom prst="rect">
             <a:avLst/>
           </a:prstGeom>
+          <a:solidFill>
+            <a:schemeClr val="accent4">
+              <a:lumMod val="60000"/>
+              <a:lumOff val="40000"/>
+            </a:schemeClr>
+          </a:solidFill>
         </p:spPr>
         <p:style>
           <a:lnRef idx="2">
@@ -6340,8 +7394,8 @@
           <a:p>
             <a:pPr algn="ctr"/>
             <a:r>
-              <a:rPr lang="ko-KR" altLang="en-US" dirty="0" smtClean="0"/>
-              <a:t>열쇠</a:t>
+              <a:rPr lang="en-US" altLang="ko-KR" dirty="0" smtClean="0"/>
+              <a:t>Facebook</a:t>
             </a:r>
             <a:endParaRPr lang="ko-KR" altLang="en-US" dirty="0"/>
           </a:p>
@@ -6349,106 +7403,14 @@
       </p:sp>
       <p:sp>
         <p:nvSpPr>
-          <p:cNvPr id="49" name="모서리가 둥근 직사각형 48"/>
-          <p:cNvSpPr/>
-          <p:nvPr/>
-        </p:nvSpPr>
-        <p:spPr>
-          <a:xfrm>
-            <a:off x="4013200" y="1583267"/>
-            <a:ext cx="1134534" cy="812800"/>
-          </a:xfrm>
-          <a:prstGeom prst="roundRect">
-            <a:avLst/>
-          </a:prstGeom>
-        </p:spPr>
-        <p:style>
-          <a:lnRef idx="2">
-            <a:schemeClr val="accent1">
-              <a:shade val="50000"/>
-            </a:schemeClr>
-          </a:lnRef>
-          <a:fillRef idx="1">
-            <a:schemeClr val="accent1"/>
-          </a:fillRef>
-          <a:effectRef idx="0">
-            <a:schemeClr val="accent1"/>
-          </a:effectRef>
-          <a:fontRef idx="minor">
-            <a:schemeClr val="lt1"/>
-          </a:fontRef>
-        </p:style>
-        <p:txBody>
-          <a:bodyPr rtlCol="0" anchor="ctr"/>
-          <a:lstStyle/>
-          <a:p>
-            <a:pPr algn="ctr"/>
-            <a:r>
-              <a:rPr lang="ko-KR" altLang="en-US" sz="700" dirty="0"/>
-              <a:t>차후 업데이트 </a:t>
-            </a:r>
-            <a:r>
-              <a:rPr lang="ko-KR" altLang="en-US" sz="700" dirty="0" smtClean="0"/>
-              <a:t>예정</a:t>
-            </a:r>
-            <a:endParaRPr lang="ko-KR" altLang="en-US" sz="700" dirty="0"/>
-          </a:p>
-        </p:txBody>
-      </p:sp>
-      <p:sp>
-        <p:nvSpPr>
-          <p:cNvPr id="50" name="모서리가 둥근 직사각형 49"/>
-          <p:cNvSpPr/>
-          <p:nvPr/>
-        </p:nvSpPr>
-        <p:spPr>
-          <a:xfrm>
-            <a:off x="2667001" y="1583267"/>
-            <a:ext cx="1134534" cy="812800"/>
-          </a:xfrm>
-          <a:prstGeom prst="roundRect">
-            <a:avLst/>
-          </a:prstGeom>
-        </p:spPr>
-        <p:style>
-          <a:lnRef idx="2">
-            <a:schemeClr val="accent1">
-              <a:shade val="50000"/>
-            </a:schemeClr>
-          </a:lnRef>
-          <a:fillRef idx="1">
-            <a:schemeClr val="accent1"/>
-          </a:fillRef>
-          <a:effectRef idx="0">
-            <a:schemeClr val="accent1"/>
-          </a:effectRef>
-          <a:fontRef idx="minor">
-            <a:schemeClr val="lt1"/>
-          </a:fontRef>
-        </p:style>
-        <p:txBody>
-          <a:bodyPr rtlCol="0" anchor="ctr"/>
-          <a:lstStyle/>
-          <a:p>
-            <a:pPr algn="ctr"/>
-            <a:r>
-              <a:rPr lang="ko-KR" altLang="en-US" sz="700" dirty="0" smtClean="0"/>
-              <a:t>차후 업데이트 예정</a:t>
-            </a:r>
-            <a:endParaRPr lang="ko-KR" altLang="en-US" sz="700" dirty="0"/>
-          </a:p>
-        </p:txBody>
-      </p:sp>
-      <p:sp>
-        <p:nvSpPr>
-          <p:cNvPr id="7" name="TextBox 6"/>
+          <p:cNvPr id="8" name="TextBox 7"/>
           <p:cNvSpPr txBox="1"/>
           <p:nvPr/>
         </p:nvSpPr>
         <p:spPr>
           <a:xfrm>
-            <a:off x="1382305" y="2088290"/>
-            <a:ext cx="926857" cy="307777"/>
+            <a:off x="1661413" y="4729142"/>
+            <a:ext cx="3230372" cy="307777"/>
           </a:xfrm>
           <a:prstGeom prst="rect">
             <a:avLst/>
@@ -6462,17 +7424,69 @@
           <a:lstStyle/>
           <a:p>
             <a:r>
+              <a:rPr lang="ko-KR" altLang="en-US" sz="1400" dirty="0" smtClean="0"/>
+              <a:t>지금 친구들의 랭킹을 확인해 보세요</a:t>
+            </a:r>
+            <a:r>
               <a:rPr lang="en-US" altLang="ko-KR" sz="1400" dirty="0" smtClean="0"/>
-              <a:t>Btn08-01</a:t>
+              <a:t>.</a:t>
+            </a:r>
+            <a:r>
+              <a:rPr lang="ko-KR" altLang="en-US" sz="1400" dirty="0" smtClean="0"/>
+              <a:t> </a:t>
             </a:r>
             <a:endParaRPr lang="ko-KR" altLang="en-US" sz="1400" dirty="0"/>
+          </a:p>
+        </p:txBody>
+      </p:sp>
+      <p:sp>
+        <p:nvSpPr>
+          <p:cNvPr id="10" name="직사각형 9"/>
+          <p:cNvSpPr/>
+          <p:nvPr/>
+        </p:nvSpPr>
+        <p:spPr>
+          <a:xfrm>
+            <a:off x="1951565" y="1616527"/>
+            <a:ext cx="2650067" cy="2853267"/>
+          </a:xfrm>
+          <a:prstGeom prst="rect">
+            <a:avLst/>
+          </a:prstGeom>
+        </p:spPr>
+        <p:style>
+          <a:lnRef idx="2">
+            <a:schemeClr val="accent6">
+              <a:shade val="50000"/>
+            </a:schemeClr>
+          </a:lnRef>
+          <a:fillRef idx="1">
+            <a:schemeClr val="accent6"/>
+          </a:fillRef>
+          <a:effectRef idx="0">
+            <a:schemeClr val="accent6"/>
+          </a:effectRef>
+          <a:fontRef idx="minor">
+            <a:schemeClr val="lt1"/>
+          </a:fontRef>
+        </p:style>
+        <p:txBody>
+          <a:bodyPr rtlCol="0" anchor="ctr"/>
+          <a:lstStyle/>
+          <a:p>
+            <a:pPr algn="ctr"/>
+            <a:r>
+              <a:rPr lang="ko-KR" altLang="en-US" dirty="0" smtClean="0"/>
+              <a:t>이미지</a:t>
+            </a:r>
+            <a:endParaRPr lang="ko-KR" altLang="en-US" dirty="0"/>
           </a:p>
         </p:txBody>
       </p:sp>
     </p:spTree>
     <p:extLst>
       <p:ext uri="{BB962C8B-B14F-4D97-AF65-F5344CB8AC3E}">
-        <p14:creationId xmlns:p14="http://schemas.microsoft.com/office/powerpoint/2010/main" val="3214407087"/>
+        <p14:creationId xmlns:p14="http://schemas.microsoft.com/office/powerpoint/2010/main" val="2134143428"/>
       </p:ext>
     </p:extLst>
   </p:cSld>
@@ -6563,7 +7577,7 @@
           <p:nvPr>
             <p:extLst>
               <p:ext uri="{D42A27DB-BD31-4B8C-83A1-F6EECF244321}">
-                <p14:modId xmlns:p14="http://schemas.microsoft.com/office/powerpoint/2010/main" val="616815957"/>
+                <p14:modId xmlns:p14="http://schemas.microsoft.com/office/powerpoint/2010/main" val="2607842600"/>
               </p:ext>
             </p:extLst>
           </p:nvPr>
@@ -6656,30 +7670,22 @@
                       </a:r>
                       <a:r>
                         <a:rPr lang="en-US" altLang="ko-KR" dirty="0" smtClean="0"/>
-                        <a:t>-</a:t>
-                      </a:r>
-                      <a:r>
-                        <a:rPr lang="ko-KR" altLang="en-US" dirty="0" smtClean="0"/>
-                        <a:t>열쇠</a:t>
-                      </a:r>
+                        <a:t>)</a:t>
+                      </a:r>
+                      <a:endParaRPr lang="ko-KR" altLang="en-US" dirty="0"/>
+                    </a:p>
+                  </a:txBody>
+                  <a:tcPr anchor="ctr"/>
+                </a:tc>
+                <a:tc>
+                  <a:txBody>
+                    <a:bodyPr/>
+                    <a:lstStyle/>
+                    <a:p>
+                      <a:pPr algn="ctr" latinLnBrk="1"/>
                       <a:r>
                         <a:rPr lang="en-US" altLang="ko-KR" dirty="0" smtClean="0"/>
-                        <a:t>)</a:t>
-                      </a:r>
-                      <a:endParaRPr lang="ko-KR" altLang="en-US" dirty="0"/>
-                    </a:p>
-                  </a:txBody>
-                  <a:tcPr anchor="ctr"/>
-                </a:tc>
-                <a:tc>
-                  <a:txBody>
-                    <a:bodyPr/>
-                    <a:lstStyle/>
-                    <a:p>
-                      <a:pPr algn="ctr" latinLnBrk="1"/>
-                      <a:r>
-                        <a:rPr lang="en-US" altLang="ko-KR" dirty="0" smtClean="0"/>
-                        <a:t>08-01-01</a:t>
+                        <a:t>08-01-00</a:t>
                       </a:r>
                       <a:endParaRPr lang="ko-KR" altLang="en-US" dirty="0"/>
                     </a:p>
@@ -6827,10 +7833,7 @@
               <a:rPr lang="ko-KR" altLang="en-US" dirty="0" smtClean="0"/>
               <a:t>열쇠</a:t>
             </a:r>
-            <a:r>
-              <a:rPr lang="en-US" altLang="ko-KR" dirty="0" smtClean="0"/>
-              <a:t>X3</a:t>
-            </a:r>
+            <a:endParaRPr lang="ko-KR" altLang="en-US" dirty="0"/>
           </a:p>
         </p:txBody>
       </p:sp>
@@ -6871,20 +7874,12 @@
           <a:p>
             <a:pPr algn="ctr"/>
             <a:r>
-              <a:rPr lang="ko-KR" altLang="en-US" dirty="0" smtClean="0">
-                <a:solidFill>
-                  <a:prstClr val="white"/>
-                </a:solidFill>
-              </a:rPr>
-              <a:t>열쇠</a:t>
+              <a:rPr lang="ko-KR" altLang="en-US" sz="700" dirty="0"/>
+              <a:t>차후 업데이트 </a:t>
             </a:r>
             <a:r>
-              <a:rPr lang="en-US" altLang="ko-KR" dirty="0" smtClean="0">
-                <a:solidFill>
-                  <a:prstClr val="white"/>
-                </a:solidFill>
-              </a:rPr>
-              <a:t>X10</a:t>
+              <a:rPr lang="ko-KR" altLang="en-US" sz="700" dirty="0" smtClean="0"/>
+              <a:t>예정</a:t>
             </a:r>
             <a:endParaRPr lang="ko-KR" altLang="en-US" sz="700" dirty="0"/>
           </a:p>
@@ -6927,6 +7922,501 @@
           <a:p>
             <a:pPr algn="ctr"/>
             <a:r>
+              <a:rPr lang="ko-KR" altLang="en-US" sz="700" dirty="0" smtClean="0"/>
+              <a:t>차후 업데이트 예정</a:t>
+            </a:r>
+            <a:endParaRPr lang="ko-KR" altLang="en-US" sz="700" dirty="0"/>
+          </a:p>
+        </p:txBody>
+      </p:sp>
+      <p:sp>
+        <p:nvSpPr>
+          <p:cNvPr id="7" name="TextBox 6"/>
+          <p:cNvSpPr txBox="1"/>
+          <p:nvPr/>
+        </p:nvSpPr>
+        <p:spPr>
+          <a:xfrm>
+            <a:off x="1382305" y="2088290"/>
+            <a:ext cx="926857" cy="307777"/>
+          </a:xfrm>
+          <a:prstGeom prst="rect">
+            <a:avLst/>
+          </a:prstGeom>
+          <a:noFill/>
+        </p:spPr>
+        <p:txBody>
+          <a:bodyPr wrap="none" rtlCol="0">
+            <a:spAutoFit/>
+          </a:bodyPr>
+          <a:lstStyle/>
+          <a:p>
+            <a:r>
+              <a:rPr lang="en-US" altLang="ko-KR" sz="1400" dirty="0" smtClean="0"/>
+              <a:t>Btn08-01</a:t>
+            </a:r>
+            <a:endParaRPr lang="ko-KR" altLang="en-US" sz="1400" dirty="0"/>
+          </a:p>
+        </p:txBody>
+      </p:sp>
+    </p:spTree>
+    <p:extLst>
+      <p:ext uri="{BB962C8B-B14F-4D97-AF65-F5344CB8AC3E}">
+        <p14:creationId xmlns:p14="http://schemas.microsoft.com/office/powerpoint/2010/main" val="3214407087"/>
+      </p:ext>
+    </p:extLst>
+  </p:cSld>
+  <p:clrMapOvr>
+    <a:masterClrMapping/>
+  </p:clrMapOvr>
+  <p:timing>
+    <p:tnLst>
+      <p:par>
+        <p:cTn id="1" dur="indefinite" restart="never" nodeType="tmRoot"/>
+      </p:par>
+    </p:tnLst>
+  </p:timing>
+</p:sld>
+</file>
+
+<file path=ppt/slides/slide14.xml><?xml version="1.0" encoding="utf-8"?>
+<p:sld xmlns:a="http://schemas.openxmlformats.org/drawingml/2006/main" xmlns:r="http://schemas.openxmlformats.org/officeDocument/2006/relationships" xmlns:p="http://schemas.openxmlformats.org/presentationml/2006/main">
+  <p:cSld>
+    <p:spTree>
+      <p:nvGrpSpPr>
+        <p:cNvPr id="1" name=""/>
+        <p:cNvGrpSpPr/>
+        <p:nvPr/>
+      </p:nvGrpSpPr>
+      <p:grpSpPr>
+        <a:xfrm>
+          <a:off x="0" y="0"/>
+          <a:ext cx="0" cy="0"/>
+          <a:chOff x="0" y="0"/>
+          <a:chExt cx="0" cy="0"/>
+        </a:xfrm>
+      </p:grpSpPr>
+      <p:sp>
+        <p:nvSpPr>
+          <p:cNvPr id="4" name="직사각형 3"/>
+          <p:cNvSpPr/>
+          <p:nvPr/>
+        </p:nvSpPr>
+        <p:spPr>
+          <a:xfrm>
+            <a:off x="863600" y="313263"/>
+            <a:ext cx="4826000" cy="6197600"/>
+          </a:xfrm>
+          <a:prstGeom prst="rect">
+            <a:avLst/>
+          </a:prstGeom>
+          <a:solidFill>
+            <a:schemeClr val="bg1"/>
+          </a:solidFill>
+          <a:ln>
+            <a:solidFill>
+              <a:schemeClr val="tx1"/>
+            </a:solidFill>
+          </a:ln>
+        </p:spPr>
+        <p:style>
+          <a:lnRef idx="2">
+            <a:schemeClr val="accent1">
+              <a:shade val="50000"/>
+            </a:schemeClr>
+          </a:lnRef>
+          <a:fillRef idx="1">
+            <a:schemeClr val="accent1"/>
+          </a:fillRef>
+          <a:effectRef idx="0">
+            <a:schemeClr val="accent1"/>
+          </a:effectRef>
+          <a:fontRef idx="minor">
+            <a:schemeClr val="lt1"/>
+          </a:fontRef>
+        </p:style>
+        <p:txBody>
+          <a:bodyPr rtlCol="0" anchor="ctr"/>
+          <a:lstStyle/>
+          <a:p>
+            <a:pPr algn="ctr"/>
+            <a:endParaRPr lang="ko-KR" altLang="en-US" dirty="0"/>
+          </a:p>
+        </p:txBody>
+      </p:sp>
+      <p:graphicFrame>
+        <p:nvGraphicFramePr>
+          <p:cNvPr id="5" name="표 4"/>
+          <p:cNvGraphicFramePr>
+            <a:graphicFrameLocks noGrp="1"/>
+          </p:cNvGraphicFramePr>
+          <p:nvPr>
+            <p:extLst>
+              <p:ext uri="{D42A27DB-BD31-4B8C-83A1-F6EECF244321}">
+                <p14:modId xmlns:p14="http://schemas.microsoft.com/office/powerpoint/2010/main" val="616815957"/>
+              </p:ext>
+            </p:extLst>
+          </p:nvPr>
+        </p:nvGraphicFramePr>
+        <p:xfrm>
+          <a:off x="6392332" y="719664"/>
+          <a:ext cx="4174068" cy="4445001"/>
+        </p:xfrm>
+        <a:graphic>
+          <a:graphicData uri="http://schemas.openxmlformats.org/drawingml/2006/table">
+            <a:tbl>
+              <a:tblPr>
+                <a:tableStyleId>{073A0DAA-6AF3-43AB-8588-CEC1D06C72B9}</a:tableStyleId>
+              </a:tblPr>
+              <a:tblGrid>
+                <a:gridCol w="2087034"/>
+                <a:gridCol w="2087034"/>
+              </a:tblGrid>
+              <a:tr h="732867">
+                <a:tc>
+                  <a:txBody>
+                    <a:bodyPr/>
+                    <a:lstStyle/>
+                    <a:p>
+                      <a:pPr algn="ctr" latinLnBrk="1"/>
+                      <a:r>
+                        <a:rPr lang="ko-KR" altLang="en-US" dirty="0" smtClean="0"/>
+                        <a:t>구분</a:t>
+                      </a:r>
+                      <a:endParaRPr lang="ko-KR" altLang="en-US" dirty="0"/>
+                    </a:p>
+                  </a:txBody>
+                  <a:tcPr anchor="ctr">
+                    <a:solidFill>
+                      <a:schemeClr val="tx1">
+                        <a:lumMod val="50000"/>
+                        <a:lumOff val="50000"/>
+                      </a:schemeClr>
+                    </a:solidFill>
+                  </a:tcPr>
+                </a:tc>
+                <a:tc>
+                  <a:txBody>
+                    <a:bodyPr/>
+                    <a:lstStyle/>
+                    <a:p>
+                      <a:pPr algn="ctr" latinLnBrk="1"/>
+                      <a:r>
+                        <a:rPr lang="ko-KR" altLang="en-US" dirty="0" smtClean="0"/>
+                        <a:t>내용</a:t>
+                      </a:r>
+                      <a:endParaRPr lang="ko-KR" altLang="en-US" dirty="0"/>
+                    </a:p>
+                  </a:txBody>
+                  <a:tcPr anchor="ctr">
+                    <a:solidFill>
+                      <a:schemeClr val="tx1">
+                        <a:lumMod val="50000"/>
+                        <a:lumOff val="50000"/>
+                      </a:schemeClr>
+                    </a:solidFill>
+                  </a:tcPr>
+                </a:tc>
+              </a:tr>
+              <a:tr h="1109049">
+                <a:tc>
+                  <a:txBody>
+                    <a:bodyPr/>
+                    <a:lstStyle/>
+                    <a:p>
+                      <a:pPr algn="ctr" latinLnBrk="1"/>
+                      <a:r>
+                        <a:rPr lang="ko-KR" altLang="en-US" dirty="0" smtClean="0"/>
+                        <a:t>화면 번호</a:t>
+                      </a:r>
+                      <a:r>
+                        <a:rPr lang="en-US" altLang="ko-KR" dirty="0" smtClean="0"/>
+                        <a:t/>
+                      </a:r>
+                      <a:br>
+                        <a:rPr lang="en-US" altLang="ko-KR" dirty="0" smtClean="0"/>
+                      </a:br>
+                      <a:r>
+                        <a:rPr lang="en-US" altLang="ko-KR" dirty="0" smtClean="0"/>
+                        <a:t>(</a:t>
+                      </a:r>
+                      <a:r>
+                        <a:rPr lang="ko-KR" altLang="en-US" dirty="0" smtClean="0"/>
+                        <a:t>상점 화면</a:t>
+                      </a:r>
+                      <a:r>
+                        <a:rPr lang="en-US" altLang="ko-KR" dirty="0" smtClean="0"/>
+                        <a:t>-</a:t>
+                      </a:r>
+                      <a:r>
+                        <a:rPr lang="ko-KR" altLang="en-US" dirty="0" smtClean="0"/>
+                        <a:t>열쇠</a:t>
+                      </a:r>
+                      <a:r>
+                        <a:rPr lang="en-US" altLang="ko-KR" dirty="0" smtClean="0"/>
+                        <a:t>)</a:t>
+                      </a:r>
+                      <a:endParaRPr lang="ko-KR" altLang="en-US" dirty="0"/>
+                    </a:p>
+                  </a:txBody>
+                  <a:tcPr anchor="ctr"/>
+                </a:tc>
+                <a:tc>
+                  <a:txBody>
+                    <a:bodyPr/>
+                    <a:lstStyle/>
+                    <a:p>
+                      <a:pPr algn="ctr" latinLnBrk="1"/>
+                      <a:r>
+                        <a:rPr lang="en-US" altLang="ko-KR" dirty="0" smtClean="0"/>
+                        <a:t>08-01-01</a:t>
+                      </a:r>
+                      <a:endParaRPr lang="ko-KR" altLang="en-US" dirty="0"/>
+                    </a:p>
+                  </a:txBody>
+                  <a:tcPr anchor="ctr"/>
+                </a:tc>
+              </a:tr>
+              <a:tr h="1165428">
+                <a:tc>
+                  <a:txBody>
+                    <a:bodyPr/>
+                    <a:lstStyle/>
+                    <a:p>
+                      <a:pPr algn="ctr" latinLnBrk="1"/>
+                      <a:r>
+                        <a:rPr lang="en-US" altLang="ko-KR" dirty="0" smtClean="0"/>
+                        <a:t>btn01</a:t>
+                      </a:r>
+                      <a:endParaRPr lang="ko-KR" altLang="en-US" dirty="0"/>
+                    </a:p>
+                  </a:txBody>
+                  <a:tcPr anchor="ctr"/>
+                </a:tc>
+                <a:tc>
+                  <a:txBody>
+                    <a:bodyPr/>
+                    <a:lstStyle/>
+                    <a:p>
+                      <a:pPr algn="ctr" latinLnBrk="1"/>
+                      <a:endParaRPr lang="ko-KR" altLang="en-US" dirty="0"/>
+                    </a:p>
+                  </a:txBody>
+                  <a:tcPr anchor="ctr"/>
+                </a:tc>
+              </a:tr>
+              <a:tr h="1437657">
+                <a:tc>
+                  <a:txBody>
+                    <a:bodyPr/>
+                    <a:lstStyle/>
+                    <a:p>
+                      <a:pPr algn="ctr" latinLnBrk="1"/>
+                      <a:endParaRPr lang="ko-KR" altLang="en-US" dirty="0"/>
+                    </a:p>
+                  </a:txBody>
+                  <a:tcPr anchor="ctr"/>
+                </a:tc>
+                <a:tc>
+                  <a:txBody>
+                    <a:bodyPr/>
+                    <a:lstStyle/>
+                    <a:p>
+                      <a:pPr algn="ctr" latinLnBrk="1"/>
+                      <a:endParaRPr lang="ko-KR" altLang="en-US" dirty="0"/>
+                    </a:p>
+                  </a:txBody>
+                  <a:tcPr anchor="ctr"/>
+                </a:tc>
+              </a:tr>
+            </a:tbl>
+          </a:graphicData>
+        </a:graphic>
+      </p:graphicFrame>
+      <p:sp>
+        <p:nvSpPr>
+          <p:cNvPr id="15" name="직사각형 14"/>
+          <p:cNvSpPr/>
+          <p:nvPr/>
+        </p:nvSpPr>
+        <p:spPr>
+          <a:xfrm>
+            <a:off x="1168400" y="5858937"/>
+            <a:ext cx="4267200" cy="575734"/>
+          </a:xfrm>
+          <a:prstGeom prst="rect">
+            <a:avLst/>
+          </a:prstGeom>
+        </p:spPr>
+        <p:style>
+          <a:lnRef idx="2">
+            <a:schemeClr val="accent1">
+              <a:shade val="50000"/>
+            </a:schemeClr>
+          </a:lnRef>
+          <a:fillRef idx="1">
+            <a:schemeClr val="accent1"/>
+          </a:fillRef>
+          <a:effectRef idx="0">
+            <a:schemeClr val="accent1"/>
+          </a:effectRef>
+          <a:fontRef idx="minor">
+            <a:schemeClr val="lt1"/>
+          </a:fontRef>
+        </p:style>
+        <p:txBody>
+          <a:bodyPr rtlCol="0" anchor="ctr"/>
+          <a:lstStyle/>
+          <a:p>
+            <a:pPr algn="ctr"/>
+            <a:r>
+              <a:rPr lang="ko-KR" altLang="en-US" dirty="0" smtClean="0"/>
+              <a:t>광   고</a:t>
+            </a:r>
+            <a:endParaRPr lang="ko-KR" altLang="en-US" dirty="0"/>
+          </a:p>
+        </p:txBody>
+      </p:sp>
+      <p:sp>
+        <p:nvSpPr>
+          <p:cNvPr id="6" name="모서리가 둥근 직사각형 5"/>
+          <p:cNvSpPr/>
+          <p:nvPr/>
+        </p:nvSpPr>
+        <p:spPr>
+          <a:xfrm>
+            <a:off x="1278467" y="1583267"/>
+            <a:ext cx="1134534" cy="812800"/>
+          </a:xfrm>
+          <a:prstGeom prst="roundRect">
+            <a:avLst/>
+          </a:prstGeom>
+        </p:spPr>
+        <p:style>
+          <a:lnRef idx="2">
+            <a:schemeClr val="accent1">
+              <a:shade val="50000"/>
+            </a:schemeClr>
+          </a:lnRef>
+          <a:fillRef idx="1">
+            <a:schemeClr val="accent1"/>
+          </a:fillRef>
+          <a:effectRef idx="0">
+            <a:schemeClr val="accent1"/>
+          </a:effectRef>
+          <a:fontRef idx="minor">
+            <a:schemeClr val="lt1"/>
+          </a:fontRef>
+        </p:style>
+        <p:txBody>
+          <a:bodyPr rtlCol="0" anchor="ctr"/>
+          <a:lstStyle/>
+          <a:p>
+            <a:pPr algn="ctr"/>
+            <a:r>
+              <a:rPr lang="ko-KR" altLang="en-US" dirty="0" smtClean="0"/>
+              <a:t>열쇠</a:t>
+            </a:r>
+            <a:r>
+              <a:rPr lang="en-US" altLang="ko-KR" dirty="0" smtClean="0"/>
+              <a:t>X3</a:t>
+            </a:r>
+          </a:p>
+        </p:txBody>
+      </p:sp>
+      <p:sp>
+        <p:nvSpPr>
+          <p:cNvPr id="49" name="모서리가 둥근 직사각형 48"/>
+          <p:cNvSpPr/>
+          <p:nvPr/>
+        </p:nvSpPr>
+        <p:spPr>
+          <a:xfrm>
+            <a:off x="4013200" y="1583267"/>
+            <a:ext cx="1134534" cy="812800"/>
+          </a:xfrm>
+          <a:prstGeom prst="roundRect">
+            <a:avLst/>
+          </a:prstGeom>
+        </p:spPr>
+        <p:style>
+          <a:lnRef idx="2">
+            <a:schemeClr val="accent1">
+              <a:shade val="50000"/>
+            </a:schemeClr>
+          </a:lnRef>
+          <a:fillRef idx="1">
+            <a:schemeClr val="accent1"/>
+          </a:fillRef>
+          <a:effectRef idx="0">
+            <a:schemeClr val="accent1"/>
+          </a:effectRef>
+          <a:fontRef idx="minor">
+            <a:schemeClr val="lt1"/>
+          </a:fontRef>
+        </p:style>
+        <p:txBody>
+          <a:bodyPr rtlCol="0" anchor="ctr"/>
+          <a:lstStyle/>
+          <a:p>
+            <a:pPr algn="ctr"/>
+            <a:r>
+              <a:rPr lang="ko-KR" altLang="en-US" dirty="0" smtClean="0">
+                <a:solidFill>
+                  <a:prstClr val="white"/>
+                </a:solidFill>
+              </a:rPr>
+              <a:t>열쇠</a:t>
+            </a:r>
+            <a:r>
+              <a:rPr lang="en-US" altLang="ko-KR" dirty="0" smtClean="0">
+                <a:solidFill>
+                  <a:prstClr val="white"/>
+                </a:solidFill>
+              </a:rPr>
+              <a:t>X10</a:t>
+            </a:r>
+            <a:endParaRPr lang="ko-KR" altLang="en-US" sz="700" dirty="0"/>
+          </a:p>
+        </p:txBody>
+      </p:sp>
+      <p:sp>
+        <p:nvSpPr>
+          <p:cNvPr id="50" name="모서리가 둥근 직사각형 49"/>
+          <p:cNvSpPr/>
+          <p:nvPr/>
+        </p:nvSpPr>
+        <p:spPr>
+          <a:xfrm>
+            <a:off x="2667001" y="1583267"/>
+            <a:ext cx="1134534" cy="812800"/>
+          </a:xfrm>
+          <a:prstGeom prst="roundRect">
+            <a:avLst/>
+          </a:prstGeom>
+        </p:spPr>
+        <p:style>
+          <a:lnRef idx="2">
+            <a:schemeClr val="accent1">
+              <a:shade val="50000"/>
+            </a:schemeClr>
+          </a:lnRef>
+          <a:fillRef idx="1">
+            <a:schemeClr val="accent1"/>
+          </a:fillRef>
+          <a:effectRef idx="0">
+            <a:schemeClr val="accent1"/>
+          </a:effectRef>
+          <a:fontRef idx="minor">
+            <a:schemeClr val="lt1"/>
+          </a:fontRef>
+        </p:style>
+        <p:txBody>
+          <a:bodyPr rtlCol="0" anchor="ctr"/>
+          <a:lstStyle/>
+          <a:p>
+            <a:pPr algn="ctr"/>
+            <a:r>
               <a:rPr lang="ko-KR" altLang="en-US" dirty="0" smtClean="0">
                 <a:solidFill>
                   <a:prstClr val="white"/>
@@ -7134,7 +8624,7 @@
 </p:sld>
 </file>
 
-<file path=ppt/slides/slide14.xml><?xml version="1.0" encoding="utf-8"?>
+<file path=ppt/slides/slide15.xml><?xml version="1.0" encoding="utf-8"?>
 <p:sld xmlns:a="http://schemas.openxmlformats.org/drawingml/2006/main" xmlns:r="http://schemas.openxmlformats.org/officeDocument/2006/relationships" xmlns:p="http://schemas.openxmlformats.org/presentationml/2006/main">
   <p:cSld>
     <p:spTree>
@@ -7614,14 +9104,14 @@
           <p:nvPr>
             <p:extLst>
               <p:ext uri="{D42A27DB-BD31-4B8C-83A1-F6EECF244321}">
-                <p14:modId xmlns:p14="http://schemas.microsoft.com/office/powerpoint/2010/main" val="3897234640"/>
+                <p14:modId xmlns:p14="http://schemas.microsoft.com/office/powerpoint/2010/main" val="2237190254"/>
               </p:ext>
             </p:extLst>
           </p:nvPr>
         </p:nvGraphicFramePr>
         <p:xfrm>
           <a:off x="6392332" y="719664"/>
-          <a:ext cx="4174068" cy="5882658"/>
+          <a:ext cx="4174068" cy="5715007"/>
         </p:xfrm>
         <a:graphic>
           <a:graphicData uri="http://schemas.openxmlformats.org/drawingml/2006/table">
@@ -7633,7 +9123,7 @@
                 <a:gridCol w="2087034"/>
                 <a:gridCol w="2087034"/>
               </a:tblGrid>
-              <a:tr h="732867">
+              <a:tr h="572153">
                 <a:tc>
                   <a:txBody>
                     <a:bodyPr/>
@@ -7679,7 +9169,7 @@
                   </a:tcPr>
                 </a:tc>
               </a:tr>
-              <a:tr h="1109049">
+              <a:tr h="865840">
                 <a:tc>
                   <a:txBody>
                     <a:bodyPr/>
@@ -7730,7 +9220,7 @@
                   <a:tcPr anchor="ctr"/>
                 </a:tc>
               </a:tr>
-              <a:tr h="1165428">
+              <a:tr h="909856">
                 <a:tc>
                   <a:txBody>
                     <a:bodyPr/>
@@ -7758,7 +9248,7 @@
                   <a:tcPr anchor="ctr"/>
                 </a:tc>
               </a:tr>
-              <a:tr h="1437657">
+              <a:tr h="1122386">
                 <a:tc>
                   <a:txBody>
                     <a:bodyPr/>
@@ -7790,7 +9280,7 @@
                   <a:tcPr anchor="ctr"/>
                 </a:tc>
               </a:tr>
-              <a:tr h="1437657">
+              <a:tr h="1122386">
                 <a:tc>
                   <a:txBody>
                     <a:bodyPr/>
@@ -7812,6 +9302,38 @@
                     <a:lstStyle/>
                     <a:p>
                       <a:pPr algn="ctr" latinLnBrk="1"/>
+                      <a:endParaRPr lang="ko-KR" altLang="en-US" dirty="0"/>
+                    </a:p>
+                  </a:txBody>
+                  <a:tcPr anchor="ctr"/>
+                </a:tc>
+              </a:tr>
+              <a:tr h="1122386">
+                <a:tc>
+                  <a:txBody>
+                    <a:bodyPr/>
+                    <a:lstStyle/>
+                    <a:p>
+                      <a:pPr algn="ctr" latinLnBrk="1"/>
+                      <a:r>
+                        <a:rPr lang="en-US" altLang="ko-KR" dirty="0" smtClean="0"/>
+                        <a:t>btn03</a:t>
+                      </a:r>
+                      <a:endParaRPr lang="ko-KR" altLang="en-US" dirty="0"/>
+                    </a:p>
+                  </a:txBody>
+                  <a:tcPr anchor="ctr"/>
+                </a:tc>
+                <a:tc>
+                  <a:txBody>
+                    <a:bodyPr/>
+                    <a:lstStyle/>
+                    <a:p>
+                      <a:pPr algn="ctr" latinLnBrk="1"/>
+                      <a:r>
+                        <a:rPr lang="en-US" altLang="ko-KR" dirty="0" smtClean="0"/>
+                        <a:t>02-01-02</a:t>
+                      </a:r>
                       <a:endParaRPr lang="ko-KR" altLang="en-US" dirty="0"/>
                     </a:p>
                   </a:txBody>
@@ -8409,6 +9931,36 @@
           </a:p>
         </p:txBody>
       </p:sp>
+      <p:sp>
+        <p:nvSpPr>
+          <p:cNvPr id="6" name="TextBox 5"/>
+          <p:cNvSpPr txBox="1"/>
+          <p:nvPr/>
+        </p:nvSpPr>
+        <p:spPr>
+          <a:xfrm>
+            <a:off x="2907499" y="1558294"/>
+            <a:ext cx="788999" cy="369332"/>
+          </a:xfrm>
+          <a:prstGeom prst="rect">
+            <a:avLst/>
+          </a:prstGeom>
+          <a:noFill/>
+        </p:spPr>
+        <p:txBody>
+          <a:bodyPr wrap="none" rtlCol="0">
+            <a:spAutoFit/>
+          </a:bodyPr>
+          <a:lstStyle/>
+          <a:p>
+            <a:r>
+              <a:rPr lang="en-US" altLang="ko-KR" dirty="0" smtClean="0"/>
+              <a:t>btn03</a:t>
+            </a:r>
+            <a:endParaRPr lang="ko-KR" altLang="en-US" dirty="0"/>
+          </a:p>
+        </p:txBody>
+      </p:sp>
     </p:spTree>
     <p:extLst>
       <p:ext uri="{BB962C8B-B14F-4D97-AF65-F5344CB8AC3E}">
@@ -8430,6 +9982,1014 @@
 </file>
 
 <file path=ppt/slides/slide3.xml><?xml version="1.0" encoding="utf-8"?>
+<p:sld xmlns:a="http://schemas.openxmlformats.org/drawingml/2006/main" xmlns:r="http://schemas.openxmlformats.org/officeDocument/2006/relationships" xmlns:p="http://schemas.openxmlformats.org/presentationml/2006/main">
+  <p:cSld>
+    <p:spTree>
+      <p:nvGrpSpPr>
+        <p:cNvPr id="1" name=""/>
+        <p:cNvGrpSpPr/>
+        <p:nvPr/>
+      </p:nvGrpSpPr>
+      <p:grpSpPr>
+        <a:xfrm>
+          <a:off x="0" y="0"/>
+          <a:ext cx="0" cy="0"/>
+          <a:chOff x="0" y="0"/>
+          <a:chExt cx="0" cy="0"/>
+        </a:xfrm>
+      </p:grpSpPr>
+      <p:sp>
+        <p:nvSpPr>
+          <p:cNvPr id="4" name="직사각형 3"/>
+          <p:cNvSpPr/>
+          <p:nvPr/>
+        </p:nvSpPr>
+        <p:spPr>
+          <a:xfrm>
+            <a:off x="863600" y="313263"/>
+            <a:ext cx="4826000" cy="6197600"/>
+          </a:xfrm>
+          <a:prstGeom prst="rect">
+            <a:avLst/>
+          </a:prstGeom>
+          <a:solidFill>
+            <a:schemeClr val="bg1"/>
+          </a:solidFill>
+          <a:ln>
+            <a:solidFill>
+              <a:schemeClr val="tx1"/>
+            </a:solidFill>
+          </a:ln>
+        </p:spPr>
+        <p:style>
+          <a:lnRef idx="2">
+            <a:schemeClr val="accent1">
+              <a:shade val="50000"/>
+            </a:schemeClr>
+          </a:lnRef>
+          <a:fillRef idx="1">
+            <a:schemeClr val="accent1"/>
+          </a:fillRef>
+          <a:effectRef idx="0">
+            <a:schemeClr val="accent1"/>
+          </a:effectRef>
+          <a:fontRef idx="minor">
+            <a:schemeClr val="lt1"/>
+          </a:fontRef>
+        </p:style>
+        <p:txBody>
+          <a:bodyPr rtlCol="0" anchor="ctr"/>
+          <a:lstStyle/>
+          <a:p>
+            <a:pPr algn="ctr"/>
+            <a:endParaRPr lang="ko-KR" altLang="en-US" dirty="0"/>
+          </a:p>
+        </p:txBody>
+      </p:sp>
+      <p:sp>
+        <p:nvSpPr>
+          <p:cNvPr id="7" name="직사각형 6"/>
+          <p:cNvSpPr/>
+          <p:nvPr/>
+        </p:nvSpPr>
+        <p:spPr>
+          <a:xfrm>
+            <a:off x="2290233" y="4309542"/>
+            <a:ext cx="1972733" cy="846666"/>
+          </a:xfrm>
+          <a:prstGeom prst="rect">
+            <a:avLst/>
+          </a:prstGeom>
+        </p:spPr>
+        <p:style>
+          <a:lnRef idx="2">
+            <a:schemeClr val="accent1">
+              <a:shade val="50000"/>
+            </a:schemeClr>
+          </a:lnRef>
+          <a:fillRef idx="1">
+            <a:schemeClr val="accent1"/>
+          </a:fillRef>
+          <a:effectRef idx="0">
+            <a:schemeClr val="accent1"/>
+          </a:effectRef>
+          <a:fontRef idx="minor">
+            <a:schemeClr val="lt1"/>
+          </a:fontRef>
+        </p:style>
+        <p:txBody>
+          <a:bodyPr rtlCol="0" anchor="ctr"/>
+          <a:lstStyle/>
+          <a:p>
+            <a:pPr algn="ctr"/>
+            <a:r>
+              <a:rPr lang="ko-KR" altLang="en-US" dirty="0" smtClean="0"/>
+              <a:t>대결 하기</a:t>
+            </a:r>
+            <a:endParaRPr lang="ko-KR" altLang="en-US" dirty="0"/>
+          </a:p>
+        </p:txBody>
+      </p:sp>
+      <p:sp>
+        <p:nvSpPr>
+          <p:cNvPr id="15" name="직사각형 14"/>
+          <p:cNvSpPr/>
+          <p:nvPr/>
+        </p:nvSpPr>
+        <p:spPr>
+          <a:xfrm>
+            <a:off x="1168400" y="5858937"/>
+            <a:ext cx="4267200" cy="575734"/>
+          </a:xfrm>
+          <a:prstGeom prst="rect">
+            <a:avLst/>
+          </a:prstGeom>
+        </p:spPr>
+        <p:style>
+          <a:lnRef idx="2">
+            <a:schemeClr val="accent1">
+              <a:shade val="50000"/>
+            </a:schemeClr>
+          </a:lnRef>
+          <a:fillRef idx="1">
+            <a:schemeClr val="accent1"/>
+          </a:fillRef>
+          <a:effectRef idx="0">
+            <a:schemeClr val="accent1"/>
+          </a:effectRef>
+          <a:fontRef idx="minor">
+            <a:schemeClr val="lt1"/>
+          </a:fontRef>
+        </p:style>
+        <p:txBody>
+          <a:bodyPr rtlCol="0" anchor="ctr"/>
+          <a:lstStyle/>
+          <a:p>
+            <a:pPr algn="ctr"/>
+            <a:r>
+              <a:rPr lang="ko-KR" altLang="en-US" dirty="0" smtClean="0"/>
+              <a:t>광   고</a:t>
+            </a:r>
+            <a:endParaRPr lang="ko-KR" altLang="en-US" dirty="0"/>
+          </a:p>
+        </p:txBody>
+      </p:sp>
+      <p:graphicFrame>
+        <p:nvGraphicFramePr>
+          <p:cNvPr id="21" name="표 20"/>
+          <p:cNvGraphicFramePr>
+            <a:graphicFrameLocks noGrp="1"/>
+          </p:cNvGraphicFramePr>
+          <p:nvPr>
+            <p:extLst/>
+          </p:nvPr>
+        </p:nvGraphicFramePr>
+        <p:xfrm>
+          <a:off x="2032000" y="3095643"/>
+          <a:ext cx="2539998" cy="548640"/>
+        </p:xfrm>
+        <a:graphic>
+          <a:graphicData uri="http://schemas.openxmlformats.org/drawingml/2006/table">
+            <a:tbl>
+              <a:tblPr firstRow="1" bandRow="1">
+                <a:tableStyleId>{5C22544A-7EE6-4342-B048-85BDC9FD1C3A}</a:tableStyleId>
+              </a:tblPr>
+              <a:tblGrid>
+                <a:gridCol w="846666"/>
+                <a:gridCol w="846666"/>
+                <a:gridCol w="846666"/>
+              </a:tblGrid>
+              <a:tr h="235793">
+                <a:tc>
+                  <a:txBody>
+                    <a:bodyPr/>
+                    <a:lstStyle/>
+                    <a:p>
+                      <a:pPr algn="ctr" latinLnBrk="1"/>
+                      <a:r>
+                        <a:rPr lang="ko-KR" altLang="en-US" sz="1200" dirty="0" smtClean="0"/>
+                        <a:t>승</a:t>
+                      </a:r>
+                      <a:endParaRPr lang="ko-KR" altLang="en-US" sz="1200" dirty="0"/>
+                    </a:p>
+                  </a:txBody>
+                  <a:tcPr anchor="ctr"/>
+                </a:tc>
+                <a:tc>
+                  <a:txBody>
+                    <a:bodyPr/>
+                    <a:lstStyle/>
+                    <a:p>
+                      <a:pPr algn="ctr" latinLnBrk="1"/>
+                      <a:r>
+                        <a:rPr lang="ko-KR" altLang="en-US" sz="1200" dirty="0" smtClean="0"/>
+                        <a:t>무</a:t>
+                      </a:r>
+                      <a:endParaRPr lang="ko-KR" altLang="en-US" sz="1200" dirty="0"/>
+                    </a:p>
+                  </a:txBody>
+                  <a:tcPr anchor="ctr"/>
+                </a:tc>
+                <a:tc>
+                  <a:txBody>
+                    <a:bodyPr/>
+                    <a:lstStyle/>
+                    <a:p>
+                      <a:pPr algn="ctr" latinLnBrk="1"/>
+                      <a:r>
+                        <a:rPr lang="ko-KR" altLang="en-US" sz="1200" dirty="0" smtClean="0"/>
+                        <a:t>패</a:t>
+                      </a:r>
+                      <a:endParaRPr lang="ko-KR" altLang="en-US" sz="1200" dirty="0"/>
+                    </a:p>
+                  </a:txBody>
+                  <a:tcPr anchor="ctr"/>
+                </a:tc>
+              </a:tr>
+              <a:tr h="235793">
+                <a:tc>
+                  <a:txBody>
+                    <a:bodyPr/>
+                    <a:lstStyle/>
+                    <a:p>
+                      <a:pPr algn="ctr" latinLnBrk="1"/>
+                      <a:r>
+                        <a:rPr lang="en-US" altLang="ko-KR" sz="1200" dirty="0" smtClean="0"/>
+                        <a:t>1</a:t>
+                      </a:r>
+                      <a:endParaRPr lang="ko-KR" altLang="en-US" sz="1200" dirty="0"/>
+                    </a:p>
+                  </a:txBody>
+                  <a:tcPr anchor="ctr"/>
+                </a:tc>
+                <a:tc>
+                  <a:txBody>
+                    <a:bodyPr/>
+                    <a:lstStyle/>
+                    <a:p>
+                      <a:pPr algn="ctr" latinLnBrk="1"/>
+                      <a:r>
+                        <a:rPr lang="en-US" altLang="ko-KR" sz="1200" dirty="0" smtClean="0"/>
+                        <a:t>0</a:t>
+                      </a:r>
+                      <a:endParaRPr lang="ko-KR" altLang="en-US" sz="1200" dirty="0"/>
+                    </a:p>
+                  </a:txBody>
+                  <a:tcPr anchor="ctr"/>
+                </a:tc>
+                <a:tc>
+                  <a:txBody>
+                    <a:bodyPr/>
+                    <a:lstStyle/>
+                    <a:p>
+                      <a:pPr algn="ctr" latinLnBrk="1"/>
+                      <a:r>
+                        <a:rPr lang="en-US" altLang="ko-KR" sz="1200" dirty="0" smtClean="0"/>
+                        <a:t>3</a:t>
+                      </a:r>
+                      <a:endParaRPr lang="ko-KR" altLang="en-US" sz="1200" dirty="0"/>
+                    </a:p>
+                  </a:txBody>
+                  <a:tcPr anchor="ctr"/>
+                </a:tc>
+              </a:tr>
+            </a:tbl>
+          </a:graphicData>
+        </a:graphic>
+      </p:graphicFrame>
+      <p:graphicFrame>
+        <p:nvGraphicFramePr>
+          <p:cNvPr id="24" name="표 23"/>
+          <p:cNvGraphicFramePr>
+            <a:graphicFrameLocks noGrp="1"/>
+          </p:cNvGraphicFramePr>
+          <p:nvPr>
+            <p:extLst/>
+          </p:nvPr>
+        </p:nvGraphicFramePr>
+        <p:xfrm>
+          <a:off x="2108205" y="2467854"/>
+          <a:ext cx="1312334" cy="503542"/>
+        </p:xfrm>
+        <a:graphic>
+          <a:graphicData uri="http://schemas.openxmlformats.org/drawingml/2006/table">
+            <a:tbl>
+              <a:tblPr firstRow="1" bandRow="1">
+                <a:tableStyleId>{5C22544A-7EE6-4342-B048-85BDC9FD1C3A}</a:tableStyleId>
+              </a:tblPr>
+              <a:tblGrid>
+                <a:gridCol w="656167"/>
+                <a:gridCol w="656167"/>
+              </a:tblGrid>
+              <a:tr h="251771">
+                <a:tc>
+                  <a:txBody>
+                    <a:bodyPr/>
+                    <a:lstStyle/>
+                    <a:p>
+                      <a:pPr algn="ctr" latinLnBrk="1"/>
+                      <a:r>
+                        <a:rPr lang="ko-KR" altLang="en-US" sz="1050" dirty="0" smtClean="0"/>
+                        <a:t>계급</a:t>
+                      </a:r>
+                      <a:endParaRPr lang="ko-KR" altLang="en-US" sz="1050" dirty="0"/>
+                    </a:p>
+                  </a:txBody>
+                  <a:tcPr anchor="ctr"/>
+                </a:tc>
+                <a:tc>
+                  <a:txBody>
+                    <a:bodyPr/>
+                    <a:lstStyle/>
+                    <a:p>
+                      <a:pPr algn="ctr" latinLnBrk="1"/>
+                      <a:r>
+                        <a:rPr lang="ko-KR" altLang="en-US" sz="1050" dirty="0" err="1" smtClean="0"/>
+                        <a:t>실버</a:t>
+                      </a:r>
+                      <a:r>
+                        <a:rPr lang="ko-KR" altLang="en-US" sz="1050" dirty="0" smtClean="0"/>
+                        <a:t> </a:t>
+                      </a:r>
+                      <a:r>
+                        <a:rPr lang="en-US" altLang="ko-KR" sz="1050" dirty="0" smtClean="0"/>
+                        <a:t>3</a:t>
+                      </a:r>
+                      <a:endParaRPr lang="ko-KR" altLang="en-US" sz="1050" dirty="0"/>
+                    </a:p>
+                  </a:txBody>
+                  <a:tcPr anchor="ctr"/>
+                </a:tc>
+              </a:tr>
+              <a:tr h="251771">
+                <a:tc>
+                  <a:txBody>
+                    <a:bodyPr/>
+                    <a:lstStyle/>
+                    <a:p>
+                      <a:pPr algn="ctr" latinLnBrk="1"/>
+                      <a:r>
+                        <a:rPr lang="ko-KR" altLang="en-US" sz="1050" dirty="0" smtClean="0"/>
+                        <a:t>점수</a:t>
+                      </a:r>
+                      <a:endParaRPr lang="ko-KR" altLang="en-US" sz="1050" dirty="0"/>
+                    </a:p>
+                  </a:txBody>
+                  <a:tcPr anchor="ctr"/>
+                </a:tc>
+                <a:tc>
+                  <a:txBody>
+                    <a:bodyPr/>
+                    <a:lstStyle/>
+                    <a:p>
+                      <a:pPr algn="ctr" latinLnBrk="1"/>
+                      <a:r>
+                        <a:rPr lang="en-US" altLang="ko-KR" sz="1050" dirty="0" smtClean="0"/>
+                        <a:t>1245</a:t>
+                      </a:r>
+                      <a:endParaRPr lang="ko-KR" altLang="en-US" sz="1050" dirty="0"/>
+                    </a:p>
+                  </a:txBody>
+                  <a:tcPr anchor="ctr"/>
+                </a:tc>
+              </a:tr>
+            </a:tbl>
+          </a:graphicData>
+        </a:graphic>
+      </p:graphicFrame>
+      <p:sp>
+        <p:nvSpPr>
+          <p:cNvPr id="20" name="타원 19"/>
+          <p:cNvSpPr/>
+          <p:nvPr/>
+        </p:nvSpPr>
+        <p:spPr>
+          <a:xfrm>
+            <a:off x="2768819" y="861265"/>
+            <a:ext cx="1066361" cy="1066361"/>
+          </a:xfrm>
+          <a:prstGeom prst="ellipse">
+            <a:avLst/>
+          </a:prstGeom>
+        </p:spPr>
+        <p:style>
+          <a:lnRef idx="2">
+            <a:schemeClr val="accent1">
+              <a:shade val="50000"/>
+            </a:schemeClr>
+          </a:lnRef>
+          <a:fillRef idx="1">
+            <a:schemeClr val="accent1"/>
+          </a:fillRef>
+          <a:effectRef idx="0">
+            <a:schemeClr val="accent1"/>
+          </a:effectRef>
+          <a:fontRef idx="minor">
+            <a:schemeClr val="lt1"/>
+          </a:fontRef>
+        </p:style>
+        <p:txBody>
+          <a:bodyPr rtlCol="0" anchor="ctr"/>
+          <a:lstStyle/>
+          <a:p>
+            <a:pPr algn="ctr"/>
+            <a:r>
+              <a:rPr lang="ko-KR" altLang="en-US" dirty="0" smtClean="0"/>
+              <a:t>사진</a:t>
+            </a:r>
+            <a:endParaRPr lang="ko-KR" altLang="en-US" dirty="0"/>
+          </a:p>
+        </p:txBody>
+      </p:sp>
+      <p:graphicFrame>
+        <p:nvGraphicFramePr>
+          <p:cNvPr id="3" name="표 2"/>
+          <p:cNvGraphicFramePr>
+            <a:graphicFrameLocks noGrp="1"/>
+          </p:cNvGraphicFramePr>
+          <p:nvPr>
+            <p:extLst/>
+          </p:nvPr>
+        </p:nvGraphicFramePr>
+        <p:xfrm>
+          <a:off x="3619506" y="2471864"/>
+          <a:ext cx="846667" cy="518160"/>
+        </p:xfrm>
+        <a:graphic>
+          <a:graphicData uri="http://schemas.openxmlformats.org/drawingml/2006/table">
+            <a:tbl>
+              <a:tblPr firstRow="1" bandRow="1">
+                <a:tableStyleId>{5C22544A-7EE6-4342-B048-85BDC9FD1C3A}</a:tableStyleId>
+              </a:tblPr>
+              <a:tblGrid>
+                <a:gridCol w="846667"/>
+              </a:tblGrid>
+              <a:tr h="222673">
+                <a:tc>
+                  <a:txBody>
+                    <a:bodyPr/>
+                    <a:lstStyle/>
+                    <a:p>
+                      <a:pPr algn="ctr" latinLnBrk="1"/>
+                      <a:r>
+                        <a:rPr lang="ko-KR" altLang="en-US" sz="1100" dirty="0" smtClean="0"/>
+                        <a:t>승률</a:t>
+                      </a:r>
+                      <a:endParaRPr lang="ko-KR" altLang="en-US" sz="1100" dirty="0"/>
+                    </a:p>
+                  </a:txBody>
+                  <a:tcPr anchor="ctr"/>
+                </a:tc>
+              </a:tr>
+              <a:tr h="222673">
+                <a:tc>
+                  <a:txBody>
+                    <a:bodyPr/>
+                    <a:lstStyle/>
+                    <a:p>
+                      <a:pPr algn="ctr" latinLnBrk="1"/>
+                      <a:r>
+                        <a:rPr lang="en-US" altLang="ko-KR" sz="1100" dirty="0" smtClean="0"/>
+                        <a:t>65%</a:t>
+                      </a:r>
+                      <a:endParaRPr lang="ko-KR" altLang="en-US" sz="1100" dirty="0"/>
+                    </a:p>
+                  </a:txBody>
+                  <a:tcPr anchor="ctr"/>
+                </a:tc>
+              </a:tr>
+            </a:tbl>
+          </a:graphicData>
+        </a:graphic>
+      </p:graphicFrame>
+      <p:grpSp>
+        <p:nvGrpSpPr>
+          <p:cNvPr id="10" name="그룹 9"/>
+          <p:cNvGrpSpPr/>
+          <p:nvPr/>
+        </p:nvGrpSpPr>
+        <p:grpSpPr>
+          <a:xfrm>
+            <a:off x="4787783" y="769586"/>
+            <a:ext cx="901817" cy="335756"/>
+            <a:chOff x="4787783" y="985051"/>
+            <a:chExt cx="901817" cy="335756"/>
+          </a:xfrm>
+        </p:grpSpPr>
+        <p:sp>
+          <p:nvSpPr>
+            <p:cNvPr id="11" name="타원 10"/>
+            <p:cNvSpPr/>
+            <p:nvPr/>
+          </p:nvSpPr>
+          <p:spPr>
+            <a:xfrm>
+              <a:off x="4892935" y="1083733"/>
+              <a:ext cx="203200" cy="203200"/>
+            </a:xfrm>
+            <a:prstGeom prst="ellipse">
+              <a:avLst/>
+            </a:prstGeom>
+          </p:spPr>
+          <p:style>
+            <a:lnRef idx="2">
+              <a:schemeClr val="accent1">
+                <a:shade val="50000"/>
+              </a:schemeClr>
+            </a:lnRef>
+            <a:fillRef idx="1">
+              <a:schemeClr val="accent1"/>
+            </a:fillRef>
+            <a:effectRef idx="0">
+              <a:schemeClr val="accent1"/>
+            </a:effectRef>
+            <a:fontRef idx="minor">
+              <a:schemeClr val="lt1"/>
+            </a:fontRef>
+          </p:style>
+          <p:txBody>
+            <a:bodyPr rtlCol="0" anchor="ctr"/>
+            <a:lstStyle/>
+            <a:p>
+              <a:pPr algn="ctr"/>
+              <a:endParaRPr lang="ko-KR" altLang="en-US" dirty="0"/>
+            </a:p>
+          </p:txBody>
+        </p:sp>
+        <p:sp>
+          <p:nvSpPr>
+            <p:cNvPr id="12" name="직사각형 11"/>
+            <p:cNvSpPr/>
+            <p:nvPr/>
+          </p:nvSpPr>
+          <p:spPr>
+            <a:xfrm>
+              <a:off x="5012267" y="1083733"/>
+              <a:ext cx="677333" cy="203200"/>
+            </a:xfrm>
+            <a:prstGeom prst="rect">
+              <a:avLst/>
+            </a:prstGeom>
+          </p:spPr>
+          <p:style>
+            <a:lnRef idx="2">
+              <a:schemeClr val="accent1">
+                <a:shade val="50000"/>
+              </a:schemeClr>
+            </a:lnRef>
+            <a:fillRef idx="1">
+              <a:schemeClr val="accent1"/>
+            </a:fillRef>
+            <a:effectRef idx="0">
+              <a:schemeClr val="accent1"/>
+            </a:effectRef>
+            <a:fontRef idx="minor">
+              <a:schemeClr val="lt1"/>
+            </a:fontRef>
+          </p:style>
+          <p:txBody>
+            <a:bodyPr rtlCol="0" anchor="ctr"/>
+            <a:lstStyle/>
+            <a:p>
+              <a:pPr algn="ctr"/>
+              <a:r>
+                <a:rPr lang="ko-KR" altLang="en-US" sz="800" dirty="0" smtClean="0"/>
+                <a:t>랭킹 보기</a:t>
+              </a:r>
+              <a:endParaRPr lang="ko-KR" altLang="en-US" sz="800" dirty="0"/>
+            </a:p>
+          </p:txBody>
+        </p:sp>
+        <p:sp>
+          <p:nvSpPr>
+            <p:cNvPr id="13" name="TextBox 12"/>
+            <p:cNvSpPr txBox="1"/>
+            <p:nvPr/>
+          </p:nvSpPr>
+          <p:spPr>
+            <a:xfrm>
+              <a:off x="4787783" y="985051"/>
+              <a:ext cx="346570" cy="335756"/>
+            </a:xfrm>
+            <a:prstGeom prst="rect">
+              <a:avLst/>
+            </a:prstGeom>
+            <a:noFill/>
+          </p:spPr>
+          <p:txBody>
+            <a:bodyPr wrap="none" rtlCol="0">
+              <a:spAutoFit/>
+            </a:bodyPr>
+            <a:lstStyle/>
+            <a:p>
+              <a:r>
+                <a:rPr lang="en-US" altLang="ko-KR" dirty="0" smtClean="0"/>
+                <a:t>+</a:t>
+              </a:r>
+              <a:endParaRPr lang="ko-KR" altLang="en-US" dirty="0"/>
+            </a:p>
+          </p:txBody>
+        </p:sp>
+      </p:grpSp>
+      <p:sp>
+        <p:nvSpPr>
+          <p:cNvPr id="2" name="TextBox 1"/>
+          <p:cNvSpPr txBox="1"/>
+          <p:nvPr/>
+        </p:nvSpPr>
+        <p:spPr>
+          <a:xfrm>
+            <a:off x="5081885" y="1004939"/>
+            <a:ext cx="590226" cy="276999"/>
+          </a:xfrm>
+          <a:prstGeom prst="rect">
+            <a:avLst/>
+          </a:prstGeom>
+          <a:noFill/>
+        </p:spPr>
+        <p:txBody>
+          <a:bodyPr wrap="none" rtlCol="0">
+            <a:spAutoFit/>
+          </a:bodyPr>
+          <a:lstStyle/>
+          <a:p>
+            <a:r>
+              <a:rPr lang="en-US" altLang="ko-KR" sz="1200" dirty="0" smtClean="0"/>
+              <a:t>btn02</a:t>
+            </a:r>
+            <a:endParaRPr lang="ko-KR" altLang="en-US" sz="1200" dirty="0"/>
+          </a:p>
+        </p:txBody>
+      </p:sp>
+      <p:graphicFrame>
+        <p:nvGraphicFramePr>
+          <p:cNvPr id="9" name="표 8"/>
+          <p:cNvGraphicFramePr>
+            <a:graphicFrameLocks noGrp="1"/>
+          </p:cNvGraphicFramePr>
+          <p:nvPr>
+            <p:extLst>
+              <p:ext uri="{D42A27DB-BD31-4B8C-83A1-F6EECF244321}">
+                <p14:modId xmlns:p14="http://schemas.microsoft.com/office/powerpoint/2010/main" val="2442260310"/>
+              </p:ext>
+            </p:extLst>
+          </p:nvPr>
+        </p:nvGraphicFramePr>
+        <p:xfrm>
+          <a:off x="1544320" y="2087076"/>
+          <a:ext cx="3416748" cy="3416740"/>
+        </p:xfrm>
+        <a:graphic>
+          <a:graphicData uri="http://schemas.openxmlformats.org/drawingml/2006/table">
+            <a:tbl>
+              <a:tblPr firstRow="1" bandRow="1">
+                <a:tableStyleId>{5C22544A-7EE6-4342-B048-85BDC9FD1C3A}</a:tableStyleId>
+              </a:tblPr>
+              <a:tblGrid>
+                <a:gridCol w="3416748"/>
+              </a:tblGrid>
+              <a:tr h="854185">
+                <a:tc>
+                  <a:txBody>
+                    <a:bodyPr/>
+                    <a:lstStyle/>
+                    <a:p>
+                      <a:pPr algn="l" latinLnBrk="1"/>
+                      <a:r>
+                        <a:rPr lang="ko-KR" altLang="en-US" sz="2000" dirty="0" smtClean="0"/>
+                        <a:t>  사진 선택</a:t>
+                      </a:r>
+                      <a:endParaRPr lang="ko-KR" altLang="en-US" sz="2000" dirty="0"/>
+                    </a:p>
+                  </a:txBody>
+                  <a:tcPr anchor="ctr"/>
+                </a:tc>
+              </a:tr>
+              <a:tr h="854185">
+                <a:tc>
+                  <a:txBody>
+                    <a:bodyPr/>
+                    <a:lstStyle/>
+                    <a:p>
+                      <a:pPr algn="l" latinLnBrk="1"/>
+                      <a:r>
+                        <a:rPr lang="ko-KR" altLang="en-US" sz="2000" dirty="0" smtClean="0"/>
+                        <a:t>  사진 앨범</a:t>
+                      </a:r>
+                      <a:endParaRPr lang="ko-KR" altLang="en-US" sz="2000" dirty="0"/>
+                    </a:p>
+                  </a:txBody>
+                  <a:tcPr anchor="ctr"/>
+                </a:tc>
+              </a:tr>
+              <a:tr h="854185">
+                <a:tc>
+                  <a:txBody>
+                    <a:bodyPr/>
+                    <a:lstStyle/>
+                    <a:p>
+                      <a:pPr algn="l" latinLnBrk="1"/>
+                      <a:r>
+                        <a:rPr lang="ko-KR" altLang="en-US" sz="2000" dirty="0" smtClean="0"/>
+                        <a:t>  카메라</a:t>
+                      </a:r>
+                      <a:endParaRPr lang="ko-KR" altLang="en-US" sz="2000" dirty="0"/>
+                    </a:p>
+                  </a:txBody>
+                  <a:tcPr anchor="ctr"/>
+                </a:tc>
+              </a:tr>
+              <a:tr h="854185">
+                <a:tc>
+                  <a:txBody>
+                    <a:bodyPr/>
+                    <a:lstStyle/>
+                    <a:p>
+                      <a:pPr algn="l" latinLnBrk="1"/>
+                      <a:r>
+                        <a:rPr lang="ko-KR" altLang="en-US" sz="2000" dirty="0" smtClean="0"/>
+                        <a:t>  삭제</a:t>
+                      </a:r>
+                      <a:endParaRPr lang="ko-KR" altLang="en-US" sz="2000" dirty="0"/>
+                    </a:p>
+                  </a:txBody>
+                  <a:tcPr anchor="ctr"/>
+                </a:tc>
+              </a:tr>
+            </a:tbl>
+          </a:graphicData>
+        </a:graphic>
+      </p:graphicFrame>
+      <p:graphicFrame>
+        <p:nvGraphicFramePr>
+          <p:cNvPr id="29" name="표 28"/>
+          <p:cNvGraphicFramePr>
+            <a:graphicFrameLocks noGrp="1"/>
+          </p:cNvGraphicFramePr>
+          <p:nvPr>
+            <p:extLst>
+              <p:ext uri="{D42A27DB-BD31-4B8C-83A1-F6EECF244321}">
+                <p14:modId xmlns:p14="http://schemas.microsoft.com/office/powerpoint/2010/main" val="536565116"/>
+              </p:ext>
+            </p:extLst>
+          </p:nvPr>
+        </p:nvGraphicFramePr>
+        <p:xfrm>
+          <a:off x="6392332" y="719664"/>
+          <a:ext cx="4174068" cy="5715007"/>
+        </p:xfrm>
+        <a:graphic>
+          <a:graphicData uri="http://schemas.openxmlformats.org/drawingml/2006/table">
+            <a:tbl>
+              <a:tblPr>
+                <a:tableStyleId>{073A0DAA-6AF3-43AB-8588-CEC1D06C72B9}</a:tableStyleId>
+              </a:tblPr>
+              <a:tblGrid>
+                <a:gridCol w="2087034"/>
+                <a:gridCol w="2087034"/>
+              </a:tblGrid>
+              <a:tr h="572153">
+                <a:tc>
+                  <a:txBody>
+                    <a:bodyPr/>
+                    <a:lstStyle/>
+                    <a:p>
+                      <a:pPr algn="ctr" latinLnBrk="1"/>
+                      <a:r>
+                        <a:rPr lang="ko-KR" altLang="en-US" dirty="0" smtClean="0"/>
+                        <a:t>구분</a:t>
+                      </a:r>
+                      <a:endParaRPr lang="ko-KR" altLang="en-US" dirty="0"/>
+                    </a:p>
+                  </a:txBody>
+                  <a:tcPr anchor="ctr">
+                    <a:solidFill>
+                      <a:schemeClr val="tx1">
+                        <a:lumMod val="50000"/>
+                        <a:lumOff val="50000"/>
+                      </a:schemeClr>
+                    </a:solidFill>
+                  </a:tcPr>
+                </a:tc>
+                <a:tc>
+                  <a:txBody>
+                    <a:bodyPr/>
+                    <a:lstStyle/>
+                    <a:p>
+                      <a:pPr algn="ctr" latinLnBrk="1"/>
+                      <a:r>
+                        <a:rPr lang="ko-KR" altLang="en-US" dirty="0" smtClean="0"/>
+                        <a:t>내용</a:t>
+                      </a:r>
+                      <a:endParaRPr lang="ko-KR" altLang="en-US" dirty="0"/>
+                    </a:p>
+                  </a:txBody>
+                  <a:tcPr anchor="ctr">
+                    <a:solidFill>
+                      <a:schemeClr val="tx1">
+                        <a:lumMod val="50000"/>
+                        <a:lumOff val="50000"/>
+                      </a:schemeClr>
+                    </a:solidFill>
+                  </a:tcPr>
+                </a:tc>
+              </a:tr>
+              <a:tr h="865840">
+                <a:tc>
+                  <a:txBody>
+                    <a:bodyPr/>
+                    <a:lstStyle/>
+                    <a:p>
+                      <a:pPr algn="ctr" latinLnBrk="1"/>
+                      <a:r>
+                        <a:rPr lang="ko-KR" altLang="en-US" dirty="0" smtClean="0"/>
+                        <a:t>화면 번호</a:t>
+                      </a:r>
+                      <a:r>
+                        <a:rPr lang="en-US" altLang="ko-KR" dirty="0" smtClean="0"/>
+                        <a:t/>
+                      </a:r>
+                      <a:br>
+                        <a:rPr lang="en-US" altLang="ko-KR" dirty="0" smtClean="0"/>
+                      </a:br>
+                      <a:r>
+                        <a:rPr lang="en-US" altLang="ko-KR" dirty="0" smtClean="0"/>
+                        <a:t>(</a:t>
+                      </a:r>
+                      <a:r>
+                        <a:rPr lang="ko-KR" altLang="en-US" dirty="0" smtClean="0"/>
+                        <a:t>멀티 플레이</a:t>
+                      </a:r>
+                      <a:r>
+                        <a:rPr lang="en-US" altLang="ko-KR" dirty="0" smtClean="0"/>
+                        <a:t>)</a:t>
+                      </a:r>
+                      <a:endParaRPr lang="ko-KR" altLang="en-US" dirty="0"/>
+                    </a:p>
+                  </a:txBody>
+                  <a:tcPr anchor="ctr"/>
+                </a:tc>
+                <a:tc>
+                  <a:txBody>
+                    <a:bodyPr/>
+                    <a:lstStyle/>
+                    <a:p>
+                      <a:pPr algn="ctr" latinLnBrk="1"/>
+                      <a:r>
+                        <a:rPr lang="en-US" altLang="ko-KR" dirty="0" smtClean="0"/>
+                        <a:t>02-01</a:t>
+                      </a:r>
+                      <a:endParaRPr lang="ko-KR" altLang="en-US" dirty="0"/>
+                    </a:p>
+                  </a:txBody>
+                  <a:tcPr anchor="ctr"/>
+                </a:tc>
+              </a:tr>
+              <a:tr h="909856">
+                <a:tc>
+                  <a:txBody>
+                    <a:bodyPr/>
+                    <a:lstStyle/>
+                    <a:p>
+                      <a:pPr algn="ctr" latinLnBrk="1"/>
+                      <a:r>
+                        <a:rPr lang="en-US" altLang="ko-KR" dirty="0" smtClean="0"/>
+                        <a:t>btn01</a:t>
+                      </a:r>
+                      <a:endParaRPr lang="ko-KR" altLang="en-US" dirty="0"/>
+                    </a:p>
+                  </a:txBody>
+                  <a:tcPr anchor="ctr"/>
+                </a:tc>
+                <a:tc>
+                  <a:txBody>
+                    <a:bodyPr/>
+                    <a:lstStyle/>
+                    <a:p>
+                      <a:pPr algn="ctr" latinLnBrk="1"/>
+                      <a:endParaRPr lang="ko-KR" altLang="en-US" dirty="0"/>
+                    </a:p>
+                  </a:txBody>
+                  <a:tcPr anchor="ctr"/>
+                </a:tc>
+              </a:tr>
+              <a:tr h="1122386">
+                <a:tc>
+                  <a:txBody>
+                    <a:bodyPr/>
+                    <a:lstStyle/>
+                    <a:p>
+                      <a:pPr algn="ctr" latinLnBrk="1"/>
+                      <a:r>
+                        <a:rPr lang="ko-KR" altLang="en-US" dirty="0" smtClean="0"/>
+                        <a:t>사진 클릭</a:t>
+                      </a:r>
+                      <a:endParaRPr lang="ko-KR" altLang="en-US" dirty="0"/>
+                    </a:p>
+                  </a:txBody>
+                  <a:tcPr anchor="ctr"/>
+                </a:tc>
+                <a:tc>
+                  <a:txBody>
+                    <a:bodyPr/>
+                    <a:lstStyle/>
+                    <a:p>
+                      <a:pPr algn="ctr" latinLnBrk="1"/>
+                      <a:r>
+                        <a:rPr lang="ko-KR" altLang="en-US" dirty="0" smtClean="0"/>
+                        <a:t>바꿀 수 있음</a:t>
+                      </a:r>
+                      <a:endParaRPr lang="ko-KR" altLang="en-US" dirty="0"/>
+                    </a:p>
+                  </a:txBody>
+                  <a:tcPr anchor="ctr"/>
+                </a:tc>
+              </a:tr>
+              <a:tr h="1122386">
+                <a:tc>
+                  <a:txBody>
+                    <a:bodyPr/>
+                    <a:lstStyle/>
+                    <a:p>
+                      <a:pPr algn="ctr" latinLnBrk="1"/>
+                      <a:r>
+                        <a:rPr lang="en-US" altLang="ko-KR" dirty="0" smtClean="0"/>
+                        <a:t>Btn02</a:t>
+                      </a:r>
+                      <a:endParaRPr lang="ko-KR" altLang="en-US" dirty="0"/>
+                    </a:p>
+                  </a:txBody>
+                  <a:tcPr anchor="ctr"/>
+                </a:tc>
+                <a:tc>
+                  <a:txBody>
+                    <a:bodyPr/>
+                    <a:lstStyle/>
+                    <a:p>
+                      <a:pPr algn="ctr" latinLnBrk="1"/>
+                      <a:endParaRPr lang="ko-KR" altLang="en-US" dirty="0"/>
+                    </a:p>
+                  </a:txBody>
+                  <a:tcPr anchor="ctr"/>
+                </a:tc>
+              </a:tr>
+              <a:tr h="1122386">
+                <a:tc>
+                  <a:txBody>
+                    <a:bodyPr/>
+                    <a:lstStyle/>
+                    <a:p>
+                      <a:pPr algn="ctr" latinLnBrk="1"/>
+                      <a:r>
+                        <a:rPr lang="en-US" altLang="ko-KR" dirty="0" smtClean="0"/>
+                        <a:t>btn03</a:t>
+                      </a:r>
+                      <a:endParaRPr lang="ko-KR" altLang="en-US" dirty="0"/>
+                    </a:p>
+                  </a:txBody>
+                  <a:tcPr anchor="ctr"/>
+                </a:tc>
+                <a:tc>
+                  <a:txBody>
+                    <a:bodyPr/>
+                    <a:lstStyle/>
+                    <a:p>
+                      <a:pPr algn="ctr" latinLnBrk="1"/>
+                      <a:r>
+                        <a:rPr lang="en-US" altLang="ko-KR" dirty="0" smtClean="0"/>
+                        <a:t>02-01-02</a:t>
+                      </a:r>
+                      <a:endParaRPr lang="ko-KR" altLang="en-US" dirty="0"/>
+                    </a:p>
+                  </a:txBody>
+                  <a:tcPr anchor="ctr"/>
+                </a:tc>
+              </a:tr>
+            </a:tbl>
+          </a:graphicData>
+        </a:graphic>
+      </p:graphicFrame>
+    </p:spTree>
+    <p:extLst>
+      <p:ext uri="{BB962C8B-B14F-4D97-AF65-F5344CB8AC3E}">
+        <p14:creationId xmlns:p14="http://schemas.microsoft.com/office/powerpoint/2010/main" val="4196222643"/>
+      </p:ext>
+    </p:extLst>
+  </p:cSld>
+  <p:clrMapOvr>
+    <a:masterClrMapping/>
+  </p:clrMapOvr>
+  <p:timing>
+    <p:tnLst>
+      <p:par>
+        <p:cTn id="1" dur="indefinite" restart="never" nodeType="tmRoot"/>
+      </p:par>
+    </p:tnLst>
+  </p:timing>
+</p:sld>
+</file>
+
+<file path=ppt/slides/slide4.xml><?xml version="1.0" encoding="utf-8"?>
 <p:sld xmlns:a="http://schemas.openxmlformats.org/drawingml/2006/main" xmlns:r="http://schemas.openxmlformats.org/officeDocument/2006/relationships" xmlns:p="http://schemas.openxmlformats.org/presentationml/2006/main">
   <p:cSld>
     <p:spTree>
@@ -9873,612 +12433,6 @@
 </p:sld>
 </file>
 
-<file path=ppt/slides/slide4.xml><?xml version="1.0" encoding="utf-8"?>
-<p:sld xmlns:a="http://schemas.openxmlformats.org/drawingml/2006/main" xmlns:r="http://schemas.openxmlformats.org/officeDocument/2006/relationships" xmlns:p="http://schemas.openxmlformats.org/presentationml/2006/main">
-  <p:cSld>
-    <p:spTree>
-      <p:nvGrpSpPr>
-        <p:cNvPr id="1" name=""/>
-        <p:cNvGrpSpPr/>
-        <p:nvPr/>
-      </p:nvGrpSpPr>
-      <p:grpSpPr>
-        <a:xfrm>
-          <a:off x="0" y="0"/>
-          <a:ext cx="0" cy="0"/>
-          <a:chOff x="0" y="0"/>
-          <a:chExt cx="0" cy="0"/>
-        </a:xfrm>
-      </p:grpSpPr>
-      <p:sp>
-        <p:nvSpPr>
-          <p:cNvPr id="4" name="직사각형 3"/>
-          <p:cNvSpPr/>
-          <p:nvPr/>
-        </p:nvSpPr>
-        <p:spPr>
-          <a:xfrm>
-            <a:off x="863600" y="313263"/>
-            <a:ext cx="4826000" cy="6197600"/>
-          </a:xfrm>
-          <a:prstGeom prst="rect">
-            <a:avLst/>
-          </a:prstGeom>
-          <a:solidFill>
-            <a:schemeClr val="bg1"/>
-          </a:solidFill>
-          <a:ln>
-            <a:solidFill>
-              <a:schemeClr val="tx1"/>
-            </a:solidFill>
-          </a:ln>
-        </p:spPr>
-        <p:style>
-          <a:lnRef idx="2">
-            <a:schemeClr val="accent1">
-              <a:shade val="50000"/>
-            </a:schemeClr>
-          </a:lnRef>
-          <a:fillRef idx="1">
-            <a:schemeClr val="accent1"/>
-          </a:fillRef>
-          <a:effectRef idx="0">
-            <a:schemeClr val="accent1"/>
-          </a:effectRef>
-          <a:fontRef idx="minor">
-            <a:schemeClr val="lt1"/>
-          </a:fontRef>
-        </p:style>
-        <p:txBody>
-          <a:bodyPr rtlCol="0" anchor="ctr"/>
-          <a:lstStyle/>
-          <a:p>
-            <a:pPr algn="ctr"/>
-            <a:endParaRPr lang="ko-KR" altLang="en-US" dirty="0"/>
-          </a:p>
-        </p:txBody>
-      </p:sp>
-      <p:graphicFrame>
-        <p:nvGraphicFramePr>
-          <p:cNvPr id="5" name="표 4"/>
-          <p:cNvGraphicFramePr>
-            <a:graphicFrameLocks noGrp="1"/>
-          </p:cNvGraphicFramePr>
-          <p:nvPr>
-            <p:extLst>
-              <p:ext uri="{D42A27DB-BD31-4B8C-83A1-F6EECF244321}">
-                <p14:modId xmlns:p14="http://schemas.microsoft.com/office/powerpoint/2010/main" val="1750770076"/>
-              </p:ext>
-            </p:extLst>
-          </p:nvPr>
-        </p:nvGraphicFramePr>
-        <p:xfrm>
-          <a:off x="6392332" y="719664"/>
-          <a:ext cx="4174068" cy="4445001"/>
-        </p:xfrm>
-        <a:graphic>
-          <a:graphicData uri="http://schemas.openxmlformats.org/drawingml/2006/table">
-            <a:tbl>
-              <a:tblPr>
-                <a:tableStyleId>{073A0DAA-6AF3-43AB-8588-CEC1D06C72B9}</a:tableStyleId>
-              </a:tblPr>
-              <a:tblGrid>
-                <a:gridCol w="2087034"/>
-                <a:gridCol w="2087034"/>
-              </a:tblGrid>
-              <a:tr h="732867">
-                <a:tc>
-                  <a:txBody>
-                    <a:bodyPr/>
-                    <a:lstStyle/>
-                    <a:p>
-                      <a:pPr algn="ctr" latinLnBrk="1"/>
-                      <a:r>
-                        <a:rPr lang="ko-KR" altLang="en-US" dirty="0" smtClean="0"/>
-                        <a:t>구분</a:t>
-                      </a:r>
-                      <a:endParaRPr lang="ko-KR" altLang="en-US" dirty="0"/>
-                    </a:p>
-                  </a:txBody>
-                  <a:tcPr anchor="ctr">
-                    <a:solidFill>
-                      <a:schemeClr val="tx1">
-                        <a:lumMod val="50000"/>
-                        <a:lumOff val="50000"/>
-                      </a:schemeClr>
-                    </a:solidFill>
-                  </a:tcPr>
-                </a:tc>
-                <a:tc>
-                  <a:txBody>
-                    <a:bodyPr/>
-                    <a:lstStyle/>
-                    <a:p>
-                      <a:pPr algn="ctr" latinLnBrk="1"/>
-                      <a:r>
-                        <a:rPr lang="ko-KR" altLang="en-US" dirty="0" smtClean="0"/>
-                        <a:t>내용</a:t>
-                      </a:r>
-                      <a:endParaRPr lang="ko-KR" altLang="en-US" dirty="0"/>
-                    </a:p>
-                  </a:txBody>
-                  <a:tcPr anchor="ctr">
-                    <a:solidFill>
-                      <a:schemeClr val="tx1">
-                        <a:lumMod val="50000"/>
-                        <a:lumOff val="50000"/>
-                      </a:schemeClr>
-                    </a:solidFill>
-                  </a:tcPr>
-                </a:tc>
-              </a:tr>
-              <a:tr h="1109049">
-                <a:tc>
-                  <a:txBody>
-                    <a:bodyPr/>
-                    <a:lstStyle/>
-                    <a:p>
-                      <a:pPr algn="ctr" latinLnBrk="1"/>
-                      <a:r>
-                        <a:rPr lang="ko-KR" altLang="en-US" dirty="0" smtClean="0"/>
-                        <a:t>화면 번호</a:t>
-                      </a:r>
-                      <a:r>
-                        <a:rPr lang="en-US" altLang="ko-KR" dirty="0" smtClean="0"/>
-                        <a:t/>
-                      </a:r>
-                      <a:br>
-                        <a:rPr lang="en-US" altLang="ko-KR" dirty="0" smtClean="0"/>
-                      </a:br>
-                      <a:r>
-                        <a:rPr lang="en-US" altLang="ko-KR" dirty="0" smtClean="0"/>
-                        <a:t>(</a:t>
-                      </a:r>
-                      <a:r>
-                        <a:rPr lang="ko-KR" altLang="en-US" dirty="0" smtClean="0"/>
-                        <a:t>도움말</a:t>
-                      </a:r>
-                      <a:r>
-                        <a:rPr lang="en-US" altLang="ko-KR" dirty="0" smtClean="0"/>
-                        <a:t>)</a:t>
-                      </a:r>
-                      <a:endParaRPr lang="ko-KR" altLang="en-US" dirty="0"/>
-                    </a:p>
-                  </a:txBody>
-                  <a:tcPr anchor="ctr"/>
-                </a:tc>
-                <a:tc>
-                  <a:txBody>
-                    <a:bodyPr/>
-                    <a:lstStyle/>
-                    <a:p>
-                      <a:pPr algn="ctr" latinLnBrk="1"/>
-                      <a:r>
-                        <a:rPr lang="en-US" altLang="ko-KR" dirty="0" smtClean="0"/>
-                        <a:t>04-01</a:t>
-                      </a:r>
-                      <a:endParaRPr lang="ko-KR" altLang="en-US" dirty="0"/>
-                    </a:p>
-                  </a:txBody>
-                  <a:tcPr anchor="ctr"/>
-                </a:tc>
-              </a:tr>
-              <a:tr h="1165428">
-                <a:tc>
-                  <a:txBody>
-                    <a:bodyPr/>
-                    <a:lstStyle/>
-                    <a:p>
-                      <a:pPr algn="ctr" latinLnBrk="1"/>
-                      <a:r>
-                        <a:rPr lang="en-US" altLang="ko-KR" dirty="0" smtClean="0"/>
-                        <a:t>Btn04-01</a:t>
-                      </a:r>
-                      <a:endParaRPr lang="ko-KR" altLang="en-US" dirty="0"/>
-                    </a:p>
-                  </a:txBody>
-                  <a:tcPr anchor="ctr"/>
-                </a:tc>
-                <a:tc>
-                  <a:txBody>
-                    <a:bodyPr/>
-                    <a:lstStyle/>
-                    <a:p>
-                      <a:pPr algn="ctr" latinLnBrk="1"/>
-                      <a:r>
-                        <a:rPr lang="en-US" altLang="ko-KR" dirty="0" smtClean="0"/>
-                        <a:t>04-01-01</a:t>
-                      </a:r>
-                      <a:endParaRPr lang="ko-KR" altLang="en-US" dirty="0"/>
-                    </a:p>
-                  </a:txBody>
-                  <a:tcPr anchor="ctr"/>
-                </a:tc>
-              </a:tr>
-              <a:tr h="1437657">
-                <a:tc>
-                  <a:txBody>
-                    <a:bodyPr/>
-                    <a:lstStyle/>
-                    <a:p>
-                      <a:pPr algn="ctr" latinLnBrk="1"/>
-                      <a:endParaRPr lang="ko-KR" altLang="en-US" dirty="0"/>
-                    </a:p>
-                  </a:txBody>
-                  <a:tcPr anchor="ctr"/>
-                </a:tc>
-                <a:tc>
-                  <a:txBody>
-                    <a:bodyPr/>
-                    <a:lstStyle/>
-                    <a:p>
-                      <a:pPr algn="ctr" latinLnBrk="1"/>
-                      <a:endParaRPr lang="ko-KR" altLang="en-US" dirty="0"/>
-                    </a:p>
-                  </a:txBody>
-                  <a:tcPr anchor="ctr"/>
-                </a:tc>
-              </a:tr>
-            </a:tbl>
-          </a:graphicData>
-        </a:graphic>
-      </p:graphicFrame>
-      <p:sp>
-        <p:nvSpPr>
-          <p:cNvPr id="15" name="직사각형 14"/>
-          <p:cNvSpPr/>
-          <p:nvPr/>
-        </p:nvSpPr>
-        <p:spPr>
-          <a:xfrm>
-            <a:off x="1168400" y="5858937"/>
-            <a:ext cx="4267200" cy="575734"/>
-          </a:xfrm>
-          <a:prstGeom prst="rect">
-            <a:avLst/>
-          </a:prstGeom>
-        </p:spPr>
-        <p:style>
-          <a:lnRef idx="2">
-            <a:schemeClr val="accent1">
-              <a:shade val="50000"/>
-            </a:schemeClr>
-          </a:lnRef>
-          <a:fillRef idx="1">
-            <a:schemeClr val="accent1"/>
-          </a:fillRef>
-          <a:effectRef idx="0">
-            <a:schemeClr val="accent1"/>
-          </a:effectRef>
-          <a:fontRef idx="minor">
-            <a:schemeClr val="lt1"/>
-          </a:fontRef>
-        </p:style>
-        <p:txBody>
-          <a:bodyPr rtlCol="0" anchor="ctr"/>
-          <a:lstStyle/>
-          <a:p>
-            <a:pPr algn="ctr"/>
-            <a:r>
-              <a:rPr lang="ko-KR" altLang="en-US" dirty="0" smtClean="0"/>
-              <a:t>광   고</a:t>
-            </a:r>
-            <a:endParaRPr lang="ko-KR" altLang="en-US" dirty="0"/>
-          </a:p>
-        </p:txBody>
-      </p:sp>
-      <p:graphicFrame>
-        <p:nvGraphicFramePr>
-          <p:cNvPr id="2" name="표 1"/>
-          <p:cNvGraphicFramePr>
-            <a:graphicFrameLocks noGrp="1"/>
-          </p:cNvGraphicFramePr>
-          <p:nvPr>
-            <p:extLst>
-              <p:ext uri="{D42A27DB-BD31-4B8C-83A1-F6EECF244321}">
-                <p14:modId xmlns:p14="http://schemas.microsoft.com/office/powerpoint/2010/main" val="642898740"/>
-              </p:ext>
-            </p:extLst>
-          </p:nvPr>
-        </p:nvGraphicFramePr>
-        <p:xfrm>
-          <a:off x="1168400" y="1498599"/>
-          <a:ext cx="4165600" cy="3387510"/>
-        </p:xfrm>
-        <a:graphic>
-          <a:graphicData uri="http://schemas.openxmlformats.org/drawingml/2006/table">
-            <a:tbl>
-              <a:tblPr bandRow="1">
-                <a:tableStyleId>{5C22544A-7EE6-4342-B048-85BDC9FD1C3A}</a:tableStyleId>
-              </a:tblPr>
-              <a:tblGrid>
-                <a:gridCol w="533400"/>
-                <a:gridCol w="3632200"/>
-              </a:tblGrid>
-              <a:tr h="483930">
-                <a:tc>
-                  <a:txBody>
-                    <a:bodyPr/>
-                    <a:lstStyle/>
-                    <a:p>
-                      <a:pPr algn="ctr" latinLnBrk="1"/>
-                      <a:r>
-                        <a:rPr lang="en-US" altLang="ko-KR" dirty="0" smtClean="0"/>
-                        <a:t>&gt;</a:t>
-                      </a:r>
-                      <a:endParaRPr lang="ko-KR" altLang="en-US" dirty="0"/>
-                    </a:p>
-                  </a:txBody>
-                  <a:tcPr anchor="ctr"/>
-                </a:tc>
-                <a:tc>
-                  <a:txBody>
-                    <a:bodyPr/>
-                    <a:lstStyle/>
-                    <a:p>
-                      <a:pPr algn="l" latinLnBrk="1"/>
-                      <a:r>
-                        <a:rPr lang="ko-KR" altLang="en-US" dirty="0" smtClean="0"/>
-                        <a:t>게임 조작법</a:t>
-                      </a:r>
-                      <a:r>
-                        <a:rPr lang="en-US" altLang="ko-KR" dirty="0" smtClean="0"/>
-                        <a:t>(btn04-01)</a:t>
-                      </a:r>
-                      <a:endParaRPr lang="ko-KR" altLang="en-US" dirty="0"/>
-                    </a:p>
-                  </a:txBody>
-                  <a:tcPr anchor="ctr"/>
-                </a:tc>
-              </a:tr>
-              <a:tr h="483930">
-                <a:tc>
-                  <a:txBody>
-                    <a:bodyPr/>
-                    <a:lstStyle/>
-                    <a:p>
-                      <a:pPr algn="ctr" latinLnBrk="1"/>
-                      <a:r>
-                        <a:rPr lang="en-US" altLang="ko-KR" dirty="0" smtClean="0"/>
-                        <a:t>&gt;</a:t>
-                      </a:r>
-                      <a:endParaRPr lang="ko-KR" altLang="en-US" dirty="0"/>
-                    </a:p>
-                  </a:txBody>
-                  <a:tcPr anchor="ctr"/>
-                </a:tc>
-                <a:tc>
-                  <a:txBody>
-                    <a:bodyPr/>
-                    <a:lstStyle/>
-                    <a:p>
-                      <a:pPr algn="l" latinLnBrk="1"/>
-                      <a:r>
-                        <a:rPr lang="ko-KR" altLang="en-US" dirty="0" smtClean="0"/>
-                        <a:t>공지 사항</a:t>
-                      </a:r>
-                      <a:endParaRPr lang="ko-KR" altLang="en-US" dirty="0"/>
-                    </a:p>
-                  </a:txBody>
-                  <a:tcPr anchor="ctr"/>
-                </a:tc>
-              </a:tr>
-              <a:tr h="483930">
-                <a:tc>
-                  <a:txBody>
-                    <a:bodyPr/>
-                    <a:lstStyle/>
-                    <a:p>
-                      <a:pPr algn="ctr" latinLnBrk="1"/>
-                      <a:r>
-                        <a:rPr lang="en-US" altLang="ko-KR" dirty="0" smtClean="0"/>
-                        <a:t>&gt;</a:t>
-                      </a:r>
-                      <a:endParaRPr lang="ko-KR" altLang="en-US" dirty="0"/>
-                    </a:p>
-                  </a:txBody>
-                  <a:tcPr anchor="ctr"/>
-                </a:tc>
-                <a:tc>
-                  <a:txBody>
-                    <a:bodyPr/>
-                    <a:lstStyle/>
-                    <a:p>
-                      <a:pPr algn="l" latinLnBrk="1"/>
-                      <a:r>
-                        <a:rPr lang="en-US" altLang="ko-KR" dirty="0" smtClean="0"/>
-                        <a:t>Tip</a:t>
-                      </a:r>
-                      <a:endParaRPr lang="ko-KR" altLang="en-US" dirty="0"/>
-                    </a:p>
-                  </a:txBody>
-                  <a:tcPr anchor="ctr"/>
-                </a:tc>
-              </a:tr>
-              <a:tr h="483930">
-                <a:tc>
-                  <a:txBody>
-                    <a:bodyPr/>
-                    <a:lstStyle/>
-                    <a:p>
-                      <a:pPr algn="ctr" latinLnBrk="1"/>
-                      <a:r>
-                        <a:rPr lang="en-US" altLang="ko-KR" dirty="0" smtClean="0"/>
-                        <a:t>&gt;</a:t>
-                      </a:r>
-                      <a:endParaRPr lang="ko-KR" altLang="en-US" dirty="0"/>
-                    </a:p>
-                  </a:txBody>
-                  <a:tcPr anchor="ctr"/>
-                </a:tc>
-                <a:tc>
-                  <a:txBody>
-                    <a:bodyPr/>
-                    <a:lstStyle/>
-                    <a:p>
-                      <a:pPr algn="l" latinLnBrk="1"/>
-                      <a:r>
-                        <a:rPr lang="en-US" altLang="ko-KR" dirty="0" smtClean="0"/>
-                        <a:t>FAQ</a:t>
-                      </a:r>
-                      <a:endParaRPr lang="ko-KR" altLang="en-US" dirty="0"/>
-                    </a:p>
-                  </a:txBody>
-                  <a:tcPr anchor="ctr"/>
-                </a:tc>
-              </a:tr>
-              <a:tr h="483930">
-                <a:tc>
-                  <a:txBody>
-                    <a:bodyPr/>
-                    <a:lstStyle/>
-                    <a:p>
-                      <a:pPr algn="ctr" latinLnBrk="1"/>
-                      <a:r>
-                        <a:rPr lang="en-US" altLang="ko-KR" dirty="0" smtClean="0"/>
-                        <a:t>&gt;</a:t>
-                      </a:r>
-                      <a:endParaRPr lang="ko-KR" altLang="en-US" dirty="0"/>
-                    </a:p>
-                  </a:txBody>
-                  <a:tcPr anchor="ctr"/>
-                </a:tc>
-                <a:tc>
-                  <a:txBody>
-                    <a:bodyPr/>
-                    <a:lstStyle/>
-                    <a:p>
-                      <a:pPr algn="l" latinLnBrk="1"/>
-                      <a:r>
-                        <a:rPr lang="ko-KR" altLang="en-US" dirty="0" smtClean="0"/>
-                        <a:t>계정등록</a:t>
-                      </a:r>
-                      <a:endParaRPr lang="en-US" altLang="ko-KR" dirty="0" smtClean="0"/>
-                    </a:p>
-                  </a:txBody>
-                  <a:tcPr anchor="ctr"/>
-                </a:tc>
-              </a:tr>
-              <a:tr h="483930">
-                <a:tc gridSpan="2">
-                  <a:txBody>
-                    <a:bodyPr/>
-                    <a:lstStyle/>
-                    <a:p>
-                      <a:pPr marL="0" indent="0" algn="l" latinLnBrk="1">
-                        <a:buFontTx/>
-                        <a:buNone/>
-                      </a:pPr>
-                      <a:r>
-                        <a:rPr lang="en-US" altLang="ko-KR" dirty="0" smtClean="0"/>
-                        <a:t>    - Facebook</a:t>
-                      </a:r>
-                    </a:p>
-                  </a:txBody>
-                  <a:tcPr anchor="ctr"/>
-                </a:tc>
-                <a:tc hMerge="1">
-                  <a:txBody>
-                    <a:bodyPr/>
-                    <a:lstStyle/>
-                    <a:p>
-                      <a:pPr marL="285750" indent="-285750" algn="l" latinLnBrk="1">
-                        <a:buFontTx/>
-                        <a:buChar char="-"/>
-                      </a:pPr>
-                      <a:endParaRPr lang="en-US" altLang="ko-KR" dirty="0" smtClean="0"/>
-                    </a:p>
-                  </a:txBody>
-                  <a:tcPr anchor="ctr"/>
-                </a:tc>
-              </a:tr>
-              <a:tr h="483930">
-                <a:tc gridSpan="2">
-                  <a:txBody>
-                    <a:bodyPr/>
-                    <a:lstStyle/>
-                    <a:p>
-                      <a:pPr marL="0" indent="0" algn="l" latinLnBrk="1">
-                        <a:buFontTx/>
-                        <a:buNone/>
-                      </a:pPr>
-                      <a:r>
-                        <a:rPr lang="en-US" altLang="ko-KR" dirty="0" smtClean="0"/>
-                        <a:t>    - Google+</a:t>
-                      </a:r>
-                    </a:p>
-                  </a:txBody>
-                  <a:tcPr anchor="ctr"/>
-                </a:tc>
-                <a:tc hMerge="1">
-                  <a:txBody>
-                    <a:bodyPr/>
-                    <a:lstStyle/>
-                    <a:p>
-                      <a:pPr marL="285750" indent="-285750" algn="l" latinLnBrk="1">
-                        <a:buFontTx/>
-                        <a:buChar char="-"/>
-                      </a:pPr>
-                      <a:endParaRPr lang="en-US" altLang="ko-KR" dirty="0" smtClean="0"/>
-                    </a:p>
-                  </a:txBody>
-                  <a:tcPr anchor="ctr"/>
-                </a:tc>
-              </a:tr>
-            </a:tbl>
-          </a:graphicData>
-        </a:graphic>
-      </p:graphicFrame>
-      <p:sp>
-        <p:nvSpPr>
-          <p:cNvPr id="3" name="TextBox 2"/>
-          <p:cNvSpPr txBox="1"/>
-          <p:nvPr/>
-        </p:nvSpPr>
-        <p:spPr>
-          <a:xfrm>
-            <a:off x="1168400" y="778933"/>
-            <a:ext cx="877163" cy="369332"/>
-          </a:xfrm>
-          <a:prstGeom prst="rect">
-            <a:avLst/>
-          </a:prstGeom>
-          <a:noFill/>
-        </p:spPr>
-        <p:txBody>
-          <a:bodyPr wrap="none" rtlCol="0">
-            <a:spAutoFit/>
-          </a:bodyPr>
-          <a:lstStyle/>
-          <a:p>
-            <a:r>
-              <a:rPr lang="ko-KR" altLang="en-US" dirty="0" smtClean="0"/>
-              <a:t>도움말</a:t>
-            </a:r>
-            <a:endParaRPr lang="ko-KR" altLang="en-US" dirty="0"/>
-          </a:p>
-        </p:txBody>
-      </p:sp>
-    </p:spTree>
-    <p:extLst>
-      <p:ext uri="{BB962C8B-B14F-4D97-AF65-F5344CB8AC3E}">
-        <p14:creationId xmlns:p14="http://schemas.microsoft.com/office/powerpoint/2010/main" val="2314207455"/>
-      </p:ext>
-    </p:extLst>
-  </p:cSld>
-  <p:clrMapOvr>
-    <a:masterClrMapping/>
-  </p:clrMapOvr>
-  <p:timing>
-    <p:tnLst>
-      <p:par>
-        <p:cTn id="1" dur="indefinite" restart="never" nodeType="tmRoot"/>
-      </p:par>
-    </p:tnLst>
-  </p:timing>
-</p:sld>
-</file>
-
 <file path=ppt/slides/slide5.xml><?xml version="1.0" encoding="utf-8"?>
 <p:sld xmlns:a="http://schemas.openxmlformats.org/drawingml/2006/main" xmlns:r="http://schemas.openxmlformats.org/officeDocument/2006/relationships" xmlns:p="http://schemas.openxmlformats.org/presentationml/2006/main">
   <p:cSld>
@@ -10553,7 +12507,7 @@
           <p:nvPr>
             <p:extLst>
               <p:ext uri="{D42A27DB-BD31-4B8C-83A1-F6EECF244321}">
-                <p14:modId xmlns:p14="http://schemas.microsoft.com/office/powerpoint/2010/main" val="1434419268"/>
+                <p14:modId xmlns:p14="http://schemas.microsoft.com/office/powerpoint/2010/main" val="1750770076"/>
               </p:ext>
             </p:extLst>
           </p:nvPr>
@@ -10642,7 +12596,7 @@
                       </a:r>
                       <a:r>
                         <a:rPr lang="ko-KR" altLang="en-US" dirty="0" smtClean="0"/>
-                        <a:t>게임 조작법</a:t>
+                        <a:t>도움말</a:t>
                       </a:r>
                       <a:r>
                         <a:rPr lang="en-US" altLang="ko-KR" dirty="0" smtClean="0"/>
@@ -10661,7 +12615,7 @@
                       <a:pPr algn="ctr" latinLnBrk="1"/>
                       <a:r>
                         <a:rPr lang="en-US" altLang="ko-KR" dirty="0" smtClean="0"/>
-                        <a:t>04-01-01</a:t>
+                        <a:t>04-01</a:t>
                       </a:r>
                       <a:endParaRPr lang="ko-KR" altLang="en-US" dirty="0"/>
                     </a:p>
@@ -10678,7 +12632,7 @@
                       <a:pPr algn="ctr" latinLnBrk="1"/>
                       <a:r>
                         <a:rPr lang="en-US" altLang="ko-KR" dirty="0" smtClean="0"/>
-                        <a:t>btn01</a:t>
+                        <a:t>Btn04-01</a:t>
                       </a:r>
                       <a:endParaRPr lang="ko-KR" altLang="en-US" dirty="0"/>
                     </a:p>
@@ -10693,7 +12647,7 @@
                       <a:pPr algn="ctr" latinLnBrk="1"/>
                       <a:r>
                         <a:rPr lang="en-US" altLang="ko-KR" dirty="0" smtClean="0"/>
-                        <a:t>04-01</a:t>
+                        <a:t>04-01-01</a:t>
                       </a:r>
                       <a:endParaRPr lang="ko-KR" altLang="en-US" dirty="0"/>
                     </a:p>
@@ -10782,14 +12736,14 @@
           <p:nvPr>
             <p:extLst>
               <p:ext uri="{D42A27DB-BD31-4B8C-83A1-F6EECF244321}">
-                <p14:modId xmlns:p14="http://schemas.microsoft.com/office/powerpoint/2010/main" val="4028838544"/>
+                <p14:modId xmlns:p14="http://schemas.microsoft.com/office/powerpoint/2010/main" val="642898740"/>
               </p:ext>
             </p:extLst>
           </p:nvPr>
         </p:nvGraphicFramePr>
         <p:xfrm>
           <a:off x="1168400" y="1498599"/>
-          <a:ext cx="4165600" cy="2903580"/>
+          <a:ext cx="4165600" cy="3387510"/>
         </p:xfrm>
         <a:graphic>
           <a:graphicData uri="http://schemas.openxmlformats.org/drawingml/2006/table">
@@ -10838,36 +12792,128 @@
                 </a:tc>
               </a:tr>
               <a:tr h="483930">
-                <a:tc gridSpan="2">
+                <a:tc>
+                  <a:txBody>
+                    <a:bodyPr/>
+                    <a:lstStyle/>
+                    <a:p>
+                      <a:pPr algn="ctr" latinLnBrk="1"/>
+                      <a:r>
+                        <a:rPr lang="en-US" altLang="ko-KR" dirty="0" smtClean="0"/>
+                        <a:t>&gt;</a:t>
+                      </a:r>
+                      <a:endParaRPr lang="ko-KR" altLang="en-US" dirty="0"/>
+                    </a:p>
+                  </a:txBody>
+                  <a:tcPr anchor="ctr"/>
+                </a:tc>
+                <a:tc>
                   <a:txBody>
                     <a:bodyPr/>
                     <a:lstStyle/>
                     <a:p>
                       <a:pPr algn="l" latinLnBrk="1"/>
                       <a:r>
+                        <a:rPr lang="ko-KR" altLang="en-US" dirty="0" smtClean="0"/>
+                        <a:t>공지 사항</a:t>
+                      </a:r>
+                      <a:endParaRPr lang="ko-KR" altLang="en-US" dirty="0"/>
+                    </a:p>
+                  </a:txBody>
+                  <a:tcPr anchor="ctr"/>
+                </a:tc>
+              </a:tr>
+              <a:tr h="483930">
+                <a:tc>
+                  <a:txBody>
+                    <a:bodyPr/>
+                    <a:lstStyle/>
+                    <a:p>
+                      <a:pPr algn="ctr" latinLnBrk="1"/>
+                      <a:r>
                         <a:rPr lang="en-US" altLang="ko-KR" dirty="0" smtClean="0"/>
-                        <a:t>    - </a:t>
-                      </a:r>
-                      <a:r>
-                        <a:rPr lang="ko-KR" altLang="en-US" dirty="0" err="1" smtClean="0"/>
-                        <a:t>싱글</a:t>
-                      </a:r>
+                        <a:t>&gt;</a:t>
+                      </a:r>
+                      <a:endParaRPr lang="ko-KR" altLang="en-US" dirty="0"/>
+                    </a:p>
+                  </a:txBody>
+                  <a:tcPr anchor="ctr"/>
+                </a:tc>
+                <a:tc>
+                  <a:txBody>
+                    <a:bodyPr/>
+                    <a:lstStyle/>
+                    <a:p>
+                      <a:pPr algn="l" latinLnBrk="1"/>
+                      <a:r>
+                        <a:rPr lang="en-US" altLang="ko-KR" dirty="0" smtClean="0"/>
+                        <a:t>Tip</a:t>
+                      </a:r>
+                      <a:endParaRPr lang="ko-KR" altLang="en-US" dirty="0"/>
+                    </a:p>
+                  </a:txBody>
+                  <a:tcPr anchor="ctr"/>
+                </a:tc>
+              </a:tr>
+              <a:tr h="483930">
+                <a:tc>
+                  <a:txBody>
+                    <a:bodyPr/>
+                    <a:lstStyle/>
+                    <a:p>
+                      <a:pPr algn="ctr" latinLnBrk="1"/>
+                      <a:r>
+                        <a:rPr lang="en-US" altLang="ko-KR" dirty="0" smtClean="0"/>
+                        <a:t>&gt;</a:t>
+                      </a:r>
+                      <a:endParaRPr lang="ko-KR" altLang="en-US" dirty="0"/>
+                    </a:p>
+                  </a:txBody>
+                  <a:tcPr anchor="ctr"/>
+                </a:tc>
+                <a:tc>
+                  <a:txBody>
+                    <a:bodyPr/>
+                    <a:lstStyle/>
+                    <a:p>
+                      <a:pPr algn="l" latinLnBrk="1"/>
+                      <a:r>
+                        <a:rPr lang="en-US" altLang="ko-KR" dirty="0" smtClean="0"/>
+                        <a:t>FAQ</a:t>
+                      </a:r>
+                      <a:endParaRPr lang="ko-KR" altLang="en-US" dirty="0"/>
+                    </a:p>
+                  </a:txBody>
+                  <a:tcPr anchor="ctr"/>
+                </a:tc>
+              </a:tr>
+              <a:tr h="483930">
+                <a:tc>
+                  <a:txBody>
+                    <a:bodyPr/>
+                    <a:lstStyle/>
+                    <a:p>
+                      <a:pPr algn="ctr" latinLnBrk="1"/>
+                      <a:r>
+                        <a:rPr lang="en-US" altLang="ko-KR" dirty="0" smtClean="0"/>
+                        <a:t>&gt;</a:t>
+                      </a:r>
+                      <a:endParaRPr lang="ko-KR" altLang="en-US" dirty="0"/>
+                    </a:p>
+                  </a:txBody>
+                  <a:tcPr anchor="ctr"/>
+                </a:tc>
+                <a:tc>
+                  <a:txBody>
+                    <a:bodyPr/>
+                    <a:lstStyle/>
+                    <a:p>
+                      <a:pPr algn="l" latinLnBrk="1"/>
                       <a:r>
                         <a:rPr lang="ko-KR" altLang="en-US" dirty="0" smtClean="0"/>
-                        <a:t> 플레이</a:t>
-                      </a:r>
-                      <a:endParaRPr lang="ko-KR" altLang="en-US" dirty="0"/>
-                    </a:p>
-                  </a:txBody>
-                  <a:tcPr anchor="ctr"/>
-                </a:tc>
-                <a:tc hMerge="1">
-                  <a:txBody>
-                    <a:bodyPr/>
-                    <a:lstStyle/>
-                    <a:p>
-                      <a:pPr algn="l" latinLnBrk="1"/>
-                      <a:endParaRPr lang="ko-KR" altLang="en-US" dirty="0"/>
+                        <a:t>계정등록</a:t>
+                      </a:r>
+                      <a:endParaRPr lang="en-US" altLang="ko-KR" dirty="0" smtClean="0"/>
                     </a:p>
                   </a:txBody>
                   <a:tcPr anchor="ctr"/>
@@ -10879,16 +12925,14 @@
                     <a:bodyPr/>
                     <a:lstStyle/>
                     <a:p>
-                      <a:pPr algn="l" latinLnBrk="1"/>
+                      <a:pPr marL="0" indent="0" algn="l" latinLnBrk="1">
+                        <a:buFontTx/>
+                        <a:buNone/>
+                      </a:pPr>
                       <a:r>
                         <a:rPr lang="en-US" altLang="ko-KR" dirty="0" smtClean="0"/>
-                        <a:t>    - </a:t>
-                      </a:r>
-                      <a:r>
-                        <a:rPr lang="ko-KR" altLang="en-US" dirty="0" smtClean="0"/>
-                        <a:t>멀티 플레이</a:t>
-                      </a:r>
-                      <a:endParaRPr lang="ko-KR" altLang="en-US" dirty="0"/>
+                        <a:t>    - Facebook</a:t>
+                      </a:r>
                     </a:p>
                   </a:txBody>
                   <a:tcPr anchor="ctr"/>
@@ -10898,104 +12942,44 @@
                     <a:bodyPr/>
                     <a:lstStyle/>
                     <a:p>
-                      <a:pPr algn="l" latinLnBrk="1"/>
-                      <a:endParaRPr lang="ko-KR" altLang="en-US" dirty="0"/>
+                      <a:pPr marL="285750" indent="-285750" algn="l" latinLnBrk="1">
+                        <a:buFontTx/>
+                        <a:buChar char="-"/>
+                      </a:pPr>
+                      <a:endParaRPr lang="en-US" altLang="ko-KR" dirty="0" smtClean="0"/>
                     </a:p>
                   </a:txBody>
                   <a:tcPr anchor="ctr"/>
                 </a:tc>
               </a:tr>
               <a:tr h="483930">
-                <a:tc>
-                  <a:txBody>
-                    <a:bodyPr/>
-                    <a:lstStyle/>
-                    <a:p>
-                      <a:pPr algn="ctr" latinLnBrk="1"/>
+                <a:tc gridSpan="2">
+                  <a:txBody>
+                    <a:bodyPr/>
+                    <a:lstStyle/>
+                    <a:p>
+                      <a:pPr marL="0" indent="0" algn="l" latinLnBrk="1">
+                        <a:buFontTx/>
+                        <a:buNone/>
+                      </a:pPr>
                       <a:r>
                         <a:rPr lang="en-US" altLang="ko-KR" dirty="0" smtClean="0"/>
-                        <a:t>&gt;</a:t>
-                      </a:r>
-                      <a:endParaRPr lang="ko-KR" altLang="en-US" dirty="0"/>
-                    </a:p>
-                  </a:txBody>
-                  <a:tcPr anchor="ctr"/>
-                </a:tc>
-                <a:tc>
-                  <a:txBody>
-                    <a:bodyPr/>
-                    <a:lstStyle/>
-                    <a:p>
-                      <a:pPr algn="l" latinLnBrk="1"/>
-                      <a:r>
-                        <a:rPr lang="ko-KR" altLang="en-US" dirty="0" smtClean="0"/>
-                        <a:t>공지 사항</a:t>
-                      </a:r>
-                      <a:endParaRPr lang="ko-KR" altLang="en-US" dirty="0"/>
-                    </a:p>
-                  </a:txBody>
-                  <a:tcPr anchor="ctr"/>
-                </a:tc>
-              </a:tr>
-              <a:tr h="483930">
-                <a:tc>
-                  <a:txBody>
-                    <a:bodyPr/>
-                    <a:lstStyle/>
-                    <a:p>
-                      <a:pPr algn="ctr" latinLnBrk="1"/>
-                      <a:r>
-                        <a:rPr lang="en-US" altLang="ko-KR" dirty="0" smtClean="0"/>
-                        <a:t>&gt;</a:t>
-                      </a:r>
-                      <a:endParaRPr lang="ko-KR" altLang="en-US" dirty="0"/>
-                    </a:p>
-                  </a:txBody>
-                  <a:tcPr anchor="ctr"/>
-                </a:tc>
-                <a:tc>
-                  <a:txBody>
-                    <a:bodyPr/>
-                    <a:lstStyle/>
-                    <a:p>
-                      <a:pPr algn="l" latinLnBrk="1"/>
-                      <a:r>
-                        <a:rPr lang="en-US" altLang="ko-KR" dirty="0" smtClean="0"/>
-                        <a:t>Tip</a:t>
-                      </a:r>
-                      <a:endParaRPr lang="ko-KR" altLang="en-US" dirty="0"/>
-                    </a:p>
-                  </a:txBody>
-                  <a:tcPr anchor="ctr"/>
-                </a:tc>
-              </a:tr>
-              <a:tr h="483930">
-                <a:tc>
-                  <a:txBody>
-                    <a:bodyPr/>
-                    <a:lstStyle/>
-                    <a:p>
-                      <a:pPr algn="ctr" latinLnBrk="1"/>
-                      <a:r>
-                        <a:rPr lang="en-US" altLang="ko-KR" dirty="0" smtClean="0"/>
-                        <a:t>&gt;</a:t>
-                      </a:r>
-                      <a:endParaRPr lang="ko-KR" altLang="en-US" dirty="0"/>
-                    </a:p>
-                  </a:txBody>
-                  <a:tcPr anchor="ctr"/>
-                </a:tc>
-                <a:tc>
-                  <a:txBody>
-                    <a:bodyPr/>
-                    <a:lstStyle/>
-                    <a:p>
-                      <a:pPr algn="l" latinLnBrk="1"/>
-                      <a:r>
-                        <a:rPr lang="en-US" altLang="ko-KR" dirty="0" smtClean="0"/>
-                        <a:t>FAQ</a:t>
-                      </a:r>
-                      <a:endParaRPr lang="ko-KR" altLang="en-US" dirty="0"/>
+                        <a:t>    - Google+</a:t>
+                      </a:r>
+                    </a:p>
+                  </a:txBody>
+                  <a:tcPr anchor="ctr"/>
+                </a:tc>
+                <a:tc hMerge="1">
+                  <a:txBody>
+                    <a:bodyPr/>
+                    <a:lstStyle/>
+                    <a:p>
+                      <a:pPr marL="285750" indent="-285750" algn="l" latinLnBrk="1">
+                        <a:buFontTx/>
+                        <a:buChar char="-"/>
+                      </a:pPr>
+                      <a:endParaRPr lang="en-US" altLang="ko-KR" dirty="0" smtClean="0"/>
                     </a:p>
                   </a:txBody>
                   <a:tcPr anchor="ctr"/>
@@ -11038,6 +13022,614 @@
     </p:spTree>
     <p:extLst>
       <p:ext uri="{BB962C8B-B14F-4D97-AF65-F5344CB8AC3E}">
+        <p14:creationId xmlns:p14="http://schemas.microsoft.com/office/powerpoint/2010/main" val="2314207455"/>
+      </p:ext>
+    </p:extLst>
+  </p:cSld>
+  <p:clrMapOvr>
+    <a:masterClrMapping/>
+  </p:clrMapOvr>
+  <p:timing>
+    <p:tnLst>
+      <p:par>
+        <p:cTn id="1" dur="indefinite" restart="never" nodeType="tmRoot"/>
+      </p:par>
+    </p:tnLst>
+  </p:timing>
+</p:sld>
+</file>
+
+<file path=ppt/slides/slide6.xml><?xml version="1.0" encoding="utf-8"?>
+<p:sld xmlns:a="http://schemas.openxmlformats.org/drawingml/2006/main" xmlns:r="http://schemas.openxmlformats.org/officeDocument/2006/relationships" xmlns:p="http://schemas.openxmlformats.org/presentationml/2006/main">
+  <p:cSld>
+    <p:spTree>
+      <p:nvGrpSpPr>
+        <p:cNvPr id="1" name=""/>
+        <p:cNvGrpSpPr/>
+        <p:nvPr/>
+      </p:nvGrpSpPr>
+      <p:grpSpPr>
+        <a:xfrm>
+          <a:off x="0" y="0"/>
+          <a:ext cx="0" cy="0"/>
+          <a:chOff x="0" y="0"/>
+          <a:chExt cx="0" cy="0"/>
+        </a:xfrm>
+      </p:grpSpPr>
+      <p:sp>
+        <p:nvSpPr>
+          <p:cNvPr id="4" name="직사각형 3"/>
+          <p:cNvSpPr/>
+          <p:nvPr/>
+        </p:nvSpPr>
+        <p:spPr>
+          <a:xfrm>
+            <a:off x="863600" y="313263"/>
+            <a:ext cx="4826000" cy="6197600"/>
+          </a:xfrm>
+          <a:prstGeom prst="rect">
+            <a:avLst/>
+          </a:prstGeom>
+          <a:solidFill>
+            <a:schemeClr val="bg1"/>
+          </a:solidFill>
+          <a:ln>
+            <a:solidFill>
+              <a:schemeClr val="tx1"/>
+            </a:solidFill>
+          </a:ln>
+        </p:spPr>
+        <p:style>
+          <a:lnRef idx="2">
+            <a:schemeClr val="accent1">
+              <a:shade val="50000"/>
+            </a:schemeClr>
+          </a:lnRef>
+          <a:fillRef idx="1">
+            <a:schemeClr val="accent1"/>
+          </a:fillRef>
+          <a:effectRef idx="0">
+            <a:schemeClr val="accent1"/>
+          </a:effectRef>
+          <a:fontRef idx="minor">
+            <a:schemeClr val="lt1"/>
+          </a:fontRef>
+        </p:style>
+        <p:txBody>
+          <a:bodyPr rtlCol="0" anchor="ctr"/>
+          <a:lstStyle/>
+          <a:p>
+            <a:pPr algn="ctr"/>
+            <a:endParaRPr lang="ko-KR" altLang="en-US" dirty="0"/>
+          </a:p>
+        </p:txBody>
+      </p:sp>
+      <p:graphicFrame>
+        <p:nvGraphicFramePr>
+          <p:cNvPr id="5" name="표 4"/>
+          <p:cNvGraphicFramePr>
+            <a:graphicFrameLocks noGrp="1"/>
+          </p:cNvGraphicFramePr>
+          <p:nvPr>
+            <p:extLst>
+              <p:ext uri="{D42A27DB-BD31-4B8C-83A1-F6EECF244321}">
+                <p14:modId xmlns:p14="http://schemas.microsoft.com/office/powerpoint/2010/main" val="1434419268"/>
+              </p:ext>
+            </p:extLst>
+          </p:nvPr>
+        </p:nvGraphicFramePr>
+        <p:xfrm>
+          <a:off x="6392332" y="719664"/>
+          <a:ext cx="4174068" cy="4445001"/>
+        </p:xfrm>
+        <a:graphic>
+          <a:graphicData uri="http://schemas.openxmlformats.org/drawingml/2006/table">
+            <a:tbl>
+              <a:tblPr>
+                <a:tableStyleId>{073A0DAA-6AF3-43AB-8588-CEC1D06C72B9}</a:tableStyleId>
+              </a:tblPr>
+              <a:tblGrid>
+                <a:gridCol w="2087034"/>
+                <a:gridCol w="2087034"/>
+              </a:tblGrid>
+              <a:tr h="732867">
+                <a:tc>
+                  <a:txBody>
+                    <a:bodyPr/>
+                    <a:lstStyle/>
+                    <a:p>
+                      <a:pPr algn="ctr" latinLnBrk="1"/>
+                      <a:r>
+                        <a:rPr lang="ko-KR" altLang="en-US" dirty="0" smtClean="0"/>
+                        <a:t>구분</a:t>
+                      </a:r>
+                      <a:endParaRPr lang="ko-KR" altLang="en-US" dirty="0"/>
+                    </a:p>
+                  </a:txBody>
+                  <a:tcPr anchor="ctr">
+                    <a:solidFill>
+                      <a:schemeClr val="tx1">
+                        <a:lumMod val="50000"/>
+                        <a:lumOff val="50000"/>
+                      </a:schemeClr>
+                    </a:solidFill>
+                  </a:tcPr>
+                </a:tc>
+                <a:tc>
+                  <a:txBody>
+                    <a:bodyPr/>
+                    <a:lstStyle/>
+                    <a:p>
+                      <a:pPr algn="ctr" latinLnBrk="1"/>
+                      <a:r>
+                        <a:rPr lang="ko-KR" altLang="en-US" dirty="0" smtClean="0"/>
+                        <a:t>내용</a:t>
+                      </a:r>
+                      <a:endParaRPr lang="ko-KR" altLang="en-US" dirty="0"/>
+                    </a:p>
+                  </a:txBody>
+                  <a:tcPr anchor="ctr">
+                    <a:solidFill>
+                      <a:schemeClr val="tx1">
+                        <a:lumMod val="50000"/>
+                        <a:lumOff val="50000"/>
+                      </a:schemeClr>
+                    </a:solidFill>
+                  </a:tcPr>
+                </a:tc>
+              </a:tr>
+              <a:tr h="1109049">
+                <a:tc>
+                  <a:txBody>
+                    <a:bodyPr/>
+                    <a:lstStyle/>
+                    <a:p>
+                      <a:pPr algn="ctr" latinLnBrk="1"/>
+                      <a:r>
+                        <a:rPr lang="ko-KR" altLang="en-US" dirty="0" smtClean="0"/>
+                        <a:t>화면 번호</a:t>
+                      </a:r>
+                      <a:r>
+                        <a:rPr lang="en-US" altLang="ko-KR" dirty="0" smtClean="0"/>
+                        <a:t/>
+                      </a:r>
+                      <a:br>
+                        <a:rPr lang="en-US" altLang="ko-KR" dirty="0" smtClean="0"/>
+                      </a:br>
+                      <a:r>
+                        <a:rPr lang="en-US" altLang="ko-KR" dirty="0" smtClean="0"/>
+                        <a:t>(</a:t>
+                      </a:r>
+                      <a:r>
+                        <a:rPr lang="ko-KR" altLang="en-US" dirty="0" smtClean="0"/>
+                        <a:t>게임 조작법</a:t>
+                      </a:r>
+                      <a:r>
+                        <a:rPr lang="en-US" altLang="ko-KR" dirty="0" smtClean="0"/>
+                        <a:t>)</a:t>
+                      </a:r>
+                      <a:endParaRPr lang="ko-KR" altLang="en-US" dirty="0"/>
+                    </a:p>
+                  </a:txBody>
+                  <a:tcPr anchor="ctr"/>
+                </a:tc>
+                <a:tc>
+                  <a:txBody>
+                    <a:bodyPr/>
+                    <a:lstStyle/>
+                    <a:p>
+                      <a:pPr algn="ctr" latinLnBrk="1"/>
+                      <a:r>
+                        <a:rPr lang="en-US" altLang="ko-KR" dirty="0" smtClean="0"/>
+                        <a:t>04-01-01</a:t>
+                      </a:r>
+                      <a:endParaRPr lang="ko-KR" altLang="en-US" dirty="0"/>
+                    </a:p>
+                  </a:txBody>
+                  <a:tcPr anchor="ctr"/>
+                </a:tc>
+              </a:tr>
+              <a:tr h="1165428">
+                <a:tc>
+                  <a:txBody>
+                    <a:bodyPr/>
+                    <a:lstStyle/>
+                    <a:p>
+                      <a:pPr algn="ctr" latinLnBrk="1"/>
+                      <a:r>
+                        <a:rPr lang="en-US" altLang="ko-KR" dirty="0" smtClean="0"/>
+                        <a:t>btn01</a:t>
+                      </a:r>
+                      <a:endParaRPr lang="ko-KR" altLang="en-US" dirty="0"/>
+                    </a:p>
+                  </a:txBody>
+                  <a:tcPr anchor="ctr"/>
+                </a:tc>
+                <a:tc>
+                  <a:txBody>
+                    <a:bodyPr/>
+                    <a:lstStyle/>
+                    <a:p>
+                      <a:pPr algn="ctr" latinLnBrk="1"/>
+                      <a:r>
+                        <a:rPr lang="en-US" altLang="ko-KR" dirty="0" smtClean="0"/>
+                        <a:t>04-01</a:t>
+                      </a:r>
+                      <a:endParaRPr lang="ko-KR" altLang="en-US" dirty="0"/>
+                    </a:p>
+                  </a:txBody>
+                  <a:tcPr anchor="ctr"/>
+                </a:tc>
+              </a:tr>
+              <a:tr h="1437657">
+                <a:tc>
+                  <a:txBody>
+                    <a:bodyPr/>
+                    <a:lstStyle/>
+                    <a:p>
+                      <a:pPr algn="ctr" latinLnBrk="1"/>
+                      <a:endParaRPr lang="ko-KR" altLang="en-US" dirty="0"/>
+                    </a:p>
+                  </a:txBody>
+                  <a:tcPr anchor="ctr"/>
+                </a:tc>
+                <a:tc>
+                  <a:txBody>
+                    <a:bodyPr/>
+                    <a:lstStyle/>
+                    <a:p>
+                      <a:pPr algn="ctr" latinLnBrk="1"/>
+                      <a:endParaRPr lang="ko-KR" altLang="en-US" dirty="0"/>
+                    </a:p>
+                  </a:txBody>
+                  <a:tcPr anchor="ctr"/>
+                </a:tc>
+              </a:tr>
+            </a:tbl>
+          </a:graphicData>
+        </a:graphic>
+      </p:graphicFrame>
+      <p:sp>
+        <p:nvSpPr>
+          <p:cNvPr id="15" name="직사각형 14"/>
+          <p:cNvSpPr/>
+          <p:nvPr/>
+        </p:nvSpPr>
+        <p:spPr>
+          <a:xfrm>
+            <a:off x="1168400" y="5858937"/>
+            <a:ext cx="4267200" cy="575734"/>
+          </a:xfrm>
+          <a:prstGeom prst="rect">
+            <a:avLst/>
+          </a:prstGeom>
+        </p:spPr>
+        <p:style>
+          <a:lnRef idx="2">
+            <a:schemeClr val="accent1">
+              <a:shade val="50000"/>
+            </a:schemeClr>
+          </a:lnRef>
+          <a:fillRef idx="1">
+            <a:schemeClr val="accent1"/>
+          </a:fillRef>
+          <a:effectRef idx="0">
+            <a:schemeClr val="accent1"/>
+          </a:effectRef>
+          <a:fontRef idx="minor">
+            <a:schemeClr val="lt1"/>
+          </a:fontRef>
+        </p:style>
+        <p:txBody>
+          <a:bodyPr rtlCol="0" anchor="ctr"/>
+          <a:lstStyle/>
+          <a:p>
+            <a:pPr algn="ctr"/>
+            <a:r>
+              <a:rPr lang="ko-KR" altLang="en-US" dirty="0" smtClean="0"/>
+              <a:t>광   고</a:t>
+            </a:r>
+            <a:endParaRPr lang="ko-KR" altLang="en-US" dirty="0"/>
+          </a:p>
+        </p:txBody>
+      </p:sp>
+      <p:graphicFrame>
+        <p:nvGraphicFramePr>
+          <p:cNvPr id="2" name="표 1"/>
+          <p:cNvGraphicFramePr>
+            <a:graphicFrameLocks noGrp="1"/>
+          </p:cNvGraphicFramePr>
+          <p:nvPr>
+            <p:extLst>
+              <p:ext uri="{D42A27DB-BD31-4B8C-83A1-F6EECF244321}">
+                <p14:modId xmlns:p14="http://schemas.microsoft.com/office/powerpoint/2010/main" val="2503107329"/>
+              </p:ext>
+            </p:extLst>
+          </p:nvPr>
+        </p:nvGraphicFramePr>
+        <p:xfrm>
+          <a:off x="1168400" y="1498599"/>
+          <a:ext cx="4165600" cy="3387510"/>
+        </p:xfrm>
+        <a:graphic>
+          <a:graphicData uri="http://schemas.openxmlformats.org/drawingml/2006/table">
+            <a:tbl>
+              <a:tblPr bandRow="1">
+                <a:tableStyleId>{5C22544A-7EE6-4342-B048-85BDC9FD1C3A}</a:tableStyleId>
+              </a:tblPr>
+              <a:tblGrid>
+                <a:gridCol w="533400"/>
+                <a:gridCol w="3632200"/>
+              </a:tblGrid>
+              <a:tr h="483930">
+                <a:tc>
+                  <a:txBody>
+                    <a:bodyPr/>
+                    <a:lstStyle/>
+                    <a:p>
+                      <a:pPr algn="ctr" latinLnBrk="1"/>
+                      <a:r>
+                        <a:rPr lang="en-US" altLang="ko-KR" dirty="0" smtClean="0"/>
+                        <a:t>&gt;</a:t>
+                      </a:r>
+                      <a:endParaRPr lang="ko-KR" altLang="en-US" dirty="0"/>
+                    </a:p>
+                  </a:txBody>
+                  <a:tcPr anchor="ctr"/>
+                </a:tc>
+                <a:tc>
+                  <a:txBody>
+                    <a:bodyPr/>
+                    <a:lstStyle/>
+                    <a:p>
+                      <a:pPr algn="l" latinLnBrk="1"/>
+                      <a:r>
+                        <a:rPr lang="ko-KR" altLang="en-US" dirty="0" smtClean="0"/>
+                        <a:t>게임 조작법</a:t>
+                      </a:r>
+                      <a:r>
+                        <a:rPr lang="en-US" altLang="ko-KR" dirty="0" smtClean="0"/>
+                        <a:t>(btn04-01)</a:t>
+                      </a:r>
+                      <a:endParaRPr lang="ko-KR" altLang="en-US" dirty="0"/>
+                    </a:p>
+                  </a:txBody>
+                  <a:tcPr anchor="ctr"/>
+                </a:tc>
+              </a:tr>
+              <a:tr h="483930">
+                <a:tc gridSpan="2">
+                  <a:txBody>
+                    <a:bodyPr/>
+                    <a:lstStyle/>
+                    <a:p>
+                      <a:pPr algn="l" latinLnBrk="1"/>
+                      <a:r>
+                        <a:rPr lang="en-US" altLang="ko-KR" dirty="0" smtClean="0"/>
+                        <a:t>    - </a:t>
+                      </a:r>
+                      <a:r>
+                        <a:rPr lang="ko-KR" altLang="en-US" dirty="0" err="1" smtClean="0"/>
+                        <a:t>싱글</a:t>
+                      </a:r>
+                      <a:r>
+                        <a:rPr lang="ko-KR" altLang="en-US" dirty="0" smtClean="0"/>
+                        <a:t> 플레이</a:t>
+                      </a:r>
+                      <a:endParaRPr lang="ko-KR" altLang="en-US" dirty="0"/>
+                    </a:p>
+                  </a:txBody>
+                  <a:tcPr anchor="ctr"/>
+                </a:tc>
+                <a:tc hMerge="1">
+                  <a:txBody>
+                    <a:bodyPr/>
+                    <a:lstStyle/>
+                    <a:p>
+                      <a:pPr algn="l" latinLnBrk="1"/>
+                      <a:endParaRPr lang="ko-KR" altLang="en-US" dirty="0"/>
+                    </a:p>
+                  </a:txBody>
+                  <a:tcPr anchor="ctr"/>
+                </a:tc>
+              </a:tr>
+              <a:tr h="483930">
+                <a:tc gridSpan="2">
+                  <a:txBody>
+                    <a:bodyPr/>
+                    <a:lstStyle/>
+                    <a:p>
+                      <a:pPr algn="l" latinLnBrk="1"/>
+                      <a:r>
+                        <a:rPr lang="en-US" altLang="ko-KR" dirty="0" smtClean="0"/>
+                        <a:t>    - </a:t>
+                      </a:r>
+                      <a:r>
+                        <a:rPr lang="ko-KR" altLang="en-US" dirty="0" smtClean="0"/>
+                        <a:t>멀티 플레이</a:t>
+                      </a:r>
+                      <a:endParaRPr lang="ko-KR" altLang="en-US" dirty="0"/>
+                    </a:p>
+                  </a:txBody>
+                  <a:tcPr anchor="ctr"/>
+                </a:tc>
+                <a:tc hMerge="1">
+                  <a:txBody>
+                    <a:bodyPr/>
+                    <a:lstStyle/>
+                    <a:p>
+                      <a:pPr algn="l" latinLnBrk="1"/>
+                      <a:endParaRPr lang="ko-KR" altLang="en-US" dirty="0"/>
+                    </a:p>
+                  </a:txBody>
+                  <a:tcPr anchor="ctr"/>
+                </a:tc>
+              </a:tr>
+              <a:tr h="483930">
+                <a:tc>
+                  <a:txBody>
+                    <a:bodyPr/>
+                    <a:lstStyle/>
+                    <a:p>
+                      <a:pPr algn="ctr" latinLnBrk="1"/>
+                      <a:r>
+                        <a:rPr lang="en-US" altLang="ko-KR" dirty="0" smtClean="0"/>
+                        <a:t>&gt;</a:t>
+                      </a:r>
+                      <a:endParaRPr lang="ko-KR" altLang="en-US" dirty="0"/>
+                    </a:p>
+                  </a:txBody>
+                  <a:tcPr anchor="ctr"/>
+                </a:tc>
+                <a:tc>
+                  <a:txBody>
+                    <a:bodyPr/>
+                    <a:lstStyle/>
+                    <a:p>
+                      <a:pPr algn="l" latinLnBrk="1"/>
+                      <a:r>
+                        <a:rPr lang="ko-KR" altLang="en-US" dirty="0" smtClean="0"/>
+                        <a:t>공지 사항</a:t>
+                      </a:r>
+                      <a:endParaRPr lang="ko-KR" altLang="en-US" dirty="0"/>
+                    </a:p>
+                  </a:txBody>
+                  <a:tcPr anchor="ctr"/>
+                </a:tc>
+              </a:tr>
+              <a:tr h="483930">
+                <a:tc>
+                  <a:txBody>
+                    <a:bodyPr/>
+                    <a:lstStyle/>
+                    <a:p>
+                      <a:pPr algn="ctr" latinLnBrk="1"/>
+                      <a:r>
+                        <a:rPr lang="en-US" altLang="ko-KR" dirty="0" smtClean="0"/>
+                        <a:t>&gt;</a:t>
+                      </a:r>
+                      <a:endParaRPr lang="ko-KR" altLang="en-US" dirty="0"/>
+                    </a:p>
+                  </a:txBody>
+                  <a:tcPr anchor="ctr"/>
+                </a:tc>
+                <a:tc>
+                  <a:txBody>
+                    <a:bodyPr/>
+                    <a:lstStyle/>
+                    <a:p>
+                      <a:pPr algn="l" latinLnBrk="1"/>
+                      <a:r>
+                        <a:rPr lang="en-US" altLang="ko-KR" dirty="0" smtClean="0"/>
+                        <a:t>Tip</a:t>
+                      </a:r>
+                      <a:endParaRPr lang="ko-KR" altLang="en-US" dirty="0"/>
+                    </a:p>
+                  </a:txBody>
+                  <a:tcPr anchor="ctr"/>
+                </a:tc>
+              </a:tr>
+              <a:tr h="483930">
+                <a:tc>
+                  <a:txBody>
+                    <a:bodyPr/>
+                    <a:lstStyle/>
+                    <a:p>
+                      <a:pPr algn="ctr" latinLnBrk="1"/>
+                      <a:r>
+                        <a:rPr lang="en-US" altLang="ko-KR" dirty="0" smtClean="0"/>
+                        <a:t>&gt;</a:t>
+                      </a:r>
+                      <a:endParaRPr lang="ko-KR" altLang="en-US" dirty="0"/>
+                    </a:p>
+                  </a:txBody>
+                  <a:tcPr anchor="ctr"/>
+                </a:tc>
+                <a:tc>
+                  <a:txBody>
+                    <a:bodyPr/>
+                    <a:lstStyle/>
+                    <a:p>
+                      <a:pPr algn="l" latinLnBrk="1"/>
+                      <a:r>
+                        <a:rPr lang="en-US" altLang="ko-KR" dirty="0" smtClean="0"/>
+                        <a:t>FAQ</a:t>
+                      </a:r>
+                      <a:endParaRPr lang="ko-KR" altLang="en-US" dirty="0"/>
+                    </a:p>
+                  </a:txBody>
+                  <a:tcPr anchor="ctr"/>
+                </a:tc>
+              </a:tr>
+              <a:tr h="483930">
+                <a:tc>
+                  <a:txBody>
+                    <a:bodyPr/>
+                    <a:lstStyle/>
+                    <a:p>
+                      <a:pPr algn="ctr" latinLnBrk="1"/>
+                      <a:r>
+                        <a:rPr lang="en-US" altLang="ko-KR" dirty="0" smtClean="0"/>
+                        <a:t>&gt;</a:t>
+                      </a:r>
+                      <a:endParaRPr lang="ko-KR" altLang="en-US" dirty="0"/>
+                    </a:p>
+                  </a:txBody>
+                  <a:tcPr anchor="ctr"/>
+                </a:tc>
+                <a:tc>
+                  <a:txBody>
+                    <a:bodyPr/>
+                    <a:lstStyle/>
+                    <a:p>
+                      <a:pPr algn="l" latinLnBrk="1"/>
+                      <a:r>
+                        <a:rPr lang="ko-KR" altLang="en-US" dirty="0" smtClean="0"/>
+                        <a:t>계정 등록</a:t>
+                      </a:r>
+                      <a:endParaRPr lang="ko-KR" altLang="en-US" dirty="0"/>
+                    </a:p>
+                  </a:txBody>
+                  <a:tcPr anchor="ctr"/>
+                </a:tc>
+              </a:tr>
+            </a:tbl>
+          </a:graphicData>
+        </a:graphic>
+      </p:graphicFrame>
+      <p:sp>
+        <p:nvSpPr>
+          <p:cNvPr id="3" name="TextBox 2"/>
+          <p:cNvSpPr txBox="1"/>
+          <p:nvPr/>
+        </p:nvSpPr>
+        <p:spPr>
+          <a:xfrm>
+            <a:off x="1168400" y="778933"/>
+            <a:ext cx="877163" cy="369332"/>
+          </a:xfrm>
+          <a:prstGeom prst="rect">
+            <a:avLst/>
+          </a:prstGeom>
+          <a:noFill/>
+        </p:spPr>
+        <p:txBody>
+          <a:bodyPr wrap="none" rtlCol="0">
+            <a:spAutoFit/>
+          </a:bodyPr>
+          <a:lstStyle/>
+          <a:p>
+            <a:r>
+              <a:rPr lang="ko-KR" altLang="en-US" dirty="0" smtClean="0"/>
+              <a:t>도움말</a:t>
+            </a:r>
+            <a:endParaRPr lang="ko-KR" altLang="en-US" dirty="0"/>
+          </a:p>
+        </p:txBody>
+      </p:sp>
+    </p:spTree>
+    <p:extLst>
+      <p:ext uri="{BB962C8B-B14F-4D97-AF65-F5344CB8AC3E}">
         <p14:creationId xmlns:p14="http://schemas.microsoft.com/office/powerpoint/2010/main" val="2257920632"/>
       </p:ext>
     </p:extLst>
@@ -11055,7 +13647,7 @@
 </p:sld>
 </file>
 
-<file path=ppt/slides/slide6.xml><?xml version="1.0" encoding="utf-8"?>
+<file path=ppt/slides/slide7.xml><?xml version="1.0" encoding="utf-8"?>
 <p:sld xmlns:a="http://schemas.openxmlformats.org/drawingml/2006/main" xmlns:r="http://schemas.openxmlformats.org/officeDocument/2006/relationships" xmlns:p="http://schemas.openxmlformats.org/presentationml/2006/main">
   <p:cSld>
     <p:spTree>
@@ -12977,7 +15569,7 @@
 </p:sld>
 </file>
 
-<file path=ppt/slides/slide7.xml><?xml version="1.0" encoding="utf-8"?>
+<file path=ppt/slides/slide8.xml><?xml version="1.0" encoding="utf-8"?>
 <p:sld xmlns:a="http://schemas.openxmlformats.org/drawingml/2006/main" xmlns:r="http://schemas.openxmlformats.org/officeDocument/2006/relationships" xmlns:p="http://schemas.openxmlformats.org/presentationml/2006/main">
   <p:cSld>
     <p:spTree>
@@ -14973,7 +17565,7 @@
 </p:sld>
 </file>
 
-<file path=ppt/slides/slide8.xml><?xml version="1.0" encoding="utf-8"?>
+<file path=ppt/slides/slide9.xml><?xml version="1.0" encoding="utf-8"?>
 <p:sld xmlns:a="http://schemas.openxmlformats.org/drawingml/2006/main" xmlns:r="http://schemas.openxmlformats.org/officeDocument/2006/relationships" xmlns:p="http://schemas.openxmlformats.org/presentationml/2006/main">
   <p:cSld>
     <p:spTree>
@@ -16946,1487 +19538,6 @@
 </p:sld>
 </file>
 
-<file path=ppt/slides/slide9.xml><?xml version="1.0" encoding="utf-8"?>
-<p:sld xmlns:a="http://schemas.openxmlformats.org/drawingml/2006/main" xmlns:r="http://schemas.openxmlformats.org/officeDocument/2006/relationships" xmlns:p="http://schemas.openxmlformats.org/presentationml/2006/main">
-  <p:cSld>
-    <p:spTree>
-      <p:nvGrpSpPr>
-        <p:cNvPr id="1" name=""/>
-        <p:cNvGrpSpPr/>
-        <p:nvPr/>
-      </p:nvGrpSpPr>
-      <p:grpSpPr>
-        <a:xfrm>
-          <a:off x="0" y="0"/>
-          <a:ext cx="0" cy="0"/>
-          <a:chOff x="0" y="0"/>
-          <a:chExt cx="0" cy="0"/>
-        </a:xfrm>
-      </p:grpSpPr>
-      <p:sp>
-        <p:nvSpPr>
-          <p:cNvPr id="4" name="직사각형 3"/>
-          <p:cNvSpPr/>
-          <p:nvPr/>
-        </p:nvSpPr>
-        <p:spPr>
-          <a:xfrm>
-            <a:off x="863600" y="313263"/>
-            <a:ext cx="4826000" cy="6197600"/>
-          </a:xfrm>
-          <a:prstGeom prst="rect">
-            <a:avLst/>
-          </a:prstGeom>
-          <a:solidFill>
-            <a:schemeClr val="bg1"/>
-          </a:solidFill>
-          <a:ln>
-            <a:solidFill>
-              <a:schemeClr val="tx1"/>
-            </a:solidFill>
-          </a:ln>
-        </p:spPr>
-        <p:style>
-          <a:lnRef idx="2">
-            <a:schemeClr val="accent1">
-              <a:shade val="50000"/>
-            </a:schemeClr>
-          </a:lnRef>
-          <a:fillRef idx="1">
-            <a:schemeClr val="accent1"/>
-          </a:fillRef>
-          <a:effectRef idx="0">
-            <a:schemeClr val="accent1"/>
-          </a:effectRef>
-          <a:fontRef idx="minor">
-            <a:schemeClr val="lt1"/>
-          </a:fontRef>
-        </p:style>
-        <p:txBody>
-          <a:bodyPr rtlCol="0" anchor="ctr"/>
-          <a:lstStyle/>
-          <a:p>
-            <a:pPr algn="ctr"/>
-            <a:endParaRPr lang="ko-KR" altLang="en-US" dirty="0"/>
-          </a:p>
-        </p:txBody>
-      </p:sp>
-      <p:graphicFrame>
-        <p:nvGraphicFramePr>
-          <p:cNvPr id="5" name="표 4"/>
-          <p:cNvGraphicFramePr>
-            <a:graphicFrameLocks noGrp="1"/>
-          </p:cNvGraphicFramePr>
-          <p:nvPr>
-            <p:extLst>
-              <p:ext uri="{D42A27DB-BD31-4B8C-83A1-F6EECF244321}">
-                <p14:modId xmlns:p14="http://schemas.microsoft.com/office/powerpoint/2010/main" val="1172517578"/>
-              </p:ext>
-            </p:extLst>
-          </p:nvPr>
-        </p:nvGraphicFramePr>
-        <p:xfrm>
-          <a:off x="6392332" y="719664"/>
-          <a:ext cx="4174068" cy="3007344"/>
-        </p:xfrm>
-        <a:graphic>
-          <a:graphicData uri="http://schemas.openxmlformats.org/drawingml/2006/table">
-            <a:tbl>
-              <a:tblPr>
-                <a:tableStyleId>{073A0DAA-6AF3-43AB-8588-CEC1D06C72B9}</a:tableStyleId>
-              </a:tblPr>
-              <a:tblGrid>
-                <a:gridCol w="2087034"/>
-                <a:gridCol w="2087034"/>
-              </a:tblGrid>
-              <a:tr h="732867">
-                <a:tc>
-                  <a:txBody>
-                    <a:bodyPr/>
-                    <a:lstStyle/>
-                    <a:p>
-                      <a:pPr algn="ctr" latinLnBrk="1"/>
-                      <a:r>
-                        <a:rPr lang="ko-KR" altLang="en-US" dirty="0" smtClean="0"/>
-                        <a:t>구분</a:t>
-                      </a:r>
-                      <a:endParaRPr lang="ko-KR" altLang="en-US" dirty="0"/>
-                    </a:p>
-                  </a:txBody>
-                  <a:tcPr anchor="ctr">
-                    <a:solidFill>
-                      <a:schemeClr val="tx1">
-                        <a:lumMod val="50000"/>
-                        <a:lumOff val="50000"/>
-                      </a:schemeClr>
-                    </a:solidFill>
-                  </a:tcPr>
-                </a:tc>
-                <a:tc>
-                  <a:txBody>
-                    <a:bodyPr/>
-                    <a:lstStyle/>
-                    <a:p>
-                      <a:pPr algn="ctr" latinLnBrk="1"/>
-                      <a:r>
-                        <a:rPr lang="ko-KR" altLang="en-US" dirty="0" smtClean="0"/>
-                        <a:t>내용</a:t>
-                      </a:r>
-                      <a:endParaRPr lang="ko-KR" altLang="en-US" dirty="0"/>
-                    </a:p>
-                  </a:txBody>
-                  <a:tcPr anchor="ctr">
-                    <a:solidFill>
-                      <a:schemeClr val="tx1">
-                        <a:lumMod val="50000"/>
-                        <a:lumOff val="50000"/>
-                      </a:schemeClr>
-                    </a:solidFill>
-                  </a:tcPr>
-                </a:tc>
-              </a:tr>
-              <a:tr h="1109049">
-                <a:tc>
-                  <a:txBody>
-                    <a:bodyPr/>
-                    <a:lstStyle/>
-                    <a:p>
-                      <a:pPr algn="ctr" latinLnBrk="1"/>
-                      <a:r>
-                        <a:rPr lang="ko-KR" altLang="en-US" dirty="0" smtClean="0"/>
-                        <a:t>화면 번호</a:t>
-                      </a:r>
-                      <a:r>
-                        <a:rPr lang="en-US" altLang="ko-KR" dirty="0" smtClean="0"/>
-                        <a:t/>
-                      </a:r>
-                      <a:br>
-                        <a:rPr lang="en-US" altLang="ko-KR" dirty="0" smtClean="0"/>
-                      </a:br>
-                      <a:r>
-                        <a:rPr lang="en-US" altLang="ko-KR" dirty="0" smtClean="0"/>
-                        <a:t>(</a:t>
-                      </a:r>
-                      <a:r>
-                        <a:rPr lang="ko-KR" altLang="en-US" dirty="0" err="1" smtClean="0"/>
-                        <a:t>싱글</a:t>
-                      </a:r>
-                      <a:r>
-                        <a:rPr lang="ko-KR" altLang="en-US" dirty="0" smtClean="0"/>
-                        <a:t> 대결</a:t>
-                      </a:r>
-                      <a:r>
-                        <a:rPr lang="en-US" altLang="ko-KR" dirty="0" smtClean="0"/>
-                        <a:t>)</a:t>
-                      </a:r>
-                      <a:endParaRPr lang="ko-KR" altLang="en-US" dirty="0"/>
-                    </a:p>
-                  </a:txBody>
-                  <a:tcPr anchor="ctr"/>
-                </a:tc>
-                <a:tc>
-                  <a:txBody>
-                    <a:bodyPr/>
-                    <a:lstStyle/>
-                    <a:p>
-                      <a:pPr algn="ctr" latinLnBrk="1"/>
-                      <a:r>
-                        <a:rPr lang="en-US" altLang="ko-KR" dirty="0" smtClean="0"/>
-                        <a:t>06-01</a:t>
-                      </a:r>
-                      <a:endParaRPr lang="ko-KR" altLang="en-US" dirty="0"/>
-                    </a:p>
-                  </a:txBody>
-                  <a:tcPr anchor="ctr"/>
-                </a:tc>
-              </a:tr>
-              <a:tr h="1165428">
-                <a:tc>
-                  <a:txBody>
-                    <a:bodyPr/>
-                    <a:lstStyle/>
-                    <a:p>
-                      <a:pPr algn="ctr" latinLnBrk="1"/>
-                      <a:r>
-                        <a:rPr lang="en-US" altLang="ko-KR" dirty="0" smtClean="0"/>
-                        <a:t>btn01</a:t>
-                      </a:r>
-                      <a:endParaRPr lang="ko-KR" altLang="en-US" dirty="0"/>
-                    </a:p>
-                  </a:txBody>
-                  <a:tcPr anchor="ctr"/>
-                </a:tc>
-                <a:tc>
-                  <a:txBody>
-                    <a:bodyPr/>
-                    <a:lstStyle/>
-                    <a:p>
-                      <a:pPr algn="ctr" latinLnBrk="1"/>
-                      <a:endParaRPr lang="ko-KR" altLang="en-US" dirty="0"/>
-                    </a:p>
-                  </a:txBody>
-                  <a:tcPr anchor="ctr"/>
-                </a:tc>
-              </a:tr>
-            </a:tbl>
-          </a:graphicData>
-        </a:graphic>
-      </p:graphicFrame>
-      <p:graphicFrame>
-        <p:nvGraphicFramePr>
-          <p:cNvPr id="2" name="표 1"/>
-          <p:cNvGraphicFramePr>
-            <a:graphicFrameLocks noGrp="1"/>
-          </p:cNvGraphicFramePr>
-          <p:nvPr>
-            <p:extLst>
-              <p:ext uri="{D42A27DB-BD31-4B8C-83A1-F6EECF244321}">
-                <p14:modId xmlns:p14="http://schemas.microsoft.com/office/powerpoint/2010/main" val="3083913414"/>
-              </p:ext>
-            </p:extLst>
-          </p:nvPr>
-        </p:nvGraphicFramePr>
-        <p:xfrm>
-          <a:off x="1058334" y="1447802"/>
-          <a:ext cx="4445000" cy="4478865"/>
-        </p:xfrm>
-        <a:graphic>
-          <a:graphicData uri="http://schemas.openxmlformats.org/drawingml/2006/table">
-            <a:tbl>
-              <a:tblPr>
-                <a:tableStyleId>{21E4AEA4-8DFA-4A89-87EB-49C32662AFE0}</a:tableStyleId>
-              </a:tblPr>
-              <a:tblGrid>
-                <a:gridCol w="889000"/>
-                <a:gridCol w="889000"/>
-                <a:gridCol w="889000"/>
-                <a:gridCol w="889000"/>
-                <a:gridCol w="889000"/>
-              </a:tblGrid>
-              <a:tr h="895773">
-                <a:tc>
-                  <a:txBody>
-                    <a:bodyPr/>
-                    <a:lstStyle/>
-                    <a:p>
-                      <a:pPr latinLnBrk="1"/>
-                      <a:endParaRPr lang="ko-KR" altLang="en-US" dirty="0"/>
-                    </a:p>
-                  </a:txBody>
-                  <a:tcPr>
-                    <a:lnL w="12700" cap="flat" cmpd="sng" algn="ctr">
-                      <a:solidFill>
-                        <a:schemeClr val="tx1"/>
-                      </a:solidFill>
-                      <a:prstDash val="solid"/>
-                      <a:round/>
-                      <a:headEnd type="none" w="med" len="med"/>
-                      <a:tailEnd type="none" w="med" len="med"/>
-                    </a:lnL>
-                    <a:lnT w="12700" cap="flat" cmpd="sng" algn="ctr">
-                      <a:solidFill>
-                        <a:schemeClr val="tx1"/>
-                      </a:solidFill>
-                      <a:prstDash val="solid"/>
-                      <a:round/>
-                      <a:headEnd type="none" w="med" len="med"/>
-                      <a:tailEnd type="none" w="med" len="med"/>
-                    </a:lnT>
-                    <a:solidFill>
-                      <a:schemeClr val="tx1"/>
-                    </a:solidFill>
-                  </a:tcPr>
-                </a:tc>
-                <a:tc>
-                  <a:txBody>
-                    <a:bodyPr/>
-                    <a:lstStyle/>
-                    <a:p>
-                      <a:pPr latinLnBrk="1"/>
-                      <a:endParaRPr lang="ko-KR" altLang="en-US" dirty="0"/>
-                    </a:p>
-                  </a:txBody>
-                  <a:tcPr>
-                    <a:lnT w="12700" cap="flat" cmpd="sng" algn="ctr">
-                      <a:solidFill>
-                        <a:schemeClr val="tx1"/>
-                      </a:solidFill>
-                      <a:prstDash val="solid"/>
-                      <a:round/>
-                      <a:headEnd type="none" w="med" len="med"/>
-                      <a:tailEnd type="none" w="med" len="med"/>
-                    </a:lnT>
-                    <a:solidFill>
-                      <a:schemeClr val="bg1"/>
-                    </a:solidFill>
-                  </a:tcPr>
-                </a:tc>
-                <a:tc>
-                  <a:txBody>
-                    <a:bodyPr/>
-                    <a:lstStyle/>
-                    <a:p>
-                      <a:pPr latinLnBrk="1"/>
-                      <a:endParaRPr lang="ko-KR" altLang="en-US" dirty="0"/>
-                    </a:p>
-                  </a:txBody>
-                  <a:tcPr>
-                    <a:lnT w="12700" cap="flat" cmpd="sng" algn="ctr">
-                      <a:solidFill>
-                        <a:schemeClr val="tx1"/>
-                      </a:solidFill>
-                      <a:prstDash val="solid"/>
-                      <a:round/>
-                      <a:headEnd type="none" w="med" len="med"/>
-                      <a:tailEnd type="none" w="med" len="med"/>
-                    </a:lnT>
-                    <a:solidFill>
-                      <a:schemeClr val="tx1"/>
-                    </a:solidFill>
-                  </a:tcPr>
-                </a:tc>
-                <a:tc>
-                  <a:txBody>
-                    <a:bodyPr/>
-                    <a:lstStyle/>
-                    <a:p>
-                      <a:pPr latinLnBrk="1"/>
-                      <a:endParaRPr lang="ko-KR" altLang="en-US" dirty="0"/>
-                    </a:p>
-                  </a:txBody>
-                  <a:tcPr>
-                    <a:lnT w="12700" cap="flat" cmpd="sng" algn="ctr">
-                      <a:solidFill>
-                        <a:schemeClr val="tx1"/>
-                      </a:solidFill>
-                      <a:prstDash val="solid"/>
-                      <a:round/>
-                      <a:headEnd type="none" w="med" len="med"/>
-                      <a:tailEnd type="none" w="med" len="med"/>
-                    </a:lnT>
-                    <a:solidFill>
-                      <a:schemeClr val="bg1"/>
-                    </a:solidFill>
-                  </a:tcPr>
-                </a:tc>
-                <a:tc>
-                  <a:txBody>
-                    <a:bodyPr/>
-                    <a:lstStyle/>
-                    <a:p>
-                      <a:pPr latinLnBrk="1"/>
-                      <a:endParaRPr lang="ko-KR" altLang="en-US" dirty="0"/>
-                    </a:p>
-                  </a:txBody>
-                  <a:tcPr>
-                    <a:lnR w="12700" cap="flat" cmpd="sng" algn="ctr">
-                      <a:solidFill>
-                        <a:schemeClr val="tx1"/>
-                      </a:solidFill>
-                      <a:prstDash val="solid"/>
-                      <a:round/>
-                      <a:headEnd type="none" w="med" len="med"/>
-                      <a:tailEnd type="none" w="med" len="med"/>
-                    </a:lnR>
-                    <a:lnT w="12700" cap="flat" cmpd="sng" algn="ctr">
-                      <a:solidFill>
-                        <a:schemeClr val="tx1"/>
-                      </a:solidFill>
-                      <a:prstDash val="solid"/>
-                      <a:round/>
-                      <a:headEnd type="none" w="med" len="med"/>
-                      <a:tailEnd type="none" w="med" len="med"/>
-                    </a:lnT>
-                    <a:solidFill>
-                      <a:schemeClr val="tx1"/>
-                    </a:solidFill>
-                  </a:tcPr>
-                </a:tc>
-              </a:tr>
-              <a:tr h="895773">
-                <a:tc>
-                  <a:txBody>
-                    <a:bodyPr/>
-                    <a:lstStyle/>
-                    <a:p>
-                      <a:pPr latinLnBrk="1"/>
-                      <a:endParaRPr lang="ko-KR" altLang="en-US" dirty="0"/>
-                    </a:p>
-                  </a:txBody>
-                  <a:tcPr>
-                    <a:lnL w="12700" cap="flat" cmpd="sng" algn="ctr">
-                      <a:solidFill>
-                        <a:schemeClr val="tx1"/>
-                      </a:solidFill>
-                      <a:prstDash val="solid"/>
-                      <a:round/>
-                      <a:headEnd type="none" w="med" len="med"/>
-                      <a:tailEnd type="none" w="med" len="med"/>
-                    </a:lnL>
-                    <a:solidFill>
-                      <a:schemeClr val="bg1"/>
-                    </a:solidFill>
-                  </a:tcPr>
-                </a:tc>
-                <a:tc>
-                  <a:txBody>
-                    <a:bodyPr/>
-                    <a:lstStyle/>
-                    <a:p>
-                      <a:pPr latinLnBrk="1"/>
-                      <a:endParaRPr lang="ko-KR" altLang="en-US" sz="1800" kern="1200" dirty="0">
-                        <a:solidFill>
-                          <a:schemeClr val="dk1"/>
-                        </a:solidFill>
-                        <a:latin typeface="+mn-lt"/>
-                        <a:ea typeface="+mn-ea"/>
-                        <a:cs typeface="+mn-cs"/>
-                      </a:endParaRPr>
-                    </a:p>
-                  </a:txBody>
-                  <a:tcPr>
-                    <a:solidFill>
-                      <a:schemeClr val="tx1"/>
-                    </a:solidFill>
-                  </a:tcPr>
-                </a:tc>
-                <a:tc>
-                  <a:txBody>
-                    <a:bodyPr/>
-                    <a:lstStyle/>
-                    <a:p>
-                      <a:pPr latinLnBrk="1"/>
-                      <a:endParaRPr lang="ko-KR" altLang="en-US" dirty="0"/>
-                    </a:p>
-                  </a:txBody>
-                  <a:tcPr>
-                    <a:solidFill>
-                      <a:schemeClr val="bg1"/>
-                    </a:solidFill>
-                  </a:tcPr>
-                </a:tc>
-                <a:tc>
-                  <a:txBody>
-                    <a:bodyPr/>
-                    <a:lstStyle/>
-                    <a:p>
-                      <a:pPr latinLnBrk="1"/>
-                      <a:endParaRPr lang="ko-KR" altLang="en-US" dirty="0"/>
-                    </a:p>
-                  </a:txBody>
-                  <a:tcPr>
-                    <a:solidFill>
-                      <a:schemeClr val="tx1"/>
-                    </a:solidFill>
-                  </a:tcPr>
-                </a:tc>
-                <a:tc>
-                  <a:txBody>
-                    <a:bodyPr/>
-                    <a:lstStyle/>
-                    <a:p>
-                      <a:pPr latinLnBrk="1"/>
-                      <a:endParaRPr lang="ko-KR" altLang="en-US" dirty="0"/>
-                    </a:p>
-                  </a:txBody>
-                  <a:tcPr>
-                    <a:lnR w="12700" cap="flat" cmpd="sng" algn="ctr">
-                      <a:solidFill>
-                        <a:schemeClr val="tx1"/>
-                      </a:solidFill>
-                      <a:prstDash val="solid"/>
-                      <a:round/>
-                      <a:headEnd type="none" w="med" len="med"/>
-                      <a:tailEnd type="none" w="med" len="med"/>
-                    </a:lnR>
-                    <a:solidFill>
-                      <a:schemeClr val="bg1"/>
-                    </a:solidFill>
-                  </a:tcPr>
-                </a:tc>
-              </a:tr>
-              <a:tr h="895773">
-                <a:tc>
-                  <a:txBody>
-                    <a:bodyPr/>
-                    <a:lstStyle/>
-                    <a:p>
-                      <a:pPr latinLnBrk="1"/>
-                      <a:endParaRPr lang="ko-KR" altLang="en-US" dirty="0"/>
-                    </a:p>
-                  </a:txBody>
-                  <a:tcPr>
-                    <a:lnL w="12700" cap="flat" cmpd="sng" algn="ctr">
-                      <a:solidFill>
-                        <a:schemeClr val="tx1"/>
-                      </a:solidFill>
-                      <a:prstDash val="solid"/>
-                      <a:round/>
-                      <a:headEnd type="none" w="med" len="med"/>
-                      <a:tailEnd type="none" w="med" len="med"/>
-                    </a:lnL>
-                    <a:solidFill>
-                      <a:schemeClr val="tx1"/>
-                    </a:solidFill>
-                  </a:tcPr>
-                </a:tc>
-                <a:tc>
-                  <a:txBody>
-                    <a:bodyPr/>
-                    <a:lstStyle/>
-                    <a:p>
-                      <a:pPr latinLnBrk="1"/>
-                      <a:endParaRPr lang="ko-KR" altLang="en-US" dirty="0"/>
-                    </a:p>
-                  </a:txBody>
-                  <a:tcPr>
-                    <a:solidFill>
-                      <a:schemeClr val="bg1"/>
-                    </a:solidFill>
-                  </a:tcPr>
-                </a:tc>
-                <a:tc>
-                  <a:txBody>
-                    <a:bodyPr/>
-                    <a:lstStyle/>
-                    <a:p>
-                      <a:pPr latinLnBrk="1"/>
-                      <a:endParaRPr lang="ko-KR" altLang="en-US" dirty="0"/>
-                    </a:p>
-                  </a:txBody>
-                  <a:tcPr>
-                    <a:solidFill>
-                      <a:schemeClr val="tx1"/>
-                    </a:solidFill>
-                  </a:tcPr>
-                </a:tc>
-                <a:tc>
-                  <a:txBody>
-                    <a:bodyPr/>
-                    <a:lstStyle/>
-                    <a:p>
-                      <a:pPr latinLnBrk="1"/>
-                      <a:endParaRPr lang="ko-KR" altLang="en-US" dirty="0"/>
-                    </a:p>
-                  </a:txBody>
-                  <a:tcPr>
-                    <a:solidFill>
-                      <a:schemeClr val="bg1"/>
-                    </a:solidFill>
-                  </a:tcPr>
-                </a:tc>
-                <a:tc>
-                  <a:txBody>
-                    <a:bodyPr/>
-                    <a:lstStyle/>
-                    <a:p>
-                      <a:pPr latinLnBrk="1"/>
-                      <a:endParaRPr lang="ko-KR" altLang="en-US" dirty="0"/>
-                    </a:p>
-                  </a:txBody>
-                  <a:tcPr>
-                    <a:lnR w="12700" cap="flat" cmpd="sng" algn="ctr">
-                      <a:solidFill>
-                        <a:schemeClr val="tx1"/>
-                      </a:solidFill>
-                      <a:prstDash val="solid"/>
-                      <a:round/>
-                      <a:headEnd type="none" w="med" len="med"/>
-                      <a:tailEnd type="none" w="med" len="med"/>
-                    </a:lnR>
-                    <a:solidFill>
-                      <a:schemeClr val="tx1"/>
-                    </a:solidFill>
-                  </a:tcPr>
-                </a:tc>
-              </a:tr>
-              <a:tr h="895773">
-                <a:tc>
-                  <a:txBody>
-                    <a:bodyPr/>
-                    <a:lstStyle/>
-                    <a:p>
-                      <a:pPr latinLnBrk="1"/>
-                      <a:endParaRPr lang="ko-KR" altLang="en-US" dirty="0"/>
-                    </a:p>
-                  </a:txBody>
-                  <a:tcPr>
-                    <a:lnL w="12700" cap="flat" cmpd="sng" algn="ctr">
-                      <a:solidFill>
-                        <a:schemeClr val="tx1"/>
-                      </a:solidFill>
-                      <a:prstDash val="solid"/>
-                      <a:round/>
-                      <a:headEnd type="none" w="med" len="med"/>
-                      <a:tailEnd type="none" w="med" len="med"/>
-                    </a:lnL>
-                    <a:solidFill>
-                      <a:schemeClr val="bg1"/>
-                    </a:solidFill>
-                  </a:tcPr>
-                </a:tc>
-                <a:tc>
-                  <a:txBody>
-                    <a:bodyPr/>
-                    <a:lstStyle/>
-                    <a:p>
-                      <a:pPr latinLnBrk="1"/>
-                      <a:endParaRPr lang="ko-KR" altLang="en-US" dirty="0"/>
-                    </a:p>
-                  </a:txBody>
-                  <a:tcPr>
-                    <a:solidFill>
-                      <a:schemeClr val="tx1"/>
-                    </a:solidFill>
-                  </a:tcPr>
-                </a:tc>
-                <a:tc>
-                  <a:txBody>
-                    <a:bodyPr/>
-                    <a:lstStyle/>
-                    <a:p>
-                      <a:pPr latinLnBrk="1"/>
-                      <a:endParaRPr lang="ko-KR" altLang="en-US" dirty="0"/>
-                    </a:p>
-                  </a:txBody>
-                  <a:tcPr>
-                    <a:solidFill>
-                      <a:schemeClr val="bg1"/>
-                    </a:solidFill>
-                  </a:tcPr>
-                </a:tc>
-                <a:tc>
-                  <a:txBody>
-                    <a:bodyPr/>
-                    <a:lstStyle/>
-                    <a:p>
-                      <a:pPr latinLnBrk="1"/>
-                      <a:endParaRPr lang="ko-KR" altLang="en-US" dirty="0"/>
-                    </a:p>
-                  </a:txBody>
-                  <a:tcPr>
-                    <a:solidFill>
-                      <a:schemeClr val="tx1"/>
-                    </a:solidFill>
-                  </a:tcPr>
-                </a:tc>
-                <a:tc>
-                  <a:txBody>
-                    <a:bodyPr/>
-                    <a:lstStyle/>
-                    <a:p>
-                      <a:pPr latinLnBrk="1"/>
-                      <a:endParaRPr lang="ko-KR" altLang="en-US" dirty="0"/>
-                    </a:p>
-                  </a:txBody>
-                  <a:tcPr>
-                    <a:lnR w="12700" cap="flat" cmpd="sng" algn="ctr">
-                      <a:solidFill>
-                        <a:schemeClr val="tx1"/>
-                      </a:solidFill>
-                      <a:prstDash val="solid"/>
-                      <a:round/>
-                      <a:headEnd type="none" w="med" len="med"/>
-                      <a:tailEnd type="none" w="med" len="med"/>
-                    </a:lnR>
-                    <a:solidFill>
-                      <a:schemeClr val="bg1"/>
-                    </a:solidFill>
-                  </a:tcPr>
-                </a:tc>
-              </a:tr>
-              <a:tr h="895773">
-                <a:tc>
-                  <a:txBody>
-                    <a:bodyPr/>
-                    <a:lstStyle/>
-                    <a:p>
-                      <a:pPr latinLnBrk="1"/>
-                      <a:endParaRPr lang="ko-KR" altLang="en-US" dirty="0"/>
-                    </a:p>
-                  </a:txBody>
-                  <a:tcPr>
-                    <a:lnL w="12700" cap="flat" cmpd="sng" algn="ctr">
-                      <a:solidFill>
-                        <a:schemeClr val="tx1"/>
-                      </a:solidFill>
-                      <a:prstDash val="solid"/>
-                      <a:round/>
-                      <a:headEnd type="none" w="med" len="med"/>
-                      <a:tailEnd type="none" w="med" len="med"/>
-                    </a:lnL>
-                    <a:lnB w="12700" cap="flat" cmpd="sng" algn="ctr">
-                      <a:solidFill>
-                        <a:schemeClr val="tx1"/>
-                      </a:solidFill>
-                      <a:prstDash val="solid"/>
-                      <a:round/>
-                      <a:headEnd type="none" w="med" len="med"/>
-                      <a:tailEnd type="none" w="med" len="med"/>
-                    </a:lnB>
-                    <a:solidFill>
-                      <a:schemeClr val="tx1"/>
-                    </a:solidFill>
-                  </a:tcPr>
-                </a:tc>
-                <a:tc>
-                  <a:txBody>
-                    <a:bodyPr/>
-                    <a:lstStyle/>
-                    <a:p>
-                      <a:pPr latinLnBrk="1"/>
-                      <a:endParaRPr lang="ko-KR" altLang="en-US" dirty="0"/>
-                    </a:p>
-                  </a:txBody>
-                  <a:tcPr>
-                    <a:lnB w="12700" cap="flat" cmpd="sng" algn="ctr">
-                      <a:solidFill>
-                        <a:schemeClr val="tx1"/>
-                      </a:solidFill>
-                      <a:prstDash val="solid"/>
-                      <a:round/>
-                      <a:headEnd type="none" w="med" len="med"/>
-                      <a:tailEnd type="none" w="med" len="med"/>
-                    </a:lnB>
-                    <a:solidFill>
-                      <a:schemeClr val="bg1"/>
-                    </a:solidFill>
-                  </a:tcPr>
-                </a:tc>
-                <a:tc>
-                  <a:txBody>
-                    <a:bodyPr/>
-                    <a:lstStyle/>
-                    <a:p>
-                      <a:pPr latinLnBrk="1"/>
-                      <a:endParaRPr lang="ko-KR" altLang="en-US" dirty="0"/>
-                    </a:p>
-                  </a:txBody>
-                  <a:tcPr>
-                    <a:lnB w="12700" cap="flat" cmpd="sng" algn="ctr">
-                      <a:solidFill>
-                        <a:schemeClr val="tx1"/>
-                      </a:solidFill>
-                      <a:prstDash val="solid"/>
-                      <a:round/>
-                      <a:headEnd type="none" w="med" len="med"/>
-                      <a:tailEnd type="none" w="med" len="med"/>
-                    </a:lnB>
-                    <a:solidFill>
-                      <a:schemeClr val="tx1"/>
-                    </a:solidFill>
-                  </a:tcPr>
-                </a:tc>
-                <a:tc>
-                  <a:txBody>
-                    <a:bodyPr/>
-                    <a:lstStyle/>
-                    <a:p>
-                      <a:pPr latinLnBrk="1"/>
-                      <a:endParaRPr lang="ko-KR" altLang="en-US" dirty="0"/>
-                    </a:p>
-                  </a:txBody>
-                  <a:tcPr>
-                    <a:lnB w="12700" cap="flat" cmpd="sng" algn="ctr">
-                      <a:solidFill>
-                        <a:schemeClr val="tx1"/>
-                      </a:solidFill>
-                      <a:prstDash val="solid"/>
-                      <a:round/>
-                      <a:headEnd type="none" w="med" len="med"/>
-                      <a:tailEnd type="none" w="med" len="med"/>
-                    </a:lnB>
-                    <a:solidFill>
-                      <a:schemeClr val="bg1"/>
-                    </a:solidFill>
-                  </a:tcPr>
-                </a:tc>
-                <a:tc>
-                  <a:txBody>
-                    <a:bodyPr/>
-                    <a:lstStyle/>
-                    <a:p>
-                      <a:pPr latinLnBrk="1"/>
-                      <a:endParaRPr lang="ko-KR" altLang="en-US" dirty="0"/>
-                    </a:p>
-                  </a:txBody>
-                  <a:tcPr>
-                    <a:lnR w="12700" cap="flat" cmpd="sng" algn="ctr">
-                      <a:solidFill>
-                        <a:schemeClr val="tx1"/>
-                      </a:solidFill>
-                      <a:prstDash val="solid"/>
-                      <a:round/>
-                      <a:headEnd type="none" w="med" len="med"/>
-                      <a:tailEnd type="none" w="med" len="med"/>
-                    </a:lnR>
-                    <a:lnB w="12700" cap="flat" cmpd="sng" algn="ctr">
-                      <a:solidFill>
-                        <a:schemeClr val="tx1"/>
-                      </a:solidFill>
-                      <a:prstDash val="solid"/>
-                      <a:round/>
-                      <a:headEnd type="none" w="med" len="med"/>
-                      <a:tailEnd type="none" w="med" len="med"/>
-                    </a:lnB>
-                    <a:solidFill>
-                      <a:schemeClr val="tx1"/>
-                    </a:solidFill>
-                  </a:tcPr>
-                </a:tc>
-              </a:tr>
-            </a:tbl>
-          </a:graphicData>
-        </a:graphic>
-      </p:graphicFrame>
-      <p:sp>
-        <p:nvSpPr>
-          <p:cNvPr id="8" name="TextBox 7"/>
-          <p:cNvSpPr txBox="1"/>
-          <p:nvPr/>
-        </p:nvSpPr>
-        <p:spPr>
-          <a:xfrm>
-            <a:off x="1134534" y="5283201"/>
-            <a:ext cx="671209" cy="369332"/>
-          </a:xfrm>
-          <a:prstGeom prst="rect">
-            <a:avLst/>
-          </a:prstGeom>
-          <a:noFill/>
-        </p:spPr>
-        <p:txBody>
-          <a:bodyPr wrap="none" rtlCol="0">
-            <a:spAutoFit/>
-          </a:bodyPr>
-          <a:lstStyle/>
-          <a:p>
-            <a:r>
-              <a:rPr lang="en-US" altLang="ko-KR" dirty="0" smtClean="0">
-                <a:solidFill>
-                  <a:schemeClr val="bg1"/>
-                </a:solidFill>
-              </a:rPr>
-              <a:t>Start</a:t>
-            </a:r>
-            <a:endParaRPr lang="ko-KR" altLang="en-US" dirty="0">
-              <a:solidFill>
-                <a:schemeClr val="bg1"/>
-              </a:solidFill>
-            </a:endParaRPr>
-          </a:p>
-        </p:txBody>
-      </p:sp>
-      <p:sp>
-        <p:nvSpPr>
-          <p:cNvPr id="18" name="TextBox 17"/>
-          <p:cNvSpPr txBox="1"/>
-          <p:nvPr/>
-        </p:nvSpPr>
-        <p:spPr>
-          <a:xfrm>
-            <a:off x="4733305" y="1676401"/>
-            <a:ext cx="657488" cy="369332"/>
-          </a:xfrm>
-          <a:prstGeom prst="rect">
-            <a:avLst/>
-          </a:prstGeom>
-          <a:noFill/>
-        </p:spPr>
-        <p:txBody>
-          <a:bodyPr wrap="none" rtlCol="0">
-            <a:spAutoFit/>
-          </a:bodyPr>
-          <a:lstStyle/>
-          <a:p>
-            <a:r>
-              <a:rPr lang="en-US" altLang="ko-KR" dirty="0" smtClean="0">
-                <a:solidFill>
-                  <a:schemeClr val="bg1"/>
-                </a:solidFill>
-              </a:rPr>
-              <a:t>Goal</a:t>
-            </a:r>
-            <a:endParaRPr lang="ko-KR" altLang="en-US" dirty="0">
-              <a:solidFill>
-                <a:schemeClr val="bg1"/>
-              </a:solidFill>
-            </a:endParaRPr>
-          </a:p>
-        </p:txBody>
-      </p:sp>
-      <p:sp>
-        <p:nvSpPr>
-          <p:cNvPr id="27" name="TextBox 26"/>
-          <p:cNvSpPr txBox="1"/>
-          <p:nvPr/>
-        </p:nvSpPr>
-        <p:spPr>
-          <a:xfrm>
-            <a:off x="999066" y="536996"/>
-            <a:ext cx="1127937" cy="276999"/>
-          </a:xfrm>
-          <a:prstGeom prst="rect">
-            <a:avLst/>
-          </a:prstGeom>
-          <a:noFill/>
-        </p:spPr>
-        <p:txBody>
-          <a:bodyPr wrap="none" rtlCol="0">
-            <a:spAutoFit/>
-          </a:bodyPr>
-          <a:lstStyle/>
-          <a:p>
-            <a:r>
-              <a:rPr lang="en-US" altLang="ko-KR" sz="1200" dirty="0" smtClean="0"/>
-              <a:t>shfksekdrms2</a:t>
-            </a:r>
-            <a:endParaRPr lang="ko-KR" altLang="en-US" sz="1200" dirty="0"/>
-          </a:p>
-        </p:txBody>
-      </p:sp>
-      <p:grpSp>
-        <p:nvGrpSpPr>
-          <p:cNvPr id="38" name="그룹 37"/>
-          <p:cNvGrpSpPr/>
-          <p:nvPr/>
-        </p:nvGrpSpPr>
-        <p:grpSpPr>
-          <a:xfrm>
-            <a:off x="827185" y="4715791"/>
-            <a:ext cx="614697" cy="832639"/>
-            <a:chOff x="3641927" y="4001840"/>
-            <a:chExt cx="614697" cy="832639"/>
-          </a:xfrm>
-        </p:grpSpPr>
-        <p:grpSp>
-          <p:nvGrpSpPr>
-            <p:cNvPr id="31" name="그룹 30"/>
-            <p:cNvGrpSpPr/>
-            <p:nvPr/>
-          </p:nvGrpSpPr>
-          <p:grpSpPr>
-            <a:xfrm>
-              <a:off x="3641927" y="4001840"/>
-              <a:ext cx="614697" cy="614697"/>
-              <a:chOff x="3701193" y="4021663"/>
-              <a:chExt cx="614697" cy="614697"/>
-            </a:xfrm>
-          </p:grpSpPr>
-          <p:sp>
-            <p:nvSpPr>
-              <p:cNvPr id="26" name="타원 25"/>
-              <p:cNvSpPr/>
-              <p:nvPr/>
-            </p:nvSpPr>
-            <p:spPr>
-              <a:xfrm>
-                <a:off x="3701193" y="4021663"/>
-                <a:ext cx="614697" cy="614697"/>
-              </a:xfrm>
-              <a:prstGeom prst="ellipse">
-                <a:avLst/>
-              </a:prstGeom>
-            </p:spPr>
-            <p:style>
-              <a:lnRef idx="2">
-                <a:schemeClr val="accent1">
-                  <a:shade val="50000"/>
-                </a:schemeClr>
-              </a:lnRef>
-              <a:fillRef idx="1">
-                <a:schemeClr val="accent1"/>
-              </a:fillRef>
-              <a:effectRef idx="0">
-                <a:schemeClr val="accent1"/>
-              </a:effectRef>
-              <a:fontRef idx="minor">
-                <a:schemeClr val="lt1"/>
-              </a:fontRef>
-            </p:style>
-            <p:txBody>
-              <a:bodyPr rtlCol="0" anchor="ctr"/>
-              <a:lstStyle/>
-              <a:p>
-                <a:pPr algn="ctr"/>
-                <a:endParaRPr lang="ko-KR" altLang="en-US" sz="1000" dirty="0"/>
-              </a:p>
-            </p:txBody>
-          </p:sp>
-          <p:sp>
-            <p:nvSpPr>
-              <p:cNvPr id="29" name="TextBox 28"/>
-              <p:cNvSpPr txBox="1"/>
-              <p:nvPr/>
-            </p:nvSpPr>
-            <p:spPr>
-              <a:xfrm>
-                <a:off x="3762319" y="4190511"/>
-                <a:ext cx="492443" cy="276999"/>
-              </a:xfrm>
-              <a:prstGeom prst="rect">
-                <a:avLst/>
-              </a:prstGeom>
-              <a:noFill/>
-            </p:spPr>
-            <p:txBody>
-              <a:bodyPr wrap="none" rtlCol="0">
-                <a:spAutoFit/>
-              </a:bodyPr>
-              <a:lstStyle/>
-              <a:p>
-                <a:r>
-                  <a:rPr lang="ko-KR" altLang="en-US" sz="1200" dirty="0" smtClean="0">
-                    <a:solidFill>
-                      <a:schemeClr val="bg1"/>
-                    </a:solidFill>
-                  </a:rPr>
-                  <a:t>사진</a:t>
-                </a:r>
-                <a:endParaRPr lang="ko-KR" altLang="en-US" sz="1200" dirty="0">
-                  <a:solidFill>
-                    <a:schemeClr val="bg1"/>
-                  </a:solidFill>
-                </a:endParaRPr>
-              </a:p>
-            </p:txBody>
-          </p:sp>
-        </p:grpSp>
-        <p:sp>
-          <p:nvSpPr>
-            <p:cNvPr id="33" name="타원 32"/>
-            <p:cNvSpPr/>
-            <p:nvPr/>
-          </p:nvSpPr>
-          <p:spPr>
-            <a:xfrm>
-              <a:off x="3949274" y="4656183"/>
-              <a:ext cx="171647" cy="79573"/>
-            </a:xfrm>
-            <a:prstGeom prst="ellipse">
-              <a:avLst/>
-            </a:prstGeom>
-          </p:spPr>
-          <p:style>
-            <a:lnRef idx="2">
-              <a:schemeClr val="accent1">
-                <a:shade val="50000"/>
-              </a:schemeClr>
-            </a:lnRef>
-            <a:fillRef idx="1">
-              <a:schemeClr val="accent1"/>
-            </a:fillRef>
-            <a:effectRef idx="0">
-              <a:schemeClr val="accent1"/>
-            </a:effectRef>
-            <a:fontRef idx="minor">
-              <a:schemeClr val="lt1"/>
-            </a:fontRef>
-          </p:style>
-          <p:txBody>
-            <a:bodyPr rtlCol="0" anchor="ctr"/>
-            <a:lstStyle/>
-            <a:p>
-              <a:pPr algn="ctr"/>
-              <a:endParaRPr lang="ko-KR" altLang="en-US"/>
-            </a:p>
-          </p:txBody>
-        </p:sp>
-        <p:sp>
-          <p:nvSpPr>
-            <p:cNvPr id="34" name="타원 33"/>
-            <p:cNvSpPr/>
-            <p:nvPr/>
-          </p:nvSpPr>
-          <p:spPr>
-            <a:xfrm>
-              <a:off x="4101674" y="4788760"/>
-              <a:ext cx="80373" cy="45719"/>
-            </a:xfrm>
-            <a:prstGeom prst="ellipse">
-              <a:avLst/>
-            </a:prstGeom>
-          </p:spPr>
-          <p:style>
-            <a:lnRef idx="2">
-              <a:schemeClr val="accent1">
-                <a:shade val="50000"/>
-              </a:schemeClr>
-            </a:lnRef>
-            <a:fillRef idx="1">
-              <a:schemeClr val="accent1"/>
-            </a:fillRef>
-            <a:effectRef idx="0">
-              <a:schemeClr val="accent1"/>
-            </a:effectRef>
-            <a:fontRef idx="minor">
-              <a:schemeClr val="lt1"/>
-            </a:fontRef>
-          </p:style>
-          <p:txBody>
-            <a:bodyPr rtlCol="0" anchor="ctr"/>
-            <a:lstStyle/>
-            <a:p>
-              <a:pPr algn="ctr"/>
-              <a:endParaRPr lang="ko-KR" altLang="en-US"/>
-            </a:p>
-          </p:txBody>
-        </p:sp>
-      </p:grpSp>
-      <p:sp>
-        <p:nvSpPr>
-          <p:cNvPr id="10" name="TextBox 9"/>
-          <p:cNvSpPr txBox="1"/>
-          <p:nvPr/>
-        </p:nvSpPr>
-        <p:spPr>
-          <a:xfrm>
-            <a:off x="4372566" y="810166"/>
-            <a:ext cx="1058303" cy="369332"/>
-          </a:xfrm>
-          <a:prstGeom prst="rect">
-            <a:avLst/>
-          </a:prstGeom>
-          <a:noFill/>
-        </p:spPr>
-        <p:txBody>
-          <a:bodyPr wrap="none" rtlCol="0">
-            <a:spAutoFit/>
-          </a:bodyPr>
-          <a:lstStyle/>
-          <a:p>
-            <a:r>
-              <a:rPr lang="en-US" altLang="ko-KR" b="1" dirty="0" smtClean="0"/>
-              <a:t>Stage32</a:t>
-            </a:r>
-            <a:endParaRPr lang="ko-KR" altLang="en-US" b="1" dirty="0"/>
-          </a:p>
-        </p:txBody>
-      </p:sp>
-      <p:graphicFrame>
-        <p:nvGraphicFramePr>
-          <p:cNvPr id="11" name="표 10"/>
-          <p:cNvGraphicFramePr>
-            <a:graphicFrameLocks noGrp="1"/>
-          </p:cNvGraphicFramePr>
-          <p:nvPr>
-            <p:extLst>
-              <p:ext uri="{D42A27DB-BD31-4B8C-83A1-F6EECF244321}">
-                <p14:modId xmlns:p14="http://schemas.microsoft.com/office/powerpoint/2010/main" val="2340901612"/>
-              </p:ext>
-            </p:extLst>
-          </p:nvPr>
-        </p:nvGraphicFramePr>
-        <p:xfrm>
-          <a:off x="1050801" y="851007"/>
-          <a:ext cx="1023999" cy="459832"/>
-        </p:xfrm>
-        <a:graphic>
-          <a:graphicData uri="http://schemas.openxmlformats.org/drawingml/2006/table">
-            <a:tbl>
-              <a:tblPr firstRow="1">
-                <a:tableStyleId>{5C22544A-7EE6-4342-B048-85BDC9FD1C3A}</a:tableStyleId>
-              </a:tblPr>
-              <a:tblGrid>
-                <a:gridCol w="1023999"/>
-              </a:tblGrid>
-              <a:tr h="229916">
-                <a:tc>
-                  <a:txBody>
-                    <a:bodyPr/>
-                    <a:lstStyle/>
-                    <a:p>
-                      <a:pPr algn="ctr" latinLnBrk="1"/>
-                      <a:r>
-                        <a:rPr lang="ko-KR" altLang="en-US" sz="700" dirty="0" smtClean="0"/>
-                        <a:t>최고 전적</a:t>
-                      </a:r>
-                      <a:r>
-                        <a:rPr lang="en-US" altLang="ko-KR" sz="700" dirty="0" smtClean="0"/>
-                        <a:t>(</a:t>
-                      </a:r>
-                      <a:r>
-                        <a:rPr lang="ko-KR" altLang="en-US" sz="700" dirty="0" smtClean="0"/>
-                        <a:t>별 개수</a:t>
-                      </a:r>
-                      <a:r>
-                        <a:rPr lang="en-US" altLang="ko-KR" sz="700" dirty="0" smtClean="0"/>
-                        <a:t>)</a:t>
-                      </a:r>
-                      <a:endParaRPr lang="ko-KR" altLang="en-US" sz="700" dirty="0"/>
-                    </a:p>
-                  </a:txBody>
-                  <a:tcPr anchor="ctr"/>
-                </a:tc>
-              </a:tr>
-              <a:tr h="229916">
-                <a:tc>
-                  <a:txBody>
-                    <a:bodyPr/>
-                    <a:lstStyle/>
-                    <a:p>
-                      <a:pPr algn="ctr" latinLnBrk="1"/>
-                      <a:endParaRPr lang="ko-KR" altLang="en-US" sz="700" dirty="0"/>
-                    </a:p>
-                  </a:txBody>
-                  <a:tcPr anchor="ctr"/>
-                </a:tc>
-              </a:tr>
-            </a:tbl>
-          </a:graphicData>
-        </a:graphic>
-      </p:graphicFrame>
-      <p:sp>
-        <p:nvSpPr>
-          <p:cNvPr id="47" name="포인트가 5개인 별 46"/>
-          <p:cNvSpPr/>
-          <p:nvPr/>
-        </p:nvSpPr>
-        <p:spPr>
-          <a:xfrm>
-            <a:off x="1730033" y="1099502"/>
-            <a:ext cx="151419" cy="159992"/>
-          </a:xfrm>
-          <a:prstGeom prst="star5">
-            <a:avLst/>
-          </a:prstGeom>
-          <a:solidFill>
-            <a:schemeClr val="accent1"/>
-          </a:solidFill>
-        </p:spPr>
-        <p:style>
-          <a:lnRef idx="2">
-            <a:schemeClr val="accent1">
-              <a:shade val="50000"/>
-            </a:schemeClr>
-          </a:lnRef>
-          <a:fillRef idx="1">
-            <a:schemeClr val="accent1"/>
-          </a:fillRef>
-          <a:effectRef idx="0">
-            <a:schemeClr val="accent1"/>
-          </a:effectRef>
-          <a:fontRef idx="minor">
-            <a:schemeClr val="lt1"/>
-          </a:fontRef>
-        </p:style>
-        <p:txBody>
-          <a:bodyPr rtlCol="0" anchor="ctr"/>
-          <a:lstStyle/>
-          <a:p>
-            <a:pPr algn="ctr"/>
-            <a:endParaRPr lang="ko-KR" altLang="en-US"/>
-          </a:p>
-        </p:txBody>
-      </p:sp>
-      <p:sp>
-        <p:nvSpPr>
-          <p:cNvPr id="48" name="포인트가 5개인 별 47"/>
-          <p:cNvSpPr/>
-          <p:nvPr/>
-        </p:nvSpPr>
-        <p:spPr>
-          <a:xfrm>
-            <a:off x="1366172" y="1099502"/>
-            <a:ext cx="151419" cy="159992"/>
-          </a:xfrm>
-          <a:prstGeom prst="star5">
-            <a:avLst/>
-          </a:prstGeom>
-          <a:solidFill>
-            <a:schemeClr val="bg1"/>
-          </a:solidFill>
-        </p:spPr>
-        <p:style>
-          <a:lnRef idx="2">
-            <a:schemeClr val="accent1">
-              <a:shade val="50000"/>
-            </a:schemeClr>
-          </a:lnRef>
-          <a:fillRef idx="1">
-            <a:schemeClr val="accent1"/>
-          </a:fillRef>
-          <a:effectRef idx="0">
-            <a:schemeClr val="accent1"/>
-          </a:effectRef>
-          <a:fontRef idx="minor">
-            <a:schemeClr val="lt1"/>
-          </a:fontRef>
-        </p:style>
-        <p:txBody>
-          <a:bodyPr rtlCol="0" anchor="ctr"/>
-          <a:lstStyle/>
-          <a:p>
-            <a:pPr algn="ctr"/>
-            <a:endParaRPr lang="ko-KR" altLang="en-US"/>
-          </a:p>
-        </p:txBody>
-      </p:sp>
-      <p:sp>
-        <p:nvSpPr>
-          <p:cNvPr id="49" name="포인트가 5개인 별 48"/>
-          <p:cNvSpPr/>
-          <p:nvPr/>
-        </p:nvSpPr>
-        <p:spPr>
-          <a:xfrm>
-            <a:off x="1560406" y="1099502"/>
-            <a:ext cx="151419" cy="159992"/>
-          </a:xfrm>
-          <a:prstGeom prst="star5">
-            <a:avLst/>
-          </a:prstGeom>
-          <a:solidFill>
-            <a:schemeClr val="accent1"/>
-          </a:solidFill>
-        </p:spPr>
-        <p:style>
-          <a:lnRef idx="2">
-            <a:schemeClr val="accent1">
-              <a:shade val="50000"/>
-            </a:schemeClr>
-          </a:lnRef>
-          <a:fillRef idx="1">
-            <a:schemeClr val="accent1"/>
-          </a:fillRef>
-          <a:effectRef idx="0">
-            <a:schemeClr val="accent1"/>
-          </a:effectRef>
-          <a:fontRef idx="minor">
-            <a:schemeClr val="lt1"/>
-          </a:fontRef>
-        </p:style>
-        <p:txBody>
-          <a:bodyPr rtlCol="0" anchor="ctr"/>
-          <a:lstStyle/>
-          <a:p>
-            <a:pPr algn="ctr"/>
-            <a:endParaRPr lang="ko-KR" altLang="en-US"/>
-          </a:p>
-        </p:txBody>
-      </p:sp>
-      <p:grpSp>
-        <p:nvGrpSpPr>
-          <p:cNvPr id="12" name="그룹 11"/>
-          <p:cNvGrpSpPr/>
-          <p:nvPr/>
-        </p:nvGrpSpPr>
-        <p:grpSpPr>
-          <a:xfrm>
-            <a:off x="3231931" y="6044039"/>
-            <a:ext cx="2281269" cy="365231"/>
-            <a:chOff x="766731" y="6069439"/>
-            <a:chExt cx="2281269" cy="365231"/>
-          </a:xfrm>
-        </p:grpSpPr>
-        <p:sp>
-          <p:nvSpPr>
-            <p:cNvPr id="50" name="직사각형 49"/>
-            <p:cNvSpPr/>
-            <p:nvPr/>
-          </p:nvSpPr>
-          <p:spPr>
-            <a:xfrm>
-              <a:off x="766731" y="6069439"/>
-              <a:ext cx="2281269" cy="365231"/>
-            </a:xfrm>
-            <a:prstGeom prst="rect">
-              <a:avLst/>
-            </a:prstGeom>
-          </p:spPr>
-          <p:style>
-            <a:lnRef idx="2">
-              <a:schemeClr val="accent1">
-                <a:shade val="50000"/>
-              </a:schemeClr>
-            </a:lnRef>
-            <a:fillRef idx="1">
-              <a:schemeClr val="accent1"/>
-            </a:fillRef>
-            <a:effectRef idx="0">
-              <a:schemeClr val="accent1"/>
-            </a:effectRef>
-            <a:fontRef idx="minor">
-              <a:schemeClr val="lt1"/>
-            </a:fontRef>
-          </p:style>
-          <p:txBody>
-            <a:bodyPr rtlCol="0" anchor="ctr"/>
-            <a:lstStyle/>
-            <a:p>
-              <a:pPr algn="ctr"/>
-              <a:r>
-                <a:rPr lang="en-US" altLang="ko-KR" dirty="0" smtClean="0"/>
-                <a:t>X2      24 / 16</a:t>
-              </a:r>
-              <a:endParaRPr lang="ko-KR" altLang="en-US" dirty="0"/>
-            </a:p>
-          </p:txBody>
-        </p:sp>
-        <p:sp>
-          <p:nvSpPr>
-            <p:cNvPr id="51" name="포인트가 5개인 별 50"/>
-            <p:cNvSpPr/>
-            <p:nvPr/>
-          </p:nvSpPr>
-          <p:spPr>
-            <a:xfrm>
-              <a:off x="851398" y="6172058"/>
-              <a:ext cx="151419" cy="159992"/>
-            </a:xfrm>
-            <a:prstGeom prst="star5">
-              <a:avLst/>
-            </a:prstGeom>
-            <a:solidFill>
-              <a:schemeClr val="bg1"/>
-            </a:solidFill>
-          </p:spPr>
-          <p:style>
-            <a:lnRef idx="2">
-              <a:schemeClr val="accent1">
-                <a:shade val="50000"/>
-              </a:schemeClr>
-            </a:lnRef>
-            <a:fillRef idx="1">
-              <a:schemeClr val="accent1"/>
-            </a:fillRef>
-            <a:effectRef idx="0">
-              <a:schemeClr val="accent1"/>
-            </a:effectRef>
-            <a:fontRef idx="minor">
-              <a:schemeClr val="lt1"/>
-            </a:fontRef>
-          </p:style>
-          <p:txBody>
-            <a:bodyPr rtlCol="0" anchor="ctr"/>
-            <a:lstStyle/>
-            <a:p>
-              <a:pPr algn="ctr"/>
-              <a:endParaRPr lang="ko-KR" altLang="en-US"/>
-            </a:p>
-          </p:txBody>
-        </p:sp>
-      </p:grpSp>
-    </p:spTree>
-    <p:extLst>
-      <p:ext uri="{BB962C8B-B14F-4D97-AF65-F5344CB8AC3E}">
-        <p14:creationId xmlns:p14="http://schemas.microsoft.com/office/powerpoint/2010/main" val="335418030"/>
-      </p:ext>
-    </p:extLst>
-  </p:cSld>
-  <p:clrMapOvr>
-    <a:masterClrMapping/>
-  </p:clrMapOvr>
-  <p:timing>
-    <p:tnLst>
-      <p:par>
-        <p:cTn id="1" dur="indefinite" restart="never" nodeType="tmRoot"/>
-      </p:par>
-    </p:tnLst>
-  </p:timing>
-</p:sld>
-</file>
-
 <file path=ppt/theme/theme1.xml><?xml version="1.0" encoding="utf-8"?>
 <a:theme xmlns:a="http://schemas.openxmlformats.org/drawingml/2006/main" name="Office 테마">
   <a:themeElements>

--- a/화면정의서.pptx
+++ b/화면정의서.pptx
@@ -6691,15 +6691,7 @@
             <a:pPr algn="ctr"/>
             <a:r>
               <a:rPr lang="ko-KR" altLang="en-US" sz="1200" dirty="0" smtClean="0"/>
-              <a:t>점수</a:t>
-            </a:r>
-            <a:r>
-              <a:rPr lang="ko-KR" altLang="en-US" sz="1200" dirty="0" smtClean="0"/>
-              <a:t> </a:t>
-            </a:r>
-            <a:r>
-              <a:rPr lang="ko-KR" altLang="en-US" sz="1200" dirty="0" smtClean="0"/>
-              <a:t>순</a:t>
+              <a:t>점수 순</a:t>
             </a:r>
             <a:endParaRPr lang="ko-KR" altLang="en-US" sz="1200" dirty="0"/>
           </a:p>
@@ -13721,14 +13713,14 @@
           <p:nvPr>
             <p:extLst>
               <p:ext uri="{D42A27DB-BD31-4B8C-83A1-F6EECF244321}">
-                <p14:modId xmlns:p14="http://schemas.microsoft.com/office/powerpoint/2010/main" val="4170831581"/>
+                <p14:modId xmlns:p14="http://schemas.microsoft.com/office/powerpoint/2010/main" val="1068761783"/>
               </p:ext>
             </p:extLst>
           </p:nvPr>
         </p:nvGraphicFramePr>
         <p:xfrm>
           <a:off x="6392332" y="719664"/>
-          <a:ext cx="4174068" cy="3007344"/>
+          <a:ext cx="4174068" cy="4172772"/>
         </p:xfrm>
         <a:graphic>
           <a:graphicData uri="http://schemas.openxmlformats.org/drawingml/2006/table">
@@ -13859,6 +13851,42 @@
                     <a:lstStyle/>
                     <a:p>
                       <a:pPr algn="ctr" latinLnBrk="1"/>
+                      <a:endParaRPr lang="ko-KR" altLang="en-US" dirty="0"/>
+                    </a:p>
+                  </a:txBody>
+                  <a:tcPr anchor="ctr"/>
+                </a:tc>
+              </a:tr>
+              <a:tr h="1165428">
+                <a:tc>
+                  <a:txBody>
+                    <a:bodyPr/>
+                    <a:lstStyle/>
+                    <a:p>
+                      <a:pPr algn="ctr" latinLnBrk="1"/>
+                      <a:r>
+                        <a:rPr lang="ko-KR" altLang="en-US" dirty="0" smtClean="0"/>
+                        <a:t>턴 종료</a:t>
+                      </a:r>
+                      <a:endParaRPr lang="ko-KR" altLang="en-US" dirty="0"/>
+                    </a:p>
+                  </a:txBody>
+                  <a:tcPr anchor="ctr"/>
+                </a:tc>
+                <a:tc>
+                  <a:txBody>
+                    <a:bodyPr/>
+                    <a:lstStyle/>
+                    <a:p>
+                      <a:pPr algn="ctr" latinLnBrk="1"/>
+                      <a:r>
+                        <a:rPr lang="ko-KR" altLang="en-US" dirty="0" smtClean="0"/>
+                        <a:t>내</a:t>
+                      </a:r>
+                      <a:r>
+                        <a:rPr lang="ko-KR" altLang="en-US" baseline="0" dirty="0" smtClean="0"/>
+                        <a:t> 턴에만 활성화</a:t>
+                      </a:r>
                       <a:endParaRPr lang="ko-KR" altLang="en-US" dirty="0"/>
                     </a:p>
                   </a:txBody>
@@ -15549,6 +15577,50 @@
           </p:txBody>
         </p:sp>
       </p:grpSp>
+      <p:sp>
+        <p:nvSpPr>
+          <p:cNvPr id="3" name="모서리가 둥근 직사각형 2"/>
+          <p:cNvSpPr/>
+          <p:nvPr/>
+        </p:nvSpPr>
+        <p:spPr>
+          <a:xfrm>
+            <a:off x="4485504" y="6093769"/>
+            <a:ext cx="1072066" cy="357762"/>
+          </a:xfrm>
+          <a:prstGeom prst="roundRect">
+            <a:avLst/>
+          </a:prstGeom>
+        </p:spPr>
+        <p:style>
+          <a:lnRef idx="2">
+            <a:schemeClr val="accent1">
+              <a:shade val="50000"/>
+            </a:schemeClr>
+          </a:lnRef>
+          <a:fillRef idx="1">
+            <a:schemeClr val="accent1"/>
+          </a:fillRef>
+          <a:effectRef idx="0">
+            <a:schemeClr val="accent1"/>
+          </a:effectRef>
+          <a:fontRef idx="minor">
+            <a:schemeClr val="lt1"/>
+          </a:fontRef>
+        </p:style>
+        <p:txBody>
+          <a:bodyPr rtlCol="0" anchor="ctr"/>
+          <a:lstStyle/>
+          <a:p>
+            <a:pPr algn="ctr"/>
+            <a:r>
+              <a:rPr lang="ko-KR" altLang="en-US" dirty="0" smtClean="0"/>
+              <a:t>턴 종료</a:t>
+            </a:r>
+            <a:endParaRPr lang="ko-KR" altLang="en-US" dirty="0"/>
+          </a:p>
+        </p:txBody>
+      </p:sp>
     </p:spTree>
     <p:extLst>
       <p:ext uri="{BB962C8B-B14F-4D97-AF65-F5344CB8AC3E}">
@@ -15643,14 +15715,14 @@
           <p:nvPr>
             <p:extLst>
               <p:ext uri="{D42A27DB-BD31-4B8C-83A1-F6EECF244321}">
-                <p14:modId xmlns:p14="http://schemas.microsoft.com/office/powerpoint/2010/main" val="44838172"/>
+                <p14:modId xmlns:p14="http://schemas.microsoft.com/office/powerpoint/2010/main" val="2116144711"/>
               </p:ext>
             </p:extLst>
           </p:nvPr>
         </p:nvGraphicFramePr>
         <p:xfrm>
           <a:off x="6392332" y="719664"/>
-          <a:ext cx="4174068" cy="3007344"/>
+          <a:ext cx="4174068" cy="4172772"/>
         </p:xfrm>
         <a:graphic>
           <a:graphicData uri="http://schemas.openxmlformats.org/drawingml/2006/table">
@@ -15799,6 +15871,38 @@
                       <a:r>
                         <a:rPr lang="en-US" altLang="ko-KR" dirty="0" smtClean="0"/>
                         <a:t>05-01-02</a:t>
+                      </a:r>
+                      <a:endParaRPr lang="ko-KR" altLang="en-US" dirty="0"/>
+                    </a:p>
+                  </a:txBody>
+                  <a:tcPr anchor="ctr"/>
+                </a:tc>
+              </a:tr>
+              <a:tr h="1165428">
+                <a:tc>
+                  <a:txBody>
+                    <a:bodyPr/>
+                    <a:lstStyle/>
+                    <a:p>
+                      <a:pPr algn="ctr" latinLnBrk="1"/>
+                      <a:r>
+                        <a:rPr lang="ko-KR" altLang="en-US" dirty="0" smtClean="0"/>
+                        <a:t>턴 종료</a:t>
+                      </a:r>
+                      <a:endParaRPr lang="ko-KR" altLang="en-US" dirty="0"/>
+                    </a:p>
+                  </a:txBody>
+                  <a:tcPr anchor="ctr"/>
+                </a:tc>
+                <a:tc>
+                  <a:txBody>
+                    <a:bodyPr/>
+                    <a:lstStyle/>
+                    <a:p>
+                      <a:pPr algn="ctr" latinLnBrk="1"/>
+                      <a:r>
+                        <a:rPr lang="ko-KR" altLang="en-US" dirty="0" smtClean="0"/>
+                        <a:t>내 턴에만 활성화</a:t>
                       </a:r>
                       <a:endParaRPr lang="ko-KR" altLang="en-US" dirty="0"/>
                     </a:p>
@@ -17545,6 +17649,50 @@
           </p:txBody>
         </p:sp>
       </p:grpSp>
+      <p:sp>
+        <p:nvSpPr>
+          <p:cNvPr id="35" name="모서리가 둥근 직사각형 34"/>
+          <p:cNvSpPr/>
+          <p:nvPr/>
+        </p:nvSpPr>
+        <p:spPr>
+          <a:xfrm>
+            <a:off x="4485504" y="6093769"/>
+            <a:ext cx="1072066" cy="357762"/>
+          </a:xfrm>
+          <a:prstGeom prst="roundRect">
+            <a:avLst/>
+          </a:prstGeom>
+        </p:spPr>
+        <p:style>
+          <a:lnRef idx="2">
+            <a:schemeClr val="accent1">
+              <a:shade val="50000"/>
+            </a:schemeClr>
+          </a:lnRef>
+          <a:fillRef idx="1">
+            <a:schemeClr val="accent1"/>
+          </a:fillRef>
+          <a:effectRef idx="0">
+            <a:schemeClr val="accent1"/>
+          </a:effectRef>
+          <a:fontRef idx="minor">
+            <a:schemeClr val="lt1"/>
+          </a:fontRef>
+        </p:style>
+        <p:txBody>
+          <a:bodyPr rtlCol="0" anchor="ctr"/>
+          <a:lstStyle/>
+          <a:p>
+            <a:pPr algn="ctr"/>
+            <a:r>
+              <a:rPr lang="ko-KR" altLang="en-US" dirty="0" smtClean="0"/>
+              <a:t>턴 종료</a:t>
+            </a:r>
+            <a:endParaRPr lang="ko-KR" altLang="en-US" dirty="0"/>
+          </a:p>
+        </p:txBody>
+      </p:sp>
     </p:spTree>
     <p:extLst>
       <p:ext uri="{BB962C8B-B14F-4D97-AF65-F5344CB8AC3E}">

--- a/화면정의서.pptx
+++ b/화면정의서.pptx
@@ -257,7 +257,7 @@
           <a:p>
             <a:fld id="{7043625E-8BC0-46E2-A81F-24B9F552ACCE}" type="datetimeFigureOut">
               <a:rPr lang="ko-KR" altLang="en-US" smtClean="0"/>
-              <a:t>2015-01-12</a:t>
+              <a:t>2015-01-21</a:t>
             </a:fld>
             <a:endParaRPr lang="ko-KR" altLang="en-US"/>
           </a:p>
@@ -427,7 +427,7 @@
           <a:p>
             <a:fld id="{7043625E-8BC0-46E2-A81F-24B9F552ACCE}" type="datetimeFigureOut">
               <a:rPr lang="ko-KR" altLang="en-US" smtClean="0"/>
-              <a:t>2015-01-12</a:t>
+              <a:t>2015-01-21</a:t>
             </a:fld>
             <a:endParaRPr lang="ko-KR" altLang="en-US"/>
           </a:p>
@@ -607,7 +607,7 @@
           <a:p>
             <a:fld id="{7043625E-8BC0-46E2-A81F-24B9F552ACCE}" type="datetimeFigureOut">
               <a:rPr lang="ko-KR" altLang="en-US" smtClean="0"/>
-              <a:t>2015-01-12</a:t>
+              <a:t>2015-01-21</a:t>
             </a:fld>
             <a:endParaRPr lang="ko-KR" altLang="en-US"/>
           </a:p>
@@ -777,7 +777,7 @@
           <a:p>
             <a:fld id="{7043625E-8BC0-46E2-A81F-24B9F552ACCE}" type="datetimeFigureOut">
               <a:rPr lang="ko-KR" altLang="en-US" smtClean="0"/>
-              <a:t>2015-01-12</a:t>
+              <a:t>2015-01-21</a:t>
             </a:fld>
             <a:endParaRPr lang="ko-KR" altLang="en-US"/>
           </a:p>
@@ -1023,7 +1023,7 @@
           <a:p>
             <a:fld id="{7043625E-8BC0-46E2-A81F-24B9F552ACCE}" type="datetimeFigureOut">
               <a:rPr lang="ko-KR" altLang="en-US" smtClean="0"/>
-              <a:t>2015-01-12</a:t>
+              <a:t>2015-01-21</a:t>
             </a:fld>
             <a:endParaRPr lang="ko-KR" altLang="en-US"/>
           </a:p>
@@ -1255,7 +1255,7 @@
           <a:p>
             <a:fld id="{7043625E-8BC0-46E2-A81F-24B9F552ACCE}" type="datetimeFigureOut">
               <a:rPr lang="ko-KR" altLang="en-US" smtClean="0"/>
-              <a:t>2015-01-12</a:t>
+              <a:t>2015-01-21</a:t>
             </a:fld>
             <a:endParaRPr lang="ko-KR" altLang="en-US"/>
           </a:p>
@@ -1622,7 +1622,7 @@
           <a:p>
             <a:fld id="{7043625E-8BC0-46E2-A81F-24B9F552ACCE}" type="datetimeFigureOut">
               <a:rPr lang="ko-KR" altLang="en-US" smtClean="0"/>
-              <a:t>2015-01-12</a:t>
+              <a:t>2015-01-21</a:t>
             </a:fld>
             <a:endParaRPr lang="ko-KR" altLang="en-US"/>
           </a:p>
@@ -1740,7 +1740,7 @@
           <a:p>
             <a:fld id="{7043625E-8BC0-46E2-A81F-24B9F552ACCE}" type="datetimeFigureOut">
               <a:rPr lang="ko-KR" altLang="en-US" smtClean="0"/>
-              <a:t>2015-01-12</a:t>
+              <a:t>2015-01-21</a:t>
             </a:fld>
             <a:endParaRPr lang="ko-KR" altLang="en-US"/>
           </a:p>
@@ -1835,7 +1835,7 @@
           <a:p>
             <a:fld id="{7043625E-8BC0-46E2-A81F-24B9F552ACCE}" type="datetimeFigureOut">
               <a:rPr lang="ko-KR" altLang="en-US" smtClean="0"/>
-              <a:t>2015-01-12</a:t>
+              <a:t>2015-01-21</a:t>
             </a:fld>
             <a:endParaRPr lang="ko-KR" altLang="en-US"/>
           </a:p>
@@ -2112,7 +2112,7 @@
           <a:p>
             <a:fld id="{7043625E-8BC0-46E2-A81F-24B9F552ACCE}" type="datetimeFigureOut">
               <a:rPr lang="ko-KR" altLang="en-US" smtClean="0"/>
-              <a:t>2015-01-12</a:t>
+              <a:t>2015-01-21</a:t>
             </a:fld>
             <a:endParaRPr lang="ko-KR" altLang="en-US"/>
           </a:p>
@@ -2365,7 +2365,7 @@
           <a:p>
             <a:fld id="{7043625E-8BC0-46E2-A81F-24B9F552ACCE}" type="datetimeFigureOut">
               <a:rPr lang="ko-KR" altLang="en-US" smtClean="0"/>
-              <a:t>2015-01-12</a:t>
+              <a:t>2015-01-21</a:t>
             </a:fld>
             <a:endParaRPr lang="ko-KR" altLang="en-US"/>
           </a:p>
@@ -2578,7 +2578,7 @@
           <a:p>
             <a:fld id="{7043625E-8BC0-46E2-A81F-24B9F552ACCE}" type="datetimeFigureOut">
               <a:rPr lang="ko-KR" altLang="en-US" smtClean="0"/>
-              <a:t>2015-01-12</a:t>
+              <a:t>2015-01-21</a:t>
             </a:fld>
             <a:endParaRPr lang="ko-KR" altLang="en-US"/>
           </a:p>
@@ -5849,26 +5849,27 @@
           <p:nvPr>
             <p:extLst>
               <p:ext uri="{D42A27DB-BD31-4B8C-83A1-F6EECF244321}">
-                <p14:modId xmlns:p14="http://schemas.microsoft.com/office/powerpoint/2010/main" val="817737965"/>
+                <p14:modId xmlns:p14="http://schemas.microsoft.com/office/powerpoint/2010/main" val="1228373650"/>
               </p:ext>
             </p:extLst>
           </p:nvPr>
         </p:nvGraphicFramePr>
         <p:xfrm>
-          <a:off x="1500934" y="1236134"/>
-          <a:ext cx="3551332" cy="3428991"/>
+          <a:off x="1467067" y="1219201"/>
+          <a:ext cx="3551332" cy="3047992"/>
         </p:xfrm>
         <a:graphic>
           <a:graphicData uri="http://schemas.openxmlformats.org/drawingml/2006/table">
             <a:tbl>
-              <a:tblPr firstRow="1" bandRow="1">
+              <a:tblPr bandRow="1">
                 <a:tableStyleId>{21E4AEA4-8DFA-4A89-87EB-49C32662AFE0}</a:tableStyleId>
               </a:tblPr>
               <a:tblGrid>
-                <a:gridCol w="658066"/>
-                <a:gridCol w="1168400"/>
-                <a:gridCol w="650767"/>
-                <a:gridCol w="1074099"/>
+                <a:gridCol w="555189"/>
+                <a:gridCol w="653210"/>
+                <a:gridCol w="887720"/>
+                <a:gridCol w="636280"/>
+                <a:gridCol w="818933"/>
               </a:tblGrid>
               <a:tr h="380999">
                 <a:tc>
@@ -5878,8 +5879,52 @@
                     <a:p>
                       <a:pPr algn="ctr" latinLnBrk="1"/>
                       <a:r>
+                        <a:rPr lang="en-US" altLang="ko-KR" sz="1200" dirty="0" smtClean="0"/>
+                        <a:t>1</a:t>
+                      </a:r>
+                      <a:endParaRPr lang="ko-KR" altLang="en-US" sz="1200" dirty="0"/>
+                    </a:p>
+                  </a:txBody>
+                  <a:tcPr anchor="ctr"/>
+                </a:tc>
+                <a:tc>
+                  <a:txBody>
+                    <a:bodyPr/>
+                    <a:lstStyle/>
+                    <a:p>
+                      <a:pPr algn="ctr" latinLnBrk="1"/>
+                      <a:r>
+                        <a:rPr lang="ko-KR" altLang="en-US" sz="1200" kern="1200" dirty="0" smtClean="0">
+                          <a:solidFill>
+                            <a:schemeClr val="dk1"/>
+                          </a:solidFill>
+                          <a:latin typeface="+mn-lt"/>
+                          <a:ea typeface="+mn-ea"/>
+                          <a:cs typeface="+mn-cs"/>
+                        </a:rPr>
+                        <a:t>이미지</a:t>
+                      </a:r>
+                      <a:endParaRPr lang="ko-KR" altLang="en-US" sz="1200" kern="1200" dirty="0">
+                        <a:solidFill>
+                          <a:schemeClr val="dk1"/>
+                        </a:solidFill>
+                        <a:latin typeface="+mn-lt"/>
+                        <a:ea typeface="+mn-ea"/>
+                        <a:cs typeface="+mn-cs"/>
+                      </a:endParaRPr>
+                    </a:p>
+                  </a:txBody>
+                  <a:tcPr anchor="ctr"/>
+                </a:tc>
+                <a:tc>
+                  <a:txBody>
+                    <a:bodyPr/>
+                    <a:lstStyle/>
+                    <a:p>
+                      <a:pPr algn="ctr" latinLnBrk="1"/>
+                      <a:r>
                         <a:rPr lang="ko-KR" altLang="en-US" sz="1200" dirty="0" smtClean="0"/>
-                        <a:t>랭킹</a:t>
+                        <a:t>하하하</a:t>
                       </a:r>
                       <a:endParaRPr lang="ko-KR" altLang="en-US" sz="1200" dirty="0"/>
                     </a:p>
@@ -5892,54 +5937,32 @@
                     <a:lstStyle/>
                     <a:p>
                       <a:pPr algn="ctr" latinLnBrk="1"/>
-                      <a:r>
-                        <a:rPr lang="ko-KR" altLang="en-US" sz="1200" dirty="0" smtClean="0"/>
-                        <a:t>닉네임</a:t>
-                      </a:r>
-                      <a:endParaRPr lang="ko-KR" altLang="en-US" sz="1200" dirty="0"/>
-                    </a:p>
-                  </a:txBody>
-                  <a:tcPr anchor="ctr"/>
-                </a:tc>
-                <a:tc>
-                  <a:txBody>
-                    <a:bodyPr/>
-                    <a:lstStyle/>
-                    <a:p>
-                      <a:pPr marL="0" marR="0" indent="0" algn="ctr" defTabSz="914400" rtl="0" eaLnBrk="1" fontAlgn="auto" latinLnBrk="1" hangingPunct="1">
-                        <a:lnSpc>
-                          <a:spcPct val="100000"/>
-                        </a:lnSpc>
-                        <a:spcBef>
-                          <a:spcPts val="0"/>
-                        </a:spcBef>
-                        <a:spcAft>
-                          <a:spcPts val="0"/>
-                        </a:spcAft>
-                        <a:buClrTx/>
-                        <a:buSzTx/>
-                        <a:buFontTx/>
-                        <a:buNone/>
-                        <a:tabLst/>
-                        <a:defRPr/>
-                      </a:pPr>
                       <a:r>
                         <a:rPr lang="ko-KR" altLang="en-US" sz="1200" dirty="0" smtClean="0"/>
                         <a:t>별</a:t>
                       </a:r>
-                    </a:p>
-                  </a:txBody>
-                  <a:tcPr anchor="ctr"/>
-                </a:tc>
-                <a:tc>
-                  <a:txBody>
-                    <a:bodyPr/>
-                    <a:lstStyle/>
-                    <a:p>
-                      <a:pPr algn="ctr" latinLnBrk="1"/>
-                      <a:r>
-                        <a:rPr lang="ko-KR" altLang="en-US" sz="1200" dirty="0" smtClean="0"/>
-                        <a:t>점수</a:t>
+                      <a:r>
+                        <a:rPr lang="ko-KR" altLang="en-US" sz="1200" baseline="0" dirty="0" smtClean="0"/>
+                        <a:t> </a:t>
+                      </a:r>
+                      <a:r>
+                        <a:rPr lang="en-US" altLang="ko-KR" sz="1200" dirty="0" smtClean="0"/>
+                        <a:t>X 5</a:t>
+                      </a:r>
+                      <a:endParaRPr lang="ko-KR" altLang="en-US" sz="1200" dirty="0"/>
+                    </a:p>
+                  </a:txBody>
+                  <a:tcPr anchor="ctr"/>
+                </a:tc>
+                <a:tc>
+                  <a:txBody>
+                    <a:bodyPr/>
+                    <a:lstStyle/>
+                    <a:p>
+                      <a:pPr algn="ctr" latinLnBrk="1"/>
+                      <a:r>
+                        <a:rPr lang="en-US" altLang="ko-KR" sz="1200" dirty="0" smtClean="0"/>
+                        <a:t>20</a:t>
                       </a:r>
                       <a:endParaRPr lang="ko-KR" altLang="en-US" sz="1200" dirty="0"/>
                     </a:p>
@@ -5956,6 +5979,47 @@
                       <a:pPr algn="ctr" latinLnBrk="1"/>
                       <a:r>
                         <a:rPr lang="en-US" altLang="ko-KR" sz="1200" dirty="0" smtClean="0"/>
+                        <a:t>2</a:t>
+                      </a:r>
+                      <a:endParaRPr lang="ko-KR" altLang="en-US" sz="1200" dirty="0"/>
+                    </a:p>
+                  </a:txBody>
+                  <a:tcPr anchor="ctr"/>
+                </a:tc>
+                <a:tc>
+                  <a:txBody>
+                    <a:bodyPr/>
+                    <a:lstStyle/>
+                    <a:p>
+                      <a:pPr algn="ctr" latinLnBrk="1"/>
+                      <a:endParaRPr lang="ko-KR" altLang="en-US" sz="1200" dirty="0"/>
+                    </a:p>
+                  </a:txBody>
+                  <a:tcPr anchor="ctr"/>
+                </a:tc>
+                <a:tc>
+                  <a:txBody>
+                    <a:bodyPr/>
+                    <a:lstStyle/>
+                    <a:p>
+                      <a:pPr algn="ctr" latinLnBrk="1"/>
+                      <a:r>
+                        <a:rPr lang="en-US" altLang="ko-KR" sz="1200" dirty="0" smtClean="0"/>
+                        <a:t>Jung0313</a:t>
+                      </a:r>
+                      <a:endParaRPr lang="ko-KR" altLang="en-US" sz="1200" dirty="0"/>
+                    </a:p>
+                  </a:txBody>
+                  <a:tcPr anchor="ctr"/>
+                </a:tc>
+                <a:tc>
+                  <a:txBody>
+                    <a:bodyPr/>
+                    <a:lstStyle/>
+                    <a:p>
+                      <a:pPr algn="ctr" latinLnBrk="1"/>
+                      <a:r>
+                        <a:rPr lang="en-US" altLang="ko-KR" sz="1200" dirty="0" smtClean="0"/>
                         <a:t>1</a:t>
                       </a:r>
                       <a:endParaRPr lang="ko-KR" altLang="en-US" sz="1200" dirty="0"/>
@@ -5970,14 +6034,138 @@
                     <a:p>
                       <a:pPr algn="ctr" latinLnBrk="1"/>
                       <a:r>
-                        <a:rPr lang="ko-KR" altLang="en-US" sz="1200" dirty="0" smtClean="0"/>
-                        <a:t>하하하</a:t>
+                        <a:rPr lang="en-US" altLang="ko-KR" sz="1200" dirty="0" smtClean="0"/>
+                        <a:t>10</a:t>
                       </a:r>
                       <a:endParaRPr lang="ko-KR" altLang="en-US" sz="1200" dirty="0"/>
                     </a:p>
                   </a:txBody>
                   <a:tcPr anchor="ctr"/>
                 </a:tc>
+              </a:tr>
+              <a:tr h="380999">
+                <a:tc>
+                  <a:txBody>
+                    <a:bodyPr/>
+                    <a:lstStyle/>
+                    <a:p>
+                      <a:pPr algn="ctr" latinLnBrk="1"/>
+                      <a:r>
+                        <a:rPr lang="en-US" altLang="ko-KR" sz="1200" dirty="0" smtClean="0"/>
+                        <a:t>3</a:t>
+                      </a:r>
+                      <a:endParaRPr lang="ko-KR" altLang="en-US" sz="1200" dirty="0"/>
+                    </a:p>
+                  </a:txBody>
+                  <a:tcPr anchor="ctr"/>
+                </a:tc>
+                <a:tc>
+                  <a:txBody>
+                    <a:bodyPr/>
+                    <a:lstStyle/>
+                    <a:p>
+                      <a:pPr algn="ctr" latinLnBrk="1"/>
+                      <a:endParaRPr lang="ko-KR" altLang="en-US" sz="1200" dirty="0"/>
+                    </a:p>
+                  </a:txBody>
+                  <a:tcPr anchor="ctr"/>
+                </a:tc>
+                <a:tc>
+                  <a:txBody>
+                    <a:bodyPr/>
+                    <a:lstStyle/>
+                    <a:p>
+                      <a:pPr algn="ctr" latinLnBrk="1"/>
+                      <a:endParaRPr lang="ko-KR" altLang="en-US" sz="1200" dirty="0"/>
+                    </a:p>
+                  </a:txBody>
+                  <a:tcPr anchor="ctr"/>
+                </a:tc>
+                <a:tc>
+                  <a:txBody>
+                    <a:bodyPr/>
+                    <a:lstStyle/>
+                    <a:p>
+                      <a:pPr algn="ctr" latinLnBrk="1"/>
+                      <a:endParaRPr lang="ko-KR" altLang="en-US" sz="1200" dirty="0"/>
+                    </a:p>
+                  </a:txBody>
+                  <a:tcPr anchor="ctr"/>
+                </a:tc>
+                <a:tc>
+                  <a:txBody>
+                    <a:bodyPr/>
+                    <a:lstStyle/>
+                    <a:p>
+                      <a:pPr algn="ctr" latinLnBrk="1"/>
+                      <a:endParaRPr lang="ko-KR" altLang="en-US" sz="1200" dirty="0"/>
+                    </a:p>
+                  </a:txBody>
+                  <a:tcPr anchor="ctr"/>
+                </a:tc>
+              </a:tr>
+              <a:tr h="380999">
+                <a:tc>
+                  <a:txBody>
+                    <a:bodyPr/>
+                    <a:lstStyle/>
+                    <a:p>
+                      <a:pPr algn="ctr" latinLnBrk="1"/>
+                      <a:r>
+                        <a:rPr lang="en-US" altLang="ko-KR" sz="1200" dirty="0" smtClean="0"/>
+                        <a:t>4</a:t>
+                      </a:r>
+                      <a:endParaRPr lang="ko-KR" altLang="en-US" sz="1200" dirty="0"/>
+                    </a:p>
+                  </a:txBody>
+                  <a:tcPr anchor="ctr"/>
+                </a:tc>
+                <a:tc>
+                  <a:txBody>
+                    <a:bodyPr/>
+                    <a:lstStyle/>
+                    <a:p>
+                      <a:pPr algn="ctr" latinLnBrk="1"/>
+                      <a:endParaRPr lang="ko-KR" altLang="en-US" sz="1200" dirty="0"/>
+                    </a:p>
+                  </a:txBody>
+                  <a:tcPr anchor="ctr"/>
+                </a:tc>
+                <a:tc>
+                  <a:txBody>
+                    <a:bodyPr/>
+                    <a:lstStyle/>
+                    <a:p>
+                      <a:pPr algn="ctr" latinLnBrk="1"/>
+                      <a:endParaRPr lang="ko-KR" altLang="en-US" sz="1200" dirty="0"/>
+                    </a:p>
+                  </a:txBody>
+                  <a:tcPr anchor="ctr"/>
+                </a:tc>
+                <a:tc>
+                  <a:txBody>
+                    <a:bodyPr/>
+                    <a:lstStyle/>
+                    <a:p>
+                      <a:pPr algn="ctr" latinLnBrk="1"/>
+                      <a:endParaRPr lang="ko-KR" altLang="en-US" sz="1200" dirty="0"/>
+                    </a:p>
+                  </a:txBody>
+                  <a:tcPr anchor="ctr"/>
+                </a:tc>
+                <a:tc>
+                  <a:txBody>
+                    <a:bodyPr/>
+                    <a:lstStyle/>
+                    <a:p>
+                      <a:pPr algn="ctr" latinLnBrk="1"/>
+                      <a:endParaRPr lang="ko-KR" altLang="en-US" sz="1200" dirty="0"/>
+                    </a:p>
+                  </a:txBody>
+                  <a:tcPr anchor="ctr"/>
+                </a:tc>
+              </a:tr>
+              <a:tr h="380999">
                 <a:tc>
                   <a:txBody>
                     <a:bodyPr/>
@@ -5991,197 +6179,24 @@
                       <a:endParaRPr lang="ko-KR" altLang="en-US" sz="1200" dirty="0"/>
                     </a:p>
                   </a:txBody>
-                  <a:tcPr anchor="ctr"/>
-                </a:tc>
-                <a:tc>
-                  <a:txBody>
-                    <a:bodyPr/>
-                    <a:lstStyle/>
-                    <a:p>
-                      <a:pPr algn="ctr" latinLnBrk="1"/>
-                      <a:r>
-                        <a:rPr lang="en-US" altLang="ko-KR" sz="1200" dirty="0" smtClean="0"/>
-                        <a:t>20</a:t>
-                      </a:r>
-                      <a:endParaRPr lang="ko-KR" altLang="en-US" sz="1200" dirty="0"/>
-                    </a:p>
-                  </a:txBody>
-                  <a:tcPr anchor="ctr"/>
-                </a:tc>
-              </a:tr>
-              <a:tr h="380999">
-                <a:tc>
-                  <a:txBody>
-                    <a:bodyPr/>
-                    <a:lstStyle/>
-                    <a:p>
-                      <a:pPr algn="ctr" latinLnBrk="1"/>
-                      <a:r>
-                        <a:rPr lang="en-US" altLang="ko-KR" sz="1200" dirty="0" smtClean="0"/>
-                        <a:t>2</a:t>
-                      </a:r>
-                      <a:endParaRPr lang="ko-KR" altLang="en-US" sz="1200" dirty="0"/>
-                    </a:p>
-                  </a:txBody>
-                  <a:tcPr anchor="ctr"/>
-                </a:tc>
-                <a:tc>
-                  <a:txBody>
-                    <a:bodyPr/>
-                    <a:lstStyle/>
-                    <a:p>
-                      <a:pPr algn="ctr" latinLnBrk="1"/>
-                      <a:r>
-                        <a:rPr lang="en-US" altLang="ko-KR" sz="1200" dirty="0" smtClean="0"/>
-                        <a:t>Jung0313</a:t>
-                      </a:r>
-                      <a:endParaRPr lang="ko-KR" altLang="en-US" sz="1200" dirty="0"/>
-                    </a:p>
-                  </a:txBody>
-                  <a:tcPr anchor="ctr"/>
-                </a:tc>
-                <a:tc>
-                  <a:txBody>
-                    <a:bodyPr/>
-                    <a:lstStyle/>
-                    <a:p>
-                      <a:pPr algn="ctr" latinLnBrk="1"/>
-                      <a:r>
-                        <a:rPr lang="en-US" altLang="ko-KR" sz="1200" dirty="0" smtClean="0"/>
-                        <a:t>1</a:t>
-                      </a:r>
-                      <a:endParaRPr lang="ko-KR" altLang="en-US" sz="1200" dirty="0"/>
-                    </a:p>
-                  </a:txBody>
-                  <a:tcPr anchor="ctr"/>
-                </a:tc>
-                <a:tc>
-                  <a:txBody>
-                    <a:bodyPr/>
-                    <a:lstStyle/>
-                    <a:p>
-                      <a:pPr algn="ctr" latinLnBrk="1"/>
-                      <a:r>
-                        <a:rPr lang="en-US" altLang="ko-KR" sz="1200" dirty="0" smtClean="0"/>
-                        <a:t>10</a:t>
-                      </a:r>
-                      <a:endParaRPr lang="ko-KR" altLang="en-US" sz="1200" dirty="0"/>
-                    </a:p>
-                  </a:txBody>
-                  <a:tcPr anchor="ctr"/>
-                </a:tc>
-              </a:tr>
-              <a:tr h="380999">
-                <a:tc>
-                  <a:txBody>
-                    <a:bodyPr/>
-                    <a:lstStyle/>
-                    <a:p>
-                      <a:pPr algn="ctr" latinLnBrk="1"/>
-                      <a:r>
-                        <a:rPr lang="en-US" altLang="ko-KR" sz="1200" dirty="0" smtClean="0"/>
-                        <a:t>3</a:t>
-                      </a:r>
-                      <a:endParaRPr lang="ko-KR" altLang="en-US" sz="1200" dirty="0"/>
-                    </a:p>
-                  </a:txBody>
-                  <a:tcPr anchor="ctr"/>
-                </a:tc>
-                <a:tc>
-                  <a:txBody>
-                    <a:bodyPr/>
-                    <a:lstStyle/>
-                    <a:p>
-                      <a:pPr algn="ctr" latinLnBrk="1"/>
-                      <a:endParaRPr lang="ko-KR" altLang="en-US" sz="1200" dirty="0"/>
-                    </a:p>
-                  </a:txBody>
-                  <a:tcPr anchor="ctr"/>
-                </a:tc>
-                <a:tc>
-                  <a:txBody>
-                    <a:bodyPr/>
-                    <a:lstStyle/>
-                    <a:p>
-                      <a:pPr algn="ctr" latinLnBrk="1"/>
-                      <a:endParaRPr lang="ko-KR" altLang="en-US" sz="1200" dirty="0"/>
-                    </a:p>
-                  </a:txBody>
-                  <a:tcPr anchor="ctr"/>
-                </a:tc>
-                <a:tc>
-                  <a:txBody>
-                    <a:bodyPr/>
-                    <a:lstStyle/>
-                    <a:p>
-                      <a:pPr algn="ctr" latinLnBrk="1"/>
-                      <a:endParaRPr lang="ko-KR" altLang="en-US" sz="1200" dirty="0"/>
-                    </a:p>
-                  </a:txBody>
-                  <a:tcPr anchor="ctr"/>
-                </a:tc>
-              </a:tr>
-              <a:tr h="380999">
-                <a:tc>
-                  <a:txBody>
-                    <a:bodyPr/>
-                    <a:lstStyle/>
-                    <a:p>
-                      <a:pPr algn="ctr" latinLnBrk="1"/>
-                      <a:r>
-                        <a:rPr lang="en-US" altLang="ko-KR" sz="1200" dirty="0" smtClean="0"/>
-                        <a:t>4</a:t>
-                      </a:r>
-                      <a:endParaRPr lang="ko-KR" altLang="en-US" sz="1200" dirty="0"/>
-                    </a:p>
-                  </a:txBody>
-                  <a:tcPr anchor="ctr"/>
-                </a:tc>
-                <a:tc>
-                  <a:txBody>
-                    <a:bodyPr/>
-                    <a:lstStyle/>
-                    <a:p>
-                      <a:pPr algn="ctr" latinLnBrk="1"/>
-                      <a:endParaRPr lang="ko-KR" altLang="en-US" sz="1200" dirty="0"/>
-                    </a:p>
-                  </a:txBody>
-                  <a:tcPr anchor="ctr"/>
-                </a:tc>
-                <a:tc>
-                  <a:txBody>
-                    <a:bodyPr/>
-                    <a:lstStyle/>
-                    <a:p>
-                      <a:pPr algn="ctr" latinLnBrk="1"/>
-                      <a:endParaRPr lang="ko-KR" altLang="en-US" sz="1200" dirty="0"/>
-                    </a:p>
-                  </a:txBody>
-                  <a:tcPr anchor="ctr"/>
-                </a:tc>
-                <a:tc>
-                  <a:txBody>
-                    <a:bodyPr/>
-                    <a:lstStyle/>
-                    <a:p>
-                      <a:pPr algn="ctr" latinLnBrk="1"/>
-                      <a:endParaRPr lang="ko-KR" altLang="en-US" sz="1200" dirty="0"/>
-                    </a:p>
-                  </a:txBody>
-                  <a:tcPr anchor="ctr"/>
-                </a:tc>
-              </a:tr>
-              <a:tr h="380999">
-                <a:tc>
-                  <a:txBody>
-                    <a:bodyPr/>
-                    <a:lstStyle/>
-                    <a:p>
-                      <a:pPr algn="ctr" latinLnBrk="1"/>
-                      <a:r>
-                        <a:rPr lang="en-US" altLang="ko-KR" sz="1200" dirty="0" smtClean="0"/>
-                        <a:t>5</a:t>
-                      </a:r>
+                  <a:tcPr anchor="ctr">
+                    <a:lnB w="12700" cap="flat" cmpd="sng" algn="ctr">
+                      <a:solidFill>
+                        <a:schemeClr val="tx1"/>
+                      </a:solidFill>
+                      <a:prstDash val="solid"/>
+                      <a:round/>
+                      <a:headEnd type="none" w="med" len="med"/>
+                      <a:tailEnd type="none" w="med" len="med"/>
+                    </a:lnB>
+                  </a:tcPr>
+                </a:tc>
+                <a:tc>
+                  <a:txBody>
+                    <a:bodyPr/>
+                    <a:lstStyle/>
+                    <a:p>
+                      <a:pPr algn="ctr" latinLnBrk="1"/>
                       <a:endParaRPr lang="ko-KR" altLang="en-US" sz="1200" dirty="0"/>
                     </a:p>
                   </a:txBody>
@@ -6325,6 +6340,46 @@
                     <a:lstStyle/>
                     <a:p>
                       <a:pPr algn="ctr" latinLnBrk="1"/>
+                      <a:endParaRPr lang="ko-KR" altLang="en-US" sz="1200" dirty="0">
+                        <a:solidFill>
+                          <a:sysClr val="windowText" lastClr="000000"/>
+                        </a:solidFill>
+                      </a:endParaRPr>
+                    </a:p>
+                  </a:txBody>
+                  <a:tcPr anchor="ctr">
+                    <a:lnT w="12700" cap="flat" cmpd="sng" algn="ctr">
+                      <a:solidFill>
+                        <a:schemeClr val="tx1"/>
+                      </a:solidFill>
+                      <a:prstDash val="solid"/>
+                      <a:round/>
+                      <a:headEnd type="none" w="med" len="med"/>
+                      <a:tailEnd type="none" w="med" len="med"/>
+                    </a:lnT>
+                    <a:lnB w="12700" cap="flat" cmpd="sng" algn="ctr">
+                      <a:solidFill>
+                        <a:schemeClr val="tx1"/>
+                      </a:solidFill>
+                      <a:prstDash val="solid"/>
+                      <a:round/>
+                      <a:headEnd type="none" w="med" len="med"/>
+                      <a:tailEnd type="none" w="med" len="med"/>
+                    </a:lnB>
+                    <a:solidFill>
+                      <a:schemeClr val="accent4">
+                        <a:lumMod val="60000"/>
+                        <a:lumOff val="40000"/>
+                      </a:schemeClr>
+                    </a:solidFill>
+                  </a:tcPr>
+                </a:tc>
+                <a:tc>
+                  <a:txBody>
+                    <a:bodyPr/>
+                    <a:lstStyle/>
+                    <a:p>
+                      <a:pPr algn="ctr" latinLnBrk="1"/>
                       <a:r>
                         <a:rPr lang="ko-KR" altLang="en-US" sz="1200" dirty="0" err="1" smtClean="0">
                           <a:solidFill>
@@ -6558,8 +6613,40 @@
                     </a:lnT>
                   </a:tcPr>
                 </a:tc>
+                <a:tc>
+                  <a:txBody>
+                    <a:bodyPr/>
+                    <a:lstStyle/>
+                    <a:p>
+                      <a:pPr algn="ctr" latinLnBrk="1"/>
+                      <a:endParaRPr lang="ko-KR" altLang="en-US" sz="1200" dirty="0"/>
+                    </a:p>
+                  </a:txBody>
+                  <a:tcPr anchor="ctr">
+                    <a:lnT w="12700" cap="flat" cmpd="sng" algn="ctr">
+                      <a:solidFill>
+                        <a:schemeClr val="tx1"/>
+                      </a:solidFill>
+                      <a:prstDash val="solid"/>
+                      <a:round/>
+                      <a:headEnd type="none" w="med" len="med"/>
+                      <a:tailEnd type="none" w="med" len="med"/>
+                    </a:lnT>
+                  </a:tcPr>
+                </a:tc>
               </a:tr>
               <a:tr h="380999">
+                <a:tc>
+                  <a:txBody>
+                    <a:bodyPr/>
+                    <a:lstStyle/>
+                    <a:p>
+                      <a:pPr algn="ctr" latinLnBrk="1"/>
+                      <a:endParaRPr lang="ko-KR" altLang="en-US" sz="1200" dirty="0"/>
+                    </a:p>
+                  </a:txBody>
+                  <a:tcPr anchor="ctr"/>
+                </a:tc>
                 <a:tc>
                   <a:txBody>
                     <a:bodyPr/>

--- a/화면정의서.pptx
+++ b/화면정의서.pptx
@@ -257,7 +257,7 @@
           <a:p>
             <a:fld id="{7043625E-8BC0-46E2-A81F-24B9F552ACCE}" type="datetimeFigureOut">
               <a:rPr lang="ko-KR" altLang="en-US" smtClean="0"/>
-              <a:t>2015-01-21</a:t>
+              <a:t>2015-01-23</a:t>
             </a:fld>
             <a:endParaRPr lang="ko-KR" altLang="en-US"/>
           </a:p>
@@ -427,7 +427,7 @@
           <a:p>
             <a:fld id="{7043625E-8BC0-46E2-A81F-24B9F552ACCE}" type="datetimeFigureOut">
               <a:rPr lang="ko-KR" altLang="en-US" smtClean="0"/>
-              <a:t>2015-01-21</a:t>
+              <a:t>2015-01-23</a:t>
             </a:fld>
             <a:endParaRPr lang="ko-KR" altLang="en-US"/>
           </a:p>
@@ -607,7 +607,7 @@
           <a:p>
             <a:fld id="{7043625E-8BC0-46E2-A81F-24B9F552ACCE}" type="datetimeFigureOut">
               <a:rPr lang="ko-KR" altLang="en-US" smtClean="0"/>
-              <a:t>2015-01-21</a:t>
+              <a:t>2015-01-23</a:t>
             </a:fld>
             <a:endParaRPr lang="ko-KR" altLang="en-US"/>
           </a:p>
@@ -777,7 +777,7 @@
           <a:p>
             <a:fld id="{7043625E-8BC0-46E2-A81F-24B9F552ACCE}" type="datetimeFigureOut">
               <a:rPr lang="ko-KR" altLang="en-US" smtClean="0"/>
-              <a:t>2015-01-21</a:t>
+              <a:t>2015-01-23</a:t>
             </a:fld>
             <a:endParaRPr lang="ko-KR" altLang="en-US"/>
           </a:p>
@@ -1023,7 +1023,7 @@
           <a:p>
             <a:fld id="{7043625E-8BC0-46E2-A81F-24B9F552ACCE}" type="datetimeFigureOut">
               <a:rPr lang="ko-KR" altLang="en-US" smtClean="0"/>
-              <a:t>2015-01-21</a:t>
+              <a:t>2015-01-23</a:t>
             </a:fld>
             <a:endParaRPr lang="ko-KR" altLang="en-US"/>
           </a:p>
@@ -1255,7 +1255,7 @@
           <a:p>
             <a:fld id="{7043625E-8BC0-46E2-A81F-24B9F552ACCE}" type="datetimeFigureOut">
               <a:rPr lang="ko-KR" altLang="en-US" smtClean="0"/>
-              <a:t>2015-01-21</a:t>
+              <a:t>2015-01-23</a:t>
             </a:fld>
             <a:endParaRPr lang="ko-KR" altLang="en-US"/>
           </a:p>
@@ -1622,7 +1622,7 @@
           <a:p>
             <a:fld id="{7043625E-8BC0-46E2-A81F-24B9F552ACCE}" type="datetimeFigureOut">
               <a:rPr lang="ko-KR" altLang="en-US" smtClean="0"/>
-              <a:t>2015-01-21</a:t>
+              <a:t>2015-01-23</a:t>
             </a:fld>
             <a:endParaRPr lang="ko-KR" altLang="en-US"/>
           </a:p>
@@ -1740,7 +1740,7 @@
           <a:p>
             <a:fld id="{7043625E-8BC0-46E2-A81F-24B9F552ACCE}" type="datetimeFigureOut">
               <a:rPr lang="ko-KR" altLang="en-US" smtClean="0"/>
-              <a:t>2015-01-21</a:t>
+              <a:t>2015-01-23</a:t>
             </a:fld>
             <a:endParaRPr lang="ko-KR" altLang="en-US"/>
           </a:p>
@@ -1835,7 +1835,7 @@
           <a:p>
             <a:fld id="{7043625E-8BC0-46E2-A81F-24B9F552ACCE}" type="datetimeFigureOut">
               <a:rPr lang="ko-KR" altLang="en-US" smtClean="0"/>
-              <a:t>2015-01-21</a:t>
+              <a:t>2015-01-23</a:t>
             </a:fld>
             <a:endParaRPr lang="ko-KR" altLang="en-US"/>
           </a:p>
@@ -2112,7 +2112,7 @@
           <a:p>
             <a:fld id="{7043625E-8BC0-46E2-A81F-24B9F552ACCE}" type="datetimeFigureOut">
               <a:rPr lang="ko-KR" altLang="en-US" smtClean="0"/>
-              <a:t>2015-01-21</a:t>
+              <a:t>2015-01-23</a:t>
             </a:fld>
             <a:endParaRPr lang="ko-KR" altLang="en-US"/>
           </a:p>
@@ -2365,7 +2365,7 @@
           <a:p>
             <a:fld id="{7043625E-8BC0-46E2-A81F-24B9F552ACCE}" type="datetimeFigureOut">
               <a:rPr lang="ko-KR" altLang="en-US" smtClean="0"/>
-              <a:t>2015-01-21</a:t>
+              <a:t>2015-01-23</a:t>
             </a:fld>
             <a:endParaRPr lang="ko-KR" altLang="en-US"/>
           </a:p>
@@ -2578,7 +2578,7 @@
           <a:p>
             <a:fld id="{7043625E-8BC0-46E2-A81F-24B9F552ACCE}" type="datetimeFigureOut">
               <a:rPr lang="ko-KR" altLang="en-US" smtClean="0"/>
-              <a:t>2015-01-21</a:t>
+              <a:t>2015-01-23</a:t>
             </a:fld>
             <a:endParaRPr lang="ko-KR" altLang="en-US"/>
           </a:p>
@@ -13421,14 +13421,14 @@
           <p:nvPr>
             <p:extLst>
               <p:ext uri="{D42A27DB-BD31-4B8C-83A1-F6EECF244321}">
-                <p14:modId xmlns:p14="http://schemas.microsoft.com/office/powerpoint/2010/main" val="2503107329"/>
+                <p14:modId xmlns:p14="http://schemas.microsoft.com/office/powerpoint/2010/main" val="3221447868"/>
               </p:ext>
             </p:extLst>
           </p:nvPr>
         </p:nvGraphicFramePr>
         <p:xfrm>
           <a:off x="1168400" y="1498599"/>
-          <a:ext cx="4165600" cy="3387510"/>
+          <a:ext cx="4165600" cy="3871440"/>
         </p:xfrm>
         <a:graphic>
           <a:graphicData uri="http://schemas.openxmlformats.org/drawingml/2006/table">
@@ -13665,6 +13665,38 @@
                       <a:r>
                         <a:rPr lang="ko-KR" altLang="en-US" dirty="0" smtClean="0"/>
                         <a:t>계정 등록</a:t>
+                      </a:r>
+                      <a:endParaRPr lang="ko-KR" altLang="en-US" dirty="0"/>
+                    </a:p>
+                  </a:txBody>
+                  <a:tcPr anchor="ctr"/>
+                </a:tc>
+              </a:tr>
+              <a:tr h="483930">
+                <a:tc>
+                  <a:txBody>
+                    <a:bodyPr/>
+                    <a:lstStyle/>
+                    <a:p>
+                      <a:pPr algn="ctr" latinLnBrk="1"/>
+                      <a:r>
+                        <a:rPr lang="en-US" altLang="ko-KR" dirty="0" smtClean="0"/>
+                        <a:t>&gt;</a:t>
+                      </a:r>
+                      <a:endParaRPr lang="ko-KR" altLang="en-US" dirty="0"/>
+                    </a:p>
+                  </a:txBody>
+                  <a:tcPr anchor="ctr"/>
+                </a:tc>
+                <a:tc>
+                  <a:txBody>
+                    <a:bodyPr/>
+                    <a:lstStyle/>
+                    <a:p>
+                      <a:pPr algn="l" latinLnBrk="1"/>
+                      <a:r>
+                        <a:rPr lang="ko-KR" altLang="en-US" smtClean="0"/>
+                        <a:t>업적 보기</a:t>
                       </a:r>
                       <a:endParaRPr lang="ko-KR" altLang="en-US" dirty="0"/>
                     </a:p>

--- a/화면정의서.pptx
+++ b/화면정의서.pptx
@@ -12492,6 +12492,206 @@
           </p:txBody>
         </p:sp>
       </p:grpSp>
+      <p:sp>
+        <p:nvSpPr>
+          <p:cNvPr id="9" name="모서리가 둥근 직사각형 8"/>
+          <p:cNvSpPr/>
+          <p:nvPr/>
+        </p:nvSpPr>
+        <p:spPr>
+          <a:xfrm>
+            <a:off x="1398812" y="5725089"/>
+            <a:ext cx="3801534" cy="110054"/>
+          </a:xfrm>
+          <a:prstGeom prst="roundRect">
+            <a:avLst/>
+          </a:prstGeom>
+        </p:spPr>
+        <p:style>
+          <a:lnRef idx="2">
+            <a:schemeClr val="accent2">
+              <a:shade val="50000"/>
+            </a:schemeClr>
+          </a:lnRef>
+          <a:fillRef idx="1">
+            <a:schemeClr val="accent2"/>
+          </a:fillRef>
+          <a:effectRef idx="0">
+            <a:schemeClr val="accent2"/>
+          </a:effectRef>
+          <a:fontRef idx="minor">
+            <a:schemeClr val="lt1"/>
+          </a:fontRef>
+        </p:style>
+        <p:txBody>
+          <a:bodyPr rtlCol="0" anchor="ctr"/>
+          <a:lstStyle/>
+          <a:p>
+            <a:pPr algn="ctr"/>
+            <a:endParaRPr lang="ko-KR" altLang="en-US"/>
+          </a:p>
+        </p:txBody>
+      </p:sp>
+      <p:sp>
+        <p:nvSpPr>
+          <p:cNvPr id="10" name="모서리가 둥근 직사각형 9"/>
+          <p:cNvSpPr/>
+          <p:nvPr/>
+        </p:nvSpPr>
+        <p:spPr>
+          <a:xfrm>
+            <a:off x="1364129" y="5690256"/>
+            <a:ext cx="147250" cy="177791"/>
+          </a:xfrm>
+          <a:prstGeom prst="roundRect">
+            <a:avLst/>
+          </a:prstGeom>
+        </p:spPr>
+        <p:style>
+          <a:lnRef idx="2">
+            <a:schemeClr val="accent1">
+              <a:shade val="50000"/>
+            </a:schemeClr>
+          </a:lnRef>
+          <a:fillRef idx="1">
+            <a:schemeClr val="accent1"/>
+          </a:fillRef>
+          <a:effectRef idx="0">
+            <a:schemeClr val="accent1"/>
+          </a:effectRef>
+          <a:fontRef idx="minor">
+            <a:schemeClr val="lt1"/>
+          </a:fontRef>
+        </p:style>
+        <p:txBody>
+          <a:bodyPr rtlCol="0" anchor="ctr"/>
+          <a:lstStyle/>
+          <a:p>
+            <a:pPr algn="ctr"/>
+            <a:endParaRPr lang="ko-KR" altLang="en-US"/>
+          </a:p>
+        </p:txBody>
+      </p:sp>
+      <p:sp>
+        <p:nvSpPr>
+          <p:cNvPr id="11" name="타원 10"/>
+          <p:cNvSpPr/>
+          <p:nvPr/>
+        </p:nvSpPr>
+        <p:spPr>
+          <a:xfrm>
+            <a:off x="1383691" y="5725089"/>
+            <a:ext cx="108126" cy="108126"/>
+          </a:xfrm>
+          <a:prstGeom prst="ellipse">
+            <a:avLst/>
+          </a:prstGeom>
+        </p:spPr>
+        <p:style>
+          <a:lnRef idx="2">
+            <a:schemeClr val="accent6">
+              <a:shade val="50000"/>
+            </a:schemeClr>
+          </a:lnRef>
+          <a:fillRef idx="1">
+            <a:schemeClr val="accent6"/>
+          </a:fillRef>
+          <a:effectRef idx="0">
+            <a:schemeClr val="accent6"/>
+          </a:effectRef>
+          <a:fontRef idx="minor">
+            <a:schemeClr val="lt1"/>
+          </a:fontRef>
+        </p:style>
+        <p:txBody>
+          <a:bodyPr rtlCol="0" anchor="ctr"/>
+          <a:lstStyle/>
+          <a:p>
+            <a:pPr algn="ctr"/>
+            <a:endParaRPr lang="ko-KR" altLang="en-US"/>
+          </a:p>
+        </p:txBody>
+      </p:sp>
+      <p:sp>
+        <p:nvSpPr>
+          <p:cNvPr id="49" name="타원 48"/>
+          <p:cNvSpPr/>
+          <p:nvPr/>
+        </p:nvSpPr>
+        <p:spPr>
+          <a:xfrm>
+            <a:off x="1725294" y="5725089"/>
+            <a:ext cx="108126" cy="108126"/>
+          </a:xfrm>
+          <a:prstGeom prst="ellipse">
+            <a:avLst/>
+          </a:prstGeom>
+        </p:spPr>
+        <p:style>
+          <a:lnRef idx="2">
+            <a:schemeClr val="accent6">
+              <a:shade val="50000"/>
+            </a:schemeClr>
+          </a:lnRef>
+          <a:fillRef idx="1">
+            <a:schemeClr val="accent6"/>
+          </a:fillRef>
+          <a:effectRef idx="0">
+            <a:schemeClr val="accent6"/>
+          </a:effectRef>
+          <a:fontRef idx="minor">
+            <a:schemeClr val="lt1"/>
+          </a:fontRef>
+        </p:style>
+        <p:txBody>
+          <a:bodyPr rtlCol="0" anchor="ctr"/>
+          <a:lstStyle/>
+          <a:p>
+            <a:pPr algn="ctr"/>
+            <a:endParaRPr lang="ko-KR" altLang="en-US"/>
+          </a:p>
+        </p:txBody>
+      </p:sp>
+      <p:sp>
+        <p:nvSpPr>
+          <p:cNvPr id="50" name="타원 49"/>
+          <p:cNvSpPr/>
+          <p:nvPr/>
+        </p:nvSpPr>
+        <p:spPr>
+          <a:xfrm>
+            <a:off x="2066897" y="5725089"/>
+            <a:ext cx="108126" cy="108126"/>
+          </a:xfrm>
+          <a:prstGeom prst="ellipse">
+            <a:avLst/>
+          </a:prstGeom>
+        </p:spPr>
+        <p:style>
+          <a:lnRef idx="2">
+            <a:schemeClr val="accent6">
+              <a:shade val="50000"/>
+            </a:schemeClr>
+          </a:lnRef>
+          <a:fillRef idx="1">
+            <a:schemeClr val="accent6"/>
+          </a:fillRef>
+          <a:effectRef idx="0">
+            <a:schemeClr val="accent6"/>
+          </a:effectRef>
+          <a:fontRef idx="minor">
+            <a:schemeClr val="lt1"/>
+          </a:fontRef>
+        </p:style>
+        <p:txBody>
+          <a:bodyPr rtlCol="0" anchor="ctr"/>
+          <a:lstStyle/>
+          <a:p>
+            <a:pPr algn="ctr"/>
+            <a:endParaRPr lang="ko-KR" altLang="en-US"/>
+          </a:p>
+        </p:txBody>
+      </p:sp>
     </p:spTree>
     <p:extLst>
       <p:ext uri="{BB962C8B-B14F-4D97-AF65-F5344CB8AC3E}">
@@ -12815,7 +13015,7 @@
           <p:nvPr>
             <p:extLst>
               <p:ext uri="{D42A27DB-BD31-4B8C-83A1-F6EECF244321}">
-                <p14:modId xmlns:p14="http://schemas.microsoft.com/office/powerpoint/2010/main" val="642898740"/>
+                <p14:modId xmlns:p14="http://schemas.microsoft.com/office/powerpoint/2010/main" val="2162033997"/>
               </p:ext>
             </p:extLst>
           </p:nvPr>
@@ -13095,6 +13295,149 @@
               <a:t>도움말</a:t>
             </a:r>
             <a:endParaRPr lang="ko-KR" altLang="en-US" dirty="0"/>
+          </a:p>
+        </p:txBody>
+      </p:sp>
+      <p:sp>
+        <p:nvSpPr>
+          <p:cNvPr id="8" name="직사각형 7"/>
+          <p:cNvSpPr/>
+          <p:nvPr/>
+        </p:nvSpPr>
+        <p:spPr>
+          <a:xfrm>
+            <a:off x="4674353" y="4579208"/>
+            <a:ext cx="329448" cy="245534"/>
+          </a:xfrm>
+          <a:prstGeom prst="rect">
+            <a:avLst/>
+          </a:prstGeom>
+        </p:spPr>
+        <p:style>
+          <a:lnRef idx="2">
+            <a:schemeClr val="accent1">
+              <a:shade val="50000"/>
+            </a:schemeClr>
+          </a:lnRef>
+          <a:fillRef idx="1">
+            <a:schemeClr val="accent1"/>
+          </a:fillRef>
+          <a:effectRef idx="0">
+            <a:schemeClr val="accent1"/>
+          </a:effectRef>
+          <a:fontRef idx="minor">
+            <a:schemeClr val="lt1"/>
+          </a:fontRef>
+        </p:style>
+        <p:txBody>
+          <a:bodyPr rtlCol="0" anchor="ctr"/>
+          <a:lstStyle/>
+          <a:p>
+            <a:pPr algn="ctr"/>
+            <a:endParaRPr lang="ko-KR" altLang="en-US"/>
+          </a:p>
+        </p:txBody>
+      </p:sp>
+      <p:sp>
+        <p:nvSpPr>
+          <p:cNvPr id="9" name="직사각형 8"/>
+          <p:cNvSpPr/>
+          <p:nvPr/>
+        </p:nvSpPr>
+        <p:spPr>
+          <a:xfrm>
+            <a:off x="4343400" y="4570742"/>
+            <a:ext cx="330952" cy="254000"/>
+          </a:xfrm>
+          <a:prstGeom prst="rect">
+            <a:avLst/>
+          </a:prstGeom>
+          <a:solidFill>
+            <a:schemeClr val="accent2"/>
+          </a:solidFill>
+        </p:spPr>
+        <p:style>
+          <a:lnRef idx="2">
+            <a:schemeClr val="accent1">
+              <a:shade val="50000"/>
+            </a:schemeClr>
+          </a:lnRef>
+          <a:fillRef idx="1">
+            <a:schemeClr val="accent1"/>
+          </a:fillRef>
+          <a:effectRef idx="0">
+            <a:schemeClr val="accent1"/>
+          </a:effectRef>
+          <a:fontRef idx="minor">
+            <a:schemeClr val="lt1"/>
+          </a:fontRef>
+        </p:style>
+        <p:txBody>
+          <a:bodyPr rtlCol="0" anchor="ctr"/>
+          <a:lstStyle/>
+          <a:p>
+            <a:pPr algn="ctr"/>
+            <a:endParaRPr lang="ko-KR" altLang="en-US"/>
+          </a:p>
+        </p:txBody>
+      </p:sp>
+      <p:sp>
+        <p:nvSpPr>
+          <p:cNvPr id="10" name="TextBox 9"/>
+          <p:cNvSpPr txBox="1"/>
+          <p:nvPr/>
+        </p:nvSpPr>
+        <p:spPr>
+          <a:xfrm>
+            <a:off x="4610719" y="4559242"/>
+            <a:ext cx="406532" cy="276999"/>
+          </a:xfrm>
+          <a:prstGeom prst="rect">
+            <a:avLst/>
+          </a:prstGeom>
+          <a:noFill/>
+        </p:spPr>
+        <p:txBody>
+          <a:bodyPr wrap="square" rtlCol="0">
+            <a:spAutoFit/>
+          </a:bodyPr>
+          <a:lstStyle/>
+          <a:p>
+            <a:r>
+              <a:rPr lang="en-US" altLang="ko-KR" sz="1200" dirty="0" smtClean="0"/>
+              <a:t>Off</a:t>
+            </a:r>
+            <a:endParaRPr lang="ko-KR" altLang="en-US" sz="1200" dirty="0"/>
+          </a:p>
+        </p:txBody>
+      </p:sp>
+      <p:sp>
+        <p:nvSpPr>
+          <p:cNvPr id="11" name="TextBox 10"/>
+          <p:cNvSpPr txBox="1"/>
+          <p:nvPr/>
+        </p:nvSpPr>
+        <p:spPr>
+          <a:xfrm>
+            <a:off x="4318847" y="4582326"/>
+            <a:ext cx="380058" cy="230832"/>
+          </a:xfrm>
+          <a:prstGeom prst="rect">
+            <a:avLst/>
+          </a:prstGeom>
+          <a:noFill/>
+        </p:spPr>
+        <p:txBody>
+          <a:bodyPr wrap="square" rtlCol="0">
+            <a:spAutoFit/>
+          </a:bodyPr>
+          <a:lstStyle/>
+          <a:p>
+            <a:r>
+              <a:rPr lang="en-US" altLang="ko-KR" sz="900" dirty="0" smtClean="0"/>
+              <a:t>On</a:t>
+            </a:r>
+            <a:endParaRPr lang="ko-KR" altLang="en-US" sz="900" dirty="0"/>
           </a:p>
         </p:txBody>
       </p:sp>

--- a/화면정의서.pptx
+++ b/화면정의서.pptx
@@ -12,14 +12,15 @@
     <p:sldId id="261" r:id="rId6"/>
     <p:sldId id="263" r:id="rId7"/>
     <p:sldId id="264" r:id="rId8"/>
-    <p:sldId id="265" r:id="rId9"/>
-    <p:sldId id="266" r:id="rId10"/>
-    <p:sldId id="268" r:id="rId11"/>
-    <p:sldId id="269" r:id="rId12"/>
-    <p:sldId id="273" r:id="rId13"/>
-    <p:sldId id="270" r:id="rId14"/>
-    <p:sldId id="271" r:id="rId15"/>
-    <p:sldId id="272" r:id="rId16"/>
+    <p:sldId id="275" r:id="rId9"/>
+    <p:sldId id="265" r:id="rId10"/>
+    <p:sldId id="266" r:id="rId11"/>
+    <p:sldId id="268" r:id="rId12"/>
+    <p:sldId id="269" r:id="rId13"/>
+    <p:sldId id="273" r:id="rId14"/>
+    <p:sldId id="270" r:id="rId15"/>
+    <p:sldId id="271" r:id="rId16"/>
+    <p:sldId id="272" r:id="rId17"/>
   </p:sldIdLst>
   <p:sldSz cx="12192000" cy="6858000"/>
   <p:notesSz cx="6858000" cy="9144000"/>
@@ -257,7 +258,7 @@
           <a:p>
             <a:fld id="{7043625E-8BC0-46E2-A81F-24B9F552ACCE}" type="datetimeFigureOut">
               <a:rPr lang="ko-KR" altLang="en-US" smtClean="0"/>
-              <a:t>2015-01-23</a:t>
+              <a:t>2015-01-26</a:t>
             </a:fld>
             <a:endParaRPr lang="ko-KR" altLang="en-US"/>
           </a:p>
@@ -427,7 +428,7 @@
           <a:p>
             <a:fld id="{7043625E-8BC0-46E2-A81F-24B9F552ACCE}" type="datetimeFigureOut">
               <a:rPr lang="ko-KR" altLang="en-US" smtClean="0"/>
-              <a:t>2015-01-23</a:t>
+              <a:t>2015-01-26</a:t>
             </a:fld>
             <a:endParaRPr lang="ko-KR" altLang="en-US"/>
           </a:p>
@@ -607,7 +608,7 @@
           <a:p>
             <a:fld id="{7043625E-8BC0-46E2-A81F-24B9F552ACCE}" type="datetimeFigureOut">
               <a:rPr lang="ko-KR" altLang="en-US" smtClean="0"/>
-              <a:t>2015-01-23</a:t>
+              <a:t>2015-01-26</a:t>
             </a:fld>
             <a:endParaRPr lang="ko-KR" altLang="en-US"/>
           </a:p>
@@ -777,7 +778,7 @@
           <a:p>
             <a:fld id="{7043625E-8BC0-46E2-A81F-24B9F552ACCE}" type="datetimeFigureOut">
               <a:rPr lang="ko-KR" altLang="en-US" smtClean="0"/>
-              <a:t>2015-01-23</a:t>
+              <a:t>2015-01-26</a:t>
             </a:fld>
             <a:endParaRPr lang="ko-KR" altLang="en-US"/>
           </a:p>
@@ -1023,7 +1024,7 @@
           <a:p>
             <a:fld id="{7043625E-8BC0-46E2-A81F-24B9F552ACCE}" type="datetimeFigureOut">
               <a:rPr lang="ko-KR" altLang="en-US" smtClean="0"/>
-              <a:t>2015-01-23</a:t>
+              <a:t>2015-01-26</a:t>
             </a:fld>
             <a:endParaRPr lang="ko-KR" altLang="en-US"/>
           </a:p>
@@ -1255,7 +1256,7 @@
           <a:p>
             <a:fld id="{7043625E-8BC0-46E2-A81F-24B9F552ACCE}" type="datetimeFigureOut">
               <a:rPr lang="ko-KR" altLang="en-US" smtClean="0"/>
-              <a:t>2015-01-23</a:t>
+              <a:t>2015-01-26</a:t>
             </a:fld>
             <a:endParaRPr lang="ko-KR" altLang="en-US"/>
           </a:p>
@@ -1622,7 +1623,7 @@
           <a:p>
             <a:fld id="{7043625E-8BC0-46E2-A81F-24B9F552ACCE}" type="datetimeFigureOut">
               <a:rPr lang="ko-KR" altLang="en-US" smtClean="0"/>
-              <a:t>2015-01-23</a:t>
+              <a:t>2015-01-26</a:t>
             </a:fld>
             <a:endParaRPr lang="ko-KR" altLang="en-US"/>
           </a:p>
@@ -1740,7 +1741,7 @@
           <a:p>
             <a:fld id="{7043625E-8BC0-46E2-A81F-24B9F552ACCE}" type="datetimeFigureOut">
               <a:rPr lang="ko-KR" altLang="en-US" smtClean="0"/>
-              <a:t>2015-01-23</a:t>
+              <a:t>2015-01-26</a:t>
             </a:fld>
             <a:endParaRPr lang="ko-KR" altLang="en-US"/>
           </a:p>
@@ -1835,7 +1836,7 @@
           <a:p>
             <a:fld id="{7043625E-8BC0-46E2-A81F-24B9F552ACCE}" type="datetimeFigureOut">
               <a:rPr lang="ko-KR" altLang="en-US" smtClean="0"/>
-              <a:t>2015-01-23</a:t>
+              <a:t>2015-01-26</a:t>
             </a:fld>
             <a:endParaRPr lang="ko-KR" altLang="en-US"/>
           </a:p>
@@ -2112,7 +2113,7 @@
           <a:p>
             <a:fld id="{7043625E-8BC0-46E2-A81F-24B9F552ACCE}" type="datetimeFigureOut">
               <a:rPr lang="ko-KR" altLang="en-US" smtClean="0"/>
-              <a:t>2015-01-23</a:t>
+              <a:t>2015-01-26</a:t>
             </a:fld>
             <a:endParaRPr lang="ko-KR" altLang="en-US"/>
           </a:p>
@@ -2365,7 +2366,7 @@
           <a:p>
             <a:fld id="{7043625E-8BC0-46E2-A81F-24B9F552ACCE}" type="datetimeFigureOut">
               <a:rPr lang="ko-KR" altLang="en-US" smtClean="0"/>
-              <a:t>2015-01-23</a:t>
+              <a:t>2015-01-26</a:t>
             </a:fld>
             <a:endParaRPr lang="ko-KR" altLang="en-US"/>
           </a:p>
@@ -2578,7 +2579,7 @@
           <a:p>
             <a:fld id="{7043625E-8BC0-46E2-A81F-24B9F552ACCE}" type="datetimeFigureOut">
               <a:rPr lang="ko-KR" altLang="en-US" smtClean="0"/>
-              <a:t>2015-01-23</a:t>
+              <a:t>2015-01-26</a:t>
             </a:fld>
             <a:endParaRPr lang="ko-KR" altLang="en-US"/>
           </a:p>
@@ -3975,6 +3976,1979 @@
           <p:nvPr>
             <p:extLst>
               <p:ext uri="{D42A27DB-BD31-4B8C-83A1-F6EECF244321}">
+                <p14:modId xmlns:p14="http://schemas.microsoft.com/office/powerpoint/2010/main" val="1945992206"/>
+              </p:ext>
+            </p:extLst>
+          </p:nvPr>
+        </p:nvGraphicFramePr>
+        <p:xfrm>
+          <a:off x="6392332" y="719664"/>
+          <a:ext cx="4174068" cy="3007344"/>
+        </p:xfrm>
+        <a:graphic>
+          <a:graphicData uri="http://schemas.openxmlformats.org/drawingml/2006/table">
+            <a:tbl>
+              <a:tblPr>
+                <a:tableStyleId>{073A0DAA-6AF3-43AB-8588-CEC1D06C72B9}</a:tableStyleId>
+              </a:tblPr>
+              <a:tblGrid>
+                <a:gridCol w="2087034"/>
+                <a:gridCol w="2087034"/>
+              </a:tblGrid>
+              <a:tr h="732867">
+                <a:tc>
+                  <a:txBody>
+                    <a:bodyPr/>
+                    <a:lstStyle/>
+                    <a:p>
+                      <a:pPr algn="ctr" latinLnBrk="1"/>
+                      <a:r>
+                        <a:rPr lang="ko-KR" altLang="en-US" dirty="0" smtClean="0"/>
+                        <a:t>구분</a:t>
+                      </a:r>
+                      <a:endParaRPr lang="ko-KR" altLang="en-US" dirty="0"/>
+                    </a:p>
+                  </a:txBody>
+                  <a:tcPr anchor="ctr">
+                    <a:solidFill>
+                      <a:schemeClr val="tx1">
+                        <a:lumMod val="50000"/>
+                        <a:lumOff val="50000"/>
+                      </a:schemeClr>
+                    </a:solidFill>
+                  </a:tcPr>
+                </a:tc>
+                <a:tc>
+                  <a:txBody>
+                    <a:bodyPr/>
+                    <a:lstStyle/>
+                    <a:p>
+                      <a:pPr algn="ctr" latinLnBrk="1"/>
+                      <a:r>
+                        <a:rPr lang="ko-KR" altLang="en-US" dirty="0" smtClean="0"/>
+                        <a:t>내용</a:t>
+                      </a:r>
+                      <a:endParaRPr lang="ko-KR" altLang="en-US" dirty="0"/>
+                    </a:p>
+                  </a:txBody>
+                  <a:tcPr anchor="ctr">
+                    <a:solidFill>
+                      <a:schemeClr val="tx1">
+                        <a:lumMod val="50000"/>
+                        <a:lumOff val="50000"/>
+                      </a:schemeClr>
+                    </a:solidFill>
+                  </a:tcPr>
+                </a:tc>
+              </a:tr>
+              <a:tr h="1109049">
+                <a:tc>
+                  <a:txBody>
+                    <a:bodyPr/>
+                    <a:lstStyle/>
+                    <a:p>
+                      <a:pPr algn="ctr" latinLnBrk="1"/>
+                      <a:r>
+                        <a:rPr lang="ko-KR" altLang="en-US" dirty="0" smtClean="0"/>
+                        <a:t>화면 번호</a:t>
+                      </a:r>
+                      <a:r>
+                        <a:rPr lang="en-US" altLang="ko-KR" dirty="0" smtClean="0"/>
+                        <a:t/>
+                      </a:r>
+                      <a:br>
+                        <a:rPr lang="en-US" altLang="ko-KR" dirty="0" smtClean="0"/>
+                      </a:br>
+                      <a:r>
+                        <a:rPr lang="en-US" altLang="ko-KR" dirty="0" smtClean="0"/>
+                        <a:t>(</a:t>
+                      </a:r>
+                      <a:r>
+                        <a:rPr lang="ko-KR" altLang="en-US" dirty="0" smtClean="0"/>
+                        <a:t>멀티 대결</a:t>
+                      </a:r>
+                      <a:r>
+                        <a:rPr lang="en-US" altLang="ko-KR" dirty="0" smtClean="0"/>
+                        <a:t>)</a:t>
+                      </a:r>
+                      <a:endParaRPr lang="ko-KR" altLang="en-US" dirty="0"/>
+                    </a:p>
+                  </a:txBody>
+                  <a:tcPr anchor="ctr"/>
+                </a:tc>
+                <a:tc>
+                  <a:txBody>
+                    <a:bodyPr/>
+                    <a:lstStyle/>
+                    <a:p>
+                      <a:pPr algn="ctr" latinLnBrk="1"/>
+                      <a:r>
+                        <a:rPr lang="en-US" altLang="ko-KR" dirty="0" smtClean="0"/>
+                        <a:t>05-01-02</a:t>
+                      </a:r>
+                      <a:endParaRPr lang="ko-KR" altLang="en-US" dirty="0"/>
+                    </a:p>
+                  </a:txBody>
+                  <a:tcPr anchor="ctr"/>
+                </a:tc>
+              </a:tr>
+              <a:tr h="1165428">
+                <a:tc>
+                  <a:txBody>
+                    <a:bodyPr/>
+                    <a:lstStyle/>
+                    <a:p>
+                      <a:pPr algn="ctr" latinLnBrk="1"/>
+                      <a:r>
+                        <a:rPr lang="en-US" altLang="ko-KR" dirty="0" smtClean="0"/>
+                        <a:t>btn01</a:t>
+                      </a:r>
+                      <a:endParaRPr lang="ko-KR" altLang="en-US" dirty="0"/>
+                    </a:p>
+                  </a:txBody>
+                  <a:tcPr anchor="ctr"/>
+                </a:tc>
+                <a:tc>
+                  <a:txBody>
+                    <a:bodyPr/>
+                    <a:lstStyle/>
+                    <a:p>
+                      <a:pPr algn="ctr" latinLnBrk="1"/>
+                      <a:endParaRPr lang="ko-KR" altLang="en-US" dirty="0"/>
+                    </a:p>
+                  </a:txBody>
+                  <a:tcPr anchor="ctr"/>
+                </a:tc>
+              </a:tr>
+            </a:tbl>
+          </a:graphicData>
+        </a:graphic>
+      </p:graphicFrame>
+      <p:graphicFrame>
+        <p:nvGraphicFramePr>
+          <p:cNvPr id="2" name="표 1"/>
+          <p:cNvGraphicFramePr>
+            <a:graphicFrameLocks noGrp="1"/>
+          </p:cNvGraphicFramePr>
+          <p:nvPr>
+            <p:extLst>
+              <p:ext uri="{D42A27DB-BD31-4B8C-83A1-F6EECF244321}">
+                <p14:modId xmlns:p14="http://schemas.microsoft.com/office/powerpoint/2010/main" val="3083913414"/>
+              </p:ext>
+            </p:extLst>
+          </p:nvPr>
+        </p:nvGraphicFramePr>
+        <p:xfrm>
+          <a:off x="1058334" y="1447802"/>
+          <a:ext cx="4445000" cy="4478865"/>
+        </p:xfrm>
+        <a:graphic>
+          <a:graphicData uri="http://schemas.openxmlformats.org/drawingml/2006/table">
+            <a:tbl>
+              <a:tblPr>
+                <a:tableStyleId>{21E4AEA4-8DFA-4A89-87EB-49C32662AFE0}</a:tableStyleId>
+              </a:tblPr>
+              <a:tblGrid>
+                <a:gridCol w="889000"/>
+                <a:gridCol w="889000"/>
+                <a:gridCol w="889000"/>
+                <a:gridCol w="889000"/>
+                <a:gridCol w="889000"/>
+              </a:tblGrid>
+              <a:tr h="895773">
+                <a:tc>
+                  <a:txBody>
+                    <a:bodyPr/>
+                    <a:lstStyle/>
+                    <a:p>
+                      <a:pPr latinLnBrk="1"/>
+                      <a:endParaRPr lang="ko-KR" altLang="en-US" dirty="0"/>
+                    </a:p>
+                  </a:txBody>
+                  <a:tcPr>
+                    <a:lnL w="12700" cap="flat" cmpd="sng" algn="ctr">
+                      <a:solidFill>
+                        <a:schemeClr val="tx1"/>
+                      </a:solidFill>
+                      <a:prstDash val="solid"/>
+                      <a:round/>
+                      <a:headEnd type="none" w="med" len="med"/>
+                      <a:tailEnd type="none" w="med" len="med"/>
+                    </a:lnL>
+                    <a:lnT w="12700" cap="flat" cmpd="sng" algn="ctr">
+                      <a:solidFill>
+                        <a:schemeClr val="tx1"/>
+                      </a:solidFill>
+                      <a:prstDash val="solid"/>
+                      <a:round/>
+                      <a:headEnd type="none" w="med" len="med"/>
+                      <a:tailEnd type="none" w="med" len="med"/>
+                    </a:lnT>
+                    <a:solidFill>
+                      <a:schemeClr val="tx1"/>
+                    </a:solidFill>
+                  </a:tcPr>
+                </a:tc>
+                <a:tc>
+                  <a:txBody>
+                    <a:bodyPr/>
+                    <a:lstStyle/>
+                    <a:p>
+                      <a:pPr latinLnBrk="1"/>
+                      <a:endParaRPr lang="ko-KR" altLang="en-US" dirty="0"/>
+                    </a:p>
+                  </a:txBody>
+                  <a:tcPr>
+                    <a:lnT w="12700" cap="flat" cmpd="sng" algn="ctr">
+                      <a:solidFill>
+                        <a:schemeClr val="tx1"/>
+                      </a:solidFill>
+                      <a:prstDash val="solid"/>
+                      <a:round/>
+                      <a:headEnd type="none" w="med" len="med"/>
+                      <a:tailEnd type="none" w="med" len="med"/>
+                    </a:lnT>
+                    <a:solidFill>
+                      <a:schemeClr val="bg1"/>
+                    </a:solidFill>
+                  </a:tcPr>
+                </a:tc>
+                <a:tc>
+                  <a:txBody>
+                    <a:bodyPr/>
+                    <a:lstStyle/>
+                    <a:p>
+                      <a:pPr latinLnBrk="1"/>
+                      <a:endParaRPr lang="ko-KR" altLang="en-US" dirty="0"/>
+                    </a:p>
+                  </a:txBody>
+                  <a:tcPr>
+                    <a:lnT w="12700" cap="flat" cmpd="sng" algn="ctr">
+                      <a:solidFill>
+                        <a:schemeClr val="tx1"/>
+                      </a:solidFill>
+                      <a:prstDash val="solid"/>
+                      <a:round/>
+                      <a:headEnd type="none" w="med" len="med"/>
+                      <a:tailEnd type="none" w="med" len="med"/>
+                    </a:lnT>
+                    <a:solidFill>
+                      <a:schemeClr val="tx1"/>
+                    </a:solidFill>
+                  </a:tcPr>
+                </a:tc>
+                <a:tc>
+                  <a:txBody>
+                    <a:bodyPr/>
+                    <a:lstStyle/>
+                    <a:p>
+                      <a:pPr latinLnBrk="1"/>
+                      <a:endParaRPr lang="ko-KR" altLang="en-US" dirty="0"/>
+                    </a:p>
+                  </a:txBody>
+                  <a:tcPr>
+                    <a:lnT w="12700" cap="flat" cmpd="sng" algn="ctr">
+                      <a:solidFill>
+                        <a:schemeClr val="tx1"/>
+                      </a:solidFill>
+                      <a:prstDash val="solid"/>
+                      <a:round/>
+                      <a:headEnd type="none" w="med" len="med"/>
+                      <a:tailEnd type="none" w="med" len="med"/>
+                    </a:lnT>
+                    <a:solidFill>
+                      <a:schemeClr val="bg1"/>
+                    </a:solidFill>
+                  </a:tcPr>
+                </a:tc>
+                <a:tc>
+                  <a:txBody>
+                    <a:bodyPr/>
+                    <a:lstStyle/>
+                    <a:p>
+                      <a:pPr latinLnBrk="1"/>
+                      <a:endParaRPr lang="ko-KR" altLang="en-US" dirty="0"/>
+                    </a:p>
+                  </a:txBody>
+                  <a:tcPr>
+                    <a:lnR w="12700" cap="flat" cmpd="sng" algn="ctr">
+                      <a:solidFill>
+                        <a:schemeClr val="tx1"/>
+                      </a:solidFill>
+                      <a:prstDash val="solid"/>
+                      <a:round/>
+                      <a:headEnd type="none" w="med" len="med"/>
+                      <a:tailEnd type="none" w="med" len="med"/>
+                    </a:lnR>
+                    <a:lnT w="12700" cap="flat" cmpd="sng" algn="ctr">
+                      <a:solidFill>
+                        <a:schemeClr val="tx1"/>
+                      </a:solidFill>
+                      <a:prstDash val="solid"/>
+                      <a:round/>
+                      <a:headEnd type="none" w="med" len="med"/>
+                      <a:tailEnd type="none" w="med" len="med"/>
+                    </a:lnT>
+                    <a:solidFill>
+                      <a:schemeClr val="tx1"/>
+                    </a:solidFill>
+                  </a:tcPr>
+                </a:tc>
+              </a:tr>
+              <a:tr h="895773">
+                <a:tc>
+                  <a:txBody>
+                    <a:bodyPr/>
+                    <a:lstStyle/>
+                    <a:p>
+                      <a:pPr latinLnBrk="1"/>
+                      <a:endParaRPr lang="ko-KR" altLang="en-US" dirty="0"/>
+                    </a:p>
+                  </a:txBody>
+                  <a:tcPr>
+                    <a:lnL w="12700" cap="flat" cmpd="sng" algn="ctr">
+                      <a:solidFill>
+                        <a:schemeClr val="tx1"/>
+                      </a:solidFill>
+                      <a:prstDash val="solid"/>
+                      <a:round/>
+                      <a:headEnd type="none" w="med" len="med"/>
+                      <a:tailEnd type="none" w="med" len="med"/>
+                    </a:lnL>
+                    <a:solidFill>
+                      <a:schemeClr val="bg1"/>
+                    </a:solidFill>
+                  </a:tcPr>
+                </a:tc>
+                <a:tc>
+                  <a:txBody>
+                    <a:bodyPr/>
+                    <a:lstStyle/>
+                    <a:p>
+                      <a:pPr latinLnBrk="1"/>
+                      <a:endParaRPr lang="ko-KR" altLang="en-US" sz="1800" kern="1200" dirty="0">
+                        <a:solidFill>
+                          <a:schemeClr val="dk1"/>
+                        </a:solidFill>
+                        <a:latin typeface="+mn-lt"/>
+                        <a:ea typeface="+mn-ea"/>
+                        <a:cs typeface="+mn-cs"/>
+                      </a:endParaRPr>
+                    </a:p>
+                  </a:txBody>
+                  <a:tcPr>
+                    <a:solidFill>
+                      <a:schemeClr val="tx1"/>
+                    </a:solidFill>
+                  </a:tcPr>
+                </a:tc>
+                <a:tc>
+                  <a:txBody>
+                    <a:bodyPr/>
+                    <a:lstStyle/>
+                    <a:p>
+                      <a:pPr latinLnBrk="1"/>
+                      <a:endParaRPr lang="ko-KR" altLang="en-US" dirty="0"/>
+                    </a:p>
+                  </a:txBody>
+                  <a:tcPr>
+                    <a:solidFill>
+                      <a:schemeClr val="bg1"/>
+                    </a:solidFill>
+                  </a:tcPr>
+                </a:tc>
+                <a:tc>
+                  <a:txBody>
+                    <a:bodyPr/>
+                    <a:lstStyle/>
+                    <a:p>
+                      <a:pPr latinLnBrk="1"/>
+                      <a:endParaRPr lang="ko-KR" altLang="en-US" dirty="0"/>
+                    </a:p>
+                  </a:txBody>
+                  <a:tcPr>
+                    <a:solidFill>
+                      <a:schemeClr val="tx1"/>
+                    </a:solidFill>
+                  </a:tcPr>
+                </a:tc>
+                <a:tc>
+                  <a:txBody>
+                    <a:bodyPr/>
+                    <a:lstStyle/>
+                    <a:p>
+                      <a:pPr latinLnBrk="1"/>
+                      <a:endParaRPr lang="ko-KR" altLang="en-US" dirty="0"/>
+                    </a:p>
+                  </a:txBody>
+                  <a:tcPr>
+                    <a:lnR w="12700" cap="flat" cmpd="sng" algn="ctr">
+                      <a:solidFill>
+                        <a:schemeClr val="tx1"/>
+                      </a:solidFill>
+                      <a:prstDash val="solid"/>
+                      <a:round/>
+                      <a:headEnd type="none" w="med" len="med"/>
+                      <a:tailEnd type="none" w="med" len="med"/>
+                    </a:lnR>
+                    <a:solidFill>
+                      <a:schemeClr val="bg1"/>
+                    </a:solidFill>
+                  </a:tcPr>
+                </a:tc>
+              </a:tr>
+              <a:tr h="895773">
+                <a:tc>
+                  <a:txBody>
+                    <a:bodyPr/>
+                    <a:lstStyle/>
+                    <a:p>
+                      <a:pPr latinLnBrk="1"/>
+                      <a:endParaRPr lang="ko-KR" altLang="en-US" dirty="0"/>
+                    </a:p>
+                  </a:txBody>
+                  <a:tcPr>
+                    <a:lnL w="12700" cap="flat" cmpd="sng" algn="ctr">
+                      <a:solidFill>
+                        <a:schemeClr val="tx1"/>
+                      </a:solidFill>
+                      <a:prstDash val="solid"/>
+                      <a:round/>
+                      <a:headEnd type="none" w="med" len="med"/>
+                      <a:tailEnd type="none" w="med" len="med"/>
+                    </a:lnL>
+                    <a:solidFill>
+                      <a:schemeClr val="tx1"/>
+                    </a:solidFill>
+                  </a:tcPr>
+                </a:tc>
+                <a:tc>
+                  <a:txBody>
+                    <a:bodyPr/>
+                    <a:lstStyle/>
+                    <a:p>
+                      <a:pPr latinLnBrk="1"/>
+                      <a:endParaRPr lang="ko-KR" altLang="en-US" dirty="0"/>
+                    </a:p>
+                  </a:txBody>
+                  <a:tcPr>
+                    <a:solidFill>
+                      <a:schemeClr val="bg1"/>
+                    </a:solidFill>
+                  </a:tcPr>
+                </a:tc>
+                <a:tc>
+                  <a:txBody>
+                    <a:bodyPr/>
+                    <a:lstStyle/>
+                    <a:p>
+                      <a:pPr latinLnBrk="1"/>
+                      <a:endParaRPr lang="ko-KR" altLang="en-US" dirty="0"/>
+                    </a:p>
+                  </a:txBody>
+                  <a:tcPr>
+                    <a:solidFill>
+                      <a:schemeClr val="tx1"/>
+                    </a:solidFill>
+                  </a:tcPr>
+                </a:tc>
+                <a:tc>
+                  <a:txBody>
+                    <a:bodyPr/>
+                    <a:lstStyle/>
+                    <a:p>
+                      <a:pPr latinLnBrk="1"/>
+                      <a:endParaRPr lang="ko-KR" altLang="en-US" dirty="0"/>
+                    </a:p>
+                  </a:txBody>
+                  <a:tcPr>
+                    <a:solidFill>
+                      <a:schemeClr val="bg1"/>
+                    </a:solidFill>
+                  </a:tcPr>
+                </a:tc>
+                <a:tc>
+                  <a:txBody>
+                    <a:bodyPr/>
+                    <a:lstStyle/>
+                    <a:p>
+                      <a:pPr latinLnBrk="1"/>
+                      <a:endParaRPr lang="ko-KR" altLang="en-US" dirty="0"/>
+                    </a:p>
+                  </a:txBody>
+                  <a:tcPr>
+                    <a:lnR w="12700" cap="flat" cmpd="sng" algn="ctr">
+                      <a:solidFill>
+                        <a:schemeClr val="tx1"/>
+                      </a:solidFill>
+                      <a:prstDash val="solid"/>
+                      <a:round/>
+                      <a:headEnd type="none" w="med" len="med"/>
+                      <a:tailEnd type="none" w="med" len="med"/>
+                    </a:lnR>
+                    <a:solidFill>
+                      <a:schemeClr val="tx1"/>
+                    </a:solidFill>
+                  </a:tcPr>
+                </a:tc>
+              </a:tr>
+              <a:tr h="895773">
+                <a:tc>
+                  <a:txBody>
+                    <a:bodyPr/>
+                    <a:lstStyle/>
+                    <a:p>
+                      <a:pPr latinLnBrk="1"/>
+                      <a:endParaRPr lang="ko-KR" altLang="en-US" dirty="0"/>
+                    </a:p>
+                  </a:txBody>
+                  <a:tcPr>
+                    <a:lnL w="12700" cap="flat" cmpd="sng" algn="ctr">
+                      <a:solidFill>
+                        <a:schemeClr val="tx1"/>
+                      </a:solidFill>
+                      <a:prstDash val="solid"/>
+                      <a:round/>
+                      <a:headEnd type="none" w="med" len="med"/>
+                      <a:tailEnd type="none" w="med" len="med"/>
+                    </a:lnL>
+                    <a:solidFill>
+                      <a:schemeClr val="bg1"/>
+                    </a:solidFill>
+                  </a:tcPr>
+                </a:tc>
+                <a:tc>
+                  <a:txBody>
+                    <a:bodyPr/>
+                    <a:lstStyle/>
+                    <a:p>
+                      <a:pPr latinLnBrk="1"/>
+                      <a:endParaRPr lang="ko-KR" altLang="en-US" dirty="0"/>
+                    </a:p>
+                  </a:txBody>
+                  <a:tcPr>
+                    <a:solidFill>
+                      <a:schemeClr val="tx1"/>
+                    </a:solidFill>
+                  </a:tcPr>
+                </a:tc>
+                <a:tc>
+                  <a:txBody>
+                    <a:bodyPr/>
+                    <a:lstStyle/>
+                    <a:p>
+                      <a:pPr latinLnBrk="1"/>
+                      <a:endParaRPr lang="ko-KR" altLang="en-US" dirty="0"/>
+                    </a:p>
+                  </a:txBody>
+                  <a:tcPr>
+                    <a:solidFill>
+                      <a:schemeClr val="bg1"/>
+                    </a:solidFill>
+                  </a:tcPr>
+                </a:tc>
+                <a:tc>
+                  <a:txBody>
+                    <a:bodyPr/>
+                    <a:lstStyle/>
+                    <a:p>
+                      <a:pPr latinLnBrk="1"/>
+                      <a:endParaRPr lang="ko-KR" altLang="en-US" dirty="0"/>
+                    </a:p>
+                  </a:txBody>
+                  <a:tcPr>
+                    <a:solidFill>
+                      <a:schemeClr val="tx1"/>
+                    </a:solidFill>
+                  </a:tcPr>
+                </a:tc>
+                <a:tc>
+                  <a:txBody>
+                    <a:bodyPr/>
+                    <a:lstStyle/>
+                    <a:p>
+                      <a:pPr latinLnBrk="1"/>
+                      <a:endParaRPr lang="ko-KR" altLang="en-US" dirty="0"/>
+                    </a:p>
+                  </a:txBody>
+                  <a:tcPr>
+                    <a:lnR w="12700" cap="flat" cmpd="sng" algn="ctr">
+                      <a:solidFill>
+                        <a:schemeClr val="tx1"/>
+                      </a:solidFill>
+                      <a:prstDash val="solid"/>
+                      <a:round/>
+                      <a:headEnd type="none" w="med" len="med"/>
+                      <a:tailEnd type="none" w="med" len="med"/>
+                    </a:lnR>
+                    <a:solidFill>
+                      <a:schemeClr val="bg1"/>
+                    </a:solidFill>
+                  </a:tcPr>
+                </a:tc>
+              </a:tr>
+              <a:tr h="895773">
+                <a:tc>
+                  <a:txBody>
+                    <a:bodyPr/>
+                    <a:lstStyle/>
+                    <a:p>
+                      <a:pPr latinLnBrk="1"/>
+                      <a:endParaRPr lang="ko-KR" altLang="en-US" dirty="0"/>
+                    </a:p>
+                  </a:txBody>
+                  <a:tcPr>
+                    <a:lnL w="12700" cap="flat" cmpd="sng" algn="ctr">
+                      <a:solidFill>
+                        <a:schemeClr val="tx1"/>
+                      </a:solidFill>
+                      <a:prstDash val="solid"/>
+                      <a:round/>
+                      <a:headEnd type="none" w="med" len="med"/>
+                      <a:tailEnd type="none" w="med" len="med"/>
+                    </a:lnL>
+                    <a:lnB w="12700" cap="flat" cmpd="sng" algn="ctr">
+                      <a:solidFill>
+                        <a:schemeClr val="tx1"/>
+                      </a:solidFill>
+                      <a:prstDash val="solid"/>
+                      <a:round/>
+                      <a:headEnd type="none" w="med" len="med"/>
+                      <a:tailEnd type="none" w="med" len="med"/>
+                    </a:lnB>
+                    <a:solidFill>
+                      <a:schemeClr val="tx1"/>
+                    </a:solidFill>
+                  </a:tcPr>
+                </a:tc>
+                <a:tc>
+                  <a:txBody>
+                    <a:bodyPr/>
+                    <a:lstStyle/>
+                    <a:p>
+                      <a:pPr latinLnBrk="1"/>
+                      <a:endParaRPr lang="ko-KR" altLang="en-US" dirty="0"/>
+                    </a:p>
+                  </a:txBody>
+                  <a:tcPr>
+                    <a:lnB w="12700" cap="flat" cmpd="sng" algn="ctr">
+                      <a:solidFill>
+                        <a:schemeClr val="tx1"/>
+                      </a:solidFill>
+                      <a:prstDash val="solid"/>
+                      <a:round/>
+                      <a:headEnd type="none" w="med" len="med"/>
+                      <a:tailEnd type="none" w="med" len="med"/>
+                    </a:lnB>
+                    <a:solidFill>
+                      <a:schemeClr val="bg1"/>
+                    </a:solidFill>
+                  </a:tcPr>
+                </a:tc>
+                <a:tc>
+                  <a:txBody>
+                    <a:bodyPr/>
+                    <a:lstStyle/>
+                    <a:p>
+                      <a:pPr latinLnBrk="1"/>
+                      <a:endParaRPr lang="ko-KR" altLang="en-US" dirty="0"/>
+                    </a:p>
+                  </a:txBody>
+                  <a:tcPr>
+                    <a:lnB w="12700" cap="flat" cmpd="sng" algn="ctr">
+                      <a:solidFill>
+                        <a:schemeClr val="tx1"/>
+                      </a:solidFill>
+                      <a:prstDash val="solid"/>
+                      <a:round/>
+                      <a:headEnd type="none" w="med" len="med"/>
+                      <a:tailEnd type="none" w="med" len="med"/>
+                    </a:lnB>
+                    <a:solidFill>
+                      <a:schemeClr val="tx1"/>
+                    </a:solidFill>
+                  </a:tcPr>
+                </a:tc>
+                <a:tc>
+                  <a:txBody>
+                    <a:bodyPr/>
+                    <a:lstStyle/>
+                    <a:p>
+                      <a:pPr latinLnBrk="1"/>
+                      <a:endParaRPr lang="ko-KR" altLang="en-US" dirty="0"/>
+                    </a:p>
+                  </a:txBody>
+                  <a:tcPr>
+                    <a:lnB w="12700" cap="flat" cmpd="sng" algn="ctr">
+                      <a:solidFill>
+                        <a:schemeClr val="tx1"/>
+                      </a:solidFill>
+                      <a:prstDash val="solid"/>
+                      <a:round/>
+                      <a:headEnd type="none" w="med" len="med"/>
+                      <a:tailEnd type="none" w="med" len="med"/>
+                    </a:lnB>
+                    <a:solidFill>
+                      <a:schemeClr val="bg1"/>
+                    </a:solidFill>
+                  </a:tcPr>
+                </a:tc>
+                <a:tc>
+                  <a:txBody>
+                    <a:bodyPr/>
+                    <a:lstStyle/>
+                    <a:p>
+                      <a:pPr latinLnBrk="1"/>
+                      <a:endParaRPr lang="ko-KR" altLang="en-US" dirty="0"/>
+                    </a:p>
+                  </a:txBody>
+                  <a:tcPr>
+                    <a:lnR w="12700" cap="flat" cmpd="sng" algn="ctr">
+                      <a:solidFill>
+                        <a:schemeClr val="tx1"/>
+                      </a:solidFill>
+                      <a:prstDash val="solid"/>
+                      <a:round/>
+                      <a:headEnd type="none" w="med" len="med"/>
+                      <a:tailEnd type="none" w="med" len="med"/>
+                    </a:lnR>
+                    <a:lnB w="12700" cap="flat" cmpd="sng" algn="ctr">
+                      <a:solidFill>
+                        <a:schemeClr val="tx1"/>
+                      </a:solidFill>
+                      <a:prstDash val="solid"/>
+                      <a:round/>
+                      <a:headEnd type="none" w="med" len="med"/>
+                      <a:tailEnd type="none" w="med" len="med"/>
+                    </a:lnB>
+                    <a:solidFill>
+                      <a:schemeClr val="tx1"/>
+                    </a:solidFill>
+                  </a:tcPr>
+                </a:tc>
+              </a:tr>
+            </a:tbl>
+          </a:graphicData>
+        </a:graphic>
+      </p:graphicFrame>
+      <p:graphicFrame>
+        <p:nvGraphicFramePr>
+          <p:cNvPr id="13" name="표 12"/>
+          <p:cNvGraphicFramePr>
+            <a:graphicFrameLocks noGrp="1"/>
+          </p:cNvGraphicFramePr>
+          <p:nvPr>
+            <p:extLst>
+              <p:ext uri="{D42A27DB-BD31-4B8C-83A1-F6EECF244321}">
+                <p14:modId xmlns:p14="http://schemas.microsoft.com/office/powerpoint/2010/main" val="3825514169"/>
+              </p:ext>
+            </p:extLst>
+          </p:nvPr>
+        </p:nvGraphicFramePr>
+        <p:xfrm>
+          <a:off x="1057894" y="812572"/>
+          <a:ext cx="1312334" cy="503542"/>
+        </p:xfrm>
+        <a:graphic>
+          <a:graphicData uri="http://schemas.openxmlformats.org/drawingml/2006/table">
+            <a:tbl>
+              <a:tblPr firstRow="1" bandRow="1">
+                <a:tableStyleId>{5C22544A-7EE6-4342-B048-85BDC9FD1C3A}</a:tableStyleId>
+              </a:tblPr>
+              <a:tblGrid>
+                <a:gridCol w="656167"/>
+                <a:gridCol w="656167"/>
+              </a:tblGrid>
+              <a:tr h="251771">
+                <a:tc>
+                  <a:txBody>
+                    <a:bodyPr/>
+                    <a:lstStyle/>
+                    <a:p>
+                      <a:pPr algn="ctr" latinLnBrk="1"/>
+                      <a:r>
+                        <a:rPr lang="ko-KR" altLang="en-US" sz="1050" dirty="0" smtClean="0"/>
+                        <a:t>계급</a:t>
+                      </a:r>
+                      <a:endParaRPr lang="ko-KR" altLang="en-US" sz="1050" dirty="0"/>
+                    </a:p>
+                  </a:txBody>
+                  <a:tcPr anchor="ctr"/>
+                </a:tc>
+                <a:tc>
+                  <a:txBody>
+                    <a:bodyPr/>
+                    <a:lstStyle/>
+                    <a:p>
+                      <a:pPr algn="ctr" latinLnBrk="1"/>
+                      <a:r>
+                        <a:rPr lang="ko-KR" altLang="en-US" sz="1050" dirty="0" err="1" smtClean="0"/>
+                        <a:t>실버</a:t>
+                      </a:r>
+                      <a:r>
+                        <a:rPr lang="ko-KR" altLang="en-US" sz="1050" dirty="0" smtClean="0"/>
+                        <a:t> </a:t>
+                      </a:r>
+                      <a:r>
+                        <a:rPr lang="en-US" altLang="ko-KR" sz="1050" dirty="0" smtClean="0"/>
+                        <a:t>3</a:t>
+                      </a:r>
+                      <a:endParaRPr lang="ko-KR" altLang="en-US" sz="1050" dirty="0"/>
+                    </a:p>
+                  </a:txBody>
+                  <a:tcPr anchor="ctr"/>
+                </a:tc>
+              </a:tr>
+              <a:tr h="251771">
+                <a:tc>
+                  <a:txBody>
+                    <a:bodyPr/>
+                    <a:lstStyle/>
+                    <a:p>
+                      <a:pPr algn="ctr" latinLnBrk="1"/>
+                      <a:r>
+                        <a:rPr lang="ko-KR" altLang="en-US" sz="1050" dirty="0" smtClean="0"/>
+                        <a:t>점수</a:t>
+                      </a:r>
+                      <a:endParaRPr lang="ko-KR" altLang="en-US" sz="1050" dirty="0"/>
+                    </a:p>
+                  </a:txBody>
+                  <a:tcPr anchor="ctr"/>
+                </a:tc>
+                <a:tc>
+                  <a:txBody>
+                    <a:bodyPr/>
+                    <a:lstStyle/>
+                    <a:p>
+                      <a:pPr algn="ctr" latinLnBrk="1"/>
+                      <a:r>
+                        <a:rPr lang="en-US" altLang="ko-KR" sz="1050" dirty="0" smtClean="0"/>
+                        <a:t>1245</a:t>
+                      </a:r>
+                      <a:endParaRPr lang="ko-KR" altLang="en-US" sz="1050" dirty="0"/>
+                    </a:p>
+                  </a:txBody>
+                  <a:tcPr anchor="ctr"/>
+                </a:tc>
+              </a:tr>
+            </a:tbl>
+          </a:graphicData>
+        </a:graphic>
+      </p:graphicFrame>
+      <p:graphicFrame>
+        <p:nvGraphicFramePr>
+          <p:cNvPr id="14" name="표 13"/>
+          <p:cNvGraphicFramePr>
+            <a:graphicFrameLocks noGrp="1"/>
+          </p:cNvGraphicFramePr>
+          <p:nvPr>
+            <p:extLst>
+              <p:ext uri="{D42A27DB-BD31-4B8C-83A1-F6EECF244321}">
+                <p14:modId xmlns:p14="http://schemas.microsoft.com/office/powerpoint/2010/main" val="3839663812"/>
+              </p:ext>
+            </p:extLst>
+          </p:nvPr>
+        </p:nvGraphicFramePr>
+        <p:xfrm>
+          <a:off x="4191001" y="850786"/>
+          <a:ext cx="1312334" cy="503542"/>
+        </p:xfrm>
+        <a:graphic>
+          <a:graphicData uri="http://schemas.openxmlformats.org/drawingml/2006/table">
+            <a:tbl>
+              <a:tblPr firstRow="1" bandRow="1">
+                <a:tableStyleId>{5C22544A-7EE6-4342-B048-85BDC9FD1C3A}</a:tableStyleId>
+              </a:tblPr>
+              <a:tblGrid>
+                <a:gridCol w="656167"/>
+                <a:gridCol w="656167"/>
+              </a:tblGrid>
+              <a:tr h="251771">
+                <a:tc>
+                  <a:txBody>
+                    <a:bodyPr/>
+                    <a:lstStyle/>
+                    <a:p>
+                      <a:pPr algn="ctr" latinLnBrk="1"/>
+                      <a:r>
+                        <a:rPr lang="ko-KR" altLang="en-US" sz="1050" dirty="0" smtClean="0"/>
+                        <a:t>계급</a:t>
+                      </a:r>
+                      <a:endParaRPr lang="ko-KR" altLang="en-US" sz="1050" dirty="0"/>
+                    </a:p>
+                  </a:txBody>
+                  <a:tcPr anchor="ctr"/>
+                </a:tc>
+                <a:tc>
+                  <a:txBody>
+                    <a:bodyPr/>
+                    <a:lstStyle/>
+                    <a:p>
+                      <a:pPr algn="ctr" latinLnBrk="1"/>
+                      <a:r>
+                        <a:rPr lang="ko-KR" altLang="en-US" sz="1050" dirty="0" err="1" smtClean="0"/>
+                        <a:t>실버</a:t>
+                      </a:r>
+                      <a:r>
+                        <a:rPr lang="ko-KR" altLang="en-US" sz="1050" dirty="0" smtClean="0"/>
+                        <a:t> </a:t>
+                      </a:r>
+                      <a:r>
+                        <a:rPr lang="en-US" altLang="ko-KR" sz="1050" dirty="0" smtClean="0"/>
+                        <a:t>3</a:t>
+                      </a:r>
+                      <a:endParaRPr lang="ko-KR" altLang="en-US" sz="1050" dirty="0"/>
+                    </a:p>
+                  </a:txBody>
+                  <a:tcPr anchor="ctr"/>
+                </a:tc>
+              </a:tr>
+              <a:tr h="251771">
+                <a:tc>
+                  <a:txBody>
+                    <a:bodyPr/>
+                    <a:lstStyle/>
+                    <a:p>
+                      <a:pPr algn="ctr" latinLnBrk="1"/>
+                      <a:r>
+                        <a:rPr lang="ko-KR" altLang="en-US" sz="1050" dirty="0" smtClean="0"/>
+                        <a:t>점수</a:t>
+                      </a:r>
+                      <a:endParaRPr lang="ko-KR" altLang="en-US" sz="1050" dirty="0"/>
+                    </a:p>
+                  </a:txBody>
+                  <a:tcPr anchor="ctr"/>
+                </a:tc>
+                <a:tc>
+                  <a:txBody>
+                    <a:bodyPr/>
+                    <a:lstStyle/>
+                    <a:p>
+                      <a:pPr algn="ctr" latinLnBrk="1"/>
+                      <a:r>
+                        <a:rPr lang="en-US" altLang="ko-KR" sz="1050" dirty="0" smtClean="0"/>
+                        <a:t>1245</a:t>
+                      </a:r>
+                      <a:endParaRPr lang="ko-KR" altLang="en-US" sz="1050" dirty="0"/>
+                    </a:p>
+                  </a:txBody>
+                  <a:tcPr anchor="ctr"/>
+                </a:tc>
+              </a:tr>
+            </a:tbl>
+          </a:graphicData>
+        </a:graphic>
+      </p:graphicFrame>
+      <p:grpSp>
+        <p:nvGrpSpPr>
+          <p:cNvPr id="9" name="그룹 8"/>
+          <p:cNvGrpSpPr/>
+          <p:nvPr/>
+        </p:nvGrpSpPr>
+        <p:grpSpPr>
+          <a:xfrm>
+            <a:off x="3007838" y="626529"/>
+            <a:ext cx="537524" cy="537524"/>
+            <a:chOff x="3007838" y="313263"/>
+            <a:chExt cx="537524" cy="537524"/>
+          </a:xfrm>
+        </p:grpSpPr>
+        <p:sp>
+          <p:nvSpPr>
+            <p:cNvPr id="16" name="타원 15"/>
+            <p:cNvSpPr/>
+            <p:nvPr/>
+          </p:nvSpPr>
+          <p:spPr>
+            <a:xfrm>
+              <a:off x="3007838" y="313263"/>
+              <a:ext cx="537524" cy="537524"/>
+            </a:xfrm>
+            <a:prstGeom prst="ellipse">
+              <a:avLst/>
+            </a:prstGeom>
+          </p:spPr>
+          <p:style>
+            <a:lnRef idx="2">
+              <a:schemeClr val="accent1">
+                <a:shade val="50000"/>
+              </a:schemeClr>
+            </a:lnRef>
+            <a:fillRef idx="1">
+              <a:schemeClr val="accent1"/>
+            </a:fillRef>
+            <a:effectRef idx="0">
+              <a:schemeClr val="accent1"/>
+            </a:effectRef>
+            <a:fontRef idx="minor">
+              <a:schemeClr val="lt1"/>
+            </a:fontRef>
+          </p:style>
+          <p:txBody>
+            <a:bodyPr rtlCol="0" anchor="ctr"/>
+            <a:lstStyle/>
+            <a:p>
+              <a:pPr algn="ctr"/>
+              <a:endParaRPr lang="ko-KR" altLang="en-US" sz="700" dirty="0"/>
+            </a:p>
+          </p:txBody>
+        </p:sp>
+        <p:sp>
+          <p:nvSpPr>
+            <p:cNvPr id="6" name="TextBox 5"/>
+            <p:cNvSpPr txBox="1"/>
+            <p:nvPr/>
+          </p:nvSpPr>
+          <p:spPr>
+            <a:xfrm>
+              <a:off x="3036889" y="443525"/>
+              <a:ext cx="508473" cy="276999"/>
+            </a:xfrm>
+            <a:prstGeom prst="rect">
+              <a:avLst/>
+            </a:prstGeom>
+            <a:noFill/>
+          </p:spPr>
+          <p:txBody>
+            <a:bodyPr wrap="none" rtlCol="0">
+              <a:spAutoFit/>
+            </a:bodyPr>
+            <a:lstStyle/>
+            <a:p>
+              <a:r>
+                <a:rPr lang="en-US" altLang="ko-KR" sz="1200" dirty="0" smtClean="0"/>
+                <a:t>15</a:t>
+              </a:r>
+              <a:r>
+                <a:rPr lang="ko-KR" altLang="en-US" sz="1200" dirty="0" smtClean="0"/>
+                <a:t>초</a:t>
+              </a:r>
+              <a:endParaRPr lang="ko-KR" altLang="en-US" sz="1200" dirty="0"/>
+            </a:p>
+          </p:txBody>
+        </p:sp>
+      </p:grpSp>
+      <p:sp>
+        <p:nvSpPr>
+          <p:cNvPr id="8" name="TextBox 7"/>
+          <p:cNvSpPr txBox="1"/>
+          <p:nvPr/>
+        </p:nvSpPr>
+        <p:spPr>
+          <a:xfrm>
+            <a:off x="1134534" y="5283201"/>
+            <a:ext cx="671209" cy="369332"/>
+          </a:xfrm>
+          <a:prstGeom prst="rect">
+            <a:avLst/>
+          </a:prstGeom>
+          <a:noFill/>
+        </p:spPr>
+        <p:txBody>
+          <a:bodyPr wrap="none" rtlCol="0">
+            <a:spAutoFit/>
+          </a:bodyPr>
+          <a:lstStyle/>
+          <a:p>
+            <a:r>
+              <a:rPr lang="en-US" altLang="ko-KR" dirty="0" smtClean="0">
+                <a:solidFill>
+                  <a:schemeClr val="bg1"/>
+                </a:solidFill>
+              </a:rPr>
+              <a:t>Start</a:t>
+            </a:r>
+            <a:endParaRPr lang="ko-KR" altLang="en-US" dirty="0">
+              <a:solidFill>
+                <a:schemeClr val="bg1"/>
+              </a:solidFill>
+            </a:endParaRPr>
+          </a:p>
+        </p:txBody>
+      </p:sp>
+      <p:sp>
+        <p:nvSpPr>
+          <p:cNvPr id="18" name="TextBox 17"/>
+          <p:cNvSpPr txBox="1"/>
+          <p:nvPr/>
+        </p:nvSpPr>
+        <p:spPr>
+          <a:xfrm>
+            <a:off x="4733305" y="1676401"/>
+            <a:ext cx="657488" cy="369332"/>
+          </a:xfrm>
+          <a:prstGeom prst="rect">
+            <a:avLst/>
+          </a:prstGeom>
+          <a:noFill/>
+        </p:spPr>
+        <p:txBody>
+          <a:bodyPr wrap="none" rtlCol="0">
+            <a:spAutoFit/>
+          </a:bodyPr>
+          <a:lstStyle/>
+          <a:p>
+            <a:r>
+              <a:rPr lang="en-US" altLang="ko-KR" dirty="0" smtClean="0">
+                <a:solidFill>
+                  <a:schemeClr val="bg1"/>
+                </a:solidFill>
+              </a:rPr>
+              <a:t>Goal</a:t>
+            </a:r>
+            <a:endParaRPr lang="ko-KR" altLang="en-US" dirty="0">
+              <a:solidFill>
+                <a:schemeClr val="bg1"/>
+              </a:solidFill>
+            </a:endParaRPr>
+          </a:p>
+        </p:txBody>
+      </p:sp>
+      <p:sp>
+        <p:nvSpPr>
+          <p:cNvPr id="19" name="TextBox 18"/>
+          <p:cNvSpPr txBox="1"/>
+          <p:nvPr/>
+        </p:nvSpPr>
+        <p:spPr>
+          <a:xfrm>
+            <a:off x="4733305" y="5283201"/>
+            <a:ext cx="671209" cy="369332"/>
+          </a:xfrm>
+          <a:prstGeom prst="rect">
+            <a:avLst/>
+          </a:prstGeom>
+          <a:noFill/>
+        </p:spPr>
+        <p:txBody>
+          <a:bodyPr wrap="none" rtlCol="0">
+            <a:spAutoFit/>
+          </a:bodyPr>
+          <a:lstStyle/>
+          <a:p>
+            <a:r>
+              <a:rPr lang="en-US" altLang="ko-KR" dirty="0" smtClean="0">
+                <a:solidFill>
+                  <a:schemeClr val="bg1"/>
+                </a:solidFill>
+              </a:rPr>
+              <a:t>Start</a:t>
+            </a:r>
+            <a:endParaRPr lang="ko-KR" altLang="en-US" dirty="0">
+              <a:solidFill>
+                <a:schemeClr val="bg1"/>
+              </a:solidFill>
+            </a:endParaRPr>
+          </a:p>
+        </p:txBody>
+      </p:sp>
+      <p:sp>
+        <p:nvSpPr>
+          <p:cNvPr id="22" name="TextBox 21"/>
+          <p:cNvSpPr txBox="1"/>
+          <p:nvPr/>
+        </p:nvSpPr>
+        <p:spPr>
+          <a:xfrm>
+            <a:off x="1148255" y="1676401"/>
+            <a:ext cx="657488" cy="369332"/>
+          </a:xfrm>
+          <a:prstGeom prst="rect">
+            <a:avLst/>
+          </a:prstGeom>
+          <a:noFill/>
+        </p:spPr>
+        <p:txBody>
+          <a:bodyPr wrap="none" rtlCol="0">
+            <a:spAutoFit/>
+          </a:bodyPr>
+          <a:lstStyle/>
+          <a:p>
+            <a:r>
+              <a:rPr lang="en-US" altLang="ko-KR" dirty="0" smtClean="0">
+                <a:solidFill>
+                  <a:schemeClr val="bg1"/>
+                </a:solidFill>
+              </a:rPr>
+              <a:t>Goal</a:t>
+            </a:r>
+            <a:endParaRPr lang="ko-KR" altLang="en-US" dirty="0">
+              <a:solidFill>
+                <a:schemeClr val="bg1"/>
+              </a:solidFill>
+            </a:endParaRPr>
+          </a:p>
+        </p:txBody>
+      </p:sp>
+      <p:sp>
+        <p:nvSpPr>
+          <p:cNvPr id="27" name="TextBox 26"/>
+          <p:cNvSpPr txBox="1"/>
+          <p:nvPr/>
+        </p:nvSpPr>
+        <p:spPr>
+          <a:xfrm>
+            <a:off x="999066" y="536996"/>
+            <a:ext cx="1127937" cy="276999"/>
+          </a:xfrm>
+          <a:prstGeom prst="rect">
+            <a:avLst/>
+          </a:prstGeom>
+          <a:noFill/>
+        </p:spPr>
+        <p:txBody>
+          <a:bodyPr wrap="none" rtlCol="0">
+            <a:spAutoFit/>
+          </a:bodyPr>
+          <a:lstStyle/>
+          <a:p>
+            <a:r>
+              <a:rPr lang="en-US" altLang="ko-KR" sz="1200" dirty="0" smtClean="0"/>
+              <a:t>shfksekdrms2</a:t>
+            </a:r>
+            <a:endParaRPr lang="ko-KR" altLang="en-US" sz="1200" dirty="0"/>
+          </a:p>
+        </p:txBody>
+      </p:sp>
+      <p:sp>
+        <p:nvSpPr>
+          <p:cNvPr id="28" name="TextBox 27"/>
+          <p:cNvSpPr txBox="1"/>
+          <p:nvPr/>
+        </p:nvSpPr>
+        <p:spPr>
+          <a:xfrm>
+            <a:off x="4733305" y="579334"/>
+            <a:ext cx="824265" cy="276999"/>
+          </a:xfrm>
+          <a:prstGeom prst="rect">
+            <a:avLst/>
+          </a:prstGeom>
+          <a:noFill/>
+        </p:spPr>
+        <p:txBody>
+          <a:bodyPr wrap="none" rtlCol="0">
+            <a:spAutoFit/>
+          </a:bodyPr>
+          <a:lstStyle/>
+          <a:p>
+            <a:r>
+              <a:rPr lang="en-US" altLang="ko-KR" sz="1200" dirty="0" smtClean="0"/>
+              <a:t>june0313</a:t>
+            </a:r>
+            <a:endParaRPr lang="ko-KR" altLang="en-US" sz="1200" dirty="0"/>
+          </a:p>
+        </p:txBody>
+      </p:sp>
+      <p:grpSp>
+        <p:nvGrpSpPr>
+          <p:cNvPr id="38" name="그룹 37"/>
+          <p:cNvGrpSpPr/>
+          <p:nvPr/>
+        </p:nvGrpSpPr>
+        <p:grpSpPr>
+          <a:xfrm>
+            <a:off x="827185" y="4715791"/>
+            <a:ext cx="614697" cy="832639"/>
+            <a:chOff x="3641927" y="4001840"/>
+            <a:chExt cx="614697" cy="832639"/>
+          </a:xfrm>
+        </p:grpSpPr>
+        <p:grpSp>
+          <p:nvGrpSpPr>
+            <p:cNvPr id="31" name="그룹 30"/>
+            <p:cNvGrpSpPr/>
+            <p:nvPr/>
+          </p:nvGrpSpPr>
+          <p:grpSpPr>
+            <a:xfrm>
+              <a:off x="3641927" y="4001840"/>
+              <a:ext cx="614697" cy="614697"/>
+              <a:chOff x="3701193" y="4021663"/>
+              <a:chExt cx="614697" cy="614697"/>
+            </a:xfrm>
+          </p:grpSpPr>
+          <p:sp>
+            <p:nvSpPr>
+              <p:cNvPr id="26" name="타원 25"/>
+              <p:cNvSpPr/>
+              <p:nvPr/>
+            </p:nvSpPr>
+            <p:spPr>
+              <a:xfrm>
+                <a:off x="3701193" y="4021663"/>
+                <a:ext cx="614697" cy="614697"/>
+              </a:xfrm>
+              <a:prstGeom prst="ellipse">
+                <a:avLst/>
+              </a:prstGeom>
+            </p:spPr>
+            <p:style>
+              <a:lnRef idx="2">
+                <a:schemeClr val="accent1">
+                  <a:shade val="50000"/>
+                </a:schemeClr>
+              </a:lnRef>
+              <a:fillRef idx="1">
+                <a:schemeClr val="accent1"/>
+              </a:fillRef>
+              <a:effectRef idx="0">
+                <a:schemeClr val="accent1"/>
+              </a:effectRef>
+              <a:fontRef idx="minor">
+                <a:schemeClr val="lt1"/>
+              </a:fontRef>
+            </p:style>
+            <p:txBody>
+              <a:bodyPr rtlCol="0" anchor="ctr"/>
+              <a:lstStyle/>
+              <a:p>
+                <a:pPr algn="ctr"/>
+                <a:endParaRPr lang="ko-KR" altLang="en-US" sz="1000" dirty="0"/>
+              </a:p>
+            </p:txBody>
+          </p:sp>
+          <p:sp>
+            <p:nvSpPr>
+              <p:cNvPr id="29" name="TextBox 28"/>
+              <p:cNvSpPr txBox="1"/>
+              <p:nvPr/>
+            </p:nvSpPr>
+            <p:spPr>
+              <a:xfrm>
+                <a:off x="3762319" y="4190511"/>
+                <a:ext cx="492443" cy="276999"/>
+              </a:xfrm>
+              <a:prstGeom prst="rect">
+                <a:avLst/>
+              </a:prstGeom>
+              <a:noFill/>
+            </p:spPr>
+            <p:txBody>
+              <a:bodyPr wrap="none" rtlCol="0">
+                <a:spAutoFit/>
+              </a:bodyPr>
+              <a:lstStyle/>
+              <a:p>
+                <a:r>
+                  <a:rPr lang="ko-KR" altLang="en-US" sz="1200" dirty="0" smtClean="0">
+                    <a:solidFill>
+                      <a:schemeClr val="bg1"/>
+                    </a:solidFill>
+                  </a:rPr>
+                  <a:t>사진</a:t>
+                </a:r>
+                <a:endParaRPr lang="ko-KR" altLang="en-US" sz="1200" dirty="0">
+                  <a:solidFill>
+                    <a:schemeClr val="bg1"/>
+                  </a:solidFill>
+                </a:endParaRPr>
+              </a:p>
+            </p:txBody>
+          </p:sp>
+        </p:grpSp>
+        <p:sp>
+          <p:nvSpPr>
+            <p:cNvPr id="33" name="타원 32"/>
+            <p:cNvSpPr/>
+            <p:nvPr/>
+          </p:nvSpPr>
+          <p:spPr>
+            <a:xfrm>
+              <a:off x="3949274" y="4656183"/>
+              <a:ext cx="171647" cy="79573"/>
+            </a:xfrm>
+            <a:prstGeom prst="ellipse">
+              <a:avLst/>
+            </a:prstGeom>
+          </p:spPr>
+          <p:style>
+            <a:lnRef idx="2">
+              <a:schemeClr val="accent1">
+                <a:shade val="50000"/>
+              </a:schemeClr>
+            </a:lnRef>
+            <a:fillRef idx="1">
+              <a:schemeClr val="accent1"/>
+            </a:fillRef>
+            <a:effectRef idx="0">
+              <a:schemeClr val="accent1"/>
+            </a:effectRef>
+            <a:fontRef idx="minor">
+              <a:schemeClr val="lt1"/>
+            </a:fontRef>
+          </p:style>
+          <p:txBody>
+            <a:bodyPr rtlCol="0" anchor="ctr"/>
+            <a:lstStyle/>
+            <a:p>
+              <a:pPr algn="ctr"/>
+              <a:endParaRPr lang="ko-KR" altLang="en-US"/>
+            </a:p>
+          </p:txBody>
+        </p:sp>
+        <p:sp>
+          <p:nvSpPr>
+            <p:cNvPr id="34" name="타원 33"/>
+            <p:cNvSpPr/>
+            <p:nvPr/>
+          </p:nvSpPr>
+          <p:spPr>
+            <a:xfrm>
+              <a:off x="4101674" y="4788760"/>
+              <a:ext cx="80373" cy="45719"/>
+            </a:xfrm>
+            <a:prstGeom prst="ellipse">
+              <a:avLst/>
+            </a:prstGeom>
+          </p:spPr>
+          <p:style>
+            <a:lnRef idx="2">
+              <a:schemeClr val="accent1">
+                <a:shade val="50000"/>
+              </a:schemeClr>
+            </a:lnRef>
+            <a:fillRef idx="1">
+              <a:schemeClr val="accent1"/>
+            </a:fillRef>
+            <a:effectRef idx="0">
+              <a:schemeClr val="accent1"/>
+            </a:effectRef>
+            <a:fontRef idx="minor">
+              <a:schemeClr val="lt1"/>
+            </a:fontRef>
+          </p:style>
+          <p:txBody>
+            <a:bodyPr rtlCol="0" anchor="ctr"/>
+            <a:lstStyle/>
+            <a:p>
+              <a:pPr algn="ctr"/>
+              <a:endParaRPr lang="ko-KR" altLang="en-US"/>
+            </a:p>
+          </p:txBody>
+        </p:sp>
+      </p:grpSp>
+      <p:grpSp>
+        <p:nvGrpSpPr>
+          <p:cNvPr id="40" name="그룹 39"/>
+          <p:cNvGrpSpPr/>
+          <p:nvPr/>
+        </p:nvGrpSpPr>
+        <p:grpSpPr>
+          <a:xfrm>
+            <a:off x="5068042" y="4787362"/>
+            <a:ext cx="614697" cy="818510"/>
+            <a:chOff x="4182045" y="4019058"/>
+            <a:chExt cx="614697" cy="818510"/>
+          </a:xfrm>
+        </p:grpSpPr>
+        <p:grpSp>
+          <p:nvGrpSpPr>
+            <p:cNvPr id="41" name="그룹 40"/>
+            <p:cNvGrpSpPr/>
+            <p:nvPr/>
+          </p:nvGrpSpPr>
+          <p:grpSpPr>
+            <a:xfrm>
+              <a:off x="4182045" y="4019058"/>
+              <a:ext cx="614697" cy="614697"/>
+              <a:chOff x="4080699" y="4021663"/>
+              <a:chExt cx="614697" cy="614697"/>
+            </a:xfrm>
+          </p:grpSpPr>
+          <p:sp>
+            <p:nvSpPr>
+              <p:cNvPr id="44" name="타원 43"/>
+              <p:cNvSpPr/>
+              <p:nvPr/>
+            </p:nvSpPr>
+            <p:spPr>
+              <a:xfrm>
+                <a:off x="4080699" y="4021663"/>
+                <a:ext cx="614697" cy="614697"/>
+              </a:xfrm>
+              <a:prstGeom prst="ellipse">
+                <a:avLst/>
+              </a:prstGeom>
+            </p:spPr>
+            <p:style>
+              <a:lnRef idx="2">
+                <a:schemeClr val="accent1">
+                  <a:shade val="50000"/>
+                </a:schemeClr>
+              </a:lnRef>
+              <a:fillRef idx="1">
+                <a:schemeClr val="accent1"/>
+              </a:fillRef>
+              <a:effectRef idx="0">
+                <a:schemeClr val="accent1"/>
+              </a:effectRef>
+              <a:fontRef idx="minor">
+                <a:schemeClr val="lt1"/>
+              </a:fontRef>
+            </p:style>
+            <p:txBody>
+              <a:bodyPr rtlCol="0" anchor="ctr"/>
+              <a:lstStyle/>
+              <a:p>
+                <a:pPr algn="ctr"/>
+                <a:endParaRPr lang="ko-KR" altLang="en-US" sz="900" dirty="0"/>
+              </a:p>
+            </p:txBody>
+          </p:sp>
+          <p:sp>
+            <p:nvSpPr>
+              <p:cNvPr id="45" name="TextBox 44"/>
+              <p:cNvSpPr txBox="1"/>
+              <p:nvPr/>
+            </p:nvSpPr>
+            <p:spPr>
+              <a:xfrm>
+                <a:off x="4141825" y="4190511"/>
+                <a:ext cx="492443" cy="276999"/>
+              </a:xfrm>
+              <a:prstGeom prst="rect">
+                <a:avLst/>
+              </a:prstGeom>
+              <a:noFill/>
+            </p:spPr>
+            <p:txBody>
+              <a:bodyPr wrap="none" rtlCol="0">
+                <a:spAutoFit/>
+              </a:bodyPr>
+              <a:lstStyle/>
+              <a:p>
+                <a:r>
+                  <a:rPr lang="ko-KR" altLang="en-US" sz="1200" dirty="0" smtClean="0">
+                    <a:solidFill>
+                      <a:schemeClr val="bg1"/>
+                    </a:solidFill>
+                  </a:rPr>
+                  <a:t>사진</a:t>
+                </a:r>
+                <a:endParaRPr lang="ko-KR" altLang="en-US" sz="1200" dirty="0">
+                  <a:solidFill>
+                    <a:schemeClr val="bg1"/>
+                  </a:solidFill>
+                </a:endParaRPr>
+              </a:p>
+            </p:txBody>
+          </p:sp>
+        </p:grpSp>
+        <p:sp>
+          <p:nvSpPr>
+            <p:cNvPr id="42" name="타원 41"/>
+            <p:cNvSpPr/>
+            <p:nvPr/>
+          </p:nvSpPr>
+          <p:spPr>
+            <a:xfrm>
+              <a:off x="4317745" y="4676005"/>
+              <a:ext cx="171647" cy="79573"/>
+            </a:xfrm>
+            <a:prstGeom prst="ellipse">
+              <a:avLst/>
+            </a:prstGeom>
+          </p:spPr>
+          <p:style>
+            <a:lnRef idx="2">
+              <a:schemeClr val="accent1">
+                <a:shade val="50000"/>
+              </a:schemeClr>
+            </a:lnRef>
+            <a:fillRef idx="1">
+              <a:schemeClr val="accent1"/>
+            </a:fillRef>
+            <a:effectRef idx="0">
+              <a:schemeClr val="accent1"/>
+            </a:effectRef>
+            <a:fontRef idx="minor">
+              <a:schemeClr val="lt1"/>
+            </a:fontRef>
+          </p:style>
+          <p:txBody>
+            <a:bodyPr rtlCol="0" anchor="ctr"/>
+            <a:lstStyle/>
+            <a:p>
+              <a:pPr algn="ctr"/>
+              <a:endParaRPr lang="ko-KR" altLang="en-US"/>
+            </a:p>
+          </p:txBody>
+        </p:sp>
+        <p:sp>
+          <p:nvSpPr>
+            <p:cNvPr id="43" name="타원 42"/>
+            <p:cNvSpPr/>
+            <p:nvPr/>
+          </p:nvSpPr>
+          <p:spPr>
+            <a:xfrm>
+              <a:off x="4252075" y="4791849"/>
+              <a:ext cx="80373" cy="45719"/>
+            </a:xfrm>
+            <a:prstGeom prst="ellipse">
+              <a:avLst/>
+            </a:prstGeom>
+          </p:spPr>
+          <p:style>
+            <a:lnRef idx="2">
+              <a:schemeClr val="accent1">
+                <a:shade val="50000"/>
+              </a:schemeClr>
+            </a:lnRef>
+            <a:fillRef idx="1">
+              <a:schemeClr val="accent1"/>
+            </a:fillRef>
+            <a:effectRef idx="0">
+              <a:schemeClr val="accent1"/>
+            </a:effectRef>
+            <a:fontRef idx="minor">
+              <a:schemeClr val="lt1"/>
+            </a:fontRef>
+          </p:style>
+          <p:txBody>
+            <a:bodyPr rtlCol="0" anchor="ctr"/>
+            <a:lstStyle/>
+            <a:p>
+              <a:pPr algn="ctr"/>
+              <a:endParaRPr lang="ko-KR" altLang="en-US"/>
+            </a:p>
+          </p:txBody>
+        </p:sp>
+      </p:grpSp>
+      <p:sp>
+        <p:nvSpPr>
+          <p:cNvPr id="3" name="모서리가 둥근 직사각형 2"/>
+          <p:cNvSpPr/>
+          <p:nvPr/>
+        </p:nvSpPr>
+        <p:spPr>
+          <a:xfrm>
+            <a:off x="1380754" y="2908139"/>
+            <a:ext cx="1139855" cy="1377616"/>
+          </a:xfrm>
+          <a:prstGeom prst="roundRect">
+            <a:avLst/>
+          </a:prstGeom>
+        </p:spPr>
+        <p:style>
+          <a:lnRef idx="2">
+            <a:schemeClr val="accent1">
+              <a:shade val="50000"/>
+            </a:schemeClr>
+          </a:lnRef>
+          <a:fillRef idx="1">
+            <a:schemeClr val="accent1"/>
+          </a:fillRef>
+          <a:effectRef idx="0">
+            <a:schemeClr val="accent1"/>
+          </a:effectRef>
+          <a:fontRef idx="minor">
+            <a:schemeClr val="lt1"/>
+          </a:fontRef>
+        </p:style>
+        <p:txBody>
+          <a:bodyPr rtlCol="0" anchor="ctr"/>
+          <a:lstStyle/>
+          <a:p>
+            <a:pPr algn="ctr"/>
+            <a:endParaRPr lang="ko-KR" altLang="en-US"/>
+          </a:p>
+        </p:txBody>
+      </p:sp>
+      <p:sp>
+        <p:nvSpPr>
+          <p:cNvPr id="37" name="모서리가 둥근 직사각형 36"/>
+          <p:cNvSpPr/>
+          <p:nvPr/>
+        </p:nvSpPr>
+        <p:spPr>
+          <a:xfrm>
+            <a:off x="4038403" y="2908139"/>
+            <a:ext cx="1139855" cy="1377616"/>
+          </a:xfrm>
+          <a:prstGeom prst="roundRect">
+            <a:avLst/>
+          </a:prstGeom>
+        </p:spPr>
+        <p:style>
+          <a:lnRef idx="2">
+            <a:schemeClr val="accent1">
+              <a:shade val="50000"/>
+            </a:schemeClr>
+          </a:lnRef>
+          <a:fillRef idx="1">
+            <a:schemeClr val="accent1"/>
+          </a:fillRef>
+          <a:effectRef idx="0">
+            <a:schemeClr val="accent1"/>
+          </a:effectRef>
+          <a:fontRef idx="minor">
+            <a:schemeClr val="lt1"/>
+          </a:fontRef>
+        </p:style>
+        <p:txBody>
+          <a:bodyPr rtlCol="0" anchor="ctr"/>
+          <a:lstStyle/>
+          <a:p>
+            <a:pPr algn="ctr"/>
+            <a:endParaRPr lang="ko-KR" altLang="en-US"/>
+          </a:p>
+        </p:txBody>
+      </p:sp>
+      <p:sp>
+        <p:nvSpPr>
+          <p:cNvPr id="46" name="모서리가 둥근 직사각형 45"/>
+          <p:cNvSpPr/>
+          <p:nvPr/>
+        </p:nvSpPr>
+        <p:spPr>
+          <a:xfrm>
+            <a:off x="2721197" y="2908139"/>
+            <a:ext cx="1139855" cy="1377616"/>
+          </a:xfrm>
+          <a:prstGeom prst="roundRect">
+            <a:avLst/>
+          </a:prstGeom>
+        </p:spPr>
+        <p:style>
+          <a:lnRef idx="2">
+            <a:schemeClr val="accent1">
+              <a:shade val="50000"/>
+            </a:schemeClr>
+          </a:lnRef>
+          <a:fillRef idx="1">
+            <a:schemeClr val="accent1"/>
+          </a:fillRef>
+          <a:effectRef idx="0">
+            <a:schemeClr val="accent1"/>
+          </a:effectRef>
+          <a:fontRef idx="minor">
+            <a:schemeClr val="lt1"/>
+          </a:fontRef>
+        </p:style>
+        <p:txBody>
+          <a:bodyPr rtlCol="0" anchor="ctr"/>
+          <a:lstStyle/>
+          <a:p>
+            <a:pPr algn="ctr"/>
+            <a:endParaRPr lang="ko-KR" altLang="en-US"/>
+          </a:p>
+        </p:txBody>
+      </p:sp>
+      <p:sp>
+        <p:nvSpPr>
+          <p:cNvPr id="7" name="TextBox 6"/>
+          <p:cNvSpPr txBox="1"/>
+          <p:nvPr/>
+        </p:nvSpPr>
+        <p:spPr>
+          <a:xfrm>
+            <a:off x="1616979" y="3430821"/>
+            <a:ext cx="646331" cy="369332"/>
+          </a:xfrm>
+          <a:prstGeom prst="rect">
+            <a:avLst/>
+          </a:prstGeom>
+          <a:noFill/>
+        </p:spPr>
+        <p:txBody>
+          <a:bodyPr wrap="none" rtlCol="0">
+            <a:spAutoFit/>
+          </a:bodyPr>
+          <a:lstStyle/>
+          <a:p>
+            <a:r>
+              <a:rPr lang="ko-KR" altLang="en-US" dirty="0" smtClean="0"/>
+              <a:t>가위</a:t>
+            </a:r>
+            <a:endParaRPr lang="ko-KR" altLang="en-US" dirty="0"/>
+          </a:p>
+        </p:txBody>
+      </p:sp>
+      <p:grpSp>
+        <p:nvGrpSpPr>
+          <p:cNvPr id="35" name="그룹 34"/>
+          <p:cNvGrpSpPr/>
+          <p:nvPr/>
+        </p:nvGrpSpPr>
+        <p:grpSpPr>
+          <a:xfrm>
+            <a:off x="2933028" y="2045733"/>
+            <a:ext cx="732143" cy="732143"/>
+            <a:chOff x="3007838" y="313263"/>
+            <a:chExt cx="537524" cy="537524"/>
+          </a:xfrm>
+        </p:grpSpPr>
+        <p:sp>
+          <p:nvSpPr>
+            <p:cNvPr id="36" name="타원 35"/>
+            <p:cNvSpPr/>
+            <p:nvPr/>
+          </p:nvSpPr>
+          <p:spPr>
+            <a:xfrm>
+              <a:off x="3007838" y="313263"/>
+              <a:ext cx="537524" cy="537524"/>
+            </a:xfrm>
+            <a:prstGeom prst="ellipse">
+              <a:avLst/>
+            </a:prstGeom>
+          </p:spPr>
+          <p:style>
+            <a:lnRef idx="2">
+              <a:schemeClr val="accent1">
+                <a:shade val="50000"/>
+              </a:schemeClr>
+            </a:lnRef>
+            <a:fillRef idx="1">
+              <a:schemeClr val="accent1"/>
+            </a:fillRef>
+            <a:effectRef idx="0">
+              <a:schemeClr val="accent1"/>
+            </a:effectRef>
+            <a:fontRef idx="minor">
+              <a:schemeClr val="lt1"/>
+            </a:fontRef>
+          </p:style>
+          <p:txBody>
+            <a:bodyPr rtlCol="0" anchor="ctr"/>
+            <a:lstStyle/>
+            <a:p>
+              <a:pPr algn="ctr"/>
+              <a:endParaRPr lang="ko-KR" altLang="en-US" sz="700" dirty="0"/>
+            </a:p>
+          </p:txBody>
+        </p:sp>
+        <p:sp>
+          <p:nvSpPr>
+            <p:cNvPr id="39" name="TextBox 38"/>
+            <p:cNvSpPr txBox="1"/>
+            <p:nvPr/>
+          </p:nvSpPr>
+          <p:spPr>
+            <a:xfrm>
+              <a:off x="3121848" y="483106"/>
+              <a:ext cx="423514" cy="276999"/>
+            </a:xfrm>
+            <a:prstGeom prst="rect">
+              <a:avLst/>
+            </a:prstGeom>
+            <a:noFill/>
+          </p:spPr>
+          <p:txBody>
+            <a:bodyPr wrap="none" rtlCol="0">
+              <a:spAutoFit/>
+            </a:bodyPr>
+            <a:lstStyle/>
+            <a:p>
+              <a:r>
+                <a:rPr lang="en-US" altLang="ko-KR" sz="1200" dirty="0" smtClean="0"/>
+                <a:t>5</a:t>
+              </a:r>
+              <a:r>
+                <a:rPr lang="ko-KR" altLang="en-US" sz="1200" dirty="0" smtClean="0"/>
+                <a:t>초</a:t>
+              </a:r>
+              <a:endParaRPr lang="ko-KR" altLang="en-US" sz="1200" dirty="0"/>
+            </a:p>
+          </p:txBody>
+        </p:sp>
+      </p:grpSp>
+    </p:spTree>
+    <p:extLst>
+      <p:ext uri="{BB962C8B-B14F-4D97-AF65-F5344CB8AC3E}">
+        <p14:creationId xmlns:p14="http://schemas.microsoft.com/office/powerpoint/2010/main" val="3496331872"/>
+      </p:ext>
+    </p:extLst>
+  </p:cSld>
+  <p:clrMapOvr>
+    <a:masterClrMapping/>
+  </p:clrMapOvr>
+  <p:timing>
+    <p:tnLst>
+      <p:par>
+        <p:cTn id="1" dur="indefinite" restart="never" nodeType="tmRoot"/>
+      </p:par>
+    </p:tnLst>
+  </p:timing>
+</p:sld>
+</file>
+
+<file path=ppt/slides/slide11.xml><?xml version="1.0" encoding="utf-8"?>
+<p:sld xmlns:a="http://schemas.openxmlformats.org/drawingml/2006/main" xmlns:r="http://schemas.openxmlformats.org/officeDocument/2006/relationships" xmlns:p="http://schemas.openxmlformats.org/presentationml/2006/main">
+  <p:cSld>
+    <p:spTree>
+      <p:nvGrpSpPr>
+        <p:cNvPr id="1" name=""/>
+        <p:cNvGrpSpPr/>
+        <p:nvPr/>
+      </p:nvGrpSpPr>
+      <p:grpSpPr>
+        <a:xfrm>
+          <a:off x="0" y="0"/>
+          <a:ext cx="0" cy="0"/>
+          <a:chOff x="0" y="0"/>
+          <a:chExt cx="0" cy="0"/>
+        </a:xfrm>
+      </p:grpSpPr>
+      <p:sp>
+        <p:nvSpPr>
+          <p:cNvPr id="4" name="직사각형 3"/>
+          <p:cNvSpPr/>
+          <p:nvPr/>
+        </p:nvSpPr>
+        <p:spPr>
+          <a:xfrm>
+            <a:off x="863600" y="313263"/>
+            <a:ext cx="4826000" cy="6197600"/>
+          </a:xfrm>
+          <a:prstGeom prst="rect">
+            <a:avLst/>
+          </a:prstGeom>
+          <a:solidFill>
+            <a:schemeClr val="bg1"/>
+          </a:solidFill>
+          <a:ln>
+            <a:solidFill>
+              <a:schemeClr val="tx1"/>
+            </a:solidFill>
+          </a:ln>
+        </p:spPr>
+        <p:style>
+          <a:lnRef idx="2">
+            <a:schemeClr val="accent1">
+              <a:shade val="50000"/>
+            </a:schemeClr>
+          </a:lnRef>
+          <a:fillRef idx="1">
+            <a:schemeClr val="accent1"/>
+          </a:fillRef>
+          <a:effectRef idx="0">
+            <a:schemeClr val="accent1"/>
+          </a:effectRef>
+          <a:fontRef idx="minor">
+            <a:schemeClr val="lt1"/>
+          </a:fontRef>
+        </p:style>
+        <p:txBody>
+          <a:bodyPr rtlCol="0" anchor="ctr"/>
+          <a:lstStyle/>
+          <a:p>
+            <a:pPr algn="ctr"/>
+            <a:endParaRPr lang="ko-KR" altLang="en-US" dirty="0"/>
+          </a:p>
+        </p:txBody>
+      </p:sp>
+      <p:graphicFrame>
+        <p:nvGraphicFramePr>
+          <p:cNvPr id="5" name="표 4"/>
+          <p:cNvGraphicFramePr>
+            <a:graphicFrameLocks noGrp="1"/>
+          </p:cNvGraphicFramePr>
+          <p:nvPr>
+            <p:extLst>
+              <p:ext uri="{D42A27DB-BD31-4B8C-83A1-F6EECF244321}">
                 <p14:modId xmlns:p14="http://schemas.microsoft.com/office/powerpoint/2010/main" val="1172517578"/>
               </p:ext>
             </p:extLst>
@@ -5382,1608 +7356,6 @@
 </p:sld>
 </file>
 
-<file path=ppt/slides/slide11.xml><?xml version="1.0" encoding="utf-8"?>
-<p:sld xmlns:a="http://schemas.openxmlformats.org/drawingml/2006/main" xmlns:r="http://schemas.openxmlformats.org/officeDocument/2006/relationships" xmlns:p="http://schemas.openxmlformats.org/presentationml/2006/main">
-  <p:cSld>
-    <p:spTree>
-      <p:nvGrpSpPr>
-        <p:cNvPr id="1" name=""/>
-        <p:cNvGrpSpPr/>
-        <p:nvPr/>
-      </p:nvGrpSpPr>
-      <p:grpSpPr>
-        <a:xfrm>
-          <a:off x="0" y="0"/>
-          <a:ext cx="0" cy="0"/>
-          <a:chOff x="0" y="0"/>
-          <a:chExt cx="0" cy="0"/>
-        </a:xfrm>
-      </p:grpSpPr>
-      <p:sp>
-        <p:nvSpPr>
-          <p:cNvPr id="4" name="직사각형 3"/>
-          <p:cNvSpPr/>
-          <p:nvPr/>
-        </p:nvSpPr>
-        <p:spPr>
-          <a:xfrm>
-            <a:off x="863600" y="313263"/>
-            <a:ext cx="4826000" cy="6197600"/>
-          </a:xfrm>
-          <a:prstGeom prst="rect">
-            <a:avLst/>
-          </a:prstGeom>
-          <a:solidFill>
-            <a:schemeClr val="bg1"/>
-          </a:solidFill>
-          <a:ln>
-            <a:solidFill>
-              <a:schemeClr val="tx1"/>
-            </a:solidFill>
-          </a:ln>
-        </p:spPr>
-        <p:style>
-          <a:lnRef idx="2">
-            <a:schemeClr val="accent1">
-              <a:shade val="50000"/>
-            </a:schemeClr>
-          </a:lnRef>
-          <a:fillRef idx="1">
-            <a:schemeClr val="accent1"/>
-          </a:fillRef>
-          <a:effectRef idx="0">
-            <a:schemeClr val="accent1"/>
-          </a:effectRef>
-          <a:fontRef idx="minor">
-            <a:schemeClr val="lt1"/>
-          </a:fontRef>
-        </p:style>
-        <p:txBody>
-          <a:bodyPr rtlCol="0" anchor="ctr"/>
-          <a:lstStyle/>
-          <a:p>
-            <a:pPr algn="ctr"/>
-            <a:endParaRPr lang="ko-KR" altLang="en-US" dirty="0"/>
-          </a:p>
-        </p:txBody>
-      </p:sp>
-      <p:graphicFrame>
-        <p:nvGraphicFramePr>
-          <p:cNvPr id="5" name="표 4"/>
-          <p:cNvGraphicFramePr>
-            <a:graphicFrameLocks noGrp="1"/>
-          </p:cNvGraphicFramePr>
-          <p:nvPr>
-            <p:extLst>
-              <p:ext uri="{D42A27DB-BD31-4B8C-83A1-F6EECF244321}">
-                <p14:modId xmlns:p14="http://schemas.microsoft.com/office/powerpoint/2010/main" val="135503863"/>
-              </p:ext>
-            </p:extLst>
-          </p:nvPr>
-        </p:nvGraphicFramePr>
-        <p:xfrm>
-          <a:off x="6392332" y="719664"/>
-          <a:ext cx="4174068" cy="4172772"/>
-        </p:xfrm>
-        <a:graphic>
-          <a:graphicData uri="http://schemas.openxmlformats.org/drawingml/2006/table">
-            <a:tbl>
-              <a:tblPr>
-                <a:tableStyleId>{073A0DAA-6AF3-43AB-8588-CEC1D06C72B9}</a:tableStyleId>
-              </a:tblPr>
-              <a:tblGrid>
-                <a:gridCol w="2087034"/>
-                <a:gridCol w="2087034"/>
-              </a:tblGrid>
-              <a:tr h="732867">
-                <a:tc>
-                  <a:txBody>
-                    <a:bodyPr/>
-                    <a:lstStyle/>
-                    <a:p>
-                      <a:pPr algn="ctr" latinLnBrk="1"/>
-                      <a:r>
-                        <a:rPr lang="ko-KR" altLang="en-US" dirty="0" smtClean="0"/>
-                        <a:t>구분</a:t>
-                      </a:r>
-                      <a:endParaRPr lang="ko-KR" altLang="en-US" dirty="0"/>
-                    </a:p>
-                  </a:txBody>
-                  <a:tcPr anchor="ctr">
-                    <a:solidFill>
-                      <a:schemeClr val="tx1">
-                        <a:lumMod val="50000"/>
-                        <a:lumOff val="50000"/>
-                      </a:schemeClr>
-                    </a:solidFill>
-                  </a:tcPr>
-                </a:tc>
-                <a:tc>
-                  <a:txBody>
-                    <a:bodyPr/>
-                    <a:lstStyle/>
-                    <a:p>
-                      <a:pPr algn="ctr" latinLnBrk="1"/>
-                      <a:r>
-                        <a:rPr lang="ko-KR" altLang="en-US" dirty="0" smtClean="0"/>
-                        <a:t>내용</a:t>
-                      </a:r>
-                      <a:endParaRPr lang="ko-KR" altLang="en-US" dirty="0"/>
-                    </a:p>
-                  </a:txBody>
-                  <a:tcPr anchor="ctr">
-                    <a:solidFill>
-                      <a:schemeClr val="tx1">
-                        <a:lumMod val="50000"/>
-                        <a:lumOff val="50000"/>
-                      </a:schemeClr>
-                    </a:solidFill>
-                  </a:tcPr>
-                </a:tc>
-              </a:tr>
-              <a:tr h="1109049">
-                <a:tc>
-                  <a:txBody>
-                    <a:bodyPr/>
-                    <a:lstStyle/>
-                    <a:p>
-                      <a:pPr algn="ctr" latinLnBrk="1"/>
-                      <a:r>
-                        <a:rPr lang="ko-KR" altLang="en-US" dirty="0" smtClean="0"/>
-                        <a:t>화면 번호</a:t>
-                      </a:r>
-                      <a:r>
-                        <a:rPr lang="en-US" altLang="ko-KR" dirty="0" smtClean="0"/>
-                        <a:t/>
-                      </a:r>
-                      <a:br>
-                        <a:rPr lang="en-US" altLang="ko-KR" dirty="0" smtClean="0"/>
-                      </a:br>
-                      <a:r>
-                        <a:rPr lang="en-US" altLang="ko-KR" dirty="0" smtClean="0"/>
-                        <a:t>(</a:t>
-                      </a:r>
-                      <a:r>
-                        <a:rPr lang="ko-KR" altLang="en-US" dirty="0" smtClean="0"/>
-                        <a:t>랭킹보기</a:t>
-                      </a:r>
-                      <a:r>
-                        <a:rPr lang="en-US" altLang="ko-KR" dirty="0" smtClean="0"/>
-                        <a:t>)</a:t>
-                      </a:r>
-                      <a:endParaRPr lang="ko-KR" altLang="en-US" dirty="0"/>
-                    </a:p>
-                  </a:txBody>
-                  <a:tcPr anchor="ctr"/>
-                </a:tc>
-                <a:tc>
-                  <a:txBody>
-                    <a:bodyPr/>
-                    <a:lstStyle/>
-                    <a:p>
-                      <a:pPr algn="ctr" latinLnBrk="1"/>
-                      <a:r>
-                        <a:rPr lang="en-US" altLang="ko-KR" dirty="0" smtClean="0"/>
-                        <a:t>07-01-01</a:t>
-                      </a:r>
-                      <a:endParaRPr lang="ko-KR" altLang="en-US" dirty="0"/>
-                    </a:p>
-                  </a:txBody>
-                  <a:tcPr anchor="ctr"/>
-                </a:tc>
-              </a:tr>
-              <a:tr h="1165428">
-                <a:tc>
-                  <a:txBody>
-                    <a:bodyPr/>
-                    <a:lstStyle/>
-                    <a:p>
-                      <a:pPr algn="ctr" latinLnBrk="1"/>
-                      <a:r>
-                        <a:rPr lang="en-US" altLang="ko-KR" dirty="0" smtClean="0"/>
-                        <a:t>btn01</a:t>
-                      </a:r>
-                      <a:endParaRPr lang="ko-KR" altLang="en-US" dirty="0"/>
-                    </a:p>
-                  </a:txBody>
-                  <a:tcPr anchor="ctr"/>
-                </a:tc>
-                <a:tc>
-                  <a:txBody>
-                    <a:bodyPr/>
-                    <a:lstStyle/>
-                    <a:p>
-                      <a:pPr algn="ctr" latinLnBrk="1"/>
-                      <a:endParaRPr lang="ko-KR" altLang="en-US" dirty="0"/>
-                    </a:p>
-                  </a:txBody>
-                  <a:tcPr anchor="ctr"/>
-                </a:tc>
-              </a:tr>
-              <a:tr h="1165428">
-                <a:tc>
-                  <a:txBody>
-                    <a:bodyPr/>
-                    <a:lstStyle/>
-                    <a:p>
-                      <a:pPr algn="ctr" latinLnBrk="1"/>
-                      <a:r>
-                        <a:rPr lang="ko-KR" altLang="en-US" dirty="0" smtClean="0"/>
-                        <a:t>스크롤 바</a:t>
-                      </a:r>
-                      <a:endParaRPr lang="ko-KR" altLang="en-US" dirty="0"/>
-                    </a:p>
-                  </a:txBody>
-                  <a:tcPr anchor="ctr"/>
-                </a:tc>
-                <a:tc>
-                  <a:txBody>
-                    <a:bodyPr/>
-                    <a:lstStyle/>
-                    <a:p>
-                      <a:pPr algn="ctr" latinLnBrk="1"/>
-                      <a:r>
-                        <a:rPr lang="ko-KR" altLang="en-US" dirty="0" smtClean="0"/>
-                        <a:t>친구 </a:t>
-                      </a:r>
-                      <a:r>
-                        <a:rPr lang="en-US" altLang="ko-KR" dirty="0" smtClean="0"/>
-                        <a:t>-&gt; </a:t>
-                      </a:r>
-                      <a:r>
-                        <a:rPr lang="ko-KR" altLang="en-US" dirty="0" smtClean="0"/>
-                        <a:t>다 보여</a:t>
-                      </a:r>
-                      <a:endParaRPr lang="en-US" altLang="ko-KR" dirty="0" smtClean="0"/>
-                    </a:p>
-                    <a:p>
-                      <a:pPr algn="ctr" latinLnBrk="1"/>
-                      <a:r>
-                        <a:rPr lang="ko-KR" altLang="en-US" dirty="0" smtClean="0"/>
-                        <a:t>세계 </a:t>
-                      </a:r>
-                      <a:r>
-                        <a:rPr lang="en-US" altLang="ko-KR" dirty="0" smtClean="0"/>
-                        <a:t>-&gt; 100</a:t>
-                      </a:r>
-                      <a:r>
-                        <a:rPr lang="ko-KR" altLang="en-US" dirty="0" smtClean="0"/>
-                        <a:t>위</a:t>
-                      </a:r>
-                      <a:endParaRPr lang="ko-KR" altLang="en-US" dirty="0"/>
-                    </a:p>
-                  </a:txBody>
-                  <a:tcPr anchor="ctr"/>
-                </a:tc>
-              </a:tr>
-            </a:tbl>
-          </a:graphicData>
-        </a:graphic>
-      </p:graphicFrame>
-      <p:sp>
-        <p:nvSpPr>
-          <p:cNvPr id="6" name="모서리가 둥근 직사각형 5"/>
-          <p:cNvSpPr/>
-          <p:nvPr/>
-        </p:nvSpPr>
-        <p:spPr>
-          <a:xfrm>
-            <a:off x="1748364" y="541867"/>
-            <a:ext cx="855134" cy="677334"/>
-          </a:xfrm>
-          <a:prstGeom prst="roundRect">
-            <a:avLst/>
-          </a:prstGeom>
-        </p:spPr>
-        <p:style>
-          <a:lnRef idx="2">
-            <a:schemeClr val="accent1">
-              <a:shade val="50000"/>
-            </a:schemeClr>
-          </a:lnRef>
-          <a:fillRef idx="1">
-            <a:schemeClr val="accent1"/>
-          </a:fillRef>
-          <a:effectRef idx="0">
-            <a:schemeClr val="accent1"/>
-          </a:effectRef>
-          <a:fontRef idx="minor">
-            <a:schemeClr val="lt1"/>
-          </a:fontRef>
-        </p:style>
-        <p:txBody>
-          <a:bodyPr rtlCol="0" anchor="ctr"/>
-          <a:lstStyle/>
-          <a:p>
-            <a:pPr algn="ctr"/>
-            <a:endParaRPr lang="ko-KR" altLang="en-US"/>
-          </a:p>
-        </p:txBody>
-      </p:sp>
-      <p:sp>
-        <p:nvSpPr>
-          <p:cNvPr id="24" name="모서리가 둥근 직사각형 23"/>
-          <p:cNvSpPr/>
-          <p:nvPr/>
-        </p:nvSpPr>
-        <p:spPr>
-          <a:xfrm>
-            <a:off x="2709331" y="541867"/>
-            <a:ext cx="855134" cy="677334"/>
-          </a:xfrm>
-          <a:prstGeom prst="roundRect">
-            <a:avLst/>
-          </a:prstGeom>
-        </p:spPr>
-        <p:style>
-          <a:lnRef idx="2">
-            <a:schemeClr val="accent1">
-              <a:shade val="50000"/>
-            </a:schemeClr>
-          </a:lnRef>
-          <a:fillRef idx="1">
-            <a:schemeClr val="accent1"/>
-          </a:fillRef>
-          <a:effectRef idx="0">
-            <a:schemeClr val="accent1"/>
-          </a:effectRef>
-          <a:fontRef idx="minor">
-            <a:schemeClr val="lt1"/>
-          </a:fontRef>
-        </p:style>
-        <p:txBody>
-          <a:bodyPr rtlCol="0" anchor="ctr"/>
-          <a:lstStyle/>
-          <a:p>
-            <a:pPr algn="ctr"/>
-            <a:endParaRPr lang="ko-KR" altLang="en-US"/>
-          </a:p>
-        </p:txBody>
-      </p:sp>
-      <p:sp>
-        <p:nvSpPr>
-          <p:cNvPr id="3" name="모서리가 둥근 직사각형 2"/>
-          <p:cNvSpPr/>
-          <p:nvPr/>
-        </p:nvSpPr>
-        <p:spPr>
-          <a:xfrm>
-            <a:off x="1172633" y="778934"/>
-            <a:ext cx="4207933" cy="4976907"/>
-          </a:xfrm>
-          <a:prstGeom prst="roundRect">
-            <a:avLst/>
-          </a:prstGeom>
-        </p:spPr>
-        <p:style>
-          <a:lnRef idx="2">
-            <a:schemeClr val="accent1">
-              <a:shade val="50000"/>
-            </a:schemeClr>
-          </a:lnRef>
-          <a:fillRef idx="1">
-            <a:schemeClr val="accent1"/>
-          </a:fillRef>
-          <a:effectRef idx="0">
-            <a:schemeClr val="accent1"/>
-          </a:effectRef>
-          <a:fontRef idx="minor">
-            <a:schemeClr val="lt1"/>
-          </a:fontRef>
-        </p:style>
-        <p:txBody>
-          <a:bodyPr rtlCol="0" anchor="ctr"/>
-          <a:lstStyle/>
-          <a:p>
-            <a:pPr fontAlgn="ctr"/>
-            <a:endParaRPr lang="ko-KR" altLang="ko-KR"/>
-          </a:p>
-        </p:txBody>
-      </p:sp>
-      <p:sp>
-        <p:nvSpPr>
-          <p:cNvPr id="7" name="TextBox 6"/>
-          <p:cNvSpPr txBox="1"/>
-          <p:nvPr/>
-        </p:nvSpPr>
-        <p:spPr>
-          <a:xfrm>
-            <a:off x="1869699" y="508001"/>
-            <a:ext cx="543739" cy="307777"/>
-          </a:xfrm>
-          <a:prstGeom prst="rect">
-            <a:avLst/>
-          </a:prstGeom>
-          <a:noFill/>
-        </p:spPr>
-        <p:txBody>
-          <a:bodyPr wrap="none" rtlCol="0">
-            <a:spAutoFit/>
-          </a:bodyPr>
-          <a:lstStyle/>
-          <a:p>
-            <a:r>
-              <a:rPr lang="ko-KR" altLang="en-US" sz="1400" dirty="0" smtClean="0"/>
-              <a:t>친구</a:t>
-            </a:r>
-            <a:endParaRPr lang="ko-KR" altLang="en-US" dirty="0"/>
-          </a:p>
-        </p:txBody>
-      </p:sp>
-      <p:sp>
-        <p:nvSpPr>
-          <p:cNvPr id="28" name="TextBox 27"/>
-          <p:cNvSpPr txBox="1"/>
-          <p:nvPr/>
-        </p:nvSpPr>
-        <p:spPr>
-          <a:xfrm>
-            <a:off x="2875798" y="508001"/>
-            <a:ext cx="543739" cy="307777"/>
-          </a:xfrm>
-          <a:prstGeom prst="rect">
-            <a:avLst/>
-          </a:prstGeom>
-          <a:noFill/>
-        </p:spPr>
-        <p:txBody>
-          <a:bodyPr wrap="none" rtlCol="0">
-            <a:spAutoFit/>
-          </a:bodyPr>
-          <a:lstStyle/>
-          <a:p>
-            <a:r>
-              <a:rPr lang="ko-KR" altLang="en-US" sz="1400" dirty="0" smtClean="0"/>
-              <a:t>세계</a:t>
-            </a:r>
-            <a:endParaRPr lang="ko-KR" altLang="en-US" dirty="0"/>
-          </a:p>
-        </p:txBody>
-      </p:sp>
-      <p:graphicFrame>
-        <p:nvGraphicFramePr>
-          <p:cNvPr id="9" name="표 8"/>
-          <p:cNvGraphicFramePr>
-            <a:graphicFrameLocks noGrp="1"/>
-          </p:cNvGraphicFramePr>
-          <p:nvPr>
-            <p:extLst>
-              <p:ext uri="{D42A27DB-BD31-4B8C-83A1-F6EECF244321}">
-                <p14:modId xmlns:p14="http://schemas.microsoft.com/office/powerpoint/2010/main" val="1228373650"/>
-              </p:ext>
-            </p:extLst>
-          </p:nvPr>
-        </p:nvGraphicFramePr>
-        <p:xfrm>
-          <a:off x="1467067" y="1219201"/>
-          <a:ext cx="3551332" cy="3047992"/>
-        </p:xfrm>
-        <a:graphic>
-          <a:graphicData uri="http://schemas.openxmlformats.org/drawingml/2006/table">
-            <a:tbl>
-              <a:tblPr bandRow="1">
-                <a:tableStyleId>{21E4AEA4-8DFA-4A89-87EB-49C32662AFE0}</a:tableStyleId>
-              </a:tblPr>
-              <a:tblGrid>
-                <a:gridCol w="555189"/>
-                <a:gridCol w="653210"/>
-                <a:gridCol w="887720"/>
-                <a:gridCol w="636280"/>
-                <a:gridCol w="818933"/>
-              </a:tblGrid>
-              <a:tr h="380999">
-                <a:tc>
-                  <a:txBody>
-                    <a:bodyPr/>
-                    <a:lstStyle/>
-                    <a:p>
-                      <a:pPr algn="ctr" latinLnBrk="1"/>
-                      <a:r>
-                        <a:rPr lang="en-US" altLang="ko-KR" sz="1200" dirty="0" smtClean="0"/>
-                        <a:t>1</a:t>
-                      </a:r>
-                      <a:endParaRPr lang="ko-KR" altLang="en-US" sz="1200" dirty="0"/>
-                    </a:p>
-                  </a:txBody>
-                  <a:tcPr anchor="ctr"/>
-                </a:tc>
-                <a:tc>
-                  <a:txBody>
-                    <a:bodyPr/>
-                    <a:lstStyle/>
-                    <a:p>
-                      <a:pPr algn="ctr" latinLnBrk="1"/>
-                      <a:r>
-                        <a:rPr lang="ko-KR" altLang="en-US" sz="1200" kern="1200" dirty="0" smtClean="0">
-                          <a:solidFill>
-                            <a:schemeClr val="dk1"/>
-                          </a:solidFill>
-                          <a:latin typeface="+mn-lt"/>
-                          <a:ea typeface="+mn-ea"/>
-                          <a:cs typeface="+mn-cs"/>
-                        </a:rPr>
-                        <a:t>이미지</a:t>
-                      </a:r>
-                      <a:endParaRPr lang="ko-KR" altLang="en-US" sz="1200" kern="1200" dirty="0">
-                        <a:solidFill>
-                          <a:schemeClr val="dk1"/>
-                        </a:solidFill>
-                        <a:latin typeface="+mn-lt"/>
-                        <a:ea typeface="+mn-ea"/>
-                        <a:cs typeface="+mn-cs"/>
-                      </a:endParaRPr>
-                    </a:p>
-                  </a:txBody>
-                  <a:tcPr anchor="ctr"/>
-                </a:tc>
-                <a:tc>
-                  <a:txBody>
-                    <a:bodyPr/>
-                    <a:lstStyle/>
-                    <a:p>
-                      <a:pPr algn="ctr" latinLnBrk="1"/>
-                      <a:r>
-                        <a:rPr lang="ko-KR" altLang="en-US" sz="1200" dirty="0" smtClean="0"/>
-                        <a:t>하하하</a:t>
-                      </a:r>
-                      <a:endParaRPr lang="ko-KR" altLang="en-US" sz="1200" dirty="0"/>
-                    </a:p>
-                  </a:txBody>
-                  <a:tcPr anchor="ctr"/>
-                </a:tc>
-                <a:tc>
-                  <a:txBody>
-                    <a:bodyPr/>
-                    <a:lstStyle/>
-                    <a:p>
-                      <a:pPr algn="ctr" latinLnBrk="1"/>
-                      <a:r>
-                        <a:rPr lang="ko-KR" altLang="en-US" sz="1200" dirty="0" smtClean="0"/>
-                        <a:t>별</a:t>
-                      </a:r>
-                      <a:r>
-                        <a:rPr lang="ko-KR" altLang="en-US" sz="1200" baseline="0" dirty="0" smtClean="0"/>
-                        <a:t> </a:t>
-                      </a:r>
-                      <a:r>
-                        <a:rPr lang="en-US" altLang="ko-KR" sz="1200" dirty="0" smtClean="0"/>
-                        <a:t>X 5</a:t>
-                      </a:r>
-                      <a:endParaRPr lang="ko-KR" altLang="en-US" sz="1200" dirty="0"/>
-                    </a:p>
-                  </a:txBody>
-                  <a:tcPr anchor="ctr"/>
-                </a:tc>
-                <a:tc>
-                  <a:txBody>
-                    <a:bodyPr/>
-                    <a:lstStyle/>
-                    <a:p>
-                      <a:pPr algn="ctr" latinLnBrk="1"/>
-                      <a:r>
-                        <a:rPr lang="en-US" altLang="ko-KR" sz="1200" dirty="0" smtClean="0"/>
-                        <a:t>20</a:t>
-                      </a:r>
-                      <a:endParaRPr lang="ko-KR" altLang="en-US" sz="1200" dirty="0"/>
-                    </a:p>
-                  </a:txBody>
-                  <a:tcPr anchor="ctr"/>
-                </a:tc>
-              </a:tr>
-              <a:tr h="380999">
-                <a:tc>
-                  <a:txBody>
-                    <a:bodyPr/>
-                    <a:lstStyle/>
-                    <a:p>
-                      <a:pPr algn="ctr" latinLnBrk="1"/>
-                      <a:r>
-                        <a:rPr lang="en-US" altLang="ko-KR" sz="1200" dirty="0" smtClean="0"/>
-                        <a:t>2</a:t>
-                      </a:r>
-                      <a:endParaRPr lang="ko-KR" altLang="en-US" sz="1200" dirty="0"/>
-                    </a:p>
-                  </a:txBody>
-                  <a:tcPr anchor="ctr"/>
-                </a:tc>
-                <a:tc>
-                  <a:txBody>
-                    <a:bodyPr/>
-                    <a:lstStyle/>
-                    <a:p>
-                      <a:pPr algn="ctr" latinLnBrk="1"/>
-                      <a:endParaRPr lang="ko-KR" altLang="en-US" sz="1200" dirty="0"/>
-                    </a:p>
-                  </a:txBody>
-                  <a:tcPr anchor="ctr"/>
-                </a:tc>
-                <a:tc>
-                  <a:txBody>
-                    <a:bodyPr/>
-                    <a:lstStyle/>
-                    <a:p>
-                      <a:pPr algn="ctr" latinLnBrk="1"/>
-                      <a:r>
-                        <a:rPr lang="en-US" altLang="ko-KR" sz="1200" dirty="0" smtClean="0"/>
-                        <a:t>Jung0313</a:t>
-                      </a:r>
-                      <a:endParaRPr lang="ko-KR" altLang="en-US" sz="1200" dirty="0"/>
-                    </a:p>
-                  </a:txBody>
-                  <a:tcPr anchor="ctr"/>
-                </a:tc>
-                <a:tc>
-                  <a:txBody>
-                    <a:bodyPr/>
-                    <a:lstStyle/>
-                    <a:p>
-                      <a:pPr algn="ctr" latinLnBrk="1"/>
-                      <a:r>
-                        <a:rPr lang="en-US" altLang="ko-KR" sz="1200" dirty="0" smtClean="0"/>
-                        <a:t>1</a:t>
-                      </a:r>
-                      <a:endParaRPr lang="ko-KR" altLang="en-US" sz="1200" dirty="0"/>
-                    </a:p>
-                  </a:txBody>
-                  <a:tcPr anchor="ctr"/>
-                </a:tc>
-                <a:tc>
-                  <a:txBody>
-                    <a:bodyPr/>
-                    <a:lstStyle/>
-                    <a:p>
-                      <a:pPr algn="ctr" latinLnBrk="1"/>
-                      <a:r>
-                        <a:rPr lang="en-US" altLang="ko-KR" sz="1200" dirty="0" smtClean="0"/>
-                        <a:t>10</a:t>
-                      </a:r>
-                      <a:endParaRPr lang="ko-KR" altLang="en-US" sz="1200" dirty="0"/>
-                    </a:p>
-                  </a:txBody>
-                  <a:tcPr anchor="ctr"/>
-                </a:tc>
-              </a:tr>
-              <a:tr h="380999">
-                <a:tc>
-                  <a:txBody>
-                    <a:bodyPr/>
-                    <a:lstStyle/>
-                    <a:p>
-                      <a:pPr algn="ctr" latinLnBrk="1"/>
-                      <a:r>
-                        <a:rPr lang="en-US" altLang="ko-KR" sz="1200" dirty="0" smtClean="0"/>
-                        <a:t>3</a:t>
-                      </a:r>
-                      <a:endParaRPr lang="ko-KR" altLang="en-US" sz="1200" dirty="0"/>
-                    </a:p>
-                  </a:txBody>
-                  <a:tcPr anchor="ctr"/>
-                </a:tc>
-                <a:tc>
-                  <a:txBody>
-                    <a:bodyPr/>
-                    <a:lstStyle/>
-                    <a:p>
-                      <a:pPr algn="ctr" latinLnBrk="1"/>
-                      <a:endParaRPr lang="ko-KR" altLang="en-US" sz="1200" dirty="0"/>
-                    </a:p>
-                  </a:txBody>
-                  <a:tcPr anchor="ctr"/>
-                </a:tc>
-                <a:tc>
-                  <a:txBody>
-                    <a:bodyPr/>
-                    <a:lstStyle/>
-                    <a:p>
-                      <a:pPr algn="ctr" latinLnBrk="1"/>
-                      <a:endParaRPr lang="ko-KR" altLang="en-US" sz="1200" dirty="0"/>
-                    </a:p>
-                  </a:txBody>
-                  <a:tcPr anchor="ctr"/>
-                </a:tc>
-                <a:tc>
-                  <a:txBody>
-                    <a:bodyPr/>
-                    <a:lstStyle/>
-                    <a:p>
-                      <a:pPr algn="ctr" latinLnBrk="1"/>
-                      <a:endParaRPr lang="ko-KR" altLang="en-US" sz="1200" dirty="0"/>
-                    </a:p>
-                  </a:txBody>
-                  <a:tcPr anchor="ctr"/>
-                </a:tc>
-                <a:tc>
-                  <a:txBody>
-                    <a:bodyPr/>
-                    <a:lstStyle/>
-                    <a:p>
-                      <a:pPr algn="ctr" latinLnBrk="1"/>
-                      <a:endParaRPr lang="ko-KR" altLang="en-US" sz="1200" dirty="0"/>
-                    </a:p>
-                  </a:txBody>
-                  <a:tcPr anchor="ctr"/>
-                </a:tc>
-              </a:tr>
-              <a:tr h="380999">
-                <a:tc>
-                  <a:txBody>
-                    <a:bodyPr/>
-                    <a:lstStyle/>
-                    <a:p>
-                      <a:pPr algn="ctr" latinLnBrk="1"/>
-                      <a:r>
-                        <a:rPr lang="en-US" altLang="ko-KR" sz="1200" dirty="0" smtClean="0"/>
-                        <a:t>4</a:t>
-                      </a:r>
-                      <a:endParaRPr lang="ko-KR" altLang="en-US" sz="1200" dirty="0"/>
-                    </a:p>
-                  </a:txBody>
-                  <a:tcPr anchor="ctr"/>
-                </a:tc>
-                <a:tc>
-                  <a:txBody>
-                    <a:bodyPr/>
-                    <a:lstStyle/>
-                    <a:p>
-                      <a:pPr algn="ctr" latinLnBrk="1"/>
-                      <a:endParaRPr lang="ko-KR" altLang="en-US" sz="1200" dirty="0"/>
-                    </a:p>
-                  </a:txBody>
-                  <a:tcPr anchor="ctr"/>
-                </a:tc>
-                <a:tc>
-                  <a:txBody>
-                    <a:bodyPr/>
-                    <a:lstStyle/>
-                    <a:p>
-                      <a:pPr algn="ctr" latinLnBrk="1"/>
-                      <a:endParaRPr lang="ko-KR" altLang="en-US" sz="1200" dirty="0"/>
-                    </a:p>
-                  </a:txBody>
-                  <a:tcPr anchor="ctr"/>
-                </a:tc>
-                <a:tc>
-                  <a:txBody>
-                    <a:bodyPr/>
-                    <a:lstStyle/>
-                    <a:p>
-                      <a:pPr algn="ctr" latinLnBrk="1"/>
-                      <a:endParaRPr lang="ko-KR" altLang="en-US" sz="1200" dirty="0"/>
-                    </a:p>
-                  </a:txBody>
-                  <a:tcPr anchor="ctr"/>
-                </a:tc>
-                <a:tc>
-                  <a:txBody>
-                    <a:bodyPr/>
-                    <a:lstStyle/>
-                    <a:p>
-                      <a:pPr algn="ctr" latinLnBrk="1"/>
-                      <a:endParaRPr lang="ko-KR" altLang="en-US" sz="1200" dirty="0"/>
-                    </a:p>
-                  </a:txBody>
-                  <a:tcPr anchor="ctr"/>
-                </a:tc>
-              </a:tr>
-              <a:tr h="380999">
-                <a:tc>
-                  <a:txBody>
-                    <a:bodyPr/>
-                    <a:lstStyle/>
-                    <a:p>
-                      <a:pPr algn="ctr" latinLnBrk="1"/>
-                      <a:r>
-                        <a:rPr lang="en-US" altLang="ko-KR" sz="1200" dirty="0" smtClean="0"/>
-                        <a:t>5</a:t>
-                      </a:r>
-                      <a:endParaRPr lang="ko-KR" altLang="en-US" sz="1200" dirty="0"/>
-                    </a:p>
-                  </a:txBody>
-                  <a:tcPr anchor="ctr">
-                    <a:lnB w="12700" cap="flat" cmpd="sng" algn="ctr">
-                      <a:solidFill>
-                        <a:schemeClr val="tx1"/>
-                      </a:solidFill>
-                      <a:prstDash val="solid"/>
-                      <a:round/>
-                      <a:headEnd type="none" w="med" len="med"/>
-                      <a:tailEnd type="none" w="med" len="med"/>
-                    </a:lnB>
-                  </a:tcPr>
-                </a:tc>
-                <a:tc>
-                  <a:txBody>
-                    <a:bodyPr/>
-                    <a:lstStyle/>
-                    <a:p>
-                      <a:pPr algn="ctr" latinLnBrk="1"/>
-                      <a:endParaRPr lang="ko-KR" altLang="en-US" sz="1200" dirty="0"/>
-                    </a:p>
-                  </a:txBody>
-                  <a:tcPr anchor="ctr">
-                    <a:lnB w="12700" cap="flat" cmpd="sng" algn="ctr">
-                      <a:solidFill>
-                        <a:schemeClr val="tx1"/>
-                      </a:solidFill>
-                      <a:prstDash val="solid"/>
-                      <a:round/>
-                      <a:headEnd type="none" w="med" len="med"/>
-                      <a:tailEnd type="none" w="med" len="med"/>
-                    </a:lnB>
-                  </a:tcPr>
-                </a:tc>
-                <a:tc>
-                  <a:txBody>
-                    <a:bodyPr/>
-                    <a:lstStyle/>
-                    <a:p>
-                      <a:pPr algn="ctr" latinLnBrk="1"/>
-                      <a:endParaRPr lang="ko-KR" altLang="en-US" sz="1200" dirty="0"/>
-                    </a:p>
-                  </a:txBody>
-                  <a:tcPr anchor="ctr">
-                    <a:lnB w="12700" cap="flat" cmpd="sng" algn="ctr">
-                      <a:solidFill>
-                        <a:schemeClr val="tx1"/>
-                      </a:solidFill>
-                      <a:prstDash val="solid"/>
-                      <a:round/>
-                      <a:headEnd type="none" w="med" len="med"/>
-                      <a:tailEnd type="none" w="med" len="med"/>
-                    </a:lnB>
-                  </a:tcPr>
-                </a:tc>
-                <a:tc>
-                  <a:txBody>
-                    <a:bodyPr/>
-                    <a:lstStyle/>
-                    <a:p>
-                      <a:pPr algn="ctr" latinLnBrk="1"/>
-                      <a:endParaRPr lang="ko-KR" altLang="en-US" sz="1200" dirty="0"/>
-                    </a:p>
-                  </a:txBody>
-                  <a:tcPr anchor="ctr">
-                    <a:lnB w="12700" cap="flat" cmpd="sng" algn="ctr">
-                      <a:solidFill>
-                        <a:schemeClr val="tx1"/>
-                      </a:solidFill>
-                      <a:prstDash val="solid"/>
-                      <a:round/>
-                      <a:headEnd type="none" w="med" len="med"/>
-                      <a:tailEnd type="none" w="med" len="med"/>
-                    </a:lnB>
-                  </a:tcPr>
-                </a:tc>
-                <a:tc>
-                  <a:txBody>
-                    <a:bodyPr/>
-                    <a:lstStyle/>
-                    <a:p>
-                      <a:pPr algn="ctr" latinLnBrk="1"/>
-                      <a:endParaRPr lang="ko-KR" altLang="en-US" sz="1200" dirty="0"/>
-                    </a:p>
-                  </a:txBody>
-                  <a:tcPr anchor="ctr">
-                    <a:lnB w="12700" cap="flat" cmpd="sng" algn="ctr">
-                      <a:solidFill>
-                        <a:schemeClr val="tx1"/>
-                      </a:solidFill>
-                      <a:prstDash val="solid"/>
-                      <a:round/>
-                      <a:headEnd type="none" w="med" len="med"/>
-                      <a:tailEnd type="none" w="med" len="med"/>
-                    </a:lnB>
-                  </a:tcPr>
-                </a:tc>
-              </a:tr>
-              <a:tr h="380999">
-                <a:tc>
-                  <a:txBody>
-                    <a:bodyPr/>
-                    <a:lstStyle/>
-                    <a:p>
-                      <a:pPr algn="ctr" latinLnBrk="1"/>
-                      <a:r>
-                        <a:rPr lang="en-US" altLang="ko-KR" sz="1200" dirty="0" smtClean="0">
-                          <a:solidFill>
-                            <a:sysClr val="windowText" lastClr="000000"/>
-                          </a:solidFill>
-                        </a:rPr>
-                        <a:t>6</a:t>
-                      </a:r>
-                      <a:endParaRPr lang="ko-KR" altLang="en-US" sz="1200" dirty="0">
-                        <a:solidFill>
-                          <a:sysClr val="windowText" lastClr="000000"/>
-                        </a:solidFill>
-                      </a:endParaRPr>
-                    </a:p>
-                  </a:txBody>
-                  <a:tcPr anchor="ctr">
-                    <a:lnL w="12700" cap="flat" cmpd="sng" algn="ctr">
-                      <a:solidFill>
-                        <a:schemeClr val="tx1"/>
-                      </a:solidFill>
-                      <a:prstDash val="solid"/>
-                      <a:round/>
-                      <a:headEnd type="none" w="med" len="med"/>
-                      <a:tailEnd type="none" w="med" len="med"/>
-                    </a:lnL>
-                    <a:lnT w="12700" cap="flat" cmpd="sng" algn="ctr">
-                      <a:solidFill>
-                        <a:schemeClr val="tx1"/>
-                      </a:solidFill>
-                      <a:prstDash val="solid"/>
-                      <a:round/>
-                      <a:headEnd type="none" w="med" len="med"/>
-                      <a:tailEnd type="none" w="med" len="med"/>
-                    </a:lnT>
-                    <a:lnB w="12700" cap="flat" cmpd="sng" algn="ctr">
-                      <a:solidFill>
-                        <a:schemeClr val="tx1"/>
-                      </a:solidFill>
-                      <a:prstDash val="solid"/>
-                      <a:round/>
-                      <a:headEnd type="none" w="med" len="med"/>
-                      <a:tailEnd type="none" w="med" len="med"/>
-                    </a:lnB>
-                    <a:solidFill>
-                      <a:schemeClr val="accent4">
-                        <a:lumMod val="60000"/>
-                        <a:lumOff val="40000"/>
-                      </a:schemeClr>
-                    </a:solidFill>
-                  </a:tcPr>
-                </a:tc>
-                <a:tc>
-                  <a:txBody>
-                    <a:bodyPr/>
-                    <a:lstStyle/>
-                    <a:p>
-                      <a:pPr algn="ctr" latinLnBrk="1"/>
-                      <a:endParaRPr lang="ko-KR" altLang="en-US" sz="1200" dirty="0">
-                        <a:solidFill>
-                          <a:sysClr val="windowText" lastClr="000000"/>
-                        </a:solidFill>
-                      </a:endParaRPr>
-                    </a:p>
-                  </a:txBody>
-                  <a:tcPr anchor="ctr">
-                    <a:lnT w="12700" cap="flat" cmpd="sng" algn="ctr">
-                      <a:solidFill>
-                        <a:schemeClr val="tx1"/>
-                      </a:solidFill>
-                      <a:prstDash val="solid"/>
-                      <a:round/>
-                      <a:headEnd type="none" w="med" len="med"/>
-                      <a:tailEnd type="none" w="med" len="med"/>
-                    </a:lnT>
-                    <a:lnB w="12700" cap="flat" cmpd="sng" algn="ctr">
-                      <a:solidFill>
-                        <a:schemeClr val="tx1"/>
-                      </a:solidFill>
-                      <a:prstDash val="solid"/>
-                      <a:round/>
-                      <a:headEnd type="none" w="med" len="med"/>
-                      <a:tailEnd type="none" w="med" len="med"/>
-                    </a:lnB>
-                    <a:solidFill>
-                      <a:schemeClr val="accent4">
-                        <a:lumMod val="60000"/>
-                        <a:lumOff val="40000"/>
-                      </a:schemeClr>
-                    </a:solidFill>
-                  </a:tcPr>
-                </a:tc>
-                <a:tc>
-                  <a:txBody>
-                    <a:bodyPr/>
-                    <a:lstStyle/>
-                    <a:p>
-                      <a:pPr algn="ctr" latinLnBrk="1"/>
-                      <a:r>
-                        <a:rPr lang="ko-KR" altLang="en-US" sz="1200" dirty="0" err="1" smtClean="0">
-                          <a:solidFill>
-                            <a:sysClr val="windowText" lastClr="000000"/>
-                          </a:solidFill>
-                        </a:rPr>
-                        <a:t>ㅇㄴㅇ</a:t>
-                      </a:r>
-                      <a:endParaRPr lang="ko-KR" altLang="en-US" sz="1200" dirty="0">
-                        <a:solidFill>
-                          <a:sysClr val="windowText" lastClr="000000"/>
-                        </a:solidFill>
-                      </a:endParaRPr>
-                    </a:p>
-                  </a:txBody>
-                  <a:tcPr anchor="ctr">
-                    <a:lnT w="12700" cap="flat" cmpd="sng" algn="ctr">
-                      <a:solidFill>
-                        <a:schemeClr val="tx1"/>
-                      </a:solidFill>
-                      <a:prstDash val="solid"/>
-                      <a:round/>
-                      <a:headEnd type="none" w="med" len="med"/>
-                      <a:tailEnd type="none" w="med" len="med"/>
-                    </a:lnT>
-                    <a:lnB w="12700" cap="flat" cmpd="sng" algn="ctr">
-                      <a:solidFill>
-                        <a:schemeClr val="tx1"/>
-                      </a:solidFill>
-                      <a:prstDash val="solid"/>
-                      <a:round/>
-                      <a:headEnd type="none" w="med" len="med"/>
-                      <a:tailEnd type="none" w="med" len="med"/>
-                    </a:lnB>
-                    <a:solidFill>
-                      <a:schemeClr val="accent4">
-                        <a:lumMod val="60000"/>
-                        <a:lumOff val="40000"/>
-                      </a:schemeClr>
-                    </a:solidFill>
-                  </a:tcPr>
-                </a:tc>
-                <a:tc>
-                  <a:txBody>
-                    <a:bodyPr/>
-                    <a:lstStyle/>
-                    <a:p>
-                      <a:pPr algn="ctr" latinLnBrk="1"/>
-                      <a:r>
-                        <a:rPr lang="en-US" altLang="ko-KR" sz="1200" dirty="0" smtClean="0">
-                          <a:solidFill>
-                            <a:sysClr val="windowText" lastClr="000000"/>
-                          </a:solidFill>
-                        </a:rPr>
-                        <a:t>2</a:t>
-                      </a:r>
-                      <a:endParaRPr lang="ko-KR" altLang="en-US" sz="1200" dirty="0">
-                        <a:solidFill>
-                          <a:sysClr val="windowText" lastClr="000000"/>
-                        </a:solidFill>
-                      </a:endParaRPr>
-                    </a:p>
-                  </a:txBody>
-                  <a:tcPr anchor="ctr">
-                    <a:lnT w="12700" cap="flat" cmpd="sng" algn="ctr">
-                      <a:solidFill>
-                        <a:schemeClr val="tx1"/>
-                      </a:solidFill>
-                      <a:prstDash val="solid"/>
-                      <a:round/>
-                      <a:headEnd type="none" w="med" len="med"/>
-                      <a:tailEnd type="none" w="med" len="med"/>
-                    </a:lnT>
-                    <a:lnB w="12700" cap="flat" cmpd="sng" algn="ctr">
-                      <a:solidFill>
-                        <a:schemeClr val="tx1"/>
-                      </a:solidFill>
-                      <a:prstDash val="solid"/>
-                      <a:round/>
-                      <a:headEnd type="none" w="med" len="med"/>
-                      <a:tailEnd type="none" w="med" len="med"/>
-                    </a:lnB>
-                    <a:solidFill>
-                      <a:schemeClr val="accent4">
-                        <a:lumMod val="60000"/>
-                        <a:lumOff val="40000"/>
-                      </a:schemeClr>
-                    </a:solidFill>
-                  </a:tcPr>
-                </a:tc>
-                <a:tc>
-                  <a:txBody>
-                    <a:bodyPr/>
-                    <a:lstStyle/>
-                    <a:p>
-                      <a:pPr algn="ctr" latinLnBrk="1"/>
-                      <a:r>
-                        <a:rPr lang="en-US" altLang="ko-KR" sz="1200" dirty="0" smtClean="0">
-                          <a:solidFill>
-                            <a:sysClr val="windowText" lastClr="000000"/>
-                          </a:solidFill>
-                        </a:rPr>
-                        <a:t>1</a:t>
-                      </a:r>
-                      <a:endParaRPr lang="ko-KR" altLang="en-US" sz="1200" dirty="0">
-                        <a:solidFill>
-                          <a:sysClr val="windowText" lastClr="000000"/>
-                        </a:solidFill>
-                      </a:endParaRPr>
-                    </a:p>
-                  </a:txBody>
-                  <a:tcPr anchor="ctr">
-                    <a:lnR w="12700" cap="flat" cmpd="sng" algn="ctr">
-                      <a:solidFill>
-                        <a:schemeClr val="tx1"/>
-                      </a:solidFill>
-                      <a:prstDash val="solid"/>
-                      <a:round/>
-                      <a:headEnd type="none" w="med" len="med"/>
-                      <a:tailEnd type="none" w="med" len="med"/>
-                    </a:lnR>
-                    <a:lnT w="12700" cap="flat" cmpd="sng" algn="ctr">
-                      <a:solidFill>
-                        <a:schemeClr val="tx1"/>
-                      </a:solidFill>
-                      <a:prstDash val="solid"/>
-                      <a:round/>
-                      <a:headEnd type="none" w="med" len="med"/>
-                      <a:tailEnd type="none" w="med" len="med"/>
-                    </a:lnT>
-                    <a:lnB w="12700" cap="flat" cmpd="sng" algn="ctr">
-                      <a:solidFill>
-                        <a:schemeClr val="tx1"/>
-                      </a:solidFill>
-                      <a:prstDash val="solid"/>
-                      <a:round/>
-                      <a:headEnd type="none" w="med" len="med"/>
-                      <a:tailEnd type="none" w="med" len="med"/>
-                    </a:lnB>
-                    <a:solidFill>
-                      <a:schemeClr val="accent4">
-                        <a:lumMod val="60000"/>
-                        <a:lumOff val="40000"/>
-                      </a:schemeClr>
-                    </a:solidFill>
-                  </a:tcPr>
-                </a:tc>
-              </a:tr>
-              <a:tr h="380999">
-                <a:tc>
-                  <a:txBody>
-                    <a:bodyPr/>
-                    <a:lstStyle/>
-                    <a:p>
-                      <a:pPr algn="ctr" latinLnBrk="1"/>
-                      <a:endParaRPr lang="ko-KR" altLang="en-US" sz="1200" dirty="0"/>
-                    </a:p>
-                  </a:txBody>
-                  <a:tcPr anchor="ctr">
-                    <a:lnT w="12700" cap="flat" cmpd="sng" algn="ctr">
-                      <a:solidFill>
-                        <a:schemeClr val="tx1"/>
-                      </a:solidFill>
-                      <a:prstDash val="solid"/>
-                      <a:round/>
-                      <a:headEnd type="none" w="med" len="med"/>
-                      <a:tailEnd type="none" w="med" len="med"/>
-                    </a:lnT>
-                  </a:tcPr>
-                </a:tc>
-                <a:tc>
-                  <a:txBody>
-                    <a:bodyPr/>
-                    <a:lstStyle/>
-                    <a:p>
-                      <a:pPr algn="ctr" latinLnBrk="1"/>
-                      <a:endParaRPr lang="ko-KR" altLang="en-US" sz="1200" dirty="0"/>
-                    </a:p>
-                  </a:txBody>
-                  <a:tcPr anchor="ctr">
-                    <a:lnT w="12700" cap="flat" cmpd="sng" algn="ctr">
-                      <a:solidFill>
-                        <a:schemeClr val="tx1"/>
-                      </a:solidFill>
-                      <a:prstDash val="solid"/>
-                      <a:round/>
-                      <a:headEnd type="none" w="med" len="med"/>
-                      <a:tailEnd type="none" w="med" len="med"/>
-                    </a:lnT>
-                  </a:tcPr>
-                </a:tc>
-                <a:tc>
-                  <a:txBody>
-                    <a:bodyPr/>
-                    <a:lstStyle/>
-                    <a:p>
-                      <a:pPr algn="ctr" latinLnBrk="1"/>
-                      <a:endParaRPr lang="ko-KR" altLang="en-US" sz="1200" dirty="0"/>
-                    </a:p>
-                  </a:txBody>
-                  <a:tcPr anchor="ctr">
-                    <a:lnT w="12700" cap="flat" cmpd="sng" algn="ctr">
-                      <a:solidFill>
-                        <a:schemeClr val="tx1"/>
-                      </a:solidFill>
-                      <a:prstDash val="solid"/>
-                      <a:round/>
-                      <a:headEnd type="none" w="med" len="med"/>
-                      <a:tailEnd type="none" w="med" len="med"/>
-                    </a:lnT>
-                  </a:tcPr>
-                </a:tc>
-                <a:tc>
-                  <a:txBody>
-                    <a:bodyPr/>
-                    <a:lstStyle/>
-                    <a:p>
-                      <a:pPr algn="ctr" latinLnBrk="1"/>
-                      <a:endParaRPr lang="ko-KR" altLang="en-US" sz="1200" dirty="0"/>
-                    </a:p>
-                  </a:txBody>
-                  <a:tcPr anchor="ctr">
-                    <a:lnT w="12700" cap="flat" cmpd="sng" algn="ctr">
-                      <a:solidFill>
-                        <a:schemeClr val="tx1"/>
-                      </a:solidFill>
-                      <a:prstDash val="solid"/>
-                      <a:round/>
-                      <a:headEnd type="none" w="med" len="med"/>
-                      <a:tailEnd type="none" w="med" len="med"/>
-                    </a:lnT>
-                  </a:tcPr>
-                </a:tc>
-                <a:tc>
-                  <a:txBody>
-                    <a:bodyPr/>
-                    <a:lstStyle/>
-                    <a:p>
-                      <a:pPr algn="ctr" latinLnBrk="1"/>
-                      <a:endParaRPr lang="ko-KR" altLang="en-US" sz="1200" dirty="0"/>
-                    </a:p>
-                  </a:txBody>
-                  <a:tcPr anchor="ctr">
-                    <a:lnT w="12700" cap="flat" cmpd="sng" algn="ctr">
-                      <a:solidFill>
-                        <a:schemeClr val="tx1"/>
-                      </a:solidFill>
-                      <a:prstDash val="solid"/>
-                      <a:round/>
-                      <a:headEnd type="none" w="med" len="med"/>
-                      <a:tailEnd type="none" w="med" len="med"/>
-                    </a:lnT>
-                  </a:tcPr>
-                </a:tc>
-              </a:tr>
-              <a:tr h="380999">
-                <a:tc>
-                  <a:txBody>
-                    <a:bodyPr/>
-                    <a:lstStyle/>
-                    <a:p>
-                      <a:pPr algn="ctr" latinLnBrk="1"/>
-                      <a:endParaRPr lang="ko-KR" altLang="en-US" sz="1200" dirty="0"/>
-                    </a:p>
-                  </a:txBody>
-                  <a:tcPr anchor="ctr"/>
-                </a:tc>
-                <a:tc>
-                  <a:txBody>
-                    <a:bodyPr/>
-                    <a:lstStyle/>
-                    <a:p>
-                      <a:pPr algn="ctr" latinLnBrk="1"/>
-                      <a:endParaRPr lang="ko-KR" altLang="en-US" sz="1200" dirty="0"/>
-                    </a:p>
-                  </a:txBody>
-                  <a:tcPr anchor="ctr"/>
-                </a:tc>
-                <a:tc>
-                  <a:txBody>
-                    <a:bodyPr/>
-                    <a:lstStyle/>
-                    <a:p>
-                      <a:pPr algn="ctr" latinLnBrk="1"/>
-                      <a:endParaRPr lang="ko-KR" altLang="en-US" sz="1200" dirty="0"/>
-                    </a:p>
-                  </a:txBody>
-                  <a:tcPr anchor="ctr"/>
-                </a:tc>
-                <a:tc>
-                  <a:txBody>
-                    <a:bodyPr/>
-                    <a:lstStyle/>
-                    <a:p>
-                      <a:pPr algn="ctr" latinLnBrk="1"/>
-                      <a:endParaRPr lang="ko-KR" altLang="en-US" sz="1200" dirty="0"/>
-                    </a:p>
-                  </a:txBody>
-                  <a:tcPr anchor="ctr"/>
-                </a:tc>
-                <a:tc>
-                  <a:txBody>
-                    <a:bodyPr/>
-                    <a:lstStyle/>
-                    <a:p>
-                      <a:pPr algn="ctr" latinLnBrk="1"/>
-                      <a:endParaRPr lang="ko-KR" altLang="en-US" sz="1200" dirty="0"/>
-                    </a:p>
-                  </a:txBody>
-                  <a:tcPr anchor="ctr"/>
-                </a:tc>
-              </a:tr>
-            </a:tbl>
-          </a:graphicData>
-        </a:graphic>
-      </p:graphicFrame>
-      <p:sp>
-        <p:nvSpPr>
-          <p:cNvPr id="13" name="모서리가 둥근 직사각형 12"/>
-          <p:cNvSpPr/>
-          <p:nvPr/>
-        </p:nvSpPr>
-        <p:spPr>
-          <a:xfrm>
-            <a:off x="3072404" y="880534"/>
-            <a:ext cx="694266" cy="228600"/>
-          </a:xfrm>
-          <a:prstGeom prst="roundRect">
-            <a:avLst/>
-          </a:prstGeom>
-        </p:spPr>
-        <p:style>
-          <a:lnRef idx="2">
-            <a:schemeClr val="accent4">
-              <a:shade val="50000"/>
-            </a:schemeClr>
-          </a:lnRef>
-          <a:fillRef idx="1">
-            <a:schemeClr val="accent4"/>
-          </a:fillRef>
-          <a:effectRef idx="0">
-            <a:schemeClr val="accent4"/>
-          </a:effectRef>
-          <a:fontRef idx="minor">
-            <a:schemeClr val="lt1"/>
-          </a:fontRef>
-        </p:style>
-        <p:txBody>
-          <a:bodyPr rtlCol="0" anchor="ctr"/>
-          <a:lstStyle/>
-          <a:p>
-            <a:pPr algn="ctr"/>
-            <a:r>
-              <a:rPr lang="ko-KR" altLang="en-US" sz="1200" dirty="0" smtClean="0"/>
-              <a:t>별 순</a:t>
-            </a:r>
-            <a:endParaRPr lang="ko-KR" altLang="en-US" sz="1200" dirty="0"/>
-          </a:p>
-        </p:txBody>
-      </p:sp>
-      <p:sp>
-        <p:nvSpPr>
-          <p:cNvPr id="30" name="모서리가 둥근 직사각형 29"/>
-          <p:cNvSpPr/>
-          <p:nvPr/>
-        </p:nvSpPr>
-        <p:spPr>
-          <a:xfrm>
-            <a:off x="3894668" y="880534"/>
-            <a:ext cx="929215" cy="228600"/>
-          </a:xfrm>
-          <a:prstGeom prst="roundRect">
-            <a:avLst/>
-          </a:prstGeom>
-        </p:spPr>
-        <p:style>
-          <a:lnRef idx="2">
-            <a:schemeClr val="accent4">
-              <a:shade val="50000"/>
-            </a:schemeClr>
-          </a:lnRef>
-          <a:fillRef idx="1">
-            <a:schemeClr val="accent4"/>
-          </a:fillRef>
-          <a:effectRef idx="0">
-            <a:schemeClr val="accent4"/>
-          </a:effectRef>
-          <a:fontRef idx="minor">
-            <a:schemeClr val="lt1"/>
-          </a:fontRef>
-        </p:style>
-        <p:txBody>
-          <a:bodyPr rtlCol="0" anchor="ctr"/>
-          <a:lstStyle/>
-          <a:p>
-            <a:pPr algn="ctr"/>
-            <a:r>
-              <a:rPr lang="ko-KR" altLang="en-US" sz="1200" dirty="0" smtClean="0"/>
-              <a:t>점수 순</a:t>
-            </a:r>
-            <a:endParaRPr lang="ko-KR" altLang="en-US" sz="1200" dirty="0"/>
-          </a:p>
-        </p:txBody>
-      </p:sp>
-      <p:graphicFrame>
-        <p:nvGraphicFramePr>
-          <p:cNvPr id="14" name="표 13"/>
-          <p:cNvGraphicFramePr>
-            <a:graphicFrameLocks noGrp="1"/>
-          </p:cNvGraphicFramePr>
-          <p:nvPr>
-            <p:extLst>
-              <p:ext uri="{D42A27DB-BD31-4B8C-83A1-F6EECF244321}">
-                <p14:modId xmlns:p14="http://schemas.microsoft.com/office/powerpoint/2010/main" val="2836024127"/>
-              </p:ext>
-            </p:extLst>
-          </p:nvPr>
-        </p:nvGraphicFramePr>
-        <p:xfrm>
-          <a:off x="1494365" y="4926107"/>
-          <a:ext cx="3564467" cy="440267"/>
-        </p:xfrm>
-        <a:graphic>
-          <a:graphicData uri="http://schemas.openxmlformats.org/drawingml/2006/table">
-            <a:tbl>
-              <a:tblPr firstRow="1" bandRow="1">
-                <a:tableStyleId>{5C22544A-7EE6-4342-B048-85BDC9FD1C3A}</a:tableStyleId>
-              </a:tblPr>
-              <a:tblGrid>
-                <a:gridCol w="676589"/>
-                <a:gridCol w="1105645"/>
-                <a:gridCol w="618831"/>
-                <a:gridCol w="1163402"/>
-              </a:tblGrid>
-              <a:tr h="440267">
-                <a:tc>
-                  <a:txBody>
-                    <a:bodyPr/>
-                    <a:lstStyle/>
-                    <a:p>
-                      <a:pPr algn="ctr" latinLnBrk="1"/>
-                      <a:r>
-                        <a:rPr lang="en-US" altLang="ko-KR" dirty="0" smtClean="0"/>
-                        <a:t>6</a:t>
-                      </a:r>
-                      <a:endParaRPr lang="ko-KR" altLang="en-US" dirty="0"/>
-                    </a:p>
-                  </a:txBody>
-                  <a:tcPr anchor="ctr"/>
-                </a:tc>
-                <a:tc>
-                  <a:txBody>
-                    <a:bodyPr/>
-                    <a:lstStyle/>
-                    <a:p>
-                      <a:pPr algn="ctr" latinLnBrk="1"/>
-                      <a:r>
-                        <a:rPr lang="ko-KR" altLang="en-US" dirty="0" err="1" smtClean="0"/>
-                        <a:t>ㅇㄴㅇ</a:t>
-                      </a:r>
-                      <a:endParaRPr lang="ko-KR" altLang="en-US" dirty="0"/>
-                    </a:p>
-                  </a:txBody>
-                  <a:tcPr anchor="ctr"/>
-                </a:tc>
-                <a:tc>
-                  <a:txBody>
-                    <a:bodyPr/>
-                    <a:lstStyle/>
-                    <a:p>
-                      <a:pPr algn="ctr" latinLnBrk="1"/>
-                      <a:r>
-                        <a:rPr lang="en-US" altLang="ko-KR" dirty="0" smtClean="0"/>
-                        <a:t>2</a:t>
-                      </a:r>
-                      <a:endParaRPr lang="ko-KR" altLang="en-US" dirty="0"/>
-                    </a:p>
-                  </a:txBody>
-                  <a:tcPr anchor="ctr"/>
-                </a:tc>
-                <a:tc>
-                  <a:txBody>
-                    <a:bodyPr/>
-                    <a:lstStyle/>
-                    <a:p>
-                      <a:pPr algn="ctr" latinLnBrk="1"/>
-                      <a:r>
-                        <a:rPr lang="en-US" altLang="ko-KR" dirty="0" smtClean="0"/>
-                        <a:t>1</a:t>
-                      </a:r>
-                      <a:endParaRPr lang="ko-KR" altLang="en-US" dirty="0"/>
-                    </a:p>
-                  </a:txBody>
-                  <a:tcPr anchor="ctr"/>
-                </a:tc>
-              </a:tr>
-            </a:tbl>
-          </a:graphicData>
-        </a:graphic>
-      </p:graphicFrame>
-      <p:sp>
-        <p:nvSpPr>
-          <p:cNvPr id="15" name="직사각형 14"/>
-          <p:cNvSpPr/>
-          <p:nvPr/>
-        </p:nvSpPr>
-        <p:spPr>
-          <a:xfrm>
-            <a:off x="5088466" y="1320801"/>
-            <a:ext cx="127000" cy="3368241"/>
-          </a:xfrm>
-          <a:prstGeom prst="rect">
-            <a:avLst/>
-          </a:prstGeom>
-        </p:spPr>
-        <p:style>
-          <a:lnRef idx="2">
-            <a:schemeClr val="accent6">
-              <a:shade val="50000"/>
-            </a:schemeClr>
-          </a:lnRef>
-          <a:fillRef idx="1">
-            <a:schemeClr val="accent6"/>
-          </a:fillRef>
-          <a:effectRef idx="0">
-            <a:schemeClr val="accent6"/>
-          </a:effectRef>
-          <a:fontRef idx="minor">
-            <a:schemeClr val="lt1"/>
-          </a:fontRef>
-        </p:style>
-        <p:txBody>
-          <a:bodyPr rtlCol="0" anchor="ctr"/>
-          <a:lstStyle/>
-          <a:p>
-            <a:pPr algn="ctr"/>
-            <a:endParaRPr lang="ko-KR" altLang="en-US"/>
-          </a:p>
-        </p:txBody>
-      </p:sp>
-      <p:sp>
-        <p:nvSpPr>
-          <p:cNvPr id="35" name="직사각형 34"/>
-          <p:cNvSpPr/>
-          <p:nvPr/>
-        </p:nvSpPr>
-        <p:spPr>
-          <a:xfrm>
-            <a:off x="1168400" y="5858937"/>
-            <a:ext cx="4267200" cy="575734"/>
-          </a:xfrm>
-          <a:prstGeom prst="rect">
-            <a:avLst/>
-          </a:prstGeom>
-        </p:spPr>
-        <p:style>
-          <a:lnRef idx="2">
-            <a:schemeClr val="accent1">
-              <a:shade val="50000"/>
-            </a:schemeClr>
-          </a:lnRef>
-          <a:fillRef idx="1">
-            <a:schemeClr val="accent1"/>
-          </a:fillRef>
-          <a:effectRef idx="0">
-            <a:schemeClr val="accent1"/>
-          </a:effectRef>
-          <a:fontRef idx="minor">
-            <a:schemeClr val="lt1"/>
-          </a:fontRef>
-        </p:style>
-        <p:txBody>
-          <a:bodyPr rtlCol="0" anchor="ctr"/>
-          <a:lstStyle/>
-          <a:p>
-            <a:pPr algn="ctr"/>
-            <a:r>
-              <a:rPr lang="ko-KR" altLang="en-US" dirty="0" smtClean="0"/>
-              <a:t>광   고</a:t>
-            </a:r>
-            <a:endParaRPr lang="ko-KR" altLang="en-US" dirty="0"/>
-          </a:p>
-        </p:txBody>
-      </p:sp>
-    </p:spTree>
-    <p:extLst>
-      <p:ext uri="{BB962C8B-B14F-4D97-AF65-F5344CB8AC3E}">
-        <p14:creationId xmlns:p14="http://schemas.microsoft.com/office/powerpoint/2010/main" val="3218724754"/>
-      </p:ext>
-    </p:extLst>
-  </p:cSld>
-  <p:clrMapOvr>
-    <a:masterClrMapping/>
-  </p:clrMapOvr>
-  <p:timing>
-    <p:tnLst>
-      <p:par>
-        <p:cTn id="1" dur="indefinite" restart="never" nodeType="tmRoot"/>
-      </p:par>
-    </p:tnLst>
-  </p:timing>
-</p:sld>
-</file>
-
 <file path=ppt/slides/slide12.xml><?xml version="1.0" encoding="utf-8"?>
 <p:sld xmlns:a="http://schemas.openxmlformats.org/drawingml/2006/main" xmlns:r="http://schemas.openxmlformats.org/officeDocument/2006/relationships" xmlns:p="http://schemas.openxmlformats.org/presentationml/2006/main">
   <p:cSld>
@@ -7058,14 +7430,14 @@
           <p:nvPr>
             <p:extLst>
               <p:ext uri="{D42A27DB-BD31-4B8C-83A1-F6EECF244321}">
-                <p14:modId xmlns:p14="http://schemas.microsoft.com/office/powerpoint/2010/main" val="4171795936"/>
+                <p14:modId xmlns:p14="http://schemas.microsoft.com/office/powerpoint/2010/main" val="135503863"/>
               </p:ext>
             </p:extLst>
           </p:nvPr>
         </p:nvGraphicFramePr>
         <p:xfrm>
           <a:off x="6392332" y="719664"/>
-          <a:ext cx="4174068" cy="3007344"/>
+          <a:ext cx="4174068" cy="4172772"/>
         </p:xfrm>
         <a:graphic>
           <a:graphicData uri="http://schemas.openxmlformats.org/drawingml/2006/table">
@@ -7166,7 +7538,7 @@
                       <a:pPr algn="ctr" latinLnBrk="1"/>
                       <a:r>
                         <a:rPr lang="en-US" altLang="ko-KR" dirty="0" smtClean="0"/>
-                        <a:t>07-01-02</a:t>
+                        <a:t>07-01-01</a:t>
                       </a:r>
                       <a:endParaRPr lang="ko-KR" altLang="en-US" dirty="0"/>
                     </a:p>
@@ -7196,6 +7568,62 @@
                     <a:lstStyle/>
                     <a:p>
                       <a:pPr algn="ctr" latinLnBrk="1"/>
+                      <a:endParaRPr lang="ko-KR" altLang="en-US" dirty="0"/>
+                    </a:p>
+                  </a:txBody>
+                  <a:tcPr anchor="ctr"/>
+                </a:tc>
+              </a:tr>
+              <a:tr h="1165428">
+                <a:tc>
+                  <a:txBody>
+                    <a:bodyPr/>
+                    <a:lstStyle/>
+                    <a:p>
+                      <a:pPr algn="ctr" latinLnBrk="1"/>
+                      <a:r>
+                        <a:rPr lang="ko-KR" altLang="en-US" dirty="0" smtClean="0"/>
+                        <a:t>스크롤 바</a:t>
+                      </a:r>
+                      <a:endParaRPr lang="ko-KR" altLang="en-US" dirty="0"/>
+                    </a:p>
+                  </a:txBody>
+                  <a:tcPr anchor="ctr"/>
+                </a:tc>
+                <a:tc>
+                  <a:txBody>
+                    <a:bodyPr/>
+                    <a:lstStyle/>
+                    <a:p>
+                      <a:pPr algn="ctr" latinLnBrk="1"/>
+                      <a:r>
+                        <a:rPr lang="ko-KR" altLang="en-US" dirty="0" smtClean="0"/>
+                        <a:t>친구 </a:t>
+                      </a:r>
+                      <a:r>
+                        <a:rPr lang="en-US" altLang="ko-KR" dirty="0" smtClean="0"/>
+                        <a:t>-&gt; </a:t>
+                      </a:r>
+                      <a:r>
+                        <a:rPr lang="ko-KR" altLang="en-US" dirty="0" smtClean="0"/>
+                        <a:t>다 보여</a:t>
+                      </a:r>
+                      <a:endParaRPr lang="en-US" altLang="ko-KR" dirty="0" smtClean="0"/>
+                    </a:p>
+                    <a:p>
+                      <a:pPr algn="ctr" latinLnBrk="1"/>
+                      <a:r>
+                        <a:rPr lang="ko-KR" altLang="en-US" dirty="0" smtClean="0"/>
+                        <a:t>세계 </a:t>
+                      </a:r>
+                      <a:r>
+                        <a:rPr lang="en-US" altLang="ko-KR" dirty="0" smtClean="0"/>
+                        <a:t>-&gt; 100</a:t>
+                      </a:r>
+                      <a:r>
+                        <a:rPr lang="ko-KR" altLang="en-US" dirty="0" smtClean="0"/>
+                        <a:t>위</a:t>
+                      </a:r>
                       <a:endParaRPr lang="ko-KR" altLang="en-US" dirty="0"/>
                     </a:p>
                   </a:txBody>
@@ -7386,6 +7814,1086 @@
           </a:p>
         </p:txBody>
       </p:sp>
+      <p:graphicFrame>
+        <p:nvGraphicFramePr>
+          <p:cNvPr id="9" name="표 8"/>
+          <p:cNvGraphicFramePr>
+            <a:graphicFrameLocks noGrp="1"/>
+          </p:cNvGraphicFramePr>
+          <p:nvPr>
+            <p:extLst>
+              <p:ext uri="{D42A27DB-BD31-4B8C-83A1-F6EECF244321}">
+                <p14:modId xmlns:p14="http://schemas.microsoft.com/office/powerpoint/2010/main" val="1228373650"/>
+              </p:ext>
+            </p:extLst>
+          </p:nvPr>
+        </p:nvGraphicFramePr>
+        <p:xfrm>
+          <a:off x="1467067" y="1219201"/>
+          <a:ext cx="3551332" cy="3047992"/>
+        </p:xfrm>
+        <a:graphic>
+          <a:graphicData uri="http://schemas.openxmlformats.org/drawingml/2006/table">
+            <a:tbl>
+              <a:tblPr bandRow="1">
+                <a:tableStyleId>{21E4AEA4-8DFA-4A89-87EB-49C32662AFE0}</a:tableStyleId>
+              </a:tblPr>
+              <a:tblGrid>
+                <a:gridCol w="555189"/>
+                <a:gridCol w="653210"/>
+                <a:gridCol w="887720"/>
+                <a:gridCol w="636280"/>
+                <a:gridCol w="818933"/>
+              </a:tblGrid>
+              <a:tr h="380999">
+                <a:tc>
+                  <a:txBody>
+                    <a:bodyPr/>
+                    <a:lstStyle/>
+                    <a:p>
+                      <a:pPr algn="ctr" latinLnBrk="1"/>
+                      <a:r>
+                        <a:rPr lang="en-US" altLang="ko-KR" sz="1200" dirty="0" smtClean="0"/>
+                        <a:t>1</a:t>
+                      </a:r>
+                      <a:endParaRPr lang="ko-KR" altLang="en-US" sz="1200" dirty="0"/>
+                    </a:p>
+                  </a:txBody>
+                  <a:tcPr anchor="ctr"/>
+                </a:tc>
+                <a:tc>
+                  <a:txBody>
+                    <a:bodyPr/>
+                    <a:lstStyle/>
+                    <a:p>
+                      <a:pPr algn="ctr" latinLnBrk="1"/>
+                      <a:r>
+                        <a:rPr lang="ko-KR" altLang="en-US" sz="1200" kern="1200" dirty="0" smtClean="0">
+                          <a:solidFill>
+                            <a:schemeClr val="dk1"/>
+                          </a:solidFill>
+                          <a:latin typeface="+mn-lt"/>
+                          <a:ea typeface="+mn-ea"/>
+                          <a:cs typeface="+mn-cs"/>
+                        </a:rPr>
+                        <a:t>이미지</a:t>
+                      </a:r>
+                      <a:endParaRPr lang="ko-KR" altLang="en-US" sz="1200" kern="1200" dirty="0">
+                        <a:solidFill>
+                          <a:schemeClr val="dk1"/>
+                        </a:solidFill>
+                        <a:latin typeface="+mn-lt"/>
+                        <a:ea typeface="+mn-ea"/>
+                        <a:cs typeface="+mn-cs"/>
+                      </a:endParaRPr>
+                    </a:p>
+                  </a:txBody>
+                  <a:tcPr anchor="ctr"/>
+                </a:tc>
+                <a:tc>
+                  <a:txBody>
+                    <a:bodyPr/>
+                    <a:lstStyle/>
+                    <a:p>
+                      <a:pPr algn="ctr" latinLnBrk="1"/>
+                      <a:r>
+                        <a:rPr lang="ko-KR" altLang="en-US" sz="1200" dirty="0" smtClean="0"/>
+                        <a:t>하하하</a:t>
+                      </a:r>
+                      <a:endParaRPr lang="ko-KR" altLang="en-US" sz="1200" dirty="0"/>
+                    </a:p>
+                  </a:txBody>
+                  <a:tcPr anchor="ctr"/>
+                </a:tc>
+                <a:tc>
+                  <a:txBody>
+                    <a:bodyPr/>
+                    <a:lstStyle/>
+                    <a:p>
+                      <a:pPr algn="ctr" latinLnBrk="1"/>
+                      <a:r>
+                        <a:rPr lang="ko-KR" altLang="en-US" sz="1200" dirty="0" smtClean="0"/>
+                        <a:t>별</a:t>
+                      </a:r>
+                      <a:r>
+                        <a:rPr lang="ko-KR" altLang="en-US" sz="1200" baseline="0" dirty="0" smtClean="0"/>
+                        <a:t> </a:t>
+                      </a:r>
+                      <a:r>
+                        <a:rPr lang="en-US" altLang="ko-KR" sz="1200" dirty="0" smtClean="0"/>
+                        <a:t>X 5</a:t>
+                      </a:r>
+                      <a:endParaRPr lang="ko-KR" altLang="en-US" sz="1200" dirty="0"/>
+                    </a:p>
+                  </a:txBody>
+                  <a:tcPr anchor="ctr"/>
+                </a:tc>
+                <a:tc>
+                  <a:txBody>
+                    <a:bodyPr/>
+                    <a:lstStyle/>
+                    <a:p>
+                      <a:pPr algn="ctr" latinLnBrk="1"/>
+                      <a:r>
+                        <a:rPr lang="en-US" altLang="ko-KR" sz="1200" dirty="0" smtClean="0"/>
+                        <a:t>20</a:t>
+                      </a:r>
+                      <a:endParaRPr lang="ko-KR" altLang="en-US" sz="1200" dirty="0"/>
+                    </a:p>
+                  </a:txBody>
+                  <a:tcPr anchor="ctr"/>
+                </a:tc>
+              </a:tr>
+              <a:tr h="380999">
+                <a:tc>
+                  <a:txBody>
+                    <a:bodyPr/>
+                    <a:lstStyle/>
+                    <a:p>
+                      <a:pPr algn="ctr" latinLnBrk="1"/>
+                      <a:r>
+                        <a:rPr lang="en-US" altLang="ko-KR" sz="1200" dirty="0" smtClean="0"/>
+                        <a:t>2</a:t>
+                      </a:r>
+                      <a:endParaRPr lang="ko-KR" altLang="en-US" sz="1200" dirty="0"/>
+                    </a:p>
+                  </a:txBody>
+                  <a:tcPr anchor="ctr"/>
+                </a:tc>
+                <a:tc>
+                  <a:txBody>
+                    <a:bodyPr/>
+                    <a:lstStyle/>
+                    <a:p>
+                      <a:pPr algn="ctr" latinLnBrk="1"/>
+                      <a:endParaRPr lang="ko-KR" altLang="en-US" sz="1200" dirty="0"/>
+                    </a:p>
+                  </a:txBody>
+                  <a:tcPr anchor="ctr"/>
+                </a:tc>
+                <a:tc>
+                  <a:txBody>
+                    <a:bodyPr/>
+                    <a:lstStyle/>
+                    <a:p>
+                      <a:pPr algn="ctr" latinLnBrk="1"/>
+                      <a:r>
+                        <a:rPr lang="en-US" altLang="ko-KR" sz="1200" dirty="0" smtClean="0"/>
+                        <a:t>Jung0313</a:t>
+                      </a:r>
+                      <a:endParaRPr lang="ko-KR" altLang="en-US" sz="1200" dirty="0"/>
+                    </a:p>
+                  </a:txBody>
+                  <a:tcPr anchor="ctr"/>
+                </a:tc>
+                <a:tc>
+                  <a:txBody>
+                    <a:bodyPr/>
+                    <a:lstStyle/>
+                    <a:p>
+                      <a:pPr algn="ctr" latinLnBrk="1"/>
+                      <a:r>
+                        <a:rPr lang="en-US" altLang="ko-KR" sz="1200" dirty="0" smtClean="0"/>
+                        <a:t>1</a:t>
+                      </a:r>
+                      <a:endParaRPr lang="ko-KR" altLang="en-US" sz="1200" dirty="0"/>
+                    </a:p>
+                  </a:txBody>
+                  <a:tcPr anchor="ctr"/>
+                </a:tc>
+                <a:tc>
+                  <a:txBody>
+                    <a:bodyPr/>
+                    <a:lstStyle/>
+                    <a:p>
+                      <a:pPr algn="ctr" latinLnBrk="1"/>
+                      <a:r>
+                        <a:rPr lang="en-US" altLang="ko-KR" sz="1200" dirty="0" smtClean="0"/>
+                        <a:t>10</a:t>
+                      </a:r>
+                      <a:endParaRPr lang="ko-KR" altLang="en-US" sz="1200" dirty="0"/>
+                    </a:p>
+                  </a:txBody>
+                  <a:tcPr anchor="ctr"/>
+                </a:tc>
+              </a:tr>
+              <a:tr h="380999">
+                <a:tc>
+                  <a:txBody>
+                    <a:bodyPr/>
+                    <a:lstStyle/>
+                    <a:p>
+                      <a:pPr algn="ctr" latinLnBrk="1"/>
+                      <a:r>
+                        <a:rPr lang="en-US" altLang="ko-KR" sz="1200" dirty="0" smtClean="0"/>
+                        <a:t>3</a:t>
+                      </a:r>
+                      <a:endParaRPr lang="ko-KR" altLang="en-US" sz="1200" dirty="0"/>
+                    </a:p>
+                  </a:txBody>
+                  <a:tcPr anchor="ctr"/>
+                </a:tc>
+                <a:tc>
+                  <a:txBody>
+                    <a:bodyPr/>
+                    <a:lstStyle/>
+                    <a:p>
+                      <a:pPr algn="ctr" latinLnBrk="1"/>
+                      <a:endParaRPr lang="ko-KR" altLang="en-US" sz="1200" dirty="0"/>
+                    </a:p>
+                  </a:txBody>
+                  <a:tcPr anchor="ctr"/>
+                </a:tc>
+                <a:tc>
+                  <a:txBody>
+                    <a:bodyPr/>
+                    <a:lstStyle/>
+                    <a:p>
+                      <a:pPr algn="ctr" latinLnBrk="1"/>
+                      <a:endParaRPr lang="ko-KR" altLang="en-US" sz="1200" dirty="0"/>
+                    </a:p>
+                  </a:txBody>
+                  <a:tcPr anchor="ctr"/>
+                </a:tc>
+                <a:tc>
+                  <a:txBody>
+                    <a:bodyPr/>
+                    <a:lstStyle/>
+                    <a:p>
+                      <a:pPr algn="ctr" latinLnBrk="1"/>
+                      <a:endParaRPr lang="ko-KR" altLang="en-US" sz="1200" dirty="0"/>
+                    </a:p>
+                  </a:txBody>
+                  <a:tcPr anchor="ctr"/>
+                </a:tc>
+                <a:tc>
+                  <a:txBody>
+                    <a:bodyPr/>
+                    <a:lstStyle/>
+                    <a:p>
+                      <a:pPr algn="ctr" latinLnBrk="1"/>
+                      <a:endParaRPr lang="ko-KR" altLang="en-US" sz="1200" dirty="0"/>
+                    </a:p>
+                  </a:txBody>
+                  <a:tcPr anchor="ctr"/>
+                </a:tc>
+              </a:tr>
+              <a:tr h="380999">
+                <a:tc>
+                  <a:txBody>
+                    <a:bodyPr/>
+                    <a:lstStyle/>
+                    <a:p>
+                      <a:pPr algn="ctr" latinLnBrk="1"/>
+                      <a:r>
+                        <a:rPr lang="en-US" altLang="ko-KR" sz="1200" dirty="0" smtClean="0"/>
+                        <a:t>4</a:t>
+                      </a:r>
+                      <a:endParaRPr lang="ko-KR" altLang="en-US" sz="1200" dirty="0"/>
+                    </a:p>
+                  </a:txBody>
+                  <a:tcPr anchor="ctr"/>
+                </a:tc>
+                <a:tc>
+                  <a:txBody>
+                    <a:bodyPr/>
+                    <a:lstStyle/>
+                    <a:p>
+                      <a:pPr algn="ctr" latinLnBrk="1"/>
+                      <a:endParaRPr lang="ko-KR" altLang="en-US" sz="1200" dirty="0"/>
+                    </a:p>
+                  </a:txBody>
+                  <a:tcPr anchor="ctr"/>
+                </a:tc>
+                <a:tc>
+                  <a:txBody>
+                    <a:bodyPr/>
+                    <a:lstStyle/>
+                    <a:p>
+                      <a:pPr algn="ctr" latinLnBrk="1"/>
+                      <a:endParaRPr lang="ko-KR" altLang="en-US" sz="1200" dirty="0"/>
+                    </a:p>
+                  </a:txBody>
+                  <a:tcPr anchor="ctr"/>
+                </a:tc>
+                <a:tc>
+                  <a:txBody>
+                    <a:bodyPr/>
+                    <a:lstStyle/>
+                    <a:p>
+                      <a:pPr algn="ctr" latinLnBrk="1"/>
+                      <a:endParaRPr lang="ko-KR" altLang="en-US" sz="1200" dirty="0"/>
+                    </a:p>
+                  </a:txBody>
+                  <a:tcPr anchor="ctr"/>
+                </a:tc>
+                <a:tc>
+                  <a:txBody>
+                    <a:bodyPr/>
+                    <a:lstStyle/>
+                    <a:p>
+                      <a:pPr algn="ctr" latinLnBrk="1"/>
+                      <a:endParaRPr lang="ko-KR" altLang="en-US" sz="1200" dirty="0"/>
+                    </a:p>
+                  </a:txBody>
+                  <a:tcPr anchor="ctr"/>
+                </a:tc>
+              </a:tr>
+              <a:tr h="380999">
+                <a:tc>
+                  <a:txBody>
+                    <a:bodyPr/>
+                    <a:lstStyle/>
+                    <a:p>
+                      <a:pPr algn="ctr" latinLnBrk="1"/>
+                      <a:r>
+                        <a:rPr lang="en-US" altLang="ko-KR" sz="1200" dirty="0" smtClean="0"/>
+                        <a:t>5</a:t>
+                      </a:r>
+                      <a:endParaRPr lang="ko-KR" altLang="en-US" sz="1200" dirty="0"/>
+                    </a:p>
+                  </a:txBody>
+                  <a:tcPr anchor="ctr">
+                    <a:lnB w="12700" cap="flat" cmpd="sng" algn="ctr">
+                      <a:solidFill>
+                        <a:schemeClr val="tx1"/>
+                      </a:solidFill>
+                      <a:prstDash val="solid"/>
+                      <a:round/>
+                      <a:headEnd type="none" w="med" len="med"/>
+                      <a:tailEnd type="none" w="med" len="med"/>
+                    </a:lnB>
+                  </a:tcPr>
+                </a:tc>
+                <a:tc>
+                  <a:txBody>
+                    <a:bodyPr/>
+                    <a:lstStyle/>
+                    <a:p>
+                      <a:pPr algn="ctr" latinLnBrk="1"/>
+                      <a:endParaRPr lang="ko-KR" altLang="en-US" sz="1200" dirty="0"/>
+                    </a:p>
+                  </a:txBody>
+                  <a:tcPr anchor="ctr">
+                    <a:lnB w="12700" cap="flat" cmpd="sng" algn="ctr">
+                      <a:solidFill>
+                        <a:schemeClr val="tx1"/>
+                      </a:solidFill>
+                      <a:prstDash val="solid"/>
+                      <a:round/>
+                      <a:headEnd type="none" w="med" len="med"/>
+                      <a:tailEnd type="none" w="med" len="med"/>
+                    </a:lnB>
+                  </a:tcPr>
+                </a:tc>
+                <a:tc>
+                  <a:txBody>
+                    <a:bodyPr/>
+                    <a:lstStyle/>
+                    <a:p>
+                      <a:pPr algn="ctr" latinLnBrk="1"/>
+                      <a:endParaRPr lang="ko-KR" altLang="en-US" sz="1200" dirty="0"/>
+                    </a:p>
+                  </a:txBody>
+                  <a:tcPr anchor="ctr">
+                    <a:lnB w="12700" cap="flat" cmpd="sng" algn="ctr">
+                      <a:solidFill>
+                        <a:schemeClr val="tx1"/>
+                      </a:solidFill>
+                      <a:prstDash val="solid"/>
+                      <a:round/>
+                      <a:headEnd type="none" w="med" len="med"/>
+                      <a:tailEnd type="none" w="med" len="med"/>
+                    </a:lnB>
+                  </a:tcPr>
+                </a:tc>
+                <a:tc>
+                  <a:txBody>
+                    <a:bodyPr/>
+                    <a:lstStyle/>
+                    <a:p>
+                      <a:pPr algn="ctr" latinLnBrk="1"/>
+                      <a:endParaRPr lang="ko-KR" altLang="en-US" sz="1200" dirty="0"/>
+                    </a:p>
+                  </a:txBody>
+                  <a:tcPr anchor="ctr">
+                    <a:lnB w="12700" cap="flat" cmpd="sng" algn="ctr">
+                      <a:solidFill>
+                        <a:schemeClr val="tx1"/>
+                      </a:solidFill>
+                      <a:prstDash val="solid"/>
+                      <a:round/>
+                      <a:headEnd type="none" w="med" len="med"/>
+                      <a:tailEnd type="none" w="med" len="med"/>
+                    </a:lnB>
+                  </a:tcPr>
+                </a:tc>
+                <a:tc>
+                  <a:txBody>
+                    <a:bodyPr/>
+                    <a:lstStyle/>
+                    <a:p>
+                      <a:pPr algn="ctr" latinLnBrk="1"/>
+                      <a:endParaRPr lang="ko-KR" altLang="en-US" sz="1200" dirty="0"/>
+                    </a:p>
+                  </a:txBody>
+                  <a:tcPr anchor="ctr">
+                    <a:lnB w="12700" cap="flat" cmpd="sng" algn="ctr">
+                      <a:solidFill>
+                        <a:schemeClr val="tx1"/>
+                      </a:solidFill>
+                      <a:prstDash val="solid"/>
+                      <a:round/>
+                      <a:headEnd type="none" w="med" len="med"/>
+                      <a:tailEnd type="none" w="med" len="med"/>
+                    </a:lnB>
+                  </a:tcPr>
+                </a:tc>
+              </a:tr>
+              <a:tr h="380999">
+                <a:tc>
+                  <a:txBody>
+                    <a:bodyPr/>
+                    <a:lstStyle/>
+                    <a:p>
+                      <a:pPr algn="ctr" latinLnBrk="1"/>
+                      <a:r>
+                        <a:rPr lang="en-US" altLang="ko-KR" sz="1200" dirty="0" smtClean="0">
+                          <a:solidFill>
+                            <a:sysClr val="windowText" lastClr="000000"/>
+                          </a:solidFill>
+                        </a:rPr>
+                        <a:t>6</a:t>
+                      </a:r>
+                      <a:endParaRPr lang="ko-KR" altLang="en-US" sz="1200" dirty="0">
+                        <a:solidFill>
+                          <a:sysClr val="windowText" lastClr="000000"/>
+                        </a:solidFill>
+                      </a:endParaRPr>
+                    </a:p>
+                  </a:txBody>
+                  <a:tcPr anchor="ctr">
+                    <a:lnL w="12700" cap="flat" cmpd="sng" algn="ctr">
+                      <a:solidFill>
+                        <a:schemeClr val="tx1"/>
+                      </a:solidFill>
+                      <a:prstDash val="solid"/>
+                      <a:round/>
+                      <a:headEnd type="none" w="med" len="med"/>
+                      <a:tailEnd type="none" w="med" len="med"/>
+                    </a:lnL>
+                    <a:lnT w="12700" cap="flat" cmpd="sng" algn="ctr">
+                      <a:solidFill>
+                        <a:schemeClr val="tx1"/>
+                      </a:solidFill>
+                      <a:prstDash val="solid"/>
+                      <a:round/>
+                      <a:headEnd type="none" w="med" len="med"/>
+                      <a:tailEnd type="none" w="med" len="med"/>
+                    </a:lnT>
+                    <a:lnB w="12700" cap="flat" cmpd="sng" algn="ctr">
+                      <a:solidFill>
+                        <a:schemeClr val="tx1"/>
+                      </a:solidFill>
+                      <a:prstDash val="solid"/>
+                      <a:round/>
+                      <a:headEnd type="none" w="med" len="med"/>
+                      <a:tailEnd type="none" w="med" len="med"/>
+                    </a:lnB>
+                    <a:solidFill>
+                      <a:schemeClr val="accent4">
+                        <a:lumMod val="60000"/>
+                        <a:lumOff val="40000"/>
+                      </a:schemeClr>
+                    </a:solidFill>
+                  </a:tcPr>
+                </a:tc>
+                <a:tc>
+                  <a:txBody>
+                    <a:bodyPr/>
+                    <a:lstStyle/>
+                    <a:p>
+                      <a:pPr algn="ctr" latinLnBrk="1"/>
+                      <a:endParaRPr lang="ko-KR" altLang="en-US" sz="1200" dirty="0">
+                        <a:solidFill>
+                          <a:sysClr val="windowText" lastClr="000000"/>
+                        </a:solidFill>
+                      </a:endParaRPr>
+                    </a:p>
+                  </a:txBody>
+                  <a:tcPr anchor="ctr">
+                    <a:lnT w="12700" cap="flat" cmpd="sng" algn="ctr">
+                      <a:solidFill>
+                        <a:schemeClr val="tx1"/>
+                      </a:solidFill>
+                      <a:prstDash val="solid"/>
+                      <a:round/>
+                      <a:headEnd type="none" w="med" len="med"/>
+                      <a:tailEnd type="none" w="med" len="med"/>
+                    </a:lnT>
+                    <a:lnB w="12700" cap="flat" cmpd="sng" algn="ctr">
+                      <a:solidFill>
+                        <a:schemeClr val="tx1"/>
+                      </a:solidFill>
+                      <a:prstDash val="solid"/>
+                      <a:round/>
+                      <a:headEnd type="none" w="med" len="med"/>
+                      <a:tailEnd type="none" w="med" len="med"/>
+                    </a:lnB>
+                    <a:solidFill>
+                      <a:schemeClr val="accent4">
+                        <a:lumMod val="60000"/>
+                        <a:lumOff val="40000"/>
+                      </a:schemeClr>
+                    </a:solidFill>
+                  </a:tcPr>
+                </a:tc>
+                <a:tc>
+                  <a:txBody>
+                    <a:bodyPr/>
+                    <a:lstStyle/>
+                    <a:p>
+                      <a:pPr algn="ctr" latinLnBrk="1"/>
+                      <a:r>
+                        <a:rPr lang="ko-KR" altLang="en-US" sz="1200" dirty="0" err="1" smtClean="0">
+                          <a:solidFill>
+                            <a:sysClr val="windowText" lastClr="000000"/>
+                          </a:solidFill>
+                        </a:rPr>
+                        <a:t>ㅇㄴㅇ</a:t>
+                      </a:r>
+                      <a:endParaRPr lang="ko-KR" altLang="en-US" sz="1200" dirty="0">
+                        <a:solidFill>
+                          <a:sysClr val="windowText" lastClr="000000"/>
+                        </a:solidFill>
+                      </a:endParaRPr>
+                    </a:p>
+                  </a:txBody>
+                  <a:tcPr anchor="ctr">
+                    <a:lnT w="12700" cap="flat" cmpd="sng" algn="ctr">
+                      <a:solidFill>
+                        <a:schemeClr val="tx1"/>
+                      </a:solidFill>
+                      <a:prstDash val="solid"/>
+                      <a:round/>
+                      <a:headEnd type="none" w="med" len="med"/>
+                      <a:tailEnd type="none" w="med" len="med"/>
+                    </a:lnT>
+                    <a:lnB w="12700" cap="flat" cmpd="sng" algn="ctr">
+                      <a:solidFill>
+                        <a:schemeClr val="tx1"/>
+                      </a:solidFill>
+                      <a:prstDash val="solid"/>
+                      <a:round/>
+                      <a:headEnd type="none" w="med" len="med"/>
+                      <a:tailEnd type="none" w="med" len="med"/>
+                    </a:lnB>
+                    <a:solidFill>
+                      <a:schemeClr val="accent4">
+                        <a:lumMod val="60000"/>
+                        <a:lumOff val="40000"/>
+                      </a:schemeClr>
+                    </a:solidFill>
+                  </a:tcPr>
+                </a:tc>
+                <a:tc>
+                  <a:txBody>
+                    <a:bodyPr/>
+                    <a:lstStyle/>
+                    <a:p>
+                      <a:pPr algn="ctr" latinLnBrk="1"/>
+                      <a:r>
+                        <a:rPr lang="en-US" altLang="ko-KR" sz="1200" dirty="0" smtClean="0">
+                          <a:solidFill>
+                            <a:sysClr val="windowText" lastClr="000000"/>
+                          </a:solidFill>
+                        </a:rPr>
+                        <a:t>2</a:t>
+                      </a:r>
+                      <a:endParaRPr lang="ko-KR" altLang="en-US" sz="1200" dirty="0">
+                        <a:solidFill>
+                          <a:sysClr val="windowText" lastClr="000000"/>
+                        </a:solidFill>
+                      </a:endParaRPr>
+                    </a:p>
+                  </a:txBody>
+                  <a:tcPr anchor="ctr">
+                    <a:lnT w="12700" cap="flat" cmpd="sng" algn="ctr">
+                      <a:solidFill>
+                        <a:schemeClr val="tx1"/>
+                      </a:solidFill>
+                      <a:prstDash val="solid"/>
+                      <a:round/>
+                      <a:headEnd type="none" w="med" len="med"/>
+                      <a:tailEnd type="none" w="med" len="med"/>
+                    </a:lnT>
+                    <a:lnB w="12700" cap="flat" cmpd="sng" algn="ctr">
+                      <a:solidFill>
+                        <a:schemeClr val="tx1"/>
+                      </a:solidFill>
+                      <a:prstDash val="solid"/>
+                      <a:round/>
+                      <a:headEnd type="none" w="med" len="med"/>
+                      <a:tailEnd type="none" w="med" len="med"/>
+                    </a:lnB>
+                    <a:solidFill>
+                      <a:schemeClr val="accent4">
+                        <a:lumMod val="60000"/>
+                        <a:lumOff val="40000"/>
+                      </a:schemeClr>
+                    </a:solidFill>
+                  </a:tcPr>
+                </a:tc>
+                <a:tc>
+                  <a:txBody>
+                    <a:bodyPr/>
+                    <a:lstStyle/>
+                    <a:p>
+                      <a:pPr algn="ctr" latinLnBrk="1"/>
+                      <a:r>
+                        <a:rPr lang="en-US" altLang="ko-KR" sz="1200" dirty="0" smtClean="0">
+                          <a:solidFill>
+                            <a:sysClr val="windowText" lastClr="000000"/>
+                          </a:solidFill>
+                        </a:rPr>
+                        <a:t>1</a:t>
+                      </a:r>
+                      <a:endParaRPr lang="ko-KR" altLang="en-US" sz="1200" dirty="0">
+                        <a:solidFill>
+                          <a:sysClr val="windowText" lastClr="000000"/>
+                        </a:solidFill>
+                      </a:endParaRPr>
+                    </a:p>
+                  </a:txBody>
+                  <a:tcPr anchor="ctr">
+                    <a:lnR w="12700" cap="flat" cmpd="sng" algn="ctr">
+                      <a:solidFill>
+                        <a:schemeClr val="tx1"/>
+                      </a:solidFill>
+                      <a:prstDash val="solid"/>
+                      <a:round/>
+                      <a:headEnd type="none" w="med" len="med"/>
+                      <a:tailEnd type="none" w="med" len="med"/>
+                    </a:lnR>
+                    <a:lnT w="12700" cap="flat" cmpd="sng" algn="ctr">
+                      <a:solidFill>
+                        <a:schemeClr val="tx1"/>
+                      </a:solidFill>
+                      <a:prstDash val="solid"/>
+                      <a:round/>
+                      <a:headEnd type="none" w="med" len="med"/>
+                      <a:tailEnd type="none" w="med" len="med"/>
+                    </a:lnT>
+                    <a:lnB w="12700" cap="flat" cmpd="sng" algn="ctr">
+                      <a:solidFill>
+                        <a:schemeClr val="tx1"/>
+                      </a:solidFill>
+                      <a:prstDash val="solid"/>
+                      <a:round/>
+                      <a:headEnd type="none" w="med" len="med"/>
+                      <a:tailEnd type="none" w="med" len="med"/>
+                    </a:lnB>
+                    <a:solidFill>
+                      <a:schemeClr val="accent4">
+                        <a:lumMod val="60000"/>
+                        <a:lumOff val="40000"/>
+                      </a:schemeClr>
+                    </a:solidFill>
+                  </a:tcPr>
+                </a:tc>
+              </a:tr>
+              <a:tr h="380999">
+                <a:tc>
+                  <a:txBody>
+                    <a:bodyPr/>
+                    <a:lstStyle/>
+                    <a:p>
+                      <a:pPr algn="ctr" latinLnBrk="1"/>
+                      <a:endParaRPr lang="ko-KR" altLang="en-US" sz="1200" dirty="0"/>
+                    </a:p>
+                  </a:txBody>
+                  <a:tcPr anchor="ctr">
+                    <a:lnT w="12700" cap="flat" cmpd="sng" algn="ctr">
+                      <a:solidFill>
+                        <a:schemeClr val="tx1"/>
+                      </a:solidFill>
+                      <a:prstDash val="solid"/>
+                      <a:round/>
+                      <a:headEnd type="none" w="med" len="med"/>
+                      <a:tailEnd type="none" w="med" len="med"/>
+                    </a:lnT>
+                  </a:tcPr>
+                </a:tc>
+                <a:tc>
+                  <a:txBody>
+                    <a:bodyPr/>
+                    <a:lstStyle/>
+                    <a:p>
+                      <a:pPr algn="ctr" latinLnBrk="1"/>
+                      <a:endParaRPr lang="ko-KR" altLang="en-US" sz="1200" dirty="0"/>
+                    </a:p>
+                  </a:txBody>
+                  <a:tcPr anchor="ctr">
+                    <a:lnT w="12700" cap="flat" cmpd="sng" algn="ctr">
+                      <a:solidFill>
+                        <a:schemeClr val="tx1"/>
+                      </a:solidFill>
+                      <a:prstDash val="solid"/>
+                      <a:round/>
+                      <a:headEnd type="none" w="med" len="med"/>
+                      <a:tailEnd type="none" w="med" len="med"/>
+                    </a:lnT>
+                  </a:tcPr>
+                </a:tc>
+                <a:tc>
+                  <a:txBody>
+                    <a:bodyPr/>
+                    <a:lstStyle/>
+                    <a:p>
+                      <a:pPr algn="ctr" latinLnBrk="1"/>
+                      <a:endParaRPr lang="ko-KR" altLang="en-US" sz="1200" dirty="0"/>
+                    </a:p>
+                  </a:txBody>
+                  <a:tcPr anchor="ctr">
+                    <a:lnT w="12700" cap="flat" cmpd="sng" algn="ctr">
+                      <a:solidFill>
+                        <a:schemeClr val="tx1"/>
+                      </a:solidFill>
+                      <a:prstDash val="solid"/>
+                      <a:round/>
+                      <a:headEnd type="none" w="med" len="med"/>
+                      <a:tailEnd type="none" w="med" len="med"/>
+                    </a:lnT>
+                  </a:tcPr>
+                </a:tc>
+                <a:tc>
+                  <a:txBody>
+                    <a:bodyPr/>
+                    <a:lstStyle/>
+                    <a:p>
+                      <a:pPr algn="ctr" latinLnBrk="1"/>
+                      <a:endParaRPr lang="ko-KR" altLang="en-US" sz="1200" dirty="0"/>
+                    </a:p>
+                  </a:txBody>
+                  <a:tcPr anchor="ctr">
+                    <a:lnT w="12700" cap="flat" cmpd="sng" algn="ctr">
+                      <a:solidFill>
+                        <a:schemeClr val="tx1"/>
+                      </a:solidFill>
+                      <a:prstDash val="solid"/>
+                      <a:round/>
+                      <a:headEnd type="none" w="med" len="med"/>
+                      <a:tailEnd type="none" w="med" len="med"/>
+                    </a:lnT>
+                  </a:tcPr>
+                </a:tc>
+                <a:tc>
+                  <a:txBody>
+                    <a:bodyPr/>
+                    <a:lstStyle/>
+                    <a:p>
+                      <a:pPr algn="ctr" latinLnBrk="1"/>
+                      <a:endParaRPr lang="ko-KR" altLang="en-US" sz="1200" dirty="0"/>
+                    </a:p>
+                  </a:txBody>
+                  <a:tcPr anchor="ctr">
+                    <a:lnT w="12700" cap="flat" cmpd="sng" algn="ctr">
+                      <a:solidFill>
+                        <a:schemeClr val="tx1"/>
+                      </a:solidFill>
+                      <a:prstDash val="solid"/>
+                      <a:round/>
+                      <a:headEnd type="none" w="med" len="med"/>
+                      <a:tailEnd type="none" w="med" len="med"/>
+                    </a:lnT>
+                  </a:tcPr>
+                </a:tc>
+              </a:tr>
+              <a:tr h="380999">
+                <a:tc>
+                  <a:txBody>
+                    <a:bodyPr/>
+                    <a:lstStyle/>
+                    <a:p>
+                      <a:pPr algn="ctr" latinLnBrk="1"/>
+                      <a:endParaRPr lang="ko-KR" altLang="en-US" sz="1200" dirty="0"/>
+                    </a:p>
+                  </a:txBody>
+                  <a:tcPr anchor="ctr"/>
+                </a:tc>
+                <a:tc>
+                  <a:txBody>
+                    <a:bodyPr/>
+                    <a:lstStyle/>
+                    <a:p>
+                      <a:pPr algn="ctr" latinLnBrk="1"/>
+                      <a:endParaRPr lang="ko-KR" altLang="en-US" sz="1200" dirty="0"/>
+                    </a:p>
+                  </a:txBody>
+                  <a:tcPr anchor="ctr"/>
+                </a:tc>
+                <a:tc>
+                  <a:txBody>
+                    <a:bodyPr/>
+                    <a:lstStyle/>
+                    <a:p>
+                      <a:pPr algn="ctr" latinLnBrk="1"/>
+                      <a:endParaRPr lang="ko-KR" altLang="en-US" sz="1200" dirty="0"/>
+                    </a:p>
+                  </a:txBody>
+                  <a:tcPr anchor="ctr"/>
+                </a:tc>
+                <a:tc>
+                  <a:txBody>
+                    <a:bodyPr/>
+                    <a:lstStyle/>
+                    <a:p>
+                      <a:pPr algn="ctr" latinLnBrk="1"/>
+                      <a:endParaRPr lang="ko-KR" altLang="en-US" sz="1200" dirty="0"/>
+                    </a:p>
+                  </a:txBody>
+                  <a:tcPr anchor="ctr"/>
+                </a:tc>
+                <a:tc>
+                  <a:txBody>
+                    <a:bodyPr/>
+                    <a:lstStyle/>
+                    <a:p>
+                      <a:pPr algn="ctr" latinLnBrk="1"/>
+                      <a:endParaRPr lang="ko-KR" altLang="en-US" sz="1200" dirty="0"/>
+                    </a:p>
+                  </a:txBody>
+                  <a:tcPr anchor="ctr"/>
+                </a:tc>
+              </a:tr>
+            </a:tbl>
+          </a:graphicData>
+        </a:graphic>
+      </p:graphicFrame>
+      <p:sp>
+        <p:nvSpPr>
+          <p:cNvPr id="13" name="모서리가 둥근 직사각형 12"/>
+          <p:cNvSpPr/>
+          <p:nvPr/>
+        </p:nvSpPr>
+        <p:spPr>
+          <a:xfrm>
+            <a:off x="3072404" y="880534"/>
+            <a:ext cx="694266" cy="228600"/>
+          </a:xfrm>
+          <a:prstGeom prst="roundRect">
+            <a:avLst/>
+          </a:prstGeom>
+        </p:spPr>
+        <p:style>
+          <a:lnRef idx="2">
+            <a:schemeClr val="accent4">
+              <a:shade val="50000"/>
+            </a:schemeClr>
+          </a:lnRef>
+          <a:fillRef idx="1">
+            <a:schemeClr val="accent4"/>
+          </a:fillRef>
+          <a:effectRef idx="0">
+            <a:schemeClr val="accent4"/>
+          </a:effectRef>
+          <a:fontRef idx="minor">
+            <a:schemeClr val="lt1"/>
+          </a:fontRef>
+        </p:style>
+        <p:txBody>
+          <a:bodyPr rtlCol="0" anchor="ctr"/>
+          <a:lstStyle/>
+          <a:p>
+            <a:pPr algn="ctr"/>
+            <a:r>
+              <a:rPr lang="ko-KR" altLang="en-US" sz="1200" dirty="0" smtClean="0"/>
+              <a:t>별 순</a:t>
+            </a:r>
+            <a:endParaRPr lang="ko-KR" altLang="en-US" sz="1200" dirty="0"/>
+          </a:p>
+        </p:txBody>
+      </p:sp>
+      <p:sp>
+        <p:nvSpPr>
+          <p:cNvPr id="30" name="모서리가 둥근 직사각형 29"/>
+          <p:cNvSpPr/>
+          <p:nvPr/>
+        </p:nvSpPr>
+        <p:spPr>
+          <a:xfrm>
+            <a:off x="3894668" y="880534"/>
+            <a:ext cx="929215" cy="228600"/>
+          </a:xfrm>
+          <a:prstGeom prst="roundRect">
+            <a:avLst/>
+          </a:prstGeom>
+        </p:spPr>
+        <p:style>
+          <a:lnRef idx="2">
+            <a:schemeClr val="accent4">
+              <a:shade val="50000"/>
+            </a:schemeClr>
+          </a:lnRef>
+          <a:fillRef idx="1">
+            <a:schemeClr val="accent4"/>
+          </a:fillRef>
+          <a:effectRef idx="0">
+            <a:schemeClr val="accent4"/>
+          </a:effectRef>
+          <a:fontRef idx="minor">
+            <a:schemeClr val="lt1"/>
+          </a:fontRef>
+        </p:style>
+        <p:txBody>
+          <a:bodyPr rtlCol="0" anchor="ctr"/>
+          <a:lstStyle/>
+          <a:p>
+            <a:pPr algn="ctr"/>
+            <a:r>
+              <a:rPr lang="ko-KR" altLang="en-US" sz="1200" dirty="0" smtClean="0"/>
+              <a:t>점수 순</a:t>
+            </a:r>
+            <a:endParaRPr lang="ko-KR" altLang="en-US" sz="1200" dirty="0"/>
+          </a:p>
+        </p:txBody>
+      </p:sp>
+      <p:graphicFrame>
+        <p:nvGraphicFramePr>
+          <p:cNvPr id="14" name="표 13"/>
+          <p:cNvGraphicFramePr>
+            <a:graphicFrameLocks noGrp="1"/>
+          </p:cNvGraphicFramePr>
+          <p:nvPr>
+            <p:extLst>
+              <p:ext uri="{D42A27DB-BD31-4B8C-83A1-F6EECF244321}">
+                <p14:modId xmlns:p14="http://schemas.microsoft.com/office/powerpoint/2010/main" val="2836024127"/>
+              </p:ext>
+            </p:extLst>
+          </p:nvPr>
+        </p:nvGraphicFramePr>
+        <p:xfrm>
+          <a:off x="1494365" y="4926107"/>
+          <a:ext cx="3564467" cy="440267"/>
+        </p:xfrm>
+        <a:graphic>
+          <a:graphicData uri="http://schemas.openxmlformats.org/drawingml/2006/table">
+            <a:tbl>
+              <a:tblPr firstRow="1" bandRow="1">
+                <a:tableStyleId>{5C22544A-7EE6-4342-B048-85BDC9FD1C3A}</a:tableStyleId>
+              </a:tblPr>
+              <a:tblGrid>
+                <a:gridCol w="676589"/>
+                <a:gridCol w="1105645"/>
+                <a:gridCol w="618831"/>
+                <a:gridCol w="1163402"/>
+              </a:tblGrid>
+              <a:tr h="440267">
+                <a:tc>
+                  <a:txBody>
+                    <a:bodyPr/>
+                    <a:lstStyle/>
+                    <a:p>
+                      <a:pPr algn="ctr" latinLnBrk="1"/>
+                      <a:r>
+                        <a:rPr lang="en-US" altLang="ko-KR" dirty="0" smtClean="0"/>
+                        <a:t>6</a:t>
+                      </a:r>
+                      <a:endParaRPr lang="ko-KR" altLang="en-US" dirty="0"/>
+                    </a:p>
+                  </a:txBody>
+                  <a:tcPr anchor="ctr"/>
+                </a:tc>
+                <a:tc>
+                  <a:txBody>
+                    <a:bodyPr/>
+                    <a:lstStyle/>
+                    <a:p>
+                      <a:pPr algn="ctr" latinLnBrk="1"/>
+                      <a:r>
+                        <a:rPr lang="ko-KR" altLang="en-US" dirty="0" err="1" smtClean="0"/>
+                        <a:t>ㅇㄴㅇ</a:t>
+                      </a:r>
+                      <a:endParaRPr lang="ko-KR" altLang="en-US" dirty="0"/>
+                    </a:p>
+                  </a:txBody>
+                  <a:tcPr anchor="ctr"/>
+                </a:tc>
+                <a:tc>
+                  <a:txBody>
+                    <a:bodyPr/>
+                    <a:lstStyle/>
+                    <a:p>
+                      <a:pPr algn="ctr" latinLnBrk="1"/>
+                      <a:r>
+                        <a:rPr lang="en-US" altLang="ko-KR" dirty="0" smtClean="0"/>
+                        <a:t>2</a:t>
+                      </a:r>
+                      <a:endParaRPr lang="ko-KR" altLang="en-US" dirty="0"/>
+                    </a:p>
+                  </a:txBody>
+                  <a:tcPr anchor="ctr"/>
+                </a:tc>
+                <a:tc>
+                  <a:txBody>
+                    <a:bodyPr/>
+                    <a:lstStyle/>
+                    <a:p>
+                      <a:pPr algn="ctr" latinLnBrk="1"/>
+                      <a:r>
+                        <a:rPr lang="en-US" altLang="ko-KR" dirty="0" smtClean="0"/>
+                        <a:t>1</a:t>
+                      </a:r>
+                      <a:endParaRPr lang="ko-KR" altLang="en-US" dirty="0"/>
+                    </a:p>
+                  </a:txBody>
+                  <a:tcPr anchor="ctr"/>
+                </a:tc>
+              </a:tr>
+            </a:tbl>
+          </a:graphicData>
+        </a:graphic>
+      </p:graphicFrame>
+      <p:sp>
+        <p:nvSpPr>
+          <p:cNvPr id="15" name="직사각형 14"/>
+          <p:cNvSpPr/>
+          <p:nvPr/>
+        </p:nvSpPr>
+        <p:spPr>
+          <a:xfrm>
+            <a:off x="5088466" y="1320801"/>
+            <a:ext cx="127000" cy="3368241"/>
+          </a:xfrm>
+          <a:prstGeom prst="rect">
+            <a:avLst/>
+          </a:prstGeom>
+        </p:spPr>
+        <p:style>
+          <a:lnRef idx="2">
+            <a:schemeClr val="accent6">
+              <a:shade val="50000"/>
+            </a:schemeClr>
+          </a:lnRef>
+          <a:fillRef idx="1">
+            <a:schemeClr val="accent6"/>
+          </a:fillRef>
+          <a:effectRef idx="0">
+            <a:schemeClr val="accent6"/>
+          </a:effectRef>
+          <a:fontRef idx="minor">
+            <a:schemeClr val="lt1"/>
+          </a:fontRef>
+        </p:style>
+        <p:txBody>
+          <a:bodyPr rtlCol="0" anchor="ctr"/>
+          <a:lstStyle/>
+          <a:p>
+            <a:pPr algn="ctr"/>
+            <a:endParaRPr lang="ko-KR" altLang="en-US"/>
+          </a:p>
+        </p:txBody>
+      </p:sp>
       <p:sp>
         <p:nvSpPr>
           <p:cNvPr id="35" name="직사각형 34"/>
@@ -7430,142 +8938,10 @@
           </a:p>
         </p:txBody>
       </p:sp>
-      <p:sp>
-        <p:nvSpPr>
-          <p:cNvPr id="2" name="직사각형 1"/>
-          <p:cNvSpPr/>
-          <p:nvPr/>
-        </p:nvSpPr>
-        <p:spPr>
-          <a:xfrm>
-            <a:off x="3419537" y="5088467"/>
-            <a:ext cx="1405466" cy="452221"/>
-          </a:xfrm>
-          <a:prstGeom prst="rect">
-            <a:avLst/>
-          </a:prstGeom>
-          <a:solidFill>
-            <a:schemeClr val="accent4">
-              <a:lumMod val="60000"/>
-              <a:lumOff val="40000"/>
-            </a:schemeClr>
-          </a:solidFill>
-        </p:spPr>
-        <p:style>
-          <a:lnRef idx="2">
-            <a:schemeClr val="accent1">
-              <a:shade val="50000"/>
-            </a:schemeClr>
-          </a:lnRef>
-          <a:fillRef idx="1">
-            <a:schemeClr val="accent1"/>
-          </a:fillRef>
-          <a:effectRef idx="0">
-            <a:schemeClr val="accent1"/>
-          </a:effectRef>
-          <a:fontRef idx="minor">
-            <a:schemeClr val="lt1"/>
-          </a:fontRef>
-        </p:style>
-        <p:txBody>
-          <a:bodyPr rtlCol="0" anchor="ctr"/>
-          <a:lstStyle/>
-          <a:p>
-            <a:pPr algn="ctr"/>
-            <a:r>
-              <a:rPr lang="en-US" altLang="ko-KR" dirty="0" smtClean="0"/>
-              <a:t>Facebook</a:t>
-            </a:r>
-            <a:endParaRPr lang="ko-KR" altLang="en-US" dirty="0"/>
-          </a:p>
-        </p:txBody>
-      </p:sp>
-      <p:sp>
-        <p:nvSpPr>
-          <p:cNvPr id="8" name="TextBox 7"/>
-          <p:cNvSpPr txBox="1"/>
-          <p:nvPr/>
-        </p:nvSpPr>
-        <p:spPr>
-          <a:xfrm>
-            <a:off x="1661413" y="4729142"/>
-            <a:ext cx="3230372" cy="307777"/>
-          </a:xfrm>
-          <a:prstGeom prst="rect">
-            <a:avLst/>
-          </a:prstGeom>
-          <a:noFill/>
-        </p:spPr>
-        <p:txBody>
-          <a:bodyPr wrap="none" rtlCol="0">
-            <a:spAutoFit/>
-          </a:bodyPr>
-          <a:lstStyle/>
-          <a:p>
-            <a:r>
-              <a:rPr lang="ko-KR" altLang="en-US" sz="1400" dirty="0" smtClean="0"/>
-              <a:t>지금 친구들의 랭킹을 확인해 보세요</a:t>
-            </a:r>
-            <a:r>
-              <a:rPr lang="en-US" altLang="ko-KR" sz="1400" dirty="0" smtClean="0"/>
-              <a:t>.</a:t>
-            </a:r>
-            <a:r>
-              <a:rPr lang="ko-KR" altLang="en-US" sz="1400" dirty="0" smtClean="0"/>
-              <a:t> </a:t>
-            </a:r>
-            <a:endParaRPr lang="ko-KR" altLang="en-US" sz="1400" dirty="0"/>
-          </a:p>
-        </p:txBody>
-      </p:sp>
-      <p:sp>
-        <p:nvSpPr>
-          <p:cNvPr id="10" name="직사각형 9"/>
-          <p:cNvSpPr/>
-          <p:nvPr/>
-        </p:nvSpPr>
-        <p:spPr>
-          <a:xfrm>
-            <a:off x="1951565" y="1616527"/>
-            <a:ext cx="2650067" cy="2853267"/>
-          </a:xfrm>
-          <a:prstGeom prst="rect">
-            <a:avLst/>
-          </a:prstGeom>
-        </p:spPr>
-        <p:style>
-          <a:lnRef idx="2">
-            <a:schemeClr val="accent6">
-              <a:shade val="50000"/>
-            </a:schemeClr>
-          </a:lnRef>
-          <a:fillRef idx="1">
-            <a:schemeClr val="accent6"/>
-          </a:fillRef>
-          <a:effectRef idx="0">
-            <a:schemeClr val="accent6"/>
-          </a:effectRef>
-          <a:fontRef idx="minor">
-            <a:schemeClr val="lt1"/>
-          </a:fontRef>
-        </p:style>
-        <p:txBody>
-          <a:bodyPr rtlCol="0" anchor="ctr"/>
-          <a:lstStyle/>
-          <a:p>
-            <a:pPr algn="ctr"/>
-            <a:r>
-              <a:rPr lang="ko-KR" altLang="en-US" dirty="0" smtClean="0"/>
-              <a:t>이미지</a:t>
-            </a:r>
-            <a:endParaRPr lang="ko-KR" altLang="en-US" dirty="0"/>
-          </a:p>
-        </p:txBody>
-      </p:sp>
     </p:spTree>
     <p:extLst>
       <p:ext uri="{BB962C8B-B14F-4D97-AF65-F5344CB8AC3E}">
-        <p14:creationId xmlns:p14="http://schemas.microsoft.com/office/powerpoint/2010/main" val="2134143428"/>
+        <p14:creationId xmlns:p14="http://schemas.microsoft.com/office/powerpoint/2010/main" val="3218724754"/>
       </p:ext>
     </p:extLst>
   </p:cSld>
@@ -7656,14 +9032,14 @@
           <p:nvPr>
             <p:extLst>
               <p:ext uri="{D42A27DB-BD31-4B8C-83A1-F6EECF244321}">
-                <p14:modId xmlns:p14="http://schemas.microsoft.com/office/powerpoint/2010/main" val="2607842600"/>
+                <p14:modId xmlns:p14="http://schemas.microsoft.com/office/powerpoint/2010/main" val="4171795936"/>
               </p:ext>
             </p:extLst>
           </p:nvPr>
         </p:nvGraphicFramePr>
         <p:xfrm>
           <a:off x="6392332" y="719664"/>
-          <a:ext cx="4174068" cy="4445001"/>
+          <a:ext cx="4174068" cy="3007344"/>
         </p:xfrm>
         <a:graphic>
           <a:graphicData uri="http://schemas.openxmlformats.org/drawingml/2006/table">
@@ -7745,7 +9121,7 @@
                       </a:r>
                       <a:r>
                         <a:rPr lang="ko-KR" altLang="en-US" dirty="0" smtClean="0"/>
-                        <a:t>상점 화면</a:t>
+                        <a:t>랭킹보기</a:t>
                       </a:r>
                       <a:r>
                         <a:rPr lang="en-US" altLang="ko-KR" dirty="0" smtClean="0"/>
@@ -7764,7 +9140,7 @@
                       <a:pPr algn="ctr" latinLnBrk="1"/>
                       <a:r>
                         <a:rPr lang="en-US" altLang="ko-KR" dirty="0" smtClean="0"/>
-                        <a:t>08-01-00</a:t>
+                        <a:t>07-01-02</a:t>
                       </a:r>
                       <a:endParaRPr lang="ko-KR" altLang="en-US" dirty="0"/>
                     </a:p>
@@ -7783,30 +9159,6 @@
                         <a:rPr lang="en-US" altLang="ko-KR" dirty="0" smtClean="0"/>
                         <a:t>btn01</a:t>
                       </a:r>
-                      <a:endParaRPr lang="ko-KR" altLang="en-US" dirty="0"/>
-                    </a:p>
-                  </a:txBody>
-                  <a:tcPr anchor="ctr"/>
-                </a:tc>
-                <a:tc>
-                  <a:txBody>
-                    <a:bodyPr/>
-                    <a:lstStyle/>
-                    <a:p>
-                      <a:pPr algn="ctr" latinLnBrk="1"/>
-                      <a:endParaRPr lang="ko-KR" altLang="en-US" dirty="0"/>
-                    </a:p>
-                  </a:txBody>
-                  <a:tcPr anchor="ctr"/>
-                </a:tc>
-              </a:tr>
-              <a:tr h="1437657">
-                <a:tc>
-                  <a:txBody>
-                    <a:bodyPr/>
-                    <a:lstStyle/>
-                    <a:p>
-                      <a:pPr algn="ctr" latinLnBrk="1"/>
                       <a:endParaRPr lang="ko-KR" altLang="en-US" dirty="0"/>
                     </a:p>
                   </a:txBody>
@@ -7830,7 +9182,187 @@
       </p:graphicFrame>
       <p:sp>
         <p:nvSpPr>
-          <p:cNvPr id="15" name="직사각형 14"/>
+          <p:cNvPr id="6" name="모서리가 둥근 직사각형 5"/>
+          <p:cNvSpPr/>
+          <p:nvPr/>
+        </p:nvSpPr>
+        <p:spPr>
+          <a:xfrm>
+            <a:off x="1748364" y="541867"/>
+            <a:ext cx="855134" cy="677334"/>
+          </a:xfrm>
+          <a:prstGeom prst="roundRect">
+            <a:avLst/>
+          </a:prstGeom>
+        </p:spPr>
+        <p:style>
+          <a:lnRef idx="2">
+            <a:schemeClr val="accent1">
+              <a:shade val="50000"/>
+            </a:schemeClr>
+          </a:lnRef>
+          <a:fillRef idx="1">
+            <a:schemeClr val="accent1"/>
+          </a:fillRef>
+          <a:effectRef idx="0">
+            <a:schemeClr val="accent1"/>
+          </a:effectRef>
+          <a:fontRef idx="minor">
+            <a:schemeClr val="lt1"/>
+          </a:fontRef>
+        </p:style>
+        <p:txBody>
+          <a:bodyPr rtlCol="0" anchor="ctr"/>
+          <a:lstStyle/>
+          <a:p>
+            <a:pPr algn="ctr"/>
+            <a:endParaRPr lang="ko-KR" altLang="en-US"/>
+          </a:p>
+        </p:txBody>
+      </p:sp>
+      <p:sp>
+        <p:nvSpPr>
+          <p:cNvPr id="24" name="모서리가 둥근 직사각형 23"/>
+          <p:cNvSpPr/>
+          <p:nvPr/>
+        </p:nvSpPr>
+        <p:spPr>
+          <a:xfrm>
+            <a:off x="2709331" y="541867"/>
+            <a:ext cx="855134" cy="677334"/>
+          </a:xfrm>
+          <a:prstGeom prst="roundRect">
+            <a:avLst/>
+          </a:prstGeom>
+        </p:spPr>
+        <p:style>
+          <a:lnRef idx="2">
+            <a:schemeClr val="accent1">
+              <a:shade val="50000"/>
+            </a:schemeClr>
+          </a:lnRef>
+          <a:fillRef idx="1">
+            <a:schemeClr val="accent1"/>
+          </a:fillRef>
+          <a:effectRef idx="0">
+            <a:schemeClr val="accent1"/>
+          </a:effectRef>
+          <a:fontRef idx="minor">
+            <a:schemeClr val="lt1"/>
+          </a:fontRef>
+        </p:style>
+        <p:txBody>
+          <a:bodyPr rtlCol="0" anchor="ctr"/>
+          <a:lstStyle/>
+          <a:p>
+            <a:pPr algn="ctr"/>
+            <a:endParaRPr lang="ko-KR" altLang="en-US"/>
+          </a:p>
+        </p:txBody>
+      </p:sp>
+      <p:sp>
+        <p:nvSpPr>
+          <p:cNvPr id="3" name="모서리가 둥근 직사각형 2"/>
+          <p:cNvSpPr/>
+          <p:nvPr/>
+        </p:nvSpPr>
+        <p:spPr>
+          <a:xfrm>
+            <a:off x="1172633" y="778934"/>
+            <a:ext cx="4207933" cy="4976907"/>
+          </a:xfrm>
+          <a:prstGeom prst="roundRect">
+            <a:avLst/>
+          </a:prstGeom>
+        </p:spPr>
+        <p:style>
+          <a:lnRef idx="2">
+            <a:schemeClr val="accent1">
+              <a:shade val="50000"/>
+            </a:schemeClr>
+          </a:lnRef>
+          <a:fillRef idx="1">
+            <a:schemeClr val="accent1"/>
+          </a:fillRef>
+          <a:effectRef idx="0">
+            <a:schemeClr val="accent1"/>
+          </a:effectRef>
+          <a:fontRef idx="minor">
+            <a:schemeClr val="lt1"/>
+          </a:fontRef>
+        </p:style>
+        <p:txBody>
+          <a:bodyPr rtlCol="0" anchor="ctr"/>
+          <a:lstStyle/>
+          <a:p>
+            <a:pPr fontAlgn="ctr"/>
+            <a:endParaRPr lang="ko-KR" altLang="ko-KR"/>
+          </a:p>
+        </p:txBody>
+      </p:sp>
+      <p:sp>
+        <p:nvSpPr>
+          <p:cNvPr id="7" name="TextBox 6"/>
+          <p:cNvSpPr txBox="1"/>
+          <p:nvPr/>
+        </p:nvSpPr>
+        <p:spPr>
+          <a:xfrm>
+            <a:off x="1869699" y="508001"/>
+            <a:ext cx="543739" cy="307777"/>
+          </a:xfrm>
+          <a:prstGeom prst="rect">
+            <a:avLst/>
+          </a:prstGeom>
+          <a:noFill/>
+        </p:spPr>
+        <p:txBody>
+          <a:bodyPr wrap="none" rtlCol="0">
+            <a:spAutoFit/>
+          </a:bodyPr>
+          <a:lstStyle/>
+          <a:p>
+            <a:r>
+              <a:rPr lang="ko-KR" altLang="en-US" sz="1400" dirty="0" smtClean="0"/>
+              <a:t>친구</a:t>
+            </a:r>
+            <a:endParaRPr lang="ko-KR" altLang="en-US" dirty="0"/>
+          </a:p>
+        </p:txBody>
+      </p:sp>
+      <p:sp>
+        <p:nvSpPr>
+          <p:cNvPr id="28" name="TextBox 27"/>
+          <p:cNvSpPr txBox="1"/>
+          <p:nvPr/>
+        </p:nvSpPr>
+        <p:spPr>
+          <a:xfrm>
+            <a:off x="2875798" y="508001"/>
+            <a:ext cx="543739" cy="307777"/>
+          </a:xfrm>
+          <a:prstGeom prst="rect">
+            <a:avLst/>
+          </a:prstGeom>
+          <a:noFill/>
+        </p:spPr>
+        <p:txBody>
+          <a:bodyPr wrap="none" rtlCol="0">
+            <a:spAutoFit/>
+          </a:bodyPr>
+          <a:lstStyle/>
+          <a:p>
+            <a:r>
+              <a:rPr lang="ko-KR" altLang="en-US" sz="1400" dirty="0" smtClean="0"/>
+              <a:t>세계</a:t>
+            </a:r>
+            <a:endParaRPr lang="ko-KR" altLang="en-US" dirty="0"/>
+          </a:p>
+        </p:txBody>
+      </p:sp>
+      <p:sp>
+        <p:nvSpPr>
+          <p:cNvPr id="35" name="직사각형 34"/>
           <p:cNvSpPr/>
           <p:nvPr/>
         </p:nvSpPr>
@@ -7874,18 +9406,24 @@
       </p:sp>
       <p:sp>
         <p:nvSpPr>
-          <p:cNvPr id="6" name="모서리가 둥근 직사각형 5"/>
+          <p:cNvPr id="2" name="직사각형 1"/>
           <p:cNvSpPr/>
           <p:nvPr/>
         </p:nvSpPr>
         <p:spPr>
           <a:xfrm>
-            <a:off x="1278467" y="1583267"/>
-            <a:ext cx="1134534" cy="812800"/>
+            <a:off x="3419537" y="5088467"/>
+            <a:ext cx="1405466" cy="452221"/>
           </a:xfrm>
-          <a:prstGeom prst="roundRect">
+          <a:prstGeom prst="rect">
             <a:avLst/>
           </a:prstGeom>
+          <a:solidFill>
+            <a:schemeClr val="accent4">
+              <a:lumMod val="60000"/>
+              <a:lumOff val="40000"/>
+            </a:schemeClr>
+          </a:solidFill>
         </p:spPr>
         <p:style>
           <a:lnRef idx="2">
@@ -7909,8 +9447,8 @@
           <a:p>
             <a:pPr algn="ctr"/>
             <a:r>
-              <a:rPr lang="ko-KR" altLang="en-US" dirty="0" smtClean="0"/>
-              <a:t>열쇠</a:t>
+              <a:rPr lang="en-US" altLang="ko-KR" dirty="0" smtClean="0"/>
+              <a:t>Facebook</a:t>
             </a:r>
             <a:endParaRPr lang="ko-KR" altLang="en-US" dirty="0"/>
           </a:p>
@@ -7918,106 +9456,14 @@
       </p:sp>
       <p:sp>
         <p:nvSpPr>
-          <p:cNvPr id="49" name="모서리가 둥근 직사각형 48"/>
-          <p:cNvSpPr/>
-          <p:nvPr/>
-        </p:nvSpPr>
-        <p:spPr>
-          <a:xfrm>
-            <a:off x="4013200" y="1583267"/>
-            <a:ext cx="1134534" cy="812800"/>
-          </a:xfrm>
-          <a:prstGeom prst="roundRect">
-            <a:avLst/>
-          </a:prstGeom>
-        </p:spPr>
-        <p:style>
-          <a:lnRef idx="2">
-            <a:schemeClr val="accent1">
-              <a:shade val="50000"/>
-            </a:schemeClr>
-          </a:lnRef>
-          <a:fillRef idx="1">
-            <a:schemeClr val="accent1"/>
-          </a:fillRef>
-          <a:effectRef idx="0">
-            <a:schemeClr val="accent1"/>
-          </a:effectRef>
-          <a:fontRef idx="minor">
-            <a:schemeClr val="lt1"/>
-          </a:fontRef>
-        </p:style>
-        <p:txBody>
-          <a:bodyPr rtlCol="0" anchor="ctr"/>
-          <a:lstStyle/>
-          <a:p>
-            <a:pPr algn="ctr"/>
-            <a:r>
-              <a:rPr lang="ko-KR" altLang="en-US" sz="700" dirty="0"/>
-              <a:t>차후 업데이트 </a:t>
-            </a:r>
-            <a:r>
-              <a:rPr lang="ko-KR" altLang="en-US" sz="700" dirty="0" smtClean="0"/>
-              <a:t>예정</a:t>
-            </a:r>
-            <a:endParaRPr lang="ko-KR" altLang="en-US" sz="700" dirty="0"/>
-          </a:p>
-        </p:txBody>
-      </p:sp>
-      <p:sp>
-        <p:nvSpPr>
-          <p:cNvPr id="50" name="모서리가 둥근 직사각형 49"/>
-          <p:cNvSpPr/>
-          <p:nvPr/>
-        </p:nvSpPr>
-        <p:spPr>
-          <a:xfrm>
-            <a:off x="2667001" y="1583267"/>
-            <a:ext cx="1134534" cy="812800"/>
-          </a:xfrm>
-          <a:prstGeom prst="roundRect">
-            <a:avLst/>
-          </a:prstGeom>
-        </p:spPr>
-        <p:style>
-          <a:lnRef idx="2">
-            <a:schemeClr val="accent1">
-              <a:shade val="50000"/>
-            </a:schemeClr>
-          </a:lnRef>
-          <a:fillRef idx="1">
-            <a:schemeClr val="accent1"/>
-          </a:fillRef>
-          <a:effectRef idx="0">
-            <a:schemeClr val="accent1"/>
-          </a:effectRef>
-          <a:fontRef idx="minor">
-            <a:schemeClr val="lt1"/>
-          </a:fontRef>
-        </p:style>
-        <p:txBody>
-          <a:bodyPr rtlCol="0" anchor="ctr"/>
-          <a:lstStyle/>
-          <a:p>
-            <a:pPr algn="ctr"/>
-            <a:r>
-              <a:rPr lang="ko-KR" altLang="en-US" sz="700" dirty="0" smtClean="0"/>
-              <a:t>차후 업데이트 예정</a:t>
-            </a:r>
-            <a:endParaRPr lang="ko-KR" altLang="en-US" sz="700" dirty="0"/>
-          </a:p>
-        </p:txBody>
-      </p:sp>
-      <p:sp>
-        <p:nvSpPr>
-          <p:cNvPr id="7" name="TextBox 6"/>
+          <p:cNvPr id="8" name="TextBox 7"/>
           <p:cNvSpPr txBox="1"/>
           <p:nvPr/>
         </p:nvSpPr>
         <p:spPr>
           <a:xfrm>
-            <a:off x="1382305" y="2088290"/>
-            <a:ext cx="926857" cy="307777"/>
+            <a:off x="1661413" y="4729142"/>
+            <a:ext cx="3230372" cy="307777"/>
           </a:xfrm>
           <a:prstGeom prst="rect">
             <a:avLst/>
@@ -8031,17 +9477,69 @@
           <a:lstStyle/>
           <a:p>
             <a:r>
+              <a:rPr lang="ko-KR" altLang="en-US" sz="1400" dirty="0" smtClean="0"/>
+              <a:t>지금 친구들의 랭킹을 확인해 보세요</a:t>
+            </a:r>
+            <a:r>
               <a:rPr lang="en-US" altLang="ko-KR" sz="1400" dirty="0" smtClean="0"/>
-              <a:t>Btn08-01</a:t>
+              <a:t>.</a:t>
+            </a:r>
+            <a:r>
+              <a:rPr lang="ko-KR" altLang="en-US" sz="1400" dirty="0" smtClean="0"/>
+              <a:t> </a:t>
             </a:r>
             <a:endParaRPr lang="ko-KR" altLang="en-US" sz="1400" dirty="0"/>
+          </a:p>
+        </p:txBody>
+      </p:sp>
+      <p:sp>
+        <p:nvSpPr>
+          <p:cNvPr id="10" name="직사각형 9"/>
+          <p:cNvSpPr/>
+          <p:nvPr/>
+        </p:nvSpPr>
+        <p:spPr>
+          <a:xfrm>
+            <a:off x="1951565" y="1616527"/>
+            <a:ext cx="2650067" cy="2853267"/>
+          </a:xfrm>
+          <a:prstGeom prst="rect">
+            <a:avLst/>
+          </a:prstGeom>
+        </p:spPr>
+        <p:style>
+          <a:lnRef idx="2">
+            <a:schemeClr val="accent6">
+              <a:shade val="50000"/>
+            </a:schemeClr>
+          </a:lnRef>
+          <a:fillRef idx="1">
+            <a:schemeClr val="accent6"/>
+          </a:fillRef>
+          <a:effectRef idx="0">
+            <a:schemeClr val="accent6"/>
+          </a:effectRef>
+          <a:fontRef idx="minor">
+            <a:schemeClr val="lt1"/>
+          </a:fontRef>
+        </p:style>
+        <p:txBody>
+          <a:bodyPr rtlCol="0" anchor="ctr"/>
+          <a:lstStyle/>
+          <a:p>
+            <a:pPr algn="ctr"/>
+            <a:r>
+              <a:rPr lang="ko-KR" altLang="en-US" dirty="0" smtClean="0"/>
+              <a:t>이미지</a:t>
+            </a:r>
+            <a:endParaRPr lang="ko-KR" altLang="en-US" dirty="0"/>
           </a:p>
         </p:txBody>
       </p:sp>
     </p:spTree>
     <p:extLst>
       <p:ext uri="{BB962C8B-B14F-4D97-AF65-F5344CB8AC3E}">
-        <p14:creationId xmlns:p14="http://schemas.microsoft.com/office/powerpoint/2010/main" val="3214407087"/>
+        <p14:creationId xmlns:p14="http://schemas.microsoft.com/office/powerpoint/2010/main" val="2134143428"/>
       </p:ext>
     </p:extLst>
   </p:cSld>
@@ -8132,7 +9630,7 @@
           <p:nvPr>
             <p:extLst>
               <p:ext uri="{D42A27DB-BD31-4B8C-83A1-F6EECF244321}">
-                <p14:modId xmlns:p14="http://schemas.microsoft.com/office/powerpoint/2010/main" val="616815957"/>
+                <p14:modId xmlns:p14="http://schemas.microsoft.com/office/powerpoint/2010/main" val="2607842600"/>
               </p:ext>
             </p:extLst>
           </p:nvPr>
@@ -8225,30 +9723,22 @@
                       </a:r>
                       <a:r>
                         <a:rPr lang="en-US" altLang="ko-KR" dirty="0" smtClean="0"/>
-                        <a:t>-</a:t>
-                      </a:r>
-                      <a:r>
-                        <a:rPr lang="ko-KR" altLang="en-US" dirty="0" smtClean="0"/>
-                        <a:t>열쇠</a:t>
-                      </a:r>
+                        <a:t>)</a:t>
+                      </a:r>
+                      <a:endParaRPr lang="ko-KR" altLang="en-US" dirty="0"/>
+                    </a:p>
+                  </a:txBody>
+                  <a:tcPr anchor="ctr"/>
+                </a:tc>
+                <a:tc>
+                  <a:txBody>
+                    <a:bodyPr/>
+                    <a:lstStyle/>
+                    <a:p>
+                      <a:pPr algn="ctr" latinLnBrk="1"/>
                       <a:r>
                         <a:rPr lang="en-US" altLang="ko-KR" dirty="0" smtClean="0"/>
-                        <a:t>)</a:t>
-                      </a:r>
-                      <a:endParaRPr lang="ko-KR" altLang="en-US" dirty="0"/>
-                    </a:p>
-                  </a:txBody>
-                  <a:tcPr anchor="ctr"/>
-                </a:tc>
-                <a:tc>
-                  <a:txBody>
-                    <a:bodyPr/>
-                    <a:lstStyle/>
-                    <a:p>
-                      <a:pPr algn="ctr" latinLnBrk="1"/>
-                      <a:r>
-                        <a:rPr lang="en-US" altLang="ko-KR" dirty="0" smtClean="0"/>
-                        <a:t>08-01-01</a:t>
+                        <a:t>08-01-00</a:t>
                       </a:r>
                       <a:endParaRPr lang="ko-KR" altLang="en-US" dirty="0"/>
                     </a:p>
@@ -8396,10 +9886,7 @@
               <a:rPr lang="ko-KR" altLang="en-US" dirty="0" smtClean="0"/>
               <a:t>열쇠</a:t>
             </a:r>
-            <a:r>
-              <a:rPr lang="en-US" altLang="ko-KR" dirty="0" smtClean="0"/>
-              <a:t>X3</a:t>
-            </a:r>
+            <a:endParaRPr lang="ko-KR" altLang="en-US" dirty="0"/>
           </a:p>
         </p:txBody>
       </p:sp>
@@ -8440,20 +9927,12 @@
           <a:p>
             <a:pPr algn="ctr"/>
             <a:r>
-              <a:rPr lang="ko-KR" altLang="en-US" dirty="0" smtClean="0">
-                <a:solidFill>
-                  <a:prstClr val="white"/>
-                </a:solidFill>
-              </a:rPr>
-              <a:t>열쇠</a:t>
+              <a:rPr lang="ko-KR" altLang="en-US" sz="700" dirty="0"/>
+              <a:t>차후 업데이트 </a:t>
             </a:r>
             <a:r>
-              <a:rPr lang="en-US" altLang="ko-KR" dirty="0" smtClean="0">
-                <a:solidFill>
-                  <a:prstClr val="white"/>
-                </a:solidFill>
-              </a:rPr>
-              <a:t>X10</a:t>
+              <a:rPr lang="ko-KR" altLang="en-US" sz="700" dirty="0" smtClean="0"/>
+              <a:t>예정</a:t>
             </a:r>
             <a:endParaRPr lang="ko-KR" altLang="en-US" sz="700" dirty="0"/>
           </a:p>
@@ -8496,6 +9975,501 @@
           <a:p>
             <a:pPr algn="ctr"/>
             <a:r>
+              <a:rPr lang="ko-KR" altLang="en-US" sz="700" dirty="0" smtClean="0"/>
+              <a:t>차후 업데이트 예정</a:t>
+            </a:r>
+            <a:endParaRPr lang="ko-KR" altLang="en-US" sz="700" dirty="0"/>
+          </a:p>
+        </p:txBody>
+      </p:sp>
+      <p:sp>
+        <p:nvSpPr>
+          <p:cNvPr id="7" name="TextBox 6"/>
+          <p:cNvSpPr txBox="1"/>
+          <p:nvPr/>
+        </p:nvSpPr>
+        <p:spPr>
+          <a:xfrm>
+            <a:off x="1382305" y="2088290"/>
+            <a:ext cx="926857" cy="307777"/>
+          </a:xfrm>
+          <a:prstGeom prst="rect">
+            <a:avLst/>
+          </a:prstGeom>
+          <a:noFill/>
+        </p:spPr>
+        <p:txBody>
+          <a:bodyPr wrap="none" rtlCol="0">
+            <a:spAutoFit/>
+          </a:bodyPr>
+          <a:lstStyle/>
+          <a:p>
+            <a:r>
+              <a:rPr lang="en-US" altLang="ko-KR" sz="1400" dirty="0" smtClean="0"/>
+              <a:t>Btn08-01</a:t>
+            </a:r>
+            <a:endParaRPr lang="ko-KR" altLang="en-US" sz="1400" dirty="0"/>
+          </a:p>
+        </p:txBody>
+      </p:sp>
+    </p:spTree>
+    <p:extLst>
+      <p:ext uri="{BB962C8B-B14F-4D97-AF65-F5344CB8AC3E}">
+        <p14:creationId xmlns:p14="http://schemas.microsoft.com/office/powerpoint/2010/main" val="3214407087"/>
+      </p:ext>
+    </p:extLst>
+  </p:cSld>
+  <p:clrMapOvr>
+    <a:masterClrMapping/>
+  </p:clrMapOvr>
+  <p:timing>
+    <p:tnLst>
+      <p:par>
+        <p:cTn id="1" dur="indefinite" restart="never" nodeType="tmRoot"/>
+      </p:par>
+    </p:tnLst>
+  </p:timing>
+</p:sld>
+</file>
+
+<file path=ppt/slides/slide15.xml><?xml version="1.0" encoding="utf-8"?>
+<p:sld xmlns:a="http://schemas.openxmlformats.org/drawingml/2006/main" xmlns:r="http://schemas.openxmlformats.org/officeDocument/2006/relationships" xmlns:p="http://schemas.openxmlformats.org/presentationml/2006/main">
+  <p:cSld>
+    <p:spTree>
+      <p:nvGrpSpPr>
+        <p:cNvPr id="1" name=""/>
+        <p:cNvGrpSpPr/>
+        <p:nvPr/>
+      </p:nvGrpSpPr>
+      <p:grpSpPr>
+        <a:xfrm>
+          <a:off x="0" y="0"/>
+          <a:ext cx="0" cy="0"/>
+          <a:chOff x="0" y="0"/>
+          <a:chExt cx="0" cy="0"/>
+        </a:xfrm>
+      </p:grpSpPr>
+      <p:sp>
+        <p:nvSpPr>
+          <p:cNvPr id="4" name="직사각형 3"/>
+          <p:cNvSpPr/>
+          <p:nvPr/>
+        </p:nvSpPr>
+        <p:spPr>
+          <a:xfrm>
+            <a:off x="863600" y="313263"/>
+            <a:ext cx="4826000" cy="6197600"/>
+          </a:xfrm>
+          <a:prstGeom prst="rect">
+            <a:avLst/>
+          </a:prstGeom>
+          <a:solidFill>
+            <a:schemeClr val="bg1"/>
+          </a:solidFill>
+          <a:ln>
+            <a:solidFill>
+              <a:schemeClr val="tx1"/>
+            </a:solidFill>
+          </a:ln>
+        </p:spPr>
+        <p:style>
+          <a:lnRef idx="2">
+            <a:schemeClr val="accent1">
+              <a:shade val="50000"/>
+            </a:schemeClr>
+          </a:lnRef>
+          <a:fillRef idx="1">
+            <a:schemeClr val="accent1"/>
+          </a:fillRef>
+          <a:effectRef idx="0">
+            <a:schemeClr val="accent1"/>
+          </a:effectRef>
+          <a:fontRef idx="minor">
+            <a:schemeClr val="lt1"/>
+          </a:fontRef>
+        </p:style>
+        <p:txBody>
+          <a:bodyPr rtlCol="0" anchor="ctr"/>
+          <a:lstStyle/>
+          <a:p>
+            <a:pPr algn="ctr"/>
+            <a:endParaRPr lang="ko-KR" altLang="en-US" dirty="0"/>
+          </a:p>
+        </p:txBody>
+      </p:sp>
+      <p:graphicFrame>
+        <p:nvGraphicFramePr>
+          <p:cNvPr id="5" name="표 4"/>
+          <p:cNvGraphicFramePr>
+            <a:graphicFrameLocks noGrp="1"/>
+          </p:cNvGraphicFramePr>
+          <p:nvPr>
+            <p:extLst>
+              <p:ext uri="{D42A27DB-BD31-4B8C-83A1-F6EECF244321}">
+                <p14:modId xmlns:p14="http://schemas.microsoft.com/office/powerpoint/2010/main" val="616815957"/>
+              </p:ext>
+            </p:extLst>
+          </p:nvPr>
+        </p:nvGraphicFramePr>
+        <p:xfrm>
+          <a:off x="6392332" y="719664"/>
+          <a:ext cx="4174068" cy="4445001"/>
+        </p:xfrm>
+        <a:graphic>
+          <a:graphicData uri="http://schemas.openxmlformats.org/drawingml/2006/table">
+            <a:tbl>
+              <a:tblPr>
+                <a:tableStyleId>{073A0DAA-6AF3-43AB-8588-CEC1D06C72B9}</a:tableStyleId>
+              </a:tblPr>
+              <a:tblGrid>
+                <a:gridCol w="2087034"/>
+                <a:gridCol w="2087034"/>
+              </a:tblGrid>
+              <a:tr h="732867">
+                <a:tc>
+                  <a:txBody>
+                    <a:bodyPr/>
+                    <a:lstStyle/>
+                    <a:p>
+                      <a:pPr algn="ctr" latinLnBrk="1"/>
+                      <a:r>
+                        <a:rPr lang="ko-KR" altLang="en-US" dirty="0" smtClean="0"/>
+                        <a:t>구분</a:t>
+                      </a:r>
+                      <a:endParaRPr lang="ko-KR" altLang="en-US" dirty="0"/>
+                    </a:p>
+                  </a:txBody>
+                  <a:tcPr anchor="ctr">
+                    <a:solidFill>
+                      <a:schemeClr val="tx1">
+                        <a:lumMod val="50000"/>
+                        <a:lumOff val="50000"/>
+                      </a:schemeClr>
+                    </a:solidFill>
+                  </a:tcPr>
+                </a:tc>
+                <a:tc>
+                  <a:txBody>
+                    <a:bodyPr/>
+                    <a:lstStyle/>
+                    <a:p>
+                      <a:pPr algn="ctr" latinLnBrk="1"/>
+                      <a:r>
+                        <a:rPr lang="ko-KR" altLang="en-US" dirty="0" smtClean="0"/>
+                        <a:t>내용</a:t>
+                      </a:r>
+                      <a:endParaRPr lang="ko-KR" altLang="en-US" dirty="0"/>
+                    </a:p>
+                  </a:txBody>
+                  <a:tcPr anchor="ctr">
+                    <a:solidFill>
+                      <a:schemeClr val="tx1">
+                        <a:lumMod val="50000"/>
+                        <a:lumOff val="50000"/>
+                      </a:schemeClr>
+                    </a:solidFill>
+                  </a:tcPr>
+                </a:tc>
+              </a:tr>
+              <a:tr h="1109049">
+                <a:tc>
+                  <a:txBody>
+                    <a:bodyPr/>
+                    <a:lstStyle/>
+                    <a:p>
+                      <a:pPr algn="ctr" latinLnBrk="1"/>
+                      <a:r>
+                        <a:rPr lang="ko-KR" altLang="en-US" dirty="0" smtClean="0"/>
+                        <a:t>화면 번호</a:t>
+                      </a:r>
+                      <a:r>
+                        <a:rPr lang="en-US" altLang="ko-KR" dirty="0" smtClean="0"/>
+                        <a:t/>
+                      </a:r>
+                      <a:br>
+                        <a:rPr lang="en-US" altLang="ko-KR" dirty="0" smtClean="0"/>
+                      </a:br>
+                      <a:r>
+                        <a:rPr lang="en-US" altLang="ko-KR" dirty="0" smtClean="0"/>
+                        <a:t>(</a:t>
+                      </a:r>
+                      <a:r>
+                        <a:rPr lang="ko-KR" altLang="en-US" dirty="0" smtClean="0"/>
+                        <a:t>상점 화면</a:t>
+                      </a:r>
+                      <a:r>
+                        <a:rPr lang="en-US" altLang="ko-KR" dirty="0" smtClean="0"/>
+                        <a:t>-</a:t>
+                      </a:r>
+                      <a:r>
+                        <a:rPr lang="ko-KR" altLang="en-US" dirty="0" smtClean="0"/>
+                        <a:t>열쇠</a:t>
+                      </a:r>
+                      <a:r>
+                        <a:rPr lang="en-US" altLang="ko-KR" dirty="0" smtClean="0"/>
+                        <a:t>)</a:t>
+                      </a:r>
+                      <a:endParaRPr lang="ko-KR" altLang="en-US" dirty="0"/>
+                    </a:p>
+                  </a:txBody>
+                  <a:tcPr anchor="ctr"/>
+                </a:tc>
+                <a:tc>
+                  <a:txBody>
+                    <a:bodyPr/>
+                    <a:lstStyle/>
+                    <a:p>
+                      <a:pPr algn="ctr" latinLnBrk="1"/>
+                      <a:r>
+                        <a:rPr lang="en-US" altLang="ko-KR" dirty="0" smtClean="0"/>
+                        <a:t>08-01-01</a:t>
+                      </a:r>
+                      <a:endParaRPr lang="ko-KR" altLang="en-US" dirty="0"/>
+                    </a:p>
+                  </a:txBody>
+                  <a:tcPr anchor="ctr"/>
+                </a:tc>
+              </a:tr>
+              <a:tr h="1165428">
+                <a:tc>
+                  <a:txBody>
+                    <a:bodyPr/>
+                    <a:lstStyle/>
+                    <a:p>
+                      <a:pPr algn="ctr" latinLnBrk="1"/>
+                      <a:r>
+                        <a:rPr lang="en-US" altLang="ko-KR" dirty="0" smtClean="0"/>
+                        <a:t>btn01</a:t>
+                      </a:r>
+                      <a:endParaRPr lang="ko-KR" altLang="en-US" dirty="0"/>
+                    </a:p>
+                  </a:txBody>
+                  <a:tcPr anchor="ctr"/>
+                </a:tc>
+                <a:tc>
+                  <a:txBody>
+                    <a:bodyPr/>
+                    <a:lstStyle/>
+                    <a:p>
+                      <a:pPr algn="ctr" latinLnBrk="1"/>
+                      <a:endParaRPr lang="ko-KR" altLang="en-US" dirty="0"/>
+                    </a:p>
+                  </a:txBody>
+                  <a:tcPr anchor="ctr"/>
+                </a:tc>
+              </a:tr>
+              <a:tr h="1437657">
+                <a:tc>
+                  <a:txBody>
+                    <a:bodyPr/>
+                    <a:lstStyle/>
+                    <a:p>
+                      <a:pPr algn="ctr" latinLnBrk="1"/>
+                      <a:endParaRPr lang="ko-KR" altLang="en-US" dirty="0"/>
+                    </a:p>
+                  </a:txBody>
+                  <a:tcPr anchor="ctr"/>
+                </a:tc>
+                <a:tc>
+                  <a:txBody>
+                    <a:bodyPr/>
+                    <a:lstStyle/>
+                    <a:p>
+                      <a:pPr algn="ctr" latinLnBrk="1"/>
+                      <a:endParaRPr lang="ko-KR" altLang="en-US" dirty="0"/>
+                    </a:p>
+                  </a:txBody>
+                  <a:tcPr anchor="ctr"/>
+                </a:tc>
+              </a:tr>
+            </a:tbl>
+          </a:graphicData>
+        </a:graphic>
+      </p:graphicFrame>
+      <p:sp>
+        <p:nvSpPr>
+          <p:cNvPr id="15" name="직사각형 14"/>
+          <p:cNvSpPr/>
+          <p:nvPr/>
+        </p:nvSpPr>
+        <p:spPr>
+          <a:xfrm>
+            <a:off x="1168400" y="5858937"/>
+            <a:ext cx="4267200" cy="575734"/>
+          </a:xfrm>
+          <a:prstGeom prst="rect">
+            <a:avLst/>
+          </a:prstGeom>
+        </p:spPr>
+        <p:style>
+          <a:lnRef idx="2">
+            <a:schemeClr val="accent1">
+              <a:shade val="50000"/>
+            </a:schemeClr>
+          </a:lnRef>
+          <a:fillRef idx="1">
+            <a:schemeClr val="accent1"/>
+          </a:fillRef>
+          <a:effectRef idx="0">
+            <a:schemeClr val="accent1"/>
+          </a:effectRef>
+          <a:fontRef idx="minor">
+            <a:schemeClr val="lt1"/>
+          </a:fontRef>
+        </p:style>
+        <p:txBody>
+          <a:bodyPr rtlCol="0" anchor="ctr"/>
+          <a:lstStyle/>
+          <a:p>
+            <a:pPr algn="ctr"/>
+            <a:r>
+              <a:rPr lang="ko-KR" altLang="en-US" dirty="0" smtClean="0"/>
+              <a:t>광   고</a:t>
+            </a:r>
+            <a:endParaRPr lang="ko-KR" altLang="en-US" dirty="0"/>
+          </a:p>
+        </p:txBody>
+      </p:sp>
+      <p:sp>
+        <p:nvSpPr>
+          <p:cNvPr id="6" name="모서리가 둥근 직사각형 5"/>
+          <p:cNvSpPr/>
+          <p:nvPr/>
+        </p:nvSpPr>
+        <p:spPr>
+          <a:xfrm>
+            <a:off x="1278467" y="1583267"/>
+            <a:ext cx="1134534" cy="812800"/>
+          </a:xfrm>
+          <a:prstGeom prst="roundRect">
+            <a:avLst/>
+          </a:prstGeom>
+        </p:spPr>
+        <p:style>
+          <a:lnRef idx="2">
+            <a:schemeClr val="accent1">
+              <a:shade val="50000"/>
+            </a:schemeClr>
+          </a:lnRef>
+          <a:fillRef idx="1">
+            <a:schemeClr val="accent1"/>
+          </a:fillRef>
+          <a:effectRef idx="0">
+            <a:schemeClr val="accent1"/>
+          </a:effectRef>
+          <a:fontRef idx="minor">
+            <a:schemeClr val="lt1"/>
+          </a:fontRef>
+        </p:style>
+        <p:txBody>
+          <a:bodyPr rtlCol="0" anchor="ctr"/>
+          <a:lstStyle/>
+          <a:p>
+            <a:pPr algn="ctr"/>
+            <a:r>
+              <a:rPr lang="ko-KR" altLang="en-US" dirty="0" smtClean="0"/>
+              <a:t>열쇠</a:t>
+            </a:r>
+            <a:r>
+              <a:rPr lang="en-US" altLang="ko-KR" dirty="0" smtClean="0"/>
+              <a:t>X3</a:t>
+            </a:r>
+          </a:p>
+        </p:txBody>
+      </p:sp>
+      <p:sp>
+        <p:nvSpPr>
+          <p:cNvPr id="49" name="모서리가 둥근 직사각형 48"/>
+          <p:cNvSpPr/>
+          <p:nvPr/>
+        </p:nvSpPr>
+        <p:spPr>
+          <a:xfrm>
+            <a:off x="4013200" y="1583267"/>
+            <a:ext cx="1134534" cy="812800"/>
+          </a:xfrm>
+          <a:prstGeom prst="roundRect">
+            <a:avLst/>
+          </a:prstGeom>
+        </p:spPr>
+        <p:style>
+          <a:lnRef idx="2">
+            <a:schemeClr val="accent1">
+              <a:shade val="50000"/>
+            </a:schemeClr>
+          </a:lnRef>
+          <a:fillRef idx="1">
+            <a:schemeClr val="accent1"/>
+          </a:fillRef>
+          <a:effectRef idx="0">
+            <a:schemeClr val="accent1"/>
+          </a:effectRef>
+          <a:fontRef idx="minor">
+            <a:schemeClr val="lt1"/>
+          </a:fontRef>
+        </p:style>
+        <p:txBody>
+          <a:bodyPr rtlCol="0" anchor="ctr"/>
+          <a:lstStyle/>
+          <a:p>
+            <a:pPr algn="ctr"/>
+            <a:r>
+              <a:rPr lang="ko-KR" altLang="en-US" dirty="0" smtClean="0">
+                <a:solidFill>
+                  <a:prstClr val="white"/>
+                </a:solidFill>
+              </a:rPr>
+              <a:t>열쇠</a:t>
+            </a:r>
+            <a:r>
+              <a:rPr lang="en-US" altLang="ko-KR" dirty="0" smtClean="0">
+                <a:solidFill>
+                  <a:prstClr val="white"/>
+                </a:solidFill>
+              </a:rPr>
+              <a:t>X10</a:t>
+            </a:r>
+            <a:endParaRPr lang="ko-KR" altLang="en-US" sz="700" dirty="0"/>
+          </a:p>
+        </p:txBody>
+      </p:sp>
+      <p:sp>
+        <p:nvSpPr>
+          <p:cNvPr id="50" name="모서리가 둥근 직사각형 49"/>
+          <p:cNvSpPr/>
+          <p:nvPr/>
+        </p:nvSpPr>
+        <p:spPr>
+          <a:xfrm>
+            <a:off x="2667001" y="1583267"/>
+            <a:ext cx="1134534" cy="812800"/>
+          </a:xfrm>
+          <a:prstGeom prst="roundRect">
+            <a:avLst/>
+          </a:prstGeom>
+        </p:spPr>
+        <p:style>
+          <a:lnRef idx="2">
+            <a:schemeClr val="accent1">
+              <a:shade val="50000"/>
+            </a:schemeClr>
+          </a:lnRef>
+          <a:fillRef idx="1">
+            <a:schemeClr val="accent1"/>
+          </a:fillRef>
+          <a:effectRef idx="0">
+            <a:schemeClr val="accent1"/>
+          </a:effectRef>
+          <a:fontRef idx="minor">
+            <a:schemeClr val="lt1"/>
+          </a:fontRef>
+        </p:style>
+        <p:txBody>
+          <a:bodyPr rtlCol="0" anchor="ctr"/>
+          <a:lstStyle/>
+          <a:p>
+            <a:pPr algn="ctr"/>
+            <a:r>
               <a:rPr lang="ko-KR" altLang="en-US" dirty="0" smtClean="0">
                 <a:solidFill>
                   <a:prstClr val="white"/>
@@ -8703,7 +10677,7 @@
 </p:sld>
 </file>
 
-<file path=ppt/slides/slide15.xml><?xml version="1.0" encoding="utf-8"?>
+<file path=ppt/slides/slide16.xml><?xml version="1.0" encoding="utf-8"?>
 <p:sld xmlns:a="http://schemas.openxmlformats.org/drawingml/2006/main" xmlns:r="http://schemas.openxmlformats.org/officeDocument/2006/relationships" xmlns:p="http://schemas.openxmlformats.org/presentationml/2006/main">
   <p:cSld>
     <p:spTree>
@@ -13441,6 +15415,149 @@
           </a:p>
         </p:txBody>
       </p:sp>
+      <p:sp>
+        <p:nvSpPr>
+          <p:cNvPr id="12" name="직사각형 11"/>
+          <p:cNvSpPr/>
+          <p:nvPr/>
+        </p:nvSpPr>
+        <p:spPr>
+          <a:xfrm>
+            <a:off x="4660903" y="4071208"/>
+            <a:ext cx="329448" cy="245534"/>
+          </a:xfrm>
+          <a:prstGeom prst="rect">
+            <a:avLst/>
+          </a:prstGeom>
+        </p:spPr>
+        <p:style>
+          <a:lnRef idx="2">
+            <a:schemeClr val="accent1">
+              <a:shade val="50000"/>
+            </a:schemeClr>
+          </a:lnRef>
+          <a:fillRef idx="1">
+            <a:schemeClr val="accent1"/>
+          </a:fillRef>
+          <a:effectRef idx="0">
+            <a:schemeClr val="accent1"/>
+          </a:effectRef>
+          <a:fontRef idx="minor">
+            <a:schemeClr val="lt1"/>
+          </a:fontRef>
+        </p:style>
+        <p:txBody>
+          <a:bodyPr rtlCol="0" anchor="ctr"/>
+          <a:lstStyle/>
+          <a:p>
+            <a:pPr algn="ctr"/>
+            <a:endParaRPr lang="ko-KR" altLang="en-US"/>
+          </a:p>
+        </p:txBody>
+      </p:sp>
+      <p:sp>
+        <p:nvSpPr>
+          <p:cNvPr id="13" name="직사각형 12"/>
+          <p:cNvSpPr/>
+          <p:nvPr/>
+        </p:nvSpPr>
+        <p:spPr>
+          <a:xfrm>
+            <a:off x="4329950" y="4062742"/>
+            <a:ext cx="330952" cy="254000"/>
+          </a:xfrm>
+          <a:prstGeom prst="rect">
+            <a:avLst/>
+          </a:prstGeom>
+          <a:solidFill>
+            <a:schemeClr val="accent2"/>
+          </a:solidFill>
+        </p:spPr>
+        <p:style>
+          <a:lnRef idx="2">
+            <a:schemeClr val="accent1">
+              <a:shade val="50000"/>
+            </a:schemeClr>
+          </a:lnRef>
+          <a:fillRef idx="1">
+            <a:schemeClr val="accent1"/>
+          </a:fillRef>
+          <a:effectRef idx="0">
+            <a:schemeClr val="accent1"/>
+          </a:effectRef>
+          <a:fontRef idx="minor">
+            <a:schemeClr val="lt1"/>
+          </a:fontRef>
+        </p:style>
+        <p:txBody>
+          <a:bodyPr rtlCol="0" anchor="ctr"/>
+          <a:lstStyle/>
+          <a:p>
+            <a:pPr algn="ctr"/>
+            <a:endParaRPr lang="ko-KR" altLang="en-US"/>
+          </a:p>
+        </p:txBody>
+      </p:sp>
+      <p:sp>
+        <p:nvSpPr>
+          <p:cNvPr id="14" name="TextBox 13"/>
+          <p:cNvSpPr txBox="1"/>
+          <p:nvPr/>
+        </p:nvSpPr>
+        <p:spPr>
+          <a:xfrm>
+            <a:off x="4597269" y="4051242"/>
+            <a:ext cx="406532" cy="276999"/>
+          </a:xfrm>
+          <a:prstGeom prst="rect">
+            <a:avLst/>
+          </a:prstGeom>
+          <a:noFill/>
+        </p:spPr>
+        <p:txBody>
+          <a:bodyPr wrap="square" rtlCol="0">
+            <a:spAutoFit/>
+          </a:bodyPr>
+          <a:lstStyle/>
+          <a:p>
+            <a:r>
+              <a:rPr lang="en-US" altLang="ko-KR" sz="1200" dirty="0" smtClean="0"/>
+              <a:t>Off</a:t>
+            </a:r>
+            <a:endParaRPr lang="ko-KR" altLang="en-US" sz="1200" dirty="0"/>
+          </a:p>
+        </p:txBody>
+      </p:sp>
+      <p:sp>
+        <p:nvSpPr>
+          <p:cNvPr id="16" name="TextBox 15"/>
+          <p:cNvSpPr txBox="1"/>
+          <p:nvPr/>
+        </p:nvSpPr>
+        <p:spPr>
+          <a:xfrm>
+            <a:off x="4305397" y="4074326"/>
+            <a:ext cx="380058" cy="230832"/>
+          </a:xfrm>
+          <a:prstGeom prst="rect">
+            <a:avLst/>
+          </a:prstGeom>
+          <a:noFill/>
+        </p:spPr>
+        <p:txBody>
+          <a:bodyPr wrap="square" rtlCol="0">
+            <a:spAutoFit/>
+          </a:bodyPr>
+          <a:lstStyle/>
+          <a:p>
+            <a:r>
+              <a:rPr lang="en-US" altLang="ko-KR" sz="900" dirty="0" smtClean="0"/>
+              <a:t>On</a:t>
+            </a:r>
+            <a:endParaRPr lang="ko-KR" altLang="en-US" sz="900" dirty="0"/>
+          </a:p>
+        </p:txBody>
+      </p:sp>
     </p:spTree>
     <p:extLst>
       <p:ext uri="{BB962C8B-B14F-4D97-AF65-F5344CB8AC3E}">
@@ -16164,6 +18281,358 @@
           <a:lstStyle/>
           <a:p>
             <a:pPr algn="ctr"/>
+            <a:endParaRPr lang="en-US" altLang="ko-KR" dirty="0" smtClean="0"/>
+          </a:p>
+        </p:txBody>
+      </p:sp>
+      <p:graphicFrame>
+        <p:nvGraphicFramePr>
+          <p:cNvPr id="5" name="표 4"/>
+          <p:cNvGraphicFramePr>
+            <a:graphicFrameLocks noGrp="1"/>
+          </p:cNvGraphicFramePr>
+          <p:nvPr>
+            <p:extLst>
+              <p:ext uri="{D42A27DB-BD31-4B8C-83A1-F6EECF244321}">
+                <p14:modId xmlns:p14="http://schemas.microsoft.com/office/powerpoint/2010/main" val="3151962423"/>
+              </p:ext>
+            </p:extLst>
+          </p:nvPr>
+        </p:nvGraphicFramePr>
+        <p:xfrm>
+          <a:off x="6392332" y="719664"/>
+          <a:ext cx="4174068" cy="3007344"/>
+        </p:xfrm>
+        <a:graphic>
+          <a:graphicData uri="http://schemas.openxmlformats.org/drawingml/2006/table">
+            <a:tbl>
+              <a:tblPr>
+                <a:tableStyleId>{073A0DAA-6AF3-43AB-8588-CEC1D06C72B9}</a:tableStyleId>
+              </a:tblPr>
+              <a:tblGrid>
+                <a:gridCol w="2087034"/>
+                <a:gridCol w="2087034"/>
+              </a:tblGrid>
+              <a:tr h="732867">
+                <a:tc>
+                  <a:txBody>
+                    <a:bodyPr/>
+                    <a:lstStyle/>
+                    <a:p>
+                      <a:pPr algn="ctr" latinLnBrk="1"/>
+                      <a:r>
+                        <a:rPr lang="ko-KR" altLang="en-US" dirty="0" smtClean="0"/>
+                        <a:t>구분</a:t>
+                      </a:r>
+                      <a:endParaRPr lang="ko-KR" altLang="en-US" dirty="0"/>
+                    </a:p>
+                  </a:txBody>
+                  <a:tcPr anchor="ctr">
+                    <a:solidFill>
+                      <a:schemeClr val="tx1">
+                        <a:lumMod val="50000"/>
+                        <a:lumOff val="50000"/>
+                      </a:schemeClr>
+                    </a:solidFill>
+                  </a:tcPr>
+                </a:tc>
+                <a:tc>
+                  <a:txBody>
+                    <a:bodyPr/>
+                    <a:lstStyle/>
+                    <a:p>
+                      <a:pPr algn="ctr" latinLnBrk="1"/>
+                      <a:r>
+                        <a:rPr lang="ko-KR" altLang="en-US" dirty="0" smtClean="0"/>
+                        <a:t>내용</a:t>
+                      </a:r>
+                      <a:endParaRPr lang="ko-KR" altLang="en-US" dirty="0"/>
+                    </a:p>
+                  </a:txBody>
+                  <a:tcPr anchor="ctr">
+                    <a:solidFill>
+                      <a:schemeClr val="tx1">
+                        <a:lumMod val="50000"/>
+                        <a:lumOff val="50000"/>
+                      </a:schemeClr>
+                    </a:solidFill>
+                  </a:tcPr>
+                </a:tc>
+              </a:tr>
+              <a:tr h="1109049">
+                <a:tc>
+                  <a:txBody>
+                    <a:bodyPr/>
+                    <a:lstStyle/>
+                    <a:p>
+                      <a:pPr algn="ctr" latinLnBrk="1"/>
+                      <a:r>
+                        <a:rPr lang="ko-KR" altLang="en-US" dirty="0" smtClean="0"/>
+                        <a:t>화면 번호</a:t>
+                      </a:r>
+                      <a:r>
+                        <a:rPr lang="en-US" altLang="ko-KR" dirty="0" smtClean="0"/>
+                        <a:t/>
+                      </a:r>
+                      <a:br>
+                        <a:rPr lang="en-US" altLang="ko-KR" dirty="0" smtClean="0"/>
+                      </a:br>
+                      <a:r>
+                        <a:rPr lang="en-US" altLang="ko-KR" dirty="0" smtClean="0"/>
+                        <a:t>(</a:t>
+                      </a:r>
+                      <a:r>
+                        <a:rPr lang="ko-KR" altLang="en-US" dirty="0" smtClean="0"/>
+                        <a:t>닉네임 등록</a:t>
+                      </a:r>
+                      <a:r>
+                        <a:rPr lang="en-US" altLang="ko-KR" dirty="0" smtClean="0"/>
+                        <a:t>)</a:t>
+                      </a:r>
+                      <a:endParaRPr lang="ko-KR" altLang="en-US" dirty="0"/>
+                    </a:p>
+                  </a:txBody>
+                  <a:tcPr anchor="ctr"/>
+                </a:tc>
+                <a:tc>
+                  <a:txBody>
+                    <a:bodyPr/>
+                    <a:lstStyle/>
+                    <a:p>
+                      <a:pPr algn="ctr" latinLnBrk="1"/>
+                      <a:r>
+                        <a:rPr lang="en-US" altLang="ko-KR" dirty="0" smtClean="0"/>
+                        <a:t>05-01-00</a:t>
+                      </a:r>
+                      <a:endParaRPr lang="ko-KR" altLang="en-US" dirty="0"/>
+                    </a:p>
+                  </a:txBody>
+                  <a:tcPr anchor="ctr"/>
+                </a:tc>
+              </a:tr>
+              <a:tr h="1165428">
+                <a:tc>
+                  <a:txBody>
+                    <a:bodyPr/>
+                    <a:lstStyle/>
+                    <a:p>
+                      <a:pPr algn="ctr" latinLnBrk="1"/>
+                      <a:r>
+                        <a:rPr lang="en-US" altLang="ko-KR" dirty="0" smtClean="0"/>
+                        <a:t>btn01</a:t>
+                      </a:r>
+                      <a:endParaRPr lang="ko-KR" altLang="en-US" dirty="0"/>
+                    </a:p>
+                  </a:txBody>
+                  <a:tcPr anchor="ctr"/>
+                </a:tc>
+                <a:tc>
+                  <a:txBody>
+                    <a:bodyPr/>
+                    <a:lstStyle/>
+                    <a:p>
+                      <a:pPr algn="ctr" latinLnBrk="1"/>
+                      <a:endParaRPr lang="ko-KR" altLang="en-US" dirty="0"/>
+                    </a:p>
+                  </a:txBody>
+                  <a:tcPr anchor="ctr"/>
+                </a:tc>
+              </a:tr>
+            </a:tbl>
+          </a:graphicData>
+        </a:graphic>
+      </p:graphicFrame>
+      <p:sp>
+        <p:nvSpPr>
+          <p:cNvPr id="2" name="모서리가 둥근 직사각형 1"/>
+          <p:cNvSpPr/>
+          <p:nvPr/>
+        </p:nvSpPr>
+        <p:spPr>
+          <a:xfrm>
+            <a:off x="1540933" y="2819396"/>
+            <a:ext cx="1270000" cy="1270000"/>
+          </a:xfrm>
+          <a:prstGeom prst="roundRect">
+            <a:avLst/>
+          </a:prstGeom>
+        </p:spPr>
+        <p:style>
+          <a:lnRef idx="2">
+            <a:schemeClr val="accent1">
+              <a:shade val="50000"/>
+            </a:schemeClr>
+          </a:lnRef>
+          <a:fillRef idx="1">
+            <a:schemeClr val="accent1"/>
+          </a:fillRef>
+          <a:effectRef idx="0">
+            <a:schemeClr val="accent1"/>
+          </a:effectRef>
+          <a:fontRef idx="minor">
+            <a:schemeClr val="lt1"/>
+          </a:fontRef>
+        </p:style>
+        <p:txBody>
+          <a:bodyPr rtlCol="0" anchor="ctr"/>
+          <a:lstStyle/>
+          <a:p>
+            <a:pPr algn="ctr"/>
+            <a:endParaRPr lang="ko-KR" altLang="en-US"/>
+          </a:p>
+        </p:txBody>
+      </p:sp>
+      <p:sp>
+        <p:nvSpPr>
+          <p:cNvPr id="9" name="모서리가 둥근 직사각형 8"/>
+          <p:cNvSpPr/>
+          <p:nvPr/>
+        </p:nvSpPr>
+        <p:spPr>
+          <a:xfrm>
+            <a:off x="3666066" y="2819396"/>
+            <a:ext cx="1270000" cy="1270000"/>
+          </a:xfrm>
+          <a:prstGeom prst="roundRect">
+            <a:avLst/>
+          </a:prstGeom>
+        </p:spPr>
+        <p:style>
+          <a:lnRef idx="2">
+            <a:schemeClr val="accent1">
+              <a:shade val="50000"/>
+            </a:schemeClr>
+          </a:lnRef>
+          <a:fillRef idx="1">
+            <a:schemeClr val="accent1"/>
+          </a:fillRef>
+          <a:effectRef idx="0">
+            <a:schemeClr val="accent1"/>
+          </a:effectRef>
+          <a:fontRef idx="minor">
+            <a:schemeClr val="lt1"/>
+          </a:fontRef>
+        </p:style>
+        <p:txBody>
+          <a:bodyPr rtlCol="0" anchor="ctr"/>
+          <a:lstStyle/>
+          <a:p>
+            <a:pPr algn="ctr"/>
+            <a:endParaRPr lang="ko-KR" altLang="en-US"/>
+          </a:p>
+        </p:txBody>
+      </p:sp>
+      <p:sp>
+        <p:nvSpPr>
+          <p:cNvPr id="6" name="TextBox 5"/>
+          <p:cNvSpPr txBox="1"/>
+          <p:nvPr/>
+        </p:nvSpPr>
+        <p:spPr>
+          <a:xfrm>
+            <a:off x="3011170" y="3269730"/>
+            <a:ext cx="454659" cy="369332"/>
+          </a:xfrm>
+          <a:prstGeom prst="rect">
+            <a:avLst/>
+          </a:prstGeom>
+          <a:noFill/>
+        </p:spPr>
+        <p:txBody>
+          <a:bodyPr wrap="square" rtlCol="0">
+            <a:spAutoFit/>
+          </a:bodyPr>
+          <a:lstStyle/>
+          <a:p>
+            <a:r>
+              <a:rPr lang="en-US" altLang="ko-KR" dirty="0" smtClean="0"/>
+              <a:t>VS</a:t>
+            </a:r>
+            <a:endParaRPr lang="ko-KR" altLang="en-US" dirty="0"/>
+          </a:p>
+        </p:txBody>
+      </p:sp>
+    </p:spTree>
+    <p:extLst>
+      <p:ext uri="{BB962C8B-B14F-4D97-AF65-F5344CB8AC3E}">
+        <p14:creationId xmlns:p14="http://schemas.microsoft.com/office/powerpoint/2010/main" val="1489616432"/>
+      </p:ext>
+    </p:extLst>
+  </p:cSld>
+  <p:clrMapOvr>
+    <a:masterClrMapping/>
+  </p:clrMapOvr>
+  <p:timing>
+    <p:tnLst>
+      <p:par>
+        <p:cTn id="1" dur="indefinite" restart="never" nodeType="tmRoot"/>
+      </p:par>
+    </p:tnLst>
+  </p:timing>
+</p:sld>
+</file>
+
+<file path=ppt/slides/slide9.xml><?xml version="1.0" encoding="utf-8"?>
+<p:sld xmlns:a="http://schemas.openxmlformats.org/drawingml/2006/main" xmlns:r="http://schemas.openxmlformats.org/officeDocument/2006/relationships" xmlns:p="http://schemas.openxmlformats.org/presentationml/2006/main">
+  <p:cSld>
+    <p:spTree>
+      <p:nvGrpSpPr>
+        <p:cNvPr id="1" name=""/>
+        <p:cNvGrpSpPr/>
+        <p:nvPr/>
+      </p:nvGrpSpPr>
+      <p:grpSpPr>
+        <a:xfrm>
+          <a:off x="0" y="0"/>
+          <a:ext cx="0" cy="0"/>
+          <a:chOff x="0" y="0"/>
+          <a:chExt cx="0" cy="0"/>
+        </a:xfrm>
+      </p:grpSpPr>
+      <p:sp>
+        <p:nvSpPr>
+          <p:cNvPr id="4" name="직사각형 3"/>
+          <p:cNvSpPr/>
+          <p:nvPr/>
+        </p:nvSpPr>
+        <p:spPr>
+          <a:xfrm>
+            <a:off x="863600" y="313263"/>
+            <a:ext cx="4826000" cy="6197600"/>
+          </a:xfrm>
+          <a:prstGeom prst="rect">
+            <a:avLst/>
+          </a:prstGeom>
+          <a:solidFill>
+            <a:schemeClr val="bg1"/>
+          </a:solidFill>
+          <a:ln>
+            <a:solidFill>
+              <a:schemeClr val="tx1"/>
+            </a:solidFill>
+          </a:ln>
+        </p:spPr>
+        <p:style>
+          <a:lnRef idx="2">
+            <a:schemeClr val="accent1">
+              <a:shade val="50000"/>
+            </a:schemeClr>
+          </a:lnRef>
+          <a:fillRef idx="1">
+            <a:schemeClr val="accent1"/>
+          </a:fillRef>
+          <a:effectRef idx="0">
+            <a:schemeClr val="accent1"/>
+          </a:effectRef>
+          <a:fontRef idx="minor">
+            <a:schemeClr val="lt1"/>
+          </a:fontRef>
+        </p:style>
+        <p:txBody>
+          <a:bodyPr rtlCol="0" anchor="ctr"/>
+          <a:lstStyle/>
+          <a:p>
+            <a:pPr algn="ctr"/>
             <a:endParaRPr lang="ko-KR" altLang="en-US" dirty="0"/>
           </a:p>
         </p:txBody>
@@ -18175,1979 +20644,6 @@
 </p:sld>
 </file>
 
-<file path=ppt/slides/slide9.xml><?xml version="1.0" encoding="utf-8"?>
-<p:sld xmlns:a="http://schemas.openxmlformats.org/drawingml/2006/main" xmlns:r="http://schemas.openxmlformats.org/officeDocument/2006/relationships" xmlns:p="http://schemas.openxmlformats.org/presentationml/2006/main">
-  <p:cSld>
-    <p:spTree>
-      <p:nvGrpSpPr>
-        <p:cNvPr id="1" name=""/>
-        <p:cNvGrpSpPr/>
-        <p:nvPr/>
-      </p:nvGrpSpPr>
-      <p:grpSpPr>
-        <a:xfrm>
-          <a:off x="0" y="0"/>
-          <a:ext cx="0" cy="0"/>
-          <a:chOff x="0" y="0"/>
-          <a:chExt cx="0" cy="0"/>
-        </a:xfrm>
-      </p:grpSpPr>
-      <p:sp>
-        <p:nvSpPr>
-          <p:cNvPr id="4" name="직사각형 3"/>
-          <p:cNvSpPr/>
-          <p:nvPr/>
-        </p:nvSpPr>
-        <p:spPr>
-          <a:xfrm>
-            <a:off x="863600" y="313263"/>
-            <a:ext cx="4826000" cy="6197600"/>
-          </a:xfrm>
-          <a:prstGeom prst="rect">
-            <a:avLst/>
-          </a:prstGeom>
-          <a:solidFill>
-            <a:schemeClr val="bg1"/>
-          </a:solidFill>
-          <a:ln>
-            <a:solidFill>
-              <a:schemeClr val="tx1"/>
-            </a:solidFill>
-          </a:ln>
-        </p:spPr>
-        <p:style>
-          <a:lnRef idx="2">
-            <a:schemeClr val="accent1">
-              <a:shade val="50000"/>
-            </a:schemeClr>
-          </a:lnRef>
-          <a:fillRef idx="1">
-            <a:schemeClr val="accent1"/>
-          </a:fillRef>
-          <a:effectRef idx="0">
-            <a:schemeClr val="accent1"/>
-          </a:effectRef>
-          <a:fontRef idx="minor">
-            <a:schemeClr val="lt1"/>
-          </a:fontRef>
-        </p:style>
-        <p:txBody>
-          <a:bodyPr rtlCol="0" anchor="ctr"/>
-          <a:lstStyle/>
-          <a:p>
-            <a:pPr algn="ctr"/>
-            <a:endParaRPr lang="ko-KR" altLang="en-US" dirty="0"/>
-          </a:p>
-        </p:txBody>
-      </p:sp>
-      <p:graphicFrame>
-        <p:nvGraphicFramePr>
-          <p:cNvPr id="5" name="표 4"/>
-          <p:cNvGraphicFramePr>
-            <a:graphicFrameLocks noGrp="1"/>
-          </p:cNvGraphicFramePr>
-          <p:nvPr>
-            <p:extLst>
-              <p:ext uri="{D42A27DB-BD31-4B8C-83A1-F6EECF244321}">
-                <p14:modId xmlns:p14="http://schemas.microsoft.com/office/powerpoint/2010/main" val="1945992206"/>
-              </p:ext>
-            </p:extLst>
-          </p:nvPr>
-        </p:nvGraphicFramePr>
-        <p:xfrm>
-          <a:off x="6392332" y="719664"/>
-          <a:ext cx="4174068" cy="3007344"/>
-        </p:xfrm>
-        <a:graphic>
-          <a:graphicData uri="http://schemas.openxmlformats.org/drawingml/2006/table">
-            <a:tbl>
-              <a:tblPr>
-                <a:tableStyleId>{073A0DAA-6AF3-43AB-8588-CEC1D06C72B9}</a:tableStyleId>
-              </a:tblPr>
-              <a:tblGrid>
-                <a:gridCol w="2087034"/>
-                <a:gridCol w="2087034"/>
-              </a:tblGrid>
-              <a:tr h="732867">
-                <a:tc>
-                  <a:txBody>
-                    <a:bodyPr/>
-                    <a:lstStyle/>
-                    <a:p>
-                      <a:pPr algn="ctr" latinLnBrk="1"/>
-                      <a:r>
-                        <a:rPr lang="ko-KR" altLang="en-US" dirty="0" smtClean="0"/>
-                        <a:t>구분</a:t>
-                      </a:r>
-                      <a:endParaRPr lang="ko-KR" altLang="en-US" dirty="0"/>
-                    </a:p>
-                  </a:txBody>
-                  <a:tcPr anchor="ctr">
-                    <a:solidFill>
-                      <a:schemeClr val="tx1">
-                        <a:lumMod val="50000"/>
-                        <a:lumOff val="50000"/>
-                      </a:schemeClr>
-                    </a:solidFill>
-                  </a:tcPr>
-                </a:tc>
-                <a:tc>
-                  <a:txBody>
-                    <a:bodyPr/>
-                    <a:lstStyle/>
-                    <a:p>
-                      <a:pPr algn="ctr" latinLnBrk="1"/>
-                      <a:r>
-                        <a:rPr lang="ko-KR" altLang="en-US" dirty="0" smtClean="0"/>
-                        <a:t>내용</a:t>
-                      </a:r>
-                      <a:endParaRPr lang="ko-KR" altLang="en-US" dirty="0"/>
-                    </a:p>
-                  </a:txBody>
-                  <a:tcPr anchor="ctr">
-                    <a:solidFill>
-                      <a:schemeClr val="tx1">
-                        <a:lumMod val="50000"/>
-                        <a:lumOff val="50000"/>
-                      </a:schemeClr>
-                    </a:solidFill>
-                  </a:tcPr>
-                </a:tc>
-              </a:tr>
-              <a:tr h="1109049">
-                <a:tc>
-                  <a:txBody>
-                    <a:bodyPr/>
-                    <a:lstStyle/>
-                    <a:p>
-                      <a:pPr algn="ctr" latinLnBrk="1"/>
-                      <a:r>
-                        <a:rPr lang="ko-KR" altLang="en-US" dirty="0" smtClean="0"/>
-                        <a:t>화면 번호</a:t>
-                      </a:r>
-                      <a:r>
-                        <a:rPr lang="en-US" altLang="ko-KR" dirty="0" smtClean="0"/>
-                        <a:t/>
-                      </a:r>
-                      <a:br>
-                        <a:rPr lang="en-US" altLang="ko-KR" dirty="0" smtClean="0"/>
-                      </a:br>
-                      <a:r>
-                        <a:rPr lang="en-US" altLang="ko-KR" dirty="0" smtClean="0"/>
-                        <a:t>(</a:t>
-                      </a:r>
-                      <a:r>
-                        <a:rPr lang="ko-KR" altLang="en-US" dirty="0" smtClean="0"/>
-                        <a:t>멀티 대결</a:t>
-                      </a:r>
-                      <a:r>
-                        <a:rPr lang="en-US" altLang="ko-KR" dirty="0" smtClean="0"/>
-                        <a:t>)</a:t>
-                      </a:r>
-                      <a:endParaRPr lang="ko-KR" altLang="en-US" dirty="0"/>
-                    </a:p>
-                  </a:txBody>
-                  <a:tcPr anchor="ctr"/>
-                </a:tc>
-                <a:tc>
-                  <a:txBody>
-                    <a:bodyPr/>
-                    <a:lstStyle/>
-                    <a:p>
-                      <a:pPr algn="ctr" latinLnBrk="1"/>
-                      <a:r>
-                        <a:rPr lang="en-US" altLang="ko-KR" dirty="0" smtClean="0"/>
-                        <a:t>05-01-02</a:t>
-                      </a:r>
-                      <a:endParaRPr lang="ko-KR" altLang="en-US" dirty="0"/>
-                    </a:p>
-                  </a:txBody>
-                  <a:tcPr anchor="ctr"/>
-                </a:tc>
-              </a:tr>
-              <a:tr h="1165428">
-                <a:tc>
-                  <a:txBody>
-                    <a:bodyPr/>
-                    <a:lstStyle/>
-                    <a:p>
-                      <a:pPr algn="ctr" latinLnBrk="1"/>
-                      <a:r>
-                        <a:rPr lang="en-US" altLang="ko-KR" dirty="0" smtClean="0"/>
-                        <a:t>btn01</a:t>
-                      </a:r>
-                      <a:endParaRPr lang="ko-KR" altLang="en-US" dirty="0"/>
-                    </a:p>
-                  </a:txBody>
-                  <a:tcPr anchor="ctr"/>
-                </a:tc>
-                <a:tc>
-                  <a:txBody>
-                    <a:bodyPr/>
-                    <a:lstStyle/>
-                    <a:p>
-                      <a:pPr algn="ctr" latinLnBrk="1"/>
-                      <a:endParaRPr lang="ko-KR" altLang="en-US" dirty="0"/>
-                    </a:p>
-                  </a:txBody>
-                  <a:tcPr anchor="ctr"/>
-                </a:tc>
-              </a:tr>
-            </a:tbl>
-          </a:graphicData>
-        </a:graphic>
-      </p:graphicFrame>
-      <p:graphicFrame>
-        <p:nvGraphicFramePr>
-          <p:cNvPr id="2" name="표 1"/>
-          <p:cNvGraphicFramePr>
-            <a:graphicFrameLocks noGrp="1"/>
-          </p:cNvGraphicFramePr>
-          <p:nvPr>
-            <p:extLst>
-              <p:ext uri="{D42A27DB-BD31-4B8C-83A1-F6EECF244321}">
-                <p14:modId xmlns:p14="http://schemas.microsoft.com/office/powerpoint/2010/main" val="3083913414"/>
-              </p:ext>
-            </p:extLst>
-          </p:nvPr>
-        </p:nvGraphicFramePr>
-        <p:xfrm>
-          <a:off x="1058334" y="1447802"/>
-          <a:ext cx="4445000" cy="4478865"/>
-        </p:xfrm>
-        <a:graphic>
-          <a:graphicData uri="http://schemas.openxmlformats.org/drawingml/2006/table">
-            <a:tbl>
-              <a:tblPr>
-                <a:tableStyleId>{21E4AEA4-8DFA-4A89-87EB-49C32662AFE0}</a:tableStyleId>
-              </a:tblPr>
-              <a:tblGrid>
-                <a:gridCol w="889000"/>
-                <a:gridCol w="889000"/>
-                <a:gridCol w="889000"/>
-                <a:gridCol w="889000"/>
-                <a:gridCol w="889000"/>
-              </a:tblGrid>
-              <a:tr h="895773">
-                <a:tc>
-                  <a:txBody>
-                    <a:bodyPr/>
-                    <a:lstStyle/>
-                    <a:p>
-                      <a:pPr latinLnBrk="1"/>
-                      <a:endParaRPr lang="ko-KR" altLang="en-US" dirty="0"/>
-                    </a:p>
-                  </a:txBody>
-                  <a:tcPr>
-                    <a:lnL w="12700" cap="flat" cmpd="sng" algn="ctr">
-                      <a:solidFill>
-                        <a:schemeClr val="tx1"/>
-                      </a:solidFill>
-                      <a:prstDash val="solid"/>
-                      <a:round/>
-                      <a:headEnd type="none" w="med" len="med"/>
-                      <a:tailEnd type="none" w="med" len="med"/>
-                    </a:lnL>
-                    <a:lnT w="12700" cap="flat" cmpd="sng" algn="ctr">
-                      <a:solidFill>
-                        <a:schemeClr val="tx1"/>
-                      </a:solidFill>
-                      <a:prstDash val="solid"/>
-                      <a:round/>
-                      <a:headEnd type="none" w="med" len="med"/>
-                      <a:tailEnd type="none" w="med" len="med"/>
-                    </a:lnT>
-                    <a:solidFill>
-                      <a:schemeClr val="tx1"/>
-                    </a:solidFill>
-                  </a:tcPr>
-                </a:tc>
-                <a:tc>
-                  <a:txBody>
-                    <a:bodyPr/>
-                    <a:lstStyle/>
-                    <a:p>
-                      <a:pPr latinLnBrk="1"/>
-                      <a:endParaRPr lang="ko-KR" altLang="en-US" dirty="0"/>
-                    </a:p>
-                  </a:txBody>
-                  <a:tcPr>
-                    <a:lnT w="12700" cap="flat" cmpd="sng" algn="ctr">
-                      <a:solidFill>
-                        <a:schemeClr val="tx1"/>
-                      </a:solidFill>
-                      <a:prstDash val="solid"/>
-                      <a:round/>
-                      <a:headEnd type="none" w="med" len="med"/>
-                      <a:tailEnd type="none" w="med" len="med"/>
-                    </a:lnT>
-                    <a:solidFill>
-                      <a:schemeClr val="bg1"/>
-                    </a:solidFill>
-                  </a:tcPr>
-                </a:tc>
-                <a:tc>
-                  <a:txBody>
-                    <a:bodyPr/>
-                    <a:lstStyle/>
-                    <a:p>
-                      <a:pPr latinLnBrk="1"/>
-                      <a:endParaRPr lang="ko-KR" altLang="en-US" dirty="0"/>
-                    </a:p>
-                  </a:txBody>
-                  <a:tcPr>
-                    <a:lnT w="12700" cap="flat" cmpd="sng" algn="ctr">
-                      <a:solidFill>
-                        <a:schemeClr val="tx1"/>
-                      </a:solidFill>
-                      <a:prstDash val="solid"/>
-                      <a:round/>
-                      <a:headEnd type="none" w="med" len="med"/>
-                      <a:tailEnd type="none" w="med" len="med"/>
-                    </a:lnT>
-                    <a:solidFill>
-                      <a:schemeClr val="tx1"/>
-                    </a:solidFill>
-                  </a:tcPr>
-                </a:tc>
-                <a:tc>
-                  <a:txBody>
-                    <a:bodyPr/>
-                    <a:lstStyle/>
-                    <a:p>
-                      <a:pPr latinLnBrk="1"/>
-                      <a:endParaRPr lang="ko-KR" altLang="en-US" dirty="0"/>
-                    </a:p>
-                  </a:txBody>
-                  <a:tcPr>
-                    <a:lnT w="12700" cap="flat" cmpd="sng" algn="ctr">
-                      <a:solidFill>
-                        <a:schemeClr val="tx1"/>
-                      </a:solidFill>
-                      <a:prstDash val="solid"/>
-                      <a:round/>
-                      <a:headEnd type="none" w="med" len="med"/>
-                      <a:tailEnd type="none" w="med" len="med"/>
-                    </a:lnT>
-                    <a:solidFill>
-                      <a:schemeClr val="bg1"/>
-                    </a:solidFill>
-                  </a:tcPr>
-                </a:tc>
-                <a:tc>
-                  <a:txBody>
-                    <a:bodyPr/>
-                    <a:lstStyle/>
-                    <a:p>
-                      <a:pPr latinLnBrk="1"/>
-                      <a:endParaRPr lang="ko-KR" altLang="en-US" dirty="0"/>
-                    </a:p>
-                  </a:txBody>
-                  <a:tcPr>
-                    <a:lnR w="12700" cap="flat" cmpd="sng" algn="ctr">
-                      <a:solidFill>
-                        <a:schemeClr val="tx1"/>
-                      </a:solidFill>
-                      <a:prstDash val="solid"/>
-                      <a:round/>
-                      <a:headEnd type="none" w="med" len="med"/>
-                      <a:tailEnd type="none" w="med" len="med"/>
-                    </a:lnR>
-                    <a:lnT w="12700" cap="flat" cmpd="sng" algn="ctr">
-                      <a:solidFill>
-                        <a:schemeClr val="tx1"/>
-                      </a:solidFill>
-                      <a:prstDash val="solid"/>
-                      <a:round/>
-                      <a:headEnd type="none" w="med" len="med"/>
-                      <a:tailEnd type="none" w="med" len="med"/>
-                    </a:lnT>
-                    <a:solidFill>
-                      <a:schemeClr val="tx1"/>
-                    </a:solidFill>
-                  </a:tcPr>
-                </a:tc>
-              </a:tr>
-              <a:tr h="895773">
-                <a:tc>
-                  <a:txBody>
-                    <a:bodyPr/>
-                    <a:lstStyle/>
-                    <a:p>
-                      <a:pPr latinLnBrk="1"/>
-                      <a:endParaRPr lang="ko-KR" altLang="en-US" dirty="0"/>
-                    </a:p>
-                  </a:txBody>
-                  <a:tcPr>
-                    <a:lnL w="12700" cap="flat" cmpd="sng" algn="ctr">
-                      <a:solidFill>
-                        <a:schemeClr val="tx1"/>
-                      </a:solidFill>
-                      <a:prstDash val="solid"/>
-                      <a:round/>
-                      <a:headEnd type="none" w="med" len="med"/>
-                      <a:tailEnd type="none" w="med" len="med"/>
-                    </a:lnL>
-                    <a:solidFill>
-                      <a:schemeClr val="bg1"/>
-                    </a:solidFill>
-                  </a:tcPr>
-                </a:tc>
-                <a:tc>
-                  <a:txBody>
-                    <a:bodyPr/>
-                    <a:lstStyle/>
-                    <a:p>
-                      <a:pPr latinLnBrk="1"/>
-                      <a:endParaRPr lang="ko-KR" altLang="en-US" sz="1800" kern="1200" dirty="0">
-                        <a:solidFill>
-                          <a:schemeClr val="dk1"/>
-                        </a:solidFill>
-                        <a:latin typeface="+mn-lt"/>
-                        <a:ea typeface="+mn-ea"/>
-                        <a:cs typeface="+mn-cs"/>
-                      </a:endParaRPr>
-                    </a:p>
-                  </a:txBody>
-                  <a:tcPr>
-                    <a:solidFill>
-                      <a:schemeClr val="tx1"/>
-                    </a:solidFill>
-                  </a:tcPr>
-                </a:tc>
-                <a:tc>
-                  <a:txBody>
-                    <a:bodyPr/>
-                    <a:lstStyle/>
-                    <a:p>
-                      <a:pPr latinLnBrk="1"/>
-                      <a:endParaRPr lang="ko-KR" altLang="en-US" dirty="0"/>
-                    </a:p>
-                  </a:txBody>
-                  <a:tcPr>
-                    <a:solidFill>
-                      <a:schemeClr val="bg1"/>
-                    </a:solidFill>
-                  </a:tcPr>
-                </a:tc>
-                <a:tc>
-                  <a:txBody>
-                    <a:bodyPr/>
-                    <a:lstStyle/>
-                    <a:p>
-                      <a:pPr latinLnBrk="1"/>
-                      <a:endParaRPr lang="ko-KR" altLang="en-US" dirty="0"/>
-                    </a:p>
-                  </a:txBody>
-                  <a:tcPr>
-                    <a:solidFill>
-                      <a:schemeClr val="tx1"/>
-                    </a:solidFill>
-                  </a:tcPr>
-                </a:tc>
-                <a:tc>
-                  <a:txBody>
-                    <a:bodyPr/>
-                    <a:lstStyle/>
-                    <a:p>
-                      <a:pPr latinLnBrk="1"/>
-                      <a:endParaRPr lang="ko-KR" altLang="en-US" dirty="0"/>
-                    </a:p>
-                  </a:txBody>
-                  <a:tcPr>
-                    <a:lnR w="12700" cap="flat" cmpd="sng" algn="ctr">
-                      <a:solidFill>
-                        <a:schemeClr val="tx1"/>
-                      </a:solidFill>
-                      <a:prstDash val="solid"/>
-                      <a:round/>
-                      <a:headEnd type="none" w="med" len="med"/>
-                      <a:tailEnd type="none" w="med" len="med"/>
-                    </a:lnR>
-                    <a:solidFill>
-                      <a:schemeClr val="bg1"/>
-                    </a:solidFill>
-                  </a:tcPr>
-                </a:tc>
-              </a:tr>
-              <a:tr h="895773">
-                <a:tc>
-                  <a:txBody>
-                    <a:bodyPr/>
-                    <a:lstStyle/>
-                    <a:p>
-                      <a:pPr latinLnBrk="1"/>
-                      <a:endParaRPr lang="ko-KR" altLang="en-US" dirty="0"/>
-                    </a:p>
-                  </a:txBody>
-                  <a:tcPr>
-                    <a:lnL w="12700" cap="flat" cmpd="sng" algn="ctr">
-                      <a:solidFill>
-                        <a:schemeClr val="tx1"/>
-                      </a:solidFill>
-                      <a:prstDash val="solid"/>
-                      <a:round/>
-                      <a:headEnd type="none" w="med" len="med"/>
-                      <a:tailEnd type="none" w="med" len="med"/>
-                    </a:lnL>
-                    <a:solidFill>
-                      <a:schemeClr val="tx1"/>
-                    </a:solidFill>
-                  </a:tcPr>
-                </a:tc>
-                <a:tc>
-                  <a:txBody>
-                    <a:bodyPr/>
-                    <a:lstStyle/>
-                    <a:p>
-                      <a:pPr latinLnBrk="1"/>
-                      <a:endParaRPr lang="ko-KR" altLang="en-US" dirty="0"/>
-                    </a:p>
-                  </a:txBody>
-                  <a:tcPr>
-                    <a:solidFill>
-                      <a:schemeClr val="bg1"/>
-                    </a:solidFill>
-                  </a:tcPr>
-                </a:tc>
-                <a:tc>
-                  <a:txBody>
-                    <a:bodyPr/>
-                    <a:lstStyle/>
-                    <a:p>
-                      <a:pPr latinLnBrk="1"/>
-                      <a:endParaRPr lang="ko-KR" altLang="en-US" dirty="0"/>
-                    </a:p>
-                  </a:txBody>
-                  <a:tcPr>
-                    <a:solidFill>
-                      <a:schemeClr val="tx1"/>
-                    </a:solidFill>
-                  </a:tcPr>
-                </a:tc>
-                <a:tc>
-                  <a:txBody>
-                    <a:bodyPr/>
-                    <a:lstStyle/>
-                    <a:p>
-                      <a:pPr latinLnBrk="1"/>
-                      <a:endParaRPr lang="ko-KR" altLang="en-US" dirty="0"/>
-                    </a:p>
-                  </a:txBody>
-                  <a:tcPr>
-                    <a:solidFill>
-                      <a:schemeClr val="bg1"/>
-                    </a:solidFill>
-                  </a:tcPr>
-                </a:tc>
-                <a:tc>
-                  <a:txBody>
-                    <a:bodyPr/>
-                    <a:lstStyle/>
-                    <a:p>
-                      <a:pPr latinLnBrk="1"/>
-                      <a:endParaRPr lang="ko-KR" altLang="en-US" dirty="0"/>
-                    </a:p>
-                  </a:txBody>
-                  <a:tcPr>
-                    <a:lnR w="12700" cap="flat" cmpd="sng" algn="ctr">
-                      <a:solidFill>
-                        <a:schemeClr val="tx1"/>
-                      </a:solidFill>
-                      <a:prstDash val="solid"/>
-                      <a:round/>
-                      <a:headEnd type="none" w="med" len="med"/>
-                      <a:tailEnd type="none" w="med" len="med"/>
-                    </a:lnR>
-                    <a:solidFill>
-                      <a:schemeClr val="tx1"/>
-                    </a:solidFill>
-                  </a:tcPr>
-                </a:tc>
-              </a:tr>
-              <a:tr h="895773">
-                <a:tc>
-                  <a:txBody>
-                    <a:bodyPr/>
-                    <a:lstStyle/>
-                    <a:p>
-                      <a:pPr latinLnBrk="1"/>
-                      <a:endParaRPr lang="ko-KR" altLang="en-US" dirty="0"/>
-                    </a:p>
-                  </a:txBody>
-                  <a:tcPr>
-                    <a:lnL w="12700" cap="flat" cmpd="sng" algn="ctr">
-                      <a:solidFill>
-                        <a:schemeClr val="tx1"/>
-                      </a:solidFill>
-                      <a:prstDash val="solid"/>
-                      <a:round/>
-                      <a:headEnd type="none" w="med" len="med"/>
-                      <a:tailEnd type="none" w="med" len="med"/>
-                    </a:lnL>
-                    <a:solidFill>
-                      <a:schemeClr val="bg1"/>
-                    </a:solidFill>
-                  </a:tcPr>
-                </a:tc>
-                <a:tc>
-                  <a:txBody>
-                    <a:bodyPr/>
-                    <a:lstStyle/>
-                    <a:p>
-                      <a:pPr latinLnBrk="1"/>
-                      <a:endParaRPr lang="ko-KR" altLang="en-US" dirty="0"/>
-                    </a:p>
-                  </a:txBody>
-                  <a:tcPr>
-                    <a:solidFill>
-                      <a:schemeClr val="tx1"/>
-                    </a:solidFill>
-                  </a:tcPr>
-                </a:tc>
-                <a:tc>
-                  <a:txBody>
-                    <a:bodyPr/>
-                    <a:lstStyle/>
-                    <a:p>
-                      <a:pPr latinLnBrk="1"/>
-                      <a:endParaRPr lang="ko-KR" altLang="en-US" dirty="0"/>
-                    </a:p>
-                  </a:txBody>
-                  <a:tcPr>
-                    <a:solidFill>
-                      <a:schemeClr val="bg1"/>
-                    </a:solidFill>
-                  </a:tcPr>
-                </a:tc>
-                <a:tc>
-                  <a:txBody>
-                    <a:bodyPr/>
-                    <a:lstStyle/>
-                    <a:p>
-                      <a:pPr latinLnBrk="1"/>
-                      <a:endParaRPr lang="ko-KR" altLang="en-US" dirty="0"/>
-                    </a:p>
-                  </a:txBody>
-                  <a:tcPr>
-                    <a:solidFill>
-                      <a:schemeClr val="tx1"/>
-                    </a:solidFill>
-                  </a:tcPr>
-                </a:tc>
-                <a:tc>
-                  <a:txBody>
-                    <a:bodyPr/>
-                    <a:lstStyle/>
-                    <a:p>
-                      <a:pPr latinLnBrk="1"/>
-                      <a:endParaRPr lang="ko-KR" altLang="en-US" dirty="0"/>
-                    </a:p>
-                  </a:txBody>
-                  <a:tcPr>
-                    <a:lnR w="12700" cap="flat" cmpd="sng" algn="ctr">
-                      <a:solidFill>
-                        <a:schemeClr val="tx1"/>
-                      </a:solidFill>
-                      <a:prstDash val="solid"/>
-                      <a:round/>
-                      <a:headEnd type="none" w="med" len="med"/>
-                      <a:tailEnd type="none" w="med" len="med"/>
-                    </a:lnR>
-                    <a:solidFill>
-                      <a:schemeClr val="bg1"/>
-                    </a:solidFill>
-                  </a:tcPr>
-                </a:tc>
-              </a:tr>
-              <a:tr h="895773">
-                <a:tc>
-                  <a:txBody>
-                    <a:bodyPr/>
-                    <a:lstStyle/>
-                    <a:p>
-                      <a:pPr latinLnBrk="1"/>
-                      <a:endParaRPr lang="ko-KR" altLang="en-US" dirty="0"/>
-                    </a:p>
-                  </a:txBody>
-                  <a:tcPr>
-                    <a:lnL w="12700" cap="flat" cmpd="sng" algn="ctr">
-                      <a:solidFill>
-                        <a:schemeClr val="tx1"/>
-                      </a:solidFill>
-                      <a:prstDash val="solid"/>
-                      <a:round/>
-                      <a:headEnd type="none" w="med" len="med"/>
-                      <a:tailEnd type="none" w="med" len="med"/>
-                    </a:lnL>
-                    <a:lnB w="12700" cap="flat" cmpd="sng" algn="ctr">
-                      <a:solidFill>
-                        <a:schemeClr val="tx1"/>
-                      </a:solidFill>
-                      <a:prstDash val="solid"/>
-                      <a:round/>
-                      <a:headEnd type="none" w="med" len="med"/>
-                      <a:tailEnd type="none" w="med" len="med"/>
-                    </a:lnB>
-                    <a:solidFill>
-                      <a:schemeClr val="tx1"/>
-                    </a:solidFill>
-                  </a:tcPr>
-                </a:tc>
-                <a:tc>
-                  <a:txBody>
-                    <a:bodyPr/>
-                    <a:lstStyle/>
-                    <a:p>
-                      <a:pPr latinLnBrk="1"/>
-                      <a:endParaRPr lang="ko-KR" altLang="en-US" dirty="0"/>
-                    </a:p>
-                  </a:txBody>
-                  <a:tcPr>
-                    <a:lnB w="12700" cap="flat" cmpd="sng" algn="ctr">
-                      <a:solidFill>
-                        <a:schemeClr val="tx1"/>
-                      </a:solidFill>
-                      <a:prstDash val="solid"/>
-                      <a:round/>
-                      <a:headEnd type="none" w="med" len="med"/>
-                      <a:tailEnd type="none" w="med" len="med"/>
-                    </a:lnB>
-                    <a:solidFill>
-                      <a:schemeClr val="bg1"/>
-                    </a:solidFill>
-                  </a:tcPr>
-                </a:tc>
-                <a:tc>
-                  <a:txBody>
-                    <a:bodyPr/>
-                    <a:lstStyle/>
-                    <a:p>
-                      <a:pPr latinLnBrk="1"/>
-                      <a:endParaRPr lang="ko-KR" altLang="en-US" dirty="0"/>
-                    </a:p>
-                  </a:txBody>
-                  <a:tcPr>
-                    <a:lnB w="12700" cap="flat" cmpd="sng" algn="ctr">
-                      <a:solidFill>
-                        <a:schemeClr val="tx1"/>
-                      </a:solidFill>
-                      <a:prstDash val="solid"/>
-                      <a:round/>
-                      <a:headEnd type="none" w="med" len="med"/>
-                      <a:tailEnd type="none" w="med" len="med"/>
-                    </a:lnB>
-                    <a:solidFill>
-                      <a:schemeClr val="tx1"/>
-                    </a:solidFill>
-                  </a:tcPr>
-                </a:tc>
-                <a:tc>
-                  <a:txBody>
-                    <a:bodyPr/>
-                    <a:lstStyle/>
-                    <a:p>
-                      <a:pPr latinLnBrk="1"/>
-                      <a:endParaRPr lang="ko-KR" altLang="en-US" dirty="0"/>
-                    </a:p>
-                  </a:txBody>
-                  <a:tcPr>
-                    <a:lnB w="12700" cap="flat" cmpd="sng" algn="ctr">
-                      <a:solidFill>
-                        <a:schemeClr val="tx1"/>
-                      </a:solidFill>
-                      <a:prstDash val="solid"/>
-                      <a:round/>
-                      <a:headEnd type="none" w="med" len="med"/>
-                      <a:tailEnd type="none" w="med" len="med"/>
-                    </a:lnB>
-                    <a:solidFill>
-                      <a:schemeClr val="bg1"/>
-                    </a:solidFill>
-                  </a:tcPr>
-                </a:tc>
-                <a:tc>
-                  <a:txBody>
-                    <a:bodyPr/>
-                    <a:lstStyle/>
-                    <a:p>
-                      <a:pPr latinLnBrk="1"/>
-                      <a:endParaRPr lang="ko-KR" altLang="en-US" dirty="0"/>
-                    </a:p>
-                  </a:txBody>
-                  <a:tcPr>
-                    <a:lnR w="12700" cap="flat" cmpd="sng" algn="ctr">
-                      <a:solidFill>
-                        <a:schemeClr val="tx1"/>
-                      </a:solidFill>
-                      <a:prstDash val="solid"/>
-                      <a:round/>
-                      <a:headEnd type="none" w="med" len="med"/>
-                      <a:tailEnd type="none" w="med" len="med"/>
-                    </a:lnR>
-                    <a:lnB w="12700" cap="flat" cmpd="sng" algn="ctr">
-                      <a:solidFill>
-                        <a:schemeClr val="tx1"/>
-                      </a:solidFill>
-                      <a:prstDash val="solid"/>
-                      <a:round/>
-                      <a:headEnd type="none" w="med" len="med"/>
-                      <a:tailEnd type="none" w="med" len="med"/>
-                    </a:lnB>
-                    <a:solidFill>
-                      <a:schemeClr val="tx1"/>
-                    </a:solidFill>
-                  </a:tcPr>
-                </a:tc>
-              </a:tr>
-            </a:tbl>
-          </a:graphicData>
-        </a:graphic>
-      </p:graphicFrame>
-      <p:graphicFrame>
-        <p:nvGraphicFramePr>
-          <p:cNvPr id="13" name="표 12"/>
-          <p:cNvGraphicFramePr>
-            <a:graphicFrameLocks noGrp="1"/>
-          </p:cNvGraphicFramePr>
-          <p:nvPr>
-            <p:extLst>
-              <p:ext uri="{D42A27DB-BD31-4B8C-83A1-F6EECF244321}">
-                <p14:modId xmlns:p14="http://schemas.microsoft.com/office/powerpoint/2010/main" val="3825514169"/>
-              </p:ext>
-            </p:extLst>
-          </p:nvPr>
-        </p:nvGraphicFramePr>
-        <p:xfrm>
-          <a:off x="1057894" y="812572"/>
-          <a:ext cx="1312334" cy="503542"/>
-        </p:xfrm>
-        <a:graphic>
-          <a:graphicData uri="http://schemas.openxmlformats.org/drawingml/2006/table">
-            <a:tbl>
-              <a:tblPr firstRow="1" bandRow="1">
-                <a:tableStyleId>{5C22544A-7EE6-4342-B048-85BDC9FD1C3A}</a:tableStyleId>
-              </a:tblPr>
-              <a:tblGrid>
-                <a:gridCol w="656167"/>
-                <a:gridCol w="656167"/>
-              </a:tblGrid>
-              <a:tr h="251771">
-                <a:tc>
-                  <a:txBody>
-                    <a:bodyPr/>
-                    <a:lstStyle/>
-                    <a:p>
-                      <a:pPr algn="ctr" latinLnBrk="1"/>
-                      <a:r>
-                        <a:rPr lang="ko-KR" altLang="en-US" sz="1050" dirty="0" smtClean="0"/>
-                        <a:t>계급</a:t>
-                      </a:r>
-                      <a:endParaRPr lang="ko-KR" altLang="en-US" sz="1050" dirty="0"/>
-                    </a:p>
-                  </a:txBody>
-                  <a:tcPr anchor="ctr"/>
-                </a:tc>
-                <a:tc>
-                  <a:txBody>
-                    <a:bodyPr/>
-                    <a:lstStyle/>
-                    <a:p>
-                      <a:pPr algn="ctr" latinLnBrk="1"/>
-                      <a:r>
-                        <a:rPr lang="ko-KR" altLang="en-US" sz="1050" dirty="0" err="1" smtClean="0"/>
-                        <a:t>실버</a:t>
-                      </a:r>
-                      <a:r>
-                        <a:rPr lang="ko-KR" altLang="en-US" sz="1050" dirty="0" smtClean="0"/>
-                        <a:t> </a:t>
-                      </a:r>
-                      <a:r>
-                        <a:rPr lang="en-US" altLang="ko-KR" sz="1050" dirty="0" smtClean="0"/>
-                        <a:t>3</a:t>
-                      </a:r>
-                      <a:endParaRPr lang="ko-KR" altLang="en-US" sz="1050" dirty="0"/>
-                    </a:p>
-                  </a:txBody>
-                  <a:tcPr anchor="ctr"/>
-                </a:tc>
-              </a:tr>
-              <a:tr h="251771">
-                <a:tc>
-                  <a:txBody>
-                    <a:bodyPr/>
-                    <a:lstStyle/>
-                    <a:p>
-                      <a:pPr algn="ctr" latinLnBrk="1"/>
-                      <a:r>
-                        <a:rPr lang="ko-KR" altLang="en-US" sz="1050" dirty="0" smtClean="0"/>
-                        <a:t>점수</a:t>
-                      </a:r>
-                      <a:endParaRPr lang="ko-KR" altLang="en-US" sz="1050" dirty="0"/>
-                    </a:p>
-                  </a:txBody>
-                  <a:tcPr anchor="ctr"/>
-                </a:tc>
-                <a:tc>
-                  <a:txBody>
-                    <a:bodyPr/>
-                    <a:lstStyle/>
-                    <a:p>
-                      <a:pPr algn="ctr" latinLnBrk="1"/>
-                      <a:r>
-                        <a:rPr lang="en-US" altLang="ko-KR" sz="1050" dirty="0" smtClean="0"/>
-                        <a:t>1245</a:t>
-                      </a:r>
-                      <a:endParaRPr lang="ko-KR" altLang="en-US" sz="1050" dirty="0"/>
-                    </a:p>
-                  </a:txBody>
-                  <a:tcPr anchor="ctr"/>
-                </a:tc>
-              </a:tr>
-            </a:tbl>
-          </a:graphicData>
-        </a:graphic>
-      </p:graphicFrame>
-      <p:graphicFrame>
-        <p:nvGraphicFramePr>
-          <p:cNvPr id="14" name="표 13"/>
-          <p:cNvGraphicFramePr>
-            <a:graphicFrameLocks noGrp="1"/>
-          </p:cNvGraphicFramePr>
-          <p:nvPr>
-            <p:extLst>
-              <p:ext uri="{D42A27DB-BD31-4B8C-83A1-F6EECF244321}">
-                <p14:modId xmlns:p14="http://schemas.microsoft.com/office/powerpoint/2010/main" val="3839663812"/>
-              </p:ext>
-            </p:extLst>
-          </p:nvPr>
-        </p:nvGraphicFramePr>
-        <p:xfrm>
-          <a:off x="4191001" y="850786"/>
-          <a:ext cx="1312334" cy="503542"/>
-        </p:xfrm>
-        <a:graphic>
-          <a:graphicData uri="http://schemas.openxmlformats.org/drawingml/2006/table">
-            <a:tbl>
-              <a:tblPr firstRow="1" bandRow="1">
-                <a:tableStyleId>{5C22544A-7EE6-4342-B048-85BDC9FD1C3A}</a:tableStyleId>
-              </a:tblPr>
-              <a:tblGrid>
-                <a:gridCol w="656167"/>
-                <a:gridCol w="656167"/>
-              </a:tblGrid>
-              <a:tr h="251771">
-                <a:tc>
-                  <a:txBody>
-                    <a:bodyPr/>
-                    <a:lstStyle/>
-                    <a:p>
-                      <a:pPr algn="ctr" latinLnBrk="1"/>
-                      <a:r>
-                        <a:rPr lang="ko-KR" altLang="en-US" sz="1050" dirty="0" smtClean="0"/>
-                        <a:t>계급</a:t>
-                      </a:r>
-                      <a:endParaRPr lang="ko-KR" altLang="en-US" sz="1050" dirty="0"/>
-                    </a:p>
-                  </a:txBody>
-                  <a:tcPr anchor="ctr"/>
-                </a:tc>
-                <a:tc>
-                  <a:txBody>
-                    <a:bodyPr/>
-                    <a:lstStyle/>
-                    <a:p>
-                      <a:pPr algn="ctr" latinLnBrk="1"/>
-                      <a:r>
-                        <a:rPr lang="ko-KR" altLang="en-US" sz="1050" dirty="0" err="1" smtClean="0"/>
-                        <a:t>실버</a:t>
-                      </a:r>
-                      <a:r>
-                        <a:rPr lang="ko-KR" altLang="en-US" sz="1050" dirty="0" smtClean="0"/>
-                        <a:t> </a:t>
-                      </a:r>
-                      <a:r>
-                        <a:rPr lang="en-US" altLang="ko-KR" sz="1050" dirty="0" smtClean="0"/>
-                        <a:t>3</a:t>
-                      </a:r>
-                      <a:endParaRPr lang="ko-KR" altLang="en-US" sz="1050" dirty="0"/>
-                    </a:p>
-                  </a:txBody>
-                  <a:tcPr anchor="ctr"/>
-                </a:tc>
-              </a:tr>
-              <a:tr h="251771">
-                <a:tc>
-                  <a:txBody>
-                    <a:bodyPr/>
-                    <a:lstStyle/>
-                    <a:p>
-                      <a:pPr algn="ctr" latinLnBrk="1"/>
-                      <a:r>
-                        <a:rPr lang="ko-KR" altLang="en-US" sz="1050" dirty="0" smtClean="0"/>
-                        <a:t>점수</a:t>
-                      </a:r>
-                      <a:endParaRPr lang="ko-KR" altLang="en-US" sz="1050" dirty="0"/>
-                    </a:p>
-                  </a:txBody>
-                  <a:tcPr anchor="ctr"/>
-                </a:tc>
-                <a:tc>
-                  <a:txBody>
-                    <a:bodyPr/>
-                    <a:lstStyle/>
-                    <a:p>
-                      <a:pPr algn="ctr" latinLnBrk="1"/>
-                      <a:r>
-                        <a:rPr lang="en-US" altLang="ko-KR" sz="1050" dirty="0" smtClean="0"/>
-                        <a:t>1245</a:t>
-                      </a:r>
-                      <a:endParaRPr lang="ko-KR" altLang="en-US" sz="1050" dirty="0"/>
-                    </a:p>
-                  </a:txBody>
-                  <a:tcPr anchor="ctr"/>
-                </a:tc>
-              </a:tr>
-            </a:tbl>
-          </a:graphicData>
-        </a:graphic>
-      </p:graphicFrame>
-      <p:grpSp>
-        <p:nvGrpSpPr>
-          <p:cNvPr id="9" name="그룹 8"/>
-          <p:cNvGrpSpPr/>
-          <p:nvPr/>
-        </p:nvGrpSpPr>
-        <p:grpSpPr>
-          <a:xfrm>
-            <a:off x="3007838" y="626529"/>
-            <a:ext cx="537524" cy="537524"/>
-            <a:chOff x="3007838" y="313263"/>
-            <a:chExt cx="537524" cy="537524"/>
-          </a:xfrm>
-        </p:grpSpPr>
-        <p:sp>
-          <p:nvSpPr>
-            <p:cNvPr id="16" name="타원 15"/>
-            <p:cNvSpPr/>
-            <p:nvPr/>
-          </p:nvSpPr>
-          <p:spPr>
-            <a:xfrm>
-              <a:off x="3007838" y="313263"/>
-              <a:ext cx="537524" cy="537524"/>
-            </a:xfrm>
-            <a:prstGeom prst="ellipse">
-              <a:avLst/>
-            </a:prstGeom>
-          </p:spPr>
-          <p:style>
-            <a:lnRef idx="2">
-              <a:schemeClr val="accent1">
-                <a:shade val="50000"/>
-              </a:schemeClr>
-            </a:lnRef>
-            <a:fillRef idx="1">
-              <a:schemeClr val="accent1"/>
-            </a:fillRef>
-            <a:effectRef idx="0">
-              <a:schemeClr val="accent1"/>
-            </a:effectRef>
-            <a:fontRef idx="minor">
-              <a:schemeClr val="lt1"/>
-            </a:fontRef>
-          </p:style>
-          <p:txBody>
-            <a:bodyPr rtlCol="0" anchor="ctr"/>
-            <a:lstStyle/>
-            <a:p>
-              <a:pPr algn="ctr"/>
-              <a:endParaRPr lang="ko-KR" altLang="en-US" sz="700" dirty="0"/>
-            </a:p>
-          </p:txBody>
-        </p:sp>
-        <p:sp>
-          <p:nvSpPr>
-            <p:cNvPr id="6" name="TextBox 5"/>
-            <p:cNvSpPr txBox="1"/>
-            <p:nvPr/>
-          </p:nvSpPr>
-          <p:spPr>
-            <a:xfrm>
-              <a:off x="3036889" y="443525"/>
-              <a:ext cx="508473" cy="276999"/>
-            </a:xfrm>
-            <a:prstGeom prst="rect">
-              <a:avLst/>
-            </a:prstGeom>
-            <a:noFill/>
-          </p:spPr>
-          <p:txBody>
-            <a:bodyPr wrap="none" rtlCol="0">
-              <a:spAutoFit/>
-            </a:bodyPr>
-            <a:lstStyle/>
-            <a:p>
-              <a:r>
-                <a:rPr lang="en-US" altLang="ko-KR" sz="1200" dirty="0" smtClean="0"/>
-                <a:t>15</a:t>
-              </a:r>
-              <a:r>
-                <a:rPr lang="ko-KR" altLang="en-US" sz="1200" dirty="0" smtClean="0"/>
-                <a:t>초</a:t>
-              </a:r>
-              <a:endParaRPr lang="ko-KR" altLang="en-US" sz="1200" dirty="0"/>
-            </a:p>
-          </p:txBody>
-        </p:sp>
-      </p:grpSp>
-      <p:sp>
-        <p:nvSpPr>
-          <p:cNvPr id="8" name="TextBox 7"/>
-          <p:cNvSpPr txBox="1"/>
-          <p:nvPr/>
-        </p:nvSpPr>
-        <p:spPr>
-          <a:xfrm>
-            <a:off x="1134534" y="5283201"/>
-            <a:ext cx="671209" cy="369332"/>
-          </a:xfrm>
-          <a:prstGeom prst="rect">
-            <a:avLst/>
-          </a:prstGeom>
-          <a:noFill/>
-        </p:spPr>
-        <p:txBody>
-          <a:bodyPr wrap="none" rtlCol="0">
-            <a:spAutoFit/>
-          </a:bodyPr>
-          <a:lstStyle/>
-          <a:p>
-            <a:r>
-              <a:rPr lang="en-US" altLang="ko-KR" dirty="0" smtClean="0">
-                <a:solidFill>
-                  <a:schemeClr val="bg1"/>
-                </a:solidFill>
-              </a:rPr>
-              <a:t>Start</a:t>
-            </a:r>
-            <a:endParaRPr lang="ko-KR" altLang="en-US" dirty="0">
-              <a:solidFill>
-                <a:schemeClr val="bg1"/>
-              </a:solidFill>
-            </a:endParaRPr>
-          </a:p>
-        </p:txBody>
-      </p:sp>
-      <p:sp>
-        <p:nvSpPr>
-          <p:cNvPr id="18" name="TextBox 17"/>
-          <p:cNvSpPr txBox="1"/>
-          <p:nvPr/>
-        </p:nvSpPr>
-        <p:spPr>
-          <a:xfrm>
-            <a:off x="4733305" y="1676401"/>
-            <a:ext cx="657488" cy="369332"/>
-          </a:xfrm>
-          <a:prstGeom prst="rect">
-            <a:avLst/>
-          </a:prstGeom>
-          <a:noFill/>
-        </p:spPr>
-        <p:txBody>
-          <a:bodyPr wrap="none" rtlCol="0">
-            <a:spAutoFit/>
-          </a:bodyPr>
-          <a:lstStyle/>
-          <a:p>
-            <a:r>
-              <a:rPr lang="en-US" altLang="ko-KR" dirty="0" smtClean="0">
-                <a:solidFill>
-                  <a:schemeClr val="bg1"/>
-                </a:solidFill>
-              </a:rPr>
-              <a:t>Goal</a:t>
-            </a:r>
-            <a:endParaRPr lang="ko-KR" altLang="en-US" dirty="0">
-              <a:solidFill>
-                <a:schemeClr val="bg1"/>
-              </a:solidFill>
-            </a:endParaRPr>
-          </a:p>
-        </p:txBody>
-      </p:sp>
-      <p:sp>
-        <p:nvSpPr>
-          <p:cNvPr id="19" name="TextBox 18"/>
-          <p:cNvSpPr txBox="1"/>
-          <p:nvPr/>
-        </p:nvSpPr>
-        <p:spPr>
-          <a:xfrm>
-            <a:off x="4733305" y="5283201"/>
-            <a:ext cx="671209" cy="369332"/>
-          </a:xfrm>
-          <a:prstGeom prst="rect">
-            <a:avLst/>
-          </a:prstGeom>
-          <a:noFill/>
-        </p:spPr>
-        <p:txBody>
-          <a:bodyPr wrap="none" rtlCol="0">
-            <a:spAutoFit/>
-          </a:bodyPr>
-          <a:lstStyle/>
-          <a:p>
-            <a:r>
-              <a:rPr lang="en-US" altLang="ko-KR" dirty="0" smtClean="0">
-                <a:solidFill>
-                  <a:schemeClr val="bg1"/>
-                </a:solidFill>
-              </a:rPr>
-              <a:t>Start</a:t>
-            </a:r>
-            <a:endParaRPr lang="ko-KR" altLang="en-US" dirty="0">
-              <a:solidFill>
-                <a:schemeClr val="bg1"/>
-              </a:solidFill>
-            </a:endParaRPr>
-          </a:p>
-        </p:txBody>
-      </p:sp>
-      <p:sp>
-        <p:nvSpPr>
-          <p:cNvPr id="22" name="TextBox 21"/>
-          <p:cNvSpPr txBox="1"/>
-          <p:nvPr/>
-        </p:nvSpPr>
-        <p:spPr>
-          <a:xfrm>
-            <a:off x="1148255" y="1676401"/>
-            <a:ext cx="657488" cy="369332"/>
-          </a:xfrm>
-          <a:prstGeom prst="rect">
-            <a:avLst/>
-          </a:prstGeom>
-          <a:noFill/>
-        </p:spPr>
-        <p:txBody>
-          <a:bodyPr wrap="none" rtlCol="0">
-            <a:spAutoFit/>
-          </a:bodyPr>
-          <a:lstStyle/>
-          <a:p>
-            <a:r>
-              <a:rPr lang="en-US" altLang="ko-KR" dirty="0" smtClean="0">
-                <a:solidFill>
-                  <a:schemeClr val="bg1"/>
-                </a:solidFill>
-              </a:rPr>
-              <a:t>Goal</a:t>
-            </a:r>
-            <a:endParaRPr lang="ko-KR" altLang="en-US" dirty="0">
-              <a:solidFill>
-                <a:schemeClr val="bg1"/>
-              </a:solidFill>
-            </a:endParaRPr>
-          </a:p>
-        </p:txBody>
-      </p:sp>
-      <p:sp>
-        <p:nvSpPr>
-          <p:cNvPr id="27" name="TextBox 26"/>
-          <p:cNvSpPr txBox="1"/>
-          <p:nvPr/>
-        </p:nvSpPr>
-        <p:spPr>
-          <a:xfrm>
-            <a:off x="999066" y="536996"/>
-            <a:ext cx="1127937" cy="276999"/>
-          </a:xfrm>
-          <a:prstGeom prst="rect">
-            <a:avLst/>
-          </a:prstGeom>
-          <a:noFill/>
-        </p:spPr>
-        <p:txBody>
-          <a:bodyPr wrap="none" rtlCol="0">
-            <a:spAutoFit/>
-          </a:bodyPr>
-          <a:lstStyle/>
-          <a:p>
-            <a:r>
-              <a:rPr lang="en-US" altLang="ko-KR" sz="1200" dirty="0" smtClean="0"/>
-              <a:t>shfksekdrms2</a:t>
-            </a:r>
-            <a:endParaRPr lang="ko-KR" altLang="en-US" sz="1200" dirty="0"/>
-          </a:p>
-        </p:txBody>
-      </p:sp>
-      <p:sp>
-        <p:nvSpPr>
-          <p:cNvPr id="28" name="TextBox 27"/>
-          <p:cNvSpPr txBox="1"/>
-          <p:nvPr/>
-        </p:nvSpPr>
-        <p:spPr>
-          <a:xfrm>
-            <a:off x="4733305" y="579334"/>
-            <a:ext cx="824265" cy="276999"/>
-          </a:xfrm>
-          <a:prstGeom prst="rect">
-            <a:avLst/>
-          </a:prstGeom>
-          <a:noFill/>
-        </p:spPr>
-        <p:txBody>
-          <a:bodyPr wrap="none" rtlCol="0">
-            <a:spAutoFit/>
-          </a:bodyPr>
-          <a:lstStyle/>
-          <a:p>
-            <a:r>
-              <a:rPr lang="en-US" altLang="ko-KR" sz="1200" dirty="0" smtClean="0"/>
-              <a:t>june0313</a:t>
-            </a:r>
-            <a:endParaRPr lang="ko-KR" altLang="en-US" sz="1200" dirty="0"/>
-          </a:p>
-        </p:txBody>
-      </p:sp>
-      <p:grpSp>
-        <p:nvGrpSpPr>
-          <p:cNvPr id="38" name="그룹 37"/>
-          <p:cNvGrpSpPr/>
-          <p:nvPr/>
-        </p:nvGrpSpPr>
-        <p:grpSpPr>
-          <a:xfrm>
-            <a:off x="827185" y="4715791"/>
-            <a:ext cx="614697" cy="832639"/>
-            <a:chOff x="3641927" y="4001840"/>
-            <a:chExt cx="614697" cy="832639"/>
-          </a:xfrm>
-        </p:grpSpPr>
-        <p:grpSp>
-          <p:nvGrpSpPr>
-            <p:cNvPr id="31" name="그룹 30"/>
-            <p:cNvGrpSpPr/>
-            <p:nvPr/>
-          </p:nvGrpSpPr>
-          <p:grpSpPr>
-            <a:xfrm>
-              <a:off x="3641927" y="4001840"/>
-              <a:ext cx="614697" cy="614697"/>
-              <a:chOff x="3701193" y="4021663"/>
-              <a:chExt cx="614697" cy="614697"/>
-            </a:xfrm>
-          </p:grpSpPr>
-          <p:sp>
-            <p:nvSpPr>
-              <p:cNvPr id="26" name="타원 25"/>
-              <p:cNvSpPr/>
-              <p:nvPr/>
-            </p:nvSpPr>
-            <p:spPr>
-              <a:xfrm>
-                <a:off x="3701193" y="4021663"/>
-                <a:ext cx="614697" cy="614697"/>
-              </a:xfrm>
-              <a:prstGeom prst="ellipse">
-                <a:avLst/>
-              </a:prstGeom>
-            </p:spPr>
-            <p:style>
-              <a:lnRef idx="2">
-                <a:schemeClr val="accent1">
-                  <a:shade val="50000"/>
-                </a:schemeClr>
-              </a:lnRef>
-              <a:fillRef idx="1">
-                <a:schemeClr val="accent1"/>
-              </a:fillRef>
-              <a:effectRef idx="0">
-                <a:schemeClr val="accent1"/>
-              </a:effectRef>
-              <a:fontRef idx="minor">
-                <a:schemeClr val="lt1"/>
-              </a:fontRef>
-            </p:style>
-            <p:txBody>
-              <a:bodyPr rtlCol="0" anchor="ctr"/>
-              <a:lstStyle/>
-              <a:p>
-                <a:pPr algn="ctr"/>
-                <a:endParaRPr lang="ko-KR" altLang="en-US" sz="1000" dirty="0"/>
-              </a:p>
-            </p:txBody>
-          </p:sp>
-          <p:sp>
-            <p:nvSpPr>
-              <p:cNvPr id="29" name="TextBox 28"/>
-              <p:cNvSpPr txBox="1"/>
-              <p:nvPr/>
-            </p:nvSpPr>
-            <p:spPr>
-              <a:xfrm>
-                <a:off x="3762319" y="4190511"/>
-                <a:ext cx="492443" cy="276999"/>
-              </a:xfrm>
-              <a:prstGeom prst="rect">
-                <a:avLst/>
-              </a:prstGeom>
-              <a:noFill/>
-            </p:spPr>
-            <p:txBody>
-              <a:bodyPr wrap="none" rtlCol="0">
-                <a:spAutoFit/>
-              </a:bodyPr>
-              <a:lstStyle/>
-              <a:p>
-                <a:r>
-                  <a:rPr lang="ko-KR" altLang="en-US" sz="1200" dirty="0" smtClean="0">
-                    <a:solidFill>
-                      <a:schemeClr val="bg1"/>
-                    </a:solidFill>
-                  </a:rPr>
-                  <a:t>사진</a:t>
-                </a:r>
-                <a:endParaRPr lang="ko-KR" altLang="en-US" sz="1200" dirty="0">
-                  <a:solidFill>
-                    <a:schemeClr val="bg1"/>
-                  </a:solidFill>
-                </a:endParaRPr>
-              </a:p>
-            </p:txBody>
-          </p:sp>
-        </p:grpSp>
-        <p:sp>
-          <p:nvSpPr>
-            <p:cNvPr id="33" name="타원 32"/>
-            <p:cNvSpPr/>
-            <p:nvPr/>
-          </p:nvSpPr>
-          <p:spPr>
-            <a:xfrm>
-              <a:off x="3949274" y="4656183"/>
-              <a:ext cx="171647" cy="79573"/>
-            </a:xfrm>
-            <a:prstGeom prst="ellipse">
-              <a:avLst/>
-            </a:prstGeom>
-          </p:spPr>
-          <p:style>
-            <a:lnRef idx="2">
-              <a:schemeClr val="accent1">
-                <a:shade val="50000"/>
-              </a:schemeClr>
-            </a:lnRef>
-            <a:fillRef idx="1">
-              <a:schemeClr val="accent1"/>
-            </a:fillRef>
-            <a:effectRef idx="0">
-              <a:schemeClr val="accent1"/>
-            </a:effectRef>
-            <a:fontRef idx="minor">
-              <a:schemeClr val="lt1"/>
-            </a:fontRef>
-          </p:style>
-          <p:txBody>
-            <a:bodyPr rtlCol="0" anchor="ctr"/>
-            <a:lstStyle/>
-            <a:p>
-              <a:pPr algn="ctr"/>
-              <a:endParaRPr lang="ko-KR" altLang="en-US"/>
-            </a:p>
-          </p:txBody>
-        </p:sp>
-        <p:sp>
-          <p:nvSpPr>
-            <p:cNvPr id="34" name="타원 33"/>
-            <p:cNvSpPr/>
-            <p:nvPr/>
-          </p:nvSpPr>
-          <p:spPr>
-            <a:xfrm>
-              <a:off x="4101674" y="4788760"/>
-              <a:ext cx="80373" cy="45719"/>
-            </a:xfrm>
-            <a:prstGeom prst="ellipse">
-              <a:avLst/>
-            </a:prstGeom>
-          </p:spPr>
-          <p:style>
-            <a:lnRef idx="2">
-              <a:schemeClr val="accent1">
-                <a:shade val="50000"/>
-              </a:schemeClr>
-            </a:lnRef>
-            <a:fillRef idx="1">
-              <a:schemeClr val="accent1"/>
-            </a:fillRef>
-            <a:effectRef idx="0">
-              <a:schemeClr val="accent1"/>
-            </a:effectRef>
-            <a:fontRef idx="minor">
-              <a:schemeClr val="lt1"/>
-            </a:fontRef>
-          </p:style>
-          <p:txBody>
-            <a:bodyPr rtlCol="0" anchor="ctr"/>
-            <a:lstStyle/>
-            <a:p>
-              <a:pPr algn="ctr"/>
-              <a:endParaRPr lang="ko-KR" altLang="en-US"/>
-            </a:p>
-          </p:txBody>
-        </p:sp>
-      </p:grpSp>
-      <p:grpSp>
-        <p:nvGrpSpPr>
-          <p:cNvPr id="40" name="그룹 39"/>
-          <p:cNvGrpSpPr/>
-          <p:nvPr/>
-        </p:nvGrpSpPr>
-        <p:grpSpPr>
-          <a:xfrm>
-            <a:off x="5068042" y="4787362"/>
-            <a:ext cx="614697" cy="818510"/>
-            <a:chOff x="4182045" y="4019058"/>
-            <a:chExt cx="614697" cy="818510"/>
-          </a:xfrm>
-        </p:grpSpPr>
-        <p:grpSp>
-          <p:nvGrpSpPr>
-            <p:cNvPr id="41" name="그룹 40"/>
-            <p:cNvGrpSpPr/>
-            <p:nvPr/>
-          </p:nvGrpSpPr>
-          <p:grpSpPr>
-            <a:xfrm>
-              <a:off x="4182045" y="4019058"/>
-              <a:ext cx="614697" cy="614697"/>
-              <a:chOff x="4080699" y="4021663"/>
-              <a:chExt cx="614697" cy="614697"/>
-            </a:xfrm>
-          </p:grpSpPr>
-          <p:sp>
-            <p:nvSpPr>
-              <p:cNvPr id="44" name="타원 43"/>
-              <p:cNvSpPr/>
-              <p:nvPr/>
-            </p:nvSpPr>
-            <p:spPr>
-              <a:xfrm>
-                <a:off x="4080699" y="4021663"/>
-                <a:ext cx="614697" cy="614697"/>
-              </a:xfrm>
-              <a:prstGeom prst="ellipse">
-                <a:avLst/>
-              </a:prstGeom>
-            </p:spPr>
-            <p:style>
-              <a:lnRef idx="2">
-                <a:schemeClr val="accent1">
-                  <a:shade val="50000"/>
-                </a:schemeClr>
-              </a:lnRef>
-              <a:fillRef idx="1">
-                <a:schemeClr val="accent1"/>
-              </a:fillRef>
-              <a:effectRef idx="0">
-                <a:schemeClr val="accent1"/>
-              </a:effectRef>
-              <a:fontRef idx="minor">
-                <a:schemeClr val="lt1"/>
-              </a:fontRef>
-            </p:style>
-            <p:txBody>
-              <a:bodyPr rtlCol="0" anchor="ctr"/>
-              <a:lstStyle/>
-              <a:p>
-                <a:pPr algn="ctr"/>
-                <a:endParaRPr lang="ko-KR" altLang="en-US" sz="900" dirty="0"/>
-              </a:p>
-            </p:txBody>
-          </p:sp>
-          <p:sp>
-            <p:nvSpPr>
-              <p:cNvPr id="45" name="TextBox 44"/>
-              <p:cNvSpPr txBox="1"/>
-              <p:nvPr/>
-            </p:nvSpPr>
-            <p:spPr>
-              <a:xfrm>
-                <a:off x="4141825" y="4190511"/>
-                <a:ext cx="492443" cy="276999"/>
-              </a:xfrm>
-              <a:prstGeom prst="rect">
-                <a:avLst/>
-              </a:prstGeom>
-              <a:noFill/>
-            </p:spPr>
-            <p:txBody>
-              <a:bodyPr wrap="none" rtlCol="0">
-                <a:spAutoFit/>
-              </a:bodyPr>
-              <a:lstStyle/>
-              <a:p>
-                <a:r>
-                  <a:rPr lang="ko-KR" altLang="en-US" sz="1200" dirty="0" smtClean="0">
-                    <a:solidFill>
-                      <a:schemeClr val="bg1"/>
-                    </a:solidFill>
-                  </a:rPr>
-                  <a:t>사진</a:t>
-                </a:r>
-                <a:endParaRPr lang="ko-KR" altLang="en-US" sz="1200" dirty="0">
-                  <a:solidFill>
-                    <a:schemeClr val="bg1"/>
-                  </a:solidFill>
-                </a:endParaRPr>
-              </a:p>
-            </p:txBody>
-          </p:sp>
-        </p:grpSp>
-        <p:sp>
-          <p:nvSpPr>
-            <p:cNvPr id="42" name="타원 41"/>
-            <p:cNvSpPr/>
-            <p:nvPr/>
-          </p:nvSpPr>
-          <p:spPr>
-            <a:xfrm>
-              <a:off x="4317745" y="4676005"/>
-              <a:ext cx="171647" cy="79573"/>
-            </a:xfrm>
-            <a:prstGeom prst="ellipse">
-              <a:avLst/>
-            </a:prstGeom>
-          </p:spPr>
-          <p:style>
-            <a:lnRef idx="2">
-              <a:schemeClr val="accent1">
-                <a:shade val="50000"/>
-              </a:schemeClr>
-            </a:lnRef>
-            <a:fillRef idx="1">
-              <a:schemeClr val="accent1"/>
-            </a:fillRef>
-            <a:effectRef idx="0">
-              <a:schemeClr val="accent1"/>
-            </a:effectRef>
-            <a:fontRef idx="minor">
-              <a:schemeClr val="lt1"/>
-            </a:fontRef>
-          </p:style>
-          <p:txBody>
-            <a:bodyPr rtlCol="0" anchor="ctr"/>
-            <a:lstStyle/>
-            <a:p>
-              <a:pPr algn="ctr"/>
-              <a:endParaRPr lang="ko-KR" altLang="en-US"/>
-            </a:p>
-          </p:txBody>
-        </p:sp>
-        <p:sp>
-          <p:nvSpPr>
-            <p:cNvPr id="43" name="타원 42"/>
-            <p:cNvSpPr/>
-            <p:nvPr/>
-          </p:nvSpPr>
-          <p:spPr>
-            <a:xfrm>
-              <a:off x="4252075" y="4791849"/>
-              <a:ext cx="80373" cy="45719"/>
-            </a:xfrm>
-            <a:prstGeom prst="ellipse">
-              <a:avLst/>
-            </a:prstGeom>
-          </p:spPr>
-          <p:style>
-            <a:lnRef idx="2">
-              <a:schemeClr val="accent1">
-                <a:shade val="50000"/>
-              </a:schemeClr>
-            </a:lnRef>
-            <a:fillRef idx="1">
-              <a:schemeClr val="accent1"/>
-            </a:fillRef>
-            <a:effectRef idx="0">
-              <a:schemeClr val="accent1"/>
-            </a:effectRef>
-            <a:fontRef idx="minor">
-              <a:schemeClr val="lt1"/>
-            </a:fontRef>
-          </p:style>
-          <p:txBody>
-            <a:bodyPr rtlCol="0" anchor="ctr"/>
-            <a:lstStyle/>
-            <a:p>
-              <a:pPr algn="ctr"/>
-              <a:endParaRPr lang="ko-KR" altLang="en-US"/>
-            </a:p>
-          </p:txBody>
-        </p:sp>
-      </p:grpSp>
-      <p:sp>
-        <p:nvSpPr>
-          <p:cNvPr id="3" name="모서리가 둥근 직사각형 2"/>
-          <p:cNvSpPr/>
-          <p:nvPr/>
-        </p:nvSpPr>
-        <p:spPr>
-          <a:xfrm>
-            <a:off x="1380754" y="2908139"/>
-            <a:ext cx="1139855" cy="1377616"/>
-          </a:xfrm>
-          <a:prstGeom prst="roundRect">
-            <a:avLst/>
-          </a:prstGeom>
-        </p:spPr>
-        <p:style>
-          <a:lnRef idx="2">
-            <a:schemeClr val="accent1">
-              <a:shade val="50000"/>
-            </a:schemeClr>
-          </a:lnRef>
-          <a:fillRef idx="1">
-            <a:schemeClr val="accent1"/>
-          </a:fillRef>
-          <a:effectRef idx="0">
-            <a:schemeClr val="accent1"/>
-          </a:effectRef>
-          <a:fontRef idx="minor">
-            <a:schemeClr val="lt1"/>
-          </a:fontRef>
-        </p:style>
-        <p:txBody>
-          <a:bodyPr rtlCol="0" anchor="ctr"/>
-          <a:lstStyle/>
-          <a:p>
-            <a:pPr algn="ctr"/>
-            <a:endParaRPr lang="ko-KR" altLang="en-US"/>
-          </a:p>
-        </p:txBody>
-      </p:sp>
-      <p:sp>
-        <p:nvSpPr>
-          <p:cNvPr id="37" name="모서리가 둥근 직사각형 36"/>
-          <p:cNvSpPr/>
-          <p:nvPr/>
-        </p:nvSpPr>
-        <p:spPr>
-          <a:xfrm>
-            <a:off x="4038403" y="2908139"/>
-            <a:ext cx="1139855" cy="1377616"/>
-          </a:xfrm>
-          <a:prstGeom prst="roundRect">
-            <a:avLst/>
-          </a:prstGeom>
-        </p:spPr>
-        <p:style>
-          <a:lnRef idx="2">
-            <a:schemeClr val="accent1">
-              <a:shade val="50000"/>
-            </a:schemeClr>
-          </a:lnRef>
-          <a:fillRef idx="1">
-            <a:schemeClr val="accent1"/>
-          </a:fillRef>
-          <a:effectRef idx="0">
-            <a:schemeClr val="accent1"/>
-          </a:effectRef>
-          <a:fontRef idx="minor">
-            <a:schemeClr val="lt1"/>
-          </a:fontRef>
-        </p:style>
-        <p:txBody>
-          <a:bodyPr rtlCol="0" anchor="ctr"/>
-          <a:lstStyle/>
-          <a:p>
-            <a:pPr algn="ctr"/>
-            <a:endParaRPr lang="ko-KR" altLang="en-US"/>
-          </a:p>
-        </p:txBody>
-      </p:sp>
-      <p:sp>
-        <p:nvSpPr>
-          <p:cNvPr id="46" name="모서리가 둥근 직사각형 45"/>
-          <p:cNvSpPr/>
-          <p:nvPr/>
-        </p:nvSpPr>
-        <p:spPr>
-          <a:xfrm>
-            <a:off x="2721197" y="2908139"/>
-            <a:ext cx="1139855" cy="1377616"/>
-          </a:xfrm>
-          <a:prstGeom prst="roundRect">
-            <a:avLst/>
-          </a:prstGeom>
-        </p:spPr>
-        <p:style>
-          <a:lnRef idx="2">
-            <a:schemeClr val="accent1">
-              <a:shade val="50000"/>
-            </a:schemeClr>
-          </a:lnRef>
-          <a:fillRef idx="1">
-            <a:schemeClr val="accent1"/>
-          </a:fillRef>
-          <a:effectRef idx="0">
-            <a:schemeClr val="accent1"/>
-          </a:effectRef>
-          <a:fontRef idx="minor">
-            <a:schemeClr val="lt1"/>
-          </a:fontRef>
-        </p:style>
-        <p:txBody>
-          <a:bodyPr rtlCol="0" anchor="ctr"/>
-          <a:lstStyle/>
-          <a:p>
-            <a:pPr algn="ctr"/>
-            <a:endParaRPr lang="ko-KR" altLang="en-US"/>
-          </a:p>
-        </p:txBody>
-      </p:sp>
-      <p:sp>
-        <p:nvSpPr>
-          <p:cNvPr id="7" name="TextBox 6"/>
-          <p:cNvSpPr txBox="1"/>
-          <p:nvPr/>
-        </p:nvSpPr>
-        <p:spPr>
-          <a:xfrm>
-            <a:off x="1616979" y="3430821"/>
-            <a:ext cx="646331" cy="369332"/>
-          </a:xfrm>
-          <a:prstGeom prst="rect">
-            <a:avLst/>
-          </a:prstGeom>
-          <a:noFill/>
-        </p:spPr>
-        <p:txBody>
-          <a:bodyPr wrap="none" rtlCol="0">
-            <a:spAutoFit/>
-          </a:bodyPr>
-          <a:lstStyle/>
-          <a:p>
-            <a:r>
-              <a:rPr lang="ko-KR" altLang="en-US" dirty="0" smtClean="0"/>
-              <a:t>가위</a:t>
-            </a:r>
-            <a:endParaRPr lang="ko-KR" altLang="en-US" dirty="0"/>
-          </a:p>
-        </p:txBody>
-      </p:sp>
-      <p:grpSp>
-        <p:nvGrpSpPr>
-          <p:cNvPr id="35" name="그룹 34"/>
-          <p:cNvGrpSpPr/>
-          <p:nvPr/>
-        </p:nvGrpSpPr>
-        <p:grpSpPr>
-          <a:xfrm>
-            <a:off x="2933028" y="2045733"/>
-            <a:ext cx="732143" cy="732143"/>
-            <a:chOff x="3007838" y="313263"/>
-            <a:chExt cx="537524" cy="537524"/>
-          </a:xfrm>
-        </p:grpSpPr>
-        <p:sp>
-          <p:nvSpPr>
-            <p:cNvPr id="36" name="타원 35"/>
-            <p:cNvSpPr/>
-            <p:nvPr/>
-          </p:nvSpPr>
-          <p:spPr>
-            <a:xfrm>
-              <a:off x="3007838" y="313263"/>
-              <a:ext cx="537524" cy="537524"/>
-            </a:xfrm>
-            <a:prstGeom prst="ellipse">
-              <a:avLst/>
-            </a:prstGeom>
-          </p:spPr>
-          <p:style>
-            <a:lnRef idx="2">
-              <a:schemeClr val="accent1">
-                <a:shade val="50000"/>
-              </a:schemeClr>
-            </a:lnRef>
-            <a:fillRef idx="1">
-              <a:schemeClr val="accent1"/>
-            </a:fillRef>
-            <a:effectRef idx="0">
-              <a:schemeClr val="accent1"/>
-            </a:effectRef>
-            <a:fontRef idx="minor">
-              <a:schemeClr val="lt1"/>
-            </a:fontRef>
-          </p:style>
-          <p:txBody>
-            <a:bodyPr rtlCol="0" anchor="ctr"/>
-            <a:lstStyle/>
-            <a:p>
-              <a:pPr algn="ctr"/>
-              <a:endParaRPr lang="ko-KR" altLang="en-US" sz="700" dirty="0"/>
-            </a:p>
-          </p:txBody>
-        </p:sp>
-        <p:sp>
-          <p:nvSpPr>
-            <p:cNvPr id="39" name="TextBox 38"/>
-            <p:cNvSpPr txBox="1"/>
-            <p:nvPr/>
-          </p:nvSpPr>
-          <p:spPr>
-            <a:xfrm>
-              <a:off x="3121848" y="483106"/>
-              <a:ext cx="423514" cy="276999"/>
-            </a:xfrm>
-            <a:prstGeom prst="rect">
-              <a:avLst/>
-            </a:prstGeom>
-            <a:noFill/>
-          </p:spPr>
-          <p:txBody>
-            <a:bodyPr wrap="none" rtlCol="0">
-              <a:spAutoFit/>
-            </a:bodyPr>
-            <a:lstStyle/>
-            <a:p>
-              <a:r>
-                <a:rPr lang="en-US" altLang="ko-KR" sz="1200" dirty="0" smtClean="0"/>
-                <a:t>5</a:t>
-              </a:r>
-              <a:r>
-                <a:rPr lang="ko-KR" altLang="en-US" sz="1200" dirty="0" smtClean="0"/>
-                <a:t>초</a:t>
-              </a:r>
-              <a:endParaRPr lang="ko-KR" altLang="en-US" sz="1200" dirty="0"/>
-            </a:p>
-          </p:txBody>
-        </p:sp>
-      </p:grpSp>
-    </p:spTree>
-    <p:extLst>
-      <p:ext uri="{BB962C8B-B14F-4D97-AF65-F5344CB8AC3E}">
-        <p14:creationId xmlns:p14="http://schemas.microsoft.com/office/powerpoint/2010/main" val="3496331872"/>
-      </p:ext>
-    </p:extLst>
-  </p:cSld>
-  <p:clrMapOvr>
-    <a:masterClrMapping/>
-  </p:clrMapOvr>
-  <p:timing>
-    <p:tnLst>
-      <p:par>
-        <p:cTn id="1" dur="indefinite" restart="never" nodeType="tmRoot"/>
-      </p:par>
-    </p:tnLst>
-  </p:timing>
-</p:sld>
-</file>
-
 <file path=ppt/theme/theme1.xml><?xml version="1.0" encoding="utf-8"?>
 <a:theme xmlns:a="http://schemas.openxmlformats.org/drawingml/2006/main" name="Office 테마">
   <a:themeElements>

--- a/화면정의서.pptx
+++ b/화면정의서.pptx
@@ -11,16 +11,17 @@
     <p:sldId id="260" r:id="rId5"/>
     <p:sldId id="261" r:id="rId6"/>
     <p:sldId id="263" r:id="rId7"/>
-    <p:sldId id="264" r:id="rId8"/>
-    <p:sldId id="275" r:id="rId9"/>
-    <p:sldId id="265" r:id="rId10"/>
-    <p:sldId id="266" r:id="rId11"/>
-    <p:sldId id="268" r:id="rId12"/>
-    <p:sldId id="269" r:id="rId13"/>
-    <p:sldId id="273" r:id="rId14"/>
-    <p:sldId id="270" r:id="rId15"/>
-    <p:sldId id="271" r:id="rId16"/>
-    <p:sldId id="272" r:id="rId17"/>
+    <p:sldId id="276" r:id="rId8"/>
+    <p:sldId id="264" r:id="rId9"/>
+    <p:sldId id="275" r:id="rId10"/>
+    <p:sldId id="265" r:id="rId11"/>
+    <p:sldId id="266" r:id="rId12"/>
+    <p:sldId id="268" r:id="rId13"/>
+    <p:sldId id="269" r:id="rId14"/>
+    <p:sldId id="273" r:id="rId15"/>
+    <p:sldId id="270" r:id="rId16"/>
+    <p:sldId id="271" r:id="rId17"/>
+    <p:sldId id="272" r:id="rId18"/>
   </p:sldIdLst>
   <p:sldSz cx="12192000" cy="6858000"/>
   <p:notesSz cx="6858000" cy="9144000"/>
@@ -258,7 +259,7 @@
           <a:p>
             <a:fld id="{7043625E-8BC0-46E2-A81F-24B9F552ACCE}" type="datetimeFigureOut">
               <a:rPr lang="ko-KR" altLang="en-US" smtClean="0"/>
-              <a:t>2015-01-26</a:t>
+              <a:t>2015-01-27</a:t>
             </a:fld>
             <a:endParaRPr lang="ko-KR" altLang="en-US"/>
           </a:p>
@@ -428,7 +429,7 @@
           <a:p>
             <a:fld id="{7043625E-8BC0-46E2-A81F-24B9F552ACCE}" type="datetimeFigureOut">
               <a:rPr lang="ko-KR" altLang="en-US" smtClean="0"/>
-              <a:t>2015-01-26</a:t>
+              <a:t>2015-01-27</a:t>
             </a:fld>
             <a:endParaRPr lang="ko-KR" altLang="en-US"/>
           </a:p>
@@ -608,7 +609,7 @@
           <a:p>
             <a:fld id="{7043625E-8BC0-46E2-A81F-24B9F552ACCE}" type="datetimeFigureOut">
               <a:rPr lang="ko-KR" altLang="en-US" smtClean="0"/>
-              <a:t>2015-01-26</a:t>
+              <a:t>2015-01-27</a:t>
             </a:fld>
             <a:endParaRPr lang="ko-KR" altLang="en-US"/>
           </a:p>
@@ -778,7 +779,7 @@
           <a:p>
             <a:fld id="{7043625E-8BC0-46E2-A81F-24B9F552ACCE}" type="datetimeFigureOut">
               <a:rPr lang="ko-KR" altLang="en-US" smtClean="0"/>
-              <a:t>2015-01-26</a:t>
+              <a:t>2015-01-27</a:t>
             </a:fld>
             <a:endParaRPr lang="ko-KR" altLang="en-US"/>
           </a:p>
@@ -1024,7 +1025,7 @@
           <a:p>
             <a:fld id="{7043625E-8BC0-46E2-A81F-24B9F552ACCE}" type="datetimeFigureOut">
               <a:rPr lang="ko-KR" altLang="en-US" smtClean="0"/>
-              <a:t>2015-01-26</a:t>
+              <a:t>2015-01-27</a:t>
             </a:fld>
             <a:endParaRPr lang="ko-KR" altLang="en-US"/>
           </a:p>
@@ -1256,7 +1257,7 @@
           <a:p>
             <a:fld id="{7043625E-8BC0-46E2-A81F-24B9F552ACCE}" type="datetimeFigureOut">
               <a:rPr lang="ko-KR" altLang="en-US" smtClean="0"/>
-              <a:t>2015-01-26</a:t>
+              <a:t>2015-01-27</a:t>
             </a:fld>
             <a:endParaRPr lang="ko-KR" altLang="en-US"/>
           </a:p>
@@ -1623,7 +1624,7 @@
           <a:p>
             <a:fld id="{7043625E-8BC0-46E2-A81F-24B9F552ACCE}" type="datetimeFigureOut">
               <a:rPr lang="ko-KR" altLang="en-US" smtClean="0"/>
-              <a:t>2015-01-26</a:t>
+              <a:t>2015-01-27</a:t>
             </a:fld>
             <a:endParaRPr lang="ko-KR" altLang="en-US"/>
           </a:p>
@@ -1741,7 +1742,7 @@
           <a:p>
             <a:fld id="{7043625E-8BC0-46E2-A81F-24B9F552ACCE}" type="datetimeFigureOut">
               <a:rPr lang="ko-KR" altLang="en-US" smtClean="0"/>
-              <a:t>2015-01-26</a:t>
+              <a:t>2015-01-27</a:t>
             </a:fld>
             <a:endParaRPr lang="ko-KR" altLang="en-US"/>
           </a:p>
@@ -1836,7 +1837,7 @@
           <a:p>
             <a:fld id="{7043625E-8BC0-46E2-A81F-24B9F552ACCE}" type="datetimeFigureOut">
               <a:rPr lang="ko-KR" altLang="en-US" smtClean="0"/>
-              <a:t>2015-01-26</a:t>
+              <a:t>2015-01-27</a:t>
             </a:fld>
             <a:endParaRPr lang="ko-KR" altLang="en-US"/>
           </a:p>
@@ -2113,7 +2114,7 @@
           <a:p>
             <a:fld id="{7043625E-8BC0-46E2-A81F-24B9F552ACCE}" type="datetimeFigureOut">
               <a:rPr lang="ko-KR" altLang="en-US" smtClean="0"/>
-              <a:t>2015-01-26</a:t>
+              <a:t>2015-01-27</a:t>
             </a:fld>
             <a:endParaRPr lang="ko-KR" altLang="en-US"/>
           </a:p>
@@ -2366,7 +2367,7 @@
           <a:p>
             <a:fld id="{7043625E-8BC0-46E2-A81F-24B9F552ACCE}" type="datetimeFigureOut">
               <a:rPr lang="ko-KR" altLang="en-US" smtClean="0"/>
-              <a:t>2015-01-26</a:t>
+              <a:t>2015-01-27</a:t>
             </a:fld>
             <a:endParaRPr lang="ko-KR" altLang="en-US"/>
           </a:p>
@@ -2579,7 +2580,7 @@
           <a:p>
             <a:fld id="{7043625E-8BC0-46E2-A81F-24B9F552ACCE}" type="datetimeFigureOut">
               <a:rPr lang="ko-KR" altLang="en-US" smtClean="0"/>
-              <a:t>2015-01-26</a:t>
+              <a:t>2015-01-27</a:t>
             </a:fld>
             <a:endParaRPr lang="ko-KR" altLang="en-US"/>
           </a:p>
@@ -3265,7 +3266,7 @@
         </p:nvSpPr>
         <p:spPr>
           <a:xfrm>
-            <a:off x="2256790" y="1414838"/>
+            <a:off x="2328754" y="1871440"/>
             <a:ext cx="1972733" cy="846666"/>
           </a:xfrm>
           <a:prstGeom prst="rect">
@@ -3313,7 +3314,7 @@
         </p:nvSpPr>
         <p:spPr>
           <a:xfrm>
-            <a:off x="2252555" y="2481638"/>
+            <a:off x="2324519" y="2938240"/>
             <a:ext cx="1972733" cy="846666"/>
           </a:xfrm>
           <a:prstGeom prst="rect">
@@ -3357,7 +3358,7 @@
         </p:nvGrpSpPr>
         <p:grpSpPr>
           <a:xfrm>
-            <a:off x="1951130" y="4824359"/>
+            <a:off x="2023094" y="5280961"/>
             <a:ext cx="877163" cy="537635"/>
             <a:chOff x="2010400" y="4038600"/>
             <a:chExt cx="877163" cy="537635"/>
@@ -3442,7 +3443,7 @@
         </p:nvGrpSpPr>
         <p:grpSpPr>
           <a:xfrm>
-            <a:off x="2702548" y="4824359"/>
+            <a:off x="2774512" y="5280961"/>
             <a:ext cx="877163" cy="516467"/>
             <a:chOff x="2761818" y="4038600"/>
             <a:chExt cx="877163" cy="516467"/>
@@ -3527,7 +3528,7 @@
         </p:nvGrpSpPr>
         <p:grpSpPr>
           <a:xfrm>
-            <a:off x="3645324" y="4824359"/>
+            <a:off x="3717288" y="5280961"/>
             <a:ext cx="1247611" cy="537635"/>
             <a:chOff x="3704594" y="4038600"/>
             <a:chExt cx="1247611" cy="537635"/>
@@ -3664,7 +3665,7 @@
         </p:nvSpPr>
         <p:spPr>
           <a:xfrm>
-            <a:off x="956733" y="440263"/>
+            <a:off x="2768819" y="782439"/>
             <a:ext cx="1066361" cy="1066361"/>
           </a:xfrm>
           <a:prstGeom prst="ellipse">
@@ -3693,8 +3694,8 @@
           <a:p>
             <a:pPr algn="ctr"/>
             <a:r>
-              <a:rPr lang="ko-KR" altLang="en-US" dirty="0" smtClean="0"/>
-              <a:t>사진</a:t>
+              <a:rPr lang="ko-KR" altLang="en-US" smtClean="0"/>
+              <a:t>로고</a:t>
             </a:r>
             <a:endParaRPr lang="ko-KR" altLang="en-US" dirty="0"/>
           </a:p>
@@ -3708,7 +3709,7 @@
         </p:nvSpPr>
         <p:spPr>
           <a:xfrm>
-            <a:off x="2252554" y="3555804"/>
+            <a:off x="2324518" y="4012406"/>
             <a:ext cx="1972733" cy="846666"/>
           </a:xfrm>
           <a:prstGeom prst="rect">
@@ -3752,7 +3753,7 @@
         </p:nvSpPr>
         <p:spPr>
           <a:xfrm>
-            <a:off x="2775491" y="4083285"/>
+            <a:off x="2847455" y="4539887"/>
             <a:ext cx="926857" cy="307777"/>
           </a:xfrm>
           <a:prstGeom prst="rect">
@@ -3771,36 +3772,6 @@
               <a:t>Btn01-02</a:t>
             </a:r>
             <a:endParaRPr lang="ko-KR" altLang="en-US" sz="1400" dirty="0"/>
-          </a:p>
-        </p:txBody>
-      </p:sp>
-      <p:sp>
-        <p:nvSpPr>
-          <p:cNvPr id="19" name="TextBox 18"/>
-          <p:cNvSpPr txBox="1"/>
-          <p:nvPr/>
-        </p:nvSpPr>
-        <p:spPr>
-          <a:xfrm>
-            <a:off x="956733" y="1506624"/>
-            <a:ext cx="1127937" cy="276999"/>
-          </a:xfrm>
-          <a:prstGeom prst="rect">
-            <a:avLst/>
-          </a:prstGeom>
-          <a:noFill/>
-        </p:spPr>
-        <p:txBody>
-          <a:bodyPr wrap="none" rtlCol="0">
-            <a:spAutoFit/>
-          </a:bodyPr>
-          <a:lstStyle/>
-          <a:p>
-            <a:r>
-              <a:rPr lang="en-US" altLang="ko-KR" sz="1200" dirty="0" smtClean="0"/>
-              <a:t>shfksekdrms2</a:t>
-            </a:r>
-            <a:endParaRPr lang="ko-KR" altLang="en-US" sz="1200" dirty="0"/>
           </a:p>
         </p:txBody>
       </p:sp>
@@ -3976,14 +3947,14 @@
           <p:nvPr>
             <p:extLst>
               <p:ext uri="{D42A27DB-BD31-4B8C-83A1-F6EECF244321}">
-                <p14:modId xmlns:p14="http://schemas.microsoft.com/office/powerpoint/2010/main" val="1945992206"/>
+                <p14:modId xmlns:p14="http://schemas.microsoft.com/office/powerpoint/2010/main" val="2116144711"/>
               </p:ext>
             </p:extLst>
           </p:nvPr>
         </p:nvGraphicFramePr>
         <p:xfrm>
           <a:off x="6392332" y="719664"/>
-          <a:ext cx="4174068" cy="3007344"/>
+          <a:ext cx="4174068" cy="4172772"/>
         </p:xfrm>
         <a:graphic>
           <a:graphicData uri="http://schemas.openxmlformats.org/drawingml/2006/table">
@@ -4084,7 +4055,7 @@
                       <a:pPr algn="ctr" latinLnBrk="1"/>
                       <a:r>
                         <a:rPr lang="en-US" altLang="ko-KR" dirty="0" smtClean="0"/>
-                        <a:t>05-01-02</a:t>
+                        <a:t>05-01-01</a:t>
                       </a:r>
                       <a:endParaRPr lang="ko-KR" altLang="en-US" dirty="0"/>
                     </a:p>
@@ -4101,19 +4072,70 @@
                       <a:pPr algn="ctr" latinLnBrk="1"/>
                       <a:r>
                         <a:rPr lang="en-US" altLang="ko-KR" dirty="0" smtClean="0"/>
-                        <a:t>btn01</a:t>
-                      </a:r>
-                      <a:endParaRPr lang="ko-KR" altLang="en-US" dirty="0"/>
-                    </a:p>
-                  </a:txBody>
-                  <a:tcPr anchor="ctr"/>
-                </a:tc>
-                <a:tc>
-                  <a:txBody>
-                    <a:bodyPr/>
-                    <a:lstStyle/>
-                    <a:p>
-                      <a:pPr algn="ctr" latinLnBrk="1"/>
+                        <a:t>Btn05-01</a:t>
+                      </a:r>
+                      <a:br>
+                        <a:rPr lang="en-US" altLang="ko-KR" dirty="0" smtClean="0"/>
+                      </a:br>
+                      <a:r>
+                        <a:rPr lang="en-US" altLang="ko-KR" dirty="0" smtClean="0"/>
+                        <a:t>(</a:t>
+                      </a:r>
+                      <a:r>
+                        <a:rPr lang="ko-KR" altLang="en-US" dirty="0" smtClean="0"/>
+                        <a:t>체스 카드 처럼</a:t>
+                      </a:r>
+                      <a:r>
+                        <a:rPr lang="en-US" altLang="ko-KR" dirty="0" smtClean="0"/>
+                        <a:t>)</a:t>
+                      </a:r>
+                      <a:endParaRPr lang="ko-KR" altLang="en-US" dirty="0"/>
+                    </a:p>
+                  </a:txBody>
+                  <a:tcPr anchor="ctr"/>
+                </a:tc>
+                <a:tc>
+                  <a:txBody>
+                    <a:bodyPr/>
+                    <a:lstStyle/>
+                    <a:p>
+                      <a:pPr algn="ctr" latinLnBrk="1"/>
+                      <a:r>
+                        <a:rPr lang="en-US" altLang="ko-KR" dirty="0" smtClean="0"/>
+                        <a:t>05-01-02</a:t>
+                      </a:r>
+                      <a:endParaRPr lang="ko-KR" altLang="en-US" dirty="0"/>
+                    </a:p>
+                  </a:txBody>
+                  <a:tcPr anchor="ctr"/>
+                </a:tc>
+              </a:tr>
+              <a:tr h="1165428">
+                <a:tc>
+                  <a:txBody>
+                    <a:bodyPr/>
+                    <a:lstStyle/>
+                    <a:p>
+                      <a:pPr algn="ctr" latinLnBrk="1"/>
+                      <a:r>
+                        <a:rPr lang="ko-KR" altLang="en-US" dirty="0" smtClean="0"/>
+                        <a:t>턴 종료</a:t>
+                      </a:r>
+                      <a:endParaRPr lang="ko-KR" altLang="en-US" dirty="0"/>
+                    </a:p>
+                  </a:txBody>
+                  <a:tcPr anchor="ctr"/>
+                </a:tc>
+                <a:tc>
+                  <a:txBody>
+                    <a:bodyPr/>
+                    <a:lstStyle/>
+                    <a:p>
+                      <a:pPr algn="ctr" latinLnBrk="1"/>
+                      <a:r>
+                        <a:rPr lang="ko-KR" altLang="en-US" dirty="0" smtClean="0"/>
+                        <a:t>내 턴에만 활성화</a:t>
+                      </a:r>
                       <a:endParaRPr lang="ko-KR" altLang="en-US" dirty="0"/>
                     </a:p>
                   </a:txBody>
@@ -5738,6 +5760,2027 @@
       </p:sp>
       <p:sp>
         <p:nvSpPr>
+          <p:cNvPr id="47" name="TextBox 46"/>
+          <p:cNvSpPr txBox="1"/>
+          <p:nvPr/>
+        </p:nvSpPr>
+        <p:spPr>
+          <a:xfrm>
+            <a:off x="1393887" y="3412281"/>
+            <a:ext cx="1215397" cy="369332"/>
+          </a:xfrm>
+          <a:prstGeom prst="rect">
+            <a:avLst/>
+          </a:prstGeom>
+          <a:noFill/>
+        </p:spPr>
+        <p:txBody>
+          <a:bodyPr wrap="none" rtlCol="0">
+            <a:spAutoFit/>
+          </a:bodyPr>
+          <a:lstStyle/>
+          <a:p>
+            <a:r>
+              <a:rPr lang="en-US" altLang="ko-KR" dirty="0" err="1" smtClean="0"/>
+              <a:t>Btn</a:t>
+            </a:r>
+            <a:r>
+              <a:rPr lang="en-US" altLang="ko-KR" dirty="0" smtClean="0"/>
+              <a:t> 05-01</a:t>
+            </a:r>
+            <a:endParaRPr lang="ko-KR" altLang="en-US" dirty="0"/>
+          </a:p>
+        </p:txBody>
+      </p:sp>
+      <p:grpSp>
+        <p:nvGrpSpPr>
+          <p:cNvPr id="49" name="그룹 48"/>
+          <p:cNvGrpSpPr/>
+          <p:nvPr/>
+        </p:nvGrpSpPr>
+        <p:grpSpPr>
+          <a:xfrm>
+            <a:off x="2933028" y="2045733"/>
+            <a:ext cx="732143" cy="732143"/>
+            <a:chOff x="3007838" y="313263"/>
+            <a:chExt cx="537524" cy="537524"/>
+          </a:xfrm>
+        </p:grpSpPr>
+        <p:sp>
+          <p:nvSpPr>
+            <p:cNvPr id="50" name="타원 49"/>
+            <p:cNvSpPr/>
+            <p:nvPr/>
+          </p:nvSpPr>
+          <p:spPr>
+            <a:xfrm>
+              <a:off x="3007838" y="313263"/>
+              <a:ext cx="537524" cy="537524"/>
+            </a:xfrm>
+            <a:prstGeom prst="ellipse">
+              <a:avLst/>
+            </a:prstGeom>
+          </p:spPr>
+          <p:style>
+            <a:lnRef idx="2">
+              <a:schemeClr val="accent1">
+                <a:shade val="50000"/>
+              </a:schemeClr>
+            </a:lnRef>
+            <a:fillRef idx="1">
+              <a:schemeClr val="accent1"/>
+            </a:fillRef>
+            <a:effectRef idx="0">
+              <a:schemeClr val="accent1"/>
+            </a:effectRef>
+            <a:fontRef idx="minor">
+              <a:schemeClr val="lt1"/>
+            </a:fontRef>
+          </p:style>
+          <p:txBody>
+            <a:bodyPr rtlCol="0" anchor="ctr"/>
+            <a:lstStyle/>
+            <a:p>
+              <a:pPr algn="ctr"/>
+              <a:endParaRPr lang="ko-KR" altLang="en-US" sz="700" dirty="0"/>
+            </a:p>
+          </p:txBody>
+        </p:sp>
+        <p:sp>
+          <p:nvSpPr>
+            <p:cNvPr id="51" name="TextBox 50"/>
+            <p:cNvSpPr txBox="1"/>
+            <p:nvPr/>
+          </p:nvSpPr>
+          <p:spPr>
+            <a:xfrm>
+              <a:off x="3121848" y="483106"/>
+              <a:ext cx="423514" cy="276999"/>
+            </a:xfrm>
+            <a:prstGeom prst="rect">
+              <a:avLst/>
+            </a:prstGeom>
+            <a:noFill/>
+          </p:spPr>
+          <p:txBody>
+            <a:bodyPr wrap="none" rtlCol="0">
+              <a:spAutoFit/>
+            </a:bodyPr>
+            <a:lstStyle/>
+            <a:p>
+              <a:r>
+                <a:rPr lang="en-US" altLang="ko-KR" sz="1200" dirty="0" smtClean="0"/>
+                <a:t>5</a:t>
+              </a:r>
+              <a:r>
+                <a:rPr lang="ko-KR" altLang="en-US" sz="1200" dirty="0" smtClean="0"/>
+                <a:t>초</a:t>
+              </a:r>
+              <a:endParaRPr lang="ko-KR" altLang="en-US" sz="1200" dirty="0"/>
+            </a:p>
+          </p:txBody>
+        </p:sp>
+      </p:grpSp>
+      <p:sp>
+        <p:nvSpPr>
+          <p:cNvPr id="35" name="모서리가 둥근 직사각형 34"/>
+          <p:cNvSpPr/>
+          <p:nvPr/>
+        </p:nvSpPr>
+        <p:spPr>
+          <a:xfrm>
+            <a:off x="4485504" y="6093769"/>
+            <a:ext cx="1072066" cy="357762"/>
+          </a:xfrm>
+          <a:prstGeom prst="roundRect">
+            <a:avLst/>
+          </a:prstGeom>
+        </p:spPr>
+        <p:style>
+          <a:lnRef idx="2">
+            <a:schemeClr val="accent1">
+              <a:shade val="50000"/>
+            </a:schemeClr>
+          </a:lnRef>
+          <a:fillRef idx="1">
+            <a:schemeClr val="accent1"/>
+          </a:fillRef>
+          <a:effectRef idx="0">
+            <a:schemeClr val="accent1"/>
+          </a:effectRef>
+          <a:fontRef idx="minor">
+            <a:schemeClr val="lt1"/>
+          </a:fontRef>
+        </p:style>
+        <p:txBody>
+          <a:bodyPr rtlCol="0" anchor="ctr"/>
+          <a:lstStyle/>
+          <a:p>
+            <a:pPr algn="ctr"/>
+            <a:r>
+              <a:rPr lang="ko-KR" altLang="en-US" dirty="0" smtClean="0"/>
+              <a:t>턴 종료</a:t>
+            </a:r>
+            <a:endParaRPr lang="ko-KR" altLang="en-US" dirty="0"/>
+          </a:p>
+        </p:txBody>
+      </p:sp>
+    </p:spTree>
+    <p:extLst>
+      <p:ext uri="{BB962C8B-B14F-4D97-AF65-F5344CB8AC3E}">
+        <p14:creationId xmlns:p14="http://schemas.microsoft.com/office/powerpoint/2010/main" val="1023652420"/>
+      </p:ext>
+    </p:extLst>
+  </p:cSld>
+  <p:clrMapOvr>
+    <a:masterClrMapping/>
+  </p:clrMapOvr>
+  <p:timing>
+    <p:tnLst>
+      <p:par>
+        <p:cTn id="1" dur="indefinite" restart="never" nodeType="tmRoot"/>
+      </p:par>
+    </p:tnLst>
+  </p:timing>
+</p:sld>
+</file>
+
+<file path=ppt/slides/slide11.xml><?xml version="1.0" encoding="utf-8"?>
+<p:sld xmlns:a="http://schemas.openxmlformats.org/drawingml/2006/main" xmlns:r="http://schemas.openxmlformats.org/officeDocument/2006/relationships" xmlns:p="http://schemas.openxmlformats.org/presentationml/2006/main">
+  <p:cSld>
+    <p:spTree>
+      <p:nvGrpSpPr>
+        <p:cNvPr id="1" name=""/>
+        <p:cNvGrpSpPr/>
+        <p:nvPr/>
+      </p:nvGrpSpPr>
+      <p:grpSpPr>
+        <a:xfrm>
+          <a:off x="0" y="0"/>
+          <a:ext cx="0" cy="0"/>
+          <a:chOff x="0" y="0"/>
+          <a:chExt cx="0" cy="0"/>
+        </a:xfrm>
+      </p:grpSpPr>
+      <p:sp>
+        <p:nvSpPr>
+          <p:cNvPr id="4" name="직사각형 3"/>
+          <p:cNvSpPr/>
+          <p:nvPr/>
+        </p:nvSpPr>
+        <p:spPr>
+          <a:xfrm>
+            <a:off x="863600" y="313263"/>
+            <a:ext cx="4826000" cy="6197600"/>
+          </a:xfrm>
+          <a:prstGeom prst="rect">
+            <a:avLst/>
+          </a:prstGeom>
+          <a:solidFill>
+            <a:schemeClr val="bg1"/>
+          </a:solidFill>
+          <a:ln>
+            <a:solidFill>
+              <a:schemeClr val="tx1"/>
+            </a:solidFill>
+          </a:ln>
+        </p:spPr>
+        <p:style>
+          <a:lnRef idx="2">
+            <a:schemeClr val="accent1">
+              <a:shade val="50000"/>
+            </a:schemeClr>
+          </a:lnRef>
+          <a:fillRef idx="1">
+            <a:schemeClr val="accent1"/>
+          </a:fillRef>
+          <a:effectRef idx="0">
+            <a:schemeClr val="accent1"/>
+          </a:effectRef>
+          <a:fontRef idx="minor">
+            <a:schemeClr val="lt1"/>
+          </a:fontRef>
+        </p:style>
+        <p:txBody>
+          <a:bodyPr rtlCol="0" anchor="ctr"/>
+          <a:lstStyle/>
+          <a:p>
+            <a:pPr algn="ctr"/>
+            <a:endParaRPr lang="ko-KR" altLang="en-US" dirty="0"/>
+          </a:p>
+        </p:txBody>
+      </p:sp>
+      <p:graphicFrame>
+        <p:nvGraphicFramePr>
+          <p:cNvPr id="5" name="표 4"/>
+          <p:cNvGraphicFramePr>
+            <a:graphicFrameLocks noGrp="1"/>
+          </p:cNvGraphicFramePr>
+          <p:nvPr>
+            <p:extLst>
+              <p:ext uri="{D42A27DB-BD31-4B8C-83A1-F6EECF244321}">
+                <p14:modId xmlns:p14="http://schemas.microsoft.com/office/powerpoint/2010/main" val="1945992206"/>
+              </p:ext>
+            </p:extLst>
+          </p:nvPr>
+        </p:nvGraphicFramePr>
+        <p:xfrm>
+          <a:off x="6392332" y="719664"/>
+          <a:ext cx="4174068" cy="3007344"/>
+        </p:xfrm>
+        <a:graphic>
+          <a:graphicData uri="http://schemas.openxmlformats.org/drawingml/2006/table">
+            <a:tbl>
+              <a:tblPr>
+                <a:tableStyleId>{073A0DAA-6AF3-43AB-8588-CEC1D06C72B9}</a:tableStyleId>
+              </a:tblPr>
+              <a:tblGrid>
+                <a:gridCol w="2087034"/>
+                <a:gridCol w="2087034"/>
+              </a:tblGrid>
+              <a:tr h="732867">
+                <a:tc>
+                  <a:txBody>
+                    <a:bodyPr/>
+                    <a:lstStyle/>
+                    <a:p>
+                      <a:pPr algn="ctr" latinLnBrk="1"/>
+                      <a:r>
+                        <a:rPr lang="ko-KR" altLang="en-US" dirty="0" smtClean="0"/>
+                        <a:t>구분</a:t>
+                      </a:r>
+                      <a:endParaRPr lang="ko-KR" altLang="en-US" dirty="0"/>
+                    </a:p>
+                  </a:txBody>
+                  <a:tcPr anchor="ctr">
+                    <a:solidFill>
+                      <a:schemeClr val="tx1">
+                        <a:lumMod val="50000"/>
+                        <a:lumOff val="50000"/>
+                      </a:schemeClr>
+                    </a:solidFill>
+                  </a:tcPr>
+                </a:tc>
+                <a:tc>
+                  <a:txBody>
+                    <a:bodyPr/>
+                    <a:lstStyle/>
+                    <a:p>
+                      <a:pPr algn="ctr" latinLnBrk="1"/>
+                      <a:r>
+                        <a:rPr lang="ko-KR" altLang="en-US" dirty="0" smtClean="0"/>
+                        <a:t>내용</a:t>
+                      </a:r>
+                      <a:endParaRPr lang="ko-KR" altLang="en-US" dirty="0"/>
+                    </a:p>
+                  </a:txBody>
+                  <a:tcPr anchor="ctr">
+                    <a:solidFill>
+                      <a:schemeClr val="tx1">
+                        <a:lumMod val="50000"/>
+                        <a:lumOff val="50000"/>
+                      </a:schemeClr>
+                    </a:solidFill>
+                  </a:tcPr>
+                </a:tc>
+              </a:tr>
+              <a:tr h="1109049">
+                <a:tc>
+                  <a:txBody>
+                    <a:bodyPr/>
+                    <a:lstStyle/>
+                    <a:p>
+                      <a:pPr algn="ctr" latinLnBrk="1"/>
+                      <a:r>
+                        <a:rPr lang="ko-KR" altLang="en-US" dirty="0" smtClean="0"/>
+                        <a:t>화면 번호</a:t>
+                      </a:r>
+                      <a:r>
+                        <a:rPr lang="en-US" altLang="ko-KR" dirty="0" smtClean="0"/>
+                        <a:t/>
+                      </a:r>
+                      <a:br>
+                        <a:rPr lang="en-US" altLang="ko-KR" dirty="0" smtClean="0"/>
+                      </a:br>
+                      <a:r>
+                        <a:rPr lang="en-US" altLang="ko-KR" dirty="0" smtClean="0"/>
+                        <a:t>(</a:t>
+                      </a:r>
+                      <a:r>
+                        <a:rPr lang="ko-KR" altLang="en-US" dirty="0" smtClean="0"/>
+                        <a:t>멀티 대결</a:t>
+                      </a:r>
+                      <a:r>
+                        <a:rPr lang="en-US" altLang="ko-KR" dirty="0" smtClean="0"/>
+                        <a:t>)</a:t>
+                      </a:r>
+                      <a:endParaRPr lang="ko-KR" altLang="en-US" dirty="0"/>
+                    </a:p>
+                  </a:txBody>
+                  <a:tcPr anchor="ctr"/>
+                </a:tc>
+                <a:tc>
+                  <a:txBody>
+                    <a:bodyPr/>
+                    <a:lstStyle/>
+                    <a:p>
+                      <a:pPr algn="ctr" latinLnBrk="1"/>
+                      <a:r>
+                        <a:rPr lang="en-US" altLang="ko-KR" dirty="0" smtClean="0"/>
+                        <a:t>05-01-02</a:t>
+                      </a:r>
+                      <a:endParaRPr lang="ko-KR" altLang="en-US" dirty="0"/>
+                    </a:p>
+                  </a:txBody>
+                  <a:tcPr anchor="ctr"/>
+                </a:tc>
+              </a:tr>
+              <a:tr h="1165428">
+                <a:tc>
+                  <a:txBody>
+                    <a:bodyPr/>
+                    <a:lstStyle/>
+                    <a:p>
+                      <a:pPr algn="ctr" latinLnBrk="1"/>
+                      <a:r>
+                        <a:rPr lang="en-US" altLang="ko-KR" dirty="0" smtClean="0"/>
+                        <a:t>btn01</a:t>
+                      </a:r>
+                      <a:endParaRPr lang="ko-KR" altLang="en-US" dirty="0"/>
+                    </a:p>
+                  </a:txBody>
+                  <a:tcPr anchor="ctr"/>
+                </a:tc>
+                <a:tc>
+                  <a:txBody>
+                    <a:bodyPr/>
+                    <a:lstStyle/>
+                    <a:p>
+                      <a:pPr algn="ctr" latinLnBrk="1"/>
+                      <a:endParaRPr lang="ko-KR" altLang="en-US" dirty="0"/>
+                    </a:p>
+                  </a:txBody>
+                  <a:tcPr anchor="ctr"/>
+                </a:tc>
+              </a:tr>
+            </a:tbl>
+          </a:graphicData>
+        </a:graphic>
+      </p:graphicFrame>
+      <p:graphicFrame>
+        <p:nvGraphicFramePr>
+          <p:cNvPr id="2" name="표 1"/>
+          <p:cNvGraphicFramePr>
+            <a:graphicFrameLocks noGrp="1"/>
+          </p:cNvGraphicFramePr>
+          <p:nvPr>
+            <p:extLst>
+              <p:ext uri="{D42A27DB-BD31-4B8C-83A1-F6EECF244321}">
+                <p14:modId xmlns:p14="http://schemas.microsoft.com/office/powerpoint/2010/main" val="3083913414"/>
+              </p:ext>
+            </p:extLst>
+          </p:nvPr>
+        </p:nvGraphicFramePr>
+        <p:xfrm>
+          <a:off x="1058334" y="1447802"/>
+          <a:ext cx="4445000" cy="4478865"/>
+        </p:xfrm>
+        <a:graphic>
+          <a:graphicData uri="http://schemas.openxmlformats.org/drawingml/2006/table">
+            <a:tbl>
+              <a:tblPr>
+                <a:tableStyleId>{21E4AEA4-8DFA-4A89-87EB-49C32662AFE0}</a:tableStyleId>
+              </a:tblPr>
+              <a:tblGrid>
+                <a:gridCol w="889000"/>
+                <a:gridCol w="889000"/>
+                <a:gridCol w="889000"/>
+                <a:gridCol w="889000"/>
+                <a:gridCol w="889000"/>
+              </a:tblGrid>
+              <a:tr h="895773">
+                <a:tc>
+                  <a:txBody>
+                    <a:bodyPr/>
+                    <a:lstStyle/>
+                    <a:p>
+                      <a:pPr latinLnBrk="1"/>
+                      <a:endParaRPr lang="ko-KR" altLang="en-US" dirty="0"/>
+                    </a:p>
+                  </a:txBody>
+                  <a:tcPr>
+                    <a:lnL w="12700" cap="flat" cmpd="sng" algn="ctr">
+                      <a:solidFill>
+                        <a:schemeClr val="tx1"/>
+                      </a:solidFill>
+                      <a:prstDash val="solid"/>
+                      <a:round/>
+                      <a:headEnd type="none" w="med" len="med"/>
+                      <a:tailEnd type="none" w="med" len="med"/>
+                    </a:lnL>
+                    <a:lnT w="12700" cap="flat" cmpd="sng" algn="ctr">
+                      <a:solidFill>
+                        <a:schemeClr val="tx1"/>
+                      </a:solidFill>
+                      <a:prstDash val="solid"/>
+                      <a:round/>
+                      <a:headEnd type="none" w="med" len="med"/>
+                      <a:tailEnd type="none" w="med" len="med"/>
+                    </a:lnT>
+                    <a:solidFill>
+                      <a:schemeClr val="tx1"/>
+                    </a:solidFill>
+                  </a:tcPr>
+                </a:tc>
+                <a:tc>
+                  <a:txBody>
+                    <a:bodyPr/>
+                    <a:lstStyle/>
+                    <a:p>
+                      <a:pPr latinLnBrk="1"/>
+                      <a:endParaRPr lang="ko-KR" altLang="en-US" dirty="0"/>
+                    </a:p>
+                  </a:txBody>
+                  <a:tcPr>
+                    <a:lnT w="12700" cap="flat" cmpd="sng" algn="ctr">
+                      <a:solidFill>
+                        <a:schemeClr val="tx1"/>
+                      </a:solidFill>
+                      <a:prstDash val="solid"/>
+                      <a:round/>
+                      <a:headEnd type="none" w="med" len="med"/>
+                      <a:tailEnd type="none" w="med" len="med"/>
+                    </a:lnT>
+                    <a:solidFill>
+                      <a:schemeClr val="bg1"/>
+                    </a:solidFill>
+                  </a:tcPr>
+                </a:tc>
+                <a:tc>
+                  <a:txBody>
+                    <a:bodyPr/>
+                    <a:lstStyle/>
+                    <a:p>
+                      <a:pPr latinLnBrk="1"/>
+                      <a:endParaRPr lang="ko-KR" altLang="en-US" dirty="0"/>
+                    </a:p>
+                  </a:txBody>
+                  <a:tcPr>
+                    <a:lnT w="12700" cap="flat" cmpd="sng" algn="ctr">
+                      <a:solidFill>
+                        <a:schemeClr val="tx1"/>
+                      </a:solidFill>
+                      <a:prstDash val="solid"/>
+                      <a:round/>
+                      <a:headEnd type="none" w="med" len="med"/>
+                      <a:tailEnd type="none" w="med" len="med"/>
+                    </a:lnT>
+                    <a:solidFill>
+                      <a:schemeClr val="tx1"/>
+                    </a:solidFill>
+                  </a:tcPr>
+                </a:tc>
+                <a:tc>
+                  <a:txBody>
+                    <a:bodyPr/>
+                    <a:lstStyle/>
+                    <a:p>
+                      <a:pPr latinLnBrk="1"/>
+                      <a:endParaRPr lang="ko-KR" altLang="en-US" dirty="0"/>
+                    </a:p>
+                  </a:txBody>
+                  <a:tcPr>
+                    <a:lnT w="12700" cap="flat" cmpd="sng" algn="ctr">
+                      <a:solidFill>
+                        <a:schemeClr val="tx1"/>
+                      </a:solidFill>
+                      <a:prstDash val="solid"/>
+                      <a:round/>
+                      <a:headEnd type="none" w="med" len="med"/>
+                      <a:tailEnd type="none" w="med" len="med"/>
+                    </a:lnT>
+                    <a:solidFill>
+                      <a:schemeClr val="bg1"/>
+                    </a:solidFill>
+                  </a:tcPr>
+                </a:tc>
+                <a:tc>
+                  <a:txBody>
+                    <a:bodyPr/>
+                    <a:lstStyle/>
+                    <a:p>
+                      <a:pPr latinLnBrk="1"/>
+                      <a:endParaRPr lang="ko-KR" altLang="en-US" dirty="0"/>
+                    </a:p>
+                  </a:txBody>
+                  <a:tcPr>
+                    <a:lnR w="12700" cap="flat" cmpd="sng" algn="ctr">
+                      <a:solidFill>
+                        <a:schemeClr val="tx1"/>
+                      </a:solidFill>
+                      <a:prstDash val="solid"/>
+                      <a:round/>
+                      <a:headEnd type="none" w="med" len="med"/>
+                      <a:tailEnd type="none" w="med" len="med"/>
+                    </a:lnR>
+                    <a:lnT w="12700" cap="flat" cmpd="sng" algn="ctr">
+                      <a:solidFill>
+                        <a:schemeClr val="tx1"/>
+                      </a:solidFill>
+                      <a:prstDash val="solid"/>
+                      <a:round/>
+                      <a:headEnd type="none" w="med" len="med"/>
+                      <a:tailEnd type="none" w="med" len="med"/>
+                    </a:lnT>
+                    <a:solidFill>
+                      <a:schemeClr val="tx1"/>
+                    </a:solidFill>
+                  </a:tcPr>
+                </a:tc>
+              </a:tr>
+              <a:tr h="895773">
+                <a:tc>
+                  <a:txBody>
+                    <a:bodyPr/>
+                    <a:lstStyle/>
+                    <a:p>
+                      <a:pPr latinLnBrk="1"/>
+                      <a:endParaRPr lang="ko-KR" altLang="en-US" dirty="0"/>
+                    </a:p>
+                  </a:txBody>
+                  <a:tcPr>
+                    <a:lnL w="12700" cap="flat" cmpd="sng" algn="ctr">
+                      <a:solidFill>
+                        <a:schemeClr val="tx1"/>
+                      </a:solidFill>
+                      <a:prstDash val="solid"/>
+                      <a:round/>
+                      <a:headEnd type="none" w="med" len="med"/>
+                      <a:tailEnd type="none" w="med" len="med"/>
+                    </a:lnL>
+                    <a:solidFill>
+                      <a:schemeClr val="bg1"/>
+                    </a:solidFill>
+                  </a:tcPr>
+                </a:tc>
+                <a:tc>
+                  <a:txBody>
+                    <a:bodyPr/>
+                    <a:lstStyle/>
+                    <a:p>
+                      <a:pPr latinLnBrk="1"/>
+                      <a:endParaRPr lang="ko-KR" altLang="en-US" sz="1800" kern="1200" dirty="0">
+                        <a:solidFill>
+                          <a:schemeClr val="dk1"/>
+                        </a:solidFill>
+                        <a:latin typeface="+mn-lt"/>
+                        <a:ea typeface="+mn-ea"/>
+                        <a:cs typeface="+mn-cs"/>
+                      </a:endParaRPr>
+                    </a:p>
+                  </a:txBody>
+                  <a:tcPr>
+                    <a:solidFill>
+                      <a:schemeClr val="tx1"/>
+                    </a:solidFill>
+                  </a:tcPr>
+                </a:tc>
+                <a:tc>
+                  <a:txBody>
+                    <a:bodyPr/>
+                    <a:lstStyle/>
+                    <a:p>
+                      <a:pPr latinLnBrk="1"/>
+                      <a:endParaRPr lang="ko-KR" altLang="en-US" dirty="0"/>
+                    </a:p>
+                  </a:txBody>
+                  <a:tcPr>
+                    <a:solidFill>
+                      <a:schemeClr val="bg1"/>
+                    </a:solidFill>
+                  </a:tcPr>
+                </a:tc>
+                <a:tc>
+                  <a:txBody>
+                    <a:bodyPr/>
+                    <a:lstStyle/>
+                    <a:p>
+                      <a:pPr latinLnBrk="1"/>
+                      <a:endParaRPr lang="ko-KR" altLang="en-US" dirty="0"/>
+                    </a:p>
+                  </a:txBody>
+                  <a:tcPr>
+                    <a:solidFill>
+                      <a:schemeClr val="tx1"/>
+                    </a:solidFill>
+                  </a:tcPr>
+                </a:tc>
+                <a:tc>
+                  <a:txBody>
+                    <a:bodyPr/>
+                    <a:lstStyle/>
+                    <a:p>
+                      <a:pPr latinLnBrk="1"/>
+                      <a:endParaRPr lang="ko-KR" altLang="en-US" dirty="0"/>
+                    </a:p>
+                  </a:txBody>
+                  <a:tcPr>
+                    <a:lnR w="12700" cap="flat" cmpd="sng" algn="ctr">
+                      <a:solidFill>
+                        <a:schemeClr val="tx1"/>
+                      </a:solidFill>
+                      <a:prstDash val="solid"/>
+                      <a:round/>
+                      <a:headEnd type="none" w="med" len="med"/>
+                      <a:tailEnd type="none" w="med" len="med"/>
+                    </a:lnR>
+                    <a:solidFill>
+                      <a:schemeClr val="bg1"/>
+                    </a:solidFill>
+                  </a:tcPr>
+                </a:tc>
+              </a:tr>
+              <a:tr h="895773">
+                <a:tc>
+                  <a:txBody>
+                    <a:bodyPr/>
+                    <a:lstStyle/>
+                    <a:p>
+                      <a:pPr latinLnBrk="1"/>
+                      <a:endParaRPr lang="ko-KR" altLang="en-US" dirty="0"/>
+                    </a:p>
+                  </a:txBody>
+                  <a:tcPr>
+                    <a:lnL w="12700" cap="flat" cmpd="sng" algn="ctr">
+                      <a:solidFill>
+                        <a:schemeClr val="tx1"/>
+                      </a:solidFill>
+                      <a:prstDash val="solid"/>
+                      <a:round/>
+                      <a:headEnd type="none" w="med" len="med"/>
+                      <a:tailEnd type="none" w="med" len="med"/>
+                    </a:lnL>
+                    <a:solidFill>
+                      <a:schemeClr val="tx1"/>
+                    </a:solidFill>
+                  </a:tcPr>
+                </a:tc>
+                <a:tc>
+                  <a:txBody>
+                    <a:bodyPr/>
+                    <a:lstStyle/>
+                    <a:p>
+                      <a:pPr latinLnBrk="1"/>
+                      <a:endParaRPr lang="ko-KR" altLang="en-US" dirty="0"/>
+                    </a:p>
+                  </a:txBody>
+                  <a:tcPr>
+                    <a:solidFill>
+                      <a:schemeClr val="bg1"/>
+                    </a:solidFill>
+                  </a:tcPr>
+                </a:tc>
+                <a:tc>
+                  <a:txBody>
+                    <a:bodyPr/>
+                    <a:lstStyle/>
+                    <a:p>
+                      <a:pPr latinLnBrk="1"/>
+                      <a:endParaRPr lang="ko-KR" altLang="en-US" dirty="0"/>
+                    </a:p>
+                  </a:txBody>
+                  <a:tcPr>
+                    <a:solidFill>
+                      <a:schemeClr val="tx1"/>
+                    </a:solidFill>
+                  </a:tcPr>
+                </a:tc>
+                <a:tc>
+                  <a:txBody>
+                    <a:bodyPr/>
+                    <a:lstStyle/>
+                    <a:p>
+                      <a:pPr latinLnBrk="1"/>
+                      <a:endParaRPr lang="ko-KR" altLang="en-US" dirty="0"/>
+                    </a:p>
+                  </a:txBody>
+                  <a:tcPr>
+                    <a:solidFill>
+                      <a:schemeClr val="bg1"/>
+                    </a:solidFill>
+                  </a:tcPr>
+                </a:tc>
+                <a:tc>
+                  <a:txBody>
+                    <a:bodyPr/>
+                    <a:lstStyle/>
+                    <a:p>
+                      <a:pPr latinLnBrk="1"/>
+                      <a:endParaRPr lang="ko-KR" altLang="en-US" dirty="0"/>
+                    </a:p>
+                  </a:txBody>
+                  <a:tcPr>
+                    <a:lnR w="12700" cap="flat" cmpd="sng" algn="ctr">
+                      <a:solidFill>
+                        <a:schemeClr val="tx1"/>
+                      </a:solidFill>
+                      <a:prstDash val="solid"/>
+                      <a:round/>
+                      <a:headEnd type="none" w="med" len="med"/>
+                      <a:tailEnd type="none" w="med" len="med"/>
+                    </a:lnR>
+                    <a:solidFill>
+                      <a:schemeClr val="tx1"/>
+                    </a:solidFill>
+                  </a:tcPr>
+                </a:tc>
+              </a:tr>
+              <a:tr h="895773">
+                <a:tc>
+                  <a:txBody>
+                    <a:bodyPr/>
+                    <a:lstStyle/>
+                    <a:p>
+                      <a:pPr latinLnBrk="1"/>
+                      <a:endParaRPr lang="ko-KR" altLang="en-US" dirty="0"/>
+                    </a:p>
+                  </a:txBody>
+                  <a:tcPr>
+                    <a:lnL w="12700" cap="flat" cmpd="sng" algn="ctr">
+                      <a:solidFill>
+                        <a:schemeClr val="tx1"/>
+                      </a:solidFill>
+                      <a:prstDash val="solid"/>
+                      <a:round/>
+                      <a:headEnd type="none" w="med" len="med"/>
+                      <a:tailEnd type="none" w="med" len="med"/>
+                    </a:lnL>
+                    <a:solidFill>
+                      <a:schemeClr val="bg1"/>
+                    </a:solidFill>
+                  </a:tcPr>
+                </a:tc>
+                <a:tc>
+                  <a:txBody>
+                    <a:bodyPr/>
+                    <a:lstStyle/>
+                    <a:p>
+                      <a:pPr latinLnBrk="1"/>
+                      <a:endParaRPr lang="ko-KR" altLang="en-US" dirty="0"/>
+                    </a:p>
+                  </a:txBody>
+                  <a:tcPr>
+                    <a:solidFill>
+                      <a:schemeClr val="tx1"/>
+                    </a:solidFill>
+                  </a:tcPr>
+                </a:tc>
+                <a:tc>
+                  <a:txBody>
+                    <a:bodyPr/>
+                    <a:lstStyle/>
+                    <a:p>
+                      <a:pPr latinLnBrk="1"/>
+                      <a:endParaRPr lang="ko-KR" altLang="en-US" dirty="0"/>
+                    </a:p>
+                  </a:txBody>
+                  <a:tcPr>
+                    <a:solidFill>
+                      <a:schemeClr val="bg1"/>
+                    </a:solidFill>
+                  </a:tcPr>
+                </a:tc>
+                <a:tc>
+                  <a:txBody>
+                    <a:bodyPr/>
+                    <a:lstStyle/>
+                    <a:p>
+                      <a:pPr latinLnBrk="1"/>
+                      <a:endParaRPr lang="ko-KR" altLang="en-US" dirty="0"/>
+                    </a:p>
+                  </a:txBody>
+                  <a:tcPr>
+                    <a:solidFill>
+                      <a:schemeClr val="tx1"/>
+                    </a:solidFill>
+                  </a:tcPr>
+                </a:tc>
+                <a:tc>
+                  <a:txBody>
+                    <a:bodyPr/>
+                    <a:lstStyle/>
+                    <a:p>
+                      <a:pPr latinLnBrk="1"/>
+                      <a:endParaRPr lang="ko-KR" altLang="en-US" dirty="0"/>
+                    </a:p>
+                  </a:txBody>
+                  <a:tcPr>
+                    <a:lnR w="12700" cap="flat" cmpd="sng" algn="ctr">
+                      <a:solidFill>
+                        <a:schemeClr val="tx1"/>
+                      </a:solidFill>
+                      <a:prstDash val="solid"/>
+                      <a:round/>
+                      <a:headEnd type="none" w="med" len="med"/>
+                      <a:tailEnd type="none" w="med" len="med"/>
+                    </a:lnR>
+                    <a:solidFill>
+                      <a:schemeClr val="bg1"/>
+                    </a:solidFill>
+                  </a:tcPr>
+                </a:tc>
+              </a:tr>
+              <a:tr h="895773">
+                <a:tc>
+                  <a:txBody>
+                    <a:bodyPr/>
+                    <a:lstStyle/>
+                    <a:p>
+                      <a:pPr latinLnBrk="1"/>
+                      <a:endParaRPr lang="ko-KR" altLang="en-US" dirty="0"/>
+                    </a:p>
+                  </a:txBody>
+                  <a:tcPr>
+                    <a:lnL w="12700" cap="flat" cmpd="sng" algn="ctr">
+                      <a:solidFill>
+                        <a:schemeClr val="tx1"/>
+                      </a:solidFill>
+                      <a:prstDash val="solid"/>
+                      <a:round/>
+                      <a:headEnd type="none" w="med" len="med"/>
+                      <a:tailEnd type="none" w="med" len="med"/>
+                    </a:lnL>
+                    <a:lnB w="12700" cap="flat" cmpd="sng" algn="ctr">
+                      <a:solidFill>
+                        <a:schemeClr val="tx1"/>
+                      </a:solidFill>
+                      <a:prstDash val="solid"/>
+                      <a:round/>
+                      <a:headEnd type="none" w="med" len="med"/>
+                      <a:tailEnd type="none" w="med" len="med"/>
+                    </a:lnB>
+                    <a:solidFill>
+                      <a:schemeClr val="tx1"/>
+                    </a:solidFill>
+                  </a:tcPr>
+                </a:tc>
+                <a:tc>
+                  <a:txBody>
+                    <a:bodyPr/>
+                    <a:lstStyle/>
+                    <a:p>
+                      <a:pPr latinLnBrk="1"/>
+                      <a:endParaRPr lang="ko-KR" altLang="en-US" dirty="0"/>
+                    </a:p>
+                  </a:txBody>
+                  <a:tcPr>
+                    <a:lnB w="12700" cap="flat" cmpd="sng" algn="ctr">
+                      <a:solidFill>
+                        <a:schemeClr val="tx1"/>
+                      </a:solidFill>
+                      <a:prstDash val="solid"/>
+                      <a:round/>
+                      <a:headEnd type="none" w="med" len="med"/>
+                      <a:tailEnd type="none" w="med" len="med"/>
+                    </a:lnB>
+                    <a:solidFill>
+                      <a:schemeClr val="bg1"/>
+                    </a:solidFill>
+                  </a:tcPr>
+                </a:tc>
+                <a:tc>
+                  <a:txBody>
+                    <a:bodyPr/>
+                    <a:lstStyle/>
+                    <a:p>
+                      <a:pPr latinLnBrk="1"/>
+                      <a:endParaRPr lang="ko-KR" altLang="en-US" dirty="0"/>
+                    </a:p>
+                  </a:txBody>
+                  <a:tcPr>
+                    <a:lnB w="12700" cap="flat" cmpd="sng" algn="ctr">
+                      <a:solidFill>
+                        <a:schemeClr val="tx1"/>
+                      </a:solidFill>
+                      <a:prstDash val="solid"/>
+                      <a:round/>
+                      <a:headEnd type="none" w="med" len="med"/>
+                      <a:tailEnd type="none" w="med" len="med"/>
+                    </a:lnB>
+                    <a:solidFill>
+                      <a:schemeClr val="tx1"/>
+                    </a:solidFill>
+                  </a:tcPr>
+                </a:tc>
+                <a:tc>
+                  <a:txBody>
+                    <a:bodyPr/>
+                    <a:lstStyle/>
+                    <a:p>
+                      <a:pPr latinLnBrk="1"/>
+                      <a:endParaRPr lang="ko-KR" altLang="en-US" dirty="0"/>
+                    </a:p>
+                  </a:txBody>
+                  <a:tcPr>
+                    <a:lnB w="12700" cap="flat" cmpd="sng" algn="ctr">
+                      <a:solidFill>
+                        <a:schemeClr val="tx1"/>
+                      </a:solidFill>
+                      <a:prstDash val="solid"/>
+                      <a:round/>
+                      <a:headEnd type="none" w="med" len="med"/>
+                      <a:tailEnd type="none" w="med" len="med"/>
+                    </a:lnB>
+                    <a:solidFill>
+                      <a:schemeClr val="bg1"/>
+                    </a:solidFill>
+                  </a:tcPr>
+                </a:tc>
+                <a:tc>
+                  <a:txBody>
+                    <a:bodyPr/>
+                    <a:lstStyle/>
+                    <a:p>
+                      <a:pPr latinLnBrk="1"/>
+                      <a:endParaRPr lang="ko-KR" altLang="en-US" dirty="0"/>
+                    </a:p>
+                  </a:txBody>
+                  <a:tcPr>
+                    <a:lnR w="12700" cap="flat" cmpd="sng" algn="ctr">
+                      <a:solidFill>
+                        <a:schemeClr val="tx1"/>
+                      </a:solidFill>
+                      <a:prstDash val="solid"/>
+                      <a:round/>
+                      <a:headEnd type="none" w="med" len="med"/>
+                      <a:tailEnd type="none" w="med" len="med"/>
+                    </a:lnR>
+                    <a:lnB w="12700" cap="flat" cmpd="sng" algn="ctr">
+                      <a:solidFill>
+                        <a:schemeClr val="tx1"/>
+                      </a:solidFill>
+                      <a:prstDash val="solid"/>
+                      <a:round/>
+                      <a:headEnd type="none" w="med" len="med"/>
+                      <a:tailEnd type="none" w="med" len="med"/>
+                    </a:lnB>
+                    <a:solidFill>
+                      <a:schemeClr val="tx1"/>
+                    </a:solidFill>
+                  </a:tcPr>
+                </a:tc>
+              </a:tr>
+            </a:tbl>
+          </a:graphicData>
+        </a:graphic>
+      </p:graphicFrame>
+      <p:graphicFrame>
+        <p:nvGraphicFramePr>
+          <p:cNvPr id="13" name="표 12"/>
+          <p:cNvGraphicFramePr>
+            <a:graphicFrameLocks noGrp="1"/>
+          </p:cNvGraphicFramePr>
+          <p:nvPr>
+            <p:extLst>
+              <p:ext uri="{D42A27DB-BD31-4B8C-83A1-F6EECF244321}">
+                <p14:modId xmlns:p14="http://schemas.microsoft.com/office/powerpoint/2010/main" val="3825514169"/>
+              </p:ext>
+            </p:extLst>
+          </p:nvPr>
+        </p:nvGraphicFramePr>
+        <p:xfrm>
+          <a:off x="1057894" y="812572"/>
+          <a:ext cx="1312334" cy="503542"/>
+        </p:xfrm>
+        <a:graphic>
+          <a:graphicData uri="http://schemas.openxmlformats.org/drawingml/2006/table">
+            <a:tbl>
+              <a:tblPr firstRow="1" bandRow="1">
+                <a:tableStyleId>{5C22544A-7EE6-4342-B048-85BDC9FD1C3A}</a:tableStyleId>
+              </a:tblPr>
+              <a:tblGrid>
+                <a:gridCol w="656167"/>
+                <a:gridCol w="656167"/>
+              </a:tblGrid>
+              <a:tr h="251771">
+                <a:tc>
+                  <a:txBody>
+                    <a:bodyPr/>
+                    <a:lstStyle/>
+                    <a:p>
+                      <a:pPr algn="ctr" latinLnBrk="1"/>
+                      <a:r>
+                        <a:rPr lang="ko-KR" altLang="en-US" sz="1050" dirty="0" smtClean="0"/>
+                        <a:t>계급</a:t>
+                      </a:r>
+                      <a:endParaRPr lang="ko-KR" altLang="en-US" sz="1050" dirty="0"/>
+                    </a:p>
+                  </a:txBody>
+                  <a:tcPr anchor="ctr"/>
+                </a:tc>
+                <a:tc>
+                  <a:txBody>
+                    <a:bodyPr/>
+                    <a:lstStyle/>
+                    <a:p>
+                      <a:pPr algn="ctr" latinLnBrk="1"/>
+                      <a:r>
+                        <a:rPr lang="ko-KR" altLang="en-US" sz="1050" dirty="0" err="1" smtClean="0"/>
+                        <a:t>실버</a:t>
+                      </a:r>
+                      <a:r>
+                        <a:rPr lang="ko-KR" altLang="en-US" sz="1050" dirty="0" smtClean="0"/>
+                        <a:t> </a:t>
+                      </a:r>
+                      <a:r>
+                        <a:rPr lang="en-US" altLang="ko-KR" sz="1050" dirty="0" smtClean="0"/>
+                        <a:t>3</a:t>
+                      </a:r>
+                      <a:endParaRPr lang="ko-KR" altLang="en-US" sz="1050" dirty="0"/>
+                    </a:p>
+                  </a:txBody>
+                  <a:tcPr anchor="ctr"/>
+                </a:tc>
+              </a:tr>
+              <a:tr h="251771">
+                <a:tc>
+                  <a:txBody>
+                    <a:bodyPr/>
+                    <a:lstStyle/>
+                    <a:p>
+                      <a:pPr algn="ctr" latinLnBrk="1"/>
+                      <a:r>
+                        <a:rPr lang="ko-KR" altLang="en-US" sz="1050" dirty="0" smtClean="0"/>
+                        <a:t>점수</a:t>
+                      </a:r>
+                      <a:endParaRPr lang="ko-KR" altLang="en-US" sz="1050" dirty="0"/>
+                    </a:p>
+                  </a:txBody>
+                  <a:tcPr anchor="ctr"/>
+                </a:tc>
+                <a:tc>
+                  <a:txBody>
+                    <a:bodyPr/>
+                    <a:lstStyle/>
+                    <a:p>
+                      <a:pPr algn="ctr" latinLnBrk="1"/>
+                      <a:r>
+                        <a:rPr lang="en-US" altLang="ko-KR" sz="1050" dirty="0" smtClean="0"/>
+                        <a:t>1245</a:t>
+                      </a:r>
+                      <a:endParaRPr lang="ko-KR" altLang="en-US" sz="1050" dirty="0"/>
+                    </a:p>
+                  </a:txBody>
+                  <a:tcPr anchor="ctr"/>
+                </a:tc>
+              </a:tr>
+            </a:tbl>
+          </a:graphicData>
+        </a:graphic>
+      </p:graphicFrame>
+      <p:graphicFrame>
+        <p:nvGraphicFramePr>
+          <p:cNvPr id="14" name="표 13"/>
+          <p:cNvGraphicFramePr>
+            <a:graphicFrameLocks noGrp="1"/>
+          </p:cNvGraphicFramePr>
+          <p:nvPr>
+            <p:extLst>
+              <p:ext uri="{D42A27DB-BD31-4B8C-83A1-F6EECF244321}">
+                <p14:modId xmlns:p14="http://schemas.microsoft.com/office/powerpoint/2010/main" val="3839663812"/>
+              </p:ext>
+            </p:extLst>
+          </p:nvPr>
+        </p:nvGraphicFramePr>
+        <p:xfrm>
+          <a:off x="4191001" y="850786"/>
+          <a:ext cx="1312334" cy="503542"/>
+        </p:xfrm>
+        <a:graphic>
+          <a:graphicData uri="http://schemas.openxmlformats.org/drawingml/2006/table">
+            <a:tbl>
+              <a:tblPr firstRow="1" bandRow="1">
+                <a:tableStyleId>{5C22544A-7EE6-4342-B048-85BDC9FD1C3A}</a:tableStyleId>
+              </a:tblPr>
+              <a:tblGrid>
+                <a:gridCol w="656167"/>
+                <a:gridCol w="656167"/>
+              </a:tblGrid>
+              <a:tr h="251771">
+                <a:tc>
+                  <a:txBody>
+                    <a:bodyPr/>
+                    <a:lstStyle/>
+                    <a:p>
+                      <a:pPr algn="ctr" latinLnBrk="1"/>
+                      <a:r>
+                        <a:rPr lang="ko-KR" altLang="en-US" sz="1050" dirty="0" smtClean="0"/>
+                        <a:t>계급</a:t>
+                      </a:r>
+                      <a:endParaRPr lang="ko-KR" altLang="en-US" sz="1050" dirty="0"/>
+                    </a:p>
+                  </a:txBody>
+                  <a:tcPr anchor="ctr"/>
+                </a:tc>
+                <a:tc>
+                  <a:txBody>
+                    <a:bodyPr/>
+                    <a:lstStyle/>
+                    <a:p>
+                      <a:pPr algn="ctr" latinLnBrk="1"/>
+                      <a:r>
+                        <a:rPr lang="ko-KR" altLang="en-US" sz="1050" dirty="0" err="1" smtClean="0"/>
+                        <a:t>실버</a:t>
+                      </a:r>
+                      <a:r>
+                        <a:rPr lang="ko-KR" altLang="en-US" sz="1050" dirty="0" smtClean="0"/>
+                        <a:t> </a:t>
+                      </a:r>
+                      <a:r>
+                        <a:rPr lang="en-US" altLang="ko-KR" sz="1050" dirty="0" smtClean="0"/>
+                        <a:t>3</a:t>
+                      </a:r>
+                      <a:endParaRPr lang="ko-KR" altLang="en-US" sz="1050" dirty="0"/>
+                    </a:p>
+                  </a:txBody>
+                  <a:tcPr anchor="ctr"/>
+                </a:tc>
+              </a:tr>
+              <a:tr h="251771">
+                <a:tc>
+                  <a:txBody>
+                    <a:bodyPr/>
+                    <a:lstStyle/>
+                    <a:p>
+                      <a:pPr algn="ctr" latinLnBrk="1"/>
+                      <a:r>
+                        <a:rPr lang="ko-KR" altLang="en-US" sz="1050" dirty="0" smtClean="0"/>
+                        <a:t>점수</a:t>
+                      </a:r>
+                      <a:endParaRPr lang="ko-KR" altLang="en-US" sz="1050" dirty="0"/>
+                    </a:p>
+                  </a:txBody>
+                  <a:tcPr anchor="ctr"/>
+                </a:tc>
+                <a:tc>
+                  <a:txBody>
+                    <a:bodyPr/>
+                    <a:lstStyle/>
+                    <a:p>
+                      <a:pPr algn="ctr" latinLnBrk="1"/>
+                      <a:r>
+                        <a:rPr lang="en-US" altLang="ko-KR" sz="1050" dirty="0" smtClean="0"/>
+                        <a:t>1245</a:t>
+                      </a:r>
+                      <a:endParaRPr lang="ko-KR" altLang="en-US" sz="1050" dirty="0"/>
+                    </a:p>
+                  </a:txBody>
+                  <a:tcPr anchor="ctr"/>
+                </a:tc>
+              </a:tr>
+            </a:tbl>
+          </a:graphicData>
+        </a:graphic>
+      </p:graphicFrame>
+      <p:grpSp>
+        <p:nvGrpSpPr>
+          <p:cNvPr id="9" name="그룹 8"/>
+          <p:cNvGrpSpPr/>
+          <p:nvPr/>
+        </p:nvGrpSpPr>
+        <p:grpSpPr>
+          <a:xfrm>
+            <a:off x="3007838" y="626529"/>
+            <a:ext cx="537524" cy="537524"/>
+            <a:chOff x="3007838" y="313263"/>
+            <a:chExt cx="537524" cy="537524"/>
+          </a:xfrm>
+        </p:grpSpPr>
+        <p:sp>
+          <p:nvSpPr>
+            <p:cNvPr id="16" name="타원 15"/>
+            <p:cNvSpPr/>
+            <p:nvPr/>
+          </p:nvSpPr>
+          <p:spPr>
+            <a:xfrm>
+              <a:off x="3007838" y="313263"/>
+              <a:ext cx="537524" cy="537524"/>
+            </a:xfrm>
+            <a:prstGeom prst="ellipse">
+              <a:avLst/>
+            </a:prstGeom>
+          </p:spPr>
+          <p:style>
+            <a:lnRef idx="2">
+              <a:schemeClr val="accent1">
+                <a:shade val="50000"/>
+              </a:schemeClr>
+            </a:lnRef>
+            <a:fillRef idx="1">
+              <a:schemeClr val="accent1"/>
+            </a:fillRef>
+            <a:effectRef idx="0">
+              <a:schemeClr val="accent1"/>
+            </a:effectRef>
+            <a:fontRef idx="minor">
+              <a:schemeClr val="lt1"/>
+            </a:fontRef>
+          </p:style>
+          <p:txBody>
+            <a:bodyPr rtlCol="0" anchor="ctr"/>
+            <a:lstStyle/>
+            <a:p>
+              <a:pPr algn="ctr"/>
+              <a:endParaRPr lang="ko-KR" altLang="en-US" sz="700" dirty="0"/>
+            </a:p>
+          </p:txBody>
+        </p:sp>
+        <p:sp>
+          <p:nvSpPr>
+            <p:cNvPr id="6" name="TextBox 5"/>
+            <p:cNvSpPr txBox="1"/>
+            <p:nvPr/>
+          </p:nvSpPr>
+          <p:spPr>
+            <a:xfrm>
+              <a:off x="3036889" y="443525"/>
+              <a:ext cx="508473" cy="276999"/>
+            </a:xfrm>
+            <a:prstGeom prst="rect">
+              <a:avLst/>
+            </a:prstGeom>
+            <a:noFill/>
+          </p:spPr>
+          <p:txBody>
+            <a:bodyPr wrap="none" rtlCol="0">
+              <a:spAutoFit/>
+            </a:bodyPr>
+            <a:lstStyle/>
+            <a:p>
+              <a:r>
+                <a:rPr lang="en-US" altLang="ko-KR" sz="1200" dirty="0" smtClean="0"/>
+                <a:t>15</a:t>
+              </a:r>
+              <a:r>
+                <a:rPr lang="ko-KR" altLang="en-US" sz="1200" dirty="0" smtClean="0"/>
+                <a:t>초</a:t>
+              </a:r>
+              <a:endParaRPr lang="ko-KR" altLang="en-US" sz="1200" dirty="0"/>
+            </a:p>
+          </p:txBody>
+        </p:sp>
+      </p:grpSp>
+      <p:sp>
+        <p:nvSpPr>
+          <p:cNvPr id="8" name="TextBox 7"/>
+          <p:cNvSpPr txBox="1"/>
+          <p:nvPr/>
+        </p:nvSpPr>
+        <p:spPr>
+          <a:xfrm>
+            <a:off x="1134534" y="5283201"/>
+            <a:ext cx="671209" cy="369332"/>
+          </a:xfrm>
+          <a:prstGeom prst="rect">
+            <a:avLst/>
+          </a:prstGeom>
+          <a:noFill/>
+        </p:spPr>
+        <p:txBody>
+          <a:bodyPr wrap="none" rtlCol="0">
+            <a:spAutoFit/>
+          </a:bodyPr>
+          <a:lstStyle/>
+          <a:p>
+            <a:r>
+              <a:rPr lang="en-US" altLang="ko-KR" dirty="0" smtClean="0">
+                <a:solidFill>
+                  <a:schemeClr val="bg1"/>
+                </a:solidFill>
+              </a:rPr>
+              <a:t>Start</a:t>
+            </a:r>
+            <a:endParaRPr lang="ko-KR" altLang="en-US" dirty="0">
+              <a:solidFill>
+                <a:schemeClr val="bg1"/>
+              </a:solidFill>
+            </a:endParaRPr>
+          </a:p>
+        </p:txBody>
+      </p:sp>
+      <p:sp>
+        <p:nvSpPr>
+          <p:cNvPr id="18" name="TextBox 17"/>
+          <p:cNvSpPr txBox="1"/>
+          <p:nvPr/>
+        </p:nvSpPr>
+        <p:spPr>
+          <a:xfrm>
+            <a:off x="4733305" y="1676401"/>
+            <a:ext cx="657488" cy="369332"/>
+          </a:xfrm>
+          <a:prstGeom prst="rect">
+            <a:avLst/>
+          </a:prstGeom>
+          <a:noFill/>
+        </p:spPr>
+        <p:txBody>
+          <a:bodyPr wrap="none" rtlCol="0">
+            <a:spAutoFit/>
+          </a:bodyPr>
+          <a:lstStyle/>
+          <a:p>
+            <a:r>
+              <a:rPr lang="en-US" altLang="ko-KR" dirty="0" smtClean="0">
+                <a:solidFill>
+                  <a:schemeClr val="bg1"/>
+                </a:solidFill>
+              </a:rPr>
+              <a:t>Goal</a:t>
+            </a:r>
+            <a:endParaRPr lang="ko-KR" altLang="en-US" dirty="0">
+              <a:solidFill>
+                <a:schemeClr val="bg1"/>
+              </a:solidFill>
+            </a:endParaRPr>
+          </a:p>
+        </p:txBody>
+      </p:sp>
+      <p:sp>
+        <p:nvSpPr>
+          <p:cNvPr id="19" name="TextBox 18"/>
+          <p:cNvSpPr txBox="1"/>
+          <p:nvPr/>
+        </p:nvSpPr>
+        <p:spPr>
+          <a:xfrm>
+            <a:off x="4733305" y="5283201"/>
+            <a:ext cx="671209" cy="369332"/>
+          </a:xfrm>
+          <a:prstGeom prst="rect">
+            <a:avLst/>
+          </a:prstGeom>
+          <a:noFill/>
+        </p:spPr>
+        <p:txBody>
+          <a:bodyPr wrap="none" rtlCol="0">
+            <a:spAutoFit/>
+          </a:bodyPr>
+          <a:lstStyle/>
+          <a:p>
+            <a:r>
+              <a:rPr lang="en-US" altLang="ko-KR" dirty="0" smtClean="0">
+                <a:solidFill>
+                  <a:schemeClr val="bg1"/>
+                </a:solidFill>
+              </a:rPr>
+              <a:t>Start</a:t>
+            </a:r>
+            <a:endParaRPr lang="ko-KR" altLang="en-US" dirty="0">
+              <a:solidFill>
+                <a:schemeClr val="bg1"/>
+              </a:solidFill>
+            </a:endParaRPr>
+          </a:p>
+        </p:txBody>
+      </p:sp>
+      <p:sp>
+        <p:nvSpPr>
+          <p:cNvPr id="22" name="TextBox 21"/>
+          <p:cNvSpPr txBox="1"/>
+          <p:nvPr/>
+        </p:nvSpPr>
+        <p:spPr>
+          <a:xfrm>
+            <a:off x="1148255" y="1676401"/>
+            <a:ext cx="657488" cy="369332"/>
+          </a:xfrm>
+          <a:prstGeom prst="rect">
+            <a:avLst/>
+          </a:prstGeom>
+          <a:noFill/>
+        </p:spPr>
+        <p:txBody>
+          <a:bodyPr wrap="none" rtlCol="0">
+            <a:spAutoFit/>
+          </a:bodyPr>
+          <a:lstStyle/>
+          <a:p>
+            <a:r>
+              <a:rPr lang="en-US" altLang="ko-KR" dirty="0" smtClean="0">
+                <a:solidFill>
+                  <a:schemeClr val="bg1"/>
+                </a:solidFill>
+              </a:rPr>
+              <a:t>Goal</a:t>
+            </a:r>
+            <a:endParaRPr lang="ko-KR" altLang="en-US" dirty="0">
+              <a:solidFill>
+                <a:schemeClr val="bg1"/>
+              </a:solidFill>
+            </a:endParaRPr>
+          </a:p>
+        </p:txBody>
+      </p:sp>
+      <p:sp>
+        <p:nvSpPr>
+          <p:cNvPr id="27" name="TextBox 26"/>
+          <p:cNvSpPr txBox="1"/>
+          <p:nvPr/>
+        </p:nvSpPr>
+        <p:spPr>
+          <a:xfrm>
+            <a:off x="999066" y="536996"/>
+            <a:ext cx="1127937" cy="276999"/>
+          </a:xfrm>
+          <a:prstGeom prst="rect">
+            <a:avLst/>
+          </a:prstGeom>
+          <a:noFill/>
+        </p:spPr>
+        <p:txBody>
+          <a:bodyPr wrap="none" rtlCol="0">
+            <a:spAutoFit/>
+          </a:bodyPr>
+          <a:lstStyle/>
+          <a:p>
+            <a:r>
+              <a:rPr lang="en-US" altLang="ko-KR" sz="1200" dirty="0" smtClean="0"/>
+              <a:t>shfksekdrms2</a:t>
+            </a:r>
+            <a:endParaRPr lang="ko-KR" altLang="en-US" sz="1200" dirty="0"/>
+          </a:p>
+        </p:txBody>
+      </p:sp>
+      <p:sp>
+        <p:nvSpPr>
+          <p:cNvPr id="28" name="TextBox 27"/>
+          <p:cNvSpPr txBox="1"/>
+          <p:nvPr/>
+        </p:nvSpPr>
+        <p:spPr>
+          <a:xfrm>
+            <a:off x="4733305" y="579334"/>
+            <a:ext cx="824265" cy="276999"/>
+          </a:xfrm>
+          <a:prstGeom prst="rect">
+            <a:avLst/>
+          </a:prstGeom>
+          <a:noFill/>
+        </p:spPr>
+        <p:txBody>
+          <a:bodyPr wrap="none" rtlCol="0">
+            <a:spAutoFit/>
+          </a:bodyPr>
+          <a:lstStyle/>
+          <a:p>
+            <a:r>
+              <a:rPr lang="en-US" altLang="ko-KR" sz="1200" dirty="0" smtClean="0"/>
+              <a:t>june0313</a:t>
+            </a:r>
+            <a:endParaRPr lang="ko-KR" altLang="en-US" sz="1200" dirty="0"/>
+          </a:p>
+        </p:txBody>
+      </p:sp>
+      <p:grpSp>
+        <p:nvGrpSpPr>
+          <p:cNvPr id="38" name="그룹 37"/>
+          <p:cNvGrpSpPr/>
+          <p:nvPr/>
+        </p:nvGrpSpPr>
+        <p:grpSpPr>
+          <a:xfrm>
+            <a:off x="827185" y="4715791"/>
+            <a:ext cx="614697" cy="832639"/>
+            <a:chOff x="3641927" y="4001840"/>
+            <a:chExt cx="614697" cy="832639"/>
+          </a:xfrm>
+        </p:grpSpPr>
+        <p:grpSp>
+          <p:nvGrpSpPr>
+            <p:cNvPr id="31" name="그룹 30"/>
+            <p:cNvGrpSpPr/>
+            <p:nvPr/>
+          </p:nvGrpSpPr>
+          <p:grpSpPr>
+            <a:xfrm>
+              <a:off x="3641927" y="4001840"/>
+              <a:ext cx="614697" cy="614697"/>
+              <a:chOff x="3701193" y="4021663"/>
+              <a:chExt cx="614697" cy="614697"/>
+            </a:xfrm>
+          </p:grpSpPr>
+          <p:sp>
+            <p:nvSpPr>
+              <p:cNvPr id="26" name="타원 25"/>
+              <p:cNvSpPr/>
+              <p:nvPr/>
+            </p:nvSpPr>
+            <p:spPr>
+              <a:xfrm>
+                <a:off x="3701193" y="4021663"/>
+                <a:ext cx="614697" cy="614697"/>
+              </a:xfrm>
+              <a:prstGeom prst="ellipse">
+                <a:avLst/>
+              </a:prstGeom>
+            </p:spPr>
+            <p:style>
+              <a:lnRef idx="2">
+                <a:schemeClr val="accent1">
+                  <a:shade val="50000"/>
+                </a:schemeClr>
+              </a:lnRef>
+              <a:fillRef idx="1">
+                <a:schemeClr val="accent1"/>
+              </a:fillRef>
+              <a:effectRef idx="0">
+                <a:schemeClr val="accent1"/>
+              </a:effectRef>
+              <a:fontRef idx="minor">
+                <a:schemeClr val="lt1"/>
+              </a:fontRef>
+            </p:style>
+            <p:txBody>
+              <a:bodyPr rtlCol="0" anchor="ctr"/>
+              <a:lstStyle/>
+              <a:p>
+                <a:pPr algn="ctr"/>
+                <a:endParaRPr lang="ko-KR" altLang="en-US" sz="1000" dirty="0"/>
+              </a:p>
+            </p:txBody>
+          </p:sp>
+          <p:sp>
+            <p:nvSpPr>
+              <p:cNvPr id="29" name="TextBox 28"/>
+              <p:cNvSpPr txBox="1"/>
+              <p:nvPr/>
+            </p:nvSpPr>
+            <p:spPr>
+              <a:xfrm>
+                <a:off x="3762319" y="4190511"/>
+                <a:ext cx="492443" cy="276999"/>
+              </a:xfrm>
+              <a:prstGeom prst="rect">
+                <a:avLst/>
+              </a:prstGeom>
+              <a:noFill/>
+            </p:spPr>
+            <p:txBody>
+              <a:bodyPr wrap="none" rtlCol="0">
+                <a:spAutoFit/>
+              </a:bodyPr>
+              <a:lstStyle/>
+              <a:p>
+                <a:r>
+                  <a:rPr lang="ko-KR" altLang="en-US" sz="1200" dirty="0" smtClean="0">
+                    <a:solidFill>
+                      <a:schemeClr val="bg1"/>
+                    </a:solidFill>
+                  </a:rPr>
+                  <a:t>사진</a:t>
+                </a:r>
+                <a:endParaRPr lang="ko-KR" altLang="en-US" sz="1200" dirty="0">
+                  <a:solidFill>
+                    <a:schemeClr val="bg1"/>
+                  </a:solidFill>
+                </a:endParaRPr>
+              </a:p>
+            </p:txBody>
+          </p:sp>
+        </p:grpSp>
+        <p:sp>
+          <p:nvSpPr>
+            <p:cNvPr id="33" name="타원 32"/>
+            <p:cNvSpPr/>
+            <p:nvPr/>
+          </p:nvSpPr>
+          <p:spPr>
+            <a:xfrm>
+              <a:off x="3949274" y="4656183"/>
+              <a:ext cx="171647" cy="79573"/>
+            </a:xfrm>
+            <a:prstGeom prst="ellipse">
+              <a:avLst/>
+            </a:prstGeom>
+          </p:spPr>
+          <p:style>
+            <a:lnRef idx="2">
+              <a:schemeClr val="accent1">
+                <a:shade val="50000"/>
+              </a:schemeClr>
+            </a:lnRef>
+            <a:fillRef idx="1">
+              <a:schemeClr val="accent1"/>
+            </a:fillRef>
+            <a:effectRef idx="0">
+              <a:schemeClr val="accent1"/>
+            </a:effectRef>
+            <a:fontRef idx="minor">
+              <a:schemeClr val="lt1"/>
+            </a:fontRef>
+          </p:style>
+          <p:txBody>
+            <a:bodyPr rtlCol="0" anchor="ctr"/>
+            <a:lstStyle/>
+            <a:p>
+              <a:pPr algn="ctr"/>
+              <a:endParaRPr lang="ko-KR" altLang="en-US"/>
+            </a:p>
+          </p:txBody>
+        </p:sp>
+        <p:sp>
+          <p:nvSpPr>
+            <p:cNvPr id="34" name="타원 33"/>
+            <p:cNvSpPr/>
+            <p:nvPr/>
+          </p:nvSpPr>
+          <p:spPr>
+            <a:xfrm>
+              <a:off x="4101674" y="4788760"/>
+              <a:ext cx="80373" cy="45719"/>
+            </a:xfrm>
+            <a:prstGeom prst="ellipse">
+              <a:avLst/>
+            </a:prstGeom>
+          </p:spPr>
+          <p:style>
+            <a:lnRef idx="2">
+              <a:schemeClr val="accent1">
+                <a:shade val="50000"/>
+              </a:schemeClr>
+            </a:lnRef>
+            <a:fillRef idx="1">
+              <a:schemeClr val="accent1"/>
+            </a:fillRef>
+            <a:effectRef idx="0">
+              <a:schemeClr val="accent1"/>
+            </a:effectRef>
+            <a:fontRef idx="minor">
+              <a:schemeClr val="lt1"/>
+            </a:fontRef>
+          </p:style>
+          <p:txBody>
+            <a:bodyPr rtlCol="0" anchor="ctr"/>
+            <a:lstStyle/>
+            <a:p>
+              <a:pPr algn="ctr"/>
+              <a:endParaRPr lang="ko-KR" altLang="en-US"/>
+            </a:p>
+          </p:txBody>
+        </p:sp>
+      </p:grpSp>
+      <p:grpSp>
+        <p:nvGrpSpPr>
+          <p:cNvPr id="40" name="그룹 39"/>
+          <p:cNvGrpSpPr/>
+          <p:nvPr/>
+        </p:nvGrpSpPr>
+        <p:grpSpPr>
+          <a:xfrm>
+            <a:off x="5068042" y="4787362"/>
+            <a:ext cx="614697" cy="818510"/>
+            <a:chOff x="4182045" y="4019058"/>
+            <a:chExt cx="614697" cy="818510"/>
+          </a:xfrm>
+        </p:grpSpPr>
+        <p:grpSp>
+          <p:nvGrpSpPr>
+            <p:cNvPr id="41" name="그룹 40"/>
+            <p:cNvGrpSpPr/>
+            <p:nvPr/>
+          </p:nvGrpSpPr>
+          <p:grpSpPr>
+            <a:xfrm>
+              <a:off x="4182045" y="4019058"/>
+              <a:ext cx="614697" cy="614697"/>
+              <a:chOff x="4080699" y="4021663"/>
+              <a:chExt cx="614697" cy="614697"/>
+            </a:xfrm>
+          </p:grpSpPr>
+          <p:sp>
+            <p:nvSpPr>
+              <p:cNvPr id="44" name="타원 43"/>
+              <p:cNvSpPr/>
+              <p:nvPr/>
+            </p:nvSpPr>
+            <p:spPr>
+              <a:xfrm>
+                <a:off x="4080699" y="4021663"/>
+                <a:ext cx="614697" cy="614697"/>
+              </a:xfrm>
+              <a:prstGeom prst="ellipse">
+                <a:avLst/>
+              </a:prstGeom>
+            </p:spPr>
+            <p:style>
+              <a:lnRef idx="2">
+                <a:schemeClr val="accent1">
+                  <a:shade val="50000"/>
+                </a:schemeClr>
+              </a:lnRef>
+              <a:fillRef idx="1">
+                <a:schemeClr val="accent1"/>
+              </a:fillRef>
+              <a:effectRef idx="0">
+                <a:schemeClr val="accent1"/>
+              </a:effectRef>
+              <a:fontRef idx="minor">
+                <a:schemeClr val="lt1"/>
+              </a:fontRef>
+            </p:style>
+            <p:txBody>
+              <a:bodyPr rtlCol="0" anchor="ctr"/>
+              <a:lstStyle/>
+              <a:p>
+                <a:pPr algn="ctr"/>
+                <a:endParaRPr lang="ko-KR" altLang="en-US" sz="900" dirty="0"/>
+              </a:p>
+            </p:txBody>
+          </p:sp>
+          <p:sp>
+            <p:nvSpPr>
+              <p:cNvPr id="45" name="TextBox 44"/>
+              <p:cNvSpPr txBox="1"/>
+              <p:nvPr/>
+            </p:nvSpPr>
+            <p:spPr>
+              <a:xfrm>
+                <a:off x="4141825" y="4190511"/>
+                <a:ext cx="492443" cy="276999"/>
+              </a:xfrm>
+              <a:prstGeom prst="rect">
+                <a:avLst/>
+              </a:prstGeom>
+              <a:noFill/>
+            </p:spPr>
+            <p:txBody>
+              <a:bodyPr wrap="none" rtlCol="0">
+                <a:spAutoFit/>
+              </a:bodyPr>
+              <a:lstStyle/>
+              <a:p>
+                <a:r>
+                  <a:rPr lang="ko-KR" altLang="en-US" sz="1200" dirty="0" smtClean="0">
+                    <a:solidFill>
+                      <a:schemeClr val="bg1"/>
+                    </a:solidFill>
+                  </a:rPr>
+                  <a:t>사진</a:t>
+                </a:r>
+                <a:endParaRPr lang="ko-KR" altLang="en-US" sz="1200" dirty="0">
+                  <a:solidFill>
+                    <a:schemeClr val="bg1"/>
+                  </a:solidFill>
+                </a:endParaRPr>
+              </a:p>
+            </p:txBody>
+          </p:sp>
+        </p:grpSp>
+        <p:sp>
+          <p:nvSpPr>
+            <p:cNvPr id="42" name="타원 41"/>
+            <p:cNvSpPr/>
+            <p:nvPr/>
+          </p:nvSpPr>
+          <p:spPr>
+            <a:xfrm>
+              <a:off x="4317745" y="4676005"/>
+              <a:ext cx="171647" cy="79573"/>
+            </a:xfrm>
+            <a:prstGeom prst="ellipse">
+              <a:avLst/>
+            </a:prstGeom>
+          </p:spPr>
+          <p:style>
+            <a:lnRef idx="2">
+              <a:schemeClr val="accent1">
+                <a:shade val="50000"/>
+              </a:schemeClr>
+            </a:lnRef>
+            <a:fillRef idx="1">
+              <a:schemeClr val="accent1"/>
+            </a:fillRef>
+            <a:effectRef idx="0">
+              <a:schemeClr val="accent1"/>
+            </a:effectRef>
+            <a:fontRef idx="minor">
+              <a:schemeClr val="lt1"/>
+            </a:fontRef>
+          </p:style>
+          <p:txBody>
+            <a:bodyPr rtlCol="0" anchor="ctr"/>
+            <a:lstStyle/>
+            <a:p>
+              <a:pPr algn="ctr"/>
+              <a:endParaRPr lang="ko-KR" altLang="en-US"/>
+            </a:p>
+          </p:txBody>
+        </p:sp>
+        <p:sp>
+          <p:nvSpPr>
+            <p:cNvPr id="43" name="타원 42"/>
+            <p:cNvSpPr/>
+            <p:nvPr/>
+          </p:nvSpPr>
+          <p:spPr>
+            <a:xfrm>
+              <a:off x="4252075" y="4791849"/>
+              <a:ext cx="80373" cy="45719"/>
+            </a:xfrm>
+            <a:prstGeom prst="ellipse">
+              <a:avLst/>
+            </a:prstGeom>
+          </p:spPr>
+          <p:style>
+            <a:lnRef idx="2">
+              <a:schemeClr val="accent1">
+                <a:shade val="50000"/>
+              </a:schemeClr>
+            </a:lnRef>
+            <a:fillRef idx="1">
+              <a:schemeClr val="accent1"/>
+            </a:fillRef>
+            <a:effectRef idx="0">
+              <a:schemeClr val="accent1"/>
+            </a:effectRef>
+            <a:fontRef idx="minor">
+              <a:schemeClr val="lt1"/>
+            </a:fontRef>
+          </p:style>
+          <p:txBody>
+            <a:bodyPr rtlCol="0" anchor="ctr"/>
+            <a:lstStyle/>
+            <a:p>
+              <a:pPr algn="ctr"/>
+              <a:endParaRPr lang="ko-KR" altLang="en-US"/>
+            </a:p>
+          </p:txBody>
+        </p:sp>
+      </p:grpSp>
+      <p:sp>
+        <p:nvSpPr>
+          <p:cNvPr id="3" name="모서리가 둥근 직사각형 2"/>
+          <p:cNvSpPr/>
+          <p:nvPr/>
+        </p:nvSpPr>
+        <p:spPr>
+          <a:xfrm>
+            <a:off x="1380754" y="2908139"/>
+            <a:ext cx="1139855" cy="1377616"/>
+          </a:xfrm>
+          <a:prstGeom prst="roundRect">
+            <a:avLst/>
+          </a:prstGeom>
+        </p:spPr>
+        <p:style>
+          <a:lnRef idx="2">
+            <a:schemeClr val="accent1">
+              <a:shade val="50000"/>
+            </a:schemeClr>
+          </a:lnRef>
+          <a:fillRef idx="1">
+            <a:schemeClr val="accent1"/>
+          </a:fillRef>
+          <a:effectRef idx="0">
+            <a:schemeClr val="accent1"/>
+          </a:effectRef>
+          <a:fontRef idx="minor">
+            <a:schemeClr val="lt1"/>
+          </a:fontRef>
+        </p:style>
+        <p:txBody>
+          <a:bodyPr rtlCol="0" anchor="ctr"/>
+          <a:lstStyle/>
+          <a:p>
+            <a:pPr algn="ctr"/>
+            <a:endParaRPr lang="ko-KR" altLang="en-US"/>
+          </a:p>
+        </p:txBody>
+      </p:sp>
+      <p:sp>
+        <p:nvSpPr>
+          <p:cNvPr id="37" name="모서리가 둥근 직사각형 36"/>
+          <p:cNvSpPr/>
+          <p:nvPr/>
+        </p:nvSpPr>
+        <p:spPr>
+          <a:xfrm>
+            <a:off x="4038403" y="2908139"/>
+            <a:ext cx="1139855" cy="1377616"/>
+          </a:xfrm>
+          <a:prstGeom prst="roundRect">
+            <a:avLst/>
+          </a:prstGeom>
+        </p:spPr>
+        <p:style>
+          <a:lnRef idx="2">
+            <a:schemeClr val="accent1">
+              <a:shade val="50000"/>
+            </a:schemeClr>
+          </a:lnRef>
+          <a:fillRef idx="1">
+            <a:schemeClr val="accent1"/>
+          </a:fillRef>
+          <a:effectRef idx="0">
+            <a:schemeClr val="accent1"/>
+          </a:effectRef>
+          <a:fontRef idx="minor">
+            <a:schemeClr val="lt1"/>
+          </a:fontRef>
+        </p:style>
+        <p:txBody>
+          <a:bodyPr rtlCol="0" anchor="ctr"/>
+          <a:lstStyle/>
+          <a:p>
+            <a:pPr algn="ctr"/>
+            <a:endParaRPr lang="ko-KR" altLang="en-US"/>
+          </a:p>
+        </p:txBody>
+      </p:sp>
+      <p:sp>
+        <p:nvSpPr>
+          <p:cNvPr id="46" name="모서리가 둥근 직사각형 45"/>
+          <p:cNvSpPr/>
+          <p:nvPr/>
+        </p:nvSpPr>
+        <p:spPr>
+          <a:xfrm>
+            <a:off x="2721197" y="2908139"/>
+            <a:ext cx="1139855" cy="1377616"/>
+          </a:xfrm>
+          <a:prstGeom prst="roundRect">
+            <a:avLst/>
+          </a:prstGeom>
+        </p:spPr>
+        <p:style>
+          <a:lnRef idx="2">
+            <a:schemeClr val="accent1">
+              <a:shade val="50000"/>
+            </a:schemeClr>
+          </a:lnRef>
+          <a:fillRef idx="1">
+            <a:schemeClr val="accent1"/>
+          </a:fillRef>
+          <a:effectRef idx="0">
+            <a:schemeClr val="accent1"/>
+          </a:effectRef>
+          <a:fontRef idx="minor">
+            <a:schemeClr val="lt1"/>
+          </a:fontRef>
+        </p:style>
+        <p:txBody>
+          <a:bodyPr rtlCol="0" anchor="ctr"/>
+          <a:lstStyle/>
+          <a:p>
+            <a:pPr algn="ctr"/>
+            <a:endParaRPr lang="ko-KR" altLang="en-US"/>
+          </a:p>
+        </p:txBody>
+      </p:sp>
+      <p:sp>
+        <p:nvSpPr>
           <p:cNvPr id="7" name="TextBox 6"/>
           <p:cNvSpPr txBox="1"/>
           <p:nvPr/>
@@ -5875,7 +7918,7 @@
 </p:sld>
 </file>
 
-<file path=ppt/slides/slide11.xml><?xml version="1.0" encoding="utf-8"?>
+<file path=ppt/slides/slide12.xml><?xml version="1.0" encoding="utf-8"?>
 <p:sld xmlns:a="http://schemas.openxmlformats.org/drawingml/2006/main" xmlns:r="http://schemas.openxmlformats.org/officeDocument/2006/relationships" xmlns:p="http://schemas.openxmlformats.org/presentationml/2006/main">
   <p:cSld>
     <p:spTree>
@@ -7356,1608 +9399,6 @@
 </p:sld>
 </file>
 
-<file path=ppt/slides/slide12.xml><?xml version="1.0" encoding="utf-8"?>
-<p:sld xmlns:a="http://schemas.openxmlformats.org/drawingml/2006/main" xmlns:r="http://schemas.openxmlformats.org/officeDocument/2006/relationships" xmlns:p="http://schemas.openxmlformats.org/presentationml/2006/main">
-  <p:cSld>
-    <p:spTree>
-      <p:nvGrpSpPr>
-        <p:cNvPr id="1" name=""/>
-        <p:cNvGrpSpPr/>
-        <p:nvPr/>
-      </p:nvGrpSpPr>
-      <p:grpSpPr>
-        <a:xfrm>
-          <a:off x="0" y="0"/>
-          <a:ext cx="0" cy="0"/>
-          <a:chOff x="0" y="0"/>
-          <a:chExt cx="0" cy="0"/>
-        </a:xfrm>
-      </p:grpSpPr>
-      <p:sp>
-        <p:nvSpPr>
-          <p:cNvPr id="4" name="직사각형 3"/>
-          <p:cNvSpPr/>
-          <p:nvPr/>
-        </p:nvSpPr>
-        <p:spPr>
-          <a:xfrm>
-            <a:off x="863600" y="313263"/>
-            <a:ext cx="4826000" cy="6197600"/>
-          </a:xfrm>
-          <a:prstGeom prst="rect">
-            <a:avLst/>
-          </a:prstGeom>
-          <a:solidFill>
-            <a:schemeClr val="bg1"/>
-          </a:solidFill>
-          <a:ln>
-            <a:solidFill>
-              <a:schemeClr val="tx1"/>
-            </a:solidFill>
-          </a:ln>
-        </p:spPr>
-        <p:style>
-          <a:lnRef idx="2">
-            <a:schemeClr val="accent1">
-              <a:shade val="50000"/>
-            </a:schemeClr>
-          </a:lnRef>
-          <a:fillRef idx="1">
-            <a:schemeClr val="accent1"/>
-          </a:fillRef>
-          <a:effectRef idx="0">
-            <a:schemeClr val="accent1"/>
-          </a:effectRef>
-          <a:fontRef idx="minor">
-            <a:schemeClr val="lt1"/>
-          </a:fontRef>
-        </p:style>
-        <p:txBody>
-          <a:bodyPr rtlCol="0" anchor="ctr"/>
-          <a:lstStyle/>
-          <a:p>
-            <a:pPr algn="ctr"/>
-            <a:endParaRPr lang="ko-KR" altLang="en-US" dirty="0"/>
-          </a:p>
-        </p:txBody>
-      </p:sp>
-      <p:graphicFrame>
-        <p:nvGraphicFramePr>
-          <p:cNvPr id="5" name="표 4"/>
-          <p:cNvGraphicFramePr>
-            <a:graphicFrameLocks noGrp="1"/>
-          </p:cNvGraphicFramePr>
-          <p:nvPr>
-            <p:extLst>
-              <p:ext uri="{D42A27DB-BD31-4B8C-83A1-F6EECF244321}">
-                <p14:modId xmlns:p14="http://schemas.microsoft.com/office/powerpoint/2010/main" val="135503863"/>
-              </p:ext>
-            </p:extLst>
-          </p:nvPr>
-        </p:nvGraphicFramePr>
-        <p:xfrm>
-          <a:off x="6392332" y="719664"/>
-          <a:ext cx="4174068" cy="4172772"/>
-        </p:xfrm>
-        <a:graphic>
-          <a:graphicData uri="http://schemas.openxmlformats.org/drawingml/2006/table">
-            <a:tbl>
-              <a:tblPr>
-                <a:tableStyleId>{073A0DAA-6AF3-43AB-8588-CEC1D06C72B9}</a:tableStyleId>
-              </a:tblPr>
-              <a:tblGrid>
-                <a:gridCol w="2087034"/>
-                <a:gridCol w="2087034"/>
-              </a:tblGrid>
-              <a:tr h="732867">
-                <a:tc>
-                  <a:txBody>
-                    <a:bodyPr/>
-                    <a:lstStyle/>
-                    <a:p>
-                      <a:pPr algn="ctr" latinLnBrk="1"/>
-                      <a:r>
-                        <a:rPr lang="ko-KR" altLang="en-US" dirty="0" smtClean="0"/>
-                        <a:t>구분</a:t>
-                      </a:r>
-                      <a:endParaRPr lang="ko-KR" altLang="en-US" dirty="0"/>
-                    </a:p>
-                  </a:txBody>
-                  <a:tcPr anchor="ctr">
-                    <a:solidFill>
-                      <a:schemeClr val="tx1">
-                        <a:lumMod val="50000"/>
-                        <a:lumOff val="50000"/>
-                      </a:schemeClr>
-                    </a:solidFill>
-                  </a:tcPr>
-                </a:tc>
-                <a:tc>
-                  <a:txBody>
-                    <a:bodyPr/>
-                    <a:lstStyle/>
-                    <a:p>
-                      <a:pPr algn="ctr" latinLnBrk="1"/>
-                      <a:r>
-                        <a:rPr lang="ko-KR" altLang="en-US" dirty="0" smtClean="0"/>
-                        <a:t>내용</a:t>
-                      </a:r>
-                      <a:endParaRPr lang="ko-KR" altLang="en-US" dirty="0"/>
-                    </a:p>
-                  </a:txBody>
-                  <a:tcPr anchor="ctr">
-                    <a:solidFill>
-                      <a:schemeClr val="tx1">
-                        <a:lumMod val="50000"/>
-                        <a:lumOff val="50000"/>
-                      </a:schemeClr>
-                    </a:solidFill>
-                  </a:tcPr>
-                </a:tc>
-              </a:tr>
-              <a:tr h="1109049">
-                <a:tc>
-                  <a:txBody>
-                    <a:bodyPr/>
-                    <a:lstStyle/>
-                    <a:p>
-                      <a:pPr algn="ctr" latinLnBrk="1"/>
-                      <a:r>
-                        <a:rPr lang="ko-KR" altLang="en-US" dirty="0" smtClean="0"/>
-                        <a:t>화면 번호</a:t>
-                      </a:r>
-                      <a:r>
-                        <a:rPr lang="en-US" altLang="ko-KR" dirty="0" smtClean="0"/>
-                        <a:t/>
-                      </a:r>
-                      <a:br>
-                        <a:rPr lang="en-US" altLang="ko-KR" dirty="0" smtClean="0"/>
-                      </a:br>
-                      <a:r>
-                        <a:rPr lang="en-US" altLang="ko-KR" dirty="0" smtClean="0"/>
-                        <a:t>(</a:t>
-                      </a:r>
-                      <a:r>
-                        <a:rPr lang="ko-KR" altLang="en-US" dirty="0" smtClean="0"/>
-                        <a:t>랭킹보기</a:t>
-                      </a:r>
-                      <a:r>
-                        <a:rPr lang="en-US" altLang="ko-KR" dirty="0" smtClean="0"/>
-                        <a:t>)</a:t>
-                      </a:r>
-                      <a:endParaRPr lang="ko-KR" altLang="en-US" dirty="0"/>
-                    </a:p>
-                  </a:txBody>
-                  <a:tcPr anchor="ctr"/>
-                </a:tc>
-                <a:tc>
-                  <a:txBody>
-                    <a:bodyPr/>
-                    <a:lstStyle/>
-                    <a:p>
-                      <a:pPr algn="ctr" latinLnBrk="1"/>
-                      <a:r>
-                        <a:rPr lang="en-US" altLang="ko-KR" dirty="0" smtClean="0"/>
-                        <a:t>07-01-01</a:t>
-                      </a:r>
-                      <a:endParaRPr lang="ko-KR" altLang="en-US" dirty="0"/>
-                    </a:p>
-                  </a:txBody>
-                  <a:tcPr anchor="ctr"/>
-                </a:tc>
-              </a:tr>
-              <a:tr h="1165428">
-                <a:tc>
-                  <a:txBody>
-                    <a:bodyPr/>
-                    <a:lstStyle/>
-                    <a:p>
-                      <a:pPr algn="ctr" latinLnBrk="1"/>
-                      <a:r>
-                        <a:rPr lang="en-US" altLang="ko-KR" dirty="0" smtClean="0"/>
-                        <a:t>btn01</a:t>
-                      </a:r>
-                      <a:endParaRPr lang="ko-KR" altLang="en-US" dirty="0"/>
-                    </a:p>
-                  </a:txBody>
-                  <a:tcPr anchor="ctr"/>
-                </a:tc>
-                <a:tc>
-                  <a:txBody>
-                    <a:bodyPr/>
-                    <a:lstStyle/>
-                    <a:p>
-                      <a:pPr algn="ctr" latinLnBrk="1"/>
-                      <a:endParaRPr lang="ko-KR" altLang="en-US" dirty="0"/>
-                    </a:p>
-                  </a:txBody>
-                  <a:tcPr anchor="ctr"/>
-                </a:tc>
-              </a:tr>
-              <a:tr h="1165428">
-                <a:tc>
-                  <a:txBody>
-                    <a:bodyPr/>
-                    <a:lstStyle/>
-                    <a:p>
-                      <a:pPr algn="ctr" latinLnBrk="1"/>
-                      <a:r>
-                        <a:rPr lang="ko-KR" altLang="en-US" dirty="0" smtClean="0"/>
-                        <a:t>스크롤 바</a:t>
-                      </a:r>
-                      <a:endParaRPr lang="ko-KR" altLang="en-US" dirty="0"/>
-                    </a:p>
-                  </a:txBody>
-                  <a:tcPr anchor="ctr"/>
-                </a:tc>
-                <a:tc>
-                  <a:txBody>
-                    <a:bodyPr/>
-                    <a:lstStyle/>
-                    <a:p>
-                      <a:pPr algn="ctr" latinLnBrk="1"/>
-                      <a:r>
-                        <a:rPr lang="ko-KR" altLang="en-US" dirty="0" smtClean="0"/>
-                        <a:t>친구 </a:t>
-                      </a:r>
-                      <a:r>
-                        <a:rPr lang="en-US" altLang="ko-KR" dirty="0" smtClean="0"/>
-                        <a:t>-&gt; </a:t>
-                      </a:r>
-                      <a:r>
-                        <a:rPr lang="ko-KR" altLang="en-US" dirty="0" smtClean="0"/>
-                        <a:t>다 보여</a:t>
-                      </a:r>
-                      <a:endParaRPr lang="en-US" altLang="ko-KR" dirty="0" smtClean="0"/>
-                    </a:p>
-                    <a:p>
-                      <a:pPr algn="ctr" latinLnBrk="1"/>
-                      <a:r>
-                        <a:rPr lang="ko-KR" altLang="en-US" dirty="0" smtClean="0"/>
-                        <a:t>세계 </a:t>
-                      </a:r>
-                      <a:r>
-                        <a:rPr lang="en-US" altLang="ko-KR" dirty="0" smtClean="0"/>
-                        <a:t>-&gt; 100</a:t>
-                      </a:r>
-                      <a:r>
-                        <a:rPr lang="ko-KR" altLang="en-US" dirty="0" smtClean="0"/>
-                        <a:t>위</a:t>
-                      </a:r>
-                      <a:endParaRPr lang="ko-KR" altLang="en-US" dirty="0"/>
-                    </a:p>
-                  </a:txBody>
-                  <a:tcPr anchor="ctr"/>
-                </a:tc>
-              </a:tr>
-            </a:tbl>
-          </a:graphicData>
-        </a:graphic>
-      </p:graphicFrame>
-      <p:sp>
-        <p:nvSpPr>
-          <p:cNvPr id="6" name="모서리가 둥근 직사각형 5"/>
-          <p:cNvSpPr/>
-          <p:nvPr/>
-        </p:nvSpPr>
-        <p:spPr>
-          <a:xfrm>
-            <a:off x="1748364" y="541867"/>
-            <a:ext cx="855134" cy="677334"/>
-          </a:xfrm>
-          <a:prstGeom prst="roundRect">
-            <a:avLst/>
-          </a:prstGeom>
-        </p:spPr>
-        <p:style>
-          <a:lnRef idx="2">
-            <a:schemeClr val="accent1">
-              <a:shade val="50000"/>
-            </a:schemeClr>
-          </a:lnRef>
-          <a:fillRef idx="1">
-            <a:schemeClr val="accent1"/>
-          </a:fillRef>
-          <a:effectRef idx="0">
-            <a:schemeClr val="accent1"/>
-          </a:effectRef>
-          <a:fontRef idx="minor">
-            <a:schemeClr val="lt1"/>
-          </a:fontRef>
-        </p:style>
-        <p:txBody>
-          <a:bodyPr rtlCol="0" anchor="ctr"/>
-          <a:lstStyle/>
-          <a:p>
-            <a:pPr algn="ctr"/>
-            <a:endParaRPr lang="ko-KR" altLang="en-US"/>
-          </a:p>
-        </p:txBody>
-      </p:sp>
-      <p:sp>
-        <p:nvSpPr>
-          <p:cNvPr id="24" name="모서리가 둥근 직사각형 23"/>
-          <p:cNvSpPr/>
-          <p:nvPr/>
-        </p:nvSpPr>
-        <p:spPr>
-          <a:xfrm>
-            <a:off x="2709331" y="541867"/>
-            <a:ext cx="855134" cy="677334"/>
-          </a:xfrm>
-          <a:prstGeom prst="roundRect">
-            <a:avLst/>
-          </a:prstGeom>
-        </p:spPr>
-        <p:style>
-          <a:lnRef idx="2">
-            <a:schemeClr val="accent1">
-              <a:shade val="50000"/>
-            </a:schemeClr>
-          </a:lnRef>
-          <a:fillRef idx="1">
-            <a:schemeClr val="accent1"/>
-          </a:fillRef>
-          <a:effectRef idx="0">
-            <a:schemeClr val="accent1"/>
-          </a:effectRef>
-          <a:fontRef idx="minor">
-            <a:schemeClr val="lt1"/>
-          </a:fontRef>
-        </p:style>
-        <p:txBody>
-          <a:bodyPr rtlCol="0" anchor="ctr"/>
-          <a:lstStyle/>
-          <a:p>
-            <a:pPr algn="ctr"/>
-            <a:endParaRPr lang="ko-KR" altLang="en-US"/>
-          </a:p>
-        </p:txBody>
-      </p:sp>
-      <p:sp>
-        <p:nvSpPr>
-          <p:cNvPr id="3" name="모서리가 둥근 직사각형 2"/>
-          <p:cNvSpPr/>
-          <p:nvPr/>
-        </p:nvSpPr>
-        <p:spPr>
-          <a:xfrm>
-            <a:off x="1172633" y="778934"/>
-            <a:ext cx="4207933" cy="4976907"/>
-          </a:xfrm>
-          <a:prstGeom prst="roundRect">
-            <a:avLst/>
-          </a:prstGeom>
-        </p:spPr>
-        <p:style>
-          <a:lnRef idx="2">
-            <a:schemeClr val="accent1">
-              <a:shade val="50000"/>
-            </a:schemeClr>
-          </a:lnRef>
-          <a:fillRef idx="1">
-            <a:schemeClr val="accent1"/>
-          </a:fillRef>
-          <a:effectRef idx="0">
-            <a:schemeClr val="accent1"/>
-          </a:effectRef>
-          <a:fontRef idx="minor">
-            <a:schemeClr val="lt1"/>
-          </a:fontRef>
-        </p:style>
-        <p:txBody>
-          <a:bodyPr rtlCol="0" anchor="ctr"/>
-          <a:lstStyle/>
-          <a:p>
-            <a:pPr fontAlgn="ctr"/>
-            <a:endParaRPr lang="ko-KR" altLang="ko-KR"/>
-          </a:p>
-        </p:txBody>
-      </p:sp>
-      <p:sp>
-        <p:nvSpPr>
-          <p:cNvPr id="7" name="TextBox 6"/>
-          <p:cNvSpPr txBox="1"/>
-          <p:nvPr/>
-        </p:nvSpPr>
-        <p:spPr>
-          <a:xfrm>
-            <a:off x="1869699" y="508001"/>
-            <a:ext cx="543739" cy="307777"/>
-          </a:xfrm>
-          <a:prstGeom prst="rect">
-            <a:avLst/>
-          </a:prstGeom>
-          <a:noFill/>
-        </p:spPr>
-        <p:txBody>
-          <a:bodyPr wrap="none" rtlCol="0">
-            <a:spAutoFit/>
-          </a:bodyPr>
-          <a:lstStyle/>
-          <a:p>
-            <a:r>
-              <a:rPr lang="ko-KR" altLang="en-US" sz="1400" dirty="0" smtClean="0"/>
-              <a:t>친구</a:t>
-            </a:r>
-            <a:endParaRPr lang="ko-KR" altLang="en-US" dirty="0"/>
-          </a:p>
-        </p:txBody>
-      </p:sp>
-      <p:sp>
-        <p:nvSpPr>
-          <p:cNvPr id="28" name="TextBox 27"/>
-          <p:cNvSpPr txBox="1"/>
-          <p:nvPr/>
-        </p:nvSpPr>
-        <p:spPr>
-          <a:xfrm>
-            <a:off x="2875798" y="508001"/>
-            <a:ext cx="543739" cy="307777"/>
-          </a:xfrm>
-          <a:prstGeom prst="rect">
-            <a:avLst/>
-          </a:prstGeom>
-          <a:noFill/>
-        </p:spPr>
-        <p:txBody>
-          <a:bodyPr wrap="none" rtlCol="0">
-            <a:spAutoFit/>
-          </a:bodyPr>
-          <a:lstStyle/>
-          <a:p>
-            <a:r>
-              <a:rPr lang="ko-KR" altLang="en-US" sz="1400" dirty="0" smtClean="0"/>
-              <a:t>세계</a:t>
-            </a:r>
-            <a:endParaRPr lang="ko-KR" altLang="en-US" dirty="0"/>
-          </a:p>
-        </p:txBody>
-      </p:sp>
-      <p:graphicFrame>
-        <p:nvGraphicFramePr>
-          <p:cNvPr id="9" name="표 8"/>
-          <p:cNvGraphicFramePr>
-            <a:graphicFrameLocks noGrp="1"/>
-          </p:cNvGraphicFramePr>
-          <p:nvPr>
-            <p:extLst>
-              <p:ext uri="{D42A27DB-BD31-4B8C-83A1-F6EECF244321}">
-                <p14:modId xmlns:p14="http://schemas.microsoft.com/office/powerpoint/2010/main" val="1228373650"/>
-              </p:ext>
-            </p:extLst>
-          </p:nvPr>
-        </p:nvGraphicFramePr>
-        <p:xfrm>
-          <a:off x="1467067" y="1219201"/>
-          <a:ext cx="3551332" cy="3047992"/>
-        </p:xfrm>
-        <a:graphic>
-          <a:graphicData uri="http://schemas.openxmlformats.org/drawingml/2006/table">
-            <a:tbl>
-              <a:tblPr bandRow="1">
-                <a:tableStyleId>{21E4AEA4-8DFA-4A89-87EB-49C32662AFE0}</a:tableStyleId>
-              </a:tblPr>
-              <a:tblGrid>
-                <a:gridCol w="555189"/>
-                <a:gridCol w="653210"/>
-                <a:gridCol w="887720"/>
-                <a:gridCol w="636280"/>
-                <a:gridCol w="818933"/>
-              </a:tblGrid>
-              <a:tr h="380999">
-                <a:tc>
-                  <a:txBody>
-                    <a:bodyPr/>
-                    <a:lstStyle/>
-                    <a:p>
-                      <a:pPr algn="ctr" latinLnBrk="1"/>
-                      <a:r>
-                        <a:rPr lang="en-US" altLang="ko-KR" sz="1200" dirty="0" smtClean="0"/>
-                        <a:t>1</a:t>
-                      </a:r>
-                      <a:endParaRPr lang="ko-KR" altLang="en-US" sz="1200" dirty="0"/>
-                    </a:p>
-                  </a:txBody>
-                  <a:tcPr anchor="ctr"/>
-                </a:tc>
-                <a:tc>
-                  <a:txBody>
-                    <a:bodyPr/>
-                    <a:lstStyle/>
-                    <a:p>
-                      <a:pPr algn="ctr" latinLnBrk="1"/>
-                      <a:r>
-                        <a:rPr lang="ko-KR" altLang="en-US" sz="1200" kern="1200" dirty="0" smtClean="0">
-                          <a:solidFill>
-                            <a:schemeClr val="dk1"/>
-                          </a:solidFill>
-                          <a:latin typeface="+mn-lt"/>
-                          <a:ea typeface="+mn-ea"/>
-                          <a:cs typeface="+mn-cs"/>
-                        </a:rPr>
-                        <a:t>이미지</a:t>
-                      </a:r>
-                      <a:endParaRPr lang="ko-KR" altLang="en-US" sz="1200" kern="1200" dirty="0">
-                        <a:solidFill>
-                          <a:schemeClr val="dk1"/>
-                        </a:solidFill>
-                        <a:latin typeface="+mn-lt"/>
-                        <a:ea typeface="+mn-ea"/>
-                        <a:cs typeface="+mn-cs"/>
-                      </a:endParaRPr>
-                    </a:p>
-                  </a:txBody>
-                  <a:tcPr anchor="ctr"/>
-                </a:tc>
-                <a:tc>
-                  <a:txBody>
-                    <a:bodyPr/>
-                    <a:lstStyle/>
-                    <a:p>
-                      <a:pPr algn="ctr" latinLnBrk="1"/>
-                      <a:r>
-                        <a:rPr lang="ko-KR" altLang="en-US" sz="1200" dirty="0" smtClean="0"/>
-                        <a:t>하하하</a:t>
-                      </a:r>
-                      <a:endParaRPr lang="ko-KR" altLang="en-US" sz="1200" dirty="0"/>
-                    </a:p>
-                  </a:txBody>
-                  <a:tcPr anchor="ctr"/>
-                </a:tc>
-                <a:tc>
-                  <a:txBody>
-                    <a:bodyPr/>
-                    <a:lstStyle/>
-                    <a:p>
-                      <a:pPr algn="ctr" latinLnBrk="1"/>
-                      <a:r>
-                        <a:rPr lang="ko-KR" altLang="en-US" sz="1200" dirty="0" smtClean="0"/>
-                        <a:t>별</a:t>
-                      </a:r>
-                      <a:r>
-                        <a:rPr lang="ko-KR" altLang="en-US" sz="1200" baseline="0" dirty="0" smtClean="0"/>
-                        <a:t> </a:t>
-                      </a:r>
-                      <a:r>
-                        <a:rPr lang="en-US" altLang="ko-KR" sz="1200" dirty="0" smtClean="0"/>
-                        <a:t>X 5</a:t>
-                      </a:r>
-                      <a:endParaRPr lang="ko-KR" altLang="en-US" sz="1200" dirty="0"/>
-                    </a:p>
-                  </a:txBody>
-                  <a:tcPr anchor="ctr"/>
-                </a:tc>
-                <a:tc>
-                  <a:txBody>
-                    <a:bodyPr/>
-                    <a:lstStyle/>
-                    <a:p>
-                      <a:pPr algn="ctr" latinLnBrk="1"/>
-                      <a:r>
-                        <a:rPr lang="en-US" altLang="ko-KR" sz="1200" dirty="0" smtClean="0"/>
-                        <a:t>20</a:t>
-                      </a:r>
-                      <a:endParaRPr lang="ko-KR" altLang="en-US" sz="1200" dirty="0"/>
-                    </a:p>
-                  </a:txBody>
-                  <a:tcPr anchor="ctr"/>
-                </a:tc>
-              </a:tr>
-              <a:tr h="380999">
-                <a:tc>
-                  <a:txBody>
-                    <a:bodyPr/>
-                    <a:lstStyle/>
-                    <a:p>
-                      <a:pPr algn="ctr" latinLnBrk="1"/>
-                      <a:r>
-                        <a:rPr lang="en-US" altLang="ko-KR" sz="1200" dirty="0" smtClean="0"/>
-                        <a:t>2</a:t>
-                      </a:r>
-                      <a:endParaRPr lang="ko-KR" altLang="en-US" sz="1200" dirty="0"/>
-                    </a:p>
-                  </a:txBody>
-                  <a:tcPr anchor="ctr"/>
-                </a:tc>
-                <a:tc>
-                  <a:txBody>
-                    <a:bodyPr/>
-                    <a:lstStyle/>
-                    <a:p>
-                      <a:pPr algn="ctr" latinLnBrk="1"/>
-                      <a:endParaRPr lang="ko-KR" altLang="en-US" sz="1200" dirty="0"/>
-                    </a:p>
-                  </a:txBody>
-                  <a:tcPr anchor="ctr"/>
-                </a:tc>
-                <a:tc>
-                  <a:txBody>
-                    <a:bodyPr/>
-                    <a:lstStyle/>
-                    <a:p>
-                      <a:pPr algn="ctr" latinLnBrk="1"/>
-                      <a:r>
-                        <a:rPr lang="en-US" altLang="ko-KR" sz="1200" dirty="0" smtClean="0"/>
-                        <a:t>Jung0313</a:t>
-                      </a:r>
-                      <a:endParaRPr lang="ko-KR" altLang="en-US" sz="1200" dirty="0"/>
-                    </a:p>
-                  </a:txBody>
-                  <a:tcPr anchor="ctr"/>
-                </a:tc>
-                <a:tc>
-                  <a:txBody>
-                    <a:bodyPr/>
-                    <a:lstStyle/>
-                    <a:p>
-                      <a:pPr algn="ctr" latinLnBrk="1"/>
-                      <a:r>
-                        <a:rPr lang="en-US" altLang="ko-KR" sz="1200" dirty="0" smtClean="0"/>
-                        <a:t>1</a:t>
-                      </a:r>
-                      <a:endParaRPr lang="ko-KR" altLang="en-US" sz="1200" dirty="0"/>
-                    </a:p>
-                  </a:txBody>
-                  <a:tcPr anchor="ctr"/>
-                </a:tc>
-                <a:tc>
-                  <a:txBody>
-                    <a:bodyPr/>
-                    <a:lstStyle/>
-                    <a:p>
-                      <a:pPr algn="ctr" latinLnBrk="1"/>
-                      <a:r>
-                        <a:rPr lang="en-US" altLang="ko-KR" sz="1200" dirty="0" smtClean="0"/>
-                        <a:t>10</a:t>
-                      </a:r>
-                      <a:endParaRPr lang="ko-KR" altLang="en-US" sz="1200" dirty="0"/>
-                    </a:p>
-                  </a:txBody>
-                  <a:tcPr anchor="ctr"/>
-                </a:tc>
-              </a:tr>
-              <a:tr h="380999">
-                <a:tc>
-                  <a:txBody>
-                    <a:bodyPr/>
-                    <a:lstStyle/>
-                    <a:p>
-                      <a:pPr algn="ctr" latinLnBrk="1"/>
-                      <a:r>
-                        <a:rPr lang="en-US" altLang="ko-KR" sz="1200" dirty="0" smtClean="0"/>
-                        <a:t>3</a:t>
-                      </a:r>
-                      <a:endParaRPr lang="ko-KR" altLang="en-US" sz="1200" dirty="0"/>
-                    </a:p>
-                  </a:txBody>
-                  <a:tcPr anchor="ctr"/>
-                </a:tc>
-                <a:tc>
-                  <a:txBody>
-                    <a:bodyPr/>
-                    <a:lstStyle/>
-                    <a:p>
-                      <a:pPr algn="ctr" latinLnBrk="1"/>
-                      <a:endParaRPr lang="ko-KR" altLang="en-US" sz="1200" dirty="0"/>
-                    </a:p>
-                  </a:txBody>
-                  <a:tcPr anchor="ctr"/>
-                </a:tc>
-                <a:tc>
-                  <a:txBody>
-                    <a:bodyPr/>
-                    <a:lstStyle/>
-                    <a:p>
-                      <a:pPr algn="ctr" latinLnBrk="1"/>
-                      <a:endParaRPr lang="ko-KR" altLang="en-US" sz="1200" dirty="0"/>
-                    </a:p>
-                  </a:txBody>
-                  <a:tcPr anchor="ctr"/>
-                </a:tc>
-                <a:tc>
-                  <a:txBody>
-                    <a:bodyPr/>
-                    <a:lstStyle/>
-                    <a:p>
-                      <a:pPr algn="ctr" latinLnBrk="1"/>
-                      <a:endParaRPr lang="ko-KR" altLang="en-US" sz="1200" dirty="0"/>
-                    </a:p>
-                  </a:txBody>
-                  <a:tcPr anchor="ctr"/>
-                </a:tc>
-                <a:tc>
-                  <a:txBody>
-                    <a:bodyPr/>
-                    <a:lstStyle/>
-                    <a:p>
-                      <a:pPr algn="ctr" latinLnBrk="1"/>
-                      <a:endParaRPr lang="ko-KR" altLang="en-US" sz="1200" dirty="0"/>
-                    </a:p>
-                  </a:txBody>
-                  <a:tcPr anchor="ctr"/>
-                </a:tc>
-              </a:tr>
-              <a:tr h="380999">
-                <a:tc>
-                  <a:txBody>
-                    <a:bodyPr/>
-                    <a:lstStyle/>
-                    <a:p>
-                      <a:pPr algn="ctr" latinLnBrk="1"/>
-                      <a:r>
-                        <a:rPr lang="en-US" altLang="ko-KR" sz="1200" dirty="0" smtClean="0"/>
-                        <a:t>4</a:t>
-                      </a:r>
-                      <a:endParaRPr lang="ko-KR" altLang="en-US" sz="1200" dirty="0"/>
-                    </a:p>
-                  </a:txBody>
-                  <a:tcPr anchor="ctr"/>
-                </a:tc>
-                <a:tc>
-                  <a:txBody>
-                    <a:bodyPr/>
-                    <a:lstStyle/>
-                    <a:p>
-                      <a:pPr algn="ctr" latinLnBrk="1"/>
-                      <a:endParaRPr lang="ko-KR" altLang="en-US" sz="1200" dirty="0"/>
-                    </a:p>
-                  </a:txBody>
-                  <a:tcPr anchor="ctr"/>
-                </a:tc>
-                <a:tc>
-                  <a:txBody>
-                    <a:bodyPr/>
-                    <a:lstStyle/>
-                    <a:p>
-                      <a:pPr algn="ctr" latinLnBrk="1"/>
-                      <a:endParaRPr lang="ko-KR" altLang="en-US" sz="1200" dirty="0"/>
-                    </a:p>
-                  </a:txBody>
-                  <a:tcPr anchor="ctr"/>
-                </a:tc>
-                <a:tc>
-                  <a:txBody>
-                    <a:bodyPr/>
-                    <a:lstStyle/>
-                    <a:p>
-                      <a:pPr algn="ctr" latinLnBrk="1"/>
-                      <a:endParaRPr lang="ko-KR" altLang="en-US" sz="1200" dirty="0"/>
-                    </a:p>
-                  </a:txBody>
-                  <a:tcPr anchor="ctr"/>
-                </a:tc>
-                <a:tc>
-                  <a:txBody>
-                    <a:bodyPr/>
-                    <a:lstStyle/>
-                    <a:p>
-                      <a:pPr algn="ctr" latinLnBrk="1"/>
-                      <a:endParaRPr lang="ko-KR" altLang="en-US" sz="1200" dirty="0"/>
-                    </a:p>
-                  </a:txBody>
-                  <a:tcPr anchor="ctr"/>
-                </a:tc>
-              </a:tr>
-              <a:tr h="380999">
-                <a:tc>
-                  <a:txBody>
-                    <a:bodyPr/>
-                    <a:lstStyle/>
-                    <a:p>
-                      <a:pPr algn="ctr" latinLnBrk="1"/>
-                      <a:r>
-                        <a:rPr lang="en-US" altLang="ko-KR" sz="1200" dirty="0" smtClean="0"/>
-                        <a:t>5</a:t>
-                      </a:r>
-                      <a:endParaRPr lang="ko-KR" altLang="en-US" sz="1200" dirty="0"/>
-                    </a:p>
-                  </a:txBody>
-                  <a:tcPr anchor="ctr">
-                    <a:lnB w="12700" cap="flat" cmpd="sng" algn="ctr">
-                      <a:solidFill>
-                        <a:schemeClr val="tx1"/>
-                      </a:solidFill>
-                      <a:prstDash val="solid"/>
-                      <a:round/>
-                      <a:headEnd type="none" w="med" len="med"/>
-                      <a:tailEnd type="none" w="med" len="med"/>
-                    </a:lnB>
-                  </a:tcPr>
-                </a:tc>
-                <a:tc>
-                  <a:txBody>
-                    <a:bodyPr/>
-                    <a:lstStyle/>
-                    <a:p>
-                      <a:pPr algn="ctr" latinLnBrk="1"/>
-                      <a:endParaRPr lang="ko-KR" altLang="en-US" sz="1200" dirty="0"/>
-                    </a:p>
-                  </a:txBody>
-                  <a:tcPr anchor="ctr">
-                    <a:lnB w="12700" cap="flat" cmpd="sng" algn="ctr">
-                      <a:solidFill>
-                        <a:schemeClr val="tx1"/>
-                      </a:solidFill>
-                      <a:prstDash val="solid"/>
-                      <a:round/>
-                      <a:headEnd type="none" w="med" len="med"/>
-                      <a:tailEnd type="none" w="med" len="med"/>
-                    </a:lnB>
-                  </a:tcPr>
-                </a:tc>
-                <a:tc>
-                  <a:txBody>
-                    <a:bodyPr/>
-                    <a:lstStyle/>
-                    <a:p>
-                      <a:pPr algn="ctr" latinLnBrk="1"/>
-                      <a:endParaRPr lang="ko-KR" altLang="en-US" sz="1200" dirty="0"/>
-                    </a:p>
-                  </a:txBody>
-                  <a:tcPr anchor="ctr">
-                    <a:lnB w="12700" cap="flat" cmpd="sng" algn="ctr">
-                      <a:solidFill>
-                        <a:schemeClr val="tx1"/>
-                      </a:solidFill>
-                      <a:prstDash val="solid"/>
-                      <a:round/>
-                      <a:headEnd type="none" w="med" len="med"/>
-                      <a:tailEnd type="none" w="med" len="med"/>
-                    </a:lnB>
-                  </a:tcPr>
-                </a:tc>
-                <a:tc>
-                  <a:txBody>
-                    <a:bodyPr/>
-                    <a:lstStyle/>
-                    <a:p>
-                      <a:pPr algn="ctr" latinLnBrk="1"/>
-                      <a:endParaRPr lang="ko-KR" altLang="en-US" sz="1200" dirty="0"/>
-                    </a:p>
-                  </a:txBody>
-                  <a:tcPr anchor="ctr">
-                    <a:lnB w="12700" cap="flat" cmpd="sng" algn="ctr">
-                      <a:solidFill>
-                        <a:schemeClr val="tx1"/>
-                      </a:solidFill>
-                      <a:prstDash val="solid"/>
-                      <a:round/>
-                      <a:headEnd type="none" w="med" len="med"/>
-                      <a:tailEnd type="none" w="med" len="med"/>
-                    </a:lnB>
-                  </a:tcPr>
-                </a:tc>
-                <a:tc>
-                  <a:txBody>
-                    <a:bodyPr/>
-                    <a:lstStyle/>
-                    <a:p>
-                      <a:pPr algn="ctr" latinLnBrk="1"/>
-                      <a:endParaRPr lang="ko-KR" altLang="en-US" sz="1200" dirty="0"/>
-                    </a:p>
-                  </a:txBody>
-                  <a:tcPr anchor="ctr">
-                    <a:lnB w="12700" cap="flat" cmpd="sng" algn="ctr">
-                      <a:solidFill>
-                        <a:schemeClr val="tx1"/>
-                      </a:solidFill>
-                      <a:prstDash val="solid"/>
-                      <a:round/>
-                      <a:headEnd type="none" w="med" len="med"/>
-                      <a:tailEnd type="none" w="med" len="med"/>
-                    </a:lnB>
-                  </a:tcPr>
-                </a:tc>
-              </a:tr>
-              <a:tr h="380999">
-                <a:tc>
-                  <a:txBody>
-                    <a:bodyPr/>
-                    <a:lstStyle/>
-                    <a:p>
-                      <a:pPr algn="ctr" latinLnBrk="1"/>
-                      <a:r>
-                        <a:rPr lang="en-US" altLang="ko-KR" sz="1200" dirty="0" smtClean="0">
-                          <a:solidFill>
-                            <a:sysClr val="windowText" lastClr="000000"/>
-                          </a:solidFill>
-                        </a:rPr>
-                        <a:t>6</a:t>
-                      </a:r>
-                      <a:endParaRPr lang="ko-KR" altLang="en-US" sz="1200" dirty="0">
-                        <a:solidFill>
-                          <a:sysClr val="windowText" lastClr="000000"/>
-                        </a:solidFill>
-                      </a:endParaRPr>
-                    </a:p>
-                  </a:txBody>
-                  <a:tcPr anchor="ctr">
-                    <a:lnL w="12700" cap="flat" cmpd="sng" algn="ctr">
-                      <a:solidFill>
-                        <a:schemeClr val="tx1"/>
-                      </a:solidFill>
-                      <a:prstDash val="solid"/>
-                      <a:round/>
-                      <a:headEnd type="none" w="med" len="med"/>
-                      <a:tailEnd type="none" w="med" len="med"/>
-                    </a:lnL>
-                    <a:lnT w="12700" cap="flat" cmpd="sng" algn="ctr">
-                      <a:solidFill>
-                        <a:schemeClr val="tx1"/>
-                      </a:solidFill>
-                      <a:prstDash val="solid"/>
-                      <a:round/>
-                      <a:headEnd type="none" w="med" len="med"/>
-                      <a:tailEnd type="none" w="med" len="med"/>
-                    </a:lnT>
-                    <a:lnB w="12700" cap="flat" cmpd="sng" algn="ctr">
-                      <a:solidFill>
-                        <a:schemeClr val="tx1"/>
-                      </a:solidFill>
-                      <a:prstDash val="solid"/>
-                      <a:round/>
-                      <a:headEnd type="none" w="med" len="med"/>
-                      <a:tailEnd type="none" w="med" len="med"/>
-                    </a:lnB>
-                    <a:solidFill>
-                      <a:schemeClr val="accent4">
-                        <a:lumMod val="60000"/>
-                        <a:lumOff val="40000"/>
-                      </a:schemeClr>
-                    </a:solidFill>
-                  </a:tcPr>
-                </a:tc>
-                <a:tc>
-                  <a:txBody>
-                    <a:bodyPr/>
-                    <a:lstStyle/>
-                    <a:p>
-                      <a:pPr algn="ctr" latinLnBrk="1"/>
-                      <a:endParaRPr lang="ko-KR" altLang="en-US" sz="1200" dirty="0">
-                        <a:solidFill>
-                          <a:sysClr val="windowText" lastClr="000000"/>
-                        </a:solidFill>
-                      </a:endParaRPr>
-                    </a:p>
-                  </a:txBody>
-                  <a:tcPr anchor="ctr">
-                    <a:lnT w="12700" cap="flat" cmpd="sng" algn="ctr">
-                      <a:solidFill>
-                        <a:schemeClr val="tx1"/>
-                      </a:solidFill>
-                      <a:prstDash val="solid"/>
-                      <a:round/>
-                      <a:headEnd type="none" w="med" len="med"/>
-                      <a:tailEnd type="none" w="med" len="med"/>
-                    </a:lnT>
-                    <a:lnB w="12700" cap="flat" cmpd="sng" algn="ctr">
-                      <a:solidFill>
-                        <a:schemeClr val="tx1"/>
-                      </a:solidFill>
-                      <a:prstDash val="solid"/>
-                      <a:round/>
-                      <a:headEnd type="none" w="med" len="med"/>
-                      <a:tailEnd type="none" w="med" len="med"/>
-                    </a:lnB>
-                    <a:solidFill>
-                      <a:schemeClr val="accent4">
-                        <a:lumMod val="60000"/>
-                        <a:lumOff val="40000"/>
-                      </a:schemeClr>
-                    </a:solidFill>
-                  </a:tcPr>
-                </a:tc>
-                <a:tc>
-                  <a:txBody>
-                    <a:bodyPr/>
-                    <a:lstStyle/>
-                    <a:p>
-                      <a:pPr algn="ctr" latinLnBrk="1"/>
-                      <a:r>
-                        <a:rPr lang="ko-KR" altLang="en-US" sz="1200" dirty="0" err="1" smtClean="0">
-                          <a:solidFill>
-                            <a:sysClr val="windowText" lastClr="000000"/>
-                          </a:solidFill>
-                        </a:rPr>
-                        <a:t>ㅇㄴㅇ</a:t>
-                      </a:r>
-                      <a:endParaRPr lang="ko-KR" altLang="en-US" sz="1200" dirty="0">
-                        <a:solidFill>
-                          <a:sysClr val="windowText" lastClr="000000"/>
-                        </a:solidFill>
-                      </a:endParaRPr>
-                    </a:p>
-                  </a:txBody>
-                  <a:tcPr anchor="ctr">
-                    <a:lnT w="12700" cap="flat" cmpd="sng" algn="ctr">
-                      <a:solidFill>
-                        <a:schemeClr val="tx1"/>
-                      </a:solidFill>
-                      <a:prstDash val="solid"/>
-                      <a:round/>
-                      <a:headEnd type="none" w="med" len="med"/>
-                      <a:tailEnd type="none" w="med" len="med"/>
-                    </a:lnT>
-                    <a:lnB w="12700" cap="flat" cmpd="sng" algn="ctr">
-                      <a:solidFill>
-                        <a:schemeClr val="tx1"/>
-                      </a:solidFill>
-                      <a:prstDash val="solid"/>
-                      <a:round/>
-                      <a:headEnd type="none" w="med" len="med"/>
-                      <a:tailEnd type="none" w="med" len="med"/>
-                    </a:lnB>
-                    <a:solidFill>
-                      <a:schemeClr val="accent4">
-                        <a:lumMod val="60000"/>
-                        <a:lumOff val="40000"/>
-                      </a:schemeClr>
-                    </a:solidFill>
-                  </a:tcPr>
-                </a:tc>
-                <a:tc>
-                  <a:txBody>
-                    <a:bodyPr/>
-                    <a:lstStyle/>
-                    <a:p>
-                      <a:pPr algn="ctr" latinLnBrk="1"/>
-                      <a:r>
-                        <a:rPr lang="en-US" altLang="ko-KR" sz="1200" dirty="0" smtClean="0">
-                          <a:solidFill>
-                            <a:sysClr val="windowText" lastClr="000000"/>
-                          </a:solidFill>
-                        </a:rPr>
-                        <a:t>2</a:t>
-                      </a:r>
-                      <a:endParaRPr lang="ko-KR" altLang="en-US" sz="1200" dirty="0">
-                        <a:solidFill>
-                          <a:sysClr val="windowText" lastClr="000000"/>
-                        </a:solidFill>
-                      </a:endParaRPr>
-                    </a:p>
-                  </a:txBody>
-                  <a:tcPr anchor="ctr">
-                    <a:lnT w="12700" cap="flat" cmpd="sng" algn="ctr">
-                      <a:solidFill>
-                        <a:schemeClr val="tx1"/>
-                      </a:solidFill>
-                      <a:prstDash val="solid"/>
-                      <a:round/>
-                      <a:headEnd type="none" w="med" len="med"/>
-                      <a:tailEnd type="none" w="med" len="med"/>
-                    </a:lnT>
-                    <a:lnB w="12700" cap="flat" cmpd="sng" algn="ctr">
-                      <a:solidFill>
-                        <a:schemeClr val="tx1"/>
-                      </a:solidFill>
-                      <a:prstDash val="solid"/>
-                      <a:round/>
-                      <a:headEnd type="none" w="med" len="med"/>
-                      <a:tailEnd type="none" w="med" len="med"/>
-                    </a:lnB>
-                    <a:solidFill>
-                      <a:schemeClr val="accent4">
-                        <a:lumMod val="60000"/>
-                        <a:lumOff val="40000"/>
-                      </a:schemeClr>
-                    </a:solidFill>
-                  </a:tcPr>
-                </a:tc>
-                <a:tc>
-                  <a:txBody>
-                    <a:bodyPr/>
-                    <a:lstStyle/>
-                    <a:p>
-                      <a:pPr algn="ctr" latinLnBrk="1"/>
-                      <a:r>
-                        <a:rPr lang="en-US" altLang="ko-KR" sz="1200" dirty="0" smtClean="0">
-                          <a:solidFill>
-                            <a:sysClr val="windowText" lastClr="000000"/>
-                          </a:solidFill>
-                        </a:rPr>
-                        <a:t>1</a:t>
-                      </a:r>
-                      <a:endParaRPr lang="ko-KR" altLang="en-US" sz="1200" dirty="0">
-                        <a:solidFill>
-                          <a:sysClr val="windowText" lastClr="000000"/>
-                        </a:solidFill>
-                      </a:endParaRPr>
-                    </a:p>
-                  </a:txBody>
-                  <a:tcPr anchor="ctr">
-                    <a:lnR w="12700" cap="flat" cmpd="sng" algn="ctr">
-                      <a:solidFill>
-                        <a:schemeClr val="tx1"/>
-                      </a:solidFill>
-                      <a:prstDash val="solid"/>
-                      <a:round/>
-                      <a:headEnd type="none" w="med" len="med"/>
-                      <a:tailEnd type="none" w="med" len="med"/>
-                    </a:lnR>
-                    <a:lnT w="12700" cap="flat" cmpd="sng" algn="ctr">
-                      <a:solidFill>
-                        <a:schemeClr val="tx1"/>
-                      </a:solidFill>
-                      <a:prstDash val="solid"/>
-                      <a:round/>
-                      <a:headEnd type="none" w="med" len="med"/>
-                      <a:tailEnd type="none" w="med" len="med"/>
-                    </a:lnT>
-                    <a:lnB w="12700" cap="flat" cmpd="sng" algn="ctr">
-                      <a:solidFill>
-                        <a:schemeClr val="tx1"/>
-                      </a:solidFill>
-                      <a:prstDash val="solid"/>
-                      <a:round/>
-                      <a:headEnd type="none" w="med" len="med"/>
-                      <a:tailEnd type="none" w="med" len="med"/>
-                    </a:lnB>
-                    <a:solidFill>
-                      <a:schemeClr val="accent4">
-                        <a:lumMod val="60000"/>
-                        <a:lumOff val="40000"/>
-                      </a:schemeClr>
-                    </a:solidFill>
-                  </a:tcPr>
-                </a:tc>
-              </a:tr>
-              <a:tr h="380999">
-                <a:tc>
-                  <a:txBody>
-                    <a:bodyPr/>
-                    <a:lstStyle/>
-                    <a:p>
-                      <a:pPr algn="ctr" latinLnBrk="1"/>
-                      <a:endParaRPr lang="ko-KR" altLang="en-US" sz="1200" dirty="0"/>
-                    </a:p>
-                  </a:txBody>
-                  <a:tcPr anchor="ctr">
-                    <a:lnT w="12700" cap="flat" cmpd="sng" algn="ctr">
-                      <a:solidFill>
-                        <a:schemeClr val="tx1"/>
-                      </a:solidFill>
-                      <a:prstDash val="solid"/>
-                      <a:round/>
-                      <a:headEnd type="none" w="med" len="med"/>
-                      <a:tailEnd type="none" w="med" len="med"/>
-                    </a:lnT>
-                  </a:tcPr>
-                </a:tc>
-                <a:tc>
-                  <a:txBody>
-                    <a:bodyPr/>
-                    <a:lstStyle/>
-                    <a:p>
-                      <a:pPr algn="ctr" latinLnBrk="1"/>
-                      <a:endParaRPr lang="ko-KR" altLang="en-US" sz="1200" dirty="0"/>
-                    </a:p>
-                  </a:txBody>
-                  <a:tcPr anchor="ctr">
-                    <a:lnT w="12700" cap="flat" cmpd="sng" algn="ctr">
-                      <a:solidFill>
-                        <a:schemeClr val="tx1"/>
-                      </a:solidFill>
-                      <a:prstDash val="solid"/>
-                      <a:round/>
-                      <a:headEnd type="none" w="med" len="med"/>
-                      <a:tailEnd type="none" w="med" len="med"/>
-                    </a:lnT>
-                  </a:tcPr>
-                </a:tc>
-                <a:tc>
-                  <a:txBody>
-                    <a:bodyPr/>
-                    <a:lstStyle/>
-                    <a:p>
-                      <a:pPr algn="ctr" latinLnBrk="1"/>
-                      <a:endParaRPr lang="ko-KR" altLang="en-US" sz="1200" dirty="0"/>
-                    </a:p>
-                  </a:txBody>
-                  <a:tcPr anchor="ctr">
-                    <a:lnT w="12700" cap="flat" cmpd="sng" algn="ctr">
-                      <a:solidFill>
-                        <a:schemeClr val="tx1"/>
-                      </a:solidFill>
-                      <a:prstDash val="solid"/>
-                      <a:round/>
-                      <a:headEnd type="none" w="med" len="med"/>
-                      <a:tailEnd type="none" w="med" len="med"/>
-                    </a:lnT>
-                  </a:tcPr>
-                </a:tc>
-                <a:tc>
-                  <a:txBody>
-                    <a:bodyPr/>
-                    <a:lstStyle/>
-                    <a:p>
-                      <a:pPr algn="ctr" latinLnBrk="1"/>
-                      <a:endParaRPr lang="ko-KR" altLang="en-US" sz="1200" dirty="0"/>
-                    </a:p>
-                  </a:txBody>
-                  <a:tcPr anchor="ctr">
-                    <a:lnT w="12700" cap="flat" cmpd="sng" algn="ctr">
-                      <a:solidFill>
-                        <a:schemeClr val="tx1"/>
-                      </a:solidFill>
-                      <a:prstDash val="solid"/>
-                      <a:round/>
-                      <a:headEnd type="none" w="med" len="med"/>
-                      <a:tailEnd type="none" w="med" len="med"/>
-                    </a:lnT>
-                  </a:tcPr>
-                </a:tc>
-                <a:tc>
-                  <a:txBody>
-                    <a:bodyPr/>
-                    <a:lstStyle/>
-                    <a:p>
-                      <a:pPr algn="ctr" latinLnBrk="1"/>
-                      <a:endParaRPr lang="ko-KR" altLang="en-US" sz="1200" dirty="0"/>
-                    </a:p>
-                  </a:txBody>
-                  <a:tcPr anchor="ctr">
-                    <a:lnT w="12700" cap="flat" cmpd="sng" algn="ctr">
-                      <a:solidFill>
-                        <a:schemeClr val="tx1"/>
-                      </a:solidFill>
-                      <a:prstDash val="solid"/>
-                      <a:round/>
-                      <a:headEnd type="none" w="med" len="med"/>
-                      <a:tailEnd type="none" w="med" len="med"/>
-                    </a:lnT>
-                  </a:tcPr>
-                </a:tc>
-              </a:tr>
-              <a:tr h="380999">
-                <a:tc>
-                  <a:txBody>
-                    <a:bodyPr/>
-                    <a:lstStyle/>
-                    <a:p>
-                      <a:pPr algn="ctr" latinLnBrk="1"/>
-                      <a:endParaRPr lang="ko-KR" altLang="en-US" sz="1200" dirty="0"/>
-                    </a:p>
-                  </a:txBody>
-                  <a:tcPr anchor="ctr"/>
-                </a:tc>
-                <a:tc>
-                  <a:txBody>
-                    <a:bodyPr/>
-                    <a:lstStyle/>
-                    <a:p>
-                      <a:pPr algn="ctr" latinLnBrk="1"/>
-                      <a:endParaRPr lang="ko-KR" altLang="en-US" sz="1200" dirty="0"/>
-                    </a:p>
-                  </a:txBody>
-                  <a:tcPr anchor="ctr"/>
-                </a:tc>
-                <a:tc>
-                  <a:txBody>
-                    <a:bodyPr/>
-                    <a:lstStyle/>
-                    <a:p>
-                      <a:pPr algn="ctr" latinLnBrk="1"/>
-                      <a:endParaRPr lang="ko-KR" altLang="en-US" sz="1200" dirty="0"/>
-                    </a:p>
-                  </a:txBody>
-                  <a:tcPr anchor="ctr"/>
-                </a:tc>
-                <a:tc>
-                  <a:txBody>
-                    <a:bodyPr/>
-                    <a:lstStyle/>
-                    <a:p>
-                      <a:pPr algn="ctr" latinLnBrk="1"/>
-                      <a:endParaRPr lang="ko-KR" altLang="en-US" sz="1200" dirty="0"/>
-                    </a:p>
-                  </a:txBody>
-                  <a:tcPr anchor="ctr"/>
-                </a:tc>
-                <a:tc>
-                  <a:txBody>
-                    <a:bodyPr/>
-                    <a:lstStyle/>
-                    <a:p>
-                      <a:pPr algn="ctr" latinLnBrk="1"/>
-                      <a:endParaRPr lang="ko-KR" altLang="en-US" sz="1200" dirty="0"/>
-                    </a:p>
-                  </a:txBody>
-                  <a:tcPr anchor="ctr"/>
-                </a:tc>
-              </a:tr>
-            </a:tbl>
-          </a:graphicData>
-        </a:graphic>
-      </p:graphicFrame>
-      <p:sp>
-        <p:nvSpPr>
-          <p:cNvPr id="13" name="모서리가 둥근 직사각형 12"/>
-          <p:cNvSpPr/>
-          <p:nvPr/>
-        </p:nvSpPr>
-        <p:spPr>
-          <a:xfrm>
-            <a:off x="3072404" y="880534"/>
-            <a:ext cx="694266" cy="228600"/>
-          </a:xfrm>
-          <a:prstGeom prst="roundRect">
-            <a:avLst/>
-          </a:prstGeom>
-        </p:spPr>
-        <p:style>
-          <a:lnRef idx="2">
-            <a:schemeClr val="accent4">
-              <a:shade val="50000"/>
-            </a:schemeClr>
-          </a:lnRef>
-          <a:fillRef idx="1">
-            <a:schemeClr val="accent4"/>
-          </a:fillRef>
-          <a:effectRef idx="0">
-            <a:schemeClr val="accent4"/>
-          </a:effectRef>
-          <a:fontRef idx="minor">
-            <a:schemeClr val="lt1"/>
-          </a:fontRef>
-        </p:style>
-        <p:txBody>
-          <a:bodyPr rtlCol="0" anchor="ctr"/>
-          <a:lstStyle/>
-          <a:p>
-            <a:pPr algn="ctr"/>
-            <a:r>
-              <a:rPr lang="ko-KR" altLang="en-US" sz="1200" dirty="0" smtClean="0"/>
-              <a:t>별 순</a:t>
-            </a:r>
-            <a:endParaRPr lang="ko-KR" altLang="en-US" sz="1200" dirty="0"/>
-          </a:p>
-        </p:txBody>
-      </p:sp>
-      <p:sp>
-        <p:nvSpPr>
-          <p:cNvPr id="30" name="모서리가 둥근 직사각형 29"/>
-          <p:cNvSpPr/>
-          <p:nvPr/>
-        </p:nvSpPr>
-        <p:spPr>
-          <a:xfrm>
-            <a:off x="3894668" y="880534"/>
-            <a:ext cx="929215" cy="228600"/>
-          </a:xfrm>
-          <a:prstGeom prst="roundRect">
-            <a:avLst/>
-          </a:prstGeom>
-        </p:spPr>
-        <p:style>
-          <a:lnRef idx="2">
-            <a:schemeClr val="accent4">
-              <a:shade val="50000"/>
-            </a:schemeClr>
-          </a:lnRef>
-          <a:fillRef idx="1">
-            <a:schemeClr val="accent4"/>
-          </a:fillRef>
-          <a:effectRef idx="0">
-            <a:schemeClr val="accent4"/>
-          </a:effectRef>
-          <a:fontRef idx="minor">
-            <a:schemeClr val="lt1"/>
-          </a:fontRef>
-        </p:style>
-        <p:txBody>
-          <a:bodyPr rtlCol="0" anchor="ctr"/>
-          <a:lstStyle/>
-          <a:p>
-            <a:pPr algn="ctr"/>
-            <a:r>
-              <a:rPr lang="ko-KR" altLang="en-US" sz="1200" dirty="0" smtClean="0"/>
-              <a:t>점수 순</a:t>
-            </a:r>
-            <a:endParaRPr lang="ko-KR" altLang="en-US" sz="1200" dirty="0"/>
-          </a:p>
-        </p:txBody>
-      </p:sp>
-      <p:graphicFrame>
-        <p:nvGraphicFramePr>
-          <p:cNvPr id="14" name="표 13"/>
-          <p:cNvGraphicFramePr>
-            <a:graphicFrameLocks noGrp="1"/>
-          </p:cNvGraphicFramePr>
-          <p:nvPr>
-            <p:extLst>
-              <p:ext uri="{D42A27DB-BD31-4B8C-83A1-F6EECF244321}">
-                <p14:modId xmlns:p14="http://schemas.microsoft.com/office/powerpoint/2010/main" val="2836024127"/>
-              </p:ext>
-            </p:extLst>
-          </p:nvPr>
-        </p:nvGraphicFramePr>
-        <p:xfrm>
-          <a:off x="1494365" y="4926107"/>
-          <a:ext cx="3564467" cy="440267"/>
-        </p:xfrm>
-        <a:graphic>
-          <a:graphicData uri="http://schemas.openxmlformats.org/drawingml/2006/table">
-            <a:tbl>
-              <a:tblPr firstRow="1" bandRow="1">
-                <a:tableStyleId>{5C22544A-7EE6-4342-B048-85BDC9FD1C3A}</a:tableStyleId>
-              </a:tblPr>
-              <a:tblGrid>
-                <a:gridCol w="676589"/>
-                <a:gridCol w="1105645"/>
-                <a:gridCol w="618831"/>
-                <a:gridCol w="1163402"/>
-              </a:tblGrid>
-              <a:tr h="440267">
-                <a:tc>
-                  <a:txBody>
-                    <a:bodyPr/>
-                    <a:lstStyle/>
-                    <a:p>
-                      <a:pPr algn="ctr" latinLnBrk="1"/>
-                      <a:r>
-                        <a:rPr lang="en-US" altLang="ko-KR" dirty="0" smtClean="0"/>
-                        <a:t>6</a:t>
-                      </a:r>
-                      <a:endParaRPr lang="ko-KR" altLang="en-US" dirty="0"/>
-                    </a:p>
-                  </a:txBody>
-                  <a:tcPr anchor="ctr"/>
-                </a:tc>
-                <a:tc>
-                  <a:txBody>
-                    <a:bodyPr/>
-                    <a:lstStyle/>
-                    <a:p>
-                      <a:pPr algn="ctr" latinLnBrk="1"/>
-                      <a:r>
-                        <a:rPr lang="ko-KR" altLang="en-US" dirty="0" err="1" smtClean="0"/>
-                        <a:t>ㅇㄴㅇ</a:t>
-                      </a:r>
-                      <a:endParaRPr lang="ko-KR" altLang="en-US" dirty="0"/>
-                    </a:p>
-                  </a:txBody>
-                  <a:tcPr anchor="ctr"/>
-                </a:tc>
-                <a:tc>
-                  <a:txBody>
-                    <a:bodyPr/>
-                    <a:lstStyle/>
-                    <a:p>
-                      <a:pPr algn="ctr" latinLnBrk="1"/>
-                      <a:r>
-                        <a:rPr lang="en-US" altLang="ko-KR" dirty="0" smtClean="0"/>
-                        <a:t>2</a:t>
-                      </a:r>
-                      <a:endParaRPr lang="ko-KR" altLang="en-US" dirty="0"/>
-                    </a:p>
-                  </a:txBody>
-                  <a:tcPr anchor="ctr"/>
-                </a:tc>
-                <a:tc>
-                  <a:txBody>
-                    <a:bodyPr/>
-                    <a:lstStyle/>
-                    <a:p>
-                      <a:pPr algn="ctr" latinLnBrk="1"/>
-                      <a:r>
-                        <a:rPr lang="en-US" altLang="ko-KR" dirty="0" smtClean="0"/>
-                        <a:t>1</a:t>
-                      </a:r>
-                      <a:endParaRPr lang="ko-KR" altLang="en-US" dirty="0"/>
-                    </a:p>
-                  </a:txBody>
-                  <a:tcPr anchor="ctr"/>
-                </a:tc>
-              </a:tr>
-            </a:tbl>
-          </a:graphicData>
-        </a:graphic>
-      </p:graphicFrame>
-      <p:sp>
-        <p:nvSpPr>
-          <p:cNvPr id="15" name="직사각형 14"/>
-          <p:cNvSpPr/>
-          <p:nvPr/>
-        </p:nvSpPr>
-        <p:spPr>
-          <a:xfrm>
-            <a:off x="5088466" y="1320801"/>
-            <a:ext cx="127000" cy="3368241"/>
-          </a:xfrm>
-          <a:prstGeom prst="rect">
-            <a:avLst/>
-          </a:prstGeom>
-        </p:spPr>
-        <p:style>
-          <a:lnRef idx="2">
-            <a:schemeClr val="accent6">
-              <a:shade val="50000"/>
-            </a:schemeClr>
-          </a:lnRef>
-          <a:fillRef idx="1">
-            <a:schemeClr val="accent6"/>
-          </a:fillRef>
-          <a:effectRef idx="0">
-            <a:schemeClr val="accent6"/>
-          </a:effectRef>
-          <a:fontRef idx="minor">
-            <a:schemeClr val="lt1"/>
-          </a:fontRef>
-        </p:style>
-        <p:txBody>
-          <a:bodyPr rtlCol="0" anchor="ctr"/>
-          <a:lstStyle/>
-          <a:p>
-            <a:pPr algn="ctr"/>
-            <a:endParaRPr lang="ko-KR" altLang="en-US"/>
-          </a:p>
-        </p:txBody>
-      </p:sp>
-      <p:sp>
-        <p:nvSpPr>
-          <p:cNvPr id="35" name="직사각형 34"/>
-          <p:cNvSpPr/>
-          <p:nvPr/>
-        </p:nvSpPr>
-        <p:spPr>
-          <a:xfrm>
-            <a:off x="1168400" y="5858937"/>
-            <a:ext cx="4267200" cy="575734"/>
-          </a:xfrm>
-          <a:prstGeom prst="rect">
-            <a:avLst/>
-          </a:prstGeom>
-        </p:spPr>
-        <p:style>
-          <a:lnRef idx="2">
-            <a:schemeClr val="accent1">
-              <a:shade val="50000"/>
-            </a:schemeClr>
-          </a:lnRef>
-          <a:fillRef idx="1">
-            <a:schemeClr val="accent1"/>
-          </a:fillRef>
-          <a:effectRef idx="0">
-            <a:schemeClr val="accent1"/>
-          </a:effectRef>
-          <a:fontRef idx="minor">
-            <a:schemeClr val="lt1"/>
-          </a:fontRef>
-        </p:style>
-        <p:txBody>
-          <a:bodyPr rtlCol="0" anchor="ctr"/>
-          <a:lstStyle/>
-          <a:p>
-            <a:pPr algn="ctr"/>
-            <a:r>
-              <a:rPr lang="ko-KR" altLang="en-US" dirty="0" smtClean="0"/>
-              <a:t>광   고</a:t>
-            </a:r>
-            <a:endParaRPr lang="ko-KR" altLang="en-US" dirty="0"/>
-          </a:p>
-        </p:txBody>
-      </p:sp>
-    </p:spTree>
-    <p:extLst>
-      <p:ext uri="{BB962C8B-B14F-4D97-AF65-F5344CB8AC3E}">
-        <p14:creationId xmlns:p14="http://schemas.microsoft.com/office/powerpoint/2010/main" val="3218724754"/>
-      </p:ext>
-    </p:extLst>
-  </p:cSld>
-  <p:clrMapOvr>
-    <a:masterClrMapping/>
-  </p:clrMapOvr>
-  <p:timing>
-    <p:tnLst>
-      <p:par>
-        <p:cTn id="1" dur="indefinite" restart="never" nodeType="tmRoot"/>
-      </p:par>
-    </p:tnLst>
-  </p:timing>
-</p:sld>
-</file>
-
 <file path=ppt/slides/slide13.xml><?xml version="1.0" encoding="utf-8"?>
 <p:sld xmlns:a="http://schemas.openxmlformats.org/drawingml/2006/main" xmlns:r="http://schemas.openxmlformats.org/officeDocument/2006/relationships" xmlns:p="http://schemas.openxmlformats.org/presentationml/2006/main">
   <p:cSld>
@@ -9032,14 +9473,14 @@
           <p:nvPr>
             <p:extLst>
               <p:ext uri="{D42A27DB-BD31-4B8C-83A1-F6EECF244321}">
-                <p14:modId xmlns:p14="http://schemas.microsoft.com/office/powerpoint/2010/main" val="4171795936"/>
+                <p14:modId xmlns:p14="http://schemas.microsoft.com/office/powerpoint/2010/main" val="135503863"/>
               </p:ext>
             </p:extLst>
           </p:nvPr>
         </p:nvGraphicFramePr>
         <p:xfrm>
           <a:off x="6392332" y="719664"/>
-          <a:ext cx="4174068" cy="3007344"/>
+          <a:ext cx="4174068" cy="4172772"/>
         </p:xfrm>
         <a:graphic>
           <a:graphicData uri="http://schemas.openxmlformats.org/drawingml/2006/table">
@@ -9140,7 +9581,7 @@
                       <a:pPr algn="ctr" latinLnBrk="1"/>
                       <a:r>
                         <a:rPr lang="en-US" altLang="ko-KR" dirty="0" smtClean="0"/>
-                        <a:t>07-01-02</a:t>
+                        <a:t>07-01-01</a:t>
                       </a:r>
                       <a:endParaRPr lang="ko-KR" altLang="en-US" dirty="0"/>
                     </a:p>
@@ -9170,6 +9611,62 @@
                     <a:lstStyle/>
                     <a:p>
                       <a:pPr algn="ctr" latinLnBrk="1"/>
+                      <a:endParaRPr lang="ko-KR" altLang="en-US" dirty="0"/>
+                    </a:p>
+                  </a:txBody>
+                  <a:tcPr anchor="ctr"/>
+                </a:tc>
+              </a:tr>
+              <a:tr h="1165428">
+                <a:tc>
+                  <a:txBody>
+                    <a:bodyPr/>
+                    <a:lstStyle/>
+                    <a:p>
+                      <a:pPr algn="ctr" latinLnBrk="1"/>
+                      <a:r>
+                        <a:rPr lang="ko-KR" altLang="en-US" dirty="0" smtClean="0"/>
+                        <a:t>스크롤 바</a:t>
+                      </a:r>
+                      <a:endParaRPr lang="ko-KR" altLang="en-US" dirty="0"/>
+                    </a:p>
+                  </a:txBody>
+                  <a:tcPr anchor="ctr"/>
+                </a:tc>
+                <a:tc>
+                  <a:txBody>
+                    <a:bodyPr/>
+                    <a:lstStyle/>
+                    <a:p>
+                      <a:pPr algn="ctr" latinLnBrk="1"/>
+                      <a:r>
+                        <a:rPr lang="ko-KR" altLang="en-US" dirty="0" smtClean="0"/>
+                        <a:t>친구 </a:t>
+                      </a:r>
+                      <a:r>
+                        <a:rPr lang="en-US" altLang="ko-KR" dirty="0" smtClean="0"/>
+                        <a:t>-&gt; </a:t>
+                      </a:r>
+                      <a:r>
+                        <a:rPr lang="ko-KR" altLang="en-US" dirty="0" smtClean="0"/>
+                        <a:t>다 보여</a:t>
+                      </a:r>
+                      <a:endParaRPr lang="en-US" altLang="ko-KR" dirty="0" smtClean="0"/>
+                    </a:p>
+                    <a:p>
+                      <a:pPr algn="ctr" latinLnBrk="1"/>
+                      <a:r>
+                        <a:rPr lang="ko-KR" altLang="en-US" dirty="0" smtClean="0"/>
+                        <a:t>세계 </a:t>
+                      </a:r>
+                      <a:r>
+                        <a:rPr lang="en-US" altLang="ko-KR" dirty="0" smtClean="0"/>
+                        <a:t>-&gt; 100</a:t>
+                      </a:r>
+                      <a:r>
+                        <a:rPr lang="ko-KR" altLang="en-US" dirty="0" smtClean="0"/>
+                        <a:t>위</a:t>
+                      </a:r>
                       <a:endParaRPr lang="ko-KR" altLang="en-US" dirty="0"/>
                     </a:p>
                   </a:txBody>
@@ -9360,6 +9857,1086 @@
           </a:p>
         </p:txBody>
       </p:sp>
+      <p:graphicFrame>
+        <p:nvGraphicFramePr>
+          <p:cNvPr id="9" name="표 8"/>
+          <p:cNvGraphicFramePr>
+            <a:graphicFrameLocks noGrp="1"/>
+          </p:cNvGraphicFramePr>
+          <p:nvPr>
+            <p:extLst>
+              <p:ext uri="{D42A27DB-BD31-4B8C-83A1-F6EECF244321}">
+                <p14:modId xmlns:p14="http://schemas.microsoft.com/office/powerpoint/2010/main" val="1228373650"/>
+              </p:ext>
+            </p:extLst>
+          </p:nvPr>
+        </p:nvGraphicFramePr>
+        <p:xfrm>
+          <a:off x="1467067" y="1219201"/>
+          <a:ext cx="3551332" cy="3047992"/>
+        </p:xfrm>
+        <a:graphic>
+          <a:graphicData uri="http://schemas.openxmlformats.org/drawingml/2006/table">
+            <a:tbl>
+              <a:tblPr bandRow="1">
+                <a:tableStyleId>{21E4AEA4-8DFA-4A89-87EB-49C32662AFE0}</a:tableStyleId>
+              </a:tblPr>
+              <a:tblGrid>
+                <a:gridCol w="555189"/>
+                <a:gridCol w="653210"/>
+                <a:gridCol w="887720"/>
+                <a:gridCol w="636280"/>
+                <a:gridCol w="818933"/>
+              </a:tblGrid>
+              <a:tr h="380999">
+                <a:tc>
+                  <a:txBody>
+                    <a:bodyPr/>
+                    <a:lstStyle/>
+                    <a:p>
+                      <a:pPr algn="ctr" latinLnBrk="1"/>
+                      <a:r>
+                        <a:rPr lang="en-US" altLang="ko-KR" sz="1200" dirty="0" smtClean="0"/>
+                        <a:t>1</a:t>
+                      </a:r>
+                      <a:endParaRPr lang="ko-KR" altLang="en-US" sz="1200" dirty="0"/>
+                    </a:p>
+                  </a:txBody>
+                  <a:tcPr anchor="ctr"/>
+                </a:tc>
+                <a:tc>
+                  <a:txBody>
+                    <a:bodyPr/>
+                    <a:lstStyle/>
+                    <a:p>
+                      <a:pPr algn="ctr" latinLnBrk="1"/>
+                      <a:r>
+                        <a:rPr lang="ko-KR" altLang="en-US" sz="1200" kern="1200" dirty="0" smtClean="0">
+                          <a:solidFill>
+                            <a:schemeClr val="dk1"/>
+                          </a:solidFill>
+                          <a:latin typeface="+mn-lt"/>
+                          <a:ea typeface="+mn-ea"/>
+                          <a:cs typeface="+mn-cs"/>
+                        </a:rPr>
+                        <a:t>이미지</a:t>
+                      </a:r>
+                      <a:endParaRPr lang="ko-KR" altLang="en-US" sz="1200" kern="1200" dirty="0">
+                        <a:solidFill>
+                          <a:schemeClr val="dk1"/>
+                        </a:solidFill>
+                        <a:latin typeface="+mn-lt"/>
+                        <a:ea typeface="+mn-ea"/>
+                        <a:cs typeface="+mn-cs"/>
+                      </a:endParaRPr>
+                    </a:p>
+                  </a:txBody>
+                  <a:tcPr anchor="ctr"/>
+                </a:tc>
+                <a:tc>
+                  <a:txBody>
+                    <a:bodyPr/>
+                    <a:lstStyle/>
+                    <a:p>
+                      <a:pPr algn="ctr" latinLnBrk="1"/>
+                      <a:r>
+                        <a:rPr lang="ko-KR" altLang="en-US" sz="1200" dirty="0" smtClean="0"/>
+                        <a:t>하하하</a:t>
+                      </a:r>
+                      <a:endParaRPr lang="ko-KR" altLang="en-US" sz="1200" dirty="0"/>
+                    </a:p>
+                  </a:txBody>
+                  <a:tcPr anchor="ctr"/>
+                </a:tc>
+                <a:tc>
+                  <a:txBody>
+                    <a:bodyPr/>
+                    <a:lstStyle/>
+                    <a:p>
+                      <a:pPr algn="ctr" latinLnBrk="1"/>
+                      <a:r>
+                        <a:rPr lang="ko-KR" altLang="en-US" sz="1200" dirty="0" smtClean="0"/>
+                        <a:t>별</a:t>
+                      </a:r>
+                      <a:r>
+                        <a:rPr lang="ko-KR" altLang="en-US" sz="1200" baseline="0" dirty="0" smtClean="0"/>
+                        <a:t> </a:t>
+                      </a:r>
+                      <a:r>
+                        <a:rPr lang="en-US" altLang="ko-KR" sz="1200" dirty="0" smtClean="0"/>
+                        <a:t>X 5</a:t>
+                      </a:r>
+                      <a:endParaRPr lang="ko-KR" altLang="en-US" sz="1200" dirty="0"/>
+                    </a:p>
+                  </a:txBody>
+                  <a:tcPr anchor="ctr"/>
+                </a:tc>
+                <a:tc>
+                  <a:txBody>
+                    <a:bodyPr/>
+                    <a:lstStyle/>
+                    <a:p>
+                      <a:pPr algn="ctr" latinLnBrk="1"/>
+                      <a:r>
+                        <a:rPr lang="en-US" altLang="ko-KR" sz="1200" dirty="0" smtClean="0"/>
+                        <a:t>20</a:t>
+                      </a:r>
+                      <a:endParaRPr lang="ko-KR" altLang="en-US" sz="1200" dirty="0"/>
+                    </a:p>
+                  </a:txBody>
+                  <a:tcPr anchor="ctr"/>
+                </a:tc>
+              </a:tr>
+              <a:tr h="380999">
+                <a:tc>
+                  <a:txBody>
+                    <a:bodyPr/>
+                    <a:lstStyle/>
+                    <a:p>
+                      <a:pPr algn="ctr" latinLnBrk="1"/>
+                      <a:r>
+                        <a:rPr lang="en-US" altLang="ko-KR" sz="1200" dirty="0" smtClean="0"/>
+                        <a:t>2</a:t>
+                      </a:r>
+                      <a:endParaRPr lang="ko-KR" altLang="en-US" sz="1200" dirty="0"/>
+                    </a:p>
+                  </a:txBody>
+                  <a:tcPr anchor="ctr"/>
+                </a:tc>
+                <a:tc>
+                  <a:txBody>
+                    <a:bodyPr/>
+                    <a:lstStyle/>
+                    <a:p>
+                      <a:pPr algn="ctr" latinLnBrk="1"/>
+                      <a:endParaRPr lang="ko-KR" altLang="en-US" sz="1200" dirty="0"/>
+                    </a:p>
+                  </a:txBody>
+                  <a:tcPr anchor="ctr"/>
+                </a:tc>
+                <a:tc>
+                  <a:txBody>
+                    <a:bodyPr/>
+                    <a:lstStyle/>
+                    <a:p>
+                      <a:pPr algn="ctr" latinLnBrk="1"/>
+                      <a:r>
+                        <a:rPr lang="en-US" altLang="ko-KR" sz="1200" dirty="0" smtClean="0"/>
+                        <a:t>Jung0313</a:t>
+                      </a:r>
+                      <a:endParaRPr lang="ko-KR" altLang="en-US" sz="1200" dirty="0"/>
+                    </a:p>
+                  </a:txBody>
+                  <a:tcPr anchor="ctr"/>
+                </a:tc>
+                <a:tc>
+                  <a:txBody>
+                    <a:bodyPr/>
+                    <a:lstStyle/>
+                    <a:p>
+                      <a:pPr algn="ctr" latinLnBrk="1"/>
+                      <a:r>
+                        <a:rPr lang="en-US" altLang="ko-KR" sz="1200" dirty="0" smtClean="0"/>
+                        <a:t>1</a:t>
+                      </a:r>
+                      <a:endParaRPr lang="ko-KR" altLang="en-US" sz="1200" dirty="0"/>
+                    </a:p>
+                  </a:txBody>
+                  <a:tcPr anchor="ctr"/>
+                </a:tc>
+                <a:tc>
+                  <a:txBody>
+                    <a:bodyPr/>
+                    <a:lstStyle/>
+                    <a:p>
+                      <a:pPr algn="ctr" latinLnBrk="1"/>
+                      <a:r>
+                        <a:rPr lang="en-US" altLang="ko-KR" sz="1200" dirty="0" smtClean="0"/>
+                        <a:t>10</a:t>
+                      </a:r>
+                      <a:endParaRPr lang="ko-KR" altLang="en-US" sz="1200" dirty="0"/>
+                    </a:p>
+                  </a:txBody>
+                  <a:tcPr anchor="ctr"/>
+                </a:tc>
+              </a:tr>
+              <a:tr h="380999">
+                <a:tc>
+                  <a:txBody>
+                    <a:bodyPr/>
+                    <a:lstStyle/>
+                    <a:p>
+                      <a:pPr algn="ctr" latinLnBrk="1"/>
+                      <a:r>
+                        <a:rPr lang="en-US" altLang="ko-KR" sz="1200" dirty="0" smtClean="0"/>
+                        <a:t>3</a:t>
+                      </a:r>
+                      <a:endParaRPr lang="ko-KR" altLang="en-US" sz="1200" dirty="0"/>
+                    </a:p>
+                  </a:txBody>
+                  <a:tcPr anchor="ctr"/>
+                </a:tc>
+                <a:tc>
+                  <a:txBody>
+                    <a:bodyPr/>
+                    <a:lstStyle/>
+                    <a:p>
+                      <a:pPr algn="ctr" latinLnBrk="1"/>
+                      <a:endParaRPr lang="ko-KR" altLang="en-US" sz="1200" dirty="0"/>
+                    </a:p>
+                  </a:txBody>
+                  <a:tcPr anchor="ctr"/>
+                </a:tc>
+                <a:tc>
+                  <a:txBody>
+                    <a:bodyPr/>
+                    <a:lstStyle/>
+                    <a:p>
+                      <a:pPr algn="ctr" latinLnBrk="1"/>
+                      <a:endParaRPr lang="ko-KR" altLang="en-US" sz="1200" dirty="0"/>
+                    </a:p>
+                  </a:txBody>
+                  <a:tcPr anchor="ctr"/>
+                </a:tc>
+                <a:tc>
+                  <a:txBody>
+                    <a:bodyPr/>
+                    <a:lstStyle/>
+                    <a:p>
+                      <a:pPr algn="ctr" latinLnBrk="1"/>
+                      <a:endParaRPr lang="ko-KR" altLang="en-US" sz="1200" dirty="0"/>
+                    </a:p>
+                  </a:txBody>
+                  <a:tcPr anchor="ctr"/>
+                </a:tc>
+                <a:tc>
+                  <a:txBody>
+                    <a:bodyPr/>
+                    <a:lstStyle/>
+                    <a:p>
+                      <a:pPr algn="ctr" latinLnBrk="1"/>
+                      <a:endParaRPr lang="ko-KR" altLang="en-US" sz="1200" dirty="0"/>
+                    </a:p>
+                  </a:txBody>
+                  <a:tcPr anchor="ctr"/>
+                </a:tc>
+              </a:tr>
+              <a:tr h="380999">
+                <a:tc>
+                  <a:txBody>
+                    <a:bodyPr/>
+                    <a:lstStyle/>
+                    <a:p>
+                      <a:pPr algn="ctr" latinLnBrk="1"/>
+                      <a:r>
+                        <a:rPr lang="en-US" altLang="ko-KR" sz="1200" dirty="0" smtClean="0"/>
+                        <a:t>4</a:t>
+                      </a:r>
+                      <a:endParaRPr lang="ko-KR" altLang="en-US" sz="1200" dirty="0"/>
+                    </a:p>
+                  </a:txBody>
+                  <a:tcPr anchor="ctr"/>
+                </a:tc>
+                <a:tc>
+                  <a:txBody>
+                    <a:bodyPr/>
+                    <a:lstStyle/>
+                    <a:p>
+                      <a:pPr algn="ctr" latinLnBrk="1"/>
+                      <a:endParaRPr lang="ko-KR" altLang="en-US" sz="1200" dirty="0"/>
+                    </a:p>
+                  </a:txBody>
+                  <a:tcPr anchor="ctr"/>
+                </a:tc>
+                <a:tc>
+                  <a:txBody>
+                    <a:bodyPr/>
+                    <a:lstStyle/>
+                    <a:p>
+                      <a:pPr algn="ctr" latinLnBrk="1"/>
+                      <a:endParaRPr lang="ko-KR" altLang="en-US" sz="1200" dirty="0"/>
+                    </a:p>
+                  </a:txBody>
+                  <a:tcPr anchor="ctr"/>
+                </a:tc>
+                <a:tc>
+                  <a:txBody>
+                    <a:bodyPr/>
+                    <a:lstStyle/>
+                    <a:p>
+                      <a:pPr algn="ctr" latinLnBrk="1"/>
+                      <a:endParaRPr lang="ko-KR" altLang="en-US" sz="1200" dirty="0"/>
+                    </a:p>
+                  </a:txBody>
+                  <a:tcPr anchor="ctr"/>
+                </a:tc>
+                <a:tc>
+                  <a:txBody>
+                    <a:bodyPr/>
+                    <a:lstStyle/>
+                    <a:p>
+                      <a:pPr algn="ctr" latinLnBrk="1"/>
+                      <a:endParaRPr lang="ko-KR" altLang="en-US" sz="1200" dirty="0"/>
+                    </a:p>
+                  </a:txBody>
+                  <a:tcPr anchor="ctr"/>
+                </a:tc>
+              </a:tr>
+              <a:tr h="380999">
+                <a:tc>
+                  <a:txBody>
+                    <a:bodyPr/>
+                    <a:lstStyle/>
+                    <a:p>
+                      <a:pPr algn="ctr" latinLnBrk="1"/>
+                      <a:r>
+                        <a:rPr lang="en-US" altLang="ko-KR" sz="1200" dirty="0" smtClean="0"/>
+                        <a:t>5</a:t>
+                      </a:r>
+                      <a:endParaRPr lang="ko-KR" altLang="en-US" sz="1200" dirty="0"/>
+                    </a:p>
+                  </a:txBody>
+                  <a:tcPr anchor="ctr">
+                    <a:lnB w="12700" cap="flat" cmpd="sng" algn="ctr">
+                      <a:solidFill>
+                        <a:schemeClr val="tx1"/>
+                      </a:solidFill>
+                      <a:prstDash val="solid"/>
+                      <a:round/>
+                      <a:headEnd type="none" w="med" len="med"/>
+                      <a:tailEnd type="none" w="med" len="med"/>
+                    </a:lnB>
+                  </a:tcPr>
+                </a:tc>
+                <a:tc>
+                  <a:txBody>
+                    <a:bodyPr/>
+                    <a:lstStyle/>
+                    <a:p>
+                      <a:pPr algn="ctr" latinLnBrk="1"/>
+                      <a:endParaRPr lang="ko-KR" altLang="en-US" sz="1200" dirty="0"/>
+                    </a:p>
+                  </a:txBody>
+                  <a:tcPr anchor="ctr">
+                    <a:lnB w="12700" cap="flat" cmpd="sng" algn="ctr">
+                      <a:solidFill>
+                        <a:schemeClr val="tx1"/>
+                      </a:solidFill>
+                      <a:prstDash val="solid"/>
+                      <a:round/>
+                      <a:headEnd type="none" w="med" len="med"/>
+                      <a:tailEnd type="none" w="med" len="med"/>
+                    </a:lnB>
+                  </a:tcPr>
+                </a:tc>
+                <a:tc>
+                  <a:txBody>
+                    <a:bodyPr/>
+                    <a:lstStyle/>
+                    <a:p>
+                      <a:pPr algn="ctr" latinLnBrk="1"/>
+                      <a:endParaRPr lang="ko-KR" altLang="en-US" sz="1200" dirty="0"/>
+                    </a:p>
+                  </a:txBody>
+                  <a:tcPr anchor="ctr">
+                    <a:lnB w="12700" cap="flat" cmpd="sng" algn="ctr">
+                      <a:solidFill>
+                        <a:schemeClr val="tx1"/>
+                      </a:solidFill>
+                      <a:prstDash val="solid"/>
+                      <a:round/>
+                      <a:headEnd type="none" w="med" len="med"/>
+                      <a:tailEnd type="none" w="med" len="med"/>
+                    </a:lnB>
+                  </a:tcPr>
+                </a:tc>
+                <a:tc>
+                  <a:txBody>
+                    <a:bodyPr/>
+                    <a:lstStyle/>
+                    <a:p>
+                      <a:pPr algn="ctr" latinLnBrk="1"/>
+                      <a:endParaRPr lang="ko-KR" altLang="en-US" sz="1200" dirty="0"/>
+                    </a:p>
+                  </a:txBody>
+                  <a:tcPr anchor="ctr">
+                    <a:lnB w="12700" cap="flat" cmpd="sng" algn="ctr">
+                      <a:solidFill>
+                        <a:schemeClr val="tx1"/>
+                      </a:solidFill>
+                      <a:prstDash val="solid"/>
+                      <a:round/>
+                      <a:headEnd type="none" w="med" len="med"/>
+                      <a:tailEnd type="none" w="med" len="med"/>
+                    </a:lnB>
+                  </a:tcPr>
+                </a:tc>
+                <a:tc>
+                  <a:txBody>
+                    <a:bodyPr/>
+                    <a:lstStyle/>
+                    <a:p>
+                      <a:pPr algn="ctr" latinLnBrk="1"/>
+                      <a:endParaRPr lang="ko-KR" altLang="en-US" sz="1200" dirty="0"/>
+                    </a:p>
+                  </a:txBody>
+                  <a:tcPr anchor="ctr">
+                    <a:lnB w="12700" cap="flat" cmpd="sng" algn="ctr">
+                      <a:solidFill>
+                        <a:schemeClr val="tx1"/>
+                      </a:solidFill>
+                      <a:prstDash val="solid"/>
+                      <a:round/>
+                      <a:headEnd type="none" w="med" len="med"/>
+                      <a:tailEnd type="none" w="med" len="med"/>
+                    </a:lnB>
+                  </a:tcPr>
+                </a:tc>
+              </a:tr>
+              <a:tr h="380999">
+                <a:tc>
+                  <a:txBody>
+                    <a:bodyPr/>
+                    <a:lstStyle/>
+                    <a:p>
+                      <a:pPr algn="ctr" latinLnBrk="1"/>
+                      <a:r>
+                        <a:rPr lang="en-US" altLang="ko-KR" sz="1200" dirty="0" smtClean="0">
+                          <a:solidFill>
+                            <a:sysClr val="windowText" lastClr="000000"/>
+                          </a:solidFill>
+                        </a:rPr>
+                        <a:t>6</a:t>
+                      </a:r>
+                      <a:endParaRPr lang="ko-KR" altLang="en-US" sz="1200" dirty="0">
+                        <a:solidFill>
+                          <a:sysClr val="windowText" lastClr="000000"/>
+                        </a:solidFill>
+                      </a:endParaRPr>
+                    </a:p>
+                  </a:txBody>
+                  <a:tcPr anchor="ctr">
+                    <a:lnL w="12700" cap="flat" cmpd="sng" algn="ctr">
+                      <a:solidFill>
+                        <a:schemeClr val="tx1"/>
+                      </a:solidFill>
+                      <a:prstDash val="solid"/>
+                      <a:round/>
+                      <a:headEnd type="none" w="med" len="med"/>
+                      <a:tailEnd type="none" w="med" len="med"/>
+                    </a:lnL>
+                    <a:lnT w="12700" cap="flat" cmpd="sng" algn="ctr">
+                      <a:solidFill>
+                        <a:schemeClr val="tx1"/>
+                      </a:solidFill>
+                      <a:prstDash val="solid"/>
+                      <a:round/>
+                      <a:headEnd type="none" w="med" len="med"/>
+                      <a:tailEnd type="none" w="med" len="med"/>
+                    </a:lnT>
+                    <a:lnB w="12700" cap="flat" cmpd="sng" algn="ctr">
+                      <a:solidFill>
+                        <a:schemeClr val="tx1"/>
+                      </a:solidFill>
+                      <a:prstDash val="solid"/>
+                      <a:round/>
+                      <a:headEnd type="none" w="med" len="med"/>
+                      <a:tailEnd type="none" w="med" len="med"/>
+                    </a:lnB>
+                    <a:solidFill>
+                      <a:schemeClr val="accent4">
+                        <a:lumMod val="60000"/>
+                        <a:lumOff val="40000"/>
+                      </a:schemeClr>
+                    </a:solidFill>
+                  </a:tcPr>
+                </a:tc>
+                <a:tc>
+                  <a:txBody>
+                    <a:bodyPr/>
+                    <a:lstStyle/>
+                    <a:p>
+                      <a:pPr algn="ctr" latinLnBrk="1"/>
+                      <a:endParaRPr lang="ko-KR" altLang="en-US" sz="1200" dirty="0">
+                        <a:solidFill>
+                          <a:sysClr val="windowText" lastClr="000000"/>
+                        </a:solidFill>
+                      </a:endParaRPr>
+                    </a:p>
+                  </a:txBody>
+                  <a:tcPr anchor="ctr">
+                    <a:lnT w="12700" cap="flat" cmpd="sng" algn="ctr">
+                      <a:solidFill>
+                        <a:schemeClr val="tx1"/>
+                      </a:solidFill>
+                      <a:prstDash val="solid"/>
+                      <a:round/>
+                      <a:headEnd type="none" w="med" len="med"/>
+                      <a:tailEnd type="none" w="med" len="med"/>
+                    </a:lnT>
+                    <a:lnB w="12700" cap="flat" cmpd="sng" algn="ctr">
+                      <a:solidFill>
+                        <a:schemeClr val="tx1"/>
+                      </a:solidFill>
+                      <a:prstDash val="solid"/>
+                      <a:round/>
+                      <a:headEnd type="none" w="med" len="med"/>
+                      <a:tailEnd type="none" w="med" len="med"/>
+                    </a:lnB>
+                    <a:solidFill>
+                      <a:schemeClr val="accent4">
+                        <a:lumMod val="60000"/>
+                        <a:lumOff val="40000"/>
+                      </a:schemeClr>
+                    </a:solidFill>
+                  </a:tcPr>
+                </a:tc>
+                <a:tc>
+                  <a:txBody>
+                    <a:bodyPr/>
+                    <a:lstStyle/>
+                    <a:p>
+                      <a:pPr algn="ctr" latinLnBrk="1"/>
+                      <a:r>
+                        <a:rPr lang="ko-KR" altLang="en-US" sz="1200" dirty="0" err="1" smtClean="0">
+                          <a:solidFill>
+                            <a:sysClr val="windowText" lastClr="000000"/>
+                          </a:solidFill>
+                        </a:rPr>
+                        <a:t>ㅇㄴㅇ</a:t>
+                      </a:r>
+                      <a:endParaRPr lang="ko-KR" altLang="en-US" sz="1200" dirty="0">
+                        <a:solidFill>
+                          <a:sysClr val="windowText" lastClr="000000"/>
+                        </a:solidFill>
+                      </a:endParaRPr>
+                    </a:p>
+                  </a:txBody>
+                  <a:tcPr anchor="ctr">
+                    <a:lnT w="12700" cap="flat" cmpd="sng" algn="ctr">
+                      <a:solidFill>
+                        <a:schemeClr val="tx1"/>
+                      </a:solidFill>
+                      <a:prstDash val="solid"/>
+                      <a:round/>
+                      <a:headEnd type="none" w="med" len="med"/>
+                      <a:tailEnd type="none" w="med" len="med"/>
+                    </a:lnT>
+                    <a:lnB w="12700" cap="flat" cmpd="sng" algn="ctr">
+                      <a:solidFill>
+                        <a:schemeClr val="tx1"/>
+                      </a:solidFill>
+                      <a:prstDash val="solid"/>
+                      <a:round/>
+                      <a:headEnd type="none" w="med" len="med"/>
+                      <a:tailEnd type="none" w="med" len="med"/>
+                    </a:lnB>
+                    <a:solidFill>
+                      <a:schemeClr val="accent4">
+                        <a:lumMod val="60000"/>
+                        <a:lumOff val="40000"/>
+                      </a:schemeClr>
+                    </a:solidFill>
+                  </a:tcPr>
+                </a:tc>
+                <a:tc>
+                  <a:txBody>
+                    <a:bodyPr/>
+                    <a:lstStyle/>
+                    <a:p>
+                      <a:pPr algn="ctr" latinLnBrk="1"/>
+                      <a:r>
+                        <a:rPr lang="en-US" altLang="ko-KR" sz="1200" dirty="0" smtClean="0">
+                          <a:solidFill>
+                            <a:sysClr val="windowText" lastClr="000000"/>
+                          </a:solidFill>
+                        </a:rPr>
+                        <a:t>2</a:t>
+                      </a:r>
+                      <a:endParaRPr lang="ko-KR" altLang="en-US" sz="1200" dirty="0">
+                        <a:solidFill>
+                          <a:sysClr val="windowText" lastClr="000000"/>
+                        </a:solidFill>
+                      </a:endParaRPr>
+                    </a:p>
+                  </a:txBody>
+                  <a:tcPr anchor="ctr">
+                    <a:lnT w="12700" cap="flat" cmpd="sng" algn="ctr">
+                      <a:solidFill>
+                        <a:schemeClr val="tx1"/>
+                      </a:solidFill>
+                      <a:prstDash val="solid"/>
+                      <a:round/>
+                      <a:headEnd type="none" w="med" len="med"/>
+                      <a:tailEnd type="none" w="med" len="med"/>
+                    </a:lnT>
+                    <a:lnB w="12700" cap="flat" cmpd="sng" algn="ctr">
+                      <a:solidFill>
+                        <a:schemeClr val="tx1"/>
+                      </a:solidFill>
+                      <a:prstDash val="solid"/>
+                      <a:round/>
+                      <a:headEnd type="none" w="med" len="med"/>
+                      <a:tailEnd type="none" w="med" len="med"/>
+                    </a:lnB>
+                    <a:solidFill>
+                      <a:schemeClr val="accent4">
+                        <a:lumMod val="60000"/>
+                        <a:lumOff val="40000"/>
+                      </a:schemeClr>
+                    </a:solidFill>
+                  </a:tcPr>
+                </a:tc>
+                <a:tc>
+                  <a:txBody>
+                    <a:bodyPr/>
+                    <a:lstStyle/>
+                    <a:p>
+                      <a:pPr algn="ctr" latinLnBrk="1"/>
+                      <a:r>
+                        <a:rPr lang="en-US" altLang="ko-KR" sz="1200" dirty="0" smtClean="0">
+                          <a:solidFill>
+                            <a:sysClr val="windowText" lastClr="000000"/>
+                          </a:solidFill>
+                        </a:rPr>
+                        <a:t>1</a:t>
+                      </a:r>
+                      <a:endParaRPr lang="ko-KR" altLang="en-US" sz="1200" dirty="0">
+                        <a:solidFill>
+                          <a:sysClr val="windowText" lastClr="000000"/>
+                        </a:solidFill>
+                      </a:endParaRPr>
+                    </a:p>
+                  </a:txBody>
+                  <a:tcPr anchor="ctr">
+                    <a:lnR w="12700" cap="flat" cmpd="sng" algn="ctr">
+                      <a:solidFill>
+                        <a:schemeClr val="tx1"/>
+                      </a:solidFill>
+                      <a:prstDash val="solid"/>
+                      <a:round/>
+                      <a:headEnd type="none" w="med" len="med"/>
+                      <a:tailEnd type="none" w="med" len="med"/>
+                    </a:lnR>
+                    <a:lnT w="12700" cap="flat" cmpd="sng" algn="ctr">
+                      <a:solidFill>
+                        <a:schemeClr val="tx1"/>
+                      </a:solidFill>
+                      <a:prstDash val="solid"/>
+                      <a:round/>
+                      <a:headEnd type="none" w="med" len="med"/>
+                      <a:tailEnd type="none" w="med" len="med"/>
+                    </a:lnT>
+                    <a:lnB w="12700" cap="flat" cmpd="sng" algn="ctr">
+                      <a:solidFill>
+                        <a:schemeClr val="tx1"/>
+                      </a:solidFill>
+                      <a:prstDash val="solid"/>
+                      <a:round/>
+                      <a:headEnd type="none" w="med" len="med"/>
+                      <a:tailEnd type="none" w="med" len="med"/>
+                    </a:lnB>
+                    <a:solidFill>
+                      <a:schemeClr val="accent4">
+                        <a:lumMod val="60000"/>
+                        <a:lumOff val="40000"/>
+                      </a:schemeClr>
+                    </a:solidFill>
+                  </a:tcPr>
+                </a:tc>
+              </a:tr>
+              <a:tr h="380999">
+                <a:tc>
+                  <a:txBody>
+                    <a:bodyPr/>
+                    <a:lstStyle/>
+                    <a:p>
+                      <a:pPr algn="ctr" latinLnBrk="1"/>
+                      <a:endParaRPr lang="ko-KR" altLang="en-US" sz="1200" dirty="0"/>
+                    </a:p>
+                  </a:txBody>
+                  <a:tcPr anchor="ctr">
+                    <a:lnT w="12700" cap="flat" cmpd="sng" algn="ctr">
+                      <a:solidFill>
+                        <a:schemeClr val="tx1"/>
+                      </a:solidFill>
+                      <a:prstDash val="solid"/>
+                      <a:round/>
+                      <a:headEnd type="none" w="med" len="med"/>
+                      <a:tailEnd type="none" w="med" len="med"/>
+                    </a:lnT>
+                  </a:tcPr>
+                </a:tc>
+                <a:tc>
+                  <a:txBody>
+                    <a:bodyPr/>
+                    <a:lstStyle/>
+                    <a:p>
+                      <a:pPr algn="ctr" latinLnBrk="1"/>
+                      <a:endParaRPr lang="ko-KR" altLang="en-US" sz="1200" dirty="0"/>
+                    </a:p>
+                  </a:txBody>
+                  <a:tcPr anchor="ctr">
+                    <a:lnT w="12700" cap="flat" cmpd="sng" algn="ctr">
+                      <a:solidFill>
+                        <a:schemeClr val="tx1"/>
+                      </a:solidFill>
+                      <a:prstDash val="solid"/>
+                      <a:round/>
+                      <a:headEnd type="none" w="med" len="med"/>
+                      <a:tailEnd type="none" w="med" len="med"/>
+                    </a:lnT>
+                  </a:tcPr>
+                </a:tc>
+                <a:tc>
+                  <a:txBody>
+                    <a:bodyPr/>
+                    <a:lstStyle/>
+                    <a:p>
+                      <a:pPr algn="ctr" latinLnBrk="1"/>
+                      <a:endParaRPr lang="ko-KR" altLang="en-US" sz="1200" dirty="0"/>
+                    </a:p>
+                  </a:txBody>
+                  <a:tcPr anchor="ctr">
+                    <a:lnT w="12700" cap="flat" cmpd="sng" algn="ctr">
+                      <a:solidFill>
+                        <a:schemeClr val="tx1"/>
+                      </a:solidFill>
+                      <a:prstDash val="solid"/>
+                      <a:round/>
+                      <a:headEnd type="none" w="med" len="med"/>
+                      <a:tailEnd type="none" w="med" len="med"/>
+                    </a:lnT>
+                  </a:tcPr>
+                </a:tc>
+                <a:tc>
+                  <a:txBody>
+                    <a:bodyPr/>
+                    <a:lstStyle/>
+                    <a:p>
+                      <a:pPr algn="ctr" latinLnBrk="1"/>
+                      <a:endParaRPr lang="ko-KR" altLang="en-US" sz="1200" dirty="0"/>
+                    </a:p>
+                  </a:txBody>
+                  <a:tcPr anchor="ctr">
+                    <a:lnT w="12700" cap="flat" cmpd="sng" algn="ctr">
+                      <a:solidFill>
+                        <a:schemeClr val="tx1"/>
+                      </a:solidFill>
+                      <a:prstDash val="solid"/>
+                      <a:round/>
+                      <a:headEnd type="none" w="med" len="med"/>
+                      <a:tailEnd type="none" w="med" len="med"/>
+                    </a:lnT>
+                  </a:tcPr>
+                </a:tc>
+                <a:tc>
+                  <a:txBody>
+                    <a:bodyPr/>
+                    <a:lstStyle/>
+                    <a:p>
+                      <a:pPr algn="ctr" latinLnBrk="1"/>
+                      <a:endParaRPr lang="ko-KR" altLang="en-US" sz="1200" dirty="0"/>
+                    </a:p>
+                  </a:txBody>
+                  <a:tcPr anchor="ctr">
+                    <a:lnT w="12700" cap="flat" cmpd="sng" algn="ctr">
+                      <a:solidFill>
+                        <a:schemeClr val="tx1"/>
+                      </a:solidFill>
+                      <a:prstDash val="solid"/>
+                      <a:round/>
+                      <a:headEnd type="none" w="med" len="med"/>
+                      <a:tailEnd type="none" w="med" len="med"/>
+                    </a:lnT>
+                  </a:tcPr>
+                </a:tc>
+              </a:tr>
+              <a:tr h="380999">
+                <a:tc>
+                  <a:txBody>
+                    <a:bodyPr/>
+                    <a:lstStyle/>
+                    <a:p>
+                      <a:pPr algn="ctr" latinLnBrk="1"/>
+                      <a:endParaRPr lang="ko-KR" altLang="en-US" sz="1200" dirty="0"/>
+                    </a:p>
+                  </a:txBody>
+                  <a:tcPr anchor="ctr"/>
+                </a:tc>
+                <a:tc>
+                  <a:txBody>
+                    <a:bodyPr/>
+                    <a:lstStyle/>
+                    <a:p>
+                      <a:pPr algn="ctr" latinLnBrk="1"/>
+                      <a:endParaRPr lang="ko-KR" altLang="en-US" sz="1200" dirty="0"/>
+                    </a:p>
+                  </a:txBody>
+                  <a:tcPr anchor="ctr"/>
+                </a:tc>
+                <a:tc>
+                  <a:txBody>
+                    <a:bodyPr/>
+                    <a:lstStyle/>
+                    <a:p>
+                      <a:pPr algn="ctr" latinLnBrk="1"/>
+                      <a:endParaRPr lang="ko-KR" altLang="en-US" sz="1200" dirty="0"/>
+                    </a:p>
+                  </a:txBody>
+                  <a:tcPr anchor="ctr"/>
+                </a:tc>
+                <a:tc>
+                  <a:txBody>
+                    <a:bodyPr/>
+                    <a:lstStyle/>
+                    <a:p>
+                      <a:pPr algn="ctr" latinLnBrk="1"/>
+                      <a:endParaRPr lang="ko-KR" altLang="en-US" sz="1200" dirty="0"/>
+                    </a:p>
+                  </a:txBody>
+                  <a:tcPr anchor="ctr"/>
+                </a:tc>
+                <a:tc>
+                  <a:txBody>
+                    <a:bodyPr/>
+                    <a:lstStyle/>
+                    <a:p>
+                      <a:pPr algn="ctr" latinLnBrk="1"/>
+                      <a:endParaRPr lang="ko-KR" altLang="en-US" sz="1200" dirty="0"/>
+                    </a:p>
+                  </a:txBody>
+                  <a:tcPr anchor="ctr"/>
+                </a:tc>
+              </a:tr>
+            </a:tbl>
+          </a:graphicData>
+        </a:graphic>
+      </p:graphicFrame>
+      <p:sp>
+        <p:nvSpPr>
+          <p:cNvPr id="13" name="모서리가 둥근 직사각형 12"/>
+          <p:cNvSpPr/>
+          <p:nvPr/>
+        </p:nvSpPr>
+        <p:spPr>
+          <a:xfrm>
+            <a:off x="3072404" y="880534"/>
+            <a:ext cx="694266" cy="228600"/>
+          </a:xfrm>
+          <a:prstGeom prst="roundRect">
+            <a:avLst/>
+          </a:prstGeom>
+        </p:spPr>
+        <p:style>
+          <a:lnRef idx="2">
+            <a:schemeClr val="accent4">
+              <a:shade val="50000"/>
+            </a:schemeClr>
+          </a:lnRef>
+          <a:fillRef idx="1">
+            <a:schemeClr val="accent4"/>
+          </a:fillRef>
+          <a:effectRef idx="0">
+            <a:schemeClr val="accent4"/>
+          </a:effectRef>
+          <a:fontRef idx="minor">
+            <a:schemeClr val="lt1"/>
+          </a:fontRef>
+        </p:style>
+        <p:txBody>
+          <a:bodyPr rtlCol="0" anchor="ctr"/>
+          <a:lstStyle/>
+          <a:p>
+            <a:pPr algn="ctr"/>
+            <a:r>
+              <a:rPr lang="ko-KR" altLang="en-US" sz="1200" dirty="0" smtClean="0"/>
+              <a:t>별 순</a:t>
+            </a:r>
+            <a:endParaRPr lang="ko-KR" altLang="en-US" sz="1200" dirty="0"/>
+          </a:p>
+        </p:txBody>
+      </p:sp>
+      <p:sp>
+        <p:nvSpPr>
+          <p:cNvPr id="30" name="모서리가 둥근 직사각형 29"/>
+          <p:cNvSpPr/>
+          <p:nvPr/>
+        </p:nvSpPr>
+        <p:spPr>
+          <a:xfrm>
+            <a:off x="3894668" y="880534"/>
+            <a:ext cx="929215" cy="228600"/>
+          </a:xfrm>
+          <a:prstGeom prst="roundRect">
+            <a:avLst/>
+          </a:prstGeom>
+        </p:spPr>
+        <p:style>
+          <a:lnRef idx="2">
+            <a:schemeClr val="accent4">
+              <a:shade val="50000"/>
+            </a:schemeClr>
+          </a:lnRef>
+          <a:fillRef idx="1">
+            <a:schemeClr val="accent4"/>
+          </a:fillRef>
+          <a:effectRef idx="0">
+            <a:schemeClr val="accent4"/>
+          </a:effectRef>
+          <a:fontRef idx="minor">
+            <a:schemeClr val="lt1"/>
+          </a:fontRef>
+        </p:style>
+        <p:txBody>
+          <a:bodyPr rtlCol="0" anchor="ctr"/>
+          <a:lstStyle/>
+          <a:p>
+            <a:pPr algn="ctr"/>
+            <a:r>
+              <a:rPr lang="ko-KR" altLang="en-US" sz="1200" dirty="0" smtClean="0"/>
+              <a:t>점수 순</a:t>
+            </a:r>
+            <a:endParaRPr lang="ko-KR" altLang="en-US" sz="1200" dirty="0"/>
+          </a:p>
+        </p:txBody>
+      </p:sp>
+      <p:graphicFrame>
+        <p:nvGraphicFramePr>
+          <p:cNvPr id="14" name="표 13"/>
+          <p:cNvGraphicFramePr>
+            <a:graphicFrameLocks noGrp="1"/>
+          </p:cNvGraphicFramePr>
+          <p:nvPr>
+            <p:extLst>
+              <p:ext uri="{D42A27DB-BD31-4B8C-83A1-F6EECF244321}">
+                <p14:modId xmlns:p14="http://schemas.microsoft.com/office/powerpoint/2010/main" val="2836024127"/>
+              </p:ext>
+            </p:extLst>
+          </p:nvPr>
+        </p:nvGraphicFramePr>
+        <p:xfrm>
+          <a:off x="1494365" y="4926107"/>
+          <a:ext cx="3564467" cy="440267"/>
+        </p:xfrm>
+        <a:graphic>
+          <a:graphicData uri="http://schemas.openxmlformats.org/drawingml/2006/table">
+            <a:tbl>
+              <a:tblPr firstRow="1" bandRow="1">
+                <a:tableStyleId>{5C22544A-7EE6-4342-B048-85BDC9FD1C3A}</a:tableStyleId>
+              </a:tblPr>
+              <a:tblGrid>
+                <a:gridCol w="676589"/>
+                <a:gridCol w="1105645"/>
+                <a:gridCol w="618831"/>
+                <a:gridCol w="1163402"/>
+              </a:tblGrid>
+              <a:tr h="440267">
+                <a:tc>
+                  <a:txBody>
+                    <a:bodyPr/>
+                    <a:lstStyle/>
+                    <a:p>
+                      <a:pPr algn="ctr" latinLnBrk="1"/>
+                      <a:r>
+                        <a:rPr lang="en-US" altLang="ko-KR" dirty="0" smtClean="0"/>
+                        <a:t>6</a:t>
+                      </a:r>
+                      <a:endParaRPr lang="ko-KR" altLang="en-US" dirty="0"/>
+                    </a:p>
+                  </a:txBody>
+                  <a:tcPr anchor="ctr"/>
+                </a:tc>
+                <a:tc>
+                  <a:txBody>
+                    <a:bodyPr/>
+                    <a:lstStyle/>
+                    <a:p>
+                      <a:pPr algn="ctr" latinLnBrk="1"/>
+                      <a:r>
+                        <a:rPr lang="ko-KR" altLang="en-US" dirty="0" err="1" smtClean="0"/>
+                        <a:t>ㅇㄴㅇ</a:t>
+                      </a:r>
+                      <a:endParaRPr lang="ko-KR" altLang="en-US" dirty="0"/>
+                    </a:p>
+                  </a:txBody>
+                  <a:tcPr anchor="ctr"/>
+                </a:tc>
+                <a:tc>
+                  <a:txBody>
+                    <a:bodyPr/>
+                    <a:lstStyle/>
+                    <a:p>
+                      <a:pPr algn="ctr" latinLnBrk="1"/>
+                      <a:r>
+                        <a:rPr lang="en-US" altLang="ko-KR" dirty="0" smtClean="0"/>
+                        <a:t>2</a:t>
+                      </a:r>
+                      <a:endParaRPr lang="ko-KR" altLang="en-US" dirty="0"/>
+                    </a:p>
+                  </a:txBody>
+                  <a:tcPr anchor="ctr"/>
+                </a:tc>
+                <a:tc>
+                  <a:txBody>
+                    <a:bodyPr/>
+                    <a:lstStyle/>
+                    <a:p>
+                      <a:pPr algn="ctr" latinLnBrk="1"/>
+                      <a:r>
+                        <a:rPr lang="en-US" altLang="ko-KR" dirty="0" smtClean="0"/>
+                        <a:t>1</a:t>
+                      </a:r>
+                      <a:endParaRPr lang="ko-KR" altLang="en-US" dirty="0"/>
+                    </a:p>
+                  </a:txBody>
+                  <a:tcPr anchor="ctr"/>
+                </a:tc>
+              </a:tr>
+            </a:tbl>
+          </a:graphicData>
+        </a:graphic>
+      </p:graphicFrame>
+      <p:sp>
+        <p:nvSpPr>
+          <p:cNvPr id="15" name="직사각형 14"/>
+          <p:cNvSpPr/>
+          <p:nvPr/>
+        </p:nvSpPr>
+        <p:spPr>
+          <a:xfrm>
+            <a:off x="5088466" y="1320801"/>
+            <a:ext cx="127000" cy="3368241"/>
+          </a:xfrm>
+          <a:prstGeom prst="rect">
+            <a:avLst/>
+          </a:prstGeom>
+        </p:spPr>
+        <p:style>
+          <a:lnRef idx="2">
+            <a:schemeClr val="accent6">
+              <a:shade val="50000"/>
+            </a:schemeClr>
+          </a:lnRef>
+          <a:fillRef idx="1">
+            <a:schemeClr val="accent6"/>
+          </a:fillRef>
+          <a:effectRef idx="0">
+            <a:schemeClr val="accent6"/>
+          </a:effectRef>
+          <a:fontRef idx="minor">
+            <a:schemeClr val="lt1"/>
+          </a:fontRef>
+        </p:style>
+        <p:txBody>
+          <a:bodyPr rtlCol="0" anchor="ctr"/>
+          <a:lstStyle/>
+          <a:p>
+            <a:pPr algn="ctr"/>
+            <a:endParaRPr lang="ko-KR" altLang="en-US"/>
+          </a:p>
+        </p:txBody>
+      </p:sp>
       <p:sp>
         <p:nvSpPr>
           <p:cNvPr id="35" name="직사각형 34"/>
@@ -9404,142 +10981,10 @@
           </a:p>
         </p:txBody>
       </p:sp>
-      <p:sp>
-        <p:nvSpPr>
-          <p:cNvPr id="2" name="직사각형 1"/>
-          <p:cNvSpPr/>
-          <p:nvPr/>
-        </p:nvSpPr>
-        <p:spPr>
-          <a:xfrm>
-            <a:off x="3419537" y="5088467"/>
-            <a:ext cx="1405466" cy="452221"/>
-          </a:xfrm>
-          <a:prstGeom prst="rect">
-            <a:avLst/>
-          </a:prstGeom>
-          <a:solidFill>
-            <a:schemeClr val="accent4">
-              <a:lumMod val="60000"/>
-              <a:lumOff val="40000"/>
-            </a:schemeClr>
-          </a:solidFill>
-        </p:spPr>
-        <p:style>
-          <a:lnRef idx="2">
-            <a:schemeClr val="accent1">
-              <a:shade val="50000"/>
-            </a:schemeClr>
-          </a:lnRef>
-          <a:fillRef idx="1">
-            <a:schemeClr val="accent1"/>
-          </a:fillRef>
-          <a:effectRef idx="0">
-            <a:schemeClr val="accent1"/>
-          </a:effectRef>
-          <a:fontRef idx="minor">
-            <a:schemeClr val="lt1"/>
-          </a:fontRef>
-        </p:style>
-        <p:txBody>
-          <a:bodyPr rtlCol="0" anchor="ctr"/>
-          <a:lstStyle/>
-          <a:p>
-            <a:pPr algn="ctr"/>
-            <a:r>
-              <a:rPr lang="en-US" altLang="ko-KR" dirty="0" smtClean="0"/>
-              <a:t>Facebook</a:t>
-            </a:r>
-            <a:endParaRPr lang="ko-KR" altLang="en-US" dirty="0"/>
-          </a:p>
-        </p:txBody>
-      </p:sp>
-      <p:sp>
-        <p:nvSpPr>
-          <p:cNvPr id="8" name="TextBox 7"/>
-          <p:cNvSpPr txBox="1"/>
-          <p:nvPr/>
-        </p:nvSpPr>
-        <p:spPr>
-          <a:xfrm>
-            <a:off x="1661413" y="4729142"/>
-            <a:ext cx="3230372" cy="307777"/>
-          </a:xfrm>
-          <a:prstGeom prst="rect">
-            <a:avLst/>
-          </a:prstGeom>
-          <a:noFill/>
-        </p:spPr>
-        <p:txBody>
-          <a:bodyPr wrap="none" rtlCol="0">
-            <a:spAutoFit/>
-          </a:bodyPr>
-          <a:lstStyle/>
-          <a:p>
-            <a:r>
-              <a:rPr lang="ko-KR" altLang="en-US" sz="1400" dirty="0" smtClean="0"/>
-              <a:t>지금 친구들의 랭킹을 확인해 보세요</a:t>
-            </a:r>
-            <a:r>
-              <a:rPr lang="en-US" altLang="ko-KR" sz="1400" dirty="0" smtClean="0"/>
-              <a:t>.</a:t>
-            </a:r>
-            <a:r>
-              <a:rPr lang="ko-KR" altLang="en-US" sz="1400" dirty="0" smtClean="0"/>
-              <a:t> </a:t>
-            </a:r>
-            <a:endParaRPr lang="ko-KR" altLang="en-US" sz="1400" dirty="0"/>
-          </a:p>
-        </p:txBody>
-      </p:sp>
-      <p:sp>
-        <p:nvSpPr>
-          <p:cNvPr id="10" name="직사각형 9"/>
-          <p:cNvSpPr/>
-          <p:nvPr/>
-        </p:nvSpPr>
-        <p:spPr>
-          <a:xfrm>
-            <a:off x="1951565" y="1616527"/>
-            <a:ext cx="2650067" cy="2853267"/>
-          </a:xfrm>
-          <a:prstGeom prst="rect">
-            <a:avLst/>
-          </a:prstGeom>
-        </p:spPr>
-        <p:style>
-          <a:lnRef idx="2">
-            <a:schemeClr val="accent6">
-              <a:shade val="50000"/>
-            </a:schemeClr>
-          </a:lnRef>
-          <a:fillRef idx="1">
-            <a:schemeClr val="accent6"/>
-          </a:fillRef>
-          <a:effectRef idx="0">
-            <a:schemeClr val="accent6"/>
-          </a:effectRef>
-          <a:fontRef idx="minor">
-            <a:schemeClr val="lt1"/>
-          </a:fontRef>
-        </p:style>
-        <p:txBody>
-          <a:bodyPr rtlCol="0" anchor="ctr"/>
-          <a:lstStyle/>
-          <a:p>
-            <a:pPr algn="ctr"/>
-            <a:r>
-              <a:rPr lang="ko-KR" altLang="en-US" dirty="0" smtClean="0"/>
-              <a:t>이미지</a:t>
-            </a:r>
-            <a:endParaRPr lang="ko-KR" altLang="en-US" dirty="0"/>
-          </a:p>
-        </p:txBody>
-      </p:sp>
     </p:spTree>
     <p:extLst>
       <p:ext uri="{BB962C8B-B14F-4D97-AF65-F5344CB8AC3E}">
-        <p14:creationId xmlns:p14="http://schemas.microsoft.com/office/powerpoint/2010/main" val="2134143428"/>
+        <p14:creationId xmlns:p14="http://schemas.microsoft.com/office/powerpoint/2010/main" val="3218724754"/>
       </p:ext>
     </p:extLst>
   </p:cSld>
@@ -9630,14 +11075,14 @@
           <p:nvPr>
             <p:extLst>
               <p:ext uri="{D42A27DB-BD31-4B8C-83A1-F6EECF244321}">
-                <p14:modId xmlns:p14="http://schemas.microsoft.com/office/powerpoint/2010/main" val="2607842600"/>
+                <p14:modId xmlns:p14="http://schemas.microsoft.com/office/powerpoint/2010/main" val="4171795936"/>
               </p:ext>
             </p:extLst>
           </p:nvPr>
         </p:nvGraphicFramePr>
         <p:xfrm>
           <a:off x="6392332" y="719664"/>
-          <a:ext cx="4174068" cy="4445001"/>
+          <a:ext cx="4174068" cy="3007344"/>
         </p:xfrm>
         <a:graphic>
           <a:graphicData uri="http://schemas.openxmlformats.org/drawingml/2006/table">
@@ -9719,7 +11164,7 @@
                       </a:r>
                       <a:r>
                         <a:rPr lang="ko-KR" altLang="en-US" dirty="0" smtClean="0"/>
-                        <a:t>상점 화면</a:t>
+                        <a:t>랭킹보기</a:t>
                       </a:r>
                       <a:r>
                         <a:rPr lang="en-US" altLang="ko-KR" dirty="0" smtClean="0"/>
@@ -9738,7 +11183,7 @@
                       <a:pPr algn="ctr" latinLnBrk="1"/>
                       <a:r>
                         <a:rPr lang="en-US" altLang="ko-KR" dirty="0" smtClean="0"/>
-                        <a:t>08-01-00</a:t>
+                        <a:t>07-01-02</a:t>
                       </a:r>
                       <a:endParaRPr lang="ko-KR" altLang="en-US" dirty="0"/>
                     </a:p>
@@ -9757,30 +11202,6 @@
                         <a:rPr lang="en-US" altLang="ko-KR" dirty="0" smtClean="0"/>
                         <a:t>btn01</a:t>
                       </a:r>
-                      <a:endParaRPr lang="ko-KR" altLang="en-US" dirty="0"/>
-                    </a:p>
-                  </a:txBody>
-                  <a:tcPr anchor="ctr"/>
-                </a:tc>
-                <a:tc>
-                  <a:txBody>
-                    <a:bodyPr/>
-                    <a:lstStyle/>
-                    <a:p>
-                      <a:pPr algn="ctr" latinLnBrk="1"/>
-                      <a:endParaRPr lang="ko-KR" altLang="en-US" dirty="0"/>
-                    </a:p>
-                  </a:txBody>
-                  <a:tcPr anchor="ctr"/>
-                </a:tc>
-              </a:tr>
-              <a:tr h="1437657">
-                <a:tc>
-                  <a:txBody>
-                    <a:bodyPr/>
-                    <a:lstStyle/>
-                    <a:p>
-                      <a:pPr algn="ctr" latinLnBrk="1"/>
                       <a:endParaRPr lang="ko-KR" altLang="en-US" dirty="0"/>
                     </a:p>
                   </a:txBody>
@@ -9804,7 +11225,187 @@
       </p:graphicFrame>
       <p:sp>
         <p:nvSpPr>
-          <p:cNvPr id="15" name="직사각형 14"/>
+          <p:cNvPr id="6" name="모서리가 둥근 직사각형 5"/>
+          <p:cNvSpPr/>
+          <p:nvPr/>
+        </p:nvSpPr>
+        <p:spPr>
+          <a:xfrm>
+            <a:off x="1748364" y="541867"/>
+            <a:ext cx="855134" cy="677334"/>
+          </a:xfrm>
+          <a:prstGeom prst="roundRect">
+            <a:avLst/>
+          </a:prstGeom>
+        </p:spPr>
+        <p:style>
+          <a:lnRef idx="2">
+            <a:schemeClr val="accent1">
+              <a:shade val="50000"/>
+            </a:schemeClr>
+          </a:lnRef>
+          <a:fillRef idx="1">
+            <a:schemeClr val="accent1"/>
+          </a:fillRef>
+          <a:effectRef idx="0">
+            <a:schemeClr val="accent1"/>
+          </a:effectRef>
+          <a:fontRef idx="minor">
+            <a:schemeClr val="lt1"/>
+          </a:fontRef>
+        </p:style>
+        <p:txBody>
+          <a:bodyPr rtlCol="0" anchor="ctr"/>
+          <a:lstStyle/>
+          <a:p>
+            <a:pPr algn="ctr"/>
+            <a:endParaRPr lang="ko-KR" altLang="en-US"/>
+          </a:p>
+        </p:txBody>
+      </p:sp>
+      <p:sp>
+        <p:nvSpPr>
+          <p:cNvPr id="24" name="모서리가 둥근 직사각형 23"/>
+          <p:cNvSpPr/>
+          <p:nvPr/>
+        </p:nvSpPr>
+        <p:spPr>
+          <a:xfrm>
+            <a:off x="2709331" y="541867"/>
+            <a:ext cx="855134" cy="677334"/>
+          </a:xfrm>
+          <a:prstGeom prst="roundRect">
+            <a:avLst/>
+          </a:prstGeom>
+        </p:spPr>
+        <p:style>
+          <a:lnRef idx="2">
+            <a:schemeClr val="accent1">
+              <a:shade val="50000"/>
+            </a:schemeClr>
+          </a:lnRef>
+          <a:fillRef idx="1">
+            <a:schemeClr val="accent1"/>
+          </a:fillRef>
+          <a:effectRef idx="0">
+            <a:schemeClr val="accent1"/>
+          </a:effectRef>
+          <a:fontRef idx="minor">
+            <a:schemeClr val="lt1"/>
+          </a:fontRef>
+        </p:style>
+        <p:txBody>
+          <a:bodyPr rtlCol="0" anchor="ctr"/>
+          <a:lstStyle/>
+          <a:p>
+            <a:pPr algn="ctr"/>
+            <a:endParaRPr lang="ko-KR" altLang="en-US"/>
+          </a:p>
+        </p:txBody>
+      </p:sp>
+      <p:sp>
+        <p:nvSpPr>
+          <p:cNvPr id="3" name="모서리가 둥근 직사각형 2"/>
+          <p:cNvSpPr/>
+          <p:nvPr/>
+        </p:nvSpPr>
+        <p:spPr>
+          <a:xfrm>
+            <a:off x="1172633" y="778934"/>
+            <a:ext cx="4207933" cy="4976907"/>
+          </a:xfrm>
+          <a:prstGeom prst="roundRect">
+            <a:avLst/>
+          </a:prstGeom>
+        </p:spPr>
+        <p:style>
+          <a:lnRef idx="2">
+            <a:schemeClr val="accent1">
+              <a:shade val="50000"/>
+            </a:schemeClr>
+          </a:lnRef>
+          <a:fillRef idx="1">
+            <a:schemeClr val="accent1"/>
+          </a:fillRef>
+          <a:effectRef idx="0">
+            <a:schemeClr val="accent1"/>
+          </a:effectRef>
+          <a:fontRef idx="minor">
+            <a:schemeClr val="lt1"/>
+          </a:fontRef>
+        </p:style>
+        <p:txBody>
+          <a:bodyPr rtlCol="0" anchor="ctr"/>
+          <a:lstStyle/>
+          <a:p>
+            <a:pPr fontAlgn="ctr"/>
+            <a:endParaRPr lang="ko-KR" altLang="ko-KR"/>
+          </a:p>
+        </p:txBody>
+      </p:sp>
+      <p:sp>
+        <p:nvSpPr>
+          <p:cNvPr id="7" name="TextBox 6"/>
+          <p:cNvSpPr txBox="1"/>
+          <p:nvPr/>
+        </p:nvSpPr>
+        <p:spPr>
+          <a:xfrm>
+            <a:off x="1869699" y="508001"/>
+            <a:ext cx="543739" cy="307777"/>
+          </a:xfrm>
+          <a:prstGeom prst="rect">
+            <a:avLst/>
+          </a:prstGeom>
+          <a:noFill/>
+        </p:spPr>
+        <p:txBody>
+          <a:bodyPr wrap="none" rtlCol="0">
+            <a:spAutoFit/>
+          </a:bodyPr>
+          <a:lstStyle/>
+          <a:p>
+            <a:r>
+              <a:rPr lang="ko-KR" altLang="en-US" sz="1400" dirty="0" smtClean="0"/>
+              <a:t>친구</a:t>
+            </a:r>
+            <a:endParaRPr lang="ko-KR" altLang="en-US" dirty="0"/>
+          </a:p>
+        </p:txBody>
+      </p:sp>
+      <p:sp>
+        <p:nvSpPr>
+          <p:cNvPr id="28" name="TextBox 27"/>
+          <p:cNvSpPr txBox="1"/>
+          <p:nvPr/>
+        </p:nvSpPr>
+        <p:spPr>
+          <a:xfrm>
+            <a:off x="2875798" y="508001"/>
+            <a:ext cx="543739" cy="307777"/>
+          </a:xfrm>
+          <a:prstGeom prst="rect">
+            <a:avLst/>
+          </a:prstGeom>
+          <a:noFill/>
+        </p:spPr>
+        <p:txBody>
+          <a:bodyPr wrap="none" rtlCol="0">
+            <a:spAutoFit/>
+          </a:bodyPr>
+          <a:lstStyle/>
+          <a:p>
+            <a:r>
+              <a:rPr lang="ko-KR" altLang="en-US" sz="1400" dirty="0" smtClean="0"/>
+              <a:t>세계</a:t>
+            </a:r>
+            <a:endParaRPr lang="ko-KR" altLang="en-US" dirty="0"/>
+          </a:p>
+        </p:txBody>
+      </p:sp>
+      <p:sp>
+        <p:nvSpPr>
+          <p:cNvPr id="35" name="직사각형 34"/>
           <p:cNvSpPr/>
           <p:nvPr/>
         </p:nvSpPr>
@@ -9848,18 +11449,24 @@
       </p:sp>
       <p:sp>
         <p:nvSpPr>
-          <p:cNvPr id="6" name="모서리가 둥근 직사각형 5"/>
+          <p:cNvPr id="2" name="직사각형 1"/>
           <p:cNvSpPr/>
           <p:nvPr/>
         </p:nvSpPr>
         <p:spPr>
           <a:xfrm>
-            <a:off x="1278467" y="1583267"/>
-            <a:ext cx="1134534" cy="812800"/>
+            <a:off x="3419537" y="5088467"/>
+            <a:ext cx="1405466" cy="452221"/>
           </a:xfrm>
-          <a:prstGeom prst="roundRect">
+          <a:prstGeom prst="rect">
             <a:avLst/>
           </a:prstGeom>
+          <a:solidFill>
+            <a:schemeClr val="accent4">
+              <a:lumMod val="60000"/>
+              <a:lumOff val="40000"/>
+            </a:schemeClr>
+          </a:solidFill>
         </p:spPr>
         <p:style>
           <a:lnRef idx="2">
@@ -9883,8 +11490,8 @@
           <a:p>
             <a:pPr algn="ctr"/>
             <a:r>
-              <a:rPr lang="ko-KR" altLang="en-US" dirty="0" smtClean="0"/>
-              <a:t>열쇠</a:t>
+              <a:rPr lang="en-US" altLang="ko-KR" dirty="0" smtClean="0"/>
+              <a:t>Facebook</a:t>
             </a:r>
             <a:endParaRPr lang="ko-KR" altLang="en-US" dirty="0"/>
           </a:p>
@@ -9892,106 +11499,14 @@
       </p:sp>
       <p:sp>
         <p:nvSpPr>
-          <p:cNvPr id="49" name="모서리가 둥근 직사각형 48"/>
-          <p:cNvSpPr/>
-          <p:nvPr/>
-        </p:nvSpPr>
-        <p:spPr>
-          <a:xfrm>
-            <a:off x="4013200" y="1583267"/>
-            <a:ext cx="1134534" cy="812800"/>
-          </a:xfrm>
-          <a:prstGeom prst="roundRect">
-            <a:avLst/>
-          </a:prstGeom>
-        </p:spPr>
-        <p:style>
-          <a:lnRef idx="2">
-            <a:schemeClr val="accent1">
-              <a:shade val="50000"/>
-            </a:schemeClr>
-          </a:lnRef>
-          <a:fillRef idx="1">
-            <a:schemeClr val="accent1"/>
-          </a:fillRef>
-          <a:effectRef idx="0">
-            <a:schemeClr val="accent1"/>
-          </a:effectRef>
-          <a:fontRef idx="minor">
-            <a:schemeClr val="lt1"/>
-          </a:fontRef>
-        </p:style>
-        <p:txBody>
-          <a:bodyPr rtlCol="0" anchor="ctr"/>
-          <a:lstStyle/>
-          <a:p>
-            <a:pPr algn="ctr"/>
-            <a:r>
-              <a:rPr lang="ko-KR" altLang="en-US" sz="700" dirty="0"/>
-              <a:t>차후 업데이트 </a:t>
-            </a:r>
-            <a:r>
-              <a:rPr lang="ko-KR" altLang="en-US" sz="700" dirty="0" smtClean="0"/>
-              <a:t>예정</a:t>
-            </a:r>
-            <a:endParaRPr lang="ko-KR" altLang="en-US" sz="700" dirty="0"/>
-          </a:p>
-        </p:txBody>
-      </p:sp>
-      <p:sp>
-        <p:nvSpPr>
-          <p:cNvPr id="50" name="모서리가 둥근 직사각형 49"/>
-          <p:cNvSpPr/>
-          <p:nvPr/>
-        </p:nvSpPr>
-        <p:spPr>
-          <a:xfrm>
-            <a:off x="2667001" y="1583267"/>
-            <a:ext cx="1134534" cy="812800"/>
-          </a:xfrm>
-          <a:prstGeom prst="roundRect">
-            <a:avLst/>
-          </a:prstGeom>
-        </p:spPr>
-        <p:style>
-          <a:lnRef idx="2">
-            <a:schemeClr val="accent1">
-              <a:shade val="50000"/>
-            </a:schemeClr>
-          </a:lnRef>
-          <a:fillRef idx="1">
-            <a:schemeClr val="accent1"/>
-          </a:fillRef>
-          <a:effectRef idx="0">
-            <a:schemeClr val="accent1"/>
-          </a:effectRef>
-          <a:fontRef idx="minor">
-            <a:schemeClr val="lt1"/>
-          </a:fontRef>
-        </p:style>
-        <p:txBody>
-          <a:bodyPr rtlCol="0" anchor="ctr"/>
-          <a:lstStyle/>
-          <a:p>
-            <a:pPr algn="ctr"/>
-            <a:r>
-              <a:rPr lang="ko-KR" altLang="en-US" sz="700" dirty="0" smtClean="0"/>
-              <a:t>차후 업데이트 예정</a:t>
-            </a:r>
-            <a:endParaRPr lang="ko-KR" altLang="en-US" sz="700" dirty="0"/>
-          </a:p>
-        </p:txBody>
-      </p:sp>
-      <p:sp>
-        <p:nvSpPr>
-          <p:cNvPr id="7" name="TextBox 6"/>
+          <p:cNvPr id="8" name="TextBox 7"/>
           <p:cNvSpPr txBox="1"/>
           <p:nvPr/>
         </p:nvSpPr>
         <p:spPr>
           <a:xfrm>
-            <a:off x="1382305" y="2088290"/>
-            <a:ext cx="926857" cy="307777"/>
+            <a:off x="1661413" y="4729142"/>
+            <a:ext cx="3230372" cy="307777"/>
           </a:xfrm>
           <a:prstGeom prst="rect">
             <a:avLst/>
@@ -10005,17 +11520,69 @@
           <a:lstStyle/>
           <a:p>
             <a:r>
+              <a:rPr lang="ko-KR" altLang="en-US" sz="1400" dirty="0" smtClean="0"/>
+              <a:t>지금 친구들의 랭킹을 확인해 보세요</a:t>
+            </a:r>
+            <a:r>
               <a:rPr lang="en-US" altLang="ko-KR" sz="1400" dirty="0" smtClean="0"/>
-              <a:t>Btn08-01</a:t>
+              <a:t>.</a:t>
+            </a:r>
+            <a:r>
+              <a:rPr lang="ko-KR" altLang="en-US" sz="1400" dirty="0" smtClean="0"/>
+              <a:t> </a:t>
             </a:r>
             <a:endParaRPr lang="ko-KR" altLang="en-US" sz="1400" dirty="0"/>
+          </a:p>
+        </p:txBody>
+      </p:sp>
+      <p:sp>
+        <p:nvSpPr>
+          <p:cNvPr id="10" name="직사각형 9"/>
+          <p:cNvSpPr/>
+          <p:nvPr/>
+        </p:nvSpPr>
+        <p:spPr>
+          <a:xfrm>
+            <a:off x="1951565" y="1616527"/>
+            <a:ext cx="2650067" cy="2853267"/>
+          </a:xfrm>
+          <a:prstGeom prst="rect">
+            <a:avLst/>
+          </a:prstGeom>
+        </p:spPr>
+        <p:style>
+          <a:lnRef idx="2">
+            <a:schemeClr val="accent6">
+              <a:shade val="50000"/>
+            </a:schemeClr>
+          </a:lnRef>
+          <a:fillRef idx="1">
+            <a:schemeClr val="accent6"/>
+          </a:fillRef>
+          <a:effectRef idx="0">
+            <a:schemeClr val="accent6"/>
+          </a:effectRef>
+          <a:fontRef idx="minor">
+            <a:schemeClr val="lt1"/>
+          </a:fontRef>
+        </p:style>
+        <p:txBody>
+          <a:bodyPr rtlCol="0" anchor="ctr"/>
+          <a:lstStyle/>
+          <a:p>
+            <a:pPr algn="ctr"/>
+            <a:r>
+              <a:rPr lang="ko-KR" altLang="en-US" dirty="0" smtClean="0"/>
+              <a:t>이미지</a:t>
+            </a:r>
+            <a:endParaRPr lang="ko-KR" altLang="en-US" dirty="0"/>
           </a:p>
         </p:txBody>
       </p:sp>
     </p:spTree>
     <p:extLst>
       <p:ext uri="{BB962C8B-B14F-4D97-AF65-F5344CB8AC3E}">
-        <p14:creationId xmlns:p14="http://schemas.microsoft.com/office/powerpoint/2010/main" val="3214407087"/>
+        <p14:creationId xmlns:p14="http://schemas.microsoft.com/office/powerpoint/2010/main" val="2134143428"/>
       </p:ext>
     </p:extLst>
   </p:cSld>
@@ -10106,7 +11673,7 @@
           <p:nvPr>
             <p:extLst>
               <p:ext uri="{D42A27DB-BD31-4B8C-83A1-F6EECF244321}">
-                <p14:modId xmlns:p14="http://schemas.microsoft.com/office/powerpoint/2010/main" val="616815957"/>
+                <p14:modId xmlns:p14="http://schemas.microsoft.com/office/powerpoint/2010/main" val="2607842600"/>
               </p:ext>
             </p:extLst>
           </p:nvPr>
@@ -10199,30 +11766,22 @@
                       </a:r>
                       <a:r>
                         <a:rPr lang="en-US" altLang="ko-KR" dirty="0" smtClean="0"/>
-                        <a:t>-</a:t>
-                      </a:r>
-                      <a:r>
-                        <a:rPr lang="ko-KR" altLang="en-US" dirty="0" smtClean="0"/>
-                        <a:t>열쇠</a:t>
-                      </a:r>
+                        <a:t>)</a:t>
+                      </a:r>
+                      <a:endParaRPr lang="ko-KR" altLang="en-US" dirty="0"/>
+                    </a:p>
+                  </a:txBody>
+                  <a:tcPr anchor="ctr"/>
+                </a:tc>
+                <a:tc>
+                  <a:txBody>
+                    <a:bodyPr/>
+                    <a:lstStyle/>
+                    <a:p>
+                      <a:pPr algn="ctr" latinLnBrk="1"/>
                       <a:r>
                         <a:rPr lang="en-US" altLang="ko-KR" dirty="0" smtClean="0"/>
-                        <a:t>)</a:t>
-                      </a:r>
-                      <a:endParaRPr lang="ko-KR" altLang="en-US" dirty="0"/>
-                    </a:p>
-                  </a:txBody>
-                  <a:tcPr anchor="ctr"/>
-                </a:tc>
-                <a:tc>
-                  <a:txBody>
-                    <a:bodyPr/>
-                    <a:lstStyle/>
-                    <a:p>
-                      <a:pPr algn="ctr" latinLnBrk="1"/>
-                      <a:r>
-                        <a:rPr lang="en-US" altLang="ko-KR" dirty="0" smtClean="0"/>
-                        <a:t>08-01-01</a:t>
+                        <a:t>08-01-00</a:t>
                       </a:r>
                       <a:endParaRPr lang="ko-KR" altLang="en-US" dirty="0"/>
                     </a:p>
@@ -10370,10 +11929,7 @@
               <a:rPr lang="ko-KR" altLang="en-US" dirty="0" smtClean="0"/>
               <a:t>열쇠</a:t>
             </a:r>
-            <a:r>
-              <a:rPr lang="en-US" altLang="ko-KR" dirty="0" smtClean="0"/>
-              <a:t>X3</a:t>
-            </a:r>
+            <a:endParaRPr lang="ko-KR" altLang="en-US" dirty="0"/>
           </a:p>
         </p:txBody>
       </p:sp>
@@ -10414,20 +11970,12 @@
           <a:p>
             <a:pPr algn="ctr"/>
             <a:r>
-              <a:rPr lang="ko-KR" altLang="en-US" dirty="0" smtClean="0">
-                <a:solidFill>
-                  <a:prstClr val="white"/>
-                </a:solidFill>
-              </a:rPr>
-              <a:t>열쇠</a:t>
+              <a:rPr lang="ko-KR" altLang="en-US" sz="700" dirty="0"/>
+              <a:t>차후 업데이트 </a:t>
             </a:r>
             <a:r>
-              <a:rPr lang="en-US" altLang="ko-KR" dirty="0" smtClean="0">
-                <a:solidFill>
-                  <a:prstClr val="white"/>
-                </a:solidFill>
-              </a:rPr>
-              <a:t>X10</a:t>
+              <a:rPr lang="ko-KR" altLang="en-US" sz="700" dirty="0" smtClean="0"/>
+              <a:t>예정</a:t>
             </a:r>
             <a:endParaRPr lang="ko-KR" altLang="en-US" sz="700" dirty="0"/>
           </a:p>
@@ -10470,6 +12018,501 @@
           <a:p>
             <a:pPr algn="ctr"/>
             <a:r>
+              <a:rPr lang="ko-KR" altLang="en-US" sz="700" dirty="0" smtClean="0"/>
+              <a:t>차후 업데이트 예정</a:t>
+            </a:r>
+            <a:endParaRPr lang="ko-KR" altLang="en-US" sz="700" dirty="0"/>
+          </a:p>
+        </p:txBody>
+      </p:sp>
+      <p:sp>
+        <p:nvSpPr>
+          <p:cNvPr id="7" name="TextBox 6"/>
+          <p:cNvSpPr txBox="1"/>
+          <p:nvPr/>
+        </p:nvSpPr>
+        <p:spPr>
+          <a:xfrm>
+            <a:off x="1382305" y="2088290"/>
+            <a:ext cx="926857" cy="307777"/>
+          </a:xfrm>
+          <a:prstGeom prst="rect">
+            <a:avLst/>
+          </a:prstGeom>
+          <a:noFill/>
+        </p:spPr>
+        <p:txBody>
+          <a:bodyPr wrap="none" rtlCol="0">
+            <a:spAutoFit/>
+          </a:bodyPr>
+          <a:lstStyle/>
+          <a:p>
+            <a:r>
+              <a:rPr lang="en-US" altLang="ko-KR" sz="1400" dirty="0" smtClean="0"/>
+              <a:t>Btn08-01</a:t>
+            </a:r>
+            <a:endParaRPr lang="ko-KR" altLang="en-US" sz="1400" dirty="0"/>
+          </a:p>
+        </p:txBody>
+      </p:sp>
+    </p:spTree>
+    <p:extLst>
+      <p:ext uri="{BB962C8B-B14F-4D97-AF65-F5344CB8AC3E}">
+        <p14:creationId xmlns:p14="http://schemas.microsoft.com/office/powerpoint/2010/main" val="3214407087"/>
+      </p:ext>
+    </p:extLst>
+  </p:cSld>
+  <p:clrMapOvr>
+    <a:masterClrMapping/>
+  </p:clrMapOvr>
+  <p:timing>
+    <p:tnLst>
+      <p:par>
+        <p:cTn id="1" dur="indefinite" restart="never" nodeType="tmRoot"/>
+      </p:par>
+    </p:tnLst>
+  </p:timing>
+</p:sld>
+</file>
+
+<file path=ppt/slides/slide16.xml><?xml version="1.0" encoding="utf-8"?>
+<p:sld xmlns:a="http://schemas.openxmlformats.org/drawingml/2006/main" xmlns:r="http://schemas.openxmlformats.org/officeDocument/2006/relationships" xmlns:p="http://schemas.openxmlformats.org/presentationml/2006/main">
+  <p:cSld>
+    <p:spTree>
+      <p:nvGrpSpPr>
+        <p:cNvPr id="1" name=""/>
+        <p:cNvGrpSpPr/>
+        <p:nvPr/>
+      </p:nvGrpSpPr>
+      <p:grpSpPr>
+        <a:xfrm>
+          <a:off x="0" y="0"/>
+          <a:ext cx="0" cy="0"/>
+          <a:chOff x="0" y="0"/>
+          <a:chExt cx="0" cy="0"/>
+        </a:xfrm>
+      </p:grpSpPr>
+      <p:sp>
+        <p:nvSpPr>
+          <p:cNvPr id="4" name="직사각형 3"/>
+          <p:cNvSpPr/>
+          <p:nvPr/>
+        </p:nvSpPr>
+        <p:spPr>
+          <a:xfrm>
+            <a:off x="863600" y="313263"/>
+            <a:ext cx="4826000" cy="6197600"/>
+          </a:xfrm>
+          <a:prstGeom prst="rect">
+            <a:avLst/>
+          </a:prstGeom>
+          <a:solidFill>
+            <a:schemeClr val="bg1"/>
+          </a:solidFill>
+          <a:ln>
+            <a:solidFill>
+              <a:schemeClr val="tx1"/>
+            </a:solidFill>
+          </a:ln>
+        </p:spPr>
+        <p:style>
+          <a:lnRef idx="2">
+            <a:schemeClr val="accent1">
+              <a:shade val="50000"/>
+            </a:schemeClr>
+          </a:lnRef>
+          <a:fillRef idx="1">
+            <a:schemeClr val="accent1"/>
+          </a:fillRef>
+          <a:effectRef idx="0">
+            <a:schemeClr val="accent1"/>
+          </a:effectRef>
+          <a:fontRef idx="minor">
+            <a:schemeClr val="lt1"/>
+          </a:fontRef>
+        </p:style>
+        <p:txBody>
+          <a:bodyPr rtlCol="0" anchor="ctr"/>
+          <a:lstStyle/>
+          <a:p>
+            <a:pPr algn="ctr"/>
+            <a:endParaRPr lang="ko-KR" altLang="en-US" dirty="0"/>
+          </a:p>
+        </p:txBody>
+      </p:sp>
+      <p:graphicFrame>
+        <p:nvGraphicFramePr>
+          <p:cNvPr id="5" name="표 4"/>
+          <p:cNvGraphicFramePr>
+            <a:graphicFrameLocks noGrp="1"/>
+          </p:cNvGraphicFramePr>
+          <p:nvPr>
+            <p:extLst>
+              <p:ext uri="{D42A27DB-BD31-4B8C-83A1-F6EECF244321}">
+                <p14:modId xmlns:p14="http://schemas.microsoft.com/office/powerpoint/2010/main" val="616815957"/>
+              </p:ext>
+            </p:extLst>
+          </p:nvPr>
+        </p:nvGraphicFramePr>
+        <p:xfrm>
+          <a:off x="6392332" y="719664"/>
+          <a:ext cx="4174068" cy="4445001"/>
+        </p:xfrm>
+        <a:graphic>
+          <a:graphicData uri="http://schemas.openxmlformats.org/drawingml/2006/table">
+            <a:tbl>
+              <a:tblPr>
+                <a:tableStyleId>{073A0DAA-6AF3-43AB-8588-CEC1D06C72B9}</a:tableStyleId>
+              </a:tblPr>
+              <a:tblGrid>
+                <a:gridCol w="2087034"/>
+                <a:gridCol w="2087034"/>
+              </a:tblGrid>
+              <a:tr h="732867">
+                <a:tc>
+                  <a:txBody>
+                    <a:bodyPr/>
+                    <a:lstStyle/>
+                    <a:p>
+                      <a:pPr algn="ctr" latinLnBrk="1"/>
+                      <a:r>
+                        <a:rPr lang="ko-KR" altLang="en-US" dirty="0" smtClean="0"/>
+                        <a:t>구분</a:t>
+                      </a:r>
+                      <a:endParaRPr lang="ko-KR" altLang="en-US" dirty="0"/>
+                    </a:p>
+                  </a:txBody>
+                  <a:tcPr anchor="ctr">
+                    <a:solidFill>
+                      <a:schemeClr val="tx1">
+                        <a:lumMod val="50000"/>
+                        <a:lumOff val="50000"/>
+                      </a:schemeClr>
+                    </a:solidFill>
+                  </a:tcPr>
+                </a:tc>
+                <a:tc>
+                  <a:txBody>
+                    <a:bodyPr/>
+                    <a:lstStyle/>
+                    <a:p>
+                      <a:pPr algn="ctr" latinLnBrk="1"/>
+                      <a:r>
+                        <a:rPr lang="ko-KR" altLang="en-US" dirty="0" smtClean="0"/>
+                        <a:t>내용</a:t>
+                      </a:r>
+                      <a:endParaRPr lang="ko-KR" altLang="en-US" dirty="0"/>
+                    </a:p>
+                  </a:txBody>
+                  <a:tcPr anchor="ctr">
+                    <a:solidFill>
+                      <a:schemeClr val="tx1">
+                        <a:lumMod val="50000"/>
+                        <a:lumOff val="50000"/>
+                      </a:schemeClr>
+                    </a:solidFill>
+                  </a:tcPr>
+                </a:tc>
+              </a:tr>
+              <a:tr h="1109049">
+                <a:tc>
+                  <a:txBody>
+                    <a:bodyPr/>
+                    <a:lstStyle/>
+                    <a:p>
+                      <a:pPr algn="ctr" latinLnBrk="1"/>
+                      <a:r>
+                        <a:rPr lang="ko-KR" altLang="en-US" dirty="0" smtClean="0"/>
+                        <a:t>화면 번호</a:t>
+                      </a:r>
+                      <a:r>
+                        <a:rPr lang="en-US" altLang="ko-KR" dirty="0" smtClean="0"/>
+                        <a:t/>
+                      </a:r>
+                      <a:br>
+                        <a:rPr lang="en-US" altLang="ko-KR" dirty="0" smtClean="0"/>
+                      </a:br>
+                      <a:r>
+                        <a:rPr lang="en-US" altLang="ko-KR" dirty="0" smtClean="0"/>
+                        <a:t>(</a:t>
+                      </a:r>
+                      <a:r>
+                        <a:rPr lang="ko-KR" altLang="en-US" dirty="0" smtClean="0"/>
+                        <a:t>상점 화면</a:t>
+                      </a:r>
+                      <a:r>
+                        <a:rPr lang="en-US" altLang="ko-KR" dirty="0" smtClean="0"/>
+                        <a:t>-</a:t>
+                      </a:r>
+                      <a:r>
+                        <a:rPr lang="ko-KR" altLang="en-US" dirty="0" smtClean="0"/>
+                        <a:t>열쇠</a:t>
+                      </a:r>
+                      <a:r>
+                        <a:rPr lang="en-US" altLang="ko-KR" dirty="0" smtClean="0"/>
+                        <a:t>)</a:t>
+                      </a:r>
+                      <a:endParaRPr lang="ko-KR" altLang="en-US" dirty="0"/>
+                    </a:p>
+                  </a:txBody>
+                  <a:tcPr anchor="ctr"/>
+                </a:tc>
+                <a:tc>
+                  <a:txBody>
+                    <a:bodyPr/>
+                    <a:lstStyle/>
+                    <a:p>
+                      <a:pPr algn="ctr" latinLnBrk="1"/>
+                      <a:r>
+                        <a:rPr lang="en-US" altLang="ko-KR" dirty="0" smtClean="0"/>
+                        <a:t>08-01-01</a:t>
+                      </a:r>
+                      <a:endParaRPr lang="ko-KR" altLang="en-US" dirty="0"/>
+                    </a:p>
+                  </a:txBody>
+                  <a:tcPr anchor="ctr"/>
+                </a:tc>
+              </a:tr>
+              <a:tr h="1165428">
+                <a:tc>
+                  <a:txBody>
+                    <a:bodyPr/>
+                    <a:lstStyle/>
+                    <a:p>
+                      <a:pPr algn="ctr" latinLnBrk="1"/>
+                      <a:r>
+                        <a:rPr lang="en-US" altLang="ko-KR" dirty="0" smtClean="0"/>
+                        <a:t>btn01</a:t>
+                      </a:r>
+                      <a:endParaRPr lang="ko-KR" altLang="en-US" dirty="0"/>
+                    </a:p>
+                  </a:txBody>
+                  <a:tcPr anchor="ctr"/>
+                </a:tc>
+                <a:tc>
+                  <a:txBody>
+                    <a:bodyPr/>
+                    <a:lstStyle/>
+                    <a:p>
+                      <a:pPr algn="ctr" latinLnBrk="1"/>
+                      <a:endParaRPr lang="ko-KR" altLang="en-US" dirty="0"/>
+                    </a:p>
+                  </a:txBody>
+                  <a:tcPr anchor="ctr"/>
+                </a:tc>
+              </a:tr>
+              <a:tr h="1437657">
+                <a:tc>
+                  <a:txBody>
+                    <a:bodyPr/>
+                    <a:lstStyle/>
+                    <a:p>
+                      <a:pPr algn="ctr" latinLnBrk="1"/>
+                      <a:endParaRPr lang="ko-KR" altLang="en-US" dirty="0"/>
+                    </a:p>
+                  </a:txBody>
+                  <a:tcPr anchor="ctr"/>
+                </a:tc>
+                <a:tc>
+                  <a:txBody>
+                    <a:bodyPr/>
+                    <a:lstStyle/>
+                    <a:p>
+                      <a:pPr algn="ctr" latinLnBrk="1"/>
+                      <a:endParaRPr lang="ko-KR" altLang="en-US" dirty="0"/>
+                    </a:p>
+                  </a:txBody>
+                  <a:tcPr anchor="ctr"/>
+                </a:tc>
+              </a:tr>
+            </a:tbl>
+          </a:graphicData>
+        </a:graphic>
+      </p:graphicFrame>
+      <p:sp>
+        <p:nvSpPr>
+          <p:cNvPr id="15" name="직사각형 14"/>
+          <p:cNvSpPr/>
+          <p:nvPr/>
+        </p:nvSpPr>
+        <p:spPr>
+          <a:xfrm>
+            <a:off x="1168400" y="5858937"/>
+            <a:ext cx="4267200" cy="575734"/>
+          </a:xfrm>
+          <a:prstGeom prst="rect">
+            <a:avLst/>
+          </a:prstGeom>
+        </p:spPr>
+        <p:style>
+          <a:lnRef idx="2">
+            <a:schemeClr val="accent1">
+              <a:shade val="50000"/>
+            </a:schemeClr>
+          </a:lnRef>
+          <a:fillRef idx="1">
+            <a:schemeClr val="accent1"/>
+          </a:fillRef>
+          <a:effectRef idx="0">
+            <a:schemeClr val="accent1"/>
+          </a:effectRef>
+          <a:fontRef idx="minor">
+            <a:schemeClr val="lt1"/>
+          </a:fontRef>
+        </p:style>
+        <p:txBody>
+          <a:bodyPr rtlCol="0" anchor="ctr"/>
+          <a:lstStyle/>
+          <a:p>
+            <a:pPr algn="ctr"/>
+            <a:r>
+              <a:rPr lang="ko-KR" altLang="en-US" dirty="0" smtClean="0"/>
+              <a:t>광   고</a:t>
+            </a:r>
+            <a:endParaRPr lang="ko-KR" altLang="en-US" dirty="0"/>
+          </a:p>
+        </p:txBody>
+      </p:sp>
+      <p:sp>
+        <p:nvSpPr>
+          <p:cNvPr id="6" name="모서리가 둥근 직사각형 5"/>
+          <p:cNvSpPr/>
+          <p:nvPr/>
+        </p:nvSpPr>
+        <p:spPr>
+          <a:xfrm>
+            <a:off x="1278467" y="1583267"/>
+            <a:ext cx="1134534" cy="812800"/>
+          </a:xfrm>
+          <a:prstGeom prst="roundRect">
+            <a:avLst/>
+          </a:prstGeom>
+        </p:spPr>
+        <p:style>
+          <a:lnRef idx="2">
+            <a:schemeClr val="accent1">
+              <a:shade val="50000"/>
+            </a:schemeClr>
+          </a:lnRef>
+          <a:fillRef idx="1">
+            <a:schemeClr val="accent1"/>
+          </a:fillRef>
+          <a:effectRef idx="0">
+            <a:schemeClr val="accent1"/>
+          </a:effectRef>
+          <a:fontRef idx="minor">
+            <a:schemeClr val="lt1"/>
+          </a:fontRef>
+        </p:style>
+        <p:txBody>
+          <a:bodyPr rtlCol="0" anchor="ctr"/>
+          <a:lstStyle/>
+          <a:p>
+            <a:pPr algn="ctr"/>
+            <a:r>
+              <a:rPr lang="ko-KR" altLang="en-US" dirty="0" smtClean="0"/>
+              <a:t>열쇠</a:t>
+            </a:r>
+            <a:r>
+              <a:rPr lang="en-US" altLang="ko-KR" dirty="0" smtClean="0"/>
+              <a:t>X3</a:t>
+            </a:r>
+          </a:p>
+        </p:txBody>
+      </p:sp>
+      <p:sp>
+        <p:nvSpPr>
+          <p:cNvPr id="49" name="모서리가 둥근 직사각형 48"/>
+          <p:cNvSpPr/>
+          <p:nvPr/>
+        </p:nvSpPr>
+        <p:spPr>
+          <a:xfrm>
+            <a:off x="4013200" y="1583267"/>
+            <a:ext cx="1134534" cy="812800"/>
+          </a:xfrm>
+          <a:prstGeom prst="roundRect">
+            <a:avLst/>
+          </a:prstGeom>
+        </p:spPr>
+        <p:style>
+          <a:lnRef idx="2">
+            <a:schemeClr val="accent1">
+              <a:shade val="50000"/>
+            </a:schemeClr>
+          </a:lnRef>
+          <a:fillRef idx="1">
+            <a:schemeClr val="accent1"/>
+          </a:fillRef>
+          <a:effectRef idx="0">
+            <a:schemeClr val="accent1"/>
+          </a:effectRef>
+          <a:fontRef idx="minor">
+            <a:schemeClr val="lt1"/>
+          </a:fontRef>
+        </p:style>
+        <p:txBody>
+          <a:bodyPr rtlCol="0" anchor="ctr"/>
+          <a:lstStyle/>
+          <a:p>
+            <a:pPr algn="ctr"/>
+            <a:r>
+              <a:rPr lang="ko-KR" altLang="en-US" dirty="0" smtClean="0">
+                <a:solidFill>
+                  <a:prstClr val="white"/>
+                </a:solidFill>
+              </a:rPr>
+              <a:t>열쇠</a:t>
+            </a:r>
+            <a:r>
+              <a:rPr lang="en-US" altLang="ko-KR" dirty="0" smtClean="0">
+                <a:solidFill>
+                  <a:prstClr val="white"/>
+                </a:solidFill>
+              </a:rPr>
+              <a:t>X10</a:t>
+            </a:r>
+            <a:endParaRPr lang="ko-KR" altLang="en-US" sz="700" dirty="0"/>
+          </a:p>
+        </p:txBody>
+      </p:sp>
+      <p:sp>
+        <p:nvSpPr>
+          <p:cNvPr id="50" name="모서리가 둥근 직사각형 49"/>
+          <p:cNvSpPr/>
+          <p:nvPr/>
+        </p:nvSpPr>
+        <p:spPr>
+          <a:xfrm>
+            <a:off x="2667001" y="1583267"/>
+            <a:ext cx="1134534" cy="812800"/>
+          </a:xfrm>
+          <a:prstGeom prst="roundRect">
+            <a:avLst/>
+          </a:prstGeom>
+        </p:spPr>
+        <p:style>
+          <a:lnRef idx="2">
+            <a:schemeClr val="accent1">
+              <a:shade val="50000"/>
+            </a:schemeClr>
+          </a:lnRef>
+          <a:fillRef idx="1">
+            <a:schemeClr val="accent1"/>
+          </a:fillRef>
+          <a:effectRef idx="0">
+            <a:schemeClr val="accent1"/>
+          </a:effectRef>
+          <a:fontRef idx="minor">
+            <a:schemeClr val="lt1"/>
+          </a:fontRef>
+        </p:style>
+        <p:txBody>
+          <a:bodyPr rtlCol="0" anchor="ctr"/>
+          <a:lstStyle/>
+          <a:p>
+            <a:pPr algn="ctr"/>
+            <a:r>
               <a:rPr lang="ko-KR" altLang="en-US" dirty="0" smtClean="0">
                 <a:solidFill>
                   <a:prstClr val="white"/>
@@ -10677,7 +12720,7 @@
 </p:sld>
 </file>
 
-<file path=ppt/slides/slide16.xml><?xml version="1.0" encoding="utf-8"?>
+<file path=ppt/slides/slide17.xml><?xml version="1.0" encoding="utf-8"?>
 <p:sld xmlns:a="http://schemas.openxmlformats.org/drawingml/2006/main" xmlns:r="http://schemas.openxmlformats.org/officeDocument/2006/relationships" xmlns:p="http://schemas.openxmlformats.org/presentationml/2006/main">
   <p:cSld>
     <p:spTree>
@@ -14760,7 +16803,7 @@
           <p:nvPr>
             <p:extLst>
               <p:ext uri="{D42A27DB-BD31-4B8C-83A1-F6EECF244321}">
-                <p14:modId xmlns:p14="http://schemas.microsoft.com/office/powerpoint/2010/main" val="1750770076"/>
+                <p14:modId xmlns:p14="http://schemas.microsoft.com/office/powerpoint/2010/main" val="3300985954"/>
               </p:ext>
             </p:extLst>
           </p:nvPr>
@@ -14868,7 +16911,7 @@
                       <a:pPr algn="ctr" latinLnBrk="1"/>
                       <a:r>
                         <a:rPr lang="en-US" altLang="ko-KR" dirty="0" smtClean="0"/>
-                        <a:t>04-01</a:t>
+                        <a:t>04-01-00</a:t>
                       </a:r>
                       <a:endParaRPr lang="ko-KR" altLang="en-US" dirty="0"/>
                     </a:p>
@@ -14915,17 +16958,25 @@
                     <a:lstStyle/>
                     <a:p>
                       <a:pPr algn="ctr" latinLnBrk="1"/>
-                      <a:endParaRPr lang="ko-KR" altLang="en-US" dirty="0"/>
-                    </a:p>
-                  </a:txBody>
-                  <a:tcPr anchor="ctr"/>
-                </a:tc>
-                <a:tc>
-                  <a:txBody>
-                    <a:bodyPr/>
-                    <a:lstStyle/>
-                    <a:p>
-                      <a:pPr algn="ctr" latinLnBrk="1"/>
+                      <a:r>
+                        <a:rPr lang="en-US" altLang="ko-KR" dirty="0" smtClean="0"/>
+                        <a:t>Btn04-02</a:t>
+                      </a:r>
+                      <a:endParaRPr lang="ko-KR" altLang="en-US" dirty="0"/>
+                    </a:p>
+                  </a:txBody>
+                  <a:tcPr anchor="ctr"/>
+                </a:tc>
+                <a:tc>
+                  <a:txBody>
+                    <a:bodyPr/>
+                    <a:lstStyle/>
+                    <a:p>
+                      <a:pPr algn="ctr" latinLnBrk="1"/>
+                      <a:r>
+                        <a:rPr lang="en-US" altLang="ko-KR" dirty="0" smtClean="0"/>
+                        <a:t>04-01-02</a:t>
+                      </a:r>
                       <a:endParaRPr lang="ko-KR" altLang="en-US" dirty="0"/>
                     </a:p>
                   </a:txBody>
@@ -14989,14 +17040,14 @@
           <p:nvPr>
             <p:extLst>
               <p:ext uri="{D42A27DB-BD31-4B8C-83A1-F6EECF244321}">
-                <p14:modId xmlns:p14="http://schemas.microsoft.com/office/powerpoint/2010/main" val="2162033997"/>
+                <p14:modId xmlns:p14="http://schemas.microsoft.com/office/powerpoint/2010/main" val="2492314350"/>
               </p:ext>
             </p:extLst>
           </p:nvPr>
         </p:nvGraphicFramePr>
         <p:xfrm>
           <a:off x="1168400" y="1498599"/>
-          <a:ext cx="4165600" cy="3387510"/>
+          <a:ext cx="4165600" cy="2419650"/>
         </p:xfrm>
         <a:graphic>
           <a:graphicData uri="http://schemas.openxmlformats.org/drawingml/2006/table">
@@ -15166,72 +17217,6 @@
                         <a:rPr lang="ko-KR" altLang="en-US" dirty="0" smtClean="0"/>
                         <a:t>계정등록</a:t>
                       </a:r>
-                      <a:endParaRPr lang="en-US" altLang="ko-KR" dirty="0" smtClean="0"/>
-                    </a:p>
-                  </a:txBody>
-                  <a:tcPr anchor="ctr"/>
-                </a:tc>
-              </a:tr>
-              <a:tr h="483930">
-                <a:tc gridSpan="2">
-                  <a:txBody>
-                    <a:bodyPr/>
-                    <a:lstStyle/>
-                    <a:p>
-                      <a:pPr marL="0" indent="0" algn="l" latinLnBrk="1">
-                        <a:buFontTx/>
-                        <a:buNone/>
-                      </a:pPr>
-                      <a:r>
-                        <a:rPr lang="en-US" altLang="ko-KR" dirty="0" smtClean="0"/>
-                        <a:t>    - Facebook</a:t>
-                      </a:r>
-                    </a:p>
-                  </a:txBody>
-                  <a:tcPr anchor="ctr"/>
-                </a:tc>
-                <a:tc hMerge="1">
-                  <a:txBody>
-                    <a:bodyPr/>
-                    <a:lstStyle/>
-                    <a:p>
-                      <a:pPr marL="285750" indent="-285750" algn="l" latinLnBrk="1">
-                        <a:buFontTx/>
-                        <a:buChar char="-"/>
-                      </a:pPr>
-                      <a:endParaRPr lang="en-US" altLang="ko-KR" dirty="0" smtClean="0"/>
-                    </a:p>
-                  </a:txBody>
-                  <a:tcPr anchor="ctr"/>
-                </a:tc>
-              </a:tr>
-              <a:tr h="483930">
-                <a:tc gridSpan="2">
-                  <a:txBody>
-                    <a:bodyPr/>
-                    <a:lstStyle/>
-                    <a:p>
-                      <a:pPr marL="0" indent="0" algn="l" latinLnBrk="1">
-                        <a:buFontTx/>
-                        <a:buNone/>
-                      </a:pPr>
-                      <a:r>
-                        <a:rPr lang="en-US" altLang="ko-KR" dirty="0" smtClean="0"/>
-                        <a:t>    - Google+</a:t>
-                      </a:r>
-                    </a:p>
-                  </a:txBody>
-                  <a:tcPr anchor="ctr"/>
-                </a:tc>
-                <a:tc hMerge="1">
-                  <a:txBody>
-                    <a:bodyPr/>
-                    <a:lstStyle/>
-                    <a:p>
-                      <a:pPr marL="285750" indent="-285750" algn="l" latinLnBrk="1">
-                        <a:buFontTx/>
-                        <a:buChar char="-"/>
-                      </a:pPr>
                       <a:endParaRPr lang="en-US" altLang="ko-KR" dirty="0" smtClean="0"/>
                     </a:p>
                   </a:txBody>
@@ -15274,97 +17259,14 @@
       </p:sp>
       <p:sp>
         <p:nvSpPr>
-          <p:cNvPr id="8" name="직사각형 7"/>
-          <p:cNvSpPr/>
-          <p:nvPr/>
-        </p:nvSpPr>
-        <p:spPr>
-          <a:xfrm>
-            <a:off x="4674353" y="4579208"/>
-            <a:ext cx="329448" cy="245534"/>
-          </a:xfrm>
-          <a:prstGeom prst="rect">
-            <a:avLst/>
-          </a:prstGeom>
-        </p:spPr>
-        <p:style>
-          <a:lnRef idx="2">
-            <a:schemeClr val="accent1">
-              <a:shade val="50000"/>
-            </a:schemeClr>
-          </a:lnRef>
-          <a:fillRef idx="1">
-            <a:schemeClr val="accent1"/>
-          </a:fillRef>
-          <a:effectRef idx="0">
-            <a:schemeClr val="accent1"/>
-          </a:effectRef>
-          <a:fontRef idx="minor">
-            <a:schemeClr val="lt1"/>
-          </a:fontRef>
-        </p:style>
-        <p:txBody>
-          <a:bodyPr rtlCol="0" anchor="ctr"/>
-          <a:lstStyle/>
-          <a:p>
-            <a:pPr algn="ctr"/>
-            <a:endParaRPr lang="ko-KR" altLang="en-US"/>
-          </a:p>
-        </p:txBody>
-      </p:sp>
-      <p:sp>
-        <p:nvSpPr>
-          <p:cNvPr id="9" name="직사각형 8"/>
-          <p:cNvSpPr/>
-          <p:nvPr/>
-        </p:nvSpPr>
-        <p:spPr>
-          <a:xfrm>
-            <a:off x="4343400" y="4570742"/>
-            <a:ext cx="330952" cy="254000"/>
-          </a:xfrm>
-          <a:prstGeom prst="rect">
-            <a:avLst/>
-          </a:prstGeom>
-          <a:solidFill>
-            <a:schemeClr val="accent2"/>
-          </a:solidFill>
-        </p:spPr>
-        <p:style>
-          <a:lnRef idx="2">
-            <a:schemeClr val="accent1">
-              <a:shade val="50000"/>
-            </a:schemeClr>
-          </a:lnRef>
-          <a:fillRef idx="1">
-            <a:schemeClr val="accent1"/>
-          </a:fillRef>
-          <a:effectRef idx="0">
-            <a:schemeClr val="accent1"/>
-          </a:effectRef>
-          <a:fontRef idx="minor">
-            <a:schemeClr val="lt1"/>
-          </a:fontRef>
-        </p:style>
-        <p:txBody>
-          <a:bodyPr rtlCol="0" anchor="ctr"/>
-          <a:lstStyle/>
-          <a:p>
-            <a:pPr algn="ctr"/>
-            <a:endParaRPr lang="ko-KR" altLang="en-US"/>
-          </a:p>
-        </p:txBody>
-      </p:sp>
-      <p:sp>
-        <p:nvSpPr>
-          <p:cNvPr id="10" name="TextBox 9"/>
+          <p:cNvPr id="6" name="TextBox 5"/>
           <p:cNvSpPr txBox="1"/>
           <p:nvPr/>
         </p:nvSpPr>
         <p:spPr>
           <a:xfrm>
-            <a:off x="4610719" y="4559242"/>
-            <a:ext cx="406532" cy="276999"/>
+            <a:off x="2794000" y="3505200"/>
+            <a:ext cx="1136850" cy="369332"/>
           </a:xfrm>
           <a:prstGeom prst="rect">
             <a:avLst/>
@@ -15372,189 +17274,16 @@
           <a:noFill/>
         </p:spPr>
         <p:txBody>
-          <a:bodyPr wrap="square" rtlCol="0">
+          <a:bodyPr wrap="none" rtlCol="0">
             <a:spAutoFit/>
           </a:bodyPr>
           <a:lstStyle/>
           <a:p>
             <a:r>
-              <a:rPr lang="en-US" altLang="ko-KR" sz="1200" dirty="0" smtClean="0"/>
-              <a:t>Off</a:t>
+              <a:rPr lang="en-US" altLang="ko-KR" dirty="0" smtClean="0"/>
+              <a:t>btn04-02</a:t>
             </a:r>
-            <a:endParaRPr lang="ko-KR" altLang="en-US" sz="1200" dirty="0"/>
-          </a:p>
-        </p:txBody>
-      </p:sp>
-      <p:sp>
-        <p:nvSpPr>
-          <p:cNvPr id="11" name="TextBox 10"/>
-          <p:cNvSpPr txBox="1"/>
-          <p:nvPr/>
-        </p:nvSpPr>
-        <p:spPr>
-          <a:xfrm>
-            <a:off x="4318847" y="4582326"/>
-            <a:ext cx="380058" cy="230832"/>
-          </a:xfrm>
-          <a:prstGeom prst="rect">
-            <a:avLst/>
-          </a:prstGeom>
-          <a:noFill/>
-        </p:spPr>
-        <p:txBody>
-          <a:bodyPr wrap="square" rtlCol="0">
-            <a:spAutoFit/>
-          </a:bodyPr>
-          <a:lstStyle/>
-          <a:p>
-            <a:r>
-              <a:rPr lang="en-US" altLang="ko-KR" sz="900" dirty="0" smtClean="0"/>
-              <a:t>On</a:t>
-            </a:r>
-            <a:endParaRPr lang="ko-KR" altLang="en-US" sz="900" dirty="0"/>
-          </a:p>
-        </p:txBody>
-      </p:sp>
-      <p:sp>
-        <p:nvSpPr>
-          <p:cNvPr id="12" name="직사각형 11"/>
-          <p:cNvSpPr/>
-          <p:nvPr/>
-        </p:nvSpPr>
-        <p:spPr>
-          <a:xfrm>
-            <a:off x="4660903" y="4071208"/>
-            <a:ext cx="329448" cy="245534"/>
-          </a:xfrm>
-          <a:prstGeom prst="rect">
-            <a:avLst/>
-          </a:prstGeom>
-        </p:spPr>
-        <p:style>
-          <a:lnRef idx="2">
-            <a:schemeClr val="accent1">
-              <a:shade val="50000"/>
-            </a:schemeClr>
-          </a:lnRef>
-          <a:fillRef idx="1">
-            <a:schemeClr val="accent1"/>
-          </a:fillRef>
-          <a:effectRef idx="0">
-            <a:schemeClr val="accent1"/>
-          </a:effectRef>
-          <a:fontRef idx="minor">
-            <a:schemeClr val="lt1"/>
-          </a:fontRef>
-        </p:style>
-        <p:txBody>
-          <a:bodyPr rtlCol="0" anchor="ctr"/>
-          <a:lstStyle/>
-          <a:p>
-            <a:pPr algn="ctr"/>
-            <a:endParaRPr lang="ko-KR" altLang="en-US"/>
-          </a:p>
-        </p:txBody>
-      </p:sp>
-      <p:sp>
-        <p:nvSpPr>
-          <p:cNvPr id="13" name="직사각형 12"/>
-          <p:cNvSpPr/>
-          <p:nvPr/>
-        </p:nvSpPr>
-        <p:spPr>
-          <a:xfrm>
-            <a:off x="4329950" y="4062742"/>
-            <a:ext cx="330952" cy="254000"/>
-          </a:xfrm>
-          <a:prstGeom prst="rect">
-            <a:avLst/>
-          </a:prstGeom>
-          <a:solidFill>
-            <a:schemeClr val="accent2"/>
-          </a:solidFill>
-        </p:spPr>
-        <p:style>
-          <a:lnRef idx="2">
-            <a:schemeClr val="accent1">
-              <a:shade val="50000"/>
-            </a:schemeClr>
-          </a:lnRef>
-          <a:fillRef idx="1">
-            <a:schemeClr val="accent1"/>
-          </a:fillRef>
-          <a:effectRef idx="0">
-            <a:schemeClr val="accent1"/>
-          </a:effectRef>
-          <a:fontRef idx="minor">
-            <a:schemeClr val="lt1"/>
-          </a:fontRef>
-        </p:style>
-        <p:txBody>
-          <a:bodyPr rtlCol="0" anchor="ctr"/>
-          <a:lstStyle/>
-          <a:p>
-            <a:pPr algn="ctr"/>
-            <a:endParaRPr lang="ko-KR" altLang="en-US"/>
-          </a:p>
-        </p:txBody>
-      </p:sp>
-      <p:sp>
-        <p:nvSpPr>
-          <p:cNvPr id="14" name="TextBox 13"/>
-          <p:cNvSpPr txBox="1"/>
-          <p:nvPr/>
-        </p:nvSpPr>
-        <p:spPr>
-          <a:xfrm>
-            <a:off x="4597269" y="4051242"/>
-            <a:ext cx="406532" cy="276999"/>
-          </a:xfrm>
-          <a:prstGeom prst="rect">
-            <a:avLst/>
-          </a:prstGeom>
-          <a:noFill/>
-        </p:spPr>
-        <p:txBody>
-          <a:bodyPr wrap="square" rtlCol="0">
-            <a:spAutoFit/>
-          </a:bodyPr>
-          <a:lstStyle/>
-          <a:p>
-            <a:r>
-              <a:rPr lang="en-US" altLang="ko-KR" sz="1200" dirty="0" smtClean="0"/>
-              <a:t>Off</a:t>
-            </a:r>
-            <a:endParaRPr lang="ko-KR" altLang="en-US" sz="1200" dirty="0"/>
-          </a:p>
-        </p:txBody>
-      </p:sp>
-      <p:sp>
-        <p:nvSpPr>
-          <p:cNvPr id="16" name="TextBox 15"/>
-          <p:cNvSpPr txBox="1"/>
-          <p:nvPr/>
-        </p:nvSpPr>
-        <p:spPr>
-          <a:xfrm>
-            <a:off x="4305397" y="4074326"/>
-            <a:ext cx="380058" cy="230832"/>
-          </a:xfrm>
-          <a:prstGeom prst="rect">
-            <a:avLst/>
-          </a:prstGeom>
-          <a:noFill/>
-        </p:spPr>
-        <p:txBody>
-          <a:bodyPr wrap="square" rtlCol="0">
-            <a:spAutoFit/>
-          </a:bodyPr>
-          <a:lstStyle/>
-          <a:p>
-            <a:r>
-              <a:rPr lang="en-US" altLang="ko-KR" sz="900" dirty="0" smtClean="0"/>
-              <a:t>On</a:t>
-            </a:r>
-            <a:endParaRPr lang="ko-KR" altLang="en-US" sz="900" dirty="0"/>
+            <a:endParaRPr lang="ko-KR" altLang="en-US" dirty="0"/>
           </a:p>
         </p:txBody>
       </p:sp>
@@ -16219,6 +17948,705 @@
 </file>
 
 <file path=ppt/slides/slide7.xml><?xml version="1.0" encoding="utf-8"?>
+<p:sld xmlns:a="http://schemas.openxmlformats.org/drawingml/2006/main" xmlns:r="http://schemas.openxmlformats.org/officeDocument/2006/relationships" xmlns:p="http://schemas.openxmlformats.org/presentationml/2006/main">
+  <p:cSld>
+    <p:spTree>
+      <p:nvGrpSpPr>
+        <p:cNvPr id="1" name=""/>
+        <p:cNvGrpSpPr/>
+        <p:nvPr/>
+      </p:nvGrpSpPr>
+      <p:grpSpPr>
+        <a:xfrm>
+          <a:off x="0" y="0"/>
+          <a:ext cx="0" cy="0"/>
+          <a:chOff x="0" y="0"/>
+          <a:chExt cx="0" cy="0"/>
+        </a:xfrm>
+      </p:grpSpPr>
+      <p:sp>
+        <p:nvSpPr>
+          <p:cNvPr id="4" name="직사각형 3"/>
+          <p:cNvSpPr/>
+          <p:nvPr/>
+        </p:nvSpPr>
+        <p:spPr>
+          <a:xfrm>
+            <a:off x="863600" y="313263"/>
+            <a:ext cx="4826000" cy="6197600"/>
+          </a:xfrm>
+          <a:prstGeom prst="rect">
+            <a:avLst/>
+          </a:prstGeom>
+          <a:solidFill>
+            <a:schemeClr val="bg1"/>
+          </a:solidFill>
+          <a:ln>
+            <a:solidFill>
+              <a:schemeClr val="tx1"/>
+            </a:solidFill>
+          </a:ln>
+        </p:spPr>
+        <p:style>
+          <a:lnRef idx="2">
+            <a:schemeClr val="accent1">
+              <a:shade val="50000"/>
+            </a:schemeClr>
+          </a:lnRef>
+          <a:fillRef idx="1">
+            <a:schemeClr val="accent1"/>
+          </a:fillRef>
+          <a:effectRef idx="0">
+            <a:schemeClr val="accent1"/>
+          </a:effectRef>
+          <a:fontRef idx="minor">
+            <a:schemeClr val="lt1"/>
+          </a:fontRef>
+        </p:style>
+        <p:txBody>
+          <a:bodyPr rtlCol="0" anchor="ctr"/>
+          <a:lstStyle/>
+          <a:p>
+            <a:pPr algn="ctr"/>
+            <a:endParaRPr lang="ko-KR" altLang="en-US" dirty="0"/>
+          </a:p>
+        </p:txBody>
+      </p:sp>
+      <p:graphicFrame>
+        <p:nvGraphicFramePr>
+          <p:cNvPr id="5" name="표 4"/>
+          <p:cNvGraphicFramePr>
+            <a:graphicFrameLocks noGrp="1"/>
+          </p:cNvGraphicFramePr>
+          <p:nvPr>
+            <p:extLst>
+              <p:ext uri="{D42A27DB-BD31-4B8C-83A1-F6EECF244321}">
+                <p14:modId xmlns:p14="http://schemas.microsoft.com/office/powerpoint/2010/main" val="443630905"/>
+              </p:ext>
+            </p:extLst>
+          </p:nvPr>
+        </p:nvGraphicFramePr>
+        <p:xfrm>
+          <a:off x="6392332" y="719664"/>
+          <a:ext cx="4174068" cy="4445001"/>
+        </p:xfrm>
+        <a:graphic>
+          <a:graphicData uri="http://schemas.openxmlformats.org/drawingml/2006/table">
+            <a:tbl>
+              <a:tblPr>
+                <a:tableStyleId>{073A0DAA-6AF3-43AB-8588-CEC1D06C72B9}</a:tableStyleId>
+              </a:tblPr>
+              <a:tblGrid>
+                <a:gridCol w="2087034"/>
+                <a:gridCol w="2087034"/>
+              </a:tblGrid>
+              <a:tr h="732867">
+                <a:tc>
+                  <a:txBody>
+                    <a:bodyPr/>
+                    <a:lstStyle/>
+                    <a:p>
+                      <a:pPr algn="ctr" latinLnBrk="1"/>
+                      <a:r>
+                        <a:rPr lang="ko-KR" altLang="en-US" dirty="0" smtClean="0"/>
+                        <a:t>구분</a:t>
+                      </a:r>
+                      <a:endParaRPr lang="ko-KR" altLang="en-US" dirty="0"/>
+                    </a:p>
+                  </a:txBody>
+                  <a:tcPr anchor="ctr">
+                    <a:solidFill>
+                      <a:schemeClr val="tx1">
+                        <a:lumMod val="50000"/>
+                        <a:lumOff val="50000"/>
+                      </a:schemeClr>
+                    </a:solidFill>
+                  </a:tcPr>
+                </a:tc>
+                <a:tc>
+                  <a:txBody>
+                    <a:bodyPr/>
+                    <a:lstStyle/>
+                    <a:p>
+                      <a:pPr algn="ctr" latinLnBrk="1"/>
+                      <a:r>
+                        <a:rPr lang="ko-KR" altLang="en-US" dirty="0" smtClean="0"/>
+                        <a:t>내용</a:t>
+                      </a:r>
+                      <a:endParaRPr lang="ko-KR" altLang="en-US" dirty="0"/>
+                    </a:p>
+                  </a:txBody>
+                  <a:tcPr anchor="ctr">
+                    <a:solidFill>
+                      <a:schemeClr val="tx1">
+                        <a:lumMod val="50000"/>
+                        <a:lumOff val="50000"/>
+                      </a:schemeClr>
+                    </a:solidFill>
+                  </a:tcPr>
+                </a:tc>
+              </a:tr>
+              <a:tr h="1109049">
+                <a:tc>
+                  <a:txBody>
+                    <a:bodyPr/>
+                    <a:lstStyle/>
+                    <a:p>
+                      <a:pPr algn="ctr" latinLnBrk="1"/>
+                      <a:r>
+                        <a:rPr lang="ko-KR" altLang="en-US" dirty="0" smtClean="0"/>
+                        <a:t>화면 번호</a:t>
+                      </a:r>
+                      <a:r>
+                        <a:rPr lang="en-US" altLang="ko-KR" dirty="0" smtClean="0"/>
+                        <a:t/>
+                      </a:r>
+                      <a:br>
+                        <a:rPr lang="en-US" altLang="ko-KR" dirty="0" smtClean="0"/>
+                      </a:br>
+                      <a:r>
+                        <a:rPr lang="en-US" altLang="ko-KR" dirty="0" smtClean="0"/>
+                        <a:t>(</a:t>
+                      </a:r>
+                      <a:r>
+                        <a:rPr lang="ko-KR" altLang="en-US" dirty="0" smtClean="0"/>
+                        <a:t>도움말</a:t>
+                      </a:r>
+                      <a:r>
+                        <a:rPr lang="en-US" altLang="ko-KR" dirty="0" smtClean="0"/>
+                        <a:t>)</a:t>
+                      </a:r>
+                      <a:endParaRPr lang="ko-KR" altLang="en-US" dirty="0"/>
+                    </a:p>
+                  </a:txBody>
+                  <a:tcPr anchor="ctr"/>
+                </a:tc>
+                <a:tc>
+                  <a:txBody>
+                    <a:bodyPr/>
+                    <a:lstStyle/>
+                    <a:p>
+                      <a:pPr algn="ctr" latinLnBrk="1"/>
+                      <a:r>
+                        <a:rPr lang="en-US" altLang="ko-KR" dirty="0" smtClean="0"/>
+                        <a:t>04-01-02</a:t>
+                      </a:r>
+                      <a:endParaRPr lang="ko-KR" altLang="en-US" dirty="0"/>
+                    </a:p>
+                  </a:txBody>
+                  <a:tcPr anchor="ctr"/>
+                </a:tc>
+              </a:tr>
+              <a:tr h="1165428">
+                <a:tc>
+                  <a:txBody>
+                    <a:bodyPr/>
+                    <a:lstStyle/>
+                    <a:p>
+                      <a:pPr algn="ctr" latinLnBrk="1"/>
+                      <a:r>
+                        <a:rPr lang="en-US" altLang="ko-KR" dirty="0" smtClean="0"/>
+                        <a:t>Btn04-01</a:t>
+                      </a:r>
+                      <a:endParaRPr lang="ko-KR" altLang="en-US" dirty="0"/>
+                    </a:p>
+                  </a:txBody>
+                  <a:tcPr anchor="ctr"/>
+                </a:tc>
+                <a:tc>
+                  <a:txBody>
+                    <a:bodyPr/>
+                    <a:lstStyle/>
+                    <a:p>
+                      <a:pPr algn="ctr" latinLnBrk="1"/>
+                      <a:r>
+                        <a:rPr lang="en-US" altLang="ko-KR" dirty="0" smtClean="0"/>
+                        <a:t>04-01-01</a:t>
+                      </a:r>
+                      <a:endParaRPr lang="ko-KR" altLang="en-US" dirty="0"/>
+                    </a:p>
+                  </a:txBody>
+                  <a:tcPr anchor="ctr"/>
+                </a:tc>
+              </a:tr>
+              <a:tr h="1437657">
+                <a:tc>
+                  <a:txBody>
+                    <a:bodyPr/>
+                    <a:lstStyle/>
+                    <a:p>
+                      <a:pPr algn="ctr" latinLnBrk="1"/>
+                      <a:endParaRPr lang="ko-KR" altLang="en-US" dirty="0"/>
+                    </a:p>
+                  </a:txBody>
+                  <a:tcPr anchor="ctr"/>
+                </a:tc>
+                <a:tc>
+                  <a:txBody>
+                    <a:bodyPr/>
+                    <a:lstStyle/>
+                    <a:p>
+                      <a:pPr algn="ctr" latinLnBrk="1"/>
+                      <a:endParaRPr lang="ko-KR" altLang="en-US" dirty="0"/>
+                    </a:p>
+                  </a:txBody>
+                  <a:tcPr anchor="ctr"/>
+                </a:tc>
+              </a:tr>
+            </a:tbl>
+          </a:graphicData>
+        </a:graphic>
+      </p:graphicFrame>
+      <p:sp>
+        <p:nvSpPr>
+          <p:cNvPr id="15" name="직사각형 14"/>
+          <p:cNvSpPr/>
+          <p:nvPr/>
+        </p:nvSpPr>
+        <p:spPr>
+          <a:xfrm>
+            <a:off x="1168400" y="5858937"/>
+            <a:ext cx="4267200" cy="575734"/>
+          </a:xfrm>
+          <a:prstGeom prst="rect">
+            <a:avLst/>
+          </a:prstGeom>
+        </p:spPr>
+        <p:style>
+          <a:lnRef idx="2">
+            <a:schemeClr val="accent1">
+              <a:shade val="50000"/>
+            </a:schemeClr>
+          </a:lnRef>
+          <a:fillRef idx="1">
+            <a:schemeClr val="accent1"/>
+          </a:fillRef>
+          <a:effectRef idx="0">
+            <a:schemeClr val="accent1"/>
+          </a:effectRef>
+          <a:fontRef idx="minor">
+            <a:schemeClr val="lt1"/>
+          </a:fontRef>
+        </p:style>
+        <p:txBody>
+          <a:bodyPr rtlCol="0" anchor="ctr"/>
+          <a:lstStyle/>
+          <a:p>
+            <a:pPr algn="ctr"/>
+            <a:r>
+              <a:rPr lang="ko-KR" altLang="en-US" dirty="0" smtClean="0"/>
+              <a:t>광   고</a:t>
+            </a:r>
+            <a:endParaRPr lang="ko-KR" altLang="en-US" dirty="0"/>
+          </a:p>
+        </p:txBody>
+      </p:sp>
+      <p:graphicFrame>
+        <p:nvGraphicFramePr>
+          <p:cNvPr id="2" name="표 1"/>
+          <p:cNvGraphicFramePr>
+            <a:graphicFrameLocks noGrp="1"/>
+          </p:cNvGraphicFramePr>
+          <p:nvPr>
+            <p:extLst>
+              <p:ext uri="{D42A27DB-BD31-4B8C-83A1-F6EECF244321}">
+                <p14:modId xmlns:p14="http://schemas.microsoft.com/office/powerpoint/2010/main" val="646949745"/>
+              </p:ext>
+            </p:extLst>
+          </p:nvPr>
+        </p:nvGraphicFramePr>
+        <p:xfrm>
+          <a:off x="1168400" y="1498599"/>
+          <a:ext cx="4165600" cy="967860"/>
+        </p:xfrm>
+        <a:graphic>
+          <a:graphicData uri="http://schemas.openxmlformats.org/drawingml/2006/table">
+            <a:tbl>
+              <a:tblPr bandRow="1">
+                <a:tableStyleId>{5C22544A-7EE6-4342-B048-85BDC9FD1C3A}</a:tableStyleId>
+              </a:tblPr>
+              <a:tblGrid>
+                <a:gridCol w="4165600"/>
+              </a:tblGrid>
+              <a:tr h="483930">
+                <a:tc>
+                  <a:txBody>
+                    <a:bodyPr/>
+                    <a:lstStyle/>
+                    <a:p>
+                      <a:pPr marL="0" indent="0" algn="l" latinLnBrk="1">
+                        <a:buFontTx/>
+                        <a:buNone/>
+                      </a:pPr>
+                      <a:r>
+                        <a:rPr lang="en-US" altLang="ko-KR" dirty="0" smtClean="0"/>
+                        <a:t>    - Facebook</a:t>
+                      </a:r>
+                    </a:p>
+                  </a:txBody>
+                  <a:tcPr anchor="ctr"/>
+                </a:tc>
+              </a:tr>
+              <a:tr h="483930">
+                <a:tc>
+                  <a:txBody>
+                    <a:bodyPr/>
+                    <a:lstStyle/>
+                    <a:p>
+                      <a:pPr marL="0" indent="0" algn="l" latinLnBrk="1">
+                        <a:buFontTx/>
+                        <a:buNone/>
+                      </a:pPr>
+                      <a:r>
+                        <a:rPr lang="en-US" altLang="ko-KR" dirty="0" smtClean="0"/>
+                        <a:t>    - Google+</a:t>
+                      </a:r>
+                    </a:p>
+                  </a:txBody>
+                  <a:tcPr anchor="ctr"/>
+                </a:tc>
+              </a:tr>
+            </a:tbl>
+          </a:graphicData>
+        </a:graphic>
+      </p:graphicFrame>
+      <p:sp>
+        <p:nvSpPr>
+          <p:cNvPr id="3" name="TextBox 2"/>
+          <p:cNvSpPr txBox="1"/>
+          <p:nvPr/>
+        </p:nvSpPr>
+        <p:spPr>
+          <a:xfrm>
+            <a:off x="1168400" y="778933"/>
+            <a:ext cx="1189749" cy="369332"/>
+          </a:xfrm>
+          <a:prstGeom prst="rect">
+            <a:avLst/>
+          </a:prstGeom>
+          <a:noFill/>
+        </p:spPr>
+        <p:txBody>
+          <a:bodyPr wrap="none" rtlCol="0">
+            <a:spAutoFit/>
+          </a:bodyPr>
+          <a:lstStyle/>
+          <a:p>
+            <a:r>
+              <a:rPr lang="ko-KR" altLang="en-US" dirty="0" smtClean="0"/>
+              <a:t>계정 등록</a:t>
+            </a:r>
+            <a:endParaRPr lang="ko-KR" altLang="en-US" dirty="0"/>
+          </a:p>
+        </p:txBody>
+      </p:sp>
+      <p:sp>
+        <p:nvSpPr>
+          <p:cNvPr id="8" name="직사각형 7"/>
+          <p:cNvSpPr/>
+          <p:nvPr/>
+        </p:nvSpPr>
+        <p:spPr>
+          <a:xfrm>
+            <a:off x="4750553" y="2115408"/>
+            <a:ext cx="329448" cy="245534"/>
+          </a:xfrm>
+          <a:prstGeom prst="rect">
+            <a:avLst/>
+          </a:prstGeom>
+        </p:spPr>
+        <p:style>
+          <a:lnRef idx="2">
+            <a:schemeClr val="accent1">
+              <a:shade val="50000"/>
+            </a:schemeClr>
+          </a:lnRef>
+          <a:fillRef idx="1">
+            <a:schemeClr val="accent1"/>
+          </a:fillRef>
+          <a:effectRef idx="0">
+            <a:schemeClr val="accent1"/>
+          </a:effectRef>
+          <a:fontRef idx="minor">
+            <a:schemeClr val="lt1"/>
+          </a:fontRef>
+        </p:style>
+        <p:txBody>
+          <a:bodyPr rtlCol="0" anchor="ctr"/>
+          <a:lstStyle/>
+          <a:p>
+            <a:pPr algn="ctr"/>
+            <a:endParaRPr lang="ko-KR" altLang="en-US"/>
+          </a:p>
+        </p:txBody>
+      </p:sp>
+      <p:sp>
+        <p:nvSpPr>
+          <p:cNvPr id="9" name="직사각형 8"/>
+          <p:cNvSpPr/>
+          <p:nvPr/>
+        </p:nvSpPr>
+        <p:spPr>
+          <a:xfrm>
+            <a:off x="4419600" y="2106942"/>
+            <a:ext cx="330952" cy="254000"/>
+          </a:xfrm>
+          <a:prstGeom prst="rect">
+            <a:avLst/>
+          </a:prstGeom>
+          <a:solidFill>
+            <a:schemeClr val="accent2"/>
+          </a:solidFill>
+        </p:spPr>
+        <p:style>
+          <a:lnRef idx="2">
+            <a:schemeClr val="accent1">
+              <a:shade val="50000"/>
+            </a:schemeClr>
+          </a:lnRef>
+          <a:fillRef idx="1">
+            <a:schemeClr val="accent1"/>
+          </a:fillRef>
+          <a:effectRef idx="0">
+            <a:schemeClr val="accent1"/>
+          </a:effectRef>
+          <a:fontRef idx="minor">
+            <a:schemeClr val="lt1"/>
+          </a:fontRef>
+        </p:style>
+        <p:txBody>
+          <a:bodyPr rtlCol="0" anchor="ctr"/>
+          <a:lstStyle/>
+          <a:p>
+            <a:pPr algn="ctr"/>
+            <a:endParaRPr lang="ko-KR" altLang="en-US"/>
+          </a:p>
+        </p:txBody>
+      </p:sp>
+      <p:sp>
+        <p:nvSpPr>
+          <p:cNvPr id="10" name="TextBox 9"/>
+          <p:cNvSpPr txBox="1"/>
+          <p:nvPr/>
+        </p:nvSpPr>
+        <p:spPr>
+          <a:xfrm>
+            <a:off x="4686919" y="2095442"/>
+            <a:ext cx="406532" cy="276999"/>
+          </a:xfrm>
+          <a:prstGeom prst="rect">
+            <a:avLst/>
+          </a:prstGeom>
+          <a:noFill/>
+        </p:spPr>
+        <p:txBody>
+          <a:bodyPr wrap="square" rtlCol="0">
+            <a:spAutoFit/>
+          </a:bodyPr>
+          <a:lstStyle/>
+          <a:p>
+            <a:r>
+              <a:rPr lang="en-US" altLang="ko-KR" sz="1200" dirty="0" smtClean="0"/>
+              <a:t>Off</a:t>
+            </a:r>
+            <a:endParaRPr lang="ko-KR" altLang="en-US" sz="1200" dirty="0"/>
+          </a:p>
+        </p:txBody>
+      </p:sp>
+      <p:sp>
+        <p:nvSpPr>
+          <p:cNvPr id="11" name="TextBox 10"/>
+          <p:cNvSpPr txBox="1"/>
+          <p:nvPr/>
+        </p:nvSpPr>
+        <p:spPr>
+          <a:xfrm>
+            <a:off x="4395047" y="2118526"/>
+            <a:ext cx="380058" cy="230832"/>
+          </a:xfrm>
+          <a:prstGeom prst="rect">
+            <a:avLst/>
+          </a:prstGeom>
+          <a:noFill/>
+        </p:spPr>
+        <p:txBody>
+          <a:bodyPr wrap="square" rtlCol="0">
+            <a:spAutoFit/>
+          </a:bodyPr>
+          <a:lstStyle/>
+          <a:p>
+            <a:r>
+              <a:rPr lang="en-US" altLang="ko-KR" sz="900" dirty="0" smtClean="0"/>
+              <a:t>On</a:t>
+            </a:r>
+            <a:endParaRPr lang="ko-KR" altLang="en-US" sz="900" dirty="0"/>
+          </a:p>
+        </p:txBody>
+      </p:sp>
+      <p:sp>
+        <p:nvSpPr>
+          <p:cNvPr id="12" name="직사각형 11"/>
+          <p:cNvSpPr/>
+          <p:nvPr/>
+        </p:nvSpPr>
+        <p:spPr>
+          <a:xfrm>
+            <a:off x="4737103" y="1607408"/>
+            <a:ext cx="329448" cy="245534"/>
+          </a:xfrm>
+          <a:prstGeom prst="rect">
+            <a:avLst/>
+          </a:prstGeom>
+        </p:spPr>
+        <p:style>
+          <a:lnRef idx="2">
+            <a:schemeClr val="accent1">
+              <a:shade val="50000"/>
+            </a:schemeClr>
+          </a:lnRef>
+          <a:fillRef idx="1">
+            <a:schemeClr val="accent1"/>
+          </a:fillRef>
+          <a:effectRef idx="0">
+            <a:schemeClr val="accent1"/>
+          </a:effectRef>
+          <a:fontRef idx="minor">
+            <a:schemeClr val="lt1"/>
+          </a:fontRef>
+        </p:style>
+        <p:txBody>
+          <a:bodyPr rtlCol="0" anchor="ctr"/>
+          <a:lstStyle/>
+          <a:p>
+            <a:pPr algn="ctr"/>
+            <a:endParaRPr lang="ko-KR" altLang="en-US"/>
+          </a:p>
+        </p:txBody>
+      </p:sp>
+      <p:sp>
+        <p:nvSpPr>
+          <p:cNvPr id="13" name="직사각형 12"/>
+          <p:cNvSpPr/>
+          <p:nvPr/>
+        </p:nvSpPr>
+        <p:spPr>
+          <a:xfrm>
+            <a:off x="4406150" y="1598942"/>
+            <a:ext cx="330952" cy="254000"/>
+          </a:xfrm>
+          <a:prstGeom prst="rect">
+            <a:avLst/>
+          </a:prstGeom>
+          <a:solidFill>
+            <a:schemeClr val="accent2"/>
+          </a:solidFill>
+        </p:spPr>
+        <p:style>
+          <a:lnRef idx="2">
+            <a:schemeClr val="accent1">
+              <a:shade val="50000"/>
+            </a:schemeClr>
+          </a:lnRef>
+          <a:fillRef idx="1">
+            <a:schemeClr val="accent1"/>
+          </a:fillRef>
+          <a:effectRef idx="0">
+            <a:schemeClr val="accent1"/>
+          </a:effectRef>
+          <a:fontRef idx="minor">
+            <a:schemeClr val="lt1"/>
+          </a:fontRef>
+        </p:style>
+        <p:txBody>
+          <a:bodyPr rtlCol="0" anchor="ctr"/>
+          <a:lstStyle/>
+          <a:p>
+            <a:pPr algn="ctr"/>
+            <a:endParaRPr lang="ko-KR" altLang="en-US"/>
+          </a:p>
+        </p:txBody>
+      </p:sp>
+      <p:sp>
+        <p:nvSpPr>
+          <p:cNvPr id="14" name="TextBox 13"/>
+          <p:cNvSpPr txBox="1"/>
+          <p:nvPr/>
+        </p:nvSpPr>
+        <p:spPr>
+          <a:xfrm>
+            <a:off x="4673469" y="1587442"/>
+            <a:ext cx="406532" cy="276999"/>
+          </a:xfrm>
+          <a:prstGeom prst="rect">
+            <a:avLst/>
+          </a:prstGeom>
+          <a:noFill/>
+        </p:spPr>
+        <p:txBody>
+          <a:bodyPr wrap="square" rtlCol="0">
+            <a:spAutoFit/>
+          </a:bodyPr>
+          <a:lstStyle/>
+          <a:p>
+            <a:r>
+              <a:rPr lang="en-US" altLang="ko-KR" sz="1200" dirty="0" smtClean="0"/>
+              <a:t>Off</a:t>
+            </a:r>
+            <a:endParaRPr lang="ko-KR" altLang="en-US" sz="1200" dirty="0"/>
+          </a:p>
+        </p:txBody>
+      </p:sp>
+      <p:sp>
+        <p:nvSpPr>
+          <p:cNvPr id="16" name="TextBox 15"/>
+          <p:cNvSpPr txBox="1"/>
+          <p:nvPr/>
+        </p:nvSpPr>
+        <p:spPr>
+          <a:xfrm>
+            <a:off x="4381597" y="1610526"/>
+            <a:ext cx="380058" cy="230832"/>
+          </a:xfrm>
+          <a:prstGeom prst="rect">
+            <a:avLst/>
+          </a:prstGeom>
+          <a:noFill/>
+        </p:spPr>
+        <p:txBody>
+          <a:bodyPr wrap="square" rtlCol="0">
+            <a:spAutoFit/>
+          </a:bodyPr>
+          <a:lstStyle/>
+          <a:p>
+            <a:r>
+              <a:rPr lang="en-US" altLang="ko-KR" sz="900" dirty="0" smtClean="0"/>
+              <a:t>On</a:t>
+            </a:r>
+            <a:endParaRPr lang="ko-KR" altLang="en-US" sz="900" dirty="0"/>
+          </a:p>
+        </p:txBody>
+      </p:sp>
+    </p:spTree>
+    <p:extLst>
+      <p:ext uri="{BB962C8B-B14F-4D97-AF65-F5344CB8AC3E}">
+        <p14:creationId xmlns:p14="http://schemas.microsoft.com/office/powerpoint/2010/main" val="903555427"/>
+      </p:ext>
+    </p:extLst>
+  </p:cSld>
+  <p:clrMapOvr>
+    <a:masterClrMapping/>
+  </p:clrMapOvr>
+  <p:timing>
+    <p:tnLst>
+      <p:par>
+        <p:cTn id="1" dur="indefinite" restart="never" nodeType="tmRoot"/>
+      </p:par>
+    </p:tnLst>
+  </p:timing>
+</p:sld>
+</file>
+
+<file path=ppt/slides/slide8.xml><?xml version="1.0" encoding="utf-8"?>
 <p:sld xmlns:a="http://schemas.openxmlformats.org/drawingml/2006/main" xmlns:r="http://schemas.openxmlformats.org/officeDocument/2006/relationships" xmlns:p="http://schemas.openxmlformats.org/presentationml/2006/main">
   <p:cSld>
     <p:spTree>
@@ -18220,358 +20648,6 @@
 </p:sld>
 </file>
 
-<file path=ppt/slides/slide8.xml><?xml version="1.0" encoding="utf-8"?>
-<p:sld xmlns:a="http://schemas.openxmlformats.org/drawingml/2006/main" xmlns:r="http://schemas.openxmlformats.org/officeDocument/2006/relationships" xmlns:p="http://schemas.openxmlformats.org/presentationml/2006/main">
-  <p:cSld>
-    <p:spTree>
-      <p:nvGrpSpPr>
-        <p:cNvPr id="1" name=""/>
-        <p:cNvGrpSpPr/>
-        <p:nvPr/>
-      </p:nvGrpSpPr>
-      <p:grpSpPr>
-        <a:xfrm>
-          <a:off x="0" y="0"/>
-          <a:ext cx="0" cy="0"/>
-          <a:chOff x="0" y="0"/>
-          <a:chExt cx="0" cy="0"/>
-        </a:xfrm>
-      </p:grpSpPr>
-      <p:sp>
-        <p:nvSpPr>
-          <p:cNvPr id="4" name="직사각형 3"/>
-          <p:cNvSpPr/>
-          <p:nvPr/>
-        </p:nvSpPr>
-        <p:spPr>
-          <a:xfrm>
-            <a:off x="863600" y="313263"/>
-            <a:ext cx="4826000" cy="6197600"/>
-          </a:xfrm>
-          <a:prstGeom prst="rect">
-            <a:avLst/>
-          </a:prstGeom>
-          <a:solidFill>
-            <a:schemeClr val="bg1"/>
-          </a:solidFill>
-          <a:ln>
-            <a:solidFill>
-              <a:schemeClr val="tx1"/>
-            </a:solidFill>
-          </a:ln>
-        </p:spPr>
-        <p:style>
-          <a:lnRef idx="2">
-            <a:schemeClr val="accent1">
-              <a:shade val="50000"/>
-            </a:schemeClr>
-          </a:lnRef>
-          <a:fillRef idx="1">
-            <a:schemeClr val="accent1"/>
-          </a:fillRef>
-          <a:effectRef idx="0">
-            <a:schemeClr val="accent1"/>
-          </a:effectRef>
-          <a:fontRef idx="minor">
-            <a:schemeClr val="lt1"/>
-          </a:fontRef>
-        </p:style>
-        <p:txBody>
-          <a:bodyPr rtlCol="0" anchor="ctr"/>
-          <a:lstStyle/>
-          <a:p>
-            <a:pPr algn="ctr"/>
-            <a:endParaRPr lang="en-US" altLang="ko-KR" dirty="0" smtClean="0"/>
-          </a:p>
-        </p:txBody>
-      </p:sp>
-      <p:graphicFrame>
-        <p:nvGraphicFramePr>
-          <p:cNvPr id="5" name="표 4"/>
-          <p:cNvGraphicFramePr>
-            <a:graphicFrameLocks noGrp="1"/>
-          </p:cNvGraphicFramePr>
-          <p:nvPr>
-            <p:extLst>
-              <p:ext uri="{D42A27DB-BD31-4B8C-83A1-F6EECF244321}">
-                <p14:modId xmlns:p14="http://schemas.microsoft.com/office/powerpoint/2010/main" val="3151962423"/>
-              </p:ext>
-            </p:extLst>
-          </p:nvPr>
-        </p:nvGraphicFramePr>
-        <p:xfrm>
-          <a:off x="6392332" y="719664"/>
-          <a:ext cx="4174068" cy="3007344"/>
-        </p:xfrm>
-        <a:graphic>
-          <a:graphicData uri="http://schemas.openxmlformats.org/drawingml/2006/table">
-            <a:tbl>
-              <a:tblPr>
-                <a:tableStyleId>{073A0DAA-6AF3-43AB-8588-CEC1D06C72B9}</a:tableStyleId>
-              </a:tblPr>
-              <a:tblGrid>
-                <a:gridCol w="2087034"/>
-                <a:gridCol w="2087034"/>
-              </a:tblGrid>
-              <a:tr h="732867">
-                <a:tc>
-                  <a:txBody>
-                    <a:bodyPr/>
-                    <a:lstStyle/>
-                    <a:p>
-                      <a:pPr algn="ctr" latinLnBrk="1"/>
-                      <a:r>
-                        <a:rPr lang="ko-KR" altLang="en-US" dirty="0" smtClean="0"/>
-                        <a:t>구분</a:t>
-                      </a:r>
-                      <a:endParaRPr lang="ko-KR" altLang="en-US" dirty="0"/>
-                    </a:p>
-                  </a:txBody>
-                  <a:tcPr anchor="ctr">
-                    <a:solidFill>
-                      <a:schemeClr val="tx1">
-                        <a:lumMod val="50000"/>
-                        <a:lumOff val="50000"/>
-                      </a:schemeClr>
-                    </a:solidFill>
-                  </a:tcPr>
-                </a:tc>
-                <a:tc>
-                  <a:txBody>
-                    <a:bodyPr/>
-                    <a:lstStyle/>
-                    <a:p>
-                      <a:pPr algn="ctr" latinLnBrk="1"/>
-                      <a:r>
-                        <a:rPr lang="ko-KR" altLang="en-US" dirty="0" smtClean="0"/>
-                        <a:t>내용</a:t>
-                      </a:r>
-                      <a:endParaRPr lang="ko-KR" altLang="en-US" dirty="0"/>
-                    </a:p>
-                  </a:txBody>
-                  <a:tcPr anchor="ctr">
-                    <a:solidFill>
-                      <a:schemeClr val="tx1">
-                        <a:lumMod val="50000"/>
-                        <a:lumOff val="50000"/>
-                      </a:schemeClr>
-                    </a:solidFill>
-                  </a:tcPr>
-                </a:tc>
-              </a:tr>
-              <a:tr h="1109049">
-                <a:tc>
-                  <a:txBody>
-                    <a:bodyPr/>
-                    <a:lstStyle/>
-                    <a:p>
-                      <a:pPr algn="ctr" latinLnBrk="1"/>
-                      <a:r>
-                        <a:rPr lang="ko-KR" altLang="en-US" dirty="0" smtClean="0"/>
-                        <a:t>화면 번호</a:t>
-                      </a:r>
-                      <a:r>
-                        <a:rPr lang="en-US" altLang="ko-KR" dirty="0" smtClean="0"/>
-                        <a:t/>
-                      </a:r>
-                      <a:br>
-                        <a:rPr lang="en-US" altLang="ko-KR" dirty="0" smtClean="0"/>
-                      </a:br>
-                      <a:r>
-                        <a:rPr lang="en-US" altLang="ko-KR" dirty="0" smtClean="0"/>
-                        <a:t>(</a:t>
-                      </a:r>
-                      <a:r>
-                        <a:rPr lang="ko-KR" altLang="en-US" dirty="0" smtClean="0"/>
-                        <a:t>닉네임 등록</a:t>
-                      </a:r>
-                      <a:r>
-                        <a:rPr lang="en-US" altLang="ko-KR" dirty="0" smtClean="0"/>
-                        <a:t>)</a:t>
-                      </a:r>
-                      <a:endParaRPr lang="ko-KR" altLang="en-US" dirty="0"/>
-                    </a:p>
-                  </a:txBody>
-                  <a:tcPr anchor="ctr"/>
-                </a:tc>
-                <a:tc>
-                  <a:txBody>
-                    <a:bodyPr/>
-                    <a:lstStyle/>
-                    <a:p>
-                      <a:pPr algn="ctr" latinLnBrk="1"/>
-                      <a:r>
-                        <a:rPr lang="en-US" altLang="ko-KR" dirty="0" smtClean="0"/>
-                        <a:t>05-01-00</a:t>
-                      </a:r>
-                      <a:endParaRPr lang="ko-KR" altLang="en-US" dirty="0"/>
-                    </a:p>
-                  </a:txBody>
-                  <a:tcPr anchor="ctr"/>
-                </a:tc>
-              </a:tr>
-              <a:tr h="1165428">
-                <a:tc>
-                  <a:txBody>
-                    <a:bodyPr/>
-                    <a:lstStyle/>
-                    <a:p>
-                      <a:pPr algn="ctr" latinLnBrk="1"/>
-                      <a:r>
-                        <a:rPr lang="en-US" altLang="ko-KR" dirty="0" smtClean="0"/>
-                        <a:t>btn01</a:t>
-                      </a:r>
-                      <a:endParaRPr lang="ko-KR" altLang="en-US" dirty="0"/>
-                    </a:p>
-                  </a:txBody>
-                  <a:tcPr anchor="ctr"/>
-                </a:tc>
-                <a:tc>
-                  <a:txBody>
-                    <a:bodyPr/>
-                    <a:lstStyle/>
-                    <a:p>
-                      <a:pPr algn="ctr" latinLnBrk="1"/>
-                      <a:endParaRPr lang="ko-KR" altLang="en-US" dirty="0"/>
-                    </a:p>
-                  </a:txBody>
-                  <a:tcPr anchor="ctr"/>
-                </a:tc>
-              </a:tr>
-            </a:tbl>
-          </a:graphicData>
-        </a:graphic>
-      </p:graphicFrame>
-      <p:sp>
-        <p:nvSpPr>
-          <p:cNvPr id="2" name="모서리가 둥근 직사각형 1"/>
-          <p:cNvSpPr/>
-          <p:nvPr/>
-        </p:nvSpPr>
-        <p:spPr>
-          <a:xfrm>
-            <a:off x="1540933" y="2819396"/>
-            <a:ext cx="1270000" cy="1270000"/>
-          </a:xfrm>
-          <a:prstGeom prst="roundRect">
-            <a:avLst/>
-          </a:prstGeom>
-        </p:spPr>
-        <p:style>
-          <a:lnRef idx="2">
-            <a:schemeClr val="accent1">
-              <a:shade val="50000"/>
-            </a:schemeClr>
-          </a:lnRef>
-          <a:fillRef idx="1">
-            <a:schemeClr val="accent1"/>
-          </a:fillRef>
-          <a:effectRef idx="0">
-            <a:schemeClr val="accent1"/>
-          </a:effectRef>
-          <a:fontRef idx="minor">
-            <a:schemeClr val="lt1"/>
-          </a:fontRef>
-        </p:style>
-        <p:txBody>
-          <a:bodyPr rtlCol="0" anchor="ctr"/>
-          <a:lstStyle/>
-          <a:p>
-            <a:pPr algn="ctr"/>
-            <a:endParaRPr lang="ko-KR" altLang="en-US"/>
-          </a:p>
-        </p:txBody>
-      </p:sp>
-      <p:sp>
-        <p:nvSpPr>
-          <p:cNvPr id="9" name="모서리가 둥근 직사각형 8"/>
-          <p:cNvSpPr/>
-          <p:nvPr/>
-        </p:nvSpPr>
-        <p:spPr>
-          <a:xfrm>
-            <a:off x="3666066" y="2819396"/>
-            <a:ext cx="1270000" cy="1270000"/>
-          </a:xfrm>
-          <a:prstGeom prst="roundRect">
-            <a:avLst/>
-          </a:prstGeom>
-        </p:spPr>
-        <p:style>
-          <a:lnRef idx="2">
-            <a:schemeClr val="accent1">
-              <a:shade val="50000"/>
-            </a:schemeClr>
-          </a:lnRef>
-          <a:fillRef idx="1">
-            <a:schemeClr val="accent1"/>
-          </a:fillRef>
-          <a:effectRef idx="0">
-            <a:schemeClr val="accent1"/>
-          </a:effectRef>
-          <a:fontRef idx="minor">
-            <a:schemeClr val="lt1"/>
-          </a:fontRef>
-        </p:style>
-        <p:txBody>
-          <a:bodyPr rtlCol="0" anchor="ctr"/>
-          <a:lstStyle/>
-          <a:p>
-            <a:pPr algn="ctr"/>
-            <a:endParaRPr lang="ko-KR" altLang="en-US"/>
-          </a:p>
-        </p:txBody>
-      </p:sp>
-      <p:sp>
-        <p:nvSpPr>
-          <p:cNvPr id="6" name="TextBox 5"/>
-          <p:cNvSpPr txBox="1"/>
-          <p:nvPr/>
-        </p:nvSpPr>
-        <p:spPr>
-          <a:xfrm>
-            <a:off x="3011170" y="3269730"/>
-            <a:ext cx="454659" cy="369332"/>
-          </a:xfrm>
-          <a:prstGeom prst="rect">
-            <a:avLst/>
-          </a:prstGeom>
-          <a:noFill/>
-        </p:spPr>
-        <p:txBody>
-          <a:bodyPr wrap="square" rtlCol="0">
-            <a:spAutoFit/>
-          </a:bodyPr>
-          <a:lstStyle/>
-          <a:p>
-            <a:r>
-              <a:rPr lang="en-US" altLang="ko-KR" dirty="0" smtClean="0"/>
-              <a:t>VS</a:t>
-            </a:r>
-            <a:endParaRPr lang="ko-KR" altLang="en-US" dirty="0"/>
-          </a:p>
-        </p:txBody>
-      </p:sp>
-    </p:spTree>
-    <p:extLst>
-      <p:ext uri="{BB962C8B-B14F-4D97-AF65-F5344CB8AC3E}">
-        <p14:creationId xmlns:p14="http://schemas.microsoft.com/office/powerpoint/2010/main" val="1489616432"/>
-      </p:ext>
-    </p:extLst>
-  </p:cSld>
-  <p:clrMapOvr>
-    <a:masterClrMapping/>
-  </p:clrMapOvr>
-  <p:timing>
-    <p:tnLst>
-      <p:par>
-        <p:cTn id="1" dur="indefinite" restart="never" nodeType="tmRoot"/>
-      </p:par>
-    </p:tnLst>
-  </p:timing>
-</p:sld>
-</file>
-
 <file path=ppt/slides/slide9.xml><?xml version="1.0" encoding="utf-8"?>
 <p:sld xmlns:a="http://schemas.openxmlformats.org/drawingml/2006/main" xmlns:r="http://schemas.openxmlformats.org/officeDocument/2006/relationships" xmlns:p="http://schemas.openxmlformats.org/presentationml/2006/main">
   <p:cSld>
@@ -18633,7 +20709,7 @@
           <a:lstStyle/>
           <a:p>
             <a:pPr algn="ctr"/>
-            <a:endParaRPr lang="ko-KR" altLang="en-US" dirty="0"/>
+            <a:endParaRPr lang="en-US" altLang="ko-KR" dirty="0" smtClean="0"/>
           </a:p>
         </p:txBody>
       </p:sp>
@@ -18646,14 +20722,14 @@
           <p:nvPr>
             <p:extLst>
               <p:ext uri="{D42A27DB-BD31-4B8C-83A1-F6EECF244321}">
-                <p14:modId xmlns:p14="http://schemas.microsoft.com/office/powerpoint/2010/main" val="2116144711"/>
+                <p14:modId xmlns:p14="http://schemas.microsoft.com/office/powerpoint/2010/main" val="3151962423"/>
               </p:ext>
             </p:extLst>
           </p:nvPr>
         </p:nvGraphicFramePr>
         <p:xfrm>
           <a:off x="6392332" y="719664"/>
-          <a:ext cx="4174068" cy="4172772"/>
+          <a:ext cx="4174068" cy="3007344"/>
         </p:xfrm>
         <a:graphic>
           <a:graphicData uri="http://schemas.openxmlformats.org/drawingml/2006/table">
@@ -18735,7 +20811,7 @@
                       </a:r>
                       <a:r>
                         <a:rPr lang="ko-KR" altLang="en-US" dirty="0" smtClean="0"/>
-                        <a:t>멀티 대결</a:t>
+                        <a:t>닉네임 등록</a:t>
                       </a:r>
                       <a:r>
                         <a:rPr lang="en-US" altLang="ko-KR" dirty="0" smtClean="0"/>
@@ -18754,7 +20830,7 @@
                       <a:pPr algn="ctr" latinLnBrk="1"/>
                       <a:r>
                         <a:rPr lang="en-US" altLang="ko-KR" dirty="0" smtClean="0"/>
-                        <a:t>05-01-01</a:t>
+                        <a:t>05-01-00</a:t>
                       </a:r>
                       <a:endParaRPr lang="ko-KR" altLang="en-US" dirty="0"/>
                     </a:p>
@@ -18771,70 +20847,19 @@
                       <a:pPr algn="ctr" latinLnBrk="1"/>
                       <a:r>
                         <a:rPr lang="en-US" altLang="ko-KR" dirty="0" smtClean="0"/>
-                        <a:t>Btn05-01</a:t>
-                      </a:r>
-                      <a:br>
-                        <a:rPr lang="en-US" altLang="ko-KR" dirty="0" smtClean="0"/>
-                      </a:br>
-                      <a:r>
-                        <a:rPr lang="en-US" altLang="ko-KR" dirty="0" smtClean="0"/>
-                        <a:t>(</a:t>
-                      </a:r>
-                      <a:r>
-                        <a:rPr lang="ko-KR" altLang="en-US" dirty="0" smtClean="0"/>
-                        <a:t>체스 카드 처럼</a:t>
-                      </a:r>
-                      <a:r>
-                        <a:rPr lang="en-US" altLang="ko-KR" dirty="0" smtClean="0"/>
-                        <a:t>)</a:t>
-                      </a:r>
-                      <a:endParaRPr lang="ko-KR" altLang="en-US" dirty="0"/>
-                    </a:p>
-                  </a:txBody>
-                  <a:tcPr anchor="ctr"/>
-                </a:tc>
-                <a:tc>
-                  <a:txBody>
-                    <a:bodyPr/>
-                    <a:lstStyle/>
-                    <a:p>
-                      <a:pPr algn="ctr" latinLnBrk="1"/>
-                      <a:r>
-                        <a:rPr lang="en-US" altLang="ko-KR" dirty="0" smtClean="0"/>
-                        <a:t>05-01-02</a:t>
-                      </a:r>
-                      <a:endParaRPr lang="ko-KR" altLang="en-US" dirty="0"/>
-                    </a:p>
-                  </a:txBody>
-                  <a:tcPr anchor="ctr"/>
-                </a:tc>
-              </a:tr>
-              <a:tr h="1165428">
-                <a:tc>
-                  <a:txBody>
-                    <a:bodyPr/>
-                    <a:lstStyle/>
-                    <a:p>
-                      <a:pPr algn="ctr" latinLnBrk="1"/>
-                      <a:r>
-                        <a:rPr lang="ko-KR" altLang="en-US" dirty="0" smtClean="0"/>
-                        <a:t>턴 종료</a:t>
-                      </a:r>
-                      <a:endParaRPr lang="ko-KR" altLang="en-US" dirty="0"/>
-                    </a:p>
-                  </a:txBody>
-                  <a:tcPr anchor="ctr"/>
-                </a:tc>
-                <a:tc>
-                  <a:txBody>
-                    <a:bodyPr/>
-                    <a:lstStyle/>
-                    <a:p>
-                      <a:pPr algn="ctr" latinLnBrk="1"/>
-                      <a:r>
-                        <a:rPr lang="ko-KR" altLang="en-US" dirty="0" smtClean="0"/>
-                        <a:t>내 턴에만 활성화</a:t>
-                      </a:r>
+                        <a:t>btn01</a:t>
+                      </a:r>
+                      <a:endParaRPr lang="ko-KR" altLang="en-US" dirty="0"/>
+                    </a:p>
+                  </a:txBody>
+                  <a:tcPr anchor="ctr"/>
+                </a:tc>
+                <a:tc>
+                  <a:txBody>
+                    <a:bodyPr/>
+                    <a:lstStyle/>
+                    <a:p>
+                      <a:pPr algn="ctr" latinLnBrk="1"/>
                       <a:endParaRPr lang="ko-KR" altLang="en-US" dirty="0"/>
                     </a:p>
                   </a:txBody>
@@ -18845,1508 +20870,16 @@
           </a:graphicData>
         </a:graphic>
       </p:graphicFrame>
-      <p:graphicFrame>
-        <p:nvGraphicFramePr>
-          <p:cNvPr id="2" name="표 1"/>
-          <p:cNvGraphicFramePr>
-            <a:graphicFrameLocks noGrp="1"/>
-          </p:cNvGraphicFramePr>
-          <p:nvPr>
-            <p:extLst>
-              <p:ext uri="{D42A27DB-BD31-4B8C-83A1-F6EECF244321}">
-                <p14:modId xmlns:p14="http://schemas.microsoft.com/office/powerpoint/2010/main" val="3083913414"/>
-              </p:ext>
-            </p:extLst>
-          </p:nvPr>
-        </p:nvGraphicFramePr>
-        <p:xfrm>
-          <a:off x="1058334" y="1447802"/>
-          <a:ext cx="4445000" cy="4478865"/>
-        </p:xfrm>
-        <a:graphic>
-          <a:graphicData uri="http://schemas.openxmlformats.org/drawingml/2006/table">
-            <a:tbl>
-              <a:tblPr>
-                <a:tableStyleId>{21E4AEA4-8DFA-4A89-87EB-49C32662AFE0}</a:tableStyleId>
-              </a:tblPr>
-              <a:tblGrid>
-                <a:gridCol w="889000"/>
-                <a:gridCol w="889000"/>
-                <a:gridCol w="889000"/>
-                <a:gridCol w="889000"/>
-                <a:gridCol w="889000"/>
-              </a:tblGrid>
-              <a:tr h="895773">
-                <a:tc>
-                  <a:txBody>
-                    <a:bodyPr/>
-                    <a:lstStyle/>
-                    <a:p>
-                      <a:pPr latinLnBrk="1"/>
-                      <a:endParaRPr lang="ko-KR" altLang="en-US" dirty="0"/>
-                    </a:p>
-                  </a:txBody>
-                  <a:tcPr>
-                    <a:lnL w="12700" cap="flat" cmpd="sng" algn="ctr">
-                      <a:solidFill>
-                        <a:schemeClr val="tx1"/>
-                      </a:solidFill>
-                      <a:prstDash val="solid"/>
-                      <a:round/>
-                      <a:headEnd type="none" w="med" len="med"/>
-                      <a:tailEnd type="none" w="med" len="med"/>
-                    </a:lnL>
-                    <a:lnT w="12700" cap="flat" cmpd="sng" algn="ctr">
-                      <a:solidFill>
-                        <a:schemeClr val="tx1"/>
-                      </a:solidFill>
-                      <a:prstDash val="solid"/>
-                      <a:round/>
-                      <a:headEnd type="none" w="med" len="med"/>
-                      <a:tailEnd type="none" w="med" len="med"/>
-                    </a:lnT>
-                    <a:solidFill>
-                      <a:schemeClr val="tx1"/>
-                    </a:solidFill>
-                  </a:tcPr>
-                </a:tc>
-                <a:tc>
-                  <a:txBody>
-                    <a:bodyPr/>
-                    <a:lstStyle/>
-                    <a:p>
-                      <a:pPr latinLnBrk="1"/>
-                      <a:endParaRPr lang="ko-KR" altLang="en-US" dirty="0"/>
-                    </a:p>
-                  </a:txBody>
-                  <a:tcPr>
-                    <a:lnT w="12700" cap="flat" cmpd="sng" algn="ctr">
-                      <a:solidFill>
-                        <a:schemeClr val="tx1"/>
-                      </a:solidFill>
-                      <a:prstDash val="solid"/>
-                      <a:round/>
-                      <a:headEnd type="none" w="med" len="med"/>
-                      <a:tailEnd type="none" w="med" len="med"/>
-                    </a:lnT>
-                    <a:solidFill>
-                      <a:schemeClr val="bg1"/>
-                    </a:solidFill>
-                  </a:tcPr>
-                </a:tc>
-                <a:tc>
-                  <a:txBody>
-                    <a:bodyPr/>
-                    <a:lstStyle/>
-                    <a:p>
-                      <a:pPr latinLnBrk="1"/>
-                      <a:endParaRPr lang="ko-KR" altLang="en-US" dirty="0"/>
-                    </a:p>
-                  </a:txBody>
-                  <a:tcPr>
-                    <a:lnT w="12700" cap="flat" cmpd="sng" algn="ctr">
-                      <a:solidFill>
-                        <a:schemeClr val="tx1"/>
-                      </a:solidFill>
-                      <a:prstDash val="solid"/>
-                      <a:round/>
-                      <a:headEnd type="none" w="med" len="med"/>
-                      <a:tailEnd type="none" w="med" len="med"/>
-                    </a:lnT>
-                    <a:solidFill>
-                      <a:schemeClr val="tx1"/>
-                    </a:solidFill>
-                  </a:tcPr>
-                </a:tc>
-                <a:tc>
-                  <a:txBody>
-                    <a:bodyPr/>
-                    <a:lstStyle/>
-                    <a:p>
-                      <a:pPr latinLnBrk="1"/>
-                      <a:endParaRPr lang="ko-KR" altLang="en-US" dirty="0"/>
-                    </a:p>
-                  </a:txBody>
-                  <a:tcPr>
-                    <a:lnT w="12700" cap="flat" cmpd="sng" algn="ctr">
-                      <a:solidFill>
-                        <a:schemeClr val="tx1"/>
-                      </a:solidFill>
-                      <a:prstDash val="solid"/>
-                      <a:round/>
-                      <a:headEnd type="none" w="med" len="med"/>
-                      <a:tailEnd type="none" w="med" len="med"/>
-                    </a:lnT>
-                    <a:solidFill>
-                      <a:schemeClr val="bg1"/>
-                    </a:solidFill>
-                  </a:tcPr>
-                </a:tc>
-                <a:tc>
-                  <a:txBody>
-                    <a:bodyPr/>
-                    <a:lstStyle/>
-                    <a:p>
-                      <a:pPr latinLnBrk="1"/>
-                      <a:endParaRPr lang="ko-KR" altLang="en-US" dirty="0"/>
-                    </a:p>
-                  </a:txBody>
-                  <a:tcPr>
-                    <a:lnR w="12700" cap="flat" cmpd="sng" algn="ctr">
-                      <a:solidFill>
-                        <a:schemeClr val="tx1"/>
-                      </a:solidFill>
-                      <a:prstDash val="solid"/>
-                      <a:round/>
-                      <a:headEnd type="none" w="med" len="med"/>
-                      <a:tailEnd type="none" w="med" len="med"/>
-                    </a:lnR>
-                    <a:lnT w="12700" cap="flat" cmpd="sng" algn="ctr">
-                      <a:solidFill>
-                        <a:schemeClr val="tx1"/>
-                      </a:solidFill>
-                      <a:prstDash val="solid"/>
-                      <a:round/>
-                      <a:headEnd type="none" w="med" len="med"/>
-                      <a:tailEnd type="none" w="med" len="med"/>
-                    </a:lnT>
-                    <a:solidFill>
-                      <a:schemeClr val="tx1"/>
-                    </a:solidFill>
-                  </a:tcPr>
-                </a:tc>
-              </a:tr>
-              <a:tr h="895773">
-                <a:tc>
-                  <a:txBody>
-                    <a:bodyPr/>
-                    <a:lstStyle/>
-                    <a:p>
-                      <a:pPr latinLnBrk="1"/>
-                      <a:endParaRPr lang="ko-KR" altLang="en-US" dirty="0"/>
-                    </a:p>
-                  </a:txBody>
-                  <a:tcPr>
-                    <a:lnL w="12700" cap="flat" cmpd="sng" algn="ctr">
-                      <a:solidFill>
-                        <a:schemeClr val="tx1"/>
-                      </a:solidFill>
-                      <a:prstDash val="solid"/>
-                      <a:round/>
-                      <a:headEnd type="none" w="med" len="med"/>
-                      <a:tailEnd type="none" w="med" len="med"/>
-                    </a:lnL>
-                    <a:solidFill>
-                      <a:schemeClr val="bg1"/>
-                    </a:solidFill>
-                  </a:tcPr>
-                </a:tc>
-                <a:tc>
-                  <a:txBody>
-                    <a:bodyPr/>
-                    <a:lstStyle/>
-                    <a:p>
-                      <a:pPr latinLnBrk="1"/>
-                      <a:endParaRPr lang="ko-KR" altLang="en-US" sz="1800" kern="1200" dirty="0">
-                        <a:solidFill>
-                          <a:schemeClr val="dk1"/>
-                        </a:solidFill>
-                        <a:latin typeface="+mn-lt"/>
-                        <a:ea typeface="+mn-ea"/>
-                        <a:cs typeface="+mn-cs"/>
-                      </a:endParaRPr>
-                    </a:p>
-                  </a:txBody>
-                  <a:tcPr>
-                    <a:solidFill>
-                      <a:schemeClr val="tx1"/>
-                    </a:solidFill>
-                  </a:tcPr>
-                </a:tc>
-                <a:tc>
-                  <a:txBody>
-                    <a:bodyPr/>
-                    <a:lstStyle/>
-                    <a:p>
-                      <a:pPr latinLnBrk="1"/>
-                      <a:endParaRPr lang="ko-KR" altLang="en-US" dirty="0"/>
-                    </a:p>
-                  </a:txBody>
-                  <a:tcPr>
-                    <a:solidFill>
-                      <a:schemeClr val="bg1"/>
-                    </a:solidFill>
-                  </a:tcPr>
-                </a:tc>
-                <a:tc>
-                  <a:txBody>
-                    <a:bodyPr/>
-                    <a:lstStyle/>
-                    <a:p>
-                      <a:pPr latinLnBrk="1"/>
-                      <a:endParaRPr lang="ko-KR" altLang="en-US" dirty="0"/>
-                    </a:p>
-                  </a:txBody>
-                  <a:tcPr>
-                    <a:solidFill>
-                      <a:schemeClr val="tx1"/>
-                    </a:solidFill>
-                  </a:tcPr>
-                </a:tc>
-                <a:tc>
-                  <a:txBody>
-                    <a:bodyPr/>
-                    <a:lstStyle/>
-                    <a:p>
-                      <a:pPr latinLnBrk="1"/>
-                      <a:endParaRPr lang="ko-KR" altLang="en-US" dirty="0"/>
-                    </a:p>
-                  </a:txBody>
-                  <a:tcPr>
-                    <a:lnR w="12700" cap="flat" cmpd="sng" algn="ctr">
-                      <a:solidFill>
-                        <a:schemeClr val="tx1"/>
-                      </a:solidFill>
-                      <a:prstDash val="solid"/>
-                      <a:round/>
-                      <a:headEnd type="none" w="med" len="med"/>
-                      <a:tailEnd type="none" w="med" len="med"/>
-                    </a:lnR>
-                    <a:solidFill>
-                      <a:schemeClr val="bg1"/>
-                    </a:solidFill>
-                  </a:tcPr>
-                </a:tc>
-              </a:tr>
-              <a:tr h="895773">
-                <a:tc>
-                  <a:txBody>
-                    <a:bodyPr/>
-                    <a:lstStyle/>
-                    <a:p>
-                      <a:pPr latinLnBrk="1"/>
-                      <a:endParaRPr lang="ko-KR" altLang="en-US" dirty="0"/>
-                    </a:p>
-                  </a:txBody>
-                  <a:tcPr>
-                    <a:lnL w="12700" cap="flat" cmpd="sng" algn="ctr">
-                      <a:solidFill>
-                        <a:schemeClr val="tx1"/>
-                      </a:solidFill>
-                      <a:prstDash val="solid"/>
-                      <a:round/>
-                      <a:headEnd type="none" w="med" len="med"/>
-                      <a:tailEnd type="none" w="med" len="med"/>
-                    </a:lnL>
-                    <a:solidFill>
-                      <a:schemeClr val="tx1"/>
-                    </a:solidFill>
-                  </a:tcPr>
-                </a:tc>
-                <a:tc>
-                  <a:txBody>
-                    <a:bodyPr/>
-                    <a:lstStyle/>
-                    <a:p>
-                      <a:pPr latinLnBrk="1"/>
-                      <a:endParaRPr lang="ko-KR" altLang="en-US" dirty="0"/>
-                    </a:p>
-                  </a:txBody>
-                  <a:tcPr>
-                    <a:solidFill>
-                      <a:schemeClr val="bg1"/>
-                    </a:solidFill>
-                  </a:tcPr>
-                </a:tc>
-                <a:tc>
-                  <a:txBody>
-                    <a:bodyPr/>
-                    <a:lstStyle/>
-                    <a:p>
-                      <a:pPr latinLnBrk="1"/>
-                      <a:endParaRPr lang="ko-KR" altLang="en-US" dirty="0"/>
-                    </a:p>
-                  </a:txBody>
-                  <a:tcPr>
-                    <a:solidFill>
-                      <a:schemeClr val="tx1"/>
-                    </a:solidFill>
-                  </a:tcPr>
-                </a:tc>
-                <a:tc>
-                  <a:txBody>
-                    <a:bodyPr/>
-                    <a:lstStyle/>
-                    <a:p>
-                      <a:pPr latinLnBrk="1"/>
-                      <a:endParaRPr lang="ko-KR" altLang="en-US" dirty="0"/>
-                    </a:p>
-                  </a:txBody>
-                  <a:tcPr>
-                    <a:solidFill>
-                      <a:schemeClr val="bg1"/>
-                    </a:solidFill>
-                  </a:tcPr>
-                </a:tc>
-                <a:tc>
-                  <a:txBody>
-                    <a:bodyPr/>
-                    <a:lstStyle/>
-                    <a:p>
-                      <a:pPr latinLnBrk="1"/>
-                      <a:endParaRPr lang="ko-KR" altLang="en-US" dirty="0"/>
-                    </a:p>
-                  </a:txBody>
-                  <a:tcPr>
-                    <a:lnR w="12700" cap="flat" cmpd="sng" algn="ctr">
-                      <a:solidFill>
-                        <a:schemeClr val="tx1"/>
-                      </a:solidFill>
-                      <a:prstDash val="solid"/>
-                      <a:round/>
-                      <a:headEnd type="none" w="med" len="med"/>
-                      <a:tailEnd type="none" w="med" len="med"/>
-                    </a:lnR>
-                    <a:solidFill>
-                      <a:schemeClr val="tx1"/>
-                    </a:solidFill>
-                  </a:tcPr>
-                </a:tc>
-              </a:tr>
-              <a:tr h="895773">
-                <a:tc>
-                  <a:txBody>
-                    <a:bodyPr/>
-                    <a:lstStyle/>
-                    <a:p>
-                      <a:pPr latinLnBrk="1"/>
-                      <a:endParaRPr lang="ko-KR" altLang="en-US" dirty="0"/>
-                    </a:p>
-                  </a:txBody>
-                  <a:tcPr>
-                    <a:lnL w="12700" cap="flat" cmpd="sng" algn="ctr">
-                      <a:solidFill>
-                        <a:schemeClr val="tx1"/>
-                      </a:solidFill>
-                      <a:prstDash val="solid"/>
-                      <a:round/>
-                      <a:headEnd type="none" w="med" len="med"/>
-                      <a:tailEnd type="none" w="med" len="med"/>
-                    </a:lnL>
-                    <a:solidFill>
-                      <a:schemeClr val="bg1"/>
-                    </a:solidFill>
-                  </a:tcPr>
-                </a:tc>
-                <a:tc>
-                  <a:txBody>
-                    <a:bodyPr/>
-                    <a:lstStyle/>
-                    <a:p>
-                      <a:pPr latinLnBrk="1"/>
-                      <a:endParaRPr lang="ko-KR" altLang="en-US" dirty="0"/>
-                    </a:p>
-                  </a:txBody>
-                  <a:tcPr>
-                    <a:solidFill>
-                      <a:schemeClr val="tx1"/>
-                    </a:solidFill>
-                  </a:tcPr>
-                </a:tc>
-                <a:tc>
-                  <a:txBody>
-                    <a:bodyPr/>
-                    <a:lstStyle/>
-                    <a:p>
-                      <a:pPr latinLnBrk="1"/>
-                      <a:endParaRPr lang="ko-KR" altLang="en-US" dirty="0"/>
-                    </a:p>
-                  </a:txBody>
-                  <a:tcPr>
-                    <a:solidFill>
-                      <a:schemeClr val="bg1"/>
-                    </a:solidFill>
-                  </a:tcPr>
-                </a:tc>
-                <a:tc>
-                  <a:txBody>
-                    <a:bodyPr/>
-                    <a:lstStyle/>
-                    <a:p>
-                      <a:pPr latinLnBrk="1"/>
-                      <a:endParaRPr lang="ko-KR" altLang="en-US" dirty="0"/>
-                    </a:p>
-                  </a:txBody>
-                  <a:tcPr>
-                    <a:solidFill>
-                      <a:schemeClr val="tx1"/>
-                    </a:solidFill>
-                  </a:tcPr>
-                </a:tc>
-                <a:tc>
-                  <a:txBody>
-                    <a:bodyPr/>
-                    <a:lstStyle/>
-                    <a:p>
-                      <a:pPr latinLnBrk="1"/>
-                      <a:endParaRPr lang="ko-KR" altLang="en-US" dirty="0"/>
-                    </a:p>
-                  </a:txBody>
-                  <a:tcPr>
-                    <a:lnR w="12700" cap="flat" cmpd="sng" algn="ctr">
-                      <a:solidFill>
-                        <a:schemeClr val="tx1"/>
-                      </a:solidFill>
-                      <a:prstDash val="solid"/>
-                      <a:round/>
-                      <a:headEnd type="none" w="med" len="med"/>
-                      <a:tailEnd type="none" w="med" len="med"/>
-                    </a:lnR>
-                    <a:solidFill>
-                      <a:schemeClr val="bg1"/>
-                    </a:solidFill>
-                  </a:tcPr>
-                </a:tc>
-              </a:tr>
-              <a:tr h="895773">
-                <a:tc>
-                  <a:txBody>
-                    <a:bodyPr/>
-                    <a:lstStyle/>
-                    <a:p>
-                      <a:pPr latinLnBrk="1"/>
-                      <a:endParaRPr lang="ko-KR" altLang="en-US" dirty="0"/>
-                    </a:p>
-                  </a:txBody>
-                  <a:tcPr>
-                    <a:lnL w="12700" cap="flat" cmpd="sng" algn="ctr">
-                      <a:solidFill>
-                        <a:schemeClr val="tx1"/>
-                      </a:solidFill>
-                      <a:prstDash val="solid"/>
-                      <a:round/>
-                      <a:headEnd type="none" w="med" len="med"/>
-                      <a:tailEnd type="none" w="med" len="med"/>
-                    </a:lnL>
-                    <a:lnB w="12700" cap="flat" cmpd="sng" algn="ctr">
-                      <a:solidFill>
-                        <a:schemeClr val="tx1"/>
-                      </a:solidFill>
-                      <a:prstDash val="solid"/>
-                      <a:round/>
-                      <a:headEnd type="none" w="med" len="med"/>
-                      <a:tailEnd type="none" w="med" len="med"/>
-                    </a:lnB>
-                    <a:solidFill>
-                      <a:schemeClr val="tx1"/>
-                    </a:solidFill>
-                  </a:tcPr>
-                </a:tc>
-                <a:tc>
-                  <a:txBody>
-                    <a:bodyPr/>
-                    <a:lstStyle/>
-                    <a:p>
-                      <a:pPr latinLnBrk="1"/>
-                      <a:endParaRPr lang="ko-KR" altLang="en-US" dirty="0"/>
-                    </a:p>
-                  </a:txBody>
-                  <a:tcPr>
-                    <a:lnB w="12700" cap="flat" cmpd="sng" algn="ctr">
-                      <a:solidFill>
-                        <a:schemeClr val="tx1"/>
-                      </a:solidFill>
-                      <a:prstDash val="solid"/>
-                      <a:round/>
-                      <a:headEnd type="none" w="med" len="med"/>
-                      <a:tailEnd type="none" w="med" len="med"/>
-                    </a:lnB>
-                    <a:solidFill>
-                      <a:schemeClr val="bg1"/>
-                    </a:solidFill>
-                  </a:tcPr>
-                </a:tc>
-                <a:tc>
-                  <a:txBody>
-                    <a:bodyPr/>
-                    <a:lstStyle/>
-                    <a:p>
-                      <a:pPr latinLnBrk="1"/>
-                      <a:endParaRPr lang="ko-KR" altLang="en-US" dirty="0"/>
-                    </a:p>
-                  </a:txBody>
-                  <a:tcPr>
-                    <a:lnB w="12700" cap="flat" cmpd="sng" algn="ctr">
-                      <a:solidFill>
-                        <a:schemeClr val="tx1"/>
-                      </a:solidFill>
-                      <a:prstDash val="solid"/>
-                      <a:round/>
-                      <a:headEnd type="none" w="med" len="med"/>
-                      <a:tailEnd type="none" w="med" len="med"/>
-                    </a:lnB>
-                    <a:solidFill>
-                      <a:schemeClr val="tx1"/>
-                    </a:solidFill>
-                  </a:tcPr>
-                </a:tc>
-                <a:tc>
-                  <a:txBody>
-                    <a:bodyPr/>
-                    <a:lstStyle/>
-                    <a:p>
-                      <a:pPr latinLnBrk="1"/>
-                      <a:endParaRPr lang="ko-KR" altLang="en-US" dirty="0"/>
-                    </a:p>
-                  </a:txBody>
-                  <a:tcPr>
-                    <a:lnB w="12700" cap="flat" cmpd="sng" algn="ctr">
-                      <a:solidFill>
-                        <a:schemeClr val="tx1"/>
-                      </a:solidFill>
-                      <a:prstDash val="solid"/>
-                      <a:round/>
-                      <a:headEnd type="none" w="med" len="med"/>
-                      <a:tailEnd type="none" w="med" len="med"/>
-                    </a:lnB>
-                    <a:solidFill>
-                      <a:schemeClr val="bg1"/>
-                    </a:solidFill>
-                  </a:tcPr>
-                </a:tc>
-                <a:tc>
-                  <a:txBody>
-                    <a:bodyPr/>
-                    <a:lstStyle/>
-                    <a:p>
-                      <a:pPr latinLnBrk="1"/>
-                      <a:endParaRPr lang="ko-KR" altLang="en-US" dirty="0"/>
-                    </a:p>
-                  </a:txBody>
-                  <a:tcPr>
-                    <a:lnR w="12700" cap="flat" cmpd="sng" algn="ctr">
-                      <a:solidFill>
-                        <a:schemeClr val="tx1"/>
-                      </a:solidFill>
-                      <a:prstDash val="solid"/>
-                      <a:round/>
-                      <a:headEnd type="none" w="med" len="med"/>
-                      <a:tailEnd type="none" w="med" len="med"/>
-                    </a:lnR>
-                    <a:lnB w="12700" cap="flat" cmpd="sng" algn="ctr">
-                      <a:solidFill>
-                        <a:schemeClr val="tx1"/>
-                      </a:solidFill>
-                      <a:prstDash val="solid"/>
-                      <a:round/>
-                      <a:headEnd type="none" w="med" len="med"/>
-                      <a:tailEnd type="none" w="med" len="med"/>
-                    </a:lnB>
-                    <a:solidFill>
-                      <a:schemeClr val="tx1"/>
-                    </a:solidFill>
-                  </a:tcPr>
-                </a:tc>
-              </a:tr>
-            </a:tbl>
-          </a:graphicData>
-        </a:graphic>
-      </p:graphicFrame>
-      <p:graphicFrame>
-        <p:nvGraphicFramePr>
-          <p:cNvPr id="13" name="표 12"/>
-          <p:cNvGraphicFramePr>
-            <a:graphicFrameLocks noGrp="1"/>
-          </p:cNvGraphicFramePr>
-          <p:nvPr>
-            <p:extLst>
-              <p:ext uri="{D42A27DB-BD31-4B8C-83A1-F6EECF244321}">
-                <p14:modId xmlns:p14="http://schemas.microsoft.com/office/powerpoint/2010/main" val="3825514169"/>
-              </p:ext>
-            </p:extLst>
-          </p:nvPr>
-        </p:nvGraphicFramePr>
-        <p:xfrm>
-          <a:off x="1057894" y="812572"/>
-          <a:ext cx="1312334" cy="503542"/>
-        </p:xfrm>
-        <a:graphic>
-          <a:graphicData uri="http://schemas.openxmlformats.org/drawingml/2006/table">
-            <a:tbl>
-              <a:tblPr firstRow="1" bandRow="1">
-                <a:tableStyleId>{5C22544A-7EE6-4342-B048-85BDC9FD1C3A}</a:tableStyleId>
-              </a:tblPr>
-              <a:tblGrid>
-                <a:gridCol w="656167"/>
-                <a:gridCol w="656167"/>
-              </a:tblGrid>
-              <a:tr h="251771">
-                <a:tc>
-                  <a:txBody>
-                    <a:bodyPr/>
-                    <a:lstStyle/>
-                    <a:p>
-                      <a:pPr algn="ctr" latinLnBrk="1"/>
-                      <a:r>
-                        <a:rPr lang="ko-KR" altLang="en-US" sz="1050" dirty="0" smtClean="0"/>
-                        <a:t>계급</a:t>
-                      </a:r>
-                      <a:endParaRPr lang="ko-KR" altLang="en-US" sz="1050" dirty="0"/>
-                    </a:p>
-                  </a:txBody>
-                  <a:tcPr anchor="ctr"/>
-                </a:tc>
-                <a:tc>
-                  <a:txBody>
-                    <a:bodyPr/>
-                    <a:lstStyle/>
-                    <a:p>
-                      <a:pPr algn="ctr" latinLnBrk="1"/>
-                      <a:r>
-                        <a:rPr lang="ko-KR" altLang="en-US" sz="1050" dirty="0" err="1" smtClean="0"/>
-                        <a:t>실버</a:t>
-                      </a:r>
-                      <a:r>
-                        <a:rPr lang="ko-KR" altLang="en-US" sz="1050" dirty="0" smtClean="0"/>
-                        <a:t> </a:t>
-                      </a:r>
-                      <a:r>
-                        <a:rPr lang="en-US" altLang="ko-KR" sz="1050" dirty="0" smtClean="0"/>
-                        <a:t>3</a:t>
-                      </a:r>
-                      <a:endParaRPr lang="ko-KR" altLang="en-US" sz="1050" dirty="0"/>
-                    </a:p>
-                  </a:txBody>
-                  <a:tcPr anchor="ctr"/>
-                </a:tc>
-              </a:tr>
-              <a:tr h="251771">
-                <a:tc>
-                  <a:txBody>
-                    <a:bodyPr/>
-                    <a:lstStyle/>
-                    <a:p>
-                      <a:pPr algn="ctr" latinLnBrk="1"/>
-                      <a:r>
-                        <a:rPr lang="ko-KR" altLang="en-US" sz="1050" dirty="0" smtClean="0"/>
-                        <a:t>점수</a:t>
-                      </a:r>
-                      <a:endParaRPr lang="ko-KR" altLang="en-US" sz="1050" dirty="0"/>
-                    </a:p>
-                  </a:txBody>
-                  <a:tcPr anchor="ctr"/>
-                </a:tc>
-                <a:tc>
-                  <a:txBody>
-                    <a:bodyPr/>
-                    <a:lstStyle/>
-                    <a:p>
-                      <a:pPr algn="ctr" latinLnBrk="1"/>
-                      <a:r>
-                        <a:rPr lang="en-US" altLang="ko-KR" sz="1050" dirty="0" smtClean="0"/>
-                        <a:t>1245</a:t>
-                      </a:r>
-                      <a:endParaRPr lang="ko-KR" altLang="en-US" sz="1050" dirty="0"/>
-                    </a:p>
-                  </a:txBody>
-                  <a:tcPr anchor="ctr"/>
-                </a:tc>
-              </a:tr>
-            </a:tbl>
-          </a:graphicData>
-        </a:graphic>
-      </p:graphicFrame>
-      <p:graphicFrame>
-        <p:nvGraphicFramePr>
-          <p:cNvPr id="14" name="표 13"/>
-          <p:cNvGraphicFramePr>
-            <a:graphicFrameLocks noGrp="1"/>
-          </p:cNvGraphicFramePr>
-          <p:nvPr>
-            <p:extLst>
-              <p:ext uri="{D42A27DB-BD31-4B8C-83A1-F6EECF244321}">
-                <p14:modId xmlns:p14="http://schemas.microsoft.com/office/powerpoint/2010/main" val="3839663812"/>
-              </p:ext>
-            </p:extLst>
-          </p:nvPr>
-        </p:nvGraphicFramePr>
-        <p:xfrm>
-          <a:off x="4191001" y="850786"/>
-          <a:ext cx="1312334" cy="503542"/>
-        </p:xfrm>
-        <a:graphic>
-          <a:graphicData uri="http://schemas.openxmlformats.org/drawingml/2006/table">
-            <a:tbl>
-              <a:tblPr firstRow="1" bandRow="1">
-                <a:tableStyleId>{5C22544A-7EE6-4342-B048-85BDC9FD1C3A}</a:tableStyleId>
-              </a:tblPr>
-              <a:tblGrid>
-                <a:gridCol w="656167"/>
-                <a:gridCol w="656167"/>
-              </a:tblGrid>
-              <a:tr h="251771">
-                <a:tc>
-                  <a:txBody>
-                    <a:bodyPr/>
-                    <a:lstStyle/>
-                    <a:p>
-                      <a:pPr algn="ctr" latinLnBrk="1"/>
-                      <a:r>
-                        <a:rPr lang="ko-KR" altLang="en-US" sz="1050" dirty="0" smtClean="0"/>
-                        <a:t>계급</a:t>
-                      </a:r>
-                      <a:endParaRPr lang="ko-KR" altLang="en-US" sz="1050" dirty="0"/>
-                    </a:p>
-                  </a:txBody>
-                  <a:tcPr anchor="ctr"/>
-                </a:tc>
-                <a:tc>
-                  <a:txBody>
-                    <a:bodyPr/>
-                    <a:lstStyle/>
-                    <a:p>
-                      <a:pPr algn="ctr" latinLnBrk="1"/>
-                      <a:r>
-                        <a:rPr lang="ko-KR" altLang="en-US" sz="1050" dirty="0" err="1" smtClean="0"/>
-                        <a:t>실버</a:t>
-                      </a:r>
-                      <a:r>
-                        <a:rPr lang="ko-KR" altLang="en-US" sz="1050" dirty="0" smtClean="0"/>
-                        <a:t> </a:t>
-                      </a:r>
-                      <a:r>
-                        <a:rPr lang="en-US" altLang="ko-KR" sz="1050" dirty="0" smtClean="0"/>
-                        <a:t>3</a:t>
-                      </a:r>
-                      <a:endParaRPr lang="ko-KR" altLang="en-US" sz="1050" dirty="0"/>
-                    </a:p>
-                  </a:txBody>
-                  <a:tcPr anchor="ctr"/>
-                </a:tc>
-              </a:tr>
-              <a:tr h="251771">
-                <a:tc>
-                  <a:txBody>
-                    <a:bodyPr/>
-                    <a:lstStyle/>
-                    <a:p>
-                      <a:pPr algn="ctr" latinLnBrk="1"/>
-                      <a:r>
-                        <a:rPr lang="ko-KR" altLang="en-US" sz="1050" dirty="0" smtClean="0"/>
-                        <a:t>점수</a:t>
-                      </a:r>
-                      <a:endParaRPr lang="ko-KR" altLang="en-US" sz="1050" dirty="0"/>
-                    </a:p>
-                  </a:txBody>
-                  <a:tcPr anchor="ctr"/>
-                </a:tc>
-                <a:tc>
-                  <a:txBody>
-                    <a:bodyPr/>
-                    <a:lstStyle/>
-                    <a:p>
-                      <a:pPr algn="ctr" latinLnBrk="1"/>
-                      <a:r>
-                        <a:rPr lang="en-US" altLang="ko-KR" sz="1050" dirty="0" smtClean="0"/>
-                        <a:t>1245</a:t>
-                      </a:r>
-                      <a:endParaRPr lang="ko-KR" altLang="en-US" sz="1050" dirty="0"/>
-                    </a:p>
-                  </a:txBody>
-                  <a:tcPr anchor="ctr"/>
-                </a:tc>
-              </a:tr>
-            </a:tbl>
-          </a:graphicData>
-        </a:graphic>
-      </p:graphicFrame>
-      <p:grpSp>
-        <p:nvGrpSpPr>
-          <p:cNvPr id="9" name="그룹 8"/>
-          <p:cNvGrpSpPr/>
-          <p:nvPr/>
-        </p:nvGrpSpPr>
-        <p:grpSpPr>
-          <a:xfrm>
-            <a:off x="3007838" y="626529"/>
-            <a:ext cx="537524" cy="537524"/>
-            <a:chOff x="3007838" y="313263"/>
-            <a:chExt cx="537524" cy="537524"/>
-          </a:xfrm>
-        </p:grpSpPr>
-        <p:sp>
-          <p:nvSpPr>
-            <p:cNvPr id="16" name="타원 15"/>
-            <p:cNvSpPr/>
-            <p:nvPr/>
-          </p:nvSpPr>
-          <p:spPr>
-            <a:xfrm>
-              <a:off x="3007838" y="313263"/>
-              <a:ext cx="537524" cy="537524"/>
-            </a:xfrm>
-            <a:prstGeom prst="ellipse">
-              <a:avLst/>
-            </a:prstGeom>
-          </p:spPr>
-          <p:style>
-            <a:lnRef idx="2">
-              <a:schemeClr val="accent1">
-                <a:shade val="50000"/>
-              </a:schemeClr>
-            </a:lnRef>
-            <a:fillRef idx="1">
-              <a:schemeClr val="accent1"/>
-            </a:fillRef>
-            <a:effectRef idx="0">
-              <a:schemeClr val="accent1"/>
-            </a:effectRef>
-            <a:fontRef idx="minor">
-              <a:schemeClr val="lt1"/>
-            </a:fontRef>
-          </p:style>
-          <p:txBody>
-            <a:bodyPr rtlCol="0" anchor="ctr"/>
-            <a:lstStyle/>
-            <a:p>
-              <a:pPr algn="ctr"/>
-              <a:endParaRPr lang="ko-KR" altLang="en-US" sz="700" dirty="0"/>
-            </a:p>
-          </p:txBody>
-        </p:sp>
-        <p:sp>
-          <p:nvSpPr>
-            <p:cNvPr id="6" name="TextBox 5"/>
-            <p:cNvSpPr txBox="1"/>
-            <p:nvPr/>
-          </p:nvSpPr>
-          <p:spPr>
-            <a:xfrm>
-              <a:off x="3036889" y="443525"/>
-              <a:ext cx="508473" cy="276999"/>
-            </a:xfrm>
-            <a:prstGeom prst="rect">
-              <a:avLst/>
-            </a:prstGeom>
-            <a:noFill/>
-          </p:spPr>
-          <p:txBody>
-            <a:bodyPr wrap="none" rtlCol="0">
-              <a:spAutoFit/>
-            </a:bodyPr>
-            <a:lstStyle/>
-            <a:p>
-              <a:r>
-                <a:rPr lang="en-US" altLang="ko-KR" sz="1200" dirty="0" smtClean="0"/>
-                <a:t>15</a:t>
-              </a:r>
-              <a:r>
-                <a:rPr lang="ko-KR" altLang="en-US" sz="1200" dirty="0" smtClean="0"/>
-                <a:t>초</a:t>
-              </a:r>
-              <a:endParaRPr lang="ko-KR" altLang="en-US" sz="1200" dirty="0"/>
-            </a:p>
-          </p:txBody>
-        </p:sp>
-      </p:grpSp>
       <p:sp>
         <p:nvSpPr>
-          <p:cNvPr id="8" name="TextBox 7"/>
-          <p:cNvSpPr txBox="1"/>
-          <p:nvPr/>
-        </p:nvSpPr>
-        <p:spPr>
-          <a:xfrm>
-            <a:off x="1134534" y="5283201"/>
-            <a:ext cx="671209" cy="369332"/>
-          </a:xfrm>
-          <a:prstGeom prst="rect">
-            <a:avLst/>
-          </a:prstGeom>
-          <a:noFill/>
-        </p:spPr>
-        <p:txBody>
-          <a:bodyPr wrap="none" rtlCol="0">
-            <a:spAutoFit/>
-          </a:bodyPr>
-          <a:lstStyle/>
-          <a:p>
-            <a:r>
-              <a:rPr lang="en-US" altLang="ko-KR" dirty="0" smtClean="0">
-                <a:solidFill>
-                  <a:schemeClr val="bg1"/>
-                </a:solidFill>
-              </a:rPr>
-              <a:t>Start</a:t>
-            </a:r>
-            <a:endParaRPr lang="ko-KR" altLang="en-US" dirty="0">
-              <a:solidFill>
-                <a:schemeClr val="bg1"/>
-              </a:solidFill>
-            </a:endParaRPr>
-          </a:p>
-        </p:txBody>
-      </p:sp>
-      <p:sp>
-        <p:nvSpPr>
-          <p:cNvPr id="18" name="TextBox 17"/>
-          <p:cNvSpPr txBox="1"/>
-          <p:nvPr/>
-        </p:nvSpPr>
-        <p:spPr>
-          <a:xfrm>
-            <a:off x="4733305" y="1676401"/>
-            <a:ext cx="657488" cy="369332"/>
-          </a:xfrm>
-          <a:prstGeom prst="rect">
-            <a:avLst/>
-          </a:prstGeom>
-          <a:noFill/>
-        </p:spPr>
-        <p:txBody>
-          <a:bodyPr wrap="none" rtlCol="0">
-            <a:spAutoFit/>
-          </a:bodyPr>
-          <a:lstStyle/>
-          <a:p>
-            <a:r>
-              <a:rPr lang="en-US" altLang="ko-KR" dirty="0" smtClean="0">
-                <a:solidFill>
-                  <a:schemeClr val="bg1"/>
-                </a:solidFill>
-              </a:rPr>
-              <a:t>Goal</a:t>
-            </a:r>
-            <a:endParaRPr lang="ko-KR" altLang="en-US" dirty="0">
-              <a:solidFill>
-                <a:schemeClr val="bg1"/>
-              </a:solidFill>
-            </a:endParaRPr>
-          </a:p>
-        </p:txBody>
-      </p:sp>
-      <p:sp>
-        <p:nvSpPr>
-          <p:cNvPr id="19" name="TextBox 18"/>
-          <p:cNvSpPr txBox="1"/>
-          <p:nvPr/>
-        </p:nvSpPr>
-        <p:spPr>
-          <a:xfrm>
-            <a:off x="4733305" y="5283201"/>
-            <a:ext cx="671209" cy="369332"/>
-          </a:xfrm>
-          <a:prstGeom prst="rect">
-            <a:avLst/>
-          </a:prstGeom>
-          <a:noFill/>
-        </p:spPr>
-        <p:txBody>
-          <a:bodyPr wrap="none" rtlCol="0">
-            <a:spAutoFit/>
-          </a:bodyPr>
-          <a:lstStyle/>
-          <a:p>
-            <a:r>
-              <a:rPr lang="en-US" altLang="ko-KR" dirty="0" smtClean="0">
-                <a:solidFill>
-                  <a:schemeClr val="bg1"/>
-                </a:solidFill>
-              </a:rPr>
-              <a:t>Start</a:t>
-            </a:r>
-            <a:endParaRPr lang="ko-KR" altLang="en-US" dirty="0">
-              <a:solidFill>
-                <a:schemeClr val="bg1"/>
-              </a:solidFill>
-            </a:endParaRPr>
-          </a:p>
-        </p:txBody>
-      </p:sp>
-      <p:sp>
-        <p:nvSpPr>
-          <p:cNvPr id="22" name="TextBox 21"/>
-          <p:cNvSpPr txBox="1"/>
-          <p:nvPr/>
-        </p:nvSpPr>
-        <p:spPr>
-          <a:xfrm>
-            <a:off x="1148255" y="1676401"/>
-            <a:ext cx="657488" cy="369332"/>
-          </a:xfrm>
-          <a:prstGeom prst="rect">
-            <a:avLst/>
-          </a:prstGeom>
-          <a:noFill/>
-        </p:spPr>
-        <p:txBody>
-          <a:bodyPr wrap="none" rtlCol="0">
-            <a:spAutoFit/>
-          </a:bodyPr>
-          <a:lstStyle/>
-          <a:p>
-            <a:r>
-              <a:rPr lang="en-US" altLang="ko-KR" dirty="0" smtClean="0">
-                <a:solidFill>
-                  <a:schemeClr val="bg1"/>
-                </a:solidFill>
-              </a:rPr>
-              <a:t>Goal</a:t>
-            </a:r>
-            <a:endParaRPr lang="ko-KR" altLang="en-US" dirty="0">
-              <a:solidFill>
-                <a:schemeClr val="bg1"/>
-              </a:solidFill>
-            </a:endParaRPr>
-          </a:p>
-        </p:txBody>
-      </p:sp>
-      <p:sp>
-        <p:nvSpPr>
-          <p:cNvPr id="27" name="TextBox 26"/>
-          <p:cNvSpPr txBox="1"/>
-          <p:nvPr/>
-        </p:nvSpPr>
-        <p:spPr>
-          <a:xfrm>
-            <a:off x="999066" y="536996"/>
-            <a:ext cx="1127937" cy="276999"/>
-          </a:xfrm>
-          <a:prstGeom prst="rect">
-            <a:avLst/>
-          </a:prstGeom>
-          <a:noFill/>
-        </p:spPr>
-        <p:txBody>
-          <a:bodyPr wrap="none" rtlCol="0">
-            <a:spAutoFit/>
-          </a:bodyPr>
-          <a:lstStyle/>
-          <a:p>
-            <a:r>
-              <a:rPr lang="en-US" altLang="ko-KR" sz="1200" dirty="0" smtClean="0"/>
-              <a:t>shfksekdrms2</a:t>
-            </a:r>
-            <a:endParaRPr lang="ko-KR" altLang="en-US" sz="1200" dirty="0"/>
-          </a:p>
-        </p:txBody>
-      </p:sp>
-      <p:sp>
-        <p:nvSpPr>
-          <p:cNvPr id="28" name="TextBox 27"/>
-          <p:cNvSpPr txBox="1"/>
-          <p:nvPr/>
-        </p:nvSpPr>
-        <p:spPr>
-          <a:xfrm>
-            <a:off x="4733305" y="579334"/>
-            <a:ext cx="824265" cy="276999"/>
-          </a:xfrm>
-          <a:prstGeom prst="rect">
-            <a:avLst/>
-          </a:prstGeom>
-          <a:noFill/>
-        </p:spPr>
-        <p:txBody>
-          <a:bodyPr wrap="none" rtlCol="0">
-            <a:spAutoFit/>
-          </a:bodyPr>
-          <a:lstStyle/>
-          <a:p>
-            <a:r>
-              <a:rPr lang="en-US" altLang="ko-KR" sz="1200" dirty="0" smtClean="0"/>
-              <a:t>june0313</a:t>
-            </a:r>
-            <a:endParaRPr lang="ko-KR" altLang="en-US" sz="1200" dirty="0"/>
-          </a:p>
-        </p:txBody>
-      </p:sp>
-      <p:grpSp>
-        <p:nvGrpSpPr>
-          <p:cNvPr id="38" name="그룹 37"/>
-          <p:cNvGrpSpPr/>
-          <p:nvPr/>
-        </p:nvGrpSpPr>
-        <p:grpSpPr>
-          <a:xfrm>
-            <a:off x="827185" y="4715791"/>
-            <a:ext cx="614697" cy="832639"/>
-            <a:chOff x="3641927" y="4001840"/>
-            <a:chExt cx="614697" cy="832639"/>
-          </a:xfrm>
-        </p:grpSpPr>
-        <p:grpSp>
-          <p:nvGrpSpPr>
-            <p:cNvPr id="31" name="그룹 30"/>
-            <p:cNvGrpSpPr/>
-            <p:nvPr/>
-          </p:nvGrpSpPr>
-          <p:grpSpPr>
-            <a:xfrm>
-              <a:off x="3641927" y="4001840"/>
-              <a:ext cx="614697" cy="614697"/>
-              <a:chOff x="3701193" y="4021663"/>
-              <a:chExt cx="614697" cy="614697"/>
-            </a:xfrm>
-          </p:grpSpPr>
-          <p:sp>
-            <p:nvSpPr>
-              <p:cNvPr id="26" name="타원 25"/>
-              <p:cNvSpPr/>
-              <p:nvPr/>
-            </p:nvSpPr>
-            <p:spPr>
-              <a:xfrm>
-                <a:off x="3701193" y="4021663"/>
-                <a:ext cx="614697" cy="614697"/>
-              </a:xfrm>
-              <a:prstGeom prst="ellipse">
-                <a:avLst/>
-              </a:prstGeom>
-            </p:spPr>
-            <p:style>
-              <a:lnRef idx="2">
-                <a:schemeClr val="accent1">
-                  <a:shade val="50000"/>
-                </a:schemeClr>
-              </a:lnRef>
-              <a:fillRef idx="1">
-                <a:schemeClr val="accent1"/>
-              </a:fillRef>
-              <a:effectRef idx="0">
-                <a:schemeClr val="accent1"/>
-              </a:effectRef>
-              <a:fontRef idx="minor">
-                <a:schemeClr val="lt1"/>
-              </a:fontRef>
-            </p:style>
-            <p:txBody>
-              <a:bodyPr rtlCol="0" anchor="ctr"/>
-              <a:lstStyle/>
-              <a:p>
-                <a:pPr algn="ctr"/>
-                <a:endParaRPr lang="ko-KR" altLang="en-US" sz="1000" dirty="0"/>
-              </a:p>
-            </p:txBody>
-          </p:sp>
-          <p:sp>
-            <p:nvSpPr>
-              <p:cNvPr id="29" name="TextBox 28"/>
-              <p:cNvSpPr txBox="1"/>
-              <p:nvPr/>
-            </p:nvSpPr>
-            <p:spPr>
-              <a:xfrm>
-                <a:off x="3762319" y="4190511"/>
-                <a:ext cx="492443" cy="276999"/>
-              </a:xfrm>
-              <a:prstGeom prst="rect">
-                <a:avLst/>
-              </a:prstGeom>
-              <a:noFill/>
-            </p:spPr>
-            <p:txBody>
-              <a:bodyPr wrap="none" rtlCol="0">
-                <a:spAutoFit/>
-              </a:bodyPr>
-              <a:lstStyle/>
-              <a:p>
-                <a:r>
-                  <a:rPr lang="ko-KR" altLang="en-US" sz="1200" dirty="0" smtClean="0">
-                    <a:solidFill>
-                      <a:schemeClr val="bg1"/>
-                    </a:solidFill>
-                  </a:rPr>
-                  <a:t>사진</a:t>
-                </a:r>
-                <a:endParaRPr lang="ko-KR" altLang="en-US" sz="1200" dirty="0">
-                  <a:solidFill>
-                    <a:schemeClr val="bg1"/>
-                  </a:solidFill>
-                </a:endParaRPr>
-              </a:p>
-            </p:txBody>
-          </p:sp>
-        </p:grpSp>
-        <p:sp>
-          <p:nvSpPr>
-            <p:cNvPr id="33" name="타원 32"/>
-            <p:cNvSpPr/>
-            <p:nvPr/>
-          </p:nvSpPr>
-          <p:spPr>
-            <a:xfrm>
-              <a:off x="3949274" y="4656183"/>
-              <a:ext cx="171647" cy="79573"/>
-            </a:xfrm>
-            <a:prstGeom prst="ellipse">
-              <a:avLst/>
-            </a:prstGeom>
-          </p:spPr>
-          <p:style>
-            <a:lnRef idx="2">
-              <a:schemeClr val="accent1">
-                <a:shade val="50000"/>
-              </a:schemeClr>
-            </a:lnRef>
-            <a:fillRef idx="1">
-              <a:schemeClr val="accent1"/>
-            </a:fillRef>
-            <a:effectRef idx="0">
-              <a:schemeClr val="accent1"/>
-            </a:effectRef>
-            <a:fontRef idx="minor">
-              <a:schemeClr val="lt1"/>
-            </a:fontRef>
-          </p:style>
-          <p:txBody>
-            <a:bodyPr rtlCol="0" anchor="ctr"/>
-            <a:lstStyle/>
-            <a:p>
-              <a:pPr algn="ctr"/>
-              <a:endParaRPr lang="ko-KR" altLang="en-US"/>
-            </a:p>
-          </p:txBody>
-        </p:sp>
-        <p:sp>
-          <p:nvSpPr>
-            <p:cNvPr id="34" name="타원 33"/>
-            <p:cNvSpPr/>
-            <p:nvPr/>
-          </p:nvSpPr>
-          <p:spPr>
-            <a:xfrm>
-              <a:off x="4101674" y="4788760"/>
-              <a:ext cx="80373" cy="45719"/>
-            </a:xfrm>
-            <a:prstGeom prst="ellipse">
-              <a:avLst/>
-            </a:prstGeom>
-          </p:spPr>
-          <p:style>
-            <a:lnRef idx="2">
-              <a:schemeClr val="accent1">
-                <a:shade val="50000"/>
-              </a:schemeClr>
-            </a:lnRef>
-            <a:fillRef idx="1">
-              <a:schemeClr val="accent1"/>
-            </a:fillRef>
-            <a:effectRef idx="0">
-              <a:schemeClr val="accent1"/>
-            </a:effectRef>
-            <a:fontRef idx="minor">
-              <a:schemeClr val="lt1"/>
-            </a:fontRef>
-          </p:style>
-          <p:txBody>
-            <a:bodyPr rtlCol="0" anchor="ctr"/>
-            <a:lstStyle/>
-            <a:p>
-              <a:pPr algn="ctr"/>
-              <a:endParaRPr lang="ko-KR" altLang="en-US"/>
-            </a:p>
-          </p:txBody>
-        </p:sp>
-      </p:grpSp>
-      <p:grpSp>
-        <p:nvGrpSpPr>
-          <p:cNvPr id="40" name="그룹 39"/>
-          <p:cNvGrpSpPr/>
-          <p:nvPr/>
-        </p:nvGrpSpPr>
-        <p:grpSpPr>
-          <a:xfrm>
-            <a:off x="5068042" y="4787362"/>
-            <a:ext cx="614697" cy="818510"/>
-            <a:chOff x="4182045" y="4019058"/>
-            <a:chExt cx="614697" cy="818510"/>
-          </a:xfrm>
-        </p:grpSpPr>
-        <p:grpSp>
-          <p:nvGrpSpPr>
-            <p:cNvPr id="41" name="그룹 40"/>
-            <p:cNvGrpSpPr/>
-            <p:nvPr/>
-          </p:nvGrpSpPr>
-          <p:grpSpPr>
-            <a:xfrm>
-              <a:off x="4182045" y="4019058"/>
-              <a:ext cx="614697" cy="614697"/>
-              <a:chOff x="4080699" y="4021663"/>
-              <a:chExt cx="614697" cy="614697"/>
-            </a:xfrm>
-          </p:grpSpPr>
-          <p:sp>
-            <p:nvSpPr>
-              <p:cNvPr id="44" name="타원 43"/>
-              <p:cNvSpPr/>
-              <p:nvPr/>
-            </p:nvSpPr>
-            <p:spPr>
-              <a:xfrm>
-                <a:off x="4080699" y="4021663"/>
-                <a:ext cx="614697" cy="614697"/>
-              </a:xfrm>
-              <a:prstGeom prst="ellipse">
-                <a:avLst/>
-              </a:prstGeom>
-            </p:spPr>
-            <p:style>
-              <a:lnRef idx="2">
-                <a:schemeClr val="accent1">
-                  <a:shade val="50000"/>
-                </a:schemeClr>
-              </a:lnRef>
-              <a:fillRef idx="1">
-                <a:schemeClr val="accent1"/>
-              </a:fillRef>
-              <a:effectRef idx="0">
-                <a:schemeClr val="accent1"/>
-              </a:effectRef>
-              <a:fontRef idx="minor">
-                <a:schemeClr val="lt1"/>
-              </a:fontRef>
-            </p:style>
-            <p:txBody>
-              <a:bodyPr rtlCol="0" anchor="ctr"/>
-              <a:lstStyle/>
-              <a:p>
-                <a:pPr algn="ctr"/>
-                <a:endParaRPr lang="ko-KR" altLang="en-US" sz="900" dirty="0"/>
-              </a:p>
-            </p:txBody>
-          </p:sp>
-          <p:sp>
-            <p:nvSpPr>
-              <p:cNvPr id="45" name="TextBox 44"/>
-              <p:cNvSpPr txBox="1"/>
-              <p:nvPr/>
-            </p:nvSpPr>
-            <p:spPr>
-              <a:xfrm>
-                <a:off x="4141825" y="4190511"/>
-                <a:ext cx="492443" cy="276999"/>
-              </a:xfrm>
-              <a:prstGeom prst="rect">
-                <a:avLst/>
-              </a:prstGeom>
-              <a:noFill/>
-            </p:spPr>
-            <p:txBody>
-              <a:bodyPr wrap="none" rtlCol="0">
-                <a:spAutoFit/>
-              </a:bodyPr>
-              <a:lstStyle/>
-              <a:p>
-                <a:r>
-                  <a:rPr lang="ko-KR" altLang="en-US" sz="1200" dirty="0" smtClean="0">
-                    <a:solidFill>
-                      <a:schemeClr val="bg1"/>
-                    </a:solidFill>
-                  </a:rPr>
-                  <a:t>사진</a:t>
-                </a:r>
-                <a:endParaRPr lang="ko-KR" altLang="en-US" sz="1200" dirty="0">
-                  <a:solidFill>
-                    <a:schemeClr val="bg1"/>
-                  </a:solidFill>
-                </a:endParaRPr>
-              </a:p>
-            </p:txBody>
-          </p:sp>
-        </p:grpSp>
-        <p:sp>
-          <p:nvSpPr>
-            <p:cNvPr id="42" name="타원 41"/>
-            <p:cNvSpPr/>
-            <p:nvPr/>
-          </p:nvSpPr>
-          <p:spPr>
-            <a:xfrm>
-              <a:off x="4317745" y="4676005"/>
-              <a:ext cx="171647" cy="79573"/>
-            </a:xfrm>
-            <a:prstGeom prst="ellipse">
-              <a:avLst/>
-            </a:prstGeom>
-          </p:spPr>
-          <p:style>
-            <a:lnRef idx="2">
-              <a:schemeClr val="accent1">
-                <a:shade val="50000"/>
-              </a:schemeClr>
-            </a:lnRef>
-            <a:fillRef idx="1">
-              <a:schemeClr val="accent1"/>
-            </a:fillRef>
-            <a:effectRef idx="0">
-              <a:schemeClr val="accent1"/>
-            </a:effectRef>
-            <a:fontRef idx="minor">
-              <a:schemeClr val="lt1"/>
-            </a:fontRef>
-          </p:style>
-          <p:txBody>
-            <a:bodyPr rtlCol="0" anchor="ctr"/>
-            <a:lstStyle/>
-            <a:p>
-              <a:pPr algn="ctr"/>
-              <a:endParaRPr lang="ko-KR" altLang="en-US"/>
-            </a:p>
-          </p:txBody>
-        </p:sp>
-        <p:sp>
-          <p:nvSpPr>
-            <p:cNvPr id="43" name="타원 42"/>
-            <p:cNvSpPr/>
-            <p:nvPr/>
-          </p:nvSpPr>
-          <p:spPr>
-            <a:xfrm>
-              <a:off x="4252075" y="4791849"/>
-              <a:ext cx="80373" cy="45719"/>
-            </a:xfrm>
-            <a:prstGeom prst="ellipse">
-              <a:avLst/>
-            </a:prstGeom>
-          </p:spPr>
-          <p:style>
-            <a:lnRef idx="2">
-              <a:schemeClr val="accent1">
-                <a:shade val="50000"/>
-              </a:schemeClr>
-            </a:lnRef>
-            <a:fillRef idx="1">
-              <a:schemeClr val="accent1"/>
-            </a:fillRef>
-            <a:effectRef idx="0">
-              <a:schemeClr val="accent1"/>
-            </a:effectRef>
-            <a:fontRef idx="minor">
-              <a:schemeClr val="lt1"/>
-            </a:fontRef>
-          </p:style>
-          <p:txBody>
-            <a:bodyPr rtlCol="0" anchor="ctr"/>
-            <a:lstStyle/>
-            <a:p>
-              <a:pPr algn="ctr"/>
-              <a:endParaRPr lang="ko-KR" altLang="en-US"/>
-            </a:p>
-          </p:txBody>
-        </p:sp>
-      </p:grpSp>
-      <p:sp>
-        <p:nvSpPr>
-          <p:cNvPr id="3" name="모서리가 둥근 직사각형 2"/>
+          <p:cNvPr id="2" name="모서리가 둥근 직사각형 1"/>
           <p:cNvSpPr/>
           <p:nvPr/>
         </p:nvSpPr>
         <p:spPr>
           <a:xfrm>
-            <a:off x="1380754" y="2908139"/>
-            <a:ext cx="1139855" cy="1377616"/>
+            <a:off x="1540933" y="2819396"/>
+            <a:ext cx="1270000" cy="1270000"/>
           </a:xfrm>
           <a:prstGeom prst="roundRect">
             <a:avLst/>
@@ -20379,14 +20912,14 @@
       </p:sp>
       <p:sp>
         <p:nvSpPr>
-          <p:cNvPr id="37" name="모서리가 둥근 직사각형 36"/>
+          <p:cNvPr id="9" name="모서리가 둥근 직사각형 8"/>
           <p:cNvSpPr/>
           <p:nvPr/>
         </p:nvSpPr>
         <p:spPr>
           <a:xfrm>
-            <a:off x="4038403" y="2908139"/>
-            <a:ext cx="1139855" cy="1377616"/>
+            <a:off x="3666066" y="2819396"/>
+            <a:ext cx="1270000" cy="1270000"/>
           </a:xfrm>
           <a:prstGeom prst="roundRect">
             <a:avLst/>
@@ -20419,54 +20952,14 @@
       </p:sp>
       <p:sp>
         <p:nvSpPr>
-          <p:cNvPr id="46" name="모서리가 둥근 직사각형 45"/>
-          <p:cNvSpPr/>
-          <p:nvPr/>
-        </p:nvSpPr>
-        <p:spPr>
-          <a:xfrm>
-            <a:off x="2721197" y="2908139"/>
-            <a:ext cx="1139855" cy="1377616"/>
-          </a:xfrm>
-          <a:prstGeom prst="roundRect">
-            <a:avLst/>
-          </a:prstGeom>
-        </p:spPr>
-        <p:style>
-          <a:lnRef idx="2">
-            <a:schemeClr val="accent1">
-              <a:shade val="50000"/>
-            </a:schemeClr>
-          </a:lnRef>
-          <a:fillRef idx="1">
-            <a:schemeClr val="accent1"/>
-          </a:fillRef>
-          <a:effectRef idx="0">
-            <a:schemeClr val="accent1"/>
-          </a:effectRef>
-          <a:fontRef idx="minor">
-            <a:schemeClr val="lt1"/>
-          </a:fontRef>
-        </p:style>
-        <p:txBody>
-          <a:bodyPr rtlCol="0" anchor="ctr"/>
-          <a:lstStyle/>
-          <a:p>
-            <a:pPr algn="ctr"/>
-            <a:endParaRPr lang="ko-KR" altLang="en-US"/>
-          </a:p>
-        </p:txBody>
-      </p:sp>
-      <p:sp>
-        <p:nvSpPr>
-          <p:cNvPr id="47" name="TextBox 46"/>
+          <p:cNvPr id="6" name="TextBox 5"/>
           <p:cNvSpPr txBox="1"/>
           <p:nvPr/>
         </p:nvSpPr>
         <p:spPr>
           <a:xfrm>
-            <a:off x="1393887" y="3412281"/>
-            <a:ext cx="1215397" cy="369332"/>
+            <a:off x="3011170" y="3269730"/>
+            <a:ext cx="454659" cy="369332"/>
           </a:xfrm>
           <a:prstGeom prst="rect">
             <a:avLst/>
@@ -20474,151 +20967,14 @@
           <a:noFill/>
         </p:spPr>
         <p:txBody>
-          <a:bodyPr wrap="none" rtlCol="0">
+          <a:bodyPr wrap="square" rtlCol="0">
             <a:spAutoFit/>
           </a:bodyPr>
           <a:lstStyle/>
           <a:p>
             <a:r>
-              <a:rPr lang="en-US" altLang="ko-KR" dirty="0" err="1" smtClean="0"/>
-              <a:t>Btn</a:t>
-            </a:r>
-            <a:r>
               <a:rPr lang="en-US" altLang="ko-KR" dirty="0" smtClean="0"/>
-              <a:t> 05-01</a:t>
-            </a:r>
-            <a:endParaRPr lang="ko-KR" altLang="en-US" dirty="0"/>
-          </a:p>
-        </p:txBody>
-      </p:sp>
-      <p:grpSp>
-        <p:nvGrpSpPr>
-          <p:cNvPr id="49" name="그룹 48"/>
-          <p:cNvGrpSpPr/>
-          <p:nvPr/>
-        </p:nvGrpSpPr>
-        <p:grpSpPr>
-          <a:xfrm>
-            <a:off x="2933028" y="2045733"/>
-            <a:ext cx="732143" cy="732143"/>
-            <a:chOff x="3007838" y="313263"/>
-            <a:chExt cx="537524" cy="537524"/>
-          </a:xfrm>
-        </p:grpSpPr>
-        <p:sp>
-          <p:nvSpPr>
-            <p:cNvPr id="50" name="타원 49"/>
-            <p:cNvSpPr/>
-            <p:nvPr/>
-          </p:nvSpPr>
-          <p:spPr>
-            <a:xfrm>
-              <a:off x="3007838" y="313263"/>
-              <a:ext cx="537524" cy="537524"/>
-            </a:xfrm>
-            <a:prstGeom prst="ellipse">
-              <a:avLst/>
-            </a:prstGeom>
-          </p:spPr>
-          <p:style>
-            <a:lnRef idx="2">
-              <a:schemeClr val="accent1">
-                <a:shade val="50000"/>
-              </a:schemeClr>
-            </a:lnRef>
-            <a:fillRef idx="1">
-              <a:schemeClr val="accent1"/>
-            </a:fillRef>
-            <a:effectRef idx="0">
-              <a:schemeClr val="accent1"/>
-            </a:effectRef>
-            <a:fontRef idx="minor">
-              <a:schemeClr val="lt1"/>
-            </a:fontRef>
-          </p:style>
-          <p:txBody>
-            <a:bodyPr rtlCol="0" anchor="ctr"/>
-            <a:lstStyle/>
-            <a:p>
-              <a:pPr algn="ctr"/>
-              <a:endParaRPr lang="ko-KR" altLang="en-US" sz="700" dirty="0"/>
-            </a:p>
-          </p:txBody>
-        </p:sp>
-        <p:sp>
-          <p:nvSpPr>
-            <p:cNvPr id="51" name="TextBox 50"/>
-            <p:cNvSpPr txBox="1"/>
-            <p:nvPr/>
-          </p:nvSpPr>
-          <p:spPr>
-            <a:xfrm>
-              <a:off x="3121848" y="483106"/>
-              <a:ext cx="423514" cy="276999"/>
-            </a:xfrm>
-            <a:prstGeom prst="rect">
-              <a:avLst/>
-            </a:prstGeom>
-            <a:noFill/>
-          </p:spPr>
-          <p:txBody>
-            <a:bodyPr wrap="none" rtlCol="0">
-              <a:spAutoFit/>
-            </a:bodyPr>
-            <a:lstStyle/>
-            <a:p>
-              <a:r>
-                <a:rPr lang="en-US" altLang="ko-KR" sz="1200" dirty="0" smtClean="0"/>
-                <a:t>5</a:t>
-              </a:r>
-              <a:r>
-                <a:rPr lang="ko-KR" altLang="en-US" sz="1200" dirty="0" smtClean="0"/>
-                <a:t>초</a:t>
-              </a:r>
-              <a:endParaRPr lang="ko-KR" altLang="en-US" sz="1200" dirty="0"/>
-            </a:p>
-          </p:txBody>
-        </p:sp>
-      </p:grpSp>
-      <p:sp>
-        <p:nvSpPr>
-          <p:cNvPr id="35" name="모서리가 둥근 직사각형 34"/>
-          <p:cNvSpPr/>
-          <p:nvPr/>
-        </p:nvSpPr>
-        <p:spPr>
-          <a:xfrm>
-            <a:off x="4485504" y="6093769"/>
-            <a:ext cx="1072066" cy="357762"/>
-          </a:xfrm>
-          <a:prstGeom prst="roundRect">
-            <a:avLst/>
-          </a:prstGeom>
-        </p:spPr>
-        <p:style>
-          <a:lnRef idx="2">
-            <a:schemeClr val="accent1">
-              <a:shade val="50000"/>
-            </a:schemeClr>
-          </a:lnRef>
-          <a:fillRef idx="1">
-            <a:schemeClr val="accent1"/>
-          </a:fillRef>
-          <a:effectRef idx="0">
-            <a:schemeClr val="accent1"/>
-          </a:effectRef>
-          <a:fontRef idx="minor">
-            <a:schemeClr val="lt1"/>
-          </a:fontRef>
-        </p:style>
-        <p:txBody>
-          <a:bodyPr rtlCol="0" anchor="ctr"/>
-          <a:lstStyle/>
-          <a:p>
-            <a:pPr algn="ctr"/>
-            <a:r>
-              <a:rPr lang="ko-KR" altLang="en-US" dirty="0" smtClean="0"/>
-              <a:t>턴 종료</a:t>
+              <a:t>VS</a:t>
             </a:r>
             <a:endParaRPr lang="ko-KR" altLang="en-US" dirty="0"/>
           </a:p>
@@ -20627,7 +20983,7 @@
     </p:spTree>
     <p:extLst>
       <p:ext uri="{BB962C8B-B14F-4D97-AF65-F5344CB8AC3E}">
-        <p14:creationId xmlns:p14="http://schemas.microsoft.com/office/powerpoint/2010/main" val="1023652420"/>
+        <p14:creationId xmlns:p14="http://schemas.microsoft.com/office/powerpoint/2010/main" val="1489616432"/>
       </p:ext>
     </p:extLst>
   </p:cSld>

--- a/화면정의서.pptx
+++ b/화면정의서.pptx
@@ -21,6 +21,7 @@
     <p:sldId id="270" r:id="rId15"/>
     <p:sldId id="271" r:id="rId16"/>
     <p:sldId id="272" r:id="rId17"/>
+    <p:sldId id="277" r:id="rId18"/>
   </p:sldIdLst>
   <p:sldSz cx="12192000" cy="6858000"/>
   <p:notesSz cx="6858000" cy="9144000"/>
@@ -258,7 +259,7 @@
           <a:p>
             <a:fld id="{7043625E-8BC0-46E2-A81F-24B9F552ACCE}" type="datetimeFigureOut">
               <a:rPr lang="ko-KR" altLang="en-US" smtClean="0"/>
-              <a:t>2015-01-28</a:t>
+              <a:t>2015-02-10</a:t>
             </a:fld>
             <a:endParaRPr lang="ko-KR" altLang="en-US"/>
           </a:p>
@@ -428,7 +429,7 @@
           <a:p>
             <a:fld id="{7043625E-8BC0-46E2-A81F-24B9F552ACCE}" type="datetimeFigureOut">
               <a:rPr lang="ko-KR" altLang="en-US" smtClean="0"/>
-              <a:t>2015-01-28</a:t>
+              <a:t>2015-02-10</a:t>
             </a:fld>
             <a:endParaRPr lang="ko-KR" altLang="en-US"/>
           </a:p>
@@ -608,7 +609,7 @@
           <a:p>
             <a:fld id="{7043625E-8BC0-46E2-A81F-24B9F552ACCE}" type="datetimeFigureOut">
               <a:rPr lang="ko-KR" altLang="en-US" smtClean="0"/>
-              <a:t>2015-01-28</a:t>
+              <a:t>2015-02-10</a:t>
             </a:fld>
             <a:endParaRPr lang="ko-KR" altLang="en-US"/>
           </a:p>
@@ -778,7 +779,7 @@
           <a:p>
             <a:fld id="{7043625E-8BC0-46E2-A81F-24B9F552ACCE}" type="datetimeFigureOut">
               <a:rPr lang="ko-KR" altLang="en-US" smtClean="0"/>
-              <a:t>2015-01-28</a:t>
+              <a:t>2015-02-10</a:t>
             </a:fld>
             <a:endParaRPr lang="ko-KR" altLang="en-US"/>
           </a:p>
@@ -1024,7 +1025,7 @@
           <a:p>
             <a:fld id="{7043625E-8BC0-46E2-A81F-24B9F552ACCE}" type="datetimeFigureOut">
               <a:rPr lang="ko-KR" altLang="en-US" smtClean="0"/>
-              <a:t>2015-01-28</a:t>
+              <a:t>2015-02-10</a:t>
             </a:fld>
             <a:endParaRPr lang="ko-KR" altLang="en-US"/>
           </a:p>
@@ -1256,7 +1257,7 @@
           <a:p>
             <a:fld id="{7043625E-8BC0-46E2-A81F-24B9F552ACCE}" type="datetimeFigureOut">
               <a:rPr lang="ko-KR" altLang="en-US" smtClean="0"/>
-              <a:t>2015-01-28</a:t>
+              <a:t>2015-02-10</a:t>
             </a:fld>
             <a:endParaRPr lang="ko-KR" altLang="en-US"/>
           </a:p>
@@ -1623,7 +1624,7 @@
           <a:p>
             <a:fld id="{7043625E-8BC0-46E2-A81F-24B9F552ACCE}" type="datetimeFigureOut">
               <a:rPr lang="ko-KR" altLang="en-US" smtClean="0"/>
-              <a:t>2015-01-28</a:t>
+              <a:t>2015-02-10</a:t>
             </a:fld>
             <a:endParaRPr lang="ko-KR" altLang="en-US"/>
           </a:p>
@@ -1741,7 +1742,7 @@
           <a:p>
             <a:fld id="{7043625E-8BC0-46E2-A81F-24B9F552ACCE}" type="datetimeFigureOut">
               <a:rPr lang="ko-KR" altLang="en-US" smtClean="0"/>
-              <a:t>2015-01-28</a:t>
+              <a:t>2015-02-10</a:t>
             </a:fld>
             <a:endParaRPr lang="ko-KR" altLang="en-US"/>
           </a:p>
@@ -1836,7 +1837,7 @@
           <a:p>
             <a:fld id="{7043625E-8BC0-46E2-A81F-24B9F552ACCE}" type="datetimeFigureOut">
               <a:rPr lang="ko-KR" altLang="en-US" smtClean="0"/>
-              <a:t>2015-01-28</a:t>
+              <a:t>2015-02-10</a:t>
             </a:fld>
             <a:endParaRPr lang="ko-KR" altLang="en-US"/>
           </a:p>
@@ -2113,7 +2114,7 @@
           <a:p>
             <a:fld id="{7043625E-8BC0-46E2-A81F-24B9F552ACCE}" type="datetimeFigureOut">
               <a:rPr lang="ko-KR" altLang="en-US" smtClean="0"/>
-              <a:t>2015-01-28</a:t>
+              <a:t>2015-02-10</a:t>
             </a:fld>
             <a:endParaRPr lang="ko-KR" altLang="en-US"/>
           </a:p>
@@ -2366,7 +2367,7 @@
           <a:p>
             <a:fld id="{7043625E-8BC0-46E2-A81F-24B9F552ACCE}" type="datetimeFigureOut">
               <a:rPr lang="ko-KR" altLang="en-US" smtClean="0"/>
-              <a:t>2015-01-28</a:t>
+              <a:t>2015-02-10</a:t>
             </a:fld>
             <a:endParaRPr lang="ko-KR" altLang="en-US"/>
           </a:p>
@@ -2579,7 +2580,7 @@
           <a:p>
             <a:fld id="{7043625E-8BC0-46E2-A81F-24B9F552ACCE}" type="datetimeFigureOut">
               <a:rPr lang="ko-KR" altLang="en-US" smtClean="0"/>
-              <a:t>2015-01-28</a:t>
+              <a:t>2015-02-10</a:t>
             </a:fld>
             <a:endParaRPr lang="ko-KR" altLang="en-US"/>
           </a:p>
@@ -11037,6 +11038,517 @@
     <p:extLst>
       <p:ext uri="{BB962C8B-B14F-4D97-AF65-F5344CB8AC3E}">
         <p14:creationId xmlns:p14="http://schemas.microsoft.com/office/powerpoint/2010/main" val="2915361221"/>
+      </p:ext>
+    </p:extLst>
+  </p:cSld>
+  <p:clrMapOvr>
+    <a:masterClrMapping/>
+  </p:clrMapOvr>
+  <p:timing>
+    <p:tnLst>
+      <p:par>
+        <p:cTn id="1" dur="indefinite" restart="never" nodeType="tmRoot"/>
+      </p:par>
+    </p:tnLst>
+  </p:timing>
+</p:sld>
+</file>
+
+<file path=ppt/slides/slide17.xml><?xml version="1.0" encoding="utf-8"?>
+<p:sld xmlns:a="http://schemas.openxmlformats.org/drawingml/2006/main" xmlns:r="http://schemas.openxmlformats.org/officeDocument/2006/relationships" xmlns:p="http://schemas.openxmlformats.org/presentationml/2006/main">
+  <p:cSld>
+    <p:spTree>
+      <p:nvGrpSpPr>
+        <p:cNvPr id="1" name=""/>
+        <p:cNvGrpSpPr/>
+        <p:nvPr/>
+      </p:nvGrpSpPr>
+      <p:grpSpPr>
+        <a:xfrm>
+          <a:off x="0" y="0"/>
+          <a:ext cx="0" cy="0"/>
+          <a:chOff x="0" y="0"/>
+          <a:chExt cx="0" cy="0"/>
+        </a:xfrm>
+      </p:grpSpPr>
+      <p:sp>
+        <p:nvSpPr>
+          <p:cNvPr id="4" name="직사각형 3"/>
+          <p:cNvSpPr/>
+          <p:nvPr/>
+        </p:nvSpPr>
+        <p:spPr>
+          <a:xfrm>
+            <a:off x="863600" y="313263"/>
+            <a:ext cx="4826000" cy="6197600"/>
+          </a:xfrm>
+          <a:prstGeom prst="rect">
+            <a:avLst/>
+          </a:prstGeom>
+          <a:solidFill>
+            <a:schemeClr val="bg1"/>
+          </a:solidFill>
+          <a:ln>
+            <a:solidFill>
+              <a:schemeClr val="tx1"/>
+            </a:solidFill>
+          </a:ln>
+        </p:spPr>
+        <p:style>
+          <a:lnRef idx="2">
+            <a:schemeClr val="accent1">
+              <a:shade val="50000"/>
+            </a:schemeClr>
+          </a:lnRef>
+          <a:fillRef idx="1">
+            <a:schemeClr val="accent1"/>
+          </a:fillRef>
+          <a:effectRef idx="0">
+            <a:schemeClr val="accent1"/>
+          </a:effectRef>
+          <a:fontRef idx="minor">
+            <a:schemeClr val="lt1"/>
+          </a:fontRef>
+        </p:style>
+        <p:txBody>
+          <a:bodyPr rtlCol="0" anchor="ctr"/>
+          <a:lstStyle/>
+          <a:p>
+            <a:pPr algn="ctr"/>
+            <a:endParaRPr lang="ko-KR" altLang="en-US" dirty="0"/>
+          </a:p>
+        </p:txBody>
+      </p:sp>
+      <p:graphicFrame>
+        <p:nvGraphicFramePr>
+          <p:cNvPr id="5" name="표 4"/>
+          <p:cNvGraphicFramePr>
+            <a:graphicFrameLocks noGrp="1"/>
+          </p:cNvGraphicFramePr>
+          <p:nvPr>
+            <p:extLst>
+              <p:ext uri="{D42A27DB-BD31-4B8C-83A1-F6EECF244321}">
+                <p14:modId xmlns:p14="http://schemas.microsoft.com/office/powerpoint/2010/main" val="3436872498"/>
+              </p:ext>
+            </p:extLst>
+          </p:nvPr>
+        </p:nvGraphicFramePr>
+        <p:xfrm>
+          <a:off x="6392332" y="719664"/>
+          <a:ext cx="4174068" cy="3007344"/>
+        </p:xfrm>
+        <a:graphic>
+          <a:graphicData uri="http://schemas.openxmlformats.org/drawingml/2006/table">
+            <a:tbl>
+              <a:tblPr>
+                <a:tableStyleId>{073A0DAA-6AF3-43AB-8588-CEC1D06C72B9}</a:tableStyleId>
+              </a:tblPr>
+              <a:tblGrid>
+                <a:gridCol w="2087034"/>
+                <a:gridCol w="2087034"/>
+              </a:tblGrid>
+              <a:tr h="732867">
+                <a:tc>
+                  <a:txBody>
+                    <a:bodyPr/>
+                    <a:lstStyle/>
+                    <a:p>
+                      <a:pPr algn="ctr" latinLnBrk="1"/>
+                      <a:r>
+                        <a:rPr lang="ko-KR" altLang="en-US" dirty="0" smtClean="0"/>
+                        <a:t>구분</a:t>
+                      </a:r>
+                      <a:endParaRPr lang="ko-KR" altLang="en-US" dirty="0"/>
+                    </a:p>
+                  </a:txBody>
+                  <a:tcPr anchor="ctr">
+                    <a:solidFill>
+                      <a:schemeClr val="tx1">
+                        <a:lumMod val="50000"/>
+                        <a:lumOff val="50000"/>
+                      </a:schemeClr>
+                    </a:solidFill>
+                  </a:tcPr>
+                </a:tc>
+                <a:tc>
+                  <a:txBody>
+                    <a:bodyPr/>
+                    <a:lstStyle/>
+                    <a:p>
+                      <a:pPr algn="ctr" latinLnBrk="1"/>
+                      <a:r>
+                        <a:rPr lang="ko-KR" altLang="en-US" dirty="0" smtClean="0"/>
+                        <a:t>내용</a:t>
+                      </a:r>
+                      <a:endParaRPr lang="ko-KR" altLang="en-US" dirty="0"/>
+                    </a:p>
+                  </a:txBody>
+                  <a:tcPr anchor="ctr">
+                    <a:solidFill>
+                      <a:schemeClr val="tx1">
+                        <a:lumMod val="50000"/>
+                        <a:lumOff val="50000"/>
+                      </a:schemeClr>
+                    </a:solidFill>
+                  </a:tcPr>
+                </a:tc>
+              </a:tr>
+              <a:tr h="1109049">
+                <a:tc>
+                  <a:txBody>
+                    <a:bodyPr/>
+                    <a:lstStyle/>
+                    <a:p>
+                      <a:pPr algn="ctr" latinLnBrk="1"/>
+                      <a:r>
+                        <a:rPr lang="ko-KR" altLang="en-US" dirty="0" smtClean="0"/>
+                        <a:t>화면 번호</a:t>
+                      </a:r>
+                      <a:r>
+                        <a:rPr lang="en-US" altLang="ko-KR" dirty="0" smtClean="0"/>
+                        <a:t/>
+                      </a:r>
+                      <a:br>
+                        <a:rPr lang="en-US" altLang="ko-KR" dirty="0" smtClean="0"/>
+                      </a:br>
+                      <a:r>
+                        <a:rPr lang="en-US" altLang="ko-KR" dirty="0" smtClean="0"/>
+                        <a:t>(</a:t>
+                      </a:r>
+                      <a:r>
+                        <a:rPr lang="ko-KR" altLang="en-US" dirty="0" err="1" smtClean="0"/>
+                        <a:t>싱글</a:t>
+                      </a:r>
+                      <a:r>
+                        <a:rPr lang="ko-KR" altLang="en-US" dirty="0" smtClean="0"/>
+                        <a:t> </a:t>
+                      </a:r>
+                      <a:r>
+                        <a:rPr lang="ko-KR" altLang="en-US" dirty="0" err="1" smtClean="0"/>
+                        <a:t>클리어</a:t>
+                      </a:r>
+                      <a:r>
+                        <a:rPr lang="ko-KR" altLang="en-US" dirty="0" smtClean="0"/>
+                        <a:t> 화면</a:t>
+                      </a:r>
+                      <a:r>
+                        <a:rPr lang="en-US" altLang="ko-KR" dirty="0" smtClean="0"/>
+                        <a:t>)</a:t>
+                      </a:r>
+                      <a:endParaRPr lang="ko-KR" altLang="en-US" dirty="0"/>
+                    </a:p>
+                  </a:txBody>
+                  <a:tcPr anchor="ctr"/>
+                </a:tc>
+                <a:tc>
+                  <a:txBody>
+                    <a:bodyPr/>
+                    <a:lstStyle/>
+                    <a:p>
+                      <a:pPr algn="ctr" latinLnBrk="1"/>
+                      <a:r>
+                        <a:rPr lang="en-US" altLang="ko-KR" smtClean="0"/>
+                        <a:t>10-01</a:t>
+                      </a:r>
+                      <a:endParaRPr lang="ko-KR" altLang="en-US" dirty="0"/>
+                    </a:p>
+                  </a:txBody>
+                  <a:tcPr anchor="ctr"/>
+                </a:tc>
+              </a:tr>
+              <a:tr h="1165428">
+                <a:tc>
+                  <a:txBody>
+                    <a:bodyPr/>
+                    <a:lstStyle/>
+                    <a:p>
+                      <a:pPr algn="ctr" latinLnBrk="1"/>
+                      <a:r>
+                        <a:rPr lang="en-US" altLang="ko-KR" dirty="0" smtClean="0"/>
+                        <a:t>btn01</a:t>
+                      </a:r>
+                      <a:endParaRPr lang="ko-KR" altLang="en-US" dirty="0"/>
+                    </a:p>
+                  </a:txBody>
+                  <a:tcPr anchor="ctr"/>
+                </a:tc>
+                <a:tc>
+                  <a:txBody>
+                    <a:bodyPr/>
+                    <a:lstStyle/>
+                    <a:p>
+                      <a:pPr algn="ctr" latinLnBrk="1"/>
+                      <a:endParaRPr lang="ko-KR" altLang="en-US" dirty="0"/>
+                    </a:p>
+                  </a:txBody>
+                  <a:tcPr anchor="ctr"/>
+                </a:tc>
+              </a:tr>
+            </a:tbl>
+          </a:graphicData>
+        </a:graphic>
+      </p:graphicFrame>
+      <p:sp>
+        <p:nvSpPr>
+          <p:cNvPr id="2" name="모서리가 둥근 직사각형 1"/>
+          <p:cNvSpPr/>
+          <p:nvPr/>
+        </p:nvSpPr>
+        <p:spPr>
+          <a:xfrm>
+            <a:off x="1388533" y="5012266"/>
+            <a:ext cx="1202267" cy="618067"/>
+          </a:xfrm>
+          <a:prstGeom prst="roundRect">
+            <a:avLst/>
+          </a:prstGeom>
+        </p:spPr>
+        <p:style>
+          <a:lnRef idx="2">
+            <a:schemeClr val="accent1">
+              <a:shade val="50000"/>
+            </a:schemeClr>
+          </a:lnRef>
+          <a:fillRef idx="1">
+            <a:schemeClr val="accent1"/>
+          </a:fillRef>
+          <a:effectRef idx="0">
+            <a:schemeClr val="accent1"/>
+          </a:effectRef>
+          <a:fontRef idx="minor">
+            <a:schemeClr val="lt1"/>
+          </a:fontRef>
+        </p:style>
+        <p:txBody>
+          <a:bodyPr rtlCol="0" anchor="ctr"/>
+          <a:lstStyle/>
+          <a:p>
+            <a:pPr algn="ctr"/>
+            <a:r>
+              <a:rPr lang="en-US" altLang="ko-KR" dirty="0" smtClean="0"/>
+              <a:t>Exit</a:t>
+            </a:r>
+            <a:endParaRPr lang="ko-KR" altLang="en-US" dirty="0"/>
+          </a:p>
+        </p:txBody>
+      </p:sp>
+      <p:sp>
+        <p:nvSpPr>
+          <p:cNvPr id="9" name="모서리가 둥근 직사각형 8"/>
+          <p:cNvSpPr/>
+          <p:nvPr/>
+        </p:nvSpPr>
+        <p:spPr>
+          <a:xfrm>
+            <a:off x="3962399" y="5012266"/>
+            <a:ext cx="1202267" cy="618067"/>
+          </a:xfrm>
+          <a:prstGeom prst="roundRect">
+            <a:avLst/>
+          </a:prstGeom>
+        </p:spPr>
+        <p:style>
+          <a:lnRef idx="2">
+            <a:schemeClr val="accent1">
+              <a:shade val="50000"/>
+            </a:schemeClr>
+          </a:lnRef>
+          <a:fillRef idx="1">
+            <a:schemeClr val="accent1"/>
+          </a:fillRef>
+          <a:effectRef idx="0">
+            <a:schemeClr val="accent1"/>
+          </a:effectRef>
+          <a:fontRef idx="minor">
+            <a:schemeClr val="lt1"/>
+          </a:fontRef>
+        </p:style>
+        <p:txBody>
+          <a:bodyPr rtlCol="0" anchor="ctr"/>
+          <a:lstStyle/>
+          <a:p>
+            <a:pPr algn="ctr"/>
+            <a:r>
+              <a:rPr lang="en-US" altLang="ko-KR" dirty="0" smtClean="0"/>
+              <a:t>Next</a:t>
+            </a:r>
+            <a:endParaRPr lang="ko-KR" altLang="en-US" dirty="0"/>
+          </a:p>
+        </p:txBody>
+      </p:sp>
+      <p:sp>
+        <p:nvSpPr>
+          <p:cNvPr id="10" name="모서리가 둥근 직사각형 9"/>
+          <p:cNvSpPr/>
+          <p:nvPr/>
+        </p:nvSpPr>
+        <p:spPr>
+          <a:xfrm>
+            <a:off x="2675466" y="5003799"/>
+            <a:ext cx="1202267" cy="618067"/>
+          </a:xfrm>
+          <a:prstGeom prst="roundRect">
+            <a:avLst/>
+          </a:prstGeom>
+        </p:spPr>
+        <p:style>
+          <a:lnRef idx="2">
+            <a:schemeClr val="accent1">
+              <a:shade val="50000"/>
+            </a:schemeClr>
+          </a:lnRef>
+          <a:fillRef idx="1">
+            <a:schemeClr val="accent1"/>
+          </a:fillRef>
+          <a:effectRef idx="0">
+            <a:schemeClr val="accent1"/>
+          </a:effectRef>
+          <a:fontRef idx="minor">
+            <a:schemeClr val="lt1"/>
+          </a:fontRef>
+        </p:style>
+        <p:txBody>
+          <a:bodyPr rtlCol="0" anchor="ctr"/>
+          <a:lstStyle/>
+          <a:p>
+            <a:pPr algn="ctr"/>
+            <a:r>
+              <a:rPr lang="en-US" altLang="ko-KR" dirty="0" smtClean="0"/>
+              <a:t>Retry</a:t>
+            </a:r>
+            <a:endParaRPr lang="ko-KR" altLang="en-US" dirty="0"/>
+          </a:p>
+        </p:txBody>
+      </p:sp>
+      <p:sp>
+        <p:nvSpPr>
+          <p:cNvPr id="11" name="모서리가 둥근 직사각형 10"/>
+          <p:cNvSpPr/>
+          <p:nvPr/>
+        </p:nvSpPr>
+        <p:spPr>
+          <a:xfrm>
+            <a:off x="1828799" y="1625600"/>
+            <a:ext cx="2895601" cy="1761067"/>
+          </a:xfrm>
+          <a:prstGeom prst="roundRect">
+            <a:avLst/>
+          </a:prstGeom>
+        </p:spPr>
+        <p:style>
+          <a:lnRef idx="2">
+            <a:schemeClr val="accent1">
+              <a:shade val="50000"/>
+            </a:schemeClr>
+          </a:lnRef>
+          <a:fillRef idx="1">
+            <a:schemeClr val="accent1"/>
+          </a:fillRef>
+          <a:effectRef idx="0">
+            <a:schemeClr val="accent1"/>
+          </a:effectRef>
+          <a:fontRef idx="minor">
+            <a:schemeClr val="lt1"/>
+          </a:fontRef>
+        </p:style>
+        <p:txBody>
+          <a:bodyPr rtlCol="0" anchor="ctr"/>
+          <a:lstStyle/>
+          <a:p>
+            <a:pPr algn="ctr"/>
+            <a:r>
+              <a:rPr lang="en-US" altLang="ko-KR" sz="3600" dirty="0" smtClean="0"/>
+              <a:t>Stage Clear</a:t>
+            </a:r>
+          </a:p>
+          <a:p>
+            <a:pPr algn="ctr"/>
+            <a:r>
+              <a:rPr lang="ko-KR" altLang="en-US" sz="3600" dirty="0" smtClean="0"/>
+              <a:t>별 별 별</a:t>
+            </a:r>
+            <a:endParaRPr lang="ko-KR" altLang="en-US" sz="3600" dirty="0"/>
+          </a:p>
+        </p:txBody>
+      </p:sp>
+      <p:sp>
+        <p:nvSpPr>
+          <p:cNvPr id="6" name="TextBox 5"/>
+          <p:cNvSpPr txBox="1"/>
+          <p:nvPr/>
+        </p:nvSpPr>
+        <p:spPr>
+          <a:xfrm>
+            <a:off x="2488563" y="3615266"/>
+            <a:ext cx="1576072" cy="646331"/>
+          </a:xfrm>
+          <a:prstGeom prst="rect">
+            <a:avLst/>
+          </a:prstGeom>
+          <a:noFill/>
+        </p:spPr>
+        <p:txBody>
+          <a:bodyPr wrap="none" rtlCol="0">
+            <a:spAutoFit/>
+          </a:bodyPr>
+          <a:lstStyle/>
+          <a:p>
+            <a:r>
+              <a:rPr lang="ko-KR" altLang="en-US" dirty="0" smtClean="0"/>
+              <a:t>이동횟수 </a:t>
+            </a:r>
+            <a:r>
+              <a:rPr lang="en-US" altLang="ko-KR" dirty="0" smtClean="0"/>
+              <a:t>: 10</a:t>
+            </a:r>
+          </a:p>
+          <a:p>
+            <a:r>
+              <a:rPr lang="ko-KR" altLang="en-US" dirty="0" smtClean="0"/>
+              <a:t>실패횟수 </a:t>
+            </a:r>
+            <a:r>
+              <a:rPr lang="en-US" altLang="ko-KR" dirty="0" smtClean="0"/>
+              <a:t>: 2</a:t>
+            </a:r>
+            <a:endParaRPr lang="ko-KR" altLang="en-US" dirty="0"/>
+          </a:p>
+        </p:txBody>
+      </p:sp>
+      <p:sp>
+        <p:nvSpPr>
+          <p:cNvPr id="7" name="TextBox 6"/>
+          <p:cNvSpPr txBox="1"/>
+          <p:nvPr/>
+        </p:nvSpPr>
+        <p:spPr>
+          <a:xfrm>
+            <a:off x="3451487" y="1165945"/>
+            <a:ext cx="1272913" cy="400110"/>
+          </a:xfrm>
+          <a:prstGeom prst="rect">
+            <a:avLst/>
+          </a:prstGeom>
+          <a:noFill/>
+        </p:spPr>
+        <p:txBody>
+          <a:bodyPr wrap="none" rtlCol="0">
+            <a:spAutoFit/>
+          </a:bodyPr>
+          <a:lstStyle/>
+          <a:p>
+            <a:r>
+              <a:rPr lang="en-US" altLang="ko-KR" sz="2000" dirty="0" err="1" smtClean="0"/>
+              <a:t>Is_Perfect</a:t>
+            </a:r>
+            <a:endParaRPr lang="ko-KR" altLang="en-US" sz="2000" dirty="0"/>
+          </a:p>
+        </p:txBody>
+      </p:sp>
+    </p:spTree>
+    <p:extLst>
+      <p:ext uri="{BB962C8B-B14F-4D97-AF65-F5344CB8AC3E}">
+        <p14:creationId xmlns:p14="http://schemas.microsoft.com/office/powerpoint/2010/main" val="4046687310"/>
       </p:ext>
     </p:extLst>
   </p:cSld>

--- a/화면정의서.pptx
+++ b/화면정의서.pptx
@@ -22,6 +22,7 @@
     <p:sldId id="271" r:id="rId16"/>
     <p:sldId id="272" r:id="rId17"/>
     <p:sldId id="277" r:id="rId18"/>
+    <p:sldId id="278" r:id="rId19"/>
   </p:sldIdLst>
   <p:sldSz cx="12192000" cy="6858000"/>
   <p:notesSz cx="6858000" cy="9144000"/>
@@ -259,7 +260,7 @@
           <a:p>
             <a:fld id="{7043625E-8BC0-46E2-A81F-24B9F552ACCE}" type="datetimeFigureOut">
               <a:rPr lang="ko-KR" altLang="en-US" smtClean="0"/>
-              <a:t>2015-02-10</a:t>
+              <a:t>2015-02-22</a:t>
             </a:fld>
             <a:endParaRPr lang="ko-KR" altLang="en-US"/>
           </a:p>
@@ -429,7 +430,7 @@
           <a:p>
             <a:fld id="{7043625E-8BC0-46E2-A81F-24B9F552ACCE}" type="datetimeFigureOut">
               <a:rPr lang="ko-KR" altLang="en-US" smtClean="0"/>
-              <a:t>2015-02-10</a:t>
+              <a:t>2015-02-22</a:t>
             </a:fld>
             <a:endParaRPr lang="ko-KR" altLang="en-US"/>
           </a:p>
@@ -609,7 +610,7 @@
           <a:p>
             <a:fld id="{7043625E-8BC0-46E2-A81F-24B9F552ACCE}" type="datetimeFigureOut">
               <a:rPr lang="ko-KR" altLang="en-US" smtClean="0"/>
-              <a:t>2015-02-10</a:t>
+              <a:t>2015-02-22</a:t>
             </a:fld>
             <a:endParaRPr lang="ko-KR" altLang="en-US"/>
           </a:p>
@@ -779,7 +780,7 @@
           <a:p>
             <a:fld id="{7043625E-8BC0-46E2-A81F-24B9F552ACCE}" type="datetimeFigureOut">
               <a:rPr lang="ko-KR" altLang="en-US" smtClean="0"/>
-              <a:t>2015-02-10</a:t>
+              <a:t>2015-02-22</a:t>
             </a:fld>
             <a:endParaRPr lang="ko-KR" altLang="en-US"/>
           </a:p>
@@ -1025,7 +1026,7 @@
           <a:p>
             <a:fld id="{7043625E-8BC0-46E2-A81F-24B9F552ACCE}" type="datetimeFigureOut">
               <a:rPr lang="ko-KR" altLang="en-US" smtClean="0"/>
-              <a:t>2015-02-10</a:t>
+              <a:t>2015-02-22</a:t>
             </a:fld>
             <a:endParaRPr lang="ko-KR" altLang="en-US"/>
           </a:p>
@@ -1257,7 +1258,7 @@
           <a:p>
             <a:fld id="{7043625E-8BC0-46E2-A81F-24B9F552ACCE}" type="datetimeFigureOut">
               <a:rPr lang="ko-KR" altLang="en-US" smtClean="0"/>
-              <a:t>2015-02-10</a:t>
+              <a:t>2015-02-22</a:t>
             </a:fld>
             <a:endParaRPr lang="ko-KR" altLang="en-US"/>
           </a:p>
@@ -1624,7 +1625,7 @@
           <a:p>
             <a:fld id="{7043625E-8BC0-46E2-A81F-24B9F552ACCE}" type="datetimeFigureOut">
               <a:rPr lang="ko-KR" altLang="en-US" smtClean="0"/>
-              <a:t>2015-02-10</a:t>
+              <a:t>2015-02-22</a:t>
             </a:fld>
             <a:endParaRPr lang="ko-KR" altLang="en-US"/>
           </a:p>
@@ -1742,7 +1743,7 @@
           <a:p>
             <a:fld id="{7043625E-8BC0-46E2-A81F-24B9F552ACCE}" type="datetimeFigureOut">
               <a:rPr lang="ko-KR" altLang="en-US" smtClean="0"/>
-              <a:t>2015-02-10</a:t>
+              <a:t>2015-02-22</a:t>
             </a:fld>
             <a:endParaRPr lang="ko-KR" altLang="en-US"/>
           </a:p>
@@ -1837,7 +1838,7 @@
           <a:p>
             <a:fld id="{7043625E-8BC0-46E2-A81F-24B9F552ACCE}" type="datetimeFigureOut">
               <a:rPr lang="ko-KR" altLang="en-US" smtClean="0"/>
-              <a:t>2015-02-10</a:t>
+              <a:t>2015-02-22</a:t>
             </a:fld>
             <a:endParaRPr lang="ko-KR" altLang="en-US"/>
           </a:p>
@@ -2114,7 +2115,7 @@
           <a:p>
             <a:fld id="{7043625E-8BC0-46E2-A81F-24B9F552ACCE}" type="datetimeFigureOut">
               <a:rPr lang="ko-KR" altLang="en-US" smtClean="0"/>
-              <a:t>2015-02-10</a:t>
+              <a:t>2015-02-22</a:t>
             </a:fld>
             <a:endParaRPr lang="ko-KR" altLang="en-US"/>
           </a:p>
@@ -2367,7 +2368,7 @@
           <a:p>
             <a:fld id="{7043625E-8BC0-46E2-A81F-24B9F552ACCE}" type="datetimeFigureOut">
               <a:rPr lang="ko-KR" altLang="en-US" smtClean="0"/>
-              <a:t>2015-02-10</a:t>
+              <a:t>2015-02-22</a:t>
             </a:fld>
             <a:endParaRPr lang="ko-KR" altLang="en-US"/>
           </a:p>
@@ -2580,7 +2581,7 @@
           <a:p>
             <a:fld id="{7043625E-8BC0-46E2-A81F-24B9F552ACCE}" type="datetimeFigureOut">
               <a:rPr lang="ko-KR" altLang="en-US" smtClean="0"/>
-              <a:t>2015-02-10</a:t>
+              <a:t>2015-02-22</a:t>
             </a:fld>
             <a:endParaRPr lang="ko-KR" altLang="en-US"/>
           </a:p>
@@ -7307,6 +7308,86 @@
           </p:txBody>
         </p:sp>
       </p:grpSp>
+      <p:sp>
+        <p:nvSpPr>
+          <p:cNvPr id="7" name="이등변 삼각형 6"/>
+          <p:cNvSpPr/>
+          <p:nvPr/>
+        </p:nvSpPr>
+        <p:spPr>
+          <a:xfrm>
+            <a:off x="1286932" y="4453176"/>
+            <a:ext cx="331071" cy="279258"/>
+          </a:xfrm>
+          <a:prstGeom prst="triangle">
+            <a:avLst/>
+          </a:prstGeom>
+        </p:spPr>
+        <p:style>
+          <a:lnRef idx="2">
+            <a:schemeClr val="accent1">
+              <a:shade val="50000"/>
+            </a:schemeClr>
+          </a:lnRef>
+          <a:fillRef idx="1">
+            <a:schemeClr val="accent1"/>
+          </a:fillRef>
+          <a:effectRef idx="0">
+            <a:schemeClr val="accent1"/>
+          </a:effectRef>
+          <a:fontRef idx="minor">
+            <a:schemeClr val="lt1"/>
+          </a:fontRef>
+        </p:style>
+        <p:txBody>
+          <a:bodyPr rtlCol="0" anchor="ctr"/>
+          <a:lstStyle/>
+          <a:p>
+            <a:pPr algn="ctr"/>
+            <a:endParaRPr lang="ko-KR" altLang="en-US"/>
+          </a:p>
+        </p:txBody>
+      </p:sp>
+      <p:sp>
+        <p:nvSpPr>
+          <p:cNvPr id="30" name="이등변 삼각형 29"/>
+          <p:cNvSpPr/>
+          <p:nvPr/>
+        </p:nvSpPr>
+        <p:spPr>
+          <a:xfrm rot="5400000">
+            <a:off x="2208170" y="5344543"/>
+            <a:ext cx="331071" cy="279258"/>
+          </a:xfrm>
+          <a:prstGeom prst="triangle">
+            <a:avLst/>
+          </a:prstGeom>
+        </p:spPr>
+        <p:style>
+          <a:lnRef idx="2">
+            <a:schemeClr val="accent1">
+              <a:shade val="50000"/>
+            </a:schemeClr>
+          </a:lnRef>
+          <a:fillRef idx="1">
+            <a:schemeClr val="accent1"/>
+          </a:fillRef>
+          <a:effectRef idx="0">
+            <a:schemeClr val="accent1"/>
+          </a:effectRef>
+          <a:fontRef idx="minor">
+            <a:schemeClr val="lt1"/>
+          </a:fontRef>
+        </p:style>
+        <p:txBody>
+          <a:bodyPr rtlCol="0" anchor="ctr"/>
+          <a:lstStyle/>
+          <a:p>
+            <a:pPr algn="ctr"/>
+            <a:endParaRPr lang="ko-KR" altLang="en-US"/>
+          </a:p>
+        </p:txBody>
+      </p:sp>
     </p:spTree>
     <p:extLst>
       <p:ext uri="{BB962C8B-B14F-4D97-AF65-F5344CB8AC3E}">
@@ -11549,6 +11630,447 @@
     <p:extLst>
       <p:ext uri="{BB962C8B-B14F-4D97-AF65-F5344CB8AC3E}">
         <p14:creationId xmlns:p14="http://schemas.microsoft.com/office/powerpoint/2010/main" val="4046687310"/>
+      </p:ext>
+    </p:extLst>
+  </p:cSld>
+  <p:clrMapOvr>
+    <a:masterClrMapping/>
+  </p:clrMapOvr>
+  <p:timing>
+    <p:tnLst>
+      <p:par>
+        <p:cTn id="1" dur="indefinite" restart="never" nodeType="tmRoot"/>
+      </p:par>
+    </p:tnLst>
+  </p:timing>
+</p:sld>
+</file>
+
+<file path=ppt/slides/slide18.xml><?xml version="1.0" encoding="utf-8"?>
+<p:sld xmlns:a="http://schemas.openxmlformats.org/drawingml/2006/main" xmlns:r="http://schemas.openxmlformats.org/officeDocument/2006/relationships" xmlns:p="http://schemas.openxmlformats.org/presentationml/2006/main">
+  <p:cSld>
+    <p:spTree>
+      <p:nvGrpSpPr>
+        <p:cNvPr id="1" name=""/>
+        <p:cNvGrpSpPr/>
+        <p:nvPr/>
+      </p:nvGrpSpPr>
+      <p:grpSpPr>
+        <a:xfrm>
+          <a:off x="0" y="0"/>
+          <a:ext cx="0" cy="0"/>
+          <a:chOff x="0" y="0"/>
+          <a:chExt cx="0" cy="0"/>
+        </a:xfrm>
+      </p:grpSpPr>
+      <p:sp>
+        <p:nvSpPr>
+          <p:cNvPr id="4" name="직사각형 3"/>
+          <p:cNvSpPr/>
+          <p:nvPr/>
+        </p:nvSpPr>
+        <p:spPr>
+          <a:xfrm>
+            <a:off x="863600" y="313263"/>
+            <a:ext cx="4826000" cy="6197600"/>
+          </a:xfrm>
+          <a:prstGeom prst="rect">
+            <a:avLst/>
+          </a:prstGeom>
+          <a:solidFill>
+            <a:schemeClr val="bg1"/>
+          </a:solidFill>
+          <a:ln>
+            <a:solidFill>
+              <a:schemeClr val="tx1"/>
+            </a:solidFill>
+          </a:ln>
+        </p:spPr>
+        <p:style>
+          <a:lnRef idx="2">
+            <a:schemeClr val="accent1">
+              <a:shade val="50000"/>
+            </a:schemeClr>
+          </a:lnRef>
+          <a:fillRef idx="1">
+            <a:schemeClr val="accent1"/>
+          </a:fillRef>
+          <a:effectRef idx="0">
+            <a:schemeClr val="accent1"/>
+          </a:effectRef>
+          <a:fontRef idx="minor">
+            <a:schemeClr val="lt1"/>
+          </a:fontRef>
+        </p:style>
+        <p:txBody>
+          <a:bodyPr rtlCol="0" anchor="ctr"/>
+          <a:lstStyle/>
+          <a:p>
+            <a:pPr algn="ctr"/>
+            <a:endParaRPr lang="ko-KR" altLang="en-US" dirty="0"/>
+          </a:p>
+        </p:txBody>
+      </p:sp>
+      <p:graphicFrame>
+        <p:nvGraphicFramePr>
+          <p:cNvPr id="5" name="표 4"/>
+          <p:cNvGraphicFramePr>
+            <a:graphicFrameLocks noGrp="1"/>
+          </p:cNvGraphicFramePr>
+          <p:nvPr>
+            <p:extLst>
+              <p:ext uri="{D42A27DB-BD31-4B8C-83A1-F6EECF244321}">
+                <p14:modId xmlns:p14="http://schemas.microsoft.com/office/powerpoint/2010/main" val="596418399"/>
+              </p:ext>
+            </p:extLst>
+          </p:nvPr>
+        </p:nvGraphicFramePr>
+        <p:xfrm>
+          <a:off x="6392332" y="719664"/>
+          <a:ext cx="4174068" cy="3007344"/>
+        </p:xfrm>
+        <a:graphic>
+          <a:graphicData uri="http://schemas.openxmlformats.org/drawingml/2006/table">
+            <a:tbl>
+              <a:tblPr>
+                <a:tableStyleId>{073A0DAA-6AF3-43AB-8588-CEC1D06C72B9}</a:tableStyleId>
+              </a:tblPr>
+              <a:tblGrid>
+                <a:gridCol w="2087034"/>
+                <a:gridCol w="2087034"/>
+              </a:tblGrid>
+              <a:tr h="732867">
+                <a:tc>
+                  <a:txBody>
+                    <a:bodyPr/>
+                    <a:lstStyle/>
+                    <a:p>
+                      <a:pPr algn="ctr" latinLnBrk="1"/>
+                      <a:r>
+                        <a:rPr lang="ko-KR" altLang="en-US" dirty="0" smtClean="0"/>
+                        <a:t>구분</a:t>
+                      </a:r>
+                      <a:endParaRPr lang="ko-KR" altLang="en-US" dirty="0"/>
+                    </a:p>
+                  </a:txBody>
+                  <a:tcPr anchor="ctr">
+                    <a:solidFill>
+                      <a:schemeClr val="tx1">
+                        <a:lumMod val="50000"/>
+                        <a:lumOff val="50000"/>
+                      </a:schemeClr>
+                    </a:solidFill>
+                  </a:tcPr>
+                </a:tc>
+                <a:tc>
+                  <a:txBody>
+                    <a:bodyPr/>
+                    <a:lstStyle/>
+                    <a:p>
+                      <a:pPr algn="ctr" latinLnBrk="1"/>
+                      <a:r>
+                        <a:rPr lang="ko-KR" altLang="en-US" dirty="0" smtClean="0"/>
+                        <a:t>내용</a:t>
+                      </a:r>
+                      <a:endParaRPr lang="ko-KR" altLang="en-US" dirty="0"/>
+                    </a:p>
+                  </a:txBody>
+                  <a:tcPr anchor="ctr">
+                    <a:solidFill>
+                      <a:schemeClr val="tx1">
+                        <a:lumMod val="50000"/>
+                        <a:lumOff val="50000"/>
+                      </a:schemeClr>
+                    </a:solidFill>
+                  </a:tcPr>
+                </a:tc>
+              </a:tr>
+              <a:tr h="1109049">
+                <a:tc>
+                  <a:txBody>
+                    <a:bodyPr/>
+                    <a:lstStyle/>
+                    <a:p>
+                      <a:pPr algn="ctr" latinLnBrk="1"/>
+                      <a:r>
+                        <a:rPr lang="ko-KR" altLang="en-US" dirty="0" smtClean="0"/>
+                        <a:t>화면 번호</a:t>
+                      </a:r>
+                      <a:r>
+                        <a:rPr lang="en-US" altLang="ko-KR" dirty="0" smtClean="0"/>
+                        <a:t/>
+                      </a:r>
+                      <a:br>
+                        <a:rPr lang="en-US" altLang="ko-KR" dirty="0" smtClean="0"/>
+                      </a:br>
+                      <a:r>
+                        <a:rPr lang="en-US" altLang="ko-KR" dirty="0" smtClean="0"/>
+                        <a:t>(</a:t>
+                      </a:r>
+                      <a:r>
+                        <a:rPr lang="ko-KR" altLang="en-US" sz="1200" dirty="0" smtClean="0"/>
+                        <a:t>멀티 플레이 승</a:t>
+                      </a:r>
+                      <a:r>
+                        <a:rPr lang="en-US" altLang="ko-KR" sz="1200" dirty="0" smtClean="0"/>
+                        <a:t>/</a:t>
+                      </a:r>
+                      <a:r>
+                        <a:rPr lang="ko-KR" altLang="en-US" sz="1200" dirty="0" smtClean="0"/>
+                        <a:t>패 화면</a:t>
+                      </a:r>
+                      <a:r>
+                        <a:rPr lang="en-US" altLang="ko-KR" dirty="0" smtClean="0"/>
+                        <a:t>)</a:t>
+                      </a:r>
+                      <a:endParaRPr lang="ko-KR" altLang="en-US" dirty="0"/>
+                    </a:p>
+                  </a:txBody>
+                  <a:tcPr anchor="ctr"/>
+                </a:tc>
+                <a:tc>
+                  <a:txBody>
+                    <a:bodyPr/>
+                    <a:lstStyle/>
+                    <a:p>
+                      <a:pPr algn="ctr" latinLnBrk="1"/>
+                      <a:r>
+                        <a:rPr lang="en-US" altLang="ko-KR" dirty="0" smtClean="0"/>
+                        <a:t>11-01</a:t>
+                      </a:r>
+                      <a:endParaRPr lang="ko-KR" altLang="en-US" dirty="0"/>
+                    </a:p>
+                  </a:txBody>
+                  <a:tcPr anchor="ctr"/>
+                </a:tc>
+              </a:tr>
+              <a:tr h="1165428">
+                <a:tc>
+                  <a:txBody>
+                    <a:bodyPr/>
+                    <a:lstStyle/>
+                    <a:p>
+                      <a:pPr algn="ctr" latinLnBrk="1"/>
+                      <a:r>
+                        <a:rPr lang="en-US" altLang="ko-KR" dirty="0" smtClean="0"/>
+                        <a:t>btn01</a:t>
+                      </a:r>
+                      <a:endParaRPr lang="ko-KR" altLang="en-US" dirty="0"/>
+                    </a:p>
+                  </a:txBody>
+                  <a:tcPr anchor="ctr"/>
+                </a:tc>
+                <a:tc>
+                  <a:txBody>
+                    <a:bodyPr/>
+                    <a:lstStyle/>
+                    <a:p>
+                      <a:pPr algn="ctr" latinLnBrk="1"/>
+                      <a:endParaRPr lang="ko-KR" altLang="en-US" dirty="0"/>
+                    </a:p>
+                  </a:txBody>
+                  <a:tcPr anchor="ctr"/>
+                </a:tc>
+              </a:tr>
+            </a:tbl>
+          </a:graphicData>
+        </a:graphic>
+      </p:graphicFrame>
+      <p:sp>
+        <p:nvSpPr>
+          <p:cNvPr id="2" name="모서리가 둥근 직사각형 1"/>
+          <p:cNvSpPr/>
+          <p:nvPr/>
+        </p:nvSpPr>
+        <p:spPr>
+          <a:xfrm>
+            <a:off x="1417108" y="4231216"/>
+            <a:ext cx="1202267" cy="618067"/>
+          </a:xfrm>
+          <a:prstGeom prst="roundRect">
+            <a:avLst/>
+          </a:prstGeom>
+        </p:spPr>
+        <p:style>
+          <a:lnRef idx="2">
+            <a:schemeClr val="accent1">
+              <a:shade val="50000"/>
+            </a:schemeClr>
+          </a:lnRef>
+          <a:fillRef idx="1">
+            <a:schemeClr val="accent1"/>
+          </a:fillRef>
+          <a:effectRef idx="0">
+            <a:schemeClr val="accent1"/>
+          </a:effectRef>
+          <a:fontRef idx="minor">
+            <a:schemeClr val="lt1"/>
+          </a:fontRef>
+        </p:style>
+        <p:txBody>
+          <a:bodyPr rtlCol="0" anchor="ctr"/>
+          <a:lstStyle/>
+          <a:p>
+            <a:pPr algn="ctr"/>
+            <a:r>
+              <a:rPr lang="en-US" altLang="ko-KR" smtClean="0"/>
+              <a:t>Give up</a:t>
+            </a:r>
+            <a:endParaRPr lang="ko-KR" altLang="en-US" dirty="0"/>
+          </a:p>
+        </p:txBody>
+      </p:sp>
+      <p:sp>
+        <p:nvSpPr>
+          <p:cNvPr id="9" name="모서리가 둥근 직사각형 8"/>
+          <p:cNvSpPr/>
+          <p:nvPr/>
+        </p:nvSpPr>
+        <p:spPr>
+          <a:xfrm>
+            <a:off x="3990974" y="4231216"/>
+            <a:ext cx="1202267" cy="618067"/>
+          </a:xfrm>
+          <a:prstGeom prst="roundRect">
+            <a:avLst/>
+          </a:prstGeom>
+        </p:spPr>
+        <p:style>
+          <a:lnRef idx="2">
+            <a:schemeClr val="accent1">
+              <a:shade val="50000"/>
+            </a:schemeClr>
+          </a:lnRef>
+          <a:fillRef idx="1">
+            <a:schemeClr val="accent1"/>
+          </a:fillRef>
+          <a:effectRef idx="0">
+            <a:schemeClr val="accent1"/>
+          </a:effectRef>
+          <a:fontRef idx="minor">
+            <a:schemeClr val="lt1"/>
+          </a:fontRef>
+        </p:style>
+        <p:txBody>
+          <a:bodyPr rtlCol="0" anchor="ctr"/>
+          <a:lstStyle/>
+          <a:p>
+            <a:pPr algn="ctr"/>
+            <a:r>
+              <a:rPr lang="en-US" altLang="ko-KR" dirty="0" smtClean="0"/>
+              <a:t>Map</a:t>
+            </a:r>
+            <a:br>
+              <a:rPr lang="en-US" altLang="ko-KR" dirty="0" smtClean="0"/>
+            </a:br>
+            <a:r>
+              <a:rPr lang="en-US" altLang="ko-KR" dirty="0" smtClean="0"/>
+              <a:t>(</a:t>
+            </a:r>
+            <a:r>
+              <a:rPr lang="ko-KR" altLang="en-US" dirty="0" err="1" smtClean="0"/>
+              <a:t>맵확인</a:t>
+            </a:r>
+            <a:r>
+              <a:rPr lang="en-US" altLang="ko-KR" dirty="0" smtClean="0"/>
+              <a:t>)</a:t>
+            </a:r>
+            <a:endParaRPr lang="ko-KR" altLang="en-US" dirty="0"/>
+          </a:p>
+        </p:txBody>
+      </p:sp>
+      <p:sp>
+        <p:nvSpPr>
+          <p:cNvPr id="10" name="모서리가 둥근 직사각형 9"/>
+          <p:cNvSpPr/>
+          <p:nvPr/>
+        </p:nvSpPr>
+        <p:spPr>
+          <a:xfrm>
+            <a:off x="2704041" y="4222749"/>
+            <a:ext cx="1202267" cy="618067"/>
+          </a:xfrm>
+          <a:prstGeom prst="roundRect">
+            <a:avLst/>
+          </a:prstGeom>
+        </p:spPr>
+        <p:style>
+          <a:lnRef idx="2">
+            <a:schemeClr val="accent1">
+              <a:shade val="50000"/>
+            </a:schemeClr>
+          </a:lnRef>
+          <a:fillRef idx="1">
+            <a:schemeClr val="accent1"/>
+          </a:fillRef>
+          <a:effectRef idx="0">
+            <a:schemeClr val="accent1"/>
+          </a:effectRef>
+          <a:fontRef idx="minor">
+            <a:schemeClr val="lt1"/>
+          </a:fontRef>
+        </p:style>
+        <p:txBody>
+          <a:bodyPr rtlCol="0" anchor="ctr"/>
+          <a:lstStyle/>
+          <a:p>
+            <a:pPr algn="ctr"/>
+            <a:r>
+              <a:rPr lang="en-US" altLang="ko-KR" dirty="0" smtClean="0"/>
+              <a:t>Rematch</a:t>
+            </a:r>
+            <a:endParaRPr lang="ko-KR" altLang="en-US" dirty="0"/>
+          </a:p>
+        </p:txBody>
+      </p:sp>
+      <p:sp>
+        <p:nvSpPr>
+          <p:cNvPr id="11" name="모서리가 둥근 직사각형 10"/>
+          <p:cNvSpPr/>
+          <p:nvPr/>
+        </p:nvSpPr>
+        <p:spPr>
+          <a:xfrm>
+            <a:off x="1781174" y="2044700"/>
+            <a:ext cx="2895601" cy="1761067"/>
+          </a:xfrm>
+          <a:prstGeom prst="roundRect">
+            <a:avLst/>
+          </a:prstGeom>
+        </p:spPr>
+        <p:style>
+          <a:lnRef idx="2">
+            <a:schemeClr val="accent1">
+              <a:shade val="50000"/>
+            </a:schemeClr>
+          </a:lnRef>
+          <a:fillRef idx="1">
+            <a:schemeClr val="accent1"/>
+          </a:fillRef>
+          <a:effectRef idx="0">
+            <a:schemeClr val="accent1"/>
+          </a:effectRef>
+          <a:fontRef idx="minor">
+            <a:schemeClr val="lt1"/>
+          </a:fontRef>
+        </p:style>
+        <p:txBody>
+          <a:bodyPr rtlCol="0" anchor="ctr"/>
+          <a:lstStyle/>
+          <a:p>
+            <a:pPr algn="ctr"/>
+            <a:r>
+              <a:rPr lang="en-US" altLang="ko-KR" sz="3600" dirty="0" smtClean="0"/>
+              <a:t>Win / Lose</a:t>
+            </a:r>
+            <a:endParaRPr lang="ko-KR" altLang="en-US" sz="3600" dirty="0"/>
+          </a:p>
+        </p:txBody>
+      </p:sp>
+    </p:spTree>
+    <p:extLst>
+      <p:ext uri="{BB962C8B-B14F-4D97-AF65-F5344CB8AC3E}">
+        <p14:creationId xmlns:p14="http://schemas.microsoft.com/office/powerpoint/2010/main" val="1046036557"/>
       </p:ext>
     </p:extLst>
   </p:cSld>
@@ -19320,7 +19842,7 @@
           <p:nvPr>
             <p:extLst>
               <p:ext uri="{D42A27DB-BD31-4B8C-83A1-F6EECF244321}">
-                <p14:modId xmlns:p14="http://schemas.microsoft.com/office/powerpoint/2010/main" val="3825514169"/>
+                <p14:modId xmlns:p14="http://schemas.microsoft.com/office/powerpoint/2010/main" val="1199861723"/>
               </p:ext>
             </p:extLst>
           </p:nvPr>
@@ -19519,95 +20041,6 @@
           </a:graphicData>
         </a:graphic>
       </p:graphicFrame>
-      <p:grpSp>
-        <p:nvGrpSpPr>
-          <p:cNvPr id="9" name="그룹 8"/>
-          <p:cNvGrpSpPr/>
-          <p:nvPr/>
-        </p:nvGrpSpPr>
-        <p:grpSpPr>
-          <a:xfrm>
-            <a:off x="3007838" y="626529"/>
-            <a:ext cx="537524" cy="537524"/>
-            <a:chOff x="3007838" y="313263"/>
-            <a:chExt cx="537524" cy="537524"/>
-          </a:xfrm>
-        </p:grpSpPr>
-        <p:sp>
-          <p:nvSpPr>
-            <p:cNvPr id="16" name="타원 15"/>
-            <p:cNvSpPr/>
-            <p:nvPr/>
-          </p:nvSpPr>
-          <p:spPr>
-            <a:xfrm>
-              <a:off x="3007838" y="313263"/>
-              <a:ext cx="537524" cy="537524"/>
-            </a:xfrm>
-            <a:prstGeom prst="ellipse">
-              <a:avLst/>
-            </a:prstGeom>
-          </p:spPr>
-          <p:style>
-            <a:lnRef idx="2">
-              <a:schemeClr val="accent1">
-                <a:shade val="50000"/>
-              </a:schemeClr>
-            </a:lnRef>
-            <a:fillRef idx="1">
-              <a:schemeClr val="accent1"/>
-            </a:fillRef>
-            <a:effectRef idx="0">
-              <a:schemeClr val="accent1"/>
-            </a:effectRef>
-            <a:fontRef idx="minor">
-              <a:schemeClr val="lt1"/>
-            </a:fontRef>
-          </p:style>
-          <p:txBody>
-            <a:bodyPr rtlCol="0" anchor="ctr"/>
-            <a:lstStyle/>
-            <a:p>
-              <a:pPr algn="ctr"/>
-              <a:endParaRPr lang="ko-KR" altLang="en-US" sz="700" dirty="0"/>
-            </a:p>
-          </p:txBody>
-        </p:sp>
-        <p:sp>
-          <p:nvSpPr>
-            <p:cNvPr id="6" name="TextBox 5"/>
-            <p:cNvSpPr txBox="1"/>
-            <p:nvPr/>
-          </p:nvSpPr>
-          <p:spPr>
-            <a:xfrm>
-              <a:off x="3036889" y="443525"/>
-              <a:ext cx="508473" cy="276999"/>
-            </a:xfrm>
-            <a:prstGeom prst="rect">
-              <a:avLst/>
-            </a:prstGeom>
-            <a:noFill/>
-          </p:spPr>
-          <p:txBody>
-            <a:bodyPr wrap="none" rtlCol="0">
-              <a:spAutoFit/>
-            </a:bodyPr>
-            <a:lstStyle/>
-            <a:p>
-              <a:r>
-                <a:rPr lang="en-US" altLang="ko-KR" sz="1200" dirty="0" smtClean="0"/>
-                <a:t>15</a:t>
-              </a:r>
-              <a:r>
-                <a:rPr lang="ko-KR" altLang="en-US" sz="1200" dirty="0" smtClean="0"/>
-                <a:t>초</a:t>
-              </a:r>
-              <a:endParaRPr lang="ko-KR" altLang="en-US" sz="1200" dirty="0"/>
-            </a:p>
-          </p:txBody>
-        </p:sp>
-      </p:grpSp>
       <p:sp>
         <p:nvSpPr>
           <p:cNvPr id="8" name="TextBox 7"/>
@@ -20483,6 +20916,440 @@
           </a:p>
         </p:txBody>
       </p:sp>
+      <p:sp>
+        <p:nvSpPr>
+          <p:cNvPr id="7" name="모서리가 둥근 직사각형 6"/>
+          <p:cNvSpPr/>
+          <p:nvPr/>
+        </p:nvSpPr>
+        <p:spPr>
+          <a:xfrm>
+            <a:off x="270933" y="631474"/>
+            <a:ext cx="728133" cy="702738"/>
+          </a:xfrm>
+          <a:prstGeom prst="roundRect">
+            <a:avLst/>
+          </a:prstGeom>
+        </p:spPr>
+        <p:style>
+          <a:lnRef idx="2">
+            <a:schemeClr val="accent1">
+              <a:shade val="50000"/>
+            </a:schemeClr>
+          </a:lnRef>
+          <a:fillRef idx="1">
+            <a:schemeClr val="accent1"/>
+          </a:fillRef>
+          <a:effectRef idx="0">
+            <a:schemeClr val="accent1"/>
+          </a:effectRef>
+          <a:fontRef idx="minor">
+            <a:schemeClr val="lt1"/>
+          </a:fontRef>
+        </p:style>
+        <p:txBody>
+          <a:bodyPr rtlCol="0" anchor="ctr"/>
+          <a:lstStyle/>
+          <a:p>
+            <a:pPr algn="ctr"/>
+            <a:endParaRPr lang="ko-KR" altLang="en-US"/>
+          </a:p>
+        </p:txBody>
+      </p:sp>
+      <p:sp>
+        <p:nvSpPr>
+          <p:cNvPr id="39" name="모서리가 둥근 직사각형 38"/>
+          <p:cNvSpPr/>
+          <p:nvPr/>
+        </p:nvSpPr>
+        <p:spPr>
+          <a:xfrm>
+            <a:off x="5554134" y="626529"/>
+            <a:ext cx="728133" cy="702738"/>
+          </a:xfrm>
+          <a:prstGeom prst="roundRect">
+            <a:avLst/>
+          </a:prstGeom>
+        </p:spPr>
+        <p:style>
+          <a:lnRef idx="2">
+            <a:schemeClr val="accent1">
+              <a:shade val="50000"/>
+            </a:schemeClr>
+          </a:lnRef>
+          <a:fillRef idx="1">
+            <a:schemeClr val="accent1"/>
+          </a:fillRef>
+          <a:effectRef idx="0">
+            <a:schemeClr val="accent1"/>
+          </a:effectRef>
+          <a:fontRef idx="minor">
+            <a:schemeClr val="lt1"/>
+          </a:fontRef>
+        </p:style>
+        <p:txBody>
+          <a:bodyPr rtlCol="0" anchor="ctr"/>
+          <a:lstStyle/>
+          <a:p>
+            <a:pPr algn="ctr"/>
+            <a:endParaRPr lang="ko-KR" altLang="en-US"/>
+          </a:p>
+        </p:txBody>
+      </p:sp>
+      <p:sp>
+        <p:nvSpPr>
+          <p:cNvPr id="48" name="모서리가 둥근 직사각형 47"/>
+          <p:cNvSpPr/>
+          <p:nvPr/>
+        </p:nvSpPr>
+        <p:spPr>
+          <a:xfrm>
+            <a:off x="343896" y="707034"/>
+            <a:ext cx="575733" cy="545393"/>
+          </a:xfrm>
+          <a:prstGeom prst="roundRect">
+            <a:avLst/>
+          </a:prstGeom>
+        </p:spPr>
+        <p:style>
+          <a:lnRef idx="2">
+            <a:schemeClr val="accent1">
+              <a:shade val="50000"/>
+            </a:schemeClr>
+          </a:lnRef>
+          <a:fillRef idx="1">
+            <a:schemeClr val="accent1"/>
+          </a:fillRef>
+          <a:effectRef idx="0">
+            <a:schemeClr val="accent1"/>
+          </a:effectRef>
+          <a:fontRef idx="minor">
+            <a:schemeClr val="lt1"/>
+          </a:fontRef>
+        </p:style>
+        <p:txBody>
+          <a:bodyPr rtlCol="0" anchor="ctr"/>
+          <a:lstStyle/>
+          <a:p>
+            <a:pPr algn="ctr"/>
+            <a:endParaRPr lang="ko-KR" altLang="en-US"/>
+          </a:p>
+        </p:txBody>
+      </p:sp>
+      <p:sp>
+        <p:nvSpPr>
+          <p:cNvPr id="10" name="모서리가 둥근 직사각형 9"/>
+          <p:cNvSpPr/>
+          <p:nvPr/>
+        </p:nvSpPr>
+        <p:spPr>
+          <a:xfrm>
+            <a:off x="275931" y="1397000"/>
+            <a:ext cx="1888847" cy="279401"/>
+          </a:xfrm>
+          <a:prstGeom prst="roundRect">
+            <a:avLst/>
+          </a:prstGeom>
+        </p:spPr>
+        <p:style>
+          <a:lnRef idx="2">
+            <a:schemeClr val="accent1">
+              <a:shade val="50000"/>
+            </a:schemeClr>
+          </a:lnRef>
+          <a:fillRef idx="1">
+            <a:schemeClr val="accent1"/>
+          </a:fillRef>
+          <a:effectRef idx="0">
+            <a:schemeClr val="accent1"/>
+          </a:effectRef>
+          <a:fontRef idx="minor">
+            <a:schemeClr val="lt1"/>
+          </a:fontRef>
+        </p:style>
+        <p:txBody>
+          <a:bodyPr rtlCol="0" anchor="ctr"/>
+          <a:lstStyle/>
+          <a:p>
+            <a:pPr algn="ctr"/>
+            <a:endParaRPr lang="ko-KR" altLang="en-US"/>
+          </a:p>
+        </p:txBody>
+      </p:sp>
+      <p:sp>
+        <p:nvSpPr>
+          <p:cNvPr id="52" name="모서리가 둥근 직사각형 51"/>
+          <p:cNvSpPr/>
+          <p:nvPr/>
+        </p:nvSpPr>
+        <p:spPr>
+          <a:xfrm>
+            <a:off x="4388422" y="262704"/>
+            <a:ext cx="1888847" cy="279401"/>
+          </a:xfrm>
+          <a:prstGeom prst="roundRect">
+            <a:avLst/>
+          </a:prstGeom>
+        </p:spPr>
+        <p:style>
+          <a:lnRef idx="2">
+            <a:schemeClr val="accent1">
+              <a:shade val="50000"/>
+            </a:schemeClr>
+          </a:lnRef>
+          <a:fillRef idx="1">
+            <a:schemeClr val="accent1"/>
+          </a:fillRef>
+          <a:effectRef idx="0">
+            <a:schemeClr val="accent1"/>
+          </a:effectRef>
+          <a:fontRef idx="minor">
+            <a:schemeClr val="lt1"/>
+          </a:fontRef>
+        </p:style>
+        <p:txBody>
+          <a:bodyPr rtlCol="0" anchor="ctr"/>
+          <a:lstStyle/>
+          <a:p>
+            <a:pPr algn="ctr"/>
+            <a:endParaRPr lang="ko-KR" altLang="en-US"/>
+          </a:p>
+        </p:txBody>
+      </p:sp>
+      <p:sp>
+        <p:nvSpPr>
+          <p:cNvPr id="53" name="모서리가 둥근 직사각형 52"/>
+          <p:cNvSpPr/>
+          <p:nvPr/>
+        </p:nvSpPr>
+        <p:spPr>
+          <a:xfrm>
+            <a:off x="1027001" y="6090433"/>
+            <a:ext cx="1072066" cy="357762"/>
+          </a:xfrm>
+          <a:prstGeom prst="roundRect">
+            <a:avLst/>
+          </a:prstGeom>
+        </p:spPr>
+        <p:style>
+          <a:lnRef idx="2">
+            <a:schemeClr val="accent1">
+              <a:shade val="50000"/>
+            </a:schemeClr>
+          </a:lnRef>
+          <a:fillRef idx="1">
+            <a:schemeClr val="accent1"/>
+          </a:fillRef>
+          <a:effectRef idx="0">
+            <a:schemeClr val="accent1"/>
+          </a:effectRef>
+          <a:fontRef idx="minor">
+            <a:schemeClr val="lt1"/>
+          </a:fontRef>
+        </p:style>
+        <p:txBody>
+          <a:bodyPr rtlCol="0" anchor="ctr"/>
+          <a:lstStyle/>
+          <a:p>
+            <a:pPr algn="ctr"/>
+            <a:r>
+              <a:rPr lang="ko-KR" altLang="en-US" dirty="0" smtClean="0"/>
+              <a:t>포기</a:t>
+            </a:r>
+            <a:endParaRPr lang="ko-KR" altLang="en-US" dirty="0"/>
+          </a:p>
+        </p:txBody>
+      </p:sp>
+      <p:grpSp>
+        <p:nvGrpSpPr>
+          <p:cNvPr id="20" name="그룹 19"/>
+          <p:cNvGrpSpPr/>
+          <p:nvPr/>
+        </p:nvGrpSpPr>
+        <p:grpSpPr>
+          <a:xfrm>
+            <a:off x="270933" y="220366"/>
+            <a:ext cx="891549" cy="316630"/>
+            <a:chOff x="270933" y="220366"/>
+            <a:chExt cx="891549" cy="316630"/>
+          </a:xfrm>
+        </p:grpSpPr>
+        <p:sp>
+          <p:nvSpPr>
+            <p:cNvPr id="15" name="모서리가 둥근 직사각형 14"/>
+            <p:cNvSpPr/>
+            <p:nvPr/>
+          </p:nvSpPr>
+          <p:spPr>
+            <a:xfrm>
+              <a:off x="270933" y="220366"/>
+              <a:ext cx="891549" cy="316630"/>
+            </a:xfrm>
+            <a:prstGeom prst="roundRect">
+              <a:avLst/>
+            </a:prstGeom>
+          </p:spPr>
+          <p:style>
+            <a:lnRef idx="2">
+              <a:schemeClr val="accent1">
+                <a:shade val="50000"/>
+              </a:schemeClr>
+            </a:lnRef>
+            <a:fillRef idx="1">
+              <a:schemeClr val="accent1"/>
+            </a:fillRef>
+            <a:effectRef idx="0">
+              <a:schemeClr val="accent1"/>
+            </a:effectRef>
+            <a:fontRef idx="minor">
+              <a:schemeClr val="lt1"/>
+            </a:fontRef>
+          </p:style>
+          <p:txBody>
+            <a:bodyPr rtlCol="0" anchor="ctr"/>
+            <a:lstStyle/>
+            <a:p>
+              <a:pPr algn="ctr"/>
+              <a:endParaRPr lang="ko-KR" altLang="en-US"/>
+            </a:p>
+          </p:txBody>
+        </p:sp>
+        <p:sp>
+          <p:nvSpPr>
+            <p:cNvPr id="17" name="이등변 삼각형 16"/>
+            <p:cNvSpPr/>
+            <p:nvPr/>
+          </p:nvSpPr>
+          <p:spPr>
+            <a:xfrm rot="10800000">
+              <a:off x="831190" y="321025"/>
+              <a:ext cx="284655" cy="159680"/>
+            </a:xfrm>
+            <a:prstGeom prst="triangle">
+              <a:avLst/>
+            </a:prstGeom>
+          </p:spPr>
+          <p:style>
+            <a:lnRef idx="2">
+              <a:schemeClr val="accent1">
+                <a:shade val="50000"/>
+              </a:schemeClr>
+            </a:lnRef>
+            <a:fillRef idx="1">
+              <a:schemeClr val="accent1"/>
+            </a:fillRef>
+            <a:effectRef idx="0">
+              <a:schemeClr val="accent1"/>
+            </a:effectRef>
+            <a:fontRef idx="minor">
+              <a:schemeClr val="lt1"/>
+            </a:fontRef>
+          </p:style>
+          <p:txBody>
+            <a:bodyPr rtlCol="0" anchor="ctr"/>
+            <a:lstStyle/>
+            <a:p>
+              <a:pPr algn="ctr"/>
+              <a:endParaRPr lang="ko-KR" altLang="en-US"/>
+            </a:p>
+          </p:txBody>
+        </p:sp>
+      </p:grpSp>
+      <p:grpSp>
+        <p:nvGrpSpPr>
+          <p:cNvPr id="54" name="그룹 53"/>
+          <p:cNvGrpSpPr/>
+          <p:nvPr/>
+        </p:nvGrpSpPr>
+        <p:grpSpPr>
+          <a:xfrm>
+            <a:off x="5385031" y="-118764"/>
+            <a:ext cx="891549" cy="316630"/>
+            <a:chOff x="270933" y="220366"/>
+            <a:chExt cx="891549" cy="316630"/>
+          </a:xfrm>
+        </p:grpSpPr>
+        <p:sp>
+          <p:nvSpPr>
+            <p:cNvPr id="55" name="모서리가 둥근 직사각형 54"/>
+            <p:cNvSpPr/>
+            <p:nvPr/>
+          </p:nvSpPr>
+          <p:spPr>
+            <a:xfrm>
+              <a:off x="270933" y="220366"/>
+              <a:ext cx="891549" cy="316630"/>
+            </a:xfrm>
+            <a:prstGeom prst="roundRect">
+              <a:avLst/>
+            </a:prstGeom>
+          </p:spPr>
+          <p:style>
+            <a:lnRef idx="2">
+              <a:schemeClr val="accent1">
+                <a:shade val="50000"/>
+              </a:schemeClr>
+            </a:lnRef>
+            <a:fillRef idx="1">
+              <a:schemeClr val="accent1"/>
+            </a:fillRef>
+            <a:effectRef idx="0">
+              <a:schemeClr val="accent1"/>
+            </a:effectRef>
+            <a:fontRef idx="minor">
+              <a:schemeClr val="lt1"/>
+            </a:fontRef>
+          </p:style>
+          <p:txBody>
+            <a:bodyPr rtlCol="0" anchor="ctr"/>
+            <a:lstStyle/>
+            <a:p>
+              <a:pPr algn="ctr"/>
+              <a:endParaRPr lang="ko-KR" altLang="en-US"/>
+            </a:p>
+          </p:txBody>
+        </p:sp>
+        <p:sp>
+          <p:nvSpPr>
+            <p:cNvPr id="56" name="이등변 삼각형 55"/>
+            <p:cNvSpPr/>
+            <p:nvPr/>
+          </p:nvSpPr>
+          <p:spPr>
+            <a:xfrm rot="10800000">
+              <a:off x="831190" y="321025"/>
+              <a:ext cx="284655" cy="159680"/>
+            </a:xfrm>
+            <a:prstGeom prst="triangle">
+              <a:avLst/>
+            </a:prstGeom>
+          </p:spPr>
+          <p:style>
+            <a:lnRef idx="2">
+              <a:schemeClr val="accent1">
+                <a:shade val="50000"/>
+              </a:schemeClr>
+            </a:lnRef>
+            <a:fillRef idx="1">
+              <a:schemeClr val="accent1"/>
+            </a:fillRef>
+            <a:effectRef idx="0">
+              <a:schemeClr val="accent1"/>
+            </a:effectRef>
+            <a:fontRef idx="minor">
+              <a:schemeClr val="lt1"/>
+            </a:fontRef>
+          </p:style>
+          <p:txBody>
+            <a:bodyPr rtlCol="0" anchor="ctr"/>
+            <a:lstStyle/>
+            <a:p>
+              <a:pPr algn="ctr"/>
+              <a:endParaRPr lang="ko-KR" altLang="en-US"/>
+            </a:p>
+          </p:txBody>
+        </p:sp>
+      </p:grpSp>
     </p:spTree>
     <p:extLst>
       <p:ext uri="{BB962C8B-B14F-4D97-AF65-F5344CB8AC3E}">
